--- a/SignalR-Intro/SignalRIntro.pptx
+++ b/SignalR-Intro/SignalRIntro.pptx
@@ -5,7 +5,7 @@
     <p:sldMasterId id="2147483648" r:id="rId1"/>
   </p:sldMasterIdLst>
   <p:notesMasterIdLst>
-    <p:notesMasterId r:id="rId30"/>
+    <p:notesMasterId r:id="rId28"/>
   </p:notesMasterIdLst>
   <p:sldIdLst>
     <p:sldId id="258" r:id="rId2"/>
@@ -14,28 +14,26 @@
     <p:sldId id="280" r:id="rId5"/>
     <p:sldId id="261" r:id="rId6"/>
     <p:sldId id="264" r:id="rId7"/>
-    <p:sldId id="296" r:id="rId8"/>
+    <p:sldId id="301" r:id="rId8"/>
     <p:sldId id="274" r:id="rId9"/>
     <p:sldId id="279" r:id="rId10"/>
-    <p:sldId id="290" r:id="rId11"/>
+    <p:sldId id="292" r:id="rId11"/>
     <p:sldId id="291" r:id="rId12"/>
-    <p:sldId id="292" r:id="rId13"/>
-    <p:sldId id="295" r:id="rId14"/>
-    <p:sldId id="281" r:id="rId15"/>
-    <p:sldId id="273" r:id="rId16"/>
-    <p:sldId id="278" r:id="rId17"/>
-    <p:sldId id="294" r:id="rId18"/>
-    <p:sldId id="277" r:id="rId19"/>
-    <p:sldId id="298" r:id="rId20"/>
-    <p:sldId id="285" r:id="rId21"/>
-    <p:sldId id="293" r:id="rId22"/>
-    <p:sldId id="300" r:id="rId23"/>
-    <p:sldId id="288" r:id="rId24"/>
-    <p:sldId id="297" r:id="rId25"/>
-    <p:sldId id="299" r:id="rId26"/>
-    <p:sldId id="265" r:id="rId27"/>
-    <p:sldId id="289" r:id="rId28"/>
-    <p:sldId id="263" r:id="rId29"/>
+    <p:sldId id="290" r:id="rId13"/>
+    <p:sldId id="281" r:id="rId14"/>
+    <p:sldId id="273" r:id="rId15"/>
+    <p:sldId id="278" r:id="rId16"/>
+    <p:sldId id="294" r:id="rId17"/>
+    <p:sldId id="277" r:id="rId18"/>
+    <p:sldId id="298" r:id="rId19"/>
+    <p:sldId id="285" r:id="rId20"/>
+    <p:sldId id="293" r:id="rId21"/>
+    <p:sldId id="303" r:id="rId22"/>
+    <p:sldId id="288" r:id="rId23"/>
+    <p:sldId id="297" r:id="rId24"/>
+    <p:sldId id="289" r:id="rId25"/>
+    <p:sldId id="302" r:id="rId26"/>
+    <p:sldId id="300" r:id="rId27"/>
   </p:sldIdLst>
   <p:sldSz cx="9144000" cy="6858000" type="screen4x3"/>
   <p:notesSz cx="6858000" cy="9144000"/>
@@ -615,111 +613,6 @@
           <a:bodyPr/>
           <a:lstStyle/>
           <a:p>
-            <a:pPr marL="0" marR="0" indent="0" algn="l" defTabSz="914400" rtl="0" eaLnBrk="1" fontAlgn="auto" latinLnBrk="0" hangingPunct="1">
-              <a:lnSpc>
-                <a:spcPct val="100000"/>
-              </a:lnSpc>
-              <a:spcBef>
-                <a:spcPts val="0"/>
-              </a:spcBef>
-              <a:spcAft>
-                <a:spcPts val="0"/>
-              </a:spcAft>
-              <a:buClrTx/>
-              <a:buSzTx/>
-              <a:buFontTx/>
-              <a:buNone/>
-              <a:tabLst/>
-              <a:defRPr/>
-            </a:pPr>
-            <a:r>
-              <a:rPr lang="en-US" dirty="0" smtClean="0"/>
-              <a:t>Everything</a:t>
-            </a:r>
-            <a:r>
-              <a:rPr lang="en-US" baseline="0" dirty="0" smtClean="0"/>
-              <a:t> between your browser and the server, which can be endless, firewalls, routers, etc. has to understand </a:t>
-            </a:r>
-            <a:r>
-              <a:rPr lang="en-US" baseline="0" dirty="0" err="1" smtClean="0"/>
-              <a:t>websocket</a:t>
-            </a:r>
-            <a:r>
-              <a:rPr lang="en-US" baseline="0" dirty="0" smtClean="0"/>
-              <a:t> protocol.  That</a:t>
-            </a:r>
-          </a:p>
-          <a:p>
-            <a:pPr marL="0" marR="0" indent="0" algn="l" defTabSz="914400" rtl="0" eaLnBrk="1" fontAlgn="auto" latinLnBrk="0" hangingPunct="1">
-              <a:lnSpc>
-                <a:spcPct val="100000"/>
-              </a:lnSpc>
-              <a:spcBef>
-                <a:spcPts val="0"/>
-              </a:spcBef>
-              <a:spcAft>
-                <a:spcPts val="0"/>
-              </a:spcAft>
-              <a:buClrTx/>
-              <a:buSzTx/>
-              <a:buFontTx/>
-              <a:buNone/>
-              <a:tabLst/>
-              <a:defRPr/>
-            </a:pPr>
-            <a:r>
-              <a:rPr lang="en-US" baseline="0" dirty="0" smtClean="0"/>
-              <a:t>Will take a while…big implications, security etc.</a:t>
-            </a:r>
-            <a:endParaRPr lang="en-US" dirty="0" smtClean="0"/>
-          </a:p>
-          <a:p>
-            <a:pPr marL="0" marR="0" indent="0" algn="l" defTabSz="914400" rtl="0" eaLnBrk="1" fontAlgn="auto" latinLnBrk="0" hangingPunct="1">
-              <a:lnSpc>
-                <a:spcPct val="100000"/>
-              </a:lnSpc>
-              <a:spcBef>
-                <a:spcPts val="0"/>
-              </a:spcBef>
-              <a:spcAft>
-                <a:spcPts val="0"/>
-              </a:spcAft>
-              <a:buClrTx/>
-              <a:buSzTx/>
-              <a:buFontTx/>
-              <a:buNone/>
-              <a:tabLst/>
-              <a:defRPr/>
-            </a:pPr>
-            <a:r>
-              <a:rPr lang="en-US" dirty="0" smtClean="0"/>
-              <a:t>GET request</a:t>
-            </a:r>
-          </a:p>
-          <a:p>
-            <a:pPr marL="0" marR="0" indent="0" algn="l" defTabSz="914400" rtl="0" eaLnBrk="1" fontAlgn="auto" latinLnBrk="0" hangingPunct="1">
-              <a:lnSpc>
-                <a:spcPct val="100000"/>
-              </a:lnSpc>
-              <a:spcBef>
-                <a:spcPts val="0"/>
-              </a:spcBef>
-              <a:spcAft>
-                <a:spcPts val="0"/>
-              </a:spcAft>
-              <a:buClrTx/>
-              <a:buSzTx/>
-              <a:buFontTx/>
-              <a:buNone/>
-              <a:tabLst/>
-              <a:defRPr/>
-            </a:pPr>
-            <a:r>
-              <a:rPr lang="en-US" dirty="0" smtClean="0"/>
-              <a:t>Raw connection, like a TCP socket</a:t>
-            </a:r>
-          </a:p>
-          <a:p>
             <a:endParaRPr lang="en-US" dirty="0"/>
           </a:p>
         </p:txBody>
@@ -825,7 +718,7 @@
           <a:p>
             <a:fld id="{E76AAE11-CCE4-491F-9A3B-35EA6902E85C}" type="slidenum">
               <a:rPr lang="en-US" smtClean="0"/>
-              <a:t>17</a:t>
+              <a:t>20</a:t>
             </a:fld>
             <a:endParaRPr lang="en-US"/>
           </a:p>
@@ -909,7 +802,7 @@
           <a:p>
             <a:fld id="{E76AAE11-CCE4-491F-9A3B-35EA6902E85C}" type="slidenum">
               <a:rPr lang="en-US" smtClean="0"/>
-              <a:t>21</a:t>
+              <a:t>22</a:t>
             </a:fld>
             <a:endParaRPr lang="en-US"/>
           </a:p>
@@ -918,7 +811,7 @@
     </p:spTree>
     <p:extLst>
       <p:ext uri="{BB962C8B-B14F-4D97-AF65-F5344CB8AC3E}">
-        <p14:creationId xmlns:p14="http://schemas.microsoft.com/office/powerpoint/2010/main" val="374496698"/>
+        <p14:creationId xmlns:p14="http://schemas.microsoft.com/office/powerpoint/2010/main" val="3615951867"/>
       </p:ext>
     </p:extLst>
   </p:cSld>
@@ -972,35 +865,6 @@
           <a:bodyPr/>
           <a:lstStyle/>
           <a:p>
-            <a:r>
-              <a:rPr lang="en-US" dirty="0" err="1" smtClean="0"/>
-              <a:t>Persistentconnection</a:t>
-            </a:r>
-            <a:endParaRPr lang="en-US" dirty="0" smtClean="0"/>
-          </a:p>
-          <a:p>
-            <a:r>
-              <a:rPr lang="en-US" dirty="0" smtClean="0"/>
-              <a:t>Hubs</a:t>
-            </a:r>
-          </a:p>
-          <a:p>
-            <a:r>
-              <a:rPr lang="en-US" dirty="0" smtClean="0"/>
-              <a:t>Browser</a:t>
-            </a:r>
-          </a:p>
-          <a:p>
-            <a:r>
-              <a:rPr lang="en-US" dirty="0" smtClean="0"/>
-              <a:t>Adjust Protocols</a:t>
-            </a:r>
-          </a:p>
-          <a:p>
-            <a:r>
-              <a:rPr lang="en-US" dirty="0" smtClean="0"/>
-              <a:t>WPF (clients)</a:t>
-            </a:r>
             <a:endParaRPr lang="en-US" dirty="0"/>
           </a:p>
         </p:txBody>
@@ -1022,7 +886,7 @@
           <a:p>
             <a:fld id="{E76AAE11-CCE4-491F-9A3B-35EA6902E85C}" type="slidenum">
               <a:rPr lang="en-US" smtClean="0"/>
-              <a:t>23</a:t>
+              <a:t>24</a:t>
             </a:fld>
             <a:endParaRPr lang="en-US"/>
           </a:p>
@@ -1031,7 +895,7 @@
     </p:spTree>
     <p:extLst>
       <p:ext uri="{BB962C8B-B14F-4D97-AF65-F5344CB8AC3E}">
-        <p14:creationId xmlns:p14="http://schemas.microsoft.com/office/powerpoint/2010/main" val="3615951867"/>
+        <p14:creationId xmlns:p14="http://schemas.microsoft.com/office/powerpoint/2010/main" val="374496698"/>
       </p:ext>
     </p:extLst>
   </p:cSld>
@@ -1085,35 +949,6 @@
           <a:bodyPr/>
           <a:lstStyle/>
           <a:p>
-            <a:r>
-              <a:rPr lang="en-US" dirty="0" err="1" smtClean="0"/>
-              <a:t>Persistentconnection</a:t>
-            </a:r>
-            <a:endParaRPr lang="en-US" dirty="0" smtClean="0"/>
-          </a:p>
-          <a:p>
-            <a:r>
-              <a:rPr lang="en-US" dirty="0" smtClean="0"/>
-              <a:t>Hubs</a:t>
-            </a:r>
-          </a:p>
-          <a:p>
-            <a:r>
-              <a:rPr lang="en-US" dirty="0" smtClean="0"/>
-              <a:t>Browser</a:t>
-            </a:r>
-          </a:p>
-          <a:p>
-            <a:r>
-              <a:rPr lang="en-US" dirty="0" smtClean="0"/>
-              <a:t>Adjust Protocols</a:t>
-            </a:r>
-          </a:p>
-          <a:p>
-            <a:r>
-              <a:rPr lang="en-US" dirty="0" smtClean="0"/>
-              <a:t>WPF (clients)</a:t>
-            </a:r>
             <a:endParaRPr lang="en-US" dirty="0"/>
           </a:p>
         </p:txBody>
@@ -1136,174 +971,6 @@
             <a:fld id="{E76AAE11-CCE4-491F-9A3B-35EA6902E85C}" type="slidenum">
               <a:rPr lang="en-US" smtClean="0"/>
               <a:t>25</a:t>
-            </a:fld>
-            <a:endParaRPr lang="en-US"/>
-          </a:p>
-        </p:txBody>
-      </p:sp>
-    </p:spTree>
-    <p:extLst>
-      <p:ext uri="{BB962C8B-B14F-4D97-AF65-F5344CB8AC3E}">
-        <p14:creationId xmlns:p14="http://schemas.microsoft.com/office/powerpoint/2010/main" val="3615951867"/>
-      </p:ext>
-    </p:extLst>
-  </p:cSld>
-  <p:clrMapOvr>
-    <a:masterClrMapping/>
-  </p:clrMapOvr>
-</p:notes>
-</file>
-
-<file path=ppt/notesSlides/notesSlide15.xml><?xml version="1.0" encoding="utf-8"?>
-<p:notes xmlns:a="http://schemas.openxmlformats.org/drawingml/2006/main" xmlns:r="http://schemas.openxmlformats.org/officeDocument/2006/relationships" xmlns:p="http://schemas.openxmlformats.org/presentationml/2006/main">
-  <p:cSld>
-    <p:spTree>
-      <p:nvGrpSpPr>
-        <p:cNvPr id="1" name=""/>
-        <p:cNvGrpSpPr/>
-        <p:nvPr/>
-      </p:nvGrpSpPr>
-      <p:grpSpPr>
-        <a:xfrm>
-          <a:off x="0" y="0"/>
-          <a:ext cx="0" cy="0"/>
-          <a:chOff x="0" y="0"/>
-          <a:chExt cx="0" cy="0"/>
-        </a:xfrm>
-      </p:grpSpPr>
-      <p:sp>
-        <p:nvSpPr>
-          <p:cNvPr id="2" name="Slide Image Placeholder 1"/>
-          <p:cNvSpPr>
-            <a:spLocks noGrp="1" noRot="1" noChangeAspect="1"/>
-          </p:cNvSpPr>
-          <p:nvPr>
-            <p:ph type="sldImg"/>
-          </p:nvPr>
-        </p:nvSpPr>
-        <p:spPr/>
-      </p:sp>
-      <p:sp>
-        <p:nvSpPr>
-          <p:cNvPr id="3" name="Notes Placeholder 2"/>
-          <p:cNvSpPr>
-            <a:spLocks noGrp="1"/>
-          </p:cNvSpPr>
-          <p:nvPr>
-            <p:ph type="body" idx="1"/>
-          </p:nvPr>
-        </p:nvSpPr>
-        <p:spPr/>
-        <p:txBody>
-          <a:bodyPr/>
-          <a:lstStyle/>
-          <a:p>
-            <a:endParaRPr lang="en-US" dirty="0"/>
-          </a:p>
-        </p:txBody>
-      </p:sp>
-      <p:sp>
-        <p:nvSpPr>
-          <p:cNvPr id="4" name="Slide Number Placeholder 3"/>
-          <p:cNvSpPr>
-            <a:spLocks noGrp="1"/>
-          </p:cNvSpPr>
-          <p:nvPr>
-            <p:ph type="sldNum" sz="quarter" idx="10"/>
-          </p:nvPr>
-        </p:nvSpPr>
-        <p:spPr/>
-        <p:txBody>
-          <a:bodyPr/>
-          <a:lstStyle/>
-          <a:p>
-            <a:fld id="{E76AAE11-CCE4-491F-9A3B-35EA6902E85C}" type="slidenum">
-              <a:rPr lang="en-US" smtClean="0"/>
-              <a:t>26</a:t>
-            </a:fld>
-            <a:endParaRPr lang="en-US"/>
-          </a:p>
-        </p:txBody>
-      </p:sp>
-    </p:spTree>
-    <p:extLst>
-      <p:ext uri="{BB962C8B-B14F-4D97-AF65-F5344CB8AC3E}">
-        <p14:creationId xmlns:p14="http://schemas.microsoft.com/office/powerpoint/2010/main" val="3994294181"/>
-      </p:ext>
-    </p:extLst>
-  </p:cSld>
-  <p:clrMapOvr>
-    <a:masterClrMapping/>
-  </p:clrMapOvr>
-</p:notes>
-</file>
-
-<file path=ppt/notesSlides/notesSlide16.xml><?xml version="1.0" encoding="utf-8"?>
-<p:notes xmlns:a="http://schemas.openxmlformats.org/drawingml/2006/main" xmlns:r="http://schemas.openxmlformats.org/officeDocument/2006/relationships" xmlns:p="http://schemas.openxmlformats.org/presentationml/2006/main">
-  <p:cSld>
-    <p:spTree>
-      <p:nvGrpSpPr>
-        <p:cNvPr id="1" name=""/>
-        <p:cNvGrpSpPr/>
-        <p:nvPr/>
-      </p:nvGrpSpPr>
-      <p:grpSpPr>
-        <a:xfrm>
-          <a:off x="0" y="0"/>
-          <a:ext cx="0" cy="0"/>
-          <a:chOff x="0" y="0"/>
-          <a:chExt cx="0" cy="0"/>
-        </a:xfrm>
-      </p:grpSpPr>
-      <p:sp>
-        <p:nvSpPr>
-          <p:cNvPr id="2" name="Slide Image Placeholder 1"/>
-          <p:cNvSpPr>
-            <a:spLocks noGrp="1" noRot="1" noChangeAspect="1"/>
-          </p:cNvSpPr>
-          <p:nvPr>
-            <p:ph type="sldImg"/>
-          </p:nvPr>
-        </p:nvSpPr>
-        <p:spPr/>
-      </p:sp>
-      <p:sp>
-        <p:nvSpPr>
-          <p:cNvPr id="3" name="Notes Placeholder 2"/>
-          <p:cNvSpPr>
-            <a:spLocks noGrp="1"/>
-          </p:cNvSpPr>
-          <p:nvPr>
-            <p:ph type="body" idx="1"/>
-          </p:nvPr>
-        </p:nvSpPr>
-        <p:spPr/>
-        <p:txBody>
-          <a:bodyPr/>
-          <a:lstStyle/>
-          <a:p>
-            <a:endParaRPr lang="en-US" dirty="0"/>
-          </a:p>
-        </p:txBody>
-      </p:sp>
-      <p:sp>
-        <p:nvSpPr>
-          <p:cNvPr id="4" name="Slide Number Placeholder 3"/>
-          <p:cNvSpPr>
-            <a:spLocks noGrp="1"/>
-          </p:cNvSpPr>
-          <p:nvPr>
-            <p:ph type="sldNum" sz="quarter" idx="10"/>
-          </p:nvPr>
-        </p:nvSpPr>
-        <p:spPr/>
-        <p:txBody>
-          <a:bodyPr/>
-          <a:lstStyle/>
-          <a:p>
-            <a:fld id="{E76AAE11-CCE4-491F-9A3B-35EA6902E85C}" type="slidenum">
-              <a:rPr lang="en-US" smtClean="0"/>
-              <a:t>27</a:t>
             </a:fld>
             <a:endParaRPr lang="en-US"/>
           </a:p>
@@ -1545,6 +1212,34 @@
           <a:bodyPr/>
           <a:lstStyle/>
           <a:p>
+            <a:pPr marL="0" marR="0" indent="0" algn="l" defTabSz="914400" rtl="0" eaLnBrk="1" fontAlgn="auto" latinLnBrk="0" hangingPunct="1">
+              <a:lnSpc>
+                <a:spcPct val="100000"/>
+              </a:lnSpc>
+              <a:spcBef>
+                <a:spcPts val="0"/>
+              </a:spcBef>
+              <a:spcAft>
+                <a:spcPts val="0"/>
+              </a:spcAft>
+              <a:buClrTx/>
+              <a:buSzTx/>
+              <a:buFontTx/>
+              <a:buNone/>
+              <a:tabLst/>
+              <a:defRPr/>
+            </a:pPr>
+            <a:r>
+              <a:rPr lang="en-US" dirty="0" smtClean="0"/>
+              <a:t>Go back to stock ticker example. (Set it up)</a:t>
+            </a:r>
+            <a:r>
+              <a:rPr lang="en-US" baseline="0" dirty="0" smtClean="0"/>
+              <a:t> to explain why it may not be responsive</a:t>
+            </a:r>
+            <a:endParaRPr lang="en-US" dirty="0" smtClean="0"/>
+          </a:p>
+          <a:p>
             <a:endParaRPr lang="en-US" dirty="0"/>
           </a:p>
         </p:txBody>
@@ -1631,8 +1326,42 @@
           <a:p>
             <a:r>
               <a:rPr lang="en-US" dirty="0" smtClean="0"/>
-              <a:t>Leave note about hybrid polling</a:t>
-            </a:r>
+              <a:t>Go back to stock ticker example. (Set it up)</a:t>
+            </a:r>
+            <a:r>
+              <a:rPr lang="en-US" baseline="0" dirty="0" smtClean="0"/>
+              <a:t> to explain why it may not be responsive</a:t>
+            </a:r>
+          </a:p>
+          <a:p>
+            <a:endParaRPr lang="en-US" baseline="0" dirty="0" smtClean="0"/>
+          </a:p>
+          <a:p>
+            <a:r>
+              <a:rPr lang="en-US" baseline="0" dirty="0" smtClean="0"/>
+              <a:t>****HTTP IS not persistent connection, explain how it does not conform to standard HTTP***</a:t>
+            </a:r>
+            <a:endParaRPr lang="en-US" dirty="0" smtClean="0"/>
+          </a:p>
+          <a:p>
+            <a:endParaRPr lang="en-US" dirty="0" smtClean="0"/>
+          </a:p>
+          <a:p>
+            <a:r>
+              <a:rPr lang="en-US" dirty="0" smtClean="0"/>
+              <a:t>Leave </a:t>
+            </a:r>
+            <a:r>
+              <a:rPr lang="en-US" dirty="0" smtClean="0"/>
+              <a:t>note about hybrid </a:t>
+            </a:r>
+            <a:r>
+              <a:rPr lang="en-US" dirty="0" smtClean="0"/>
+              <a:t>polling</a:t>
+            </a:r>
+          </a:p>
+          <a:p>
+            <a:endParaRPr lang="en-US" dirty="0" smtClean="0"/>
           </a:p>
           <a:p>
             <a:r>
@@ -1641,8 +1370,14 @@
             </a:r>
             <a:r>
               <a:rPr lang="en-US" baseline="0" dirty="0" smtClean="0"/>
-              <a:t> by most AJAX apps</a:t>
-            </a:r>
+              <a:t> by most AJAX </a:t>
+            </a:r>
+            <a:r>
+              <a:rPr lang="en-US" baseline="0" dirty="0" smtClean="0"/>
+              <a:t>apps</a:t>
+            </a:r>
+          </a:p>
+          <a:p>
             <a:endParaRPr lang="en-US" dirty="0" smtClean="0"/>
           </a:p>
           <a:p>
@@ -1740,29 +1475,7 @@
           <a:p>
             <a:r>
               <a:rPr lang="en-US" dirty="0" smtClean="0"/>
-              <a:t>Request</a:t>
-            </a:r>
-            <a:r>
-              <a:rPr lang="en-US" baseline="0" dirty="0" smtClean="0"/>
-              <a:t> sent w/ header “Event source request’</a:t>
-            </a:r>
-          </a:p>
-          <a:p>
-            <a:r>
-              <a:rPr lang="en-US" baseline="0" dirty="0" smtClean="0"/>
-              <a:t>Server keeps request open and streams information over response stream</a:t>
-            </a:r>
-          </a:p>
-          <a:p>
-            <a:r>
-              <a:rPr lang="en-US" baseline="0" dirty="0" smtClean="0"/>
-              <a:t> -&gt; Single HTTP connection</a:t>
-            </a:r>
-          </a:p>
-          <a:p>
-            <a:r>
-              <a:rPr lang="en-US" baseline="0" dirty="0" smtClean="0"/>
-              <a:t> -&gt; faster latency, no period between response sent back, processing, and request again</a:t>
+              <a:t>HTTP Hack.</a:t>
             </a:r>
             <a:endParaRPr lang="en-US" dirty="0"/>
           </a:p>
@@ -1848,6 +1561,10 @@
           <a:bodyPr/>
           <a:lstStyle/>
           <a:p>
+            <a:r>
+              <a:rPr lang="en-US" dirty="0" smtClean="0"/>
+              <a:t>Another HTTP Hack.</a:t>
+            </a:r>
             <a:endParaRPr lang="en-US" dirty="0"/>
           </a:p>
         </p:txBody>
@@ -1932,6 +1649,32 @@
           <a:bodyPr/>
           <a:lstStyle/>
           <a:p>
+            <a:r>
+              <a:rPr lang="en-US" dirty="0" smtClean="0"/>
+              <a:t>Request</a:t>
+            </a:r>
+            <a:r>
+              <a:rPr lang="en-US" baseline="0" dirty="0" smtClean="0"/>
+              <a:t> sent w/ header “Event source request’</a:t>
+            </a:r>
+          </a:p>
+          <a:p>
+            <a:r>
+              <a:rPr lang="en-US" baseline="0" dirty="0" smtClean="0"/>
+              <a:t>Server keeps request open and streams information over response stream</a:t>
+            </a:r>
+          </a:p>
+          <a:p>
+            <a:r>
+              <a:rPr lang="en-US" baseline="0" dirty="0" smtClean="0"/>
+              <a:t> -&gt; Single HTTP connection</a:t>
+            </a:r>
+          </a:p>
+          <a:p>
+            <a:r>
+              <a:rPr lang="en-US" baseline="0" dirty="0" smtClean="0"/>
+              <a:t> -&gt; faster latency, no period between response sent back, processing, and request again</a:t>
+            </a:r>
             <a:endParaRPr lang="en-US" dirty="0"/>
           </a:p>
         </p:txBody>
@@ -2016,6 +1759,111 @@
           <a:bodyPr/>
           <a:lstStyle/>
           <a:p>
+            <a:pPr marL="0" marR="0" indent="0" algn="l" defTabSz="914400" rtl="0" eaLnBrk="1" fontAlgn="auto" latinLnBrk="0" hangingPunct="1">
+              <a:lnSpc>
+                <a:spcPct val="100000"/>
+              </a:lnSpc>
+              <a:spcBef>
+                <a:spcPts val="0"/>
+              </a:spcBef>
+              <a:spcAft>
+                <a:spcPts val="0"/>
+              </a:spcAft>
+              <a:buClrTx/>
+              <a:buSzTx/>
+              <a:buFontTx/>
+              <a:buNone/>
+              <a:tabLst/>
+              <a:defRPr/>
+            </a:pPr>
+            <a:r>
+              <a:rPr lang="en-US" dirty="0" smtClean="0"/>
+              <a:t>Everything</a:t>
+            </a:r>
+            <a:r>
+              <a:rPr lang="en-US" baseline="0" dirty="0" smtClean="0"/>
+              <a:t> between your browser and the server, which can be endless, firewalls, routers, etc. has to understand </a:t>
+            </a:r>
+            <a:r>
+              <a:rPr lang="en-US" baseline="0" dirty="0" err="1" smtClean="0"/>
+              <a:t>websocket</a:t>
+            </a:r>
+            <a:r>
+              <a:rPr lang="en-US" baseline="0" dirty="0" smtClean="0"/>
+              <a:t> protocol.  That</a:t>
+            </a:r>
+          </a:p>
+          <a:p>
+            <a:pPr marL="0" marR="0" indent="0" algn="l" defTabSz="914400" rtl="0" eaLnBrk="1" fontAlgn="auto" latinLnBrk="0" hangingPunct="1">
+              <a:lnSpc>
+                <a:spcPct val="100000"/>
+              </a:lnSpc>
+              <a:spcBef>
+                <a:spcPts val="0"/>
+              </a:spcBef>
+              <a:spcAft>
+                <a:spcPts val="0"/>
+              </a:spcAft>
+              <a:buClrTx/>
+              <a:buSzTx/>
+              <a:buFontTx/>
+              <a:buNone/>
+              <a:tabLst/>
+              <a:defRPr/>
+            </a:pPr>
+            <a:r>
+              <a:rPr lang="en-US" baseline="0" dirty="0" smtClean="0"/>
+              <a:t>Will take a while…big implications, security etc.</a:t>
+            </a:r>
+            <a:endParaRPr lang="en-US" dirty="0" smtClean="0"/>
+          </a:p>
+          <a:p>
+            <a:pPr marL="0" marR="0" indent="0" algn="l" defTabSz="914400" rtl="0" eaLnBrk="1" fontAlgn="auto" latinLnBrk="0" hangingPunct="1">
+              <a:lnSpc>
+                <a:spcPct val="100000"/>
+              </a:lnSpc>
+              <a:spcBef>
+                <a:spcPts val="0"/>
+              </a:spcBef>
+              <a:spcAft>
+                <a:spcPts val="0"/>
+              </a:spcAft>
+              <a:buClrTx/>
+              <a:buSzTx/>
+              <a:buFontTx/>
+              <a:buNone/>
+              <a:tabLst/>
+              <a:defRPr/>
+            </a:pPr>
+            <a:r>
+              <a:rPr lang="en-US" dirty="0" smtClean="0"/>
+              <a:t>GET request</a:t>
+            </a:r>
+          </a:p>
+          <a:p>
+            <a:pPr marL="0" marR="0" indent="0" algn="l" defTabSz="914400" rtl="0" eaLnBrk="1" fontAlgn="auto" latinLnBrk="0" hangingPunct="1">
+              <a:lnSpc>
+                <a:spcPct val="100000"/>
+              </a:lnSpc>
+              <a:spcBef>
+                <a:spcPts val="0"/>
+              </a:spcBef>
+              <a:spcAft>
+                <a:spcPts val="0"/>
+              </a:spcAft>
+              <a:buClrTx/>
+              <a:buSzTx/>
+              <a:buFontTx/>
+              <a:buNone/>
+              <a:tabLst/>
+              <a:defRPr/>
+            </a:pPr>
+            <a:r>
+              <a:rPr lang="en-US" dirty="0" smtClean="0"/>
+              <a:t>Raw connection, like a TCP socket</a:t>
+            </a:r>
+          </a:p>
+          <a:p>
             <a:endParaRPr lang="en-US" dirty="0"/>
           </a:p>
         </p:txBody>
@@ -2037,7 +1885,7 @@
           <a:p>
             <a:fld id="{E76AAE11-CCE4-491F-9A3B-35EA6902E85C}" type="slidenum">
               <a:rPr lang="en-US" smtClean="0"/>
-              <a:t>13</a:t>
+              <a:t>15</a:t>
             </a:fld>
             <a:endParaRPr lang="en-US"/>
           </a:p>
@@ -2046,7 +1894,7 @@
     </p:spTree>
     <p:extLst>
       <p:ext uri="{BB962C8B-B14F-4D97-AF65-F5344CB8AC3E}">
-        <p14:creationId xmlns:p14="http://schemas.microsoft.com/office/powerpoint/2010/main" val="4032270882"/>
+        <p14:creationId xmlns:p14="http://schemas.microsoft.com/office/powerpoint/2010/main" val="374496698"/>
       </p:ext>
     </p:extLst>
   </p:cSld>
@@ -5509,7 +5357,7 @@
           <a:p>
             <a:pPr algn="l"/>
             <a:r>
-              <a:rPr lang="en-US" sz="8000" smtClean="0">
+              <a:rPr lang="en-US" sz="8000" dirty="0" smtClean="0">
                 <a:solidFill>
                   <a:schemeClr val="tx2">
                     <a:lumMod val="60000"/>
@@ -5519,7 +5367,7 @@
                 <a:latin typeface="Yanone Kaffeesatz Bold" pitchFamily="2" charset="0"/>
                 <a:cs typeface="Aharoni" pitchFamily="2" charset="-79"/>
               </a:rPr>
-              <a:t>Server-Sent Events</a:t>
+              <a:t>Long Polling</a:t>
             </a:r>
             <a:endParaRPr lang="en-US" sz="8000" dirty="0">
               <a:solidFill>
@@ -5536,31 +5384,32 @@
       </p:sp>
       <p:sp>
         <p:nvSpPr>
-          <p:cNvPr id="5" name="Rectangle 4"/>
-          <p:cNvSpPr/>
-          <p:nvPr/>
+          <p:cNvPr id="3" name="Subtitle 2"/>
+          <p:cNvSpPr>
+            <a:spLocks noGrp="1"/>
+          </p:cNvSpPr>
+          <p:nvPr>
+            <p:ph type="subTitle" idx="1"/>
+          </p:nvPr>
         </p:nvSpPr>
         <p:spPr>
           <a:xfrm>
-            <a:off x="381000" y="1371600"/>
-            <a:ext cx="5181600" cy="5740033"/>
+            <a:off x="228600" y="1066800"/>
+            <a:ext cx="8763000" cy="5486400"/>
           </a:xfrm>
-          <a:prstGeom prst="rect">
-            <a:avLst/>
-          </a:prstGeom>
         </p:spPr>
         <p:txBody>
-          <a:bodyPr wrap="square">
-            <a:spAutoFit/>
+          <a:bodyPr>
+            <a:noAutofit/>
           </a:bodyPr>
           <a:lstStyle/>
           <a:p>
-            <a:pPr marL="857250" indent="-857250">
+            <a:pPr marL="857250" indent="-857250" algn="l">
               <a:buFont typeface="Arial" pitchFamily="34" charset="0"/>
               <a:buChar char="•"/>
             </a:pPr>
             <a:r>
-              <a:rPr lang="en-US" sz="4500" dirty="0">
+              <a:rPr lang="en-US" sz="4800" dirty="0" smtClean="0">
                 <a:solidFill>
                   <a:schemeClr val="tx1">
                     <a:lumMod val="50000"/>
@@ -5569,16 +5418,16 @@
                 </a:solidFill>
                 <a:latin typeface="Yanone Kaffeesatz Bold" pitchFamily="2" charset="0"/>
               </a:rPr>
-              <a:t>HTML5 Browser API Feature</a:t>
-            </a:r>
-          </a:p>
-          <a:p>
-            <a:pPr marL="857250" indent="-857250">
+              <a:t>Standard AJAX </a:t>
+            </a:r>
+          </a:p>
+          <a:p>
+            <a:pPr marL="1314450" lvl="1" indent="-857250" algn="l">
               <a:buFont typeface="Arial" pitchFamily="34" charset="0"/>
               <a:buChar char="•"/>
             </a:pPr>
             <a:r>
-              <a:rPr lang="en-US" sz="4500" dirty="0">
+              <a:rPr lang="en-US" sz="4400" dirty="0" smtClean="0">
                 <a:solidFill>
                   <a:schemeClr val="tx1">
                     <a:lumMod val="50000"/>
@@ -5587,16 +5436,16 @@
                 </a:solidFill>
                 <a:latin typeface="Yanone Kaffeesatz Bold" pitchFamily="2" charset="0"/>
               </a:rPr>
-              <a:t>Client initiates connection and it is kept open as long as possible</a:t>
-            </a:r>
-          </a:p>
-          <a:p>
-            <a:pPr marL="857250" indent="-857250">
+              <a:t>support in all browsers</a:t>
+            </a:r>
+          </a:p>
+          <a:p>
+            <a:pPr marL="857250" indent="-857250" algn="l">
               <a:buFont typeface="Arial" pitchFamily="34" charset="0"/>
               <a:buChar char="•"/>
             </a:pPr>
             <a:r>
-              <a:rPr lang="en-US" sz="4500" dirty="0">
+              <a:rPr lang="en-US" sz="4800" dirty="0" smtClean="0">
                 <a:solidFill>
                   <a:schemeClr val="tx1">
                     <a:lumMod val="50000"/>
@@ -5605,15 +5454,57 @@
                 </a:solidFill>
                 <a:latin typeface="Yanone Kaffeesatz Bold" pitchFamily="2" charset="0"/>
               </a:rPr>
-              <a:t>Server sends events to client over time</a:t>
-            </a:r>
-          </a:p>
-          <a:p>
-            <a:pPr marL="857250" indent="-857250">
+              <a:t>Sends request to server, but no response is returned until available</a:t>
+            </a:r>
+          </a:p>
+          <a:p>
+            <a:pPr marL="857250" indent="-857250" algn="l">
               <a:buFont typeface="Arial" pitchFamily="34" charset="0"/>
               <a:buChar char="•"/>
             </a:pPr>
-            <a:endParaRPr lang="en-US" sz="1200" dirty="0">
+            <a:r>
+              <a:rPr lang="en-US" sz="4800" dirty="0" smtClean="0">
+                <a:solidFill>
+                  <a:schemeClr val="tx1">
+                    <a:lumMod val="50000"/>
+                    <a:lumOff val="50000"/>
+                  </a:schemeClr>
+                </a:solidFill>
+                <a:latin typeface="Yanone Kaffeesatz Bold" pitchFamily="2" charset="0"/>
+              </a:rPr>
+              <a:t>Connection is typically refreshed at fixed, longer duration intervals</a:t>
+            </a:r>
+          </a:p>
+          <a:p>
+            <a:pPr marL="857250" indent="-857250" algn="l">
+              <a:buFont typeface="Arial" pitchFamily="34" charset="0"/>
+              <a:buChar char="•"/>
+            </a:pPr>
+            <a:r>
+              <a:rPr lang="en-US" sz="4800" dirty="0">
+                <a:solidFill>
+                  <a:schemeClr val="tx1">
+                    <a:lumMod val="50000"/>
+                    <a:lumOff val="50000"/>
+                  </a:schemeClr>
+                </a:solidFill>
+                <a:latin typeface="Yanone Kaffeesatz Bold" pitchFamily="2" charset="0"/>
+              </a:rPr>
+              <a:t>Requires complex JS + </a:t>
+            </a:r>
+            <a:r>
+              <a:rPr lang="en-US" sz="4800" dirty="0" err="1">
+                <a:solidFill>
+                  <a:schemeClr val="tx1">
+                    <a:lumMod val="50000"/>
+                    <a:lumOff val="50000"/>
+                  </a:schemeClr>
+                </a:solidFill>
+                <a:latin typeface="Yanone Kaffeesatz Bold" pitchFamily="2" charset="0"/>
+              </a:rPr>
+              <a:t>XmlHttpRequest</a:t>
+            </a:r>
+            <a:endParaRPr lang="en-US" sz="4800" dirty="0" smtClean="0">
               <a:solidFill>
                 <a:schemeClr val="tx1">
                   <a:lumMod val="50000"/>
@@ -5624,11 +5515,8 @@
             </a:endParaRPr>
           </a:p>
           <a:p>
-            <a:pPr marL="857250" indent="-857250">
-              <a:buFont typeface="Arial" pitchFamily="34" charset="0"/>
-              <a:buChar char="•"/>
-            </a:pPr>
-            <a:endParaRPr lang="en-US" sz="2000" dirty="0">
+            <a:pPr algn="l"/>
+            <a:endParaRPr lang="en-US" sz="3500" dirty="0" smtClean="0">
               <a:solidFill>
                 <a:schemeClr val="tx1">
                   <a:lumMod val="50000"/>
@@ -5639,11 +5527,11 @@
             </a:endParaRPr>
           </a:p>
           <a:p>
-            <a:pPr marL="857250" indent="-857250">
+            <a:pPr marL="857250" indent="-857250" algn="l">
               <a:buFont typeface="Arial" pitchFamily="34" charset="0"/>
               <a:buChar char="•"/>
             </a:pPr>
-            <a:endParaRPr lang="en-US" sz="2000" dirty="0">
+            <a:endParaRPr lang="en-US" sz="5000" dirty="0" smtClean="0">
               <a:solidFill>
                 <a:schemeClr val="tx1">
                   <a:lumMod val="50000"/>
@@ -5653,11 +5541,26 @@
               <a:latin typeface="Yanone Kaffeesatz Bold" pitchFamily="2" charset="0"/>
             </a:endParaRPr>
           </a:p>
+          <a:p>
+            <a:pPr marL="857250" indent="-857250" algn="l">
+              <a:buFont typeface="Arial" pitchFamily="34" charset="0"/>
+              <a:buChar char="•"/>
+            </a:pPr>
+            <a:endParaRPr lang="en-US" sz="5000" dirty="0">
+              <a:solidFill>
+                <a:schemeClr val="tx1">
+                  <a:lumMod val="50000"/>
+                  <a:lumOff val="50000"/>
+                </a:schemeClr>
+              </a:solidFill>
+              <a:latin typeface="Yanone Kaffeesatz Bold" pitchFamily="2" charset="0"/>
+            </a:endParaRPr>
+          </a:p>
         </p:txBody>
       </p:sp>
       <p:pic>
         <p:nvPicPr>
-          <p:cNvPr id="3075" name="Picture 3" descr="C:\Users\ahmed.alani\Desktop\Work\Presentation\SSE.png"/>
+          <p:cNvPr id="4099" name="Picture 3" descr="C:\Users\ahmed.alani\Desktop\Work\Presentation\longpolling.png"/>
           <p:cNvPicPr>
             <a:picLocks noChangeAspect="1" noChangeArrowheads="1"/>
           </p:cNvPicPr>
@@ -5678,8 +5581,8 @@
         </p:blipFill>
         <p:spPr bwMode="auto">
           <a:xfrm>
-            <a:off x="5476874" y="990600"/>
-            <a:ext cx="3552825" cy="5029201"/>
+            <a:off x="4542885" y="1066800"/>
+            <a:ext cx="4382040" cy="5467351"/>
           </a:xfrm>
           <a:prstGeom prst="rect">
             <a:avLst/>
@@ -5699,7 +5602,7 @@
     </p:spTree>
     <p:extLst>
       <p:ext uri="{BB962C8B-B14F-4D97-AF65-F5344CB8AC3E}">
-        <p14:creationId xmlns:p14="http://schemas.microsoft.com/office/powerpoint/2010/main" val="4165656394"/>
+        <p14:creationId xmlns:p14="http://schemas.microsoft.com/office/powerpoint/2010/main" val="1463798490"/>
       </p:ext>
     </p:extLst>
   </p:cSld>
@@ -5997,7 +5900,7 @@
           <a:p>
             <a:pPr algn="l"/>
             <a:r>
-              <a:rPr lang="en-US" sz="8000" dirty="0" smtClean="0">
+              <a:rPr lang="en-US" sz="8000" smtClean="0">
                 <a:solidFill>
                   <a:schemeClr val="tx2">
                     <a:lumMod val="60000"/>
@@ -6007,7 +5910,7 @@
                 <a:latin typeface="Yanone Kaffeesatz Bold" pitchFamily="2" charset="0"/>
                 <a:cs typeface="Aharoni" pitchFamily="2" charset="-79"/>
               </a:rPr>
-              <a:t>Long Polling</a:t>
+              <a:t>Server-Sent Events</a:t>
             </a:r>
             <a:endParaRPr lang="en-US" sz="8000" dirty="0">
               <a:solidFill>
@@ -6024,32 +5927,31 @@
       </p:sp>
       <p:sp>
         <p:nvSpPr>
-          <p:cNvPr id="3" name="Subtitle 2"/>
-          <p:cNvSpPr>
-            <a:spLocks noGrp="1"/>
-          </p:cNvSpPr>
-          <p:nvPr>
-            <p:ph type="subTitle" idx="1"/>
-          </p:nvPr>
+          <p:cNvPr id="5" name="Rectangle 4"/>
+          <p:cNvSpPr/>
+          <p:nvPr/>
         </p:nvSpPr>
         <p:spPr>
           <a:xfrm>
-            <a:off x="228600" y="1066800"/>
-            <a:ext cx="8763000" cy="5486400"/>
+            <a:off x="381000" y="1371600"/>
+            <a:ext cx="5181600" cy="5740033"/>
           </a:xfrm>
+          <a:prstGeom prst="rect">
+            <a:avLst/>
+          </a:prstGeom>
         </p:spPr>
         <p:txBody>
-          <a:bodyPr>
-            <a:noAutofit/>
+          <a:bodyPr wrap="square">
+            <a:spAutoFit/>
           </a:bodyPr>
           <a:lstStyle/>
           <a:p>
-            <a:pPr marL="857250" indent="-857250" algn="l">
+            <a:pPr marL="857250" indent="-857250">
               <a:buFont typeface="Arial" pitchFamily="34" charset="0"/>
               <a:buChar char="•"/>
             </a:pPr>
             <a:r>
-              <a:rPr lang="en-US" sz="4800" dirty="0" smtClean="0">
+              <a:rPr lang="en-US" sz="4500" dirty="0">
                 <a:solidFill>
                   <a:schemeClr val="tx1">
                     <a:lumMod val="50000"/>
@@ -6058,16 +5960,16 @@
                 </a:solidFill>
                 <a:latin typeface="Yanone Kaffeesatz Bold" pitchFamily="2" charset="0"/>
               </a:rPr>
-              <a:t>Standard AJAX </a:t>
-            </a:r>
-          </a:p>
-          <a:p>
-            <a:pPr marL="1314450" lvl="1" indent="-857250" algn="l">
+              <a:t>HTML5 Browser API Feature</a:t>
+            </a:r>
+          </a:p>
+          <a:p>
+            <a:pPr marL="857250" indent="-857250">
               <a:buFont typeface="Arial" pitchFamily="34" charset="0"/>
               <a:buChar char="•"/>
             </a:pPr>
             <a:r>
-              <a:rPr lang="en-US" sz="4400" dirty="0" smtClean="0">
+              <a:rPr lang="en-US" sz="4500" dirty="0">
                 <a:solidFill>
                   <a:schemeClr val="tx1">
                     <a:lumMod val="50000"/>
@@ -6076,16 +5978,16 @@
                 </a:solidFill>
                 <a:latin typeface="Yanone Kaffeesatz Bold" pitchFamily="2" charset="0"/>
               </a:rPr>
-              <a:t>support in all browsers</a:t>
-            </a:r>
-          </a:p>
-          <a:p>
-            <a:pPr marL="857250" indent="-857250" algn="l">
+              <a:t>Client initiates connection and it is kept open as long as possible</a:t>
+            </a:r>
+          </a:p>
+          <a:p>
+            <a:pPr marL="857250" indent="-857250">
               <a:buFont typeface="Arial" pitchFamily="34" charset="0"/>
               <a:buChar char="•"/>
             </a:pPr>
             <a:r>
-              <a:rPr lang="en-US" sz="4800" dirty="0" smtClean="0">
+              <a:rPr lang="en-US" sz="4500" dirty="0">
                 <a:solidFill>
                   <a:schemeClr val="tx1">
                     <a:lumMod val="50000"/>
@@ -6094,57 +5996,15 @@
                 </a:solidFill>
                 <a:latin typeface="Yanone Kaffeesatz Bold" pitchFamily="2" charset="0"/>
               </a:rPr>
-              <a:t>Sends request to server, but no response is returned until available</a:t>
-            </a:r>
-          </a:p>
-          <a:p>
-            <a:pPr marL="857250" indent="-857250" algn="l">
+              <a:t>Server sends events to client over time</a:t>
+            </a:r>
+          </a:p>
+          <a:p>
+            <a:pPr marL="857250" indent="-857250">
               <a:buFont typeface="Arial" pitchFamily="34" charset="0"/>
               <a:buChar char="•"/>
             </a:pPr>
-            <a:r>
-              <a:rPr lang="en-US" sz="4800" dirty="0" smtClean="0">
-                <a:solidFill>
-                  <a:schemeClr val="tx1">
-                    <a:lumMod val="50000"/>
-                    <a:lumOff val="50000"/>
-                  </a:schemeClr>
-                </a:solidFill>
-                <a:latin typeface="Yanone Kaffeesatz Bold" pitchFamily="2" charset="0"/>
-              </a:rPr>
-              <a:t>Connection is typically refreshed at fixed, longer duration intervals</a:t>
-            </a:r>
-          </a:p>
-          <a:p>
-            <a:pPr marL="857250" indent="-857250" algn="l">
-              <a:buFont typeface="Arial" pitchFamily="34" charset="0"/>
-              <a:buChar char="•"/>
-            </a:pPr>
-            <a:r>
-              <a:rPr lang="en-US" sz="4800" dirty="0">
-                <a:solidFill>
-                  <a:schemeClr val="tx1">
-                    <a:lumMod val="50000"/>
-                    <a:lumOff val="50000"/>
-                  </a:schemeClr>
-                </a:solidFill>
-                <a:latin typeface="Yanone Kaffeesatz Bold" pitchFamily="2" charset="0"/>
-              </a:rPr>
-              <a:t>Requires complex JS + </a:t>
-            </a:r>
-            <a:r>
-              <a:rPr lang="en-US" sz="4800" dirty="0" err="1">
-                <a:solidFill>
-                  <a:schemeClr val="tx1">
-                    <a:lumMod val="50000"/>
-                    <a:lumOff val="50000"/>
-                  </a:schemeClr>
-                </a:solidFill>
-                <a:latin typeface="Yanone Kaffeesatz Bold" pitchFamily="2" charset="0"/>
-              </a:rPr>
-              <a:t>XmlHttpRequest</a:t>
-            </a:r>
-            <a:endParaRPr lang="en-US" sz="4800" dirty="0" smtClean="0">
+            <a:endParaRPr lang="en-US" sz="1200" dirty="0">
               <a:solidFill>
                 <a:schemeClr val="tx1">
                   <a:lumMod val="50000"/>
@@ -6155,8 +6015,11 @@
             </a:endParaRPr>
           </a:p>
           <a:p>
-            <a:pPr algn="l"/>
-            <a:endParaRPr lang="en-US" sz="3500" dirty="0" smtClean="0">
+            <a:pPr marL="857250" indent="-857250">
+              <a:buFont typeface="Arial" pitchFamily="34" charset="0"/>
+              <a:buChar char="•"/>
+            </a:pPr>
+            <a:endParaRPr lang="en-US" sz="2000" dirty="0">
               <a:solidFill>
                 <a:schemeClr val="tx1">
                   <a:lumMod val="50000"/>
@@ -6167,11 +6030,11 @@
             </a:endParaRPr>
           </a:p>
           <a:p>
-            <a:pPr marL="857250" indent="-857250" algn="l">
+            <a:pPr marL="857250" indent="-857250">
               <a:buFont typeface="Arial" pitchFamily="34" charset="0"/>
               <a:buChar char="•"/>
             </a:pPr>
-            <a:endParaRPr lang="en-US" sz="5000" dirty="0" smtClean="0">
+            <a:endParaRPr lang="en-US" sz="2000" dirty="0">
               <a:solidFill>
                 <a:schemeClr val="tx1">
                   <a:lumMod val="50000"/>
@@ -6181,26 +6044,11 @@
               <a:latin typeface="Yanone Kaffeesatz Bold" pitchFamily="2" charset="0"/>
             </a:endParaRPr>
           </a:p>
-          <a:p>
-            <a:pPr marL="857250" indent="-857250" algn="l">
-              <a:buFont typeface="Arial" pitchFamily="34" charset="0"/>
-              <a:buChar char="•"/>
-            </a:pPr>
-            <a:endParaRPr lang="en-US" sz="5000" dirty="0">
-              <a:solidFill>
-                <a:schemeClr val="tx1">
-                  <a:lumMod val="50000"/>
-                  <a:lumOff val="50000"/>
-                </a:schemeClr>
-              </a:solidFill>
-              <a:latin typeface="Yanone Kaffeesatz Bold" pitchFamily="2" charset="0"/>
-            </a:endParaRPr>
-          </a:p>
         </p:txBody>
       </p:sp>
       <p:pic>
         <p:nvPicPr>
-          <p:cNvPr id="4099" name="Picture 3" descr="C:\Users\ahmed.alani\Desktop\Work\Presentation\longpolling.png"/>
+          <p:cNvPr id="3075" name="Picture 3" descr="C:\Users\ahmed.alani\Desktop\Work\Presentation\SSE.png"/>
           <p:cNvPicPr>
             <a:picLocks noChangeAspect="1" noChangeArrowheads="1"/>
           </p:cNvPicPr>
@@ -6221,8 +6069,8 @@
         </p:blipFill>
         <p:spPr bwMode="auto">
           <a:xfrm>
-            <a:off x="4542885" y="1066800"/>
-            <a:ext cx="4382040" cy="5467351"/>
+            <a:off x="5476874" y="990600"/>
+            <a:ext cx="3552825" cy="5029201"/>
           </a:xfrm>
           <a:prstGeom prst="rect">
             <a:avLst/>
@@ -6242,7 +6090,7 @@
     </p:spTree>
     <p:extLst>
       <p:ext uri="{BB962C8B-B14F-4D97-AF65-F5344CB8AC3E}">
-        <p14:creationId xmlns:p14="http://schemas.microsoft.com/office/powerpoint/2010/main" val="1463798490"/>
+        <p14:creationId xmlns:p14="http://schemas.microsoft.com/office/powerpoint/2010/main" val="4165656394"/>
       </p:ext>
     </p:extLst>
   </p:cSld>
@@ -6311,114 +6159,6 @@
                 <a:latin typeface="Yanone Kaffeesatz Bold" pitchFamily="2" charset="0"/>
                 <a:cs typeface="Aharoni" pitchFamily="2" charset="-79"/>
               </a:rPr>
-              <a:t>HTTP +S </a:t>
-            </a:r>
-            <a:r>
-              <a:rPr lang="en-US" sz="9000" dirty="0" err="1" smtClean="0">
-                <a:solidFill>
-                  <a:schemeClr val="accent2">
-                    <a:lumMod val="75000"/>
-                  </a:schemeClr>
-                </a:solidFill>
-                <a:latin typeface="Yanone Kaffeesatz Bold" pitchFamily="2" charset="0"/>
-                <a:cs typeface="Aharoni" pitchFamily="2" charset="-79"/>
-              </a:rPr>
-              <a:t>tateless</a:t>
-            </a:r>
-            <a:r>
-              <a:rPr lang="en-US" sz="9000" dirty="0" smtClean="0">
-                <a:solidFill>
-                  <a:schemeClr val="accent2">
-                    <a:lumMod val="75000"/>
-                  </a:schemeClr>
-                </a:solidFill>
-                <a:latin typeface="Yanone Kaffeesatz Bold" pitchFamily="2" charset="0"/>
-                <a:cs typeface="Aharoni" pitchFamily="2" charset="-79"/>
-              </a:rPr>
-              <a:t> + request/response slide?</a:t>
-            </a:r>
-            <a:endParaRPr lang="en-US" sz="15000" dirty="0">
-              <a:solidFill>
-                <a:srgbClr val="F0F2EB"/>
-              </a:solidFill>
-              <a:latin typeface="Yanone Kaffeesatz Bold" pitchFamily="2" charset="0"/>
-              <a:cs typeface="Aharoni" pitchFamily="2" charset="-79"/>
-            </a:endParaRPr>
-          </a:p>
-        </p:txBody>
-      </p:sp>
-    </p:spTree>
-    <p:extLst>
-      <p:ext uri="{BB962C8B-B14F-4D97-AF65-F5344CB8AC3E}">
-        <p14:creationId xmlns:p14="http://schemas.microsoft.com/office/powerpoint/2010/main" val="466494946"/>
-      </p:ext>
-    </p:extLst>
-  </p:cSld>
-  <p:clrMapOvr>
-    <a:masterClrMapping/>
-  </p:clrMapOvr>
-  <p:timing>
-    <p:tnLst>
-      <p:par>
-        <p:cTn id="1" dur="indefinite" restart="never" nodeType="tmRoot"/>
-      </p:par>
-    </p:tnLst>
-  </p:timing>
-</p:sld>
-</file>
-
-<file path=ppt/slides/slide14.xml><?xml version="1.0" encoding="utf-8"?>
-<p:sld xmlns:a="http://schemas.openxmlformats.org/drawingml/2006/main" xmlns:r="http://schemas.openxmlformats.org/officeDocument/2006/relationships" xmlns:p="http://schemas.openxmlformats.org/presentationml/2006/main">
-  <p:cSld>
-    <p:spTree>
-      <p:nvGrpSpPr>
-        <p:cNvPr id="1" name=""/>
-        <p:cNvGrpSpPr/>
-        <p:nvPr/>
-      </p:nvGrpSpPr>
-      <p:grpSpPr>
-        <a:xfrm>
-          <a:off x="0" y="0"/>
-          <a:ext cx="0" cy="0"/>
-          <a:chOff x="0" y="0"/>
-          <a:chExt cx="0" cy="0"/>
-        </a:xfrm>
-      </p:grpSpPr>
-      <p:sp>
-        <p:nvSpPr>
-          <p:cNvPr id="2" name="Title 1"/>
-          <p:cNvSpPr>
-            <a:spLocks noGrp="1"/>
-          </p:cNvSpPr>
-          <p:nvPr>
-            <p:ph type="ctrTitle"/>
-          </p:nvPr>
-        </p:nvSpPr>
-        <p:spPr>
-          <a:xfrm>
-            <a:off x="381000" y="2667000"/>
-            <a:ext cx="8382000" cy="1470025"/>
-          </a:xfrm>
-          <a:ln>
-            <a:noFill/>
-          </a:ln>
-        </p:spPr>
-        <p:txBody>
-          <a:bodyPr>
-            <a:noAutofit/>
-          </a:bodyPr>
-          <a:lstStyle/>
-          <a:p>
-            <a:r>
-              <a:rPr lang="en-US" sz="9000" dirty="0" smtClean="0">
-                <a:solidFill>
-                  <a:schemeClr val="accent2">
-                    <a:lumMod val="75000"/>
-                  </a:schemeClr>
-                </a:solidFill>
-                <a:latin typeface="Yanone Kaffeesatz Bold" pitchFamily="2" charset="0"/>
-                <a:cs typeface="Aharoni" pitchFamily="2" charset="-79"/>
-              </a:rPr>
               <a:t>Got anything else?</a:t>
             </a:r>
             <a:r>
@@ -6461,7 +6201,7 @@
 </p:sld>
 </file>
 
-<file path=ppt/slides/slide15.xml><?xml version="1.0" encoding="utf-8"?>
+<file path=ppt/slides/slide14.xml><?xml version="1.0" encoding="utf-8"?>
 <p:sld xmlns:a="http://schemas.openxmlformats.org/drawingml/2006/main" xmlns:r="http://schemas.openxmlformats.org/officeDocument/2006/relationships" xmlns:p="http://schemas.openxmlformats.org/presentationml/2006/main">
   <p:cSld>
     <p:bg>
@@ -6809,7 +6549,7 @@
 </p:sld>
 </file>
 
-<file path=ppt/slides/slide16.xml><?xml version="1.0" encoding="utf-8"?>
+<file path=ppt/slides/slide15.xml><?xml version="1.0" encoding="utf-8"?>
 <p:sld xmlns:a="http://schemas.openxmlformats.org/drawingml/2006/main" xmlns:r="http://schemas.openxmlformats.org/officeDocument/2006/relationships" xmlns:p="http://schemas.openxmlformats.org/presentationml/2006/main">
   <p:cSld>
     <p:spTree>
@@ -6952,7 +6692,7 @@
 </p:sld>
 </file>
 
-<file path=ppt/slides/slide17.xml><?xml version="1.0" encoding="utf-8"?>
+<file path=ppt/slides/slide16.xml><?xml version="1.0" encoding="utf-8"?>
 <p:sld xmlns:a="http://schemas.openxmlformats.org/drawingml/2006/main" xmlns:r="http://schemas.openxmlformats.org/officeDocument/2006/relationships" xmlns:p="http://schemas.openxmlformats.org/presentationml/2006/main">
   <p:cSld>
     <p:spTree>
@@ -7158,7 +6898,7 @@
 </p:sld>
 </file>
 
-<file path=ppt/slides/slide18.xml><?xml version="1.0" encoding="utf-8"?>
+<file path=ppt/slides/slide17.xml><?xml version="1.0" encoding="utf-8"?>
 <p:sld xmlns:a="http://schemas.openxmlformats.org/drawingml/2006/main" xmlns:r="http://schemas.openxmlformats.org/officeDocument/2006/relationships" xmlns:p="http://schemas.openxmlformats.org/presentationml/2006/main">
   <p:cSld>
     <p:bg>
@@ -7413,7 +7153,7 @@
 </p:sld>
 </file>
 
-<file path=ppt/slides/slide19.xml><?xml version="1.0" encoding="utf-8"?>
+<file path=ppt/slides/slide18.xml><?xml version="1.0" encoding="utf-8"?>
 <p:sld xmlns:a="http://schemas.openxmlformats.org/drawingml/2006/main" xmlns:r="http://schemas.openxmlformats.org/officeDocument/2006/relationships" xmlns:p="http://schemas.openxmlformats.org/presentationml/2006/main">
   <p:cSld>
     <p:bg>
@@ -7561,6 +7301,99 @@
     <p:extLst>
       <p:ext uri="{BB962C8B-B14F-4D97-AF65-F5344CB8AC3E}">
         <p14:creationId xmlns:p14="http://schemas.microsoft.com/office/powerpoint/2010/main" val="1011165693"/>
+      </p:ext>
+    </p:extLst>
+  </p:cSld>
+  <p:clrMapOvr>
+    <a:masterClrMapping/>
+  </p:clrMapOvr>
+  <p:timing>
+    <p:tnLst>
+      <p:par>
+        <p:cTn id="1" dur="indefinite" restart="never" nodeType="tmRoot"/>
+      </p:par>
+    </p:tnLst>
+  </p:timing>
+</p:sld>
+</file>
+
+<file path=ppt/slides/slide19.xml><?xml version="1.0" encoding="utf-8"?>
+<p:sld xmlns:a="http://schemas.openxmlformats.org/drawingml/2006/main" xmlns:r="http://schemas.openxmlformats.org/officeDocument/2006/relationships" xmlns:p="http://schemas.openxmlformats.org/presentationml/2006/main">
+  <p:cSld>
+    <p:bg>
+      <p:bgPr>
+        <a:solidFill>
+          <a:schemeClr val="tx2">
+            <a:lumMod val="60000"/>
+            <a:lumOff val="40000"/>
+          </a:schemeClr>
+        </a:solidFill>
+        <a:effectLst/>
+      </p:bgPr>
+    </p:bg>
+    <p:spTree>
+      <p:nvGrpSpPr>
+        <p:cNvPr id="1" name=""/>
+        <p:cNvGrpSpPr/>
+        <p:nvPr/>
+      </p:nvGrpSpPr>
+      <p:grpSpPr>
+        <a:xfrm>
+          <a:off x="0" y="0"/>
+          <a:ext cx="0" cy="0"/>
+          <a:chOff x="0" y="0"/>
+          <a:chExt cx="0" cy="0"/>
+        </a:xfrm>
+      </p:grpSpPr>
+      <p:sp>
+        <p:nvSpPr>
+          <p:cNvPr id="2" name="Title 1"/>
+          <p:cNvSpPr>
+            <a:spLocks noGrp="1"/>
+          </p:cNvSpPr>
+          <p:nvPr>
+            <p:ph type="ctrTitle"/>
+          </p:nvPr>
+        </p:nvSpPr>
+        <p:spPr>
+          <a:xfrm>
+            <a:off x="381000" y="2667000"/>
+            <a:ext cx="8382000" cy="1470025"/>
+          </a:xfrm>
+          <a:ln>
+            <a:noFill/>
+          </a:ln>
+        </p:spPr>
+        <p:txBody>
+          <a:bodyPr>
+            <a:noAutofit/>
+          </a:bodyPr>
+          <a:lstStyle/>
+          <a:p>
+            <a:r>
+              <a:rPr lang="en-US" sz="15000" dirty="0" smtClean="0">
+                <a:solidFill>
+                  <a:srgbClr val="F0F2EB"/>
+                </a:solidFill>
+                <a:latin typeface="Yanone Kaffeesatz Bold" pitchFamily="2" charset="0"/>
+                <a:cs typeface="Aharoni" pitchFamily="2" charset="-79"/>
+              </a:rPr>
+              <a:t>HOW DO YOU MANAGE THESE?</a:t>
+            </a:r>
+            <a:endParaRPr lang="en-US" sz="15000" dirty="0">
+              <a:solidFill>
+                <a:srgbClr val="F0F2EB"/>
+              </a:solidFill>
+              <a:latin typeface="Yanone Kaffeesatz Bold" pitchFamily="2" charset="0"/>
+              <a:cs typeface="Aharoni" pitchFamily="2" charset="-79"/>
+            </a:endParaRPr>
+          </a:p>
+        </p:txBody>
+      </p:sp>
+    </p:spTree>
+    <p:extLst>
+      <p:ext uri="{BB962C8B-B14F-4D97-AF65-F5344CB8AC3E}">
+        <p14:creationId xmlns:p14="http://schemas.microsoft.com/office/powerpoint/2010/main" val="4276739853"/>
       </p:ext>
     </p:extLst>
   </p:cSld>
@@ -7682,7 +7515,29 @@
                 </a:solidFill>
                 <a:latin typeface="Yanone Kaffeesatz Bold" pitchFamily="2" charset="0"/>
               </a:rPr>
-              <a:t>.NET Server + Client libraries </a:t>
+              <a:t>.NET Server + Client libraries allowing you to build </a:t>
+            </a:r>
+            <a:r>
+              <a:rPr lang="en-US" sz="4500" dirty="0" err="1" smtClean="0">
+                <a:solidFill>
+                  <a:schemeClr val="accent2">
+                    <a:lumMod val="75000"/>
+                  </a:schemeClr>
+                </a:solidFill>
+                <a:latin typeface="Yanone Kaffeesatz Bold" pitchFamily="2" charset="0"/>
+              </a:rPr>
+              <a:t>realtime</a:t>
+            </a:r>
+            <a:r>
+              <a:rPr lang="en-US" sz="4500" dirty="0" smtClean="0">
+                <a:solidFill>
+                  <a:schemeClr val="accent2">
+                    <a:lumMod val="75000"/>
+                  </a:schemeClr>
+                </a:solidFill>
+                <a:latin typeface="Yanone Kaffeesatz Bold" pitchFamily="2" charset="0"/>
+              </a:rPr>
+              <a:t>, multi-user </a:t>
             </a:r>
             <a:r>
               <a:rPr lang="en-US" sz="4500" dirty="0" smtClean="0">
@@ -7694,53 +7549,7 @@
                 </a:solidFill>
                 <a:latin typeface="Yanone Kaffeesatz Bold" pitchFamily="2" charset="0"/>
               </a:rPr>
-              <a:t>allowing you to build </a:t>
-            </a:r>
-            <a:r>
-              <a:rPr lang="en-US" sz="4500" dirty="0" err="1" smtClean="0">
-                <a:solidFill>
-                  <a:schemeClr val="accent2">
-                    <a:lumMod val="75000"/>
-                  </a:schemeClr>
-                </a:solidFill>
-                <a:latin typeface="Yanone Kaffeesatz Bold" pitchFamily="2" charset="0"/>
-              </a:rPr>
-              <a:t>realtime</a:t>
-            </a:r>
-            <a:r>
-              <a:rPr lang="en-US" sz="4500" dirty="0" smtClean="0">
-                <a:solidFill>
-                  <a:schemeClr val="accent2">
-                    <a:lumMod val="75000"/>
-                  </a:schemeClr>
-                </a:solidFill>
-                <a:latin typeface="Yanone Kaffeesatz Bold" pitchFamily="2" charset="0"/>
-              </a:rPr>
-              <a:t>, multi-user </a:t>
-            </a:r>
-            <a:r>
-              <a:rPr lang="en-US" sz="4500" dirty="0" smtClean="0">
-                <a:solidFill>
-                  <a:schemeClr val="tx1">
-                    <a:lumMod val="65000"/>
-                    <a:lumOff val="35000"/>
-                  </a:schemeClr>
-                </a:solidFill>
-                <a:latin typeface="Yanone Kaffeesatz Bold" pitchFamily="2" charset="0"/>
-              </a:rPr>
               <a:t>applications</a:t>
-            </a:r>
-            <a:r>
-              <a:rPr lang="en-US" sz="4500" dirty="0" smtClean="0">
-                <a:solidFill>
-                  <a:schemeClr val="tx1">
-                    <a:lumMod val="65000"/>
-                    <a:lumOff val="35000"/>
-                  </a:schemeClr>
-                </a:solidFill>
-                <a:latin typeface="Yanone Kaffeesatz Bold" pitchFamily="2" charset="0"/>
-              </a:rPr>
-              <a:t/>
             </a:r>
             <a:br>
               <a:rPr lang="en-US" sz="4500" dirty="0" smtClean="0">
@@ -7778,19 +7587,7 @@
                 </a:solidFill>
                 <a:latin typeface="Yanone Kaffeesatz Bold" pitchFamily="2" charset="0"/>
               </a:rPr>
-              <a:t>Like Socket.IO and </a:t>
-            </a:r>
-            <a:r>
-              <a:rPr lang="en-US" sz="4500" dirty="0" smtClean="0">
-                <a:solidFill>
-                  <a:schemeClr val="tx1">
-                    <a:lumMod val="65000"/>
-                    <a:lumOff val="35000"/>
-                  </a:schemeClr>
-                </a:solidFill>
-                <a:latin typeface="Yanone Kaffeesatz Bold" pitchFamily="2" charset="0"/>
-              </a:rPr>
-              <a:t>Now.JS</a:t>
+              <a:t>Like Socket.IO and Now.JS</a:t>
             </a:r>
             <a:br>
               <a:rPr lang="en-US" sz="4500" dirty="0" smtClean="0">
@@ -8139,17 +7936,6 @@
 <file path=ppt/slides/slide20.xml><?xml version="1.0" encoding="utf-8"?>
 <p:sld xmlns:a="http://schemas.openxmlformats.org/drawingml/2006/main" xmlns:r="http://schemas.openxmlformats.org/officeDocument/2006/relationships" xmlns:p="http://schemas.openxmlformats.org/presentationml/2006/main">
   <p:cSld>
-    <p:bg>
-      <p:bgPr>
-        <a:solidFill>
-          <a:schemeClr val="tx2">
-            <a:lumMod val="60000"/>
-            <a:lumOff val="40000"/>
-          </a:schemeClr>
-        </a:solidFill>
-        <a:effectLst/>
-      </p:bgPr>
-    </p:bg>
     <p:spTree>
       <p:nvGrpSpPr>
         <p:cNvPr id="1" name=""/>
@@ -8176,88 +7962,6 @@
         </p:nvSpPr>
         <p:spPr>
           <a:xfrm>
-            <a:off x="381000" y="2667000"/>
-            <a:ext cx="8382000" cy="1470025"/>
-          </a:xfrm>
-          <a:ln>
-            <a:noFill/>
-          </a:ln>
-        </p:spPr>
-        <p:txBody>
-          <a:bodyPr>
-            <a:noAutofit/>
-          </a:bodyPr>
-          <a:lstStyle/>
-          <a:p>
-            <a:r>
-              <a:rPr lang="en-US" sz="15000" dirty="0" smtClean="0">
-                <a:solidFill>
-                  <a:srgbClr val="F0F2EB"/>
-                </a:solidFill>
-                <a:latin typeface="Yanone Kaffeesatz Bold" pitchFamily="2" charset="0"/>
-                <a:cs typeface="Aharoni" pitchFamily="2" charset="-79"/>
-              </a:rPr>
-              <a:t>HOW DO YOU MANAGE THESE?</a:t>
-            </a:r>
-            <a:endParaRPr lang="en-US" sz="15000" dirty="0">
-              <a:solidFill>
-                <a:srgbClr val="F0F2EB"/>
-              </a:solidFill>
-              <a:latin typeface="Yanone Kaffeesatz Bold" pitchFamily="2" charset="0"/>
-              <a:cs typeface="Aharoni" pitchFamily="2" charset="-79"/>
-            </a:endParaRPr>
-          </a:p>
-        </p:txBody>
-      </p:sp>
-    </p:spTree>
-    <p:extLst>
-      <p:ext uri="{BB962C8B-B14F-4D97-AF65-F5344CB8AC3E}">
-        <p14:creationId xmlns:p14="http://schemas.microsoft.com/office/powerpoint/2010/main" val="4276739853"/>
-      </p:ext>
-    </p:extLst>
-  </p:cSld>
-  <p:clrMapOvr>
-    <a:masterClrMapping/>
-  </p:clrMapOvr>
-  <p:timing>
-    <p:tnLst>
-      <p:par>
-        <p:cTn id="1" dur="indefinite" restart="never" nodeType="tmRoot"/>
-      </p:par>
-    </p:tnLst>
-  </p:timing>
-</p:sld>
-</file>
-
-<file path=ppt/slides/slide21.xml><?xml version="1.0" encoding="utf-8"?>
-<p:sld xmlns:a="http://schemas.openxmlformats.org/drawingml/2006/main" xmlns:r="http://schemas.openxmlformats.org/officeDocument/2006/relationships" xmlns:p="http://schemas.openxmlformats.org/presentationml/2006/main">
-  <p:cSld>
-    <p:spTree>
-      <p:nvGrpSpPr>
-        <p:cNvPr id="1" name=""/>
-        <p:cNvGrpSpPr/>
-        <p:nvPr/>
-      </p:nvGrpSpPr>
-      <p:grpSpPr>
-        <a:xfrm>
-          <a:off x="0" y="0"/>
-          <a:ext cx="0" cy="0"/>
-          <a:chOff x="0" y="0"/>
-          <a:chExt cx="0" cy="0"/>
-        </a:xfrm>
-      </p:grpSpPr>
-      <p:sp>
-        <p:nvSpPr>
-          <p:cNvPr id="2" name="Title 1"/>
-          <p:cNvSpPr>
-            <a:spLocks noGrp="1"/>
-          </p:cNvSpPr>
-          <p:nvPr>
-            <p:ph type="ctrTitle"/>
-          </p:nvPr>
-        </p:nvSpPr>
-        <p:spPr>
-          <a:xfrm>
             <a:off x="76200" y="-228600"/>
             <a:ext cx="7772400" cy="1470025"/>
           </a:xfrm>
@@ -8305,16 +8009,6 @@
                 </a:solidFill>
                 <a:latin typeface="Yanone Kaffeesatz Bold" pitchFamily="2" charset="0"/>
                 <a:cs typeface="Aharoni" pitchFamily="2" charset="-79"/>
-              </a:rPr>
-              <a:t>Good! </a:t>
-            </a:r>
-            <a:r>
-              <a:rPr lang="en-US" sz="8000" dirty="0" smtClean="0">
-                <a:solidFill>
-                  <a:srgbClr val="00B050"/>
-                </a:solidFill>
-                <a:latin typeface="Yanone Kaffeesatz Bold" pitchFamily="2" charset="0"/>
-                <a:cs typeface="Aharoni" pitchFamily="2" charset="-79"/>
                 <a:sym typeface="Wingdings" pitchFamily="2" charset="2"/>
               </a:rPr>
               <a:t></a:t>
@@ -8450,10 +8144,10 @@
                 </a:solidFill>
                 <a:latin typeface="Yanone Kaffeesatz Bold" pitchFamily="2" charset="0"/>
               </a:rPr>
-              <a:t>Chooses </a:t>
-            </a:r>
-            <a:r>
-              <a:rPr lang="en-US" sz="4000" dirty="0" smtClean="0">
+              <a:t>Chooses best communication transport for server + client (</a:t>
+            </a:r>
+            <a:r>
+              <a:rPr lang="en-US" sz="4000" dirty="0" err="1" smtClean="0">
                 <a:solidFill>
                   <a:schemeClr val="tx1">
                     <a:lumMod val="65000"/>
@@ -8462,10 +8156,10 @@
                 </a:solidFill>
                 <a:latin typeface="Yanone Kaffeesatz Bold" pitchFamily="2" charset="0"/>
               </a:rPr>
-              <a:t>best communication transport for server + client (</a:t>
-            </a:r>
-            <a:r>
-              <a:rPr lang="en-US" sz="4000" dirty="0" err="1" smtClean="0">
+              <a:t>WebSocket</a:t>
+            </a:r>
+            <a:r>
+              <a:rPr lang="en-US" sz="4000" dirty="0" smtClean="0">
                 <a:solidFill>
                   <a:schemeClr val="tx1">
                     <a:lumMod val="65000"/>
@@ -8474,31 +8168,7 @@
                 </a:solidFill>
                 <a:latin typeface="Yanone Kaffeesatz Bold" pitchFamily="2" charset="0"/>
               </a:rPr>
-              <a:t>WebSocket</a:t>
-            </a:r>
-            <a:r>
-              <a:rPr lang="en-US" sz="4000" dirty="0" smtClean="0">
-                <a:solidFill>
-                  <a:schemeClr val="tx1">
-                    <a:lumMod val="65000"/>
-                    <a:lumOff val="35000"/>
-                  </a:schemeClr>
-                </a:solidFill>
-                <a:latin typeface="Yanone Kaffeesatz Bold" pitchFamily="2" charset="0"/>
-              </a:rPr>
               <a:t>, SSE, Long Polling, etc.) </a:t>
-            </a:r>
-            <a:r>
-              <a:rPr lang="en-US" sz="4000" dirty="0" smtClean="0">
-                <a:solidFill>
-                  <a:schemeClr val="tx1">
-                    <a:lumMod val="65000"/>
-                    <a:lumOff val="35000"/>
-                  </a:schemeClr>
-                </a:solidFill>
-                <a:latin typeface="Yanone Kaffeesatz Bold" pitchFamily="2" charset="0"/>
-              </a:rPr>
-              <a:t/>
             </a:r>
             <a:br>
               <a:rPr lang="en-US" sz="4000" dirty="0" smtClean="0">
@@ -8560,19 +8230,7 @@
                 </a:solidFill>
                 <a:latin typeface="Yanone Kaffeesatz Bold" pitchFamily="2" charset="0"/>
               </a:rPr>
-              <a:t>, timeouts, graceful disconnects, </a:t>
-            </a:r>
-            <a:r>
-              <a:rPr lang="en-US" sz="4000" dirty="0" smtClean="0">
-                <a:solidFill>
-                  <a:schemeClr val="tx1">
-                    <a:lumMod val="65000"/>
-                    <a:lumOff val="35000"/>
-                  </a:schemeClr>
-                </a:solidFill>
-                <a:latin typeface="Yanone Kaffeesatz Bold" pitchFamily="2" charset="0"/>
-              </a:rPr>
-              <a:t>…)</a:t>
+              <a:t>, timeouts, graceful disconnects, …)</a:t>
             </a:r>
             <a:br>
               <a:rPr lang="en-US" sz="4000" dirty="0" smtClean="0">
@@ -8856,7 +8514,7 @@
 </p:sld>
 </file>
 
-<file path=ppt/slides/slide22.xml><?xml version="1.0" encoding="utf-8"?>
+<file path=ppt/slides/slide21.xml><?xml version="1.0" encoding="utf-8"?>
 <p:sld xmlns:a="http://schemas.openxmlformats.org/drawingml/2006/main" xmlns:r="http://schemas.openxmlformats.org/officeDocument/2006/relationships" xmlns:p="http://schemas.openxmlformats.org/presentationml/2006/main">
   <p:cSld>
     <p:bg>
@@ -8917,7 +8575,7 @@
                 <a:latin typeface="Yanone Kaffeesatz Bold" pitchFamily="2" charset="0"/>
                 <a:cs typeface="Aharoni" pitchFamily="2" charset="-79"/>
               </a:rPr>
-              <a:t>BUILDING YOUR APP</a:t>
+              <a:t>BUILD YOUR APP</a:t>
             </a:r>
             <a:endParaRPr lang="en-US" sz="15000" dirty="0">
               <a:solidFill>
@@ -8932,7 +8590,103 @@
     </p:spTree>
     <p:extLst>
       <p:ext uri="{BB962C8B-B14F-4D97-AF65-F5344CB8AC3E}">
-        <p14:creationId xmlns:p14="http://schemas.microsoft.com/office/powerpoint/2010/main" val="172557941"/>
+        <p14:creationId xmlns:p14="http://schemas.microsoft.com/office/powerpoint/2010/main" val="3274090545"/>
+      </p:ext>
+    </p:extLst>
+  </p:cSld>
+  <p:clrMapOvr>
+    <a:masterClrMapping/>
+  </p:clrMapOvr>
+  <p:timing>
+    <p:tnLst>
+      <p:par>
+        <p:cTn id="1" dur="indefinite" restart="never" nodeType="tmRoot"/>
+      </p:par>
+    </p:tnLst>
+  </p:timing>
+</p:sld>
+</file>
+
+<file path=ppt/slides/slide22.xml><?xml version="1.0" encoding="utf-8"?>
+<p:sld xmlns:a="http://schemas.openxmlformats.org/drawingml/2006/main" xmlns:r="http://schemas.openxmlformats.org/officeDocument/2006/relationships" xmlns:p="http://schemas.openxmlformats.org/presentationml/2006/main">
+  <p:cSld>
+    <p:spTree>
+      <p:nvGrpSpPr>
+        <p:cNvPr id="1" name=""/>
+        <p:cNvGrpSpPr/>
+        <p:nvPr/>
+      </p:nvGrpSpPr>
+      <p:grpSpPr>
+        <a:xfrm>
+          <a:off x="0" y="0"/>
+          <a:ext cx="0" cy="0"/>
+          <a:chOff x="0" y="0"/>
+          <a:chExt cx="0" cy="0"/>
+        </a:xfrm>
+      </p:grpSpPr>
+      <p:sp>
+        <p:nvSpPr>
+          <p:cNvPr id="2" name="Title 1"/>
+          <p:cNvSpPr>
+            <a:spLocks noGrp="1"/>
+          </p:cNvSpPr>
+          <p:nvPr>
+            <p:ph type="ctrTitle"/>
+          </p:nvPr>
+        </p:nvSpPr>
+        <p:spPr>
+          <a:xfrm>
+            <a:off x="381000" y="2667000"/>
+            <a:ext cx="8382000" cy="1470025"/>
+          </a:xfrm>
+          <a:ln>
+            <a:noFill/>
+          </a:ln>
+        </p:spPr>
+        <p:txBody>
+          <a:bodyPr>
+            <a:noAutofit/>
+          </a:bodyPr>
+          <a:lstStyle/>
+          <a:p>
+            <a:r>
+              <a:rPr lang="en-US" sz="9000" dirty="0" smtClean="0">
+                <a:solidFill>
+                  <a:schemeClr val="accent2">
+                    <a:lumMod val="75000"/>
+                  </a:schemeClr>
+                </a:solidFill>
+                <a:latin typeface="Yanone Kaffeesatz Bold" pitchFamily="2" charset="0"/>
+                <a:cs typeface="Aharoni" pitchFamily="2" charset="-79"/>
+              </a:rPr>
+              <a:t>Demo – Polling  Chat w/ </a:t>
+            </a:r>
+            <a:r>
+              <a:rPr lang="en-US" sz="9000" dirty="0" err="1" smtClean="0">
+                <a:solidFill>
+                  <a:schemeClr val="accent2">
+                    <a:lumMod val="75000"/>
+                  </a:schemeClr>
+                </a:solidFill>
+                <a:latin typeface="Yanone Kaffeesatz Bold" pitchFamily="2" charset="0"/>
+                <a:cs typeface="Aharoni" pitchFamily="2" charset="-79"/>
+              </a:rPr>
+              <a:t>SignalR</a:t>
+            </a:r>
+            <a:endParaRPr lang="en-US" sz="15000" dirty="0">
+              <a:solidFill>
+                <a:srgbClr val="F0F2EB"/>
+              </a:solidFill>
+              <a:latin typeface="Yanone Kaffeesatz Bold" pitchFamily="2" charset="0"/>
+              <a:cs typeface="Aharoni" pitchFamily="2" charset="-79"/>
+            </a:endParaRPr>
+          </a:p>
+        </p:txBody>
+      </p:sp>
+    </p:spTree>
+    <p:extLst>
+      <p:ext uri="{BB962C8B-B14F-4D97-AF65-F5344CB8AC3E}">
+        <p14:creationId xmlns:p14="http://schemas.microsoft.com/office/powerpoint/2010/main" val="3229701014"/>
       </p:ext>
     </p:extLst>
   </p:cSld>
@@ -8978,7 +8732,7 @@
         </p:nvSpPr>
         <p:spPr>
           <a:xfrm>
-            <a:off x="381000" y="2667000"/>
+            <a:off x="457200" y="2971800"/>
             <a:ext cx="8382000" cy="1470025"/>
           </a:xfrm>
           <a:ln>
@@ -8992,6 +8746,259 @@
           <a:lstStyle/>
           <a:p>
             <a:r>
+              <a:rPr lang="en-US" sz="1200" dirty="0"/>
+              <a:t>Typically with .NET </a:t>
+            </a:r>
+            <a:r>
+              <a:rPr lang="en-US" sz="1200" dirty="0" err="1"/>
+              <a:t>ihttphandler</a:t>
+            </a:r>
+            <a:r>
+              <a:rPr lang="en-US" sz="1200" dirty="0"/>
+              <a:t> this would hold onto a request thread, wouldn’t scale beyond 20-30 threads</a:t>
+            </a:r>
+            <a:br>
+              <a:rPr lang="en-US" sz="1200" dirty="0"/>
+            </a:br>
+            <a:r>
+              <a:rPr lang="en-US" sz="1200" dirty="0"/>
+              <a:t>Last 5 years.  </a:t>
+            </a:r>
+            <a:br>
+              <a:rPr lang="en-US" sz="1200" dirty="0"/>
+            </a:br>
+            <a:r>
+              <a:rPr lang="en-US" sz="1200" dirty="0"/>
+              <a:t>How asp.net uses threads -&gt; </a:t>
+            </a:r>
+            <a:br>
+              <a:rPr lang="en-US" sz="1200" dirty="0"/>
+            </a:br>
+            <a:r>
+              <a:rPr lang="en-US" sz="1200" dirty="0"/>
+              <a:t>	when app starts up it uses the .NET </a:t>
+            </a:r>
+            <a:r>
+              <a:rPr lang="en-US" sz="1200" dirty="0" err="1"/>
+              <a:t>threadpool</a:t>
+            </a:r>
+            <a:r>
+              <a:rPr lang="en-US" sz="1200" dirty="0"/>
+              <a:t> (CLR </a:t>
+            </a:r>
+            <a:r>
+              <a:rPr lang="en-US" sz="1200" dirty="0" err="1"/>
+              <a:t>Threadpool</a:t>
+            </a:r>
+            <a:r>
+              <a:rPr lang="en-US" sz="1200" dirty="0"/>
+              <a:t>), allocated when app starts up.</a:t>
+            </a:r>
+            <a:br>
+              <a:rPr lang="en-US" sz="1200" dirty="0"/>
+            </a:br>
+            <a:r>
+              <a:rPr lang="en-US" sz="1200" dirty="0"/>
+              <a:t>	request thread comes in from IIS -&gt; handed off to your app, your app uses </a:t>
+            </a:r>
+            <a:r>
+              <a:rPr lang="en-US" sz="1200" dirty="0" err="1"/>
+              <a:t>threadpool</a:t>
+            </a:r>
+            <a:r>
+              <a:rPr lang="en-US" sz="1200" dirty="0"/>
+              <a:t> thread and is assigned to that request</a:t>
+            </a:r>
+            <a:br>
+              <a:rPr lang="en-US" sz="1200" dirty="0"/>
+            </a:br>
+            <a:r>
+              <a:rPr lang="en-US" sz="1200" dirty="0"/>
+              <a:t>		this is modeled off of quick request/response, not good for persistent connection</a:t>
+            </a:r>
+            <a:br>
+              <a:rPr lang="en-US" sz="1200" dirty="0"/>
+            </a:br>
+            <a:r>
+              <a:rPr lang="en-US" sz="1200" dirty="0"/>
+              <a:t>	Prior to .NET 4, default # of threads is low as hell (10 per </a:t>
+            </a:r>
+            <a:r>
+              <a:rPr lang="en-US" sz="1200" dirty="0" err="1"/>
+              <a:t>cpu</a:t>
+            </a:r>
+            <a:r>
+              <a:rPr lang="en-US" sz="1200" dirty="0"/>
+              <a:t>). </a:t>
+            </a:r>
+            <a:br>
+              <a:rPr lang="en-US" sz="1200" dirty="0"/>
+            </a:br>
+            <a:r>
+              <a:rPr lang="en-US" sz="1200" dirty="0"/>
+              <a:t>	this is good for throughput and avoid thrashing with your CPU…not holding a long connection open</a:t>
+            </a:r>
+            <a:br>
+              <a:rPr lang="en-US" sz="1200" dirty="0"/>
+            </a:br>
+            <a:r>
+              <a:rPr lang="en-US" sz="1200" dirty="0"/>
+              <a:t/>
+            </a:r>
+            <a:br>
+              <a:rPr lang="en-US" sz="1200" dirty="0"/>
+            </a:br>
+            <a:r>
+              <a:rPr lang="en-US" sz="1200" dirty="0"/>
+              <a:t>	in .NET 4, limits increased on # of threads per </a:t>
+            </a:r>
+            <a:r>
+              <a:rPr lang="en-US" sz="1200" dirty="0" err="1"/>
+              <a:t>cpu</a:t>
+            </a:r>
+            <a:r>
+              <a:rPr lang="en-US" sz="1200" dirty="0"/>
+              <a:t/>
+            </a:r>
+            <a:br>
+              <a:rPr lang="en-US" sz="1200" dirty="0"/>
+            </a:br>
+            <a:r>
+              <a:rPr lang="en-US" sz="1200" dirty="0"/>
+              <a:t>	</a:t>
+            </a:r>
+            <a:r>
+              <a:rPr lang="en-US" sz="1200" dirty="0" err="1"/>
+              <a:t>IAsyncHttpHandler</a:t>
+            </a:r>
+            <a:r>
+              <a:rPr lang="en-US" sz="1200" dirty="0"/>
+              <a:t>, keeps a request open and dissolve thread associated with request until work needs to happen with request.</a:t>
+            </a:r>
+            <a:br>
+              <a:rPr lang="en-US" sz="1200" dirty="0"/>
+            </a:br>
+            <a:r>
+              <a:rPr lang="en-US" sz="1200" dirty="0"/>
+              <a:t>	</a:t>
+            </a:r>
+            <a:r>
+              <a:rPr lang="en-US" sz="1200" dirty="0" err="1"/>
+              <a:t>Async</a:t>
+            </a:r>
+            <a:r>
+              <a:rPr lang="en-US" sz="1200" dirty="0"/>
+              <a:t> Programming Model easy to understand, but it gets difficult:</a:t>
+            </a:r>
+            <a:br>
+              <a:rPr lang="en-US" sz="1200" dirty="0"/>
+            </a:br>
+            <a:r>
+              <a:rPr lang="en-US" sz="1200" dirty="0"/>
+              <a:t>		- Difficult to do multiple sets of work</a:t>
+            </a:r>
+            <a:br>
+              <a:rPr lang="en-US" sz="1200" dirty="0"/>
+            </a:br>
+            <a:r>
+              <a:rPr lang="en-US" sz="1200" dirty="0"/>
+              <a:t>		- or loops of work</a:t>
+            </a:r>
+            <a:br>
+              <a:rPr lang="en-US" sz="1200" dirty="0"/>
+            </a:br>
+            <a:r>
+              <a:rPr lang="en-US" sz="1200" dirty="0"/>
+              <a:t>		so it was not easy to do this and there is a lot of infrastructure work to take care of doing this</a:t>
+            </a:r>
+            <a:br>
+              <a:rPr lang="en-US" sz="1200" dirty="0"/>
+            </a:br>
+            <a:r>
+              <a:rPr lang="en-US" sz="1200" dirty="0"/>
+              <a:t>	Introduction of TPL made this above work easier, so it led to this library</a:t>
+            </a:r>
+            <a:br>
+              <a:rPr lang="en-US" sz="1200" dirty="0"/>
+            </a:br>
+            <a:r>
+              <a:rPr lang="en-US" sz="1200" dirty="0"/>
+              <a:t>	Rather than dealing with </a:t>
+            </a:r>
+            <a:r>
+              <a:rPr lang="en-US" sz="1200" dirty="0" err="1"/>
+              <a:t>IasyncResult</a:t>
+            </a:r>
+            <a:r>
+              <a:rPr lang="en-US" sz="1200" dirty="0"/>
+              <a:t> and method pairs, we deal with tasks.</a:t>
+            </a:r>
+            <a:br>
+              <a:rPr lang="en-US" sz="1200" dirty="0"/>
+            </a:br>
+            <a:r>
+              <a:rPr lang="en-US" sz="1200" dirty="0"/>
+              <a:t>	</a:t>
+            </a:r>
+            <a:br>
+              <a:rPr lang="en-US" sz="1200" dirty="0"/>
+            </a:br>
+            <a:r>
+              <a:rPr lang="en-US" sz="1200" dirty="0"/>
+              <a:t>	</a:t>
+            </a:r>
+            <a:br>
+              <a:rPr lang="en-US" sz="1200" dirty="0"/>
+            </a:br>
+            <a:r>
+              <a:rPr lang="en-US" sz="1200" dirty="0"/>
+              <a:t>	</a:t>
+            </a:r>
+          </a:p>
+        </p:txBody>
+      </p:sp>
+      <p:sp>
+        <p:nvSpPr>
+          <p:cNvPr id="3" name="Title 1"/>
+          <p:cNvSpPr txBox="1">
+            <a:spLocks/>
+          </p:cNvSpPr>
+          <p:nvPr/>
+        </p:nvSpPr>
+        <p:spPr>
+          <a:xfrm>
+            <a:off x="353860" y="381000"/>
+            <a:ext cx="8382000" cy="1470025"/>
+          </a:xfrm>
+          <a:prstGeom prst="rect">
+            <a:avLst/>
+          </a:prstGeom>
+          <a:ln>
+            <a:noFill/>
+          </a:ln>
+        </p:spPr>
+        <p:txBody>
+          <a:bodyPr vert="horz" lIns="91440" tIns="45720" rIns="91440" bIns="45720" rtlCol="0" anchor="ctr">
+            <a:noAutofit/>
+          </a:bodyPr>
+          <a:lstStyle>
+            <a:lvl1pPr algn="ctr" defTabSz="914400" rtl="0" eaLnBrk="1" latinLnBrk="0" hangingPunct="1">
+              <a:spcBef>
+                <a:spcPct val="0"/>
+              </a:spcBef>
+              <a:buNone/>
+              <a:defRPr sz="4400" kern="1200">
+                <a:solidFill>
+                  <a:schemeClr val="tx1"/>
+                </a:solidFill>
+                <a:latin typeface="+mj-lt"/>
+                <a:ea typeface="+mj-ea"/>
+                <a:cs typeface="+mj-cs"/>
+              </a:defRPr>
+            </a:lvl1pPr>
+          </a:lstStyle>
+          <a:p>
+            <a:r>
               <a:rPr lang="en-US" sz="9000" dirty="0" smtClean="0">
                 <a:solidFill>
                   <a:schemeClr val="accent2">
@@ -9001,19 +9008,7 @@
                 <a:latin typeface="Yanone Kaffeesatz Bold" pitchFamily="2" charset="0"/>
                 <a:cs typeface="Aharoni" pitchFamily="2" charset="-79"/>
               </a:rPr>
-              <a:t>Demo – Polling  Chat w/ </a:t>
-            </a:r>
-            <a:r>
-              <a:rPr lang="en-US" sz="9000" dirty="0" err="1" smtClean="0">
-                <a:solidFill>
-                  <a:schemeClr val="accent2">
-                    <a:lumMod val="75000"/>
-                  </a:schemeClr>
-                </a:solidFill>
-                <a:latin typeface="Yanone Kaffeesatz Bold" pitchFamily="2" charset="0"/>
-                <a:cs typeface="Aharoni" pitchFamily="2" charset="-79"/>
-              </a:rPr>
-              <a:t>SignalR</a:t>
+              <a:t>Why wasn’t this popular before?</a:t>
             </a:r>
             <a:endParaRPr lang="en-US" sz="15000" dirty="0">
               <a:solidFill>
@@ -9028,7 +9023,7 @@
     </p:spTree>
     <p:extLst>
       <p:ext uri="{BB962C8B-B14F-4D97-AF65-F5344CB8AC3E}">
-        <p14:creationId xmlns:p14="http://schemas.microsoft.com/office/powerpoint/2010/main" val="3229701014"/>
+        <p14:creationId xmlns:p14="http://schemas.microsoft.com/office/powerpoint/2010/main" val="696470653"/>
       </p:ext>
     </p:extLst>
   </p:cSld>
@@ -9074,476 +9069,6 @@
         </p:nvSpPr>
         <p:spPr>
           <a:xfrm>
-            <a:off x="457200" y="2971800"/>
-            <a:ext cx="8382000" cy="1470025"/>
-          </a:xfrm>
-          <a:ln>
-            <a:noFill/>
-          </a:ln>
-        </p:spPr>
-        <p:txBody>
-          <a:bodyPr>
-            <a:noAutofit/>
-          </a:bodyPr>
-          <a:lstStyle/>
-          <a:p>
-            <a:r>
-              <a:rPr lang="en-US" sz="1200" dirty="0"/>
-              <a:t>Typically with .NET </a:t>
-            </a:r>
-            <a:r>
-              <a:rPr lang="en-US" sz="1200" dirty="0" err="1"/>
-              <a:t>ihttphandler</a:t>
-            </a:r>
-            <a:r>
-              <a:rPr lang="en-US" sz="1200" dirty="0"/>
-              <a:t> this would hold onto a request thread, wouldn’t scale beyond 20-30 threads</a:t>
-            </a:r>
-            <a:br>
-              <a:rPr lang="en-US" sz="1200" dirty="0"/>
-            </a:br>
-            <a:r>
-              <a:rPr lang="en-US" sz="1200" dirty="0"/>
-              <a:t>Last 5 years.  </a:t>
-            </a:r>
-            <a:br>
-              <a:rPr lang="en-US" sz="1200" dirty="0"/>
-            </a:br>
-            <a:r>
-              <a:rPr lang="en-US" sz="1200" dirty="0"/>
-              <a:t>How asp.net uses threads -&gt; </a:t>
-            </a:r>
-            <a:br>
-              <a:rPr lang="en-US" sz="1200" dirty="0"/>
-            </a:br>
-            <a:r>
-              <a:rPr lang="en-US" sz="1200" dirty="0"/>
-              <a:t>	when app starts up it uses the .NET </a:t>
-            </a:r>
-            <a:r>
-              <a:rPr lang="en-US" sz="1200" dirty="0" err="1"/>
-              <a:t>threadpool</a:t>
-            </a:r>
-            <a:r>
-              <a:rPr lang="en-US" sz="1200" dirty="0"/>
-              <a:t> (CLR </a:t>
-            </a:r>
-            <a:r>
-              <a:rPr lang="en-US" sz="1200" dirty="0" err="1"/>
-              <a:t>Threadpool</a:t>
-            </a:r>
-            <a:r>
-              <a:rPr lang="en-US" sz="1200" dirty="0"/>
-              <a:t>), allocated when app starts up.</a:t>
-            </a:r>
-            <a:br>
-              <a:rPr lang="en-US" sz="1200" dirty="0"/>
-            </a:br>
-            <a:r>
-              <a:rPr lang="en-US" sz="1200" dirty="0"/>
-              <a:t>	request thread comes in from IIS -&gt; handed off to your app, your app uses </a:t>
-            </a:r>
-            <a:r>
-              <a:rPr lang="en-US" sz="1200" dirty="0" err="1"/>
-              <a:t>threadpool</a:t>
-            </a:r>
-            <a:r>
-              <a:rPr lang="en-US" sz="1200" dirty="0"/>
-              <a:t> thread and is assigned to that request</a:t>
-            </a:r>
-            <a:br>
-              <a:rPr lang="en-US" sz="1200" dirty="0"/>
-            </a:br>
-            <a:r>
-              <a:rPr lang="en-US" sz="1200" dirty="0"/>
-              <a:t>		this is modeled off of quick request/response, not good for persistent connection</a:t>
-            </a:r>
-            <a:br>
-              <a:rPr lang="en-US" sz="1200" dirty="0"/>
-            </a:br>
-            <a:r>
-              <a:rPr lang="en-US" sz="1200" dirty="0"/>
-              <a:t>	Prior to .NET 4, default # of threads is low as hell (10 per </a:t>
-            </a:r>
-            <a:r>
-              <a:rPr lang="en-US" sz="1200" dirty="0" err="1"/>
-              <a:t>cpu</a:t>
-            </a:r>
-            <a:r>
-              <a:rPr lang="en-US" sz="1200" dirty="0"/>
-              <a:t>). </a:t>
-            </a:r>
-            <a:br>
-              <a:rPr lang="en-US" sz="1200" dirty="0"/>
-            </a:br>
-            <a:r>
-              <a:rPr lang="en-US" sz="1200" dirty="0"/>
-              <a:t>	this is good for throughput and avoid thrashing with your CPU…not holding a long connection open</a:t>
-            </a:r>
-            <a:br>
-              <a:rPr lang="en-US" sz="1200" dirty="0"/>
-            </a:br>
-            <a:r>
-              <a:rPr lang="en-US" sz="1200" dirty="0"/>
-              <a:t/>
-            </a:r>
-            <a:br>
-              <a:rPr lang="en-US" sz="1200" dirty="0"/>
-            </a:br>
-            <a:r>
-              <a:rPr lang="en-US" sz="1200" dirty="0"/>
-              <a:t>	in .NET 4, limits increased on # of threads per </a:t>
-            </a:r>
-            <a:r>
-              <a:rPr lang="en-US" sz="1200" dirty="0" err="1"/>
-              <a:t>cpu</a:t>
-            </a:r>
-            <a:r>
-              <a:rPr lang="en-US" sz="1200" dirty="0"/>
-              <a:t/>
-            </a:r>
-            <a:br>
-              <a:rPr lang="en-US" sz="1200" dirty="0"/>
-            </a:br>
-            <a:r>
-              <a:rPr lang="en-US" sz="1200" dirty="0"/>
-              <a:t>	</a:t>
-            </a:r>
-            <a:r>
-              <a:rPr lang="en-US" sz="1200" dirty="0" err="1"/>
-              <a:t>IAsyncHttpHandler</a:t>
-            </a:r>
-            <a:r>
-              <a:rPr lang="en-US" sz="1200" dirty="0"/>
-              <a:t>, keeps a request open and dissolve thread associated with request until work needs to happen with request.</a:t>
-            </a:r>
-            <a:br>
-              <a:rPr lang="en-US" sz="1200" dirty="0"/>
-            </a:br>
-            <a:r>
-              <a:rPr lang="en-US" sz="1200" dirty="0"/>
-              <a:t>	</a:t>
-            </a:r>
-            <a:r>
-              <a:rPr lang="en-US" sz="1200" dirty="0" err="1"/>
-              <a:t>Async</a:t>
-            </a:r>
-            <a:r>
-              <a:rPr lang="en-US" sz="1200" dirty="0"/>
-              <a:t> Programming Model easy to understand, but it gets difficult:</a:t>
-            </a:r>
-            <a:br>
-              <a:rPr lang="en-US" sz="1200" dirty="0"/>
-            </a:br>
-            <a:r>
-              <a:rPr lang="en-US" sz="1200" dirty="0"/>
-              <a:t>		- Difficult to do multiple sets of work</a:t>
-            </a:r>
-            <a:br>
-              <a:rPr lang="en-US" sz="1200" dirty="0"/>
-            </a:br>
-            <a:r>
-              <a:rPr lang="en-US" sz="1200" dirty="0"/>
-              <a:t>		- or loops of work</a:t>
-            </a:r>
-            <a:br>
-              <a:rPr lang="en-US" sz="1200" dirty="0"/>
-            </a:br>
-            <a:r>
-              <a:rPr lang="en-US" sz="1200" dirty="0"/>
-              <a:t>		so it was not easy to do this and there is a lot of infrastructure work to take care of doing this</a:t>
-            </a:r>
-            <a:br>
-              <a:rPr lang="en-US" sz="1200" dirty="0"/>
-            </a:br>
-            <a:r>
-              <a:rPr lang="en-US" sz="1200" dirty="0"/>
-              <a:t>	Introduction of TPL made this above work easier, so it led to this library</a:t>
-            </a:r>
-            <a:br>
-              <a:rPr lang="en-US" sz="1200" dirty="0"/>
-            </a:br>
-            <a:r>
-              <a:rPr lang="en-US" sz="1200" dirty="0"/>
-              <a:t>	Rather than dealing with </a:t>
-            </a:r>
-            <a:r>
-              <a:rPr lang="en-US" sz="1200" dirty="0" err="1"/>
-              <a:t>IasyncResult</a:t>
-            </a:r>
-            <a:r>
-              <a:rPr lang="en-US" sz="1200" dirty="0"/>
-              <a:t> and method pairs, we deal with tasks.</a:t>
-            </a:r>
-            <a:br>
-              <a:rPr lang="en-US" sz="1200" dirty="0"/>
-            </a:br>
-            <a:r>
-              <a:rPr lang="en-US" sz="1200" dirty="0"/>
-              <a:t>	</a:t>
-            </a:r>
-            <a:br>
-              <a:rPr lang="en-US" sz="1200" dirty="0"/>
-            </a:br>
-            <a:r>
-              <a:rPr lang="en-US" sz="1200" dirty="0"/>
-              <a:t>	</a:t>
-            </a:r>
-            <a:br>
-              <a:rPr lang="en-US" sz="1200" dirty="0"/>
-            </a:br>
-            <a:r>
-              <a:rPr lang="en-US" sz="1200" dirty="0"/>
-              <a:t>	</a:t>
-            </a:r>
-          </a:p>
-        </p:txBody>
-      </p:sp>
-      <p:sp>
-        <p:nvSpPr>
-          <p:cNvPr id="3" name="Title 1"/>
-          <p:cNvSpPr txBox="1">
-            <a:spLocks/>
-          </p:cNvSpPr>
-          <p:nvPr/>
-        </p:nvSpPr>
-        <p:spPr>
-          <a:xfrm>
-            <a:off x="353860" y="381000"/>
-            <a:ext cx="8382000" cy="1470025"/>
-          </a:xfrm>
-          <a:prstGeom prst="rect">
-            <a:avLst/>
-          </a:prstGeom>
-          <a:ln>
-            <a:noFill/>
-          </a:ln>
-        </p:spPr>
-        <p:txBody>
-          <a:bodyPr vert="horz" lIns="91440" tIns="45720" rIns="91440" bIns="45720" rtlCol="0" anchor="ctr">
-            <a:noAutofit/>
-          </a:bodyPr>
-          <a:lstStyle>
-            <a:lvl1pPr algn="ctr" defTabSz="914400" rtl="0" eaLnBrk="1" latinLnBrk="0" hangingPunct="1">
-              <a:spcBef>
-                <a:spcPct val="0"/>
-              </a:spcBef>
-              <a:buNone/>
-              <a:defRPr sz="4400" kern="1200">
-                <a:solidFill>
-                  <a:schemeClr val="tx1"/>
-                </a:solidFill>
-                <a:latin typeface="+mj-lt"/>
-                <a:ea typeface="+mj-ea"/>
-                <a:cs typeface="+mj-cs"/>
-              </a:defRPr>
-            </a:lvl1pPr>
-          </a:lstStyle>
-          <a:p>
-            <a:r>
-              <a:rPr lang="en-US" sz="9000" dirty="0" smtClean="0">
-                <a:solidFill>
-                  <a:schemeClr val="accent2">
-                    <a:lumMod val="75000"/>
-                  </a:schemeClr>
-                </a:solidFill>
-                <a:latin typeface="Yanone Kaffeesatz Bold" pitchFamily="2" charset="0"/>
-                <a:cs typeface="Aharoni" pitchFamily="2" charset="-79"/>
-              </a:rPr>
-              <a:t>Why wasn’t this popular before?</a:t>
-            </a:r>
-            <a:endParaRPr lang="en-US" sz="15000" dirty="0">
-              <a:solidFill>
-                <a:srgbClr val="F0F2EB"/>
-              </a:solidFill>
-              <a:latin typeface="Yanone Kaffeesatz Bold" pitchFamily="2" charset="0"/>
-              <a:cs typeface="Aharoni" pitchFamily="2" charset="-79"/>
-            </a:endParaRPr>
-          </a:p>
-        </p:txBody>
-      </p:sp>
-    </p:spTree>
-    <p:extLst>
-      <p:ext uri="{BB962C8B-B14F-4D97-AF65-F5344CB8AC3E}">
-        <p14:creationId xmlns:p14="http://schemas.microsoft.com/office/powerpoint/2010/main" val="696470653"/>
-      </p:ext>
-    </p:extLst>
-  </p:cSld>
-  <p:clrMapOvr>
-    <a:masterClrMapping/>
-  </p:clrMapOvr>
-  <p:timing>
-    <p:tnLst>
-      <p:par>
-        <p:cTn id="1" dur="indefinite" restart="never" nodeType="tmRoot"/>
-      </p:par>
-    </p:tnLst>
-  </p:timing>
-</p:sld>
-</file>
-
-<file path=ppt/slides/slide25.xml><?xml version="1.0" encoding="utf-8"?>
-<p:sld xmlns:a="http://schemas.openxmlformats.org/drawingml/2006/main" xmlns:r="http://schemas.openxmlformats.org/officeDocument/2006/relationships" xmlns:p="http://schemas.openxmlformats.org/presentationml/2006/main">
-  <p:cSld>
-    <p:spTree>
-      <p:nvGrpSpPr>
-        <p:cNvPr id="1" name=""/>
-        <p:cNvGrpSpPr/>
-        <p:nvPr/>
-      </p:nvGrpSpPr>
-      <p:grpSpPr>
-        <a:xfrm>
-          <a:off x="0" y="0"/>
-          <a:ext cx="0" cy="0"/>
-          <a:chOff x="0" y="0"/>
-          <a:chExt cx="0" cy="0"/>
-        </a:xfrm>
-      </p:grpSpPr>
-      <p:sp>
-        <p:nvSpPr>
-          <p:cNvPr id="2" name="Title 1"/>
-          <p:cNvSpPr>
-            <a:spLocks noGrp="1"/>
-          </p:cNvSpPr>
-          <p:nvPr>
-            <p:ph type="ctrTitle"/>
-          </p:nvPr>
-        </p:nvSpPr>
-        <p:spPr>
-          <a:xfrm>
-            <a:off x="381000" y="2667000"/>
-            <a:ext cx="8382000" cy="1470025"/>
-          </a:xfrm>
-          <a:ln>
-            <a:noFill/>
-          </a:ln>
-        </p:spPr>
-        <p:txBody>
-          <a:bodyPr>
-            <a:noAutofit/>
-          </a:bodyPr>
-          <a:lstStyle/>
-          <a:p>
-            <a:r>
-              <a:rPr lang="en-US" sz="9000" dirty="0" smtClean="0">
-                <a:solidFill>
-                  <a:schemeClr val="accent2">
-                    <a:lumMod val="75000"/>
-                  </a:schemeClr>
-                </a:solidFill>
-                <a:latin typeface="Yanone Kaffeesatz Bold" pitchFamily="2" charset="0"/>
-                <a:cs typeface="Aharoni" pitchFamily="2" charset="-79"/>
-              </a:rPr>
-              <a:t>Demo – </a:t>
-            </a:r>
-            <a:r>
-              <a:rPr lang="en-US" sz="9000" dirty="0" err="1" smtClean="0">
-                <a:solidFill>
-                  <a:schemeClr val="accent2">
-                    <a:lumMod val="75000"/>
-                  </a:schemeClr>
-                </a:solidFill>
-                <a:latin typeface="Yanone Kaffeesatz Bold" pitchFamily="2" charset="0"/>
-                <a:cs typeface="Aharoni" pitchFamily="2" charset="-79"/>
-              </a:rPr>
-              <a:t>StackHack</a:t>
-            </a:r>
-            <a:endParaRPr lang="en-US" sz="15000" dirty="0">
-              <a:solidFill>
-                <a:srgbClr val="F0F2EB"/>
-              </a:solidFill>
-              <a:latin typeface="Yanone Kaffeesatz Bold" pitchFamily="2" charset="0"/>
-              <a:cs typeface="Aharoni" pitchFamily="2" charset="-79"/>
-            </a:endParaRPr>
-          </a:p>
-        </p:txBody>
-      </p:sp>
-    </p:spTree>
-    <p:extLst>
-      <p:ext uri="{BB962C8B-B14F-4D97-AF65-F5344CB8AC3E}">
-        <p14:creationId xmlns:p14="http://schemas.microsoft.com/office/powerpoint/2010/main" val="1898369061"/>
-      </p:ext>
-    </p:extLst>
-  </p:cSld>
-  <p:clrMapOvr>
-    <a:masterClrMapping/>
-  </p:clrMapOvr>
-  <p:timing>
-    <p:tnLst>
-      <p:par>
-        <p:cTn id="1" dur="indefinite" restart="never" nodeType="tmRoot"/>
-      </p:par>
-    </p:tnLst>
-  </p:timing>
-</p:sld>
-</file>
-
-<file path=ppt/slides/slide26.xml><?xml version="1.0" encoding="utf-8"?>
-<p:sld xmlns:a="http://schemas.openxmlformats.org/drawingml/2006/main" xmlns:r="http://schemas.openxmlformats.org/officeDocument/2006/relationships" xmlns:p="http://schemas.openxmlformats.org/presentationml/2006/main">
-  <p:cSld>
-    <p:spTree>
-      <p:nvGrpSpPr>
-        <p:cNvPr id="1" name=""/>
-        <p:cNvGrpSpPr/>
-        <p:nvPr/>
-      </p:nvGrpSpPr>
-      <p:grpSpPr>
-        <a:xfrm>
-          <a:off x="0" y="0"/>
-          <a:ext cx="0" cy="0"/>
-          <a:chOff x="0" y="0"/>
-          <a:chExt cx="0" cy="0"/>
-        </a:xfrm>
-      </p:grpSpPr>
-    </p:spTree>
-    <p:extLst>
-      <p:ext uri="{BB962C8B-B14F-4D97-AF65-F5344CB8AC3E}">
-        <p14:creationId xmlns:p14="http://schemas.microsoft.com/office/powerpoint/2010/main" val="3983234601"/>
-      </p:ext>
-    </p:extLst>
-  </p:cSld>
-  <p:clrMapOvr>
-    <a:masterClrMapping/>
-  </p:clrMapOvr>
-  <p:timing>
-    <p:tnLst>
-      <p:par>
-        <p:cTn id="1" dur="indefinite" restart="never" nodeType="tmRoot"/>
-      </p:par>
-    </p:tnLst>
-  </p:timing>
-</p:sld>
-</file>
-
-<file path=ppt/slides/slide27.xml><?xml version="1.0" encoding="utf-8"?>
-<p:sld xmlns:a="http://schemas.openxmlformats.org/drawingml/2006/main" xmlns:r="http://schemas.openxmlformats.org/officeDocument/2006/relationships" xmlns:p="http://schemas.openxmlformats.org/presentationml/2006/main">
-  <p:cSld>
-    <p:spTree>
-      <p:nvGrpSpPr>
-        <p:cNvPr id="1" name=""/>
-        <p:cNvGrpSpPr/>
-        <p:nvPr/>
-      </p:nvGrpSpPr>
-      <p:grpSpPr>
-        <a:xfrm>
-          <a:off x="0" y="0"/>
-          <a:ext cx="0" cy="0"/>
-          <a:chOff x="0" y="0"/>
-          <a:chExt cx="0" cy="0"/>
-        </a:xfrm>
-      </p:grpSpPr>
-      <p:sp>
-        <p:nvSpPr>
-          <p:cNvPr id="2" name="Title 1"/>
-          <p:cNvSpPr>
-            <a:spLocks noGrp="1"/>
-          </p:cNvSpPr>
-          <p:nvPr>
-            <p:ph type="ctrTitle"/>
-          </p:nvPr>
-        </p:nvSpPr>
-        <p:spPr>
-          <a:xfrm>
             <a:off x="76200" y="-228600"/>
             <a:ext cx="7772400" cy="1470025"/>
           </a:xfrm>
@@ -9569,7 +9094,20 @@
                 <a:latin typeface="Yanone Kaffeesatz Bold" pitchFamily="2" charset="0"/>
                 <a:cs typeface="Aharoni" pitchFamily="2" charset="-79"/>
               </a:rPr>
-              <a:t>One ASP.NET</a:t>
+              <a:t>One </a:t>
+            </a:r>
+            <a:r>
+              <a:rPr lang="en-US" sz="8000" dirty="0" smtClean="0">
+                <a:solidFill>
+                  <a:schemeClr val="tx2">
+                    <a:lumMod val="60000"/>
+                    <a:lumOff val="40000"/>
+                  </a:schemeClr>
+                </a:solidFill>
+                <a:latin typeface="Yanone Kaffeesatz Bold" pitchFamily="2" charset="0"/>
+                <a:cs typeface="Aharoni" pitchFamily="2" charset="-79"/>
+              </a:rPr>
+              <a:t>ASP.NET</a:t>
             </a:r>
             <a:endParaRPr lang="en-US" sz="8000" dirty="0">
               <a:solidFill>
@@ -9743,7 +9281,7 @@
 </p:sld>
 </file>
 
-<file path=ppt/slides/slide28.xml><?xml version="1.0" encoding="utf-8"?>
+<file path=ppt/slides/slide25.xml><?xml version="1.0" encoding="utf-8"?>
 <p:sld xmlns:a="http://schemas.openxmlformats.org/drawingml/2006/main" xmlns:r="http://schemas.openxmlformats.org/officeDocument/2006/relationships" xmlns:p="http://schemas.openxmlformats.org/presentationml/2006/main">
   <p:cSld>
     <p:spTree>
@@ -9772,7 +9310,7 @@
         </p:nvSpPr>
         <p:spPr>
           <a:xfrm>
-            <a:off x="762000" y="1295400"/>
+            <a:off x="76200" y="-228600"/>
             <a:ext cx="7772400" cy="1470025"/>
           </a:xfrm>
           <a:ln>
@@ -9785,8 +9323,9 @@
           </a:bodyPr>
           <a:lstStyle/>
           <a:p>
-            <a:r>
-              <a:rPr lang="en-US" sz="13000" dirty="0" smtClean="0">
+            <a:pPr algn="l"/>
+            <a:r>
+              <a:rPr lang="en-US" sz="8000" dirty="0" smtClean="0">
                 <a:solidFill>
                   <a:schemeClr val="tx2">
                     <a:lumMod val="60000"/>
@@ -9796,22 +9335,9 @@
                 <a:latin typeface="Yanone Kaffeesatz Bold" pitchFamily="2" charset="0"/>
                 <a:cs typeface="Aharoni" pitchFamily="2" charset="-79"/>
               </a:rPr>
-              <a:t>Intro to </a:t>
-            </a:r>
-            <a:r>
-              <a:rPr lang="en-US" sz="13000" dirty="0" err="1" smtClean="0">
-                <a:solidFill>
-                  <a:schemeClr val="tx2">
-                    <a:lumMod val="60000"/>
-                    <a:lumOff val="40000"/>
-                  </a:schemeClr>
-                </a:solidFill>
-                <a:latin typeface="Yanone Kaffeesatz Bold" pitchFamily="2" charset="0"/>
-                <a:cs typeface="Aharoni" pitchFamily="2" charset="-79"/>
-              </a:rPr>
-              <a:t>SignalR</a:t>
-            </a:r>
-            <a:endParaRPr lang="en-US" sz="13000" dirty="0">
+              <a:t>Roadmap</a:t>
+            </a:r>
+            <a:endParaRPr lang="en-US" sz="8000" dirty="0">
               <a:solidFill>
                 <a:schemeClr val="tx2">
                   <a:lumMod val="60000"/>
@@ -9836,8 +9362,8 @@
         </p:nvSpPr>
         <p:spPr>
           <a:xfrm>
-            <a:off x="762000" y="3276600"/>
-            <a:ext cx="7696200" cy="1371600"/>
+            <a:off x="228600" y="1066800"/>
+            <a:ext cx="8763000" cy="5486400"/>
           </a:xfrm>
         </p:spPr>
         <p:txBody>
@@ -9846,8 +9372,12 @@
           </a:bodyPr>
           <a:lstStyle/>
           <a:p>
-            <a:r>
-              <a:rPr lang="en-US" sz="7000" dirty="0" smtClean="0">
+            <a:pPr marL="857250" indent="-857250" algn="l">
+              <a:buFont typeface="Arial" pitchFamily="34" charset="0"/>
+              <a:buChar char="•"/>
+            </a:pPr>
+            <a:r>
+              <a:rPr lang="en-US" sz="4800" dirty="0" smtClean="0">
                 <a:solidFill>
                   <a:schemeClr val="tx1">
                     <a:lumMod val="50000"/>
@@ -9856,9 +9386,33 @@
                 </a:solidFill>
                 <a:latin typeface="Yanone Kaffeesatz Bold" pitchFamily="2" charset="0"/>
               </a:rPr>
-              <a:t>EASY REAL-TIME IN .NET</a:t>
-            </a:r>
-            <a:endParaRPr lang="en-US" sz="7000" dirty="0">
+              <a:t>Version</a:t>
+            </a:r>
+          </a:p>
+          <a:p>
+            <a:pPr marL="857250" indent="-857250" algn="l">
+              <a:buFont typeface="Arial" pitchFamily="34" charset="0"/>
+              <a:buChar char="•"/>
+            </a:pPr>
+            <a:r>
+              <a:rPr lang="en-US" sz="4800" dirty="0" smtClean="0">
+                <a:solidFill>
+                  <a:schemeClr val="tx1">
+                    <a:lumMod val="50000"/>
+                    <a:lumOff val="50000"/>
+                  </a:schemeClr>
+                </a:solidFill>
+                <a:latin typeface="Yanone Kaffeesatz Bold" pitchFamily="2" charset="0"/>
+              </a:rPr>
+              <a:t>Roadmap</a:t>
+            </a:r>
+          </a:p>
+          <a:p>
+            <a:pPr marL="857250" indent="-857250" algn="l">
+              <a:buFont typeface="Arial" pitchFamily="34" charset="0"/>
+              <a:buChar char="•"/>
+            </a:pPr>
+            <a:endParaRPr lang="en-US" sz="4800" dirty="0" smtClean="0">
               <a:solidFill>
                 <a:schemeClr val="tx1">
                   <a:lumMod val="50000"/>
@@ -9870,74 +9424,114 @@
           </a:p>
         </p:txBody>
       </p:sp>
-      <p:pic>
-        <p:nvPicPr>
-          <p:cNvPr id="4" name="Picture 5"/>
-          <p:cNvPicPr>
-            <a:picLocks noChangeAspect="1" noChangeArrowheads="1"/>
-          </p:cNvPicPr>
-          <p:nvPr/>
-        </p:nvPicPr>
-        <p:blipFill>
-          <a:blip r:embed="rId2">
-            <a:extLst>
-              <a:ext uri="{28A0092B-C50C-407E-A947-70E740481C1C}">
-                <a14:useLocalDpi xmlns:a14="http://schemas.microsoft.com/office/drawing/2010/main" val="0"/>
-              </a:ext>
-            </a:extLst>
-          </a:blip>
-          <a:srcRect/>
-          <a:stretch>
-            <a:fillRect/>
-          </a:stretch>
-        </p:blipFill>
-        <p:spPr bwMode="auto">
+    </p:spTree>
+    <p:extLst>
+      <p:ext uri="{BB962C8B-B14F-4D97-AF65-F5344CB8AC3E}">
+        <p14:creationId xmlns:p14="http://schemas.microsoft.com/office/powerpoint/2010/main" val="4233719394"/>
+      </p:ext>
+    </p:extLst>
+  </p:cSld>
+  <p:clrMapOvr>
+    <a:masterClrMapping/>
+  </p:clrMapOvr>
+  <p:timing>
+    <p:tnLst>
+      <p:par>
+        <p:cTn id="1" dur="indefinite" restart="never" nodeType="tmRoot"/>
+      </p:par>
+    </p:tnLst>
+  </p:timing>
+</p:sld>
+</file>
+
+<file path=ppt/slides/slide26.xml><?xml version="1.0" encoding="utf-8"?>
+<p:sld xmlns:a="http://schemas.openxmlformats.org/drawingml/2006/main" xmlns:r="http://schemas.openxmlformats.org/officeDocument/2006/relationships" xmlns:p="http://schemas.openxmlformats.org/presentationml/2006/main">
+  <p:cSld>
+    <p:bg>
+      <p:bgPr>
+        <a:solidFill>
+          <a:schemeClr val="tx2">
+            <a:lumMod val="60000"/>
+            <a:lumOff val="40000"/>
+          </a:schemeClr>
+        </a:solidFill>
+        <a:effectLst/>
+      </p:bgPr>
+    </p:bg>
+    <p:spTree>
+      <p:nvGrpSpPr>
+        <p:cNvPr id="1" name=""/>
+        <p:cNvGrpSpPr/>
+        <p:nvPr/>
+      </p:nvGrpSpPr>
+      <p:grpSpPr>
+        <a:xfrm>
+          <a:off x="0" y="0"/>
+          <a:ext cx="0" cy="0"/>
+          <a:chOff x="0" y="0"/>
+          <a:chExt cx="0" cy="0"/>
+        </a:xfrm>
+      </p:grpSpPr>
+      <p:sp>
+        <p:nvSpPr>
+          <p:cNvPr id="2" name="Title 1"/>
+          <p:cNvSpPr>
+            <a:spLocks noGrp="1"/>
+          </p:cNvSpPr>
+          <p:nvPr>
+            <p:ph type="ctrTitle"/>
+          </p:nvPr>
+        </p:nvSpPr>
+        <p:spPr>
           <a:xfrm>
-            <a:off x="1295400" y="1371600"/>
-            <a:ext cx="4619625" cy="3057525"/>
+            <a:off x="381000" y="2667000"/>
+            <a:ext cx="8382000" cy="1470025"/>
           </a:xfrm>
-          <a:prstGeom prst="rect">
-            <a:avLst/>
-          </a:prstGeom>
-          <a:noFill/>
           <a:ln>
             <a:noFill/>
           </a:ln>
-          <a:effectLst/>
-          <a:extLst>
-            <a:ext uri="{909E8E84-426E-40DD-AFC4-6F175D3DCCD1}">
-              <a14:hiddenFill xmlns:a14="http://schemas.microsoft.com/office/drawing/2010/main">
-                <a:solidFill>
-                  <a:schemeClr val="accent1"/>
-                </a:solidFill>
-              </a14:hiddenFill>
-            </a:ext>
-            <a:ext uri="{91240B29-F687-4F45-9708-019B960494DF}">
-              <a14:hiddenLine xmlns:a14="http://schemas.microsoft.com/office/drawing/2010/main" w="9525">
-                <a:solidFill>
-                  <a:schemeClr val="tx1"/>
-                </a:solidFill>
-                <a:miter lim="800000"/>
-                <a:headEnd/>
-                <a:tailEnd/>
-              </a14:hiddenLine>
-            </a:ext>
-            <a:ext uri="{AF507438-7753-43E0-B8FC-AC1667EBCBE1}">
-              <a14:hiddenEffects xmlns:a14="http://schemas.microsoft.com/office/drawing/2010/main">
-                <a:effectLst>
-                  <a:outerShdw dist="35921" dir="2700000" algn="ctr" rotWithShape="0">
-                    <a:schemeClr val="bg2"/>
-                  </a:outerShdw>
-                </a:effectLst>
-              </a14:hiddenEffects>
-            </a:ext>
-          </a:extLst>
         </p:spPr>
-      </p:pic>
+        <p:txBody>
+          <a:bodyPr>
+            <a:noAutofit/>
+          </a:bodyPr>
+          <a:lstStyle/>
+          <a:p>
+            <a:r>
+              <a:rPr lang="en-US" sz="15000" dirty="0" smtClean="0">
+                <a:solidFill>
+                  <a:srgbClr val="F0F2EB"/>
+                </a:solidFill>
+                <a:latin typeface="Yanone Kaffeesatz Bold" pitchFamily="2" charset="0"/>
+                <a:cs typeface="Aharoni" pitchFamily="2" charset="-79"/>
+              </a:rPr>
+              <a:t>THANKS </a:t>
+            </a:r>
+            <a:r>
+              <a:rPr lang="en-US" sz="15000" dirty="0" smtClean="0">
+                <a:solidFill>
+                  <a:srgbClr val="F0F2EB"/>
+                </a:solidFill>
+                <a:latin typeface="Yanone Kaffeesatz Bold" pitchFamily="2" charset="0"/>
+                <a:cs typeface="Aharoni" pitchFamily="2" charset="-79"/>
+                <a:sym typeface="Wingdings" pitchFamily="2" charset="2"/>
+              </a:rPr>
+              <a:t></a:t>
+            </a:r>
+            <a:endParaRPr lang="en-US" sz="15000" dirty="0">
+              <a:solidFill>
+                <a:srgbClr val="F0F2EB"/>
+              </a:solidFill>
+              <a:latin typeface="Yanone Kaffeesatz Bold" pitchFamily="2" charset="0"/>
+              <a:cs typeface="Aharoni" pitchFamily="2" charset="-79"/>
+            </a:endParaRPr>
+          </a:p>
+        </p:txBody>
+      </p:sp>
     </p:spTree>
     <p:extLst>
       <p:ext uri="{BB962C8B-B14F-4D97-AF65-F5344CB8AC3E}">
-        <p14:creationId xmlns:p14="http://schemas.microsoft.com/office/powerpoint/2010/main" val="3429037059"/>
+        <p14:creationId xmlns:p14="http://schemas.microsoft.com/office/powerpoint/2010/main" val="172557941"/>
       </p:ext>
     </p:extLst>
   </p:cSld>
@@ -10111,7 +9705,19 @@
                 <a:latin typeface="Yanone Kaffeesatz Bold" pitchFamily="2" charset="0"/>
                 <a:cs typeface="Aharoni" pitchFamily="2" charset="-79"/>
               </a:rPr>
-              <a:t>Realtime</a:t>
+              <a:t>SignalR</a:t>
+            </a:r>
+            <a:r>
+              <a:rPr lang="en-US" sz="9000" dirty="0" smtClean="0">
+                <a:solidFill>
+                  <a:schemeClr val="accent2">
+                    <a:lumMod val="75000"/>
+                  </a:schemeClr>
+                </a:solidFill>
+                <a:latin typeface="Yanone Kaffeesatz Bold" pitchFamily="2" charset="0"/>
+                <a:cs typeface="Aharoni" pitchFamily="2" charset="-79"/>
+              </a:rPr>
+              <a:t> stock ticker</a:t>
             </a:r>
             <a:r>
               <a:rPr lang="en-US" sz="15000" dirty="0" smtClean="0">
@@ -10172,7 +9778,7 @@
       </p:grpSpPr>
       <p:pic>
         <p:nvPicPr>
-          <p:cNvPr id="1028" name="Picture 4" descr="C:\Users\ahmed.alani\Desktop\Work\Presentation\fblike.png"/>
+          <p:cNvPr id="1031" name="Picture 7"/>
           <p:cNvPicPr>
             <a:picLocks noChangeAspect="1" noChangeArrowheads="1"/>
           </p:cNvPicPr>
@@ -10180,88 +9786,6 @@
         </p:nvPicPr>
         <p:blipFill>
           <a:blip r:embed="rId3">
-            <a:extLst>
-              <a:ext uri="{28A0092B-C50C-407E-A947-70E740481C1C}">
-                <a14:useLocalDpi xmlns:a14="http://schemas.microsoft.com/office/drawing/2010/main" val="0"/>
-              </a:ext>
-            </a:extLst>
-          </a:blip>
-          <a:srcRect/>
-          <a:stretch>
-            <a:fillRect/>
-          </a:stretch>
-        </p:blipFill>
-        <p:spPr bwMode="auto">
-          <a:xfrm rot="1750199">
-            <a:off x="973392" y="777048"/>
-            <a:ext cx="1809750" cy="1651000"/>
-          </a:xfrm>
-          <a:prstGeom prst="rect">
-            <a:avLst/>
-          </a:prstGeom>
-          <a:noFill/>
-          <a:extLst>
-            <a:ext uri="{909E8E84-426E-40DD-AFC4-6F175D3DCCD1}">
-              <a14:hiddenFill xmlns:a14="http://schemas.microsoft.com/office/drawing/2010/main">
-                <a:solidFill>
-                  <a:srgbClr val="FFFFFF"/>
-                </a:solidFill>
-              </a14:hiddenFill>
-            </a:ext>
-          </a:extLst>
-        </p:spPr>
-      </p:pic>
-      <p:pic>
-        <p:nvPicPr>
-          <p:cNvPr id="1029" name="Picture 5" descr="C:\Users\ahmed.alani\Desktop\Work\Presentation\farmville.jpg"/>
-          <p:cNvPicPr>
-            <a:picLocks noChangeAspect="1" noChangeArrowheads="1"/>
-          </p:cNvPicPr>
-          <p:nvPr/>
-        </p:nvPicPr>
-        <p:blipFill>
-          <a:blip r:embed="rId4">
-            <a:extLst>
-              <a:ext uri="{28A0092B-C50C-407E-A947-70E740481C1C}">
-                <a14:useLocalDpi xmlns:a14="http://schemas.microsoft.com/office/drawing/2010/main" val="0"/>
-              </a:ext>
-            </a:extLst>
-          </a:blip>
-          <a:srcRect/>
-          <a:stretch>
-            <a:fillRect/>
-          </a:stretch>
-        </p:blipFill>
-        <p:spPr bwMode="auto">
-          <a:xfrm rot="20931568">
-            <a:off x="4175652" y="1338262"/>
-            <a:ext cx="4667250" cy="3571875"/>
-          </a:xfrm>
-          <a:prstGeom prst="rect">
-            <a:avLst/>
-          </a:prstGeom>
-          <a:noFill/>
-          <a:extLst>
-            <a:ext uri="{909E8E84-426E-40DD-AFC4-6F175D3DCCD1}">
-              <a14:hiddenFill xmlns:a14="http://schemas.microsoft.com/office/drawing/2010/main">
-                <a:solidFill>
-                  <a:srgbClr val="FFFFFF"/>
-                </a:solidFill>
-              </a14:hiddenFill>
-            </a:ext>
-          </a:extLst>
-        </p:spPr>
-      </p:pic>
-      <p:pic>
-        <p:nvPicPr>
-          <p:cNvPr id="1031" name="Picture 7"/>
-          <p:cNvPicPr>
-            <a:picLocks noChangeAspect="1" noChangeArrowheads="1"/>
-          </p:cNvPicPr>
-          <p:nvPr/>
-        </p:nvPicPr>
-        <p:blipFill>
-          <a:blip r:embed="rId5">
             <a:extLst>
               <a:ext uri="{28A0092B-C50C-407E-A947-70E740481C1C}">
                 <a14:useLocalDpi xmlns:a14="http://schemas.microsoft.com/office/drawing/2010/main" val="0"/>
@@ -10316,6 +9840,108 @@
           </a:extLst>
         </p:spPr>
       </p:pic>
+      <p:pic>
+        <p:nvPicPr>
+          <p:cNvPr id="1028" name="Picture 4" descr="C:\Users\ahmed.alani\Desktop\Work\Presentation\fblike.png"/>
+          <p:cNvPicPr>
+            <a:picLocks noChangeAspect="1" noChangeArrowheads="1"/>
+          </p:cNvPicPr>
+          <p:nvPr/>
+        </p:nvPicPr>
+        <p:blipFill>
+          <a:blip r:embed="rId4">
+            <a:extLst>
+              <a:ext uri="{28A0092B-C50C-407E-A947-70E740481C1C}">
+                <a14:useLocalDpi xmlns:a14="http://schemas.microsoft.com/office/drawing/2010/main" val="0"/>
+              </a:ext>
+            </a:extLst>
+          </a:blip>
+          <a:srcRect/>
+          <a:stretch>
+            <a:fillRect/>
+          </a:stretch>
+        </p:blipFill>
+        <p:spPr bwMode="auto">
+          <a:xfrm rot="1750199">
+            <a:off x="6726673" y="2298699"/>
+            <a:ext cx="1809750" cy="1651000"/>
+          </a:xfrm>
+          <a:prstGeom prst="rect">
+            <a:avLst/>
+          </a:prstGeom>
+          <a:noFill/>
+          <a:extLst>
+            <a:ext uri="{909E8E84-426E-40DD-AFC4-6F175D3DCCD1}">
+              <a14:hiddenFill xmlns:a14="http://schemas.microsoft.com/office/drawing/2010/main">
+                <a:solidFill>
+                  <a:srgbClr val="FFFFFF"/>
+                </a:solidFill>
+              </a14:hiddenFill>
+            </a:ext>
+          </a:extLst>
+        </p:spPr>
+      </p:pic>
+      <p:sp>
+        <p:nvSpPr>
+          <p:cNvPr id="18" name="Title 1"/>
+          <p:cNvSpPr txBox="1">
+            <a:spLocks/>
+          </p:cNvSpPr>
+          <p:nvPr/>
+        </p:nvSpPr>
+        <p:spPr>
+          <a:xfrm>
+            <a:off x="2590800" y="1676400"/>
+            <a:ext cx="3200400" cy="1219200"/>
+          </a:xfrm>
+          <a:prstGeom prst="rect">
+            <a:avLst/>
+          </a:prstGeom>
+          <a:ln>
+            <a:noFill/>
+          </a:ln>
+        </p:spPr>
+        <p:txBody>
+          <a:bodyPr vert="horz" lIns="91440" tIns="45720" rIns="91440" bIns="45720" rtlCol="0" anchor="ctr">
+            <a:noAutofit/>
+          </a:bodyPr>
+          <a:lstStyle>
+            <a:lvl1pPr algn="ctr" defTabSz="914400" rtl="0" eaLnBrk="1" latinLnBrk="0" hangingPunct="1">
+              <a:spcBef>
+                <a:spcPct val="0"/>
+              </a:spcBef>
+              <a:buNone/>
+              <a:defRPr sz="4400" kern="1200">
+                <a:solidFill>
+                  <a:schemeClr val="tx1"/>
+                </a:solidFill>
+                <a:latin typeface="+mj-lt"/>
+                <a:ea typeface="+mj-ea"/>
+                <a:cs typeface="+mj-cs"/>
+              </a:defRPr>
+            </a:lvl1pPr>
+          </a:lstStyle>
+          <a:p>
+            <a:r>
+              <a:rPr lang="en-US" sz="3500" dirty="0" smtClean="0">
+                <a:solidFill>
+                  <a:srgbClr val="FF0000"/>
+                </a:solidFill>
+                <a:latin typeface="Yanone Kaffeesatz Bold" pitchFamily="2" charset="0"/>
+                <a:cs typeface="Aharoni" pitchFamily="2" charset="-79"/>
+              </a:rPr>
+              <a:t>Headphone jack on the bottom</a:t>
+            </a:r>
+            <a:endParaRPr lang="en-US" sz="3500" dirty="0">
+              <a:solidFill>
+                <a:srgbClr val="FF0000"/>
+              </a:solidFill>
+              <a:latin typeface="Yanone Kaffeesatz Bold" pitchFamily="2" charset="0"/>
+              <a:cs typeface="Aharoni" pitchFamily="2" charset="-79"/>
+            </a:endParaRPr>
+          </a:p>
+        </p:txBody>
+      </p:sp>
       <p:cxnSp>
         <p:nvCxnSpPr>
           <p:cNvPr id="8" name="Straight Arrow Connector 7"/>
@@ -10349,67 +9975,47 @@
           </a:fontRef>
         </p:style>
       </p:cxnSp>
-      <p:sp>
-        <p:nvSpPr>
-          <p:cNvPr id="18" name="Title 1"/>
-          <p:cNvSpPr txBox="1">
-            <a:spLocks/>
-          </p:cNvSpPr>
+      <p:pic>
+        <p:nvPicPr>
+          <p:cNvPr id="1029" name="Picture 5" descr="C:\Users\ahmed.alani\Desktop\Work\Presentation\farmville.jpg"/>
+          <p:cNvPicPr>
+            <a:picLocks noChangeAspect="1" noChangeArrowheads="1"/>
+          </p:cNvPicPr>
           <p:nvPr/>
-        </p:nvSpPr>
-        <p:spPr>
-          <a:xfrm>
-            <a:off x="2590800" y="1676400"/>
-            <a:ext cx="3200400" cy="1219200"/>
+        </p:nvPicPr>
+        <p:blipFill>
+          <a:blip r:embed="rId5">
+            <a:extLst>
+              <a:ext uri="{28A0092B-C50C-407E-A947-70E740481C1C}">
+                <a14:useLocalDpi xmlns:a14="http://schemas.microsoft.com/office/drawing/2010/main" val="0"/>
+              </a:ext>
+            </a:extLst>
+          </a:blip>
+          <a:srcRect/>
+          <a:stretch>
+            <a:fillRect/>
+          </a:stretch>
+        </p:blipFill>
+        <p:spPr bwMode="auto">
+          <a:xfrm rot="20931568">
+            <a:off x="438382" y="807112"/>
+            <a:ext cx="5457912" cy="4176974"/>
           </a:xfrm>
           <a:prstGeom prst="rect">
             <a:avLst/>
           </a:prstGeom>
-          <a:ln>
-            <a:noFill/>
-          </a:ln>
+          <a:noFill/>
+          <a:extLst>
+            <a:ext uri="{909E8E84-426E-40DD-AFC4-6F175D3DCCD1}">
+              <a14:hiddenFill xmlns:a14="http://schemas.microsoft.com/office/drawing/2010/main">
+                <a:solidFill>
+                  <a:srgbClr val="FFFFFF"/>
+                </a:solidFill>
+              </a14:hiddenFill>
+            </a:ext>
+          </a:extLst>
         </p:spPr>
-        <p:txBody>
-          <a:bodyPr vert="horz" lIns="91440" tIns="45720" rIns="91440" bIns="45720" rtlCol="0" anchor="ctr">
-            <a:noAutofit/>
-          </a:bodyPr>
-          <a:lstStyle>
-            <a:lvl1pPr algn="ctr" defTabSz="914400" rtl="0" eaLnBrk="1" latinLnBrk="0" hangingPunct="1">
-              <a:spcBef>
-                <a:spcPct val="0"/>
-              </a:spcBef>
-              <a:buNone/>
-              <a:defRPr sz="4400" kern="1200">
-                <a:solidFill>
-                  <a:schemeClr val="tx1"/>
-                </a:solidFill>
-                <a:latin typeface="+mj-lt"/>
-                <a:ea typeface="+mj-ea"/>
-                <a:cs typeface="+mj-cs"/>
-              </a:defRPr>
-            </a:lvl1pPr>
-          </a:lstStyle>
-          <a:p>
-            <a:r>
-              <a:rPr lang="en-US" sz="3500" dirty="0" smtClean="0">
-                <a:solidFill>
-                  <a:srgbClr val="FF0000"/>
-                </a:solidFill>
-                <a:latin typeface="Yanone Kaffeesatz Bold" pitchFamily="2" charset="0"/>
-                <a:cs typeface="Aharoni" pitchFamily="2" charset="-79"/>
-              </a:rPr>
-              <a:t>Headphone jack on the bottom</a:t>
-            </a:r>
-            <a:endParaRPr lang="en-US" sz="3500" dirty="0">
-              <a:solidFill>
-                <a:srgbClr val="FF0000"/>
-              </a:solidFill>
-              <a:latin typeface="Yanone Kaffeesatz Bold" pitchFamily="2" charset="0"/>
-              <a:cs typeface="Aharoni" pitchFamily="2" charset="-79"/>
-            </a:endParaRPr>
-          </a:p>
-        </p:txBody>
-      </p:sp>
+      </p:pic>
       <p:pic>
         <p:nvPicPr>
           <p:cNvPr id="1032" name="Picture 8"/>
@@ -10433,7 +10039,7 @@
         </p:blipFill>
         <p:spPr bwMode="auto">
           <a:xfrm rot="1204559">
-            <a:off x="1191835" y="1070763"/>
+            <a:off x="821893" y="918364"/>
             <a:ext cx="7055000" cy="4611688"/>
           </a:xfrm>
           <a:prstGeom prst="rect">
@@ -10518,7 +10124,7 @@
                                           </p:stCondLst>
                                         </p:cTn>
                                         <p:tgtEl>
-                                          <p:spTgt spid="1028"/>
+                                          <p:spTgt spid="1031"/>
                                         </p:tgtEl>
                                         <p:attrNameLst>
                                           <p:attrName>style.visibility</p:attrName>
@@ -10531,26 +10137,35 @@
                                   </p:childTnLst>
                                 </p:cTn>
                               </p:par>
-                            </p:childTnLst>
-                          </p:cTn>
-                        </p:par>
-                      </p:childTnLst>
-                    </p:cTn>
-                  </p:par>
-                  <p:par>
-                    <p:cTn id="7" fill="hold">
-                      <p:stCondLst>
-                        <p:cond delay="indefinite"/>
-                      </p:stCondLst>
-                      <p:childTnLst>
-                        <p:par>
-                          <p:cTn id="8" fill="hold">
-                            <p:stCondLst>
-                              <p:cond delay="0"/>
-                            </p:stCondLst>
-                            <p:childTnLst>
                               <p:par>
-                                <p:cTn id="9" presetID="1" presetClass="entr" presetSubtype="0" fill="hold" nodeType="clickEffect">
+                                <p:cTn id="7" presetID="1" presetClass="entr" presetSubtype="0" fill="hold" nodeType="withEffect">
+                                  <p:stCondLst>
+                                    <p:cond delay="0"/>
+                                  </p:stCondLst>
+                                  <p:childTnLst>
+                                    <p:set>
+                                      <p:cBhvr>
+                                        <p:cTn id="8" dur="1" fill="hold">
+                                          <p:stCondLst>
+                                            <p:cond delay="0"/>
+                                          </p:stCondLst>
+                                        </p:cTn>
+                                        <p:tgtEl>
+                                          <p:spTgt spid="8"/>
+                                        </p:tgtEl>
+                                        <p:attrNameLst>
+                                          <p:attrName>style.visibility</p:attrName>
+                                        </p:attrNameLst>
+                                      </p:cBhvr>
+                                      <p:to>
+                                        <p:strVal val="visible"/>
+                                      </p:to>
+                                    </p:set>
+                                  </p:childTnLst>
+                                </p:cTn>
+                              </p:par>
+                              <p:par>
+                                <p:cTn id="9" presetID="1" presetClass="entr" presetSubtype="0" fill="hold" grpId="0" nodeType="withEffect">
                                   <p:stCondLst>
                                     <p:cond delay="0"/>
                                   </p:stCondLst>
@@ -10563,7 +10178,7 @@
                                           </p:stCondLst>
                                         </p:cTn>
                                         <p:tgtEl>
-                                          <p:spTgt spid="1029"/>
+                                          <p:spTgt spid="18"/>
                                         </p:tgtEl>
                                         <p:attrNameLst>
                                           <p:attrName>style.visibility</p:attrName>
@@ -10608,7 +10223,7 @@
                                           </p:stCondLst>
                                         </p:cTn>
                                         <p:tgtEl>
-                                          <p:spTgt spid="1031"/>
+                                          <p:spTgt spid="1028"/>
                                         </p:tgtEl>
                                         <p:attrNameLst>
                                           <p:attrName>style.visibility</p:attrName>
@@ -10621,35 +10236,26 @@
                                   </p:childTnLst>
                                 </p:cTn>
                               </p:par>
+                            </p:childTnLst>
+                          </p:cTn>
+                        </p:par>
+                      </p:childTnLst>
+                    </p:cTn>
+                  </p:par>
+                  <p:par>
+                    <p:cTn id="15" fill="hold">
+                      <p:stCondLst>
+                        <p:cond delay="indefinite"/>
+                      </p:stCondLst>
+                      <p:childTnLst>
+                        <p:par>
+                          <p:cTn id="16" fill="hold">
+                            <p:stCondLst>
+                              <p:cond delay="0"/>
+                            </p:stCondLst>
+                            <p:childTnLst>
                               <p:par>
-                                <p:cTn id="15" presetID="1" presetClass="entr" presetSubtype="0" fill="hold" nodeType="withEffect">
-                                  <p:stCondLst>
-                                    <p:cond delay="0"/>
-                                  </p:stCondLst>
-                                  <p:childTnLst>
-                                    <p:set>
-                                      <p:cBhvr>
-                                        <p:cTn id="16" dur="1" fill="hold">
-                                          <p:stCondLst>
-                                            <p:cond delay="0"/>
-                                          </p:stCondLst>
-                                        </p:cTn>
-                                        <p:tgtEl>
-                                          <p:spTgt spid="8"/>
-                                        </p:tgtEl>
-                                        <p:attrNameLst>
-                                          <p:attrName>style.visibility</p:attrName>
-                                        </p:attrNameLst>
-                                      </p:cBhvr>
-                                      <p:to>
-                                        <p:strVal val="visible"/>
-                                      </p:to>
-                                    </p:set>
-                                  </p:childTnLst>
-                                </p:cTn>
-                              </p:par>
-                              <p:par>
-                                <p:cTn id="17" presetID="1" presetClass="entr" presetSubtype="0" fill="hold" grpId="0" nodeType="withEffect">
+                                <p:cTn id="17" presetID="1" presetClass="entr" presetSubtype="0" fill="hold" nodeType="clickEffect">
                                   <p:stCondLst>
                                     <p:cond delay="0"/>
                                   </p:stCondLst>
@@ -10662,7 +10268,7 @@
                                           </p:stCondLst>
                                         </p:cTn>
                                         <p:tgtEl>
-                                          <p:spTgt spid="18"/>
+                                          <p:spTgt spid="1029"/>
                                         </p:tgtEl>
                                         <p:attrNameLst>
                                           <p:attrName>style.visibility</p:attrName>
@@ -13030,7 +12636,19 @@
                 <a:latin typeface="Yanone Kaffeesatz Bold" pitchFamily="2" charset="0"/>
                 <a:cs typeface="Aharoni" pitchFamily="2" charset="-79"/>
               </a:rPr>
-              <a:t>Demo – Polling  Chat</a:t>
+              <a:t>Demo – </a:t>
+            </a:r>
+            <a:r>
+              <a:rPr lang="en-US" sz="9000" dirty="0" smtClean="0">
+                <a:solidFill>
+                  <a:schemeClr val="accent2">
+                    <a:lumMod val="75000"/>
+                  </a:schemeClr>
+                </a:solidFill>
+                <a:latin typeface="Yanone Kaffeesatz Bold" pitchFamily="2" charset="0"/>
+                <a:cs typeface="Aharoni" pitchFamily="2" charset="-79"/>
+              </a:rPr>
+              <a:t>Polling stock ticker</a:t>
             </a:r>
             <a:r>
               <a:rPr lang="en-US" sz="15000" dirty="0" smtClean="0">
@@ -13055,7 +12673,7 @@
     </p:spTree>
     <p:extLst>
       <p:ext uri="{BB962C8B-B14F-4D97-AF65-F5344CB8AC3E}">
-        <p14:creationId xmlns:p14="http://schemas.microsoft.com/office/powerpoint/2010/main" val="2756346293"/>
+        <p14:creationId xmlns:p14="http://schemas.microsoft.com/office/powerpoint/2010/main" val="1039572994"/>
       </p:ext>
     </p:extLst>
   </p:cSld>
@@ -14168,17 +13786,7 @@
                 <a:latin typeface="Yanone Kaffeesatz Bold" pitchFamily="2" charset="0"/>
                 <a:cs typeface="Aharoni" pitchFamily="2" charset="-79"/>
               </a:rPr>
-              <a:t>We need more…what else is there?</a:t>
-            </a:r>
-            <a:r>
-              <a:rPr lang="en-US" sz="15000" dirty="0" smtClean="0">
-                <a:solidFill>
-                  <a:srgbClr val="F0F2EB"/>
-                </a:solidFill>
-                <a:latin typeface="Yanone Kaffeesatz Bold" pitchFamily="2" charset="0"/>
-                <a:cs typeface="Aharoni" pitchFamily="2" charset="-79"/>
-              </a:rPr>
-              <a:t>?</a:t>
+              <a:t>MOAR REALTIME!</a:t>
             </a:r>
             <a:endParaRPr lang="en-US" sz="15000" dirty="0">
               <a:solidFill>

--- a/SignalR-Intro/SignalRIntro.pptx
+++ b/SignalR-Intro/SignalRIntro.pptx
@@ -19,12 +19,12 @@
     <p:sldId id="279" r:id="rId10"/>
     <p:sldId id="292" r:id="rId11"/>
     <p:sldId id="291" r:id="rId12"/>
-    <p:sldId id="290" r:id="rId13"/>
-    <p:sldId id="281" r:id="rId14"/>
-    <p:sldId id="273" r:id="rId15"/>
+    <p:sldId id="304" r:id="rId13"/>
+    <p:sldId id="290" r:id="rId14"/>
+    <p:sldId id="305" r:id="rId15"/>
     <p:sldId id="278" r:id="rId16"/>
-    <p:sldId id="294" r:id="rId17"/>
-    <p:sldId id="277" r:id="rId18"/>
+    <p:sldId id="273" r:id="rId17"/>
+    <p:sldId id="307" r:id="rId18"/>
     <p:sldId id="298" r:id="rId19"/>
     <p:sldId id="285" r:id="rId20"/>
     <p:sldId id="293" r:id="rId21"/>
@@ -613,7 +613,165 @@
           <a:bodyPr/>
           <a:lstStyle/>
           <a:p>
-            <a:endParaRPr lang="en-US" dirty="0"/>
+            <a:pPr marL="0" marR="0" indent="0" algn="l" defTabSz="914400" rtl="0" eaLnBrk="1" fontAlgn="auto" latinLnBrk="0" hangingPunct="1">
+              <a:lnSpc>
+                <a:spcPct val="100000"/>
+              </a:lnSpc>
+              <a:spcBef>
+                <a:spcPts val="0"/>
+              </a:spcBef>
+              <a:spcAft>
+                <a:spcPts val="0"/>
+              </a:spcAft>
+              <a:buClrTx/>
+              <a:buSzTx/>
+              <a:buFontTx/>
+              <a:buNone/>
+              <a:tabLst/>
+              <a:defRPr/>
+            </a:pPr>
+            <a:r>
+              <a:rPr lang="en-US" dirty="0" smtClean="0"/>
+              <a:t>GET request</a:t>
+            </a:r>
+          </a:p>
+          <a:p>
+            <a:pPr marL="0" marR="0" indent="0" algn="l" defTabSz="914400" rtl="0" eaLnBrk="1" fontAlgn="auto" latinLnBrk="0" hangingPunct="1">
+              <a:lnSpc>
+                <a:spcPct val="100000"/>
+              </a:lnSpc>
+              <a:spcBef>
+                <a:spcPts val="0"/>
+              </a:spcBef>
+              <a:spcAft>
+                <a:spcPts val="0"/>
+              </a:spcAft>
+              <a:buClrTx/>
+              <a:buSzTx/>
+              <a:buFontTx/>
+              <a:buNone/>
+              <a:tabLst/>
+              <a:defRPr/>
+            </a:pPr>
+            <a:r>
+              <a:rPr lang="en-US" dirty="0" smtClean="0"/>
+              <a:t/>
+            </a:r>
+            <a:br>
+              <a:rPr lang="en-US" dirty="0" smtClean="0"/>
+            </a:br>
+            <a:r>
+              <a:rPr lang="en-US" dirty="0" smtClean="0"/>
+              <a:t>Raw connection, like a TCP socket.</a:t>
+            </a:r>
+            <a:r>
+              <a:rPr lang="en-US" baseline="0" dirty="0" smtClean="0"/>
+              <a:t> Very little overhead.</a:t>
+            </a:r>
+            <a:endParaRPr lang="en-US" dirty="0" smtClean="0"/>
+          </a:p>
+          <a:p>
+            <a:pPr marL="0" marR="0" indent="0" algn="l" defTabSz="914400" rtl="0" eaLnBrk="1" fontAlgn="auto" latinLnBrk="0" hangingPunct="1">
+              <a:lnSpc>
+                <a:spcPct val="100000"/>
+              </a:lnSpc>
+              <a:spcBef>
+                <a:spcPts val="0"/>
+              </a:spcBef>
+              <a:spcAft>
+                <a:spcPts val="0"/>
+              </a:spcAft>
+              <a:buClrTx/>
+              <a:buSzTx/>
+              <a:buFontTx/>
+              <a:buNone/>
+              <a:tabLst/>
+              <a:defRPr/>
+            </a:pPr>
+            <a:endParaRPr lang="en-US" dirty="0" smtClean="0"/>
+          </a:p>
+          <a:p>
+            <a:pPr marL="0" marR="0" indent="0" algn="l" defTabSz="914400" rtl="0" eaLnBrk="1" fontAlgn="auto" latinLnBrk="0" hangingPunct="1">
+              <a:lnSpc>
+                <a:spcPct val="100000"/>
+              </a:lnSpc>
+              <a:spcBef>
+                <a:spcPts val="0"/>
+              </a:spcBef>
+              <a:spcAft>
+                <a:spcPts val="0"/>
+              </a:spcAft>
+              <a:buClrTx/>
+              <a:buSzTx/>
+              <a:buFontTx/>
+              <a:buNone/>
+              <a:tabLst/>
+              <a:defRPr/>
+            </a:pPr>
+            <a:r>
+              <a:rPr lang="en-US" dirty="0" smtClean="0"/>
+              <a:t>Everything</a:t>
+            </a:r>
+            <a:r>
+              <a:rPr lang="en-US" baseline="0" dirty="0" smtClean="0"/>
+              <a:t> </a:t>
+            </a:r>
+            <a:r>
+              <a:rPr lang="en-US" baseline="0" dirty="0" smtClean="0"/>
+              <a:t>between your browser and the server, which can be endless, firewalls, routers, etc. has to understand </a:t>
+            </a:r>
+            <a:r>
+              <a:rPr lang="en-US" baseline="0" dirty="0" err="1" smtClean="0"/>
+              <a:t>websocket</a:t>
+            </a:r>
+            <a:r>
+              <a:rPr lang="en-US" baseline="0" dirty="0" smtClean="0"/>
+              <a:t> protocol.  That</a:t>
+            </a:r>
+          </a:p>
+          <a:p>
+            <a:pPr marL="0" marR="0" indent="0" algn="l" defTabSz="914400" rtl="0" eaLnBrk="1" fontAlgn="auto" latinLnBrk="0" hangingPunct="1">
+              <a:lnSpc>
+                <a:spcPct val="100000"/>
+              </a:lnSpc>
+              <a:spcBef>
+                <a:spcPts val="0"/>
+              </a:spcBef>
+              <a:spcAft>
+                <a:spcPts val="0"/>
+              </a:spcAft>
+              <a:buClrTx/>
+              <a:buSzTx/>
+              <a:buFontTx/>
+              <a:buNone/>
+              <a:tabLst/>
+              <a:defRPr/>
+            </a:pPr>
+            <a:r>
+              <a:rPr lang="en-US" baseline="0" dirty="0" smtClean="0"/>
+              <a:t>Will take a while…big implications, security etc.</a:t>
+            </a:r>
+            <a:endParaRPr lang="en-US" dirty="0" smtClean="0"/>
+          </a:p>
+          <a:p>
+            <a:pPr marL="0" marR="0" indent="0" algn="l" defTabSz="914400" rtl="0" eaLnBrk="1" fontAlgn="auto" latinLnBrk="0" hangingPunct="1">
+              <a:lnSpc>
+                <a:spcPct val="100000"/>
+              </a:lnSpc>
+              <a:spcBef>
+                <a:spcPts val="0"/>
+              </a:spcBef>
+              <a:spcAft>
+                <a:spcPts val="0"/>
+              </a:spcAft>
+              <a:buClrTx/>
+              <a:buSzTx/>
+              <a:buFontTx/>
+              <a:buNone/>
+              <a:tabLst/>
+              <a:defRPr/>
+            </a:pPr>
+            <a:endParaRPr lang="en-US" dirty="0" smtClean="0"/>
           </a:p>
         </p:txBody>
       </p:sp>
@@ -634,7 +792,7 @@
           <a:p>
             <a:fld id="{E76AAE11-CCE4-491F-9A3B-35EA6902E85C}" type="slidenum">
               <a:rPr lang="en-US" smtClean="0"/>
-              <a:t>16</a:t>
+              <a:t>15</a:t>
             </a:fld>
             <a:endParaRPr lang="en-US"/>
           </a:p>
@@ -697,7 +855,165 @@
           <a:bodyPr/>
           <a:lstStyle/>
           <a:p>
-            <a:endParaRPr lang="en-US" dirty="0"/>
+            <a:pPr marL="0" marR="0" indent="0" algn="l" defTabSz="914400" rtl="0" eaLnBrk="1" fontAlgn="auto" latinLnBrk="0" hangingPunct="1">
+              <a:lnSpc>
+                <a:spcPct val="100000"/>
+              </a:lnSpc>
+              <a:spcBef>
+                <a:spcPts val="0"/>
+              </a:spcBef>
+              <a:spcAft>
+                <a:spcPts val="0"/>
+              </a:spcAft>
+              <a:buClrTx/>
+              <a:buSzTx/>
+              <a:buFontTx/>
+              <a:buNone/>
+              <a:tabLst/>
+              <a:defRPr/>
+            </a:pPr>
+            <a:r>
+              <a:rPr lang="en-US" dirty="0" smtClean="0"/>
+              <a:t>GET request</a:t>
+            </a:r>
+          </a:p>
+          <a:p>
+            <a:pPr marL="0" marR="0" indent="0" algn="l" defTabSz="914400" rtl="0" eaLnBrk="1" fontAlgn="auto" latinLnBrk="0" hangingPunct="1">
+              <a:lnSpc>
+                <a:spcPct val="100000"/>
+              </a:lnSpc>
+              <a:spcBef>
+                <a:spcPts val="0"/>
+              </a:spcBef>
+              <a:spcAft>
+                <a:spcPts val="0"/>
+              </a:spcAft>
+              <a:buClrTx/>
+              <a:buSzTx/>
+              <a:buFontTx/>
+              <a:buNone/>
+              <a:tabLst/>
+              <a:defRPr/>
+            </a:pPr>
+            <a:r>
+              <a:rPr lang="en-US" dirty="0" smtClean="0"/>
+              <a:t/>
+            </a:r>
+            <a:br>
+              <a:rPr lang="en-US" dirty="0" smtClean="0"/>
+            </a:br>
+            <a:r>
+              <a:rPr lang="en-US" dirty="0" smtClean="0"/>
+              <a:t>Raw connection, like a TCP socket.</a:t>
+            </a:r>
+            <a:r>
+              <a:rPr lang="en-US" baseline="0" dirty="0" smtClean="0"/>
+              <a:t> Very little overhead.</a:t>
+            </a:r>
+            <a:endParaRPr lang="en-US" dirty="0" smtClean="0"/>
+          </a:p>
+          <a:p>
+            <a:pPr marL="0" marR="0" indent="0" algn="l" defTabSz="914400" rtl="0" eaLnBrk="1" fontAlgn="auto" latinLnBrk="0" hangingPunct="1">
+              <a:lnSpc>
+                <a:spcPct val="100000"/>
+              </a:lnSpc>
+              <a:spcBef>
+                <a:spcPts val="0"/>
+              </a:spcBef>
+              <a:spcAft>
+                <a:spcPts val="0"/>
+              </a:spcAft>
+              <a:buClrTx/>
+              <a:buSzTx/>
+              <a:buFontTx/>
+              <a:buNone/>
+              <a:tabLst/>
+              <a:defRPr/>
+            </a:pPr>
+            <a:endParaRPr lang="en-US" dirty="0" smtClean="0"/>
+          </a:p>
+          <a:p>
+            <a:pPr marL="0" marR="0" indent="0" algn="l" defTabSz="914400" rtl="0" eaLnBrk="1" fontAlgn="auto" latinLnBrk="0" hangingPunct="1">
+              <a:lnSpc>
+                <a:spcPct val="100000"/>
+              </a:lnSpc>
+              <a:spcBef>
+                <a:spcPts val="0"/>
+              </a:spcBef>
+              <a:spcAft>
+                <a:spcPts val="0"/>
+              </a:spcAft>
+              <a:buClrTx/>
+              <a:buSzTx/>
+              <a:buFontTx/>
+              <a:buNone/>
+              <a:tabLst/>
+              <a:defRPr/>
+            </a:pPr>
+            <a:r>
+              <a:rPr lang="en-US" dirty="0" smtClean="0"/>
+              <a:t>Everything</a:t>
+            </a:r>
+            <a:r>
+              <a:rPr lang="en-US" baseline="0" dirty="0" smtClean="0"/>
+              <a:t> </a:t>
+            </a:r>
+            <a:r>
+              <a:rPr lang="en-US" baseline="0" dirty="0" smtClean="0"/>
+              <a:t>between your browser and the server, which can be endless, firewalls, routers, etc. has to understand </a:t>
+            </a:r>
+            <a:r>
+              <a:rPr lang="en-US" baseline="0" dirty="0" err="1" smtClean="0"/>
+              <a:t>websocket</a:t>
+            </a:r>
+            <a:r>
+              <a:rPr lang="en-US" baseline="0" dirty="0" smtClean="0"/>
+              <a:t> protocol.  That</a:t>
+            </a:r>
+          </a:p>
+          <a:p>
+            <a:pPr marL="0" marR="0" indent="0" algn="l" defTabSz="914400" rtl="0" eaLnBrk="1" fontAlgn="auto" latinLnBrk="0" hangingPunct="1">
+              <a:lnSpc>
+                <a:spcPct val="100000"/>
+              </a:lnSpc>
+              <a:spcBef>
+                <a:spcPts val="0"/>
+              </a:spcBef>
+              <a:spcAft>
+                <a:spcPts val="0"/>
+              </a:spcAft>
+              <a:buClrTx/>
+              <a:buSzTx/>
+              <a:buFontTx/>
+              <a:buNone/>
+              <a:tabLst/>
+              <a:defRPr/>
+            </a:pPr>
+            <a:r>
+              <a:rPr lang="en-US" baseline="0" dirty="0" smtClean="0"/>
+              <a:t>Will take a while…big implications, security etc.</a:t>
+            </a:r>
+            <a:endParaRPr lang="en-US" dirty="0" smtClean="0"/>
+          </a:p>
+          <a:p>
+            <a:pPr marL="0" marR="0" indent="0" algn="l" defTabSz="914400" rtl="0" eaLnBrk="1" fontAlgn="auto" latinLnBrk="0" hangingPunct="1">
+              <a:lnSpc>
+                <a:spcPct val="100000"/>
+              </a:lnSpc>
+              <a:spcBef>
+                <a:spcPts val="0"/>
+              </a:spcBef>
+              <a:spcAft>
+                <a:spcPts val="0"/>
+              </a:spcAft>
+              <a:buClrTx/>
+              <a:buSzTx/>
+              <a:buFontTx/>
+              <a:buNone/>
+              <a:tabLst/>
+              <a:defRPr/>
+            </a:pPr>
+            <a:endParaRPr lang="en-US" dirty="0" smtClean="0"/>
           </a:p>
         </p:txBody>
       </p:sp>
@@ -718,7 +1034,7 @@
           <a:p>
             <a:fld id="{E76AAE11-CCE4-491F-9A3B-35EA6902E85C}" type="slidenum">
               <a:rPr lang="en-US" smtClean="0"/>
-              <a:t>20</a:t>
+              <a:t>17</a:t>
             </a:fld>
             <a:endParaRPr lang="en-US"/>
           </a:p>
@@ -802,7 +1118,7 @@
           <a:p>
             <a:fld id="{E76AAE11-CCE4-491F-9A3B-35EA6902E85C}" type="slidenum">
               <a:rPr lang="en-US" smtClean="0"/>
-              <a:t>22</a:t>
+              <a:t>20</a:t>
             </a:fld>
             <a:endParaRPr lang="en-US"/>
           </a:p>
@@ -811,7 +1127,7 @@
     </p:spTree>
     <p:extLst>
       <p:ext uri="{BB962C8B-B14F-4D97-AF65-F5344CB8AC3E}">
-        <p14:creationId xmlns:p14="http://schemas.microsoft.com/office/powerpoint/2010/main" val="3615951867"/>
+        <p14:creationId xmlns:p14="http://schemas.microsoft.com/office/powerpoint/2010/main" val="374496698"/>
       </p:ext>
     </p:extLst>
   </p:cSld>
@@ -886,6 +1202,90 @@
           <a:p>
             <a:fld id="{E76AAE11-CCE4-491F-9A3B-35EA6902E85C}" type="slidenum">
               <a:rPr lang="en-US" smtClean="0"/>
+              <a:t>22</a:t>
+            </a:fld>
+            <a:endParaRPr lang="en-US"/>
+          </a:p>
+        </p:txBody>
+      </p:sp>
+    </p:spTree>
+    <p:extLst>
+      <p:ext uri="{BB962C8B-B14F-4D97-AF65-F5344CB8AC3E}">
+        <p14:creationId xmlns:p14="http://schemas.microsoft.com/office/powerpoint/2010/main" val="3615951867"/>
+      </p:ext>
+    </p:extLst>
+  </p:cSld>
+  <p:clrMapOvr>
+    <a:masterClrMapping/>
+  </p:clrMapOvr>
+</p:notes>
+</file>
+
+<file path=ppt/notesSlides/notesSlide14.xml><?xml version="1.0" encoding="utf-8"?>
+<p:notes xmlns:a="http://schemas.openxmlformats.org/drawingml/2006/main" xmlns:r="http://schemas.openxmlformats.org/officeDocument/2006/relationships" xmlns:p="http://schemas.openxmlformats.org/presentationml/2006/main">
+  <p:cSld>
+    <p:spTree>
+      <p:nvGrpSpPr>
+        <p:cNvPr id="1" name=""/>
+        <p:cNvGrpSpPr/>
+        <p:nvPr/>
+      </p:nvGrpSpPr>
+      <p:grpSpPr>
+        <a:xfrm>
+          <a:off x="0" y="0"/>
+          <a:ext cx="0" cy="0"/>
+          <a:chOff x="0" y="0"/>
+          <a:chExt cx="0" cy="0"/>
+        </a:xfrm>
+      </p:grpSpPr>
+      <p:sp>
+        <p:nvSpPr>
+          <p:cNvPr id="2" name="Slide Image Placeholder 1"/>
+          <p:cNvSpPr>
+            <a:spLocks noGrp="1" noRot="1" noChangeAspect="1"/>
+          </p:cNvSpPr>
+          <p:nvPr>
+            <p:ph type="sldImg"/>
+          </p:nvPr>
+        </p:nvSpPr>
+        <p:spPr/>
+      </p:sp>
+      <p:sp>
+        <p:nvSpPr>
+          <p:cNvPr id="3" name="Notes Placeholder 2"/>
+          <p:cNvSpPr>
+            <a:spLocks noGrp="1"/>
+          </p:cNvSpPr>
+          <p:nvPr>
+            <p:ph type="body" idx="1"/>
+          </p:nvPr>
+        </p:nvSpPr>
+        <p:spPr/>
+        <p:txBody>
+          <a:bodyPr/>
+          <a:lstStyle/>
+          <a:p>
+            <a:endParaRPr lang="en-US" dirty="0"/>
+          </a:p>
+        </p:txBody>
+      </p:sp>
+      <p:sp>
+        <p:nvSpPr>
+          <p:cNvPr id="4" name="Slide Number Placeholder 3"/>
+          <p:cNvSpPr>
+            <a:spLocks noGrp="1"/>
+          </p:cNvSpPr>
+          <p:nvPr>
+            <p:ph type="sldNum" sz="quarter" idx="10"/>
+          </p:nvPr>
+        </p:nvSpPr>
+        <p:spPr/>
+        <p:txBody>
+          <a:bodyPr/>
+          <a:lstStyle/>
+          <a:p>
+            <a:fld id="{E76AAE11-CCE4-491F-9A3B-35EA6902E85C}" type="slidenum">
+              <a:rPr lang="en-US" smtClean="0"/>
               <a:t>24</a:t>
             </a:fld>
             <a:endParaRPr lang="en-US"/>
@@ -905,7 +1305,7 @@
 </p:notes>
 </file>
 
-<file path=ppt/notesSlides/notesSlide14.xml><?xml version="1.0" encoding="utf-8"?>
+<file path=ppt/notesSlides/notesSlide15.xml><?xml version="1.0" encoding="utf-8"?>
 <p:notes xmlns:a="http://schemas.openxmlformats.org/drawingml/2006/main" xmlns:r="http://schemas.openxmlformats.org/officeDocument/2006/relationships" xmlns:p="http://schemas.openxmlformats.org/presentationml/2006/main">
   <p:cSld>
     <p:spTree>
@@ -1349,15 +1749,7 @@
           <a:p>
             <a:r>
               <a:rPr lang="en-US" dirty="0" smtClean="0"/>
-              <a:t>Leave </a:t>
-            </a:r>
-            <a:r>
-              <a:rPr lang="en-US" dirty="0" smtClean="0"/>
-              <a:t>note about hybrid </a:t>
-            </a:r>
-            <a:r>
-              <a:rPr lang="en-US" dirty="0" smtClean="0"/>
-              <a:t>polling</a:t>
+              <a:t>Leave note about hybrid polling</a:t>
             </a:r>
           </a:p>
           <a:p>
@@ -1370,11 +1762,7 @@
             </a:r>
             <a:r>
               <a:rPr lang="en-US" baseline="0" dirty="0" smtClean="0"/>
-              <a:t> by most AJAX </a:t>
-            </a:r>
-            <a:r>
-              <a:rPr lang="en-US" baseline="0" dirty="0" smtClean="0"/>
-              <a:t>apps</a:t>
+              <a:t> by most AJAX apps</a:t>
             </a:r>
           </a:p>
           <a:p>
@@ -1475,7 +1863,7 @@
           <a:p>
             <a:r>
               <a:rPr lang="en-US" dirty="0" smtClean="0"/>
-              <a:t>HTTP Hack.</a:t>
+              <a:t>Notes for Long Polling.</a:t>
             </a:r>
             <a:endParaRPr lang="en-US" dirty="0"/>
           </a:p>
@@ -1498,7 +1886,7 @@
           <a:p>
             <a:fld id="{E76AAE11-CCE4-491F-9A3B-35EA6902E85C}" type="slidenum">
               <a:rPr lang="en-US" smtClean="0"/>
-              <a:t>10</a:t>
+              <a:t>9</a:t>
             </a:fld>
             <a:endParaRPr lang="en-US"/>
           </a:p>
@@ -1507,7 +1895,7 @@
     </p:spTree>
     <p:extLst>
       <p:ext uri="{BB962C8B-B14F-4D97-AF65-F5344CB8AC3E}">
-        <p14:creationId xmlns:p14="http://schemas.microsoft.com/office/powerpoint/2010/main" val="374496698"/>
+        <p14:creationId xmlns:p14="http://schemas.microsoft.com/office/powerpoint/2010/main" val="2924130273"/>
       </p:ext>
     </p:extLst>
   </p:cSld>
@@ -1563,7 +1951,7 @@
           <a:p>
             <a:r>
               <a:rPr lang="en-US" dirty="0" smtClean="0"/>
-              <a:t>Another HTTP Hack.</a:t>
+              <a:t>HTTP Hack.</a:t>
             </a:r>
             <a:endParaRPr lang="en-US" dirty="0"/>
           </a:p>
@@ -1586,7 +1974,7 @@
           <a:p>
             <a:fld id="{E76AAE11-CCE4-491F-9A3B-35EA6902E85C}" type="slidenum">
               <a:rPr lang="en-US" smtClean="0"/>
-              <a:t>11</a:t>
+              <a:t>10</a:t>
             </a:fld>
             <a:endParaRPr lang="en-US"/>
           </a:p>
@@ -1651,29 +2039,7 @@
           <a:p>
             <a:r>
               <a:rPr lang="en-US" dirty="0" smtClean="0"/>
-              <a:t>Request</a:t>
-            </a:r>
-            <a:r>
-              <a:rPr lang="en-US" baseline="0" dirty="0" smtClean="0"/>
-              <a:t> sent w/ header “Event source request’</a:t>
-            </a:r>
-          </a:p>
-          <a:p>
-            <a:r>
-              <a:rPr lang="en-US" baseline="0" dirty="0" smtClean="0"/>
-              <a:t>Server keeps request open and streams information over response stream</a:t>
-            </a:r>
-          </a:p>
-          <a:p>
-            <a:r>
-              <a:rPr lang="en-US" baseline="0" dirty="0" smtClean="0"/>
-              <a:t> -&gt; Single HTTP connection</a:t>
-            </a:r>
-          </a:p>
-          <a:p>
-            <a:r>
-              <a:rPr lang="en-US" baseline="0" dirty="0" smtClean="0"/>
-              <a:t> -&gt; faster latency, no period between response sent back, processing, and request again</a:t>
+              <a:t>Another HTTP Hack.</a:t>
             </a:r>
             <a:endParaRPr lang="en-US" dirty="0"/>
           </a:p>
@@ -1696,7 +2062,7 @@
           <a:p>
             <a:fld id="{E76AAE11-CCE4-491F-9A3B-35EA6902E85C}" type="slidenum">
               <a:rPr lang="en-US" smtClean="0"/>
-              <a:t>12</a:t>
+              <a:t>11</a:t>
             </a:fld>
             <a:endParaRPr lang="en-US"/>
           </a:p>
@@ -1759,111 +2125,32 @@
           <a:bodyPr/>
           <a:lstStyle/>
           <a:p>
-            <a:pPr marL="0" marR="0" indent="0" algn="l" defTabSz="914400" rtl="0" eaLnBrk="1" fontAlgn="auto" latinLnBrk="0" hangingPunct="1">
-              <a:lnSpc>
-                <a:spcPct val="100000"/>
-              </a:lnSpc>
-              <a:spcBef>
-                <a:spcPts val="0"/>
-              </a:spcBef>
-              <a:spcAft>
-                <a:spcPts val="0"/>
-              </a:spcAft>
-              <a:buClrTx/>
-              <a:buSzTx/>
-              <a:buFontTx/>
-              <a:buNone/>
-              <a:tabLst/>
-              <a:defRPr/>
-            </a:pPr>
             <a:r>
               <a:rPr lang="en-US" dirty="0" smtClean="0"/>
-              <a:t>Everything</a:t>
+              <a:t>Request</a:t>
             </a:r>
             <a:r>
               <a:rPr lang="en-US" baseline="0" dirty="0" smtClean="0"/>
-              <a:t> between your browser and the server, which can be endless, firewalls, routers, etc. has to understand </a:t>
-            </a:r>
-            <a:r>
-              <a:rPr lang="en-US" baseline="0" dirty="0" err="1" smtClean="0"/>
-              <a:t>websocket</a:t>
-            </a:r>
+              <a:t> sent w/ header “Event source request’</a:t>
+            </a:r>
+          </a:p>
+          <a:p>
             <a:r>
               <a:rPr lang="en-US" baseline="0" dirty="0" smtClean="0"/>
-              <a:t> protocol.  That</a:t>
-            </a:r>
-          </a:p>
-          <a:p>
-            <a:pPr marL="0" marR="0" indent="0" algn="l" defTabSz="914400" rtl="0" eaLnBrk="1" fontAlgn="auto" latinLnBrk="0" hangingPunct="1">
-              <a:lnSpc>
-                <a:spcPct val="100000"/>
-              </a:lnSpc>
-              <a:spcBef>
-                <a:spcPts val="0"/>
-              </a:spcBef>
-              <a:spcAft>
-                <a:spcPts val="0"/>
-              </a:spcAft>
-              <a:buClrTx/>
-              <a:buSzTx/>
-              <a:buFontTx/>
-              <a:buNone/>
-              <a:tabLst/>
-              <a:defRPr/>
-            </a:pPr>
+              <a:t>Server keeps request open and streams information over response stream</a:t>
+            </a:r>
+          </a:p>
+          <a:p>
             <a:r>
               <a:rPr lang="en-US" baseline="0" dirty="0" smtClean="0"/>
-              <a:t>Will take a while…big implications, security etc.</a:t>
-            </a:r>
-            <a:endParaRPr lang="en-US" dirty="0" smtClean="0"/>
-          </a:p>
-          <a:p>
-            <a:pPr marL="0" marR="0" indent="0" algn="l" defTabSz="914400" rtl="0" eaLnBrk="1" fontAlgn="auto" latinLnBrk="0" hangingPunct="1">
-              <a:lnSpc>
-                <a:spcPct val="100000"/>
-              </a:lnSpc>
-              <a:spcBef>
-                <a:spcPts val="0"/>
-              </a:spcBef>
-              <a:spcAft>
-                <a:spcPts val="0"/>
-              </a:spcAft>
-              <a:buClrTx/>
-              <a:buSzTx/>
-              <a:buFontTx/>
-              <a:buNone/>
-              <a:tabLst/>
-              <a:defRPr/>
-            </a:pPr>
-            <a:r>
-              <a:rPr lang="en-US" dirty="0" smtClean="0"/>
-              <a:t>GET request</a:t>
-            </a:r>
-          </a:p>
-          <a:p>
-            <a:pPr marL="0" marR="0" indent="0" algn="l" defTabSz="914400" rtl="0" eaLnBrk="1" fontAlgn="auto" latinLnBrk="0" hangingPunct="1">
-              <a:lnSpc>
-                <a:spcPct val="100000"/>
-              </a:lnSpc>
-              <a:spcBef>
-                <a:spcPts val="0"/>
-              </a:spcBef>
-              <a:spcAft>
-                <a:spcPts val="0"/>
-              </a:spcAft>
-              <a:buClrTx/>
-              <a:buSzTx/>
-              <a:buFontTx/>
-              <a:buNone/>
-              <a:tabLst/>
-              <a:defRPr/>
-            </a:pPr>
-            <a:r>
-              <a:rPr lang="en-US" dirty="0" smtClean="0"/>
-              <a:t>Raw connection, like a TCP socket</a:t>
-            </a:r>
-          </a:p>
-          <a:p>
+              <a:t> -&gt; Single HTTP connection</a:t>
+            </a:r>
+          </a:p>
+          <a:p>
+            <a:r>
+              <a:rPr lang="en-US" baseline="0" dirty="0" smtClean="0"/>
+              <a:t> -&gt; faster latency, no period between response sent back, processing, and request again</a:t>
+            </a:r>
             <a:endParaRPr lang="en-US" dirty="0"/>
           </a:p>
         </p:txBody>
@@ -1885,7 +2172,7 @@
           <a:p>
             <a:fld id="{E76AAE11-CCE4-491F-9A3B-35EA6902E85C}" type="slidenum">
               <a:rPr lang="en-US" smtClean="0"/>
-              <a:t>15</a:t>
+              <a:t>13</a:t>
             </a:fld>
             <a:endParaRPr lang="en-US"/>
           </a:p>
@@ -5382,182 +5669,6 @@
           </a:p>
         </p:txBody>
       </p:sp>
-      <p:sp>
-        <p:nvSpPr>
-          <p:cNvPr id="3" name="Subtitle 2"/>
-          <p:cNvSpPr>
-            <a:spLocks noGrp="1"/>
-          </p:cNvSpPr>
-          <p:nvPr>
-            <p:ph type="subTitle" idx="1"/>
-          </p:nvPr>
-        </p:nvSpPr>
-        <p:spPr>
-          <a:xfrm>
-            <a:off x="228600" y="1066800"/>
-            <a:ext cx="8763000" cy="5486400"/>
-          </a:xfrm>
-        </p:spPr>
-        <p:txBody>
-          <a:bodyPr>
-            <a:noAutofit/>
-          </a:bodyPr>
-          <a:lstStyle/>
-          <a:p>
-            <a:pPr marL="857250" indent="-857250" algn="l">
-              <a:buFont typeface="Arial" pitchFamily="34" charset="0"/>
-              <a:buChar char="•"/>
-            </a:pPr>
-            <a:r>
-              <a:rPr lang="en-US" sz="4800" dirty="0" smtClean="0">
-                <a:solidFill>
-                  <a:schemeClr val="tx1">
-                    <a:lumMod val="50000"/>
-                    <a:lumOff val="50000"/>
-                  </a:schemeClr>
-                </a:solidFill>
-                <a:latin typeface="Yanone Kaffeesatz Bold" pitchFamily="2" charset="0"/>
-              </a:rPr>
-              <a:t>Standard AJAX </a:t>
-            </a:r>
-          </a:p>
-          <a:p>
-            <a:pPr marL="1314450" lvl="1" indent="-857250" algn="l">
-              <a:buFont typeface="Arial" pitchFamily="34" charset="0"/>
-              <a:buChar char="•"/>
-            </a:pPr>
-            <a:r>
-              <a:rPr lang="en-US" sz="4400" dirty="0" smtClean="0">
-                <a:solidFill>
-                  <a:schemeClr val="tx1">
-                    <a:lumMod val="50000"/>
-                    <a:lumOff val="50000"/>
-                  </a:schemeClr>
-                </a:solidFill>
-                <a:latin typeface="Yanone Kaffeesatz Bold" pitchFamily="2" charset="0"/>
-              </a:rPr>
-              <a:t>support in all browsers</a:t>
-            </a:r>
-          </a:p>
-          <a:p>
-            <a:pPr marL="857250" indent="-857250" algn="l">
-              <a:buFont typeface="Arial" pitchFamily="34" charset="0"/>
-              <a:buChar char="•"/>
-            </a:pPr>
-            <a:r>
-              <a:rPr lang="en-US" sz="4800" dirty="0" smtClean="0">
-                <a:solidFill>
-                  <a:schemeClr val="tx1">
-                    <a:lumMod val="50000"/>
-                    <a:lumOff val="50000"/>
-                  </a:schemeClr>
-                </a:solidFill>
-                <a:latin typeface="Yanone Kaffeesatz Bold" pitchFamily="2" charset="0"/>
-              </a:rPr>
-              <a:t>Sends request to server, but no response is returned until available</a:t>
-            </a:r>
-          </a:p>
-          <a:p>
-            <a:pPr marL="857250" indent="-857250" algn="l">
-              <a:buFont typeface="Arial" pitchFamily="34" charset="0"/>
-              <a:buChar char="•"/>
-            </a:pPr>
-            <a:r>
-              <a:rPr lang="en-US" sz="4800" dirty="0" smtClean="0">
-                <a:solidFill>
-                  <a:schemeClr val="tx1">
-                    <a:lumMod val="50000"/>
-                    <a:lumOff val="50000"/>
-                  </a:schemeClr>
-                </a:solidFill>
-                <a:latin typeface="Yanone Kaffeesatz Bold" pitchFamily="2" charset="0"/>
-              </a:rPr>
-              <a:t>Connection is typically refreshed at fixed, longer duration intervals</a:t>
-            </a:r>
-          </a:p>
-          <a:p>
-            <a:pPr marL="857250" indent="-857250" algn="l">
-              <a:buFont typeface="Arial" pitchFamily="34" charset="0"/>
-              <a:buChar char="•"/>
-            </a:pPr>
-            <a:r>
-              <a:rPr lang="en-US" sz="4800" dirty="0">
-                <a:solidFill>
-                  <a:schemeClr val="tx1">
-                    <a:lumMod val="50000"/>
-                    <a:lumOff val="50000"/>
-                  </a:schemeClr>
-                </a:solidFill>
-                <a:latin typeface="Yanone Kaffeesatz Bold" pitchFamily="2" charset="0"/>
-              </a:rPr>
-              <a:t>Requires complex JS + </a:t>
-            </a:r>
-            <a:r>
-              <a:rPr lang="en-US" sz="4800" dirty="0" err="1">
-                <a:solidFill>
-                  <a:schemeClr val="tx1">
-                    <a:lumMod val="50000"/>
-                    <a:lumOff val="50000"/>
-                  </a:schemeClr>
-                </a:solidFill>
-                <a:latin typeface="Yanone Kaffeesatz Bold" pitchFamily="2" charset="0"/>
-              </a:rPr>
-              <a:t>XmlHttpRequest</a:t>
-            </a:r>
-            <a:endParaRPr lang="en-US" sz="4800" dirty="0" smtClean="0">
-              <a:solidFill>
-                <a:schemeClr val="tx1">
-                  <a:lumMod val="50000"/>
-                  <a:lumOff val="50000"/>
-                </a:schemeClr>
-              </a:solidFill>
-              <a:latin typeface="Yanone Kaffeesatz Bold" pitchFamily="2" charset="0"/>
-            </a:endParaRPr>
-          </a:p>
-          <a:p>
-            <a:pPr algn="l"/>
-            <a:endParaRPr lang="en-US" sz="3500" dirty="0" smtClean="0">
-              <a:solidFill>
-                <a:schemeClr val="tx1">
-                  <a:lumMod val="50000"/>
-                  <a:lumOff val="50000"/>
-                </a:schemeClr>
-              </a:solidFill>
-              <a:latin typeface="Yanone Kaffeesatz Bold" pitchFamily="2" charset="0"/>
-            </a:endParaRPr>
-          </a:p>
-          <a:p>
-            <a:pPr marL="857250" indent="-857250" algn="l">
-              <a:buFont typeface="Arial" pitchFamily="34" charset="0"/>
-              <a:buChar char="•"/>
-            </a:pPr>
-            <a:endParaRPr lang="en-US" sz="5000" dirty="0" smtClean="0">
-              <a:solidFill>
-                <a:schemeClr val="tx1">
-                  <a:lumMod val="50000"/>
-                  <a:lumOff val="50000"/>
-                </a:schemeClr>
-              </a:solidFill>
-              <a:latin typeface="Yanone Kaffeesatz Bold" pitchFamily="2" charset="0"/>
-            </a:endParaRPr>
-          </a:p>
-          <a:p>
-            <a:pPr marL="857250" indent="-857250" algn="l">
-              <a:buFont typeface="Arial" pitchFamily="34" charset="0"/>
-              <a:buChar char="•"/>
-            </a:pPr>
-            <a:endParaRPr lang="en-US" sz="5000" dirty="0">
-              <a:solidFill>
-                <a:schemeClr val="tx1">
-                  <a:lumMod val="50000"/>
-                  <a:lumOff val="50000"/>
-                </a:schemeClr>
-              </a:solidFill>
-              <a:latin typeface="Yanone Kaffeesatz Bold" pitchFamily="2" charset="0"/>
-            </a:endParaRPr>
-          </a:p>
-        </p:txBody>
-      </p:sp>
       <p:pic>
         <p:nvPicPr>
           <p:cNvPr id="4099" name="Picture 3" descr="C:\Users\ahmed.alani\Desktop\Work\Presentation\longpolling.png"/>
@@ -5581,7 +5692,7 @@
         </p:blipFill>
         <p:spPr bwMode="auto">
           <a:xfrm>
-            <a:off x="4542885" y="1066800"/>
+            <a:off x="4544973" y="1066799"/>
             <a:ext cx="4382040" cy="5467351"/>
           </a:xfrm>
           <a:prstGeom prst="rect">
@@ -5599,6 +5710,161 @@
           </a:extLst>
         </p:spPr>
       </p:pic>
+      <p:sp>
+        <p:nvSpPr>
+          <p:cNvPr id="5" name="Rectangle 4"/>
+          <p:cNvSpPr/>
+          <p:nvPr/>
+        </p:nvSpPr>
+        <p:spPr>
+          <a:xfrm>
+            <a:off x="228600" y="1143000"/>
+            <a:ext cx="4191000" cy="4801314"/>
+          </a:xfrm>
+          <a:prstGeom prst="rect">
+            <a:avLst/>
+          </a:prstGeom>
+        </p:spPr>
+        <p:txBody>
+          <a:bodyPr wrap="square">
+            <a:spAutoFit/>
+          </a:bodyPr>
+          <a:lstStyle/>
+          <a:p>
+            <a:r>
+              <a:rPr lang="en-US" sz="4000" dirty="0" smtClean="0">
+                <a:solidFill>
+                  <a:schemeClr val="tx1">
+                    <a:lumMod val="65000"/>
+                    <a:lumOff val="35000"/>
+                  </a:schemeClr>
+                </a:solidFill>
+                <a:latin typeface="Yanone Kaffeesatz Bold" pitchFamily="2" charset="0"/>
+              </a:rPr>
+              <a:t>Emulates Server Push</a:t>
+            </a:r>
+            <a:endParaRPr lang="en-US" sz="4000" dirty="0">
+              <a:solidFill>
+                <a:schemeClr val="tx1">
+                  <a:lumMod val="65000"/>
+                  <a:lumOff val="35000"/>
+                </a:schemeClr>
+              </a:solidFill>
+              <a:latin typeface="Yanone Kaffeesatz Bold" pitchFamily="2" charset="0"/>
+            </a:endParaRPr>
+          </a:p>
+          <a:p>
+            <a:pPr marL="742950" lvl="1" indent="-285750">
+              <a:buFont typeface="Arial" pitchFamily="34" charset="0"/>
+              <a:buChar char="•"/>
+            </a:pPr>
+            <a:r>
+              <a:rPr lang="en-US" sz="3000" dirty="0" smtClean="0">
+                <a:solidFill>
+                  <a:schemeClr val="tx1">
+                    <a:lumMod val="65000"/>
+                    <a:lumOff val="35000"/>
+                  </a:schemeClr>
+                </a:solidFill>
+                <a:latin typeface="Yanone Kaffeesatz Bold" pitchFamily="2" charset="0"/>
+                <a:sym typeface="Wingdings" pitchFamily="2" charset="2"/>
+              </a:rPr>
+              <a:t> Latency</a:t>
+            </a:r>
+            <a:endParaRPr lang="en-US" sz="3000" dirty="0">
+              <a:solidFill>
+                <a:schemeClr val="tx1">
+                  <a:lumMod val="65000"/>
+                  <a:lumOff val="35000"/>
+                </a:schemeClr>
+              </a:solidFill>
+              <a:latin typeface="Yanone Kaffeesatz Bold" pitchFamily="2" charset="0"/>
+            </a:endParaRPr>
+          </a:p>
+          <a:p>
+            <a:pPr lvl="1"/>
+            <a:endParaRPr lang="en-US" dirty="0" smtClean="0">
+              <a:solidFill>
+                <a:schemeClr val="tx1">
+                  <a:lumMod val="50000"/>
+                  <a:lumOff val="50000"/>
+                </a:schemeClr>
+              </a:solidFill>
+              <a:latin typeface="Yanone Kaffeesatz Bold" pitchFamily="2" charset="0"/>
+            </a:endParaRPr>
+          </a:p>
+          <a:p>
+            <a:pPr lvl="1"/>
+            <a:endParaRPr lang="en-US" dirty="0">
+              <a:solidFill>
+                <a:schemeClr val="tx1">
+                  <a:lumMod val="50000"/>
+                  <a:lumOff val="50000"/>
+                </a:schemeClr>
+              </a:solidFill>
+              <a:latin typeface="Yanone Kaffeesatz Bold" pitchFamily="2" charset="0"/>
+            </a:endParaRPr>
+          </a:p>
+          <a:p>
+            <a:r>
+              <a:rPr lang="en-US" sz="4000" dirty="0" smtClean="0">
+                <a:solidFill>
+                  <a:schemeClr val="tx1">
+                    <a:lumMod val="65000"/>
+                    <a:lumOff val="35000"/>
+                  </a:schemeClr>
+                </a:solidFill>
+                <a:latin typeface="Yanone Kaffeesatz Bold" pitchFamily="2" charset="0"/>
+              </a:rPr>
+              <a:t>More complex than traditional polling</a:t>
+            </a:r>
+            <a:endParaRPr lang="en-US" sz="4000" dirty="0" smtClean="0">
+              <a:solidFill>
+                <a:schemeClr val="tx1">
+                  <a:lumMod val="65000"/>
+                  <a:lumOff val="35000"/>
+                </a:schemeClr>
+              </a:solidFill>
+              <a:latin typeface="Yanone Kaffeesatz Bold" pitchFamily="2" charset="0"/>
+            </a:endParaRPr>
+          </a:p>
+          <a:p>
+            <a:pPr lvl="1"/>
+            <a:endParaRPr lang="en-US" sz="4000" dirty="0" smtClean="0">
+              <a:solidFill>
+                <a:schemeClr val="tx1">
+                  <a:lumMod val="50000"/>
+                  <a:lumOff val="50000"/>
+                </a:schemeClr>
+              </a:solidFill>
+              <a:latin typeface="Yanone Kaffeesatz Bold" pitchFamily="2" charset="0"/>
+            </a:endParaRPr>
+          </a:p>
+          <a:p>
+            <a:r>
+              <a:rPr lang="en-US" sz="4000" dirty="0" smtClean="0">
+                <a:solidFill>
+                  <a:schemeClr val="tx1">
+                    <a:lumMod val="65000"/>
+                    <a:lumOff val="35000"/>
+                  </a:schemeClr>
+                </a:solidFill>
+                <a:latin typeface="Yanone Kaffeesatz Bold" pitchFamily="2" charset="0"/>
+              </a:rPr>
+              <a:t>Standard AJAX, supported in most browsers</a:t>
+            </a:r>
+            <a:endParaRPr lang="en-US" sz="4000" dirty="0">
+              <a:solidFill>
+                <a:schemeClr val="tx1">
+                  <a:lumMod val="65000"/>
+                  <a:lumOff val="35000"/>
+                </a:schemeClr>
+              </a:solidFill>
+              <a:latin typeface="Yanone Kaffeesatz Bold" pitchFamily="2" charset="0"/>
+            </a:endParaRPr>
+          </a:p>
+        </p:txBody>
+      </p:sp>
     </p:spTree>
     <p:extLst>
       <p:ext uri="{BB962C8B-B14F-4D97-AF65-F5344CB8AC3E}">
@@ -5612,7 +5878,226 @@
   <p:timing>
     <p:tnLst>
       <p:par>
-        <p:cTn id="1" dur="indefinite" restart="never" nodeType="tmRoot"/>
+        <p:cTn id="1" dur="indefinite" restart="never" nodeType="tmRoot">
+          <p:childTnLst>
+            <p:seq concurrent="1" nextAc="seek">
+              <p:cTn id="2" dur="indefinite" nodeType="mainSeq">
+                <p:childTnLst>
+                  <p:par>
+                    <p:cTn id="3" fill="hold">
+                      <p:stCondLst>
+                        <p:cond delay="indefinite"/>
+                      </p:stCondLst>
+                      <p:childTnLst>
+                        <p:par>
+                          <p:cTn id="4" fill="hold">
+                            <p:stCondLst>
+                              <p:cond delay="0"/>
+                            </p:stCondLst>
+                            <p:childTnLst>
+                              <p:par>
+                                <p:cTn id="5" presetID="1" presetClass="entr" presetSubtype="0" fill="hold" nodeType="clickEffect">
+                                  <p:stCondLst>
+                                    <p:cond delay="0"/>
+                                  </p:stCondLst>
+                                  <p:childTnLst>
+                                    <p:set>
+                                      <p:cBhvr>
+                                        <p:cTn id="6" dur="1" fill="hold">
+                                          <p:stCondLst>
+                                            <p:cond delay="0"/>
+                                          </p:stCondLst>
+                                        </p:cTn>
+                                        <p:tgtEl>
+                                          <p:spTgt spid="5">
+                                            <p:txEl>
+                                              <p:pRg st="0" end="0"/>
+                                            </p:txEl>
+                                          </p:spTgt>
+                                        </p:tgtEl>
+                                        <p:attrNameLst>
+                                          <p:attrName>style.visibility</p:attrName>
+                                        </p:attrNameLst>
+                                      </p:cBhvr>
+                                      <p:to>
+                                        <p:strVal val="visible"/>
+                                      </p:to>
+                                    </p:set>
+                                  </p:childTnLst>
+                                </p:cTn>
+                              </p:par>
+                            </p:childTnLst>
+                          </p:cTn>
+                        </p:par>
+                      </p:childTnLst>
+                    </p:cTn>
+                  </p:par>
+                  <p:par>
+                    <p:cTn id="7" fill="hold">
+                      <p:stCondLst>
+                        <p:cond delay="indefinite"/>
+                      </p:stCondLst>
+                      <p:childTnLst>
+                        <p:par>
+                          <p:cTn id="8" fill="hold">
+                            <p:stCondLst>
+                              <p:cond delay="0"/>
+                            </p:stCondLst>
+                            <p:childTnLst>
+                              <p:par>
+                                <p:cTn id="9" presetID="1" presetClass="entr" presetSubtype="0" fill="hold" nodeType="clickEffect">
+                                  <p:stCondLst>
+                                    <p:cond delay="0"/>
+                                  </p:stCondLst>
+                                  <p:childTnLst>
+                                    <p:set>
+                                      <p:cBhvr>
+                                        <p:cTn id="10" dur="1" fill="hold">
+                                          <p:stCondLst>
+                                            <p:cond delay="0"/>
+                                          </p:stCondLst>
+                                        </p:cTn>
+                                        <p:tgtEl>
+                                          <p:spTgt spid="5">
+                                            <p:txEl>
+                                              <p:pRg st="1" end="1"/>
+                                            </p:txEl>
+                                          </p:spTgt>
+                                        </p:tgtEl>
+                                        <p:attrNameLst>
+                                          <p:attrName>style.visibility</p:attrName>
+                                        </p:attrNameLst>
+                                      </p:cBhvr>
+                                      <p:to>
+                                        <p:strVal val="visible"/>
+                                      </p:to>
+                                    </p:set>
+                                  </p:childTnLst>
+                                </p:cTn>
+                              </p:par>
+                            </p:childTnLst>
+                          </p:cTn>
+                        </p:par>
+                      </p:childTnLst>
+                    </p:cTn>
+                  </p:par>
+                  <p:par>
+                    <p:cTn id="11" fill="hold">
+                      <p:stCondLst>
+                        <p:cond delay="indefinite"/>
+                      </p:stCondLst>
+                      <p:childTnLst>
+                        <p:par>
+                          <p:cTn id="12" fill="hold">
+                            <p:stCondLst>
+                              <p:cond delay="0"/>
+                            </p:stCondLst>
+                            <p:childTnLst>
+                              <p:par>
+                                <p:cTn id="13" presetID="1" presetClass="entr" presetSubtype="0" fill="hold" nodeType="clickEffect">
+                                  <p:stCondLst>
+                                    <p:cond delay="0"/>
+                                  </p:stCondLst>
+                                  <p:childTnLst>
+                                    <p:set>
+                                      <p:cBhvr>
+                                        <p:cTn id="14" dur="1" fill="hold">
+                                          <p:stCondLst>
+                                            <p:cond delay="0"/>
+                                          </p:stCondLst>
+                                        </p:cTn>
+                                        <p:tgtEl>
+                                          <p:spTgt spid="5">
+                                            <p:txEl>
+                                              <p:pRg st="4" end="4"/>
+                                            </p:txEl>
+                                          </p:spTgt>
+                                        </p:tgtEl>
+                                        <p:attrNameLst>
+                                          <p:attrName>style.visibility</p:attrName>
+                                        </p:attrNameLst>
+                                      </p:cBhvr>
+                                      <p:to>
+                                        <p:strVal val="visible"/>
+                                      </p:to>
+                                    </p:set>
+                                  </p:childTnLst>
+                                </p:cTn>
+                              </p:par>
+                            </p:childTnLst>
+                          </p:cTn>
+                        </p:par>
+                      </p:childTnLst>
+                    </p:cTn>
+                  </p:par>
+                  <p:par>
+                    <p:cTn id="15" fill="hold">
+                      <p:stCondLst>
+                        <p:cond delay="indefinite"/>
+                      </p:stCondLst>
+                      <p:childTnLst>
+                        <p:par>
+                          <p:cTn id="16" fill="hold">
+                            <p:stCondLst>
+                              <p:cond delay="0"/>
+                            </p:stCondLst>
+                            <p:childTnLst>
+                              <p:par>
+                                <p:cTn id="17" presetID="1" presetClass="entr" presetSubtype="0" fill="hold" nodeType="clickEffect">
+                                  <p:stCondLst>
+                                    <p:cond delay="0"/>
+                                  </p:stCondLst>
+                                  <p:childTnLst>
+                                    <p:set>
+                                      <p:cBhvr>
+                                        <p:cTn id="18" dur="1" fill="hold">
+                                          <p:stCondLst>
+                                            <p:cond delay="0"/>
+                                          </p:stCondLst>
+                                        </p:cTn>
+                                        <p:tgtEl>
+                                          <p:spTgt spid="5">
+                                            <p:txEl>
+                                              <p:pRg st="6" end="6"/>
+                                            </p:txEl>
+                                          </p:spTgt>
+                                        </p:tgtEl>
+                                        <p:attrNameLst>
+                                          <p:attrName>style.visibility</p:attrName>
+                                        </p:attrNameLst>
+                                      </p:cBhvr>
+                                      <p:to>
+                                        <p:strVal val="visible"/>
+                                      </p:to>
+                                    </p:set>
+                                  </p:childTnLst>
+                                </p:cTn>
+                              </p:par>
+                            </p:childTnLst>
+                          </p:cTn>
+                        </p:par>
+                      </p:childTnLst>
+                    </p:cTn>
+                  </p:par>
+                </p:childTnLst>
+              </p:cTn>
+              <p:prevCondLst>
+                <p:cond evt="onPrev" delay="0">
+                  <p:tgtEl>
+                    <p:sldTgt/>
+                  </p:tgtEl>
+                </p:cond>
+              </p:prevCondLst>
+              <p:nextCondLst>
+                <p:cond evt="onNext" delay="0">
+                  <p:tgtEl>
+                    <p:sldTgt/>
+                  </p:tgtEl>
+                </p:cond>
+              </p:nextCondLst>
+            </p:seq>
+          </p:childTnLst>
+        </p:cTn>
       </p:par>
     </p:tnLst>
   </p:timing>
@@ -5885,6 +6370,90 @@
         </p:nvSpPr>
         <p:spPr>
           <a:xfrm>
+            <a:off x="381000" y="2667000"/>
+            <a:ext cx="8382000" cy="1470025"/>
+          </a:xfrm>
+          <a:ln>
+            <a:noFill/>
+          </a:ln>
+        </p:spPr>
+        <p:txBody>
+          <a:bodyPr>
+            <a:noAutofit/>
+          </a:bodyPr>
+          <a:lstStyle/>
+          <a:p>
+            <a:r>
+              <a:rPr lang="en-US" sz="17000" dirty="0" smtClean="0">
+                <a:solidFill>
+                  <a:schemeClr val="accent2">
+                    <a:lumMod val="75000"/>
+                  </a:schemeClr>
+                </a:solidFill>
+                <a:latin typeface="Yanone Kaffeesatz Bold" pitchFamily="2" charset="0"/>
+                <a:cs typeface="Aharoni" pitchFamily="2" charset="-79"/>
+              </a:rPr>
+              <a:t>BETTER!</a:t>
+            </a:r>
+            <a:endParaRPr lang="en-US" sz="17000" dirty="0">
+              <a:solidFill>
+                <a:srgbClr val="F0F2EB"/>
+              </a:solidFill>
+              <a:latin typeface="Yanone Kaffeesatz Bold" pitchFamily="2" charset="0"/>
+              <a:cs typeface="Aharoni" pitchFamily="2" charset="-79"/>
+            </a:endParaRPr>
+          </a:p>
+        </p:txBody>
+      </p:sp>
+    </p:spTree>
+    <p:extLst>
+      <p:ext uri="{BB962C8B-B14F-4D97-AF65-F5344CB8AC3E}">
+        <p14:creationId xmlns:p14="http://schemas.microsoft.com/office/powerpoint/2010/main" val="3877388153"/>
+      </p:ext>
+    </p:extLst>
+  </p:cSld>
+  <p:clrMapOvr>
+    <a:masterClrMapping/>
+  </p:clrMapOvr>
+  <p:timing>
+    <p:tnLst>
+      <p:par>
+        <p:cTn id="1" dur="indefinite" restart="never" nodeType="tmRoot"/>
+      </p:par>
+    </p:tnLst>
+  </p:timing>
+</p:sld>
+</file>
+
+<file path=ppt/slides/slide13.xml><?xml version="1.0" encoding="utf-8"?>
+<p:sld xmlns:a="http://schemas.openxmlformats.org/drawingml/2006/main" xmlns:r="http://schemas.openxmlformats.org/officeDocument/2006/relationships" xmlns:p="http://schemas.openxmlformats.org/presentationml/2006/main">
+  <p:cSld>
+    <p:spTree>
+      <p:nvGrpSpPr>
+        <p:cNvPr id="1" name=""/>
+        <p:cNvGrpSpPr/>
+        <p:nvPr/>
+      </p:nvGrpSpPr>
+      <p:grpSpPr>
+        <a:xfrm>
+          <a:off x="0" y="0"/>
+          <a:ext cx="0" cy="0"/>
+          <a:chOff x="0" y="0"/>
+          <a:chExt cx="0" cy="0"/>
+        </a:xfrm>
+      </p:grpSpPr>
+      <p:sp>
+        <p:nvSpPr>
+          <p:cNvPr id="2" name="Title 1"/>
+          <p:cNvSpPr>
+            <a:spLocks noGrp="1"/>
+          </p:cNvSpPr>
+          <p:nvPr>
+            <p:ph type="ctrTitle"/>
+          </p:nvPr>
+        </p:nvSpPr>
+        <p:spPr>
+          <a:xfrm>
             <a:off x="76200" y="-228600"/>
             <a:ext cx="7772400" cy="1470025"/>
           </a:xfrm>
@@ -6107,7 +6676,7 @@
 </p:sld>
 </file>
 
-<file path=ppt/slides/slide13.xml><?xml version="1.0" encoding="utf-8"?>
+<file path=ppt/slides/slide14.xml><?xml version="1.0" encoding="utf-8"?>
 <p:sld xmlns:a="http://schemas.openxmlformats.org/drawingml/2006/main" xmlns:r="http://schemas.openxmlformats.org/officeDocument/2006/relationships" xmlns:p="http://schemas.openxmlformats.org/presentationml/2006/main">
   <p:cSld>
     <p:spTree>
@@ -6150,7 +6719,7 @@
           <a:lstStyle/>
           <a:p>
             <a:r>
-              <a:rPr lang="en-US" sz="9000" dirty="0" smtClean="0">
+              <a:rPr lang="en-US" sz="25000" dirty="0" smtClean="0">
                 <a:solidFill>
                   <a:schemeClr val="accent2">
                     <a:lumMod val="75000"/>
@@ -6159,19 +6728,9 @@
                 <a:latin typeface="Yanone Kaffeesatz Bold" pitchFamily="2" charset="0"/>
                 <a:cs typeface="Aharoni" pitchFamily="2" charset="-79"/>
               </a:rPr>
-              <a:t>Got anything else?</a:t>
-            </a:r>
-            <a:r>
-              <a:rPr lang="en-US" sz="15000" dirty="0" smtClean="0">
-                <a:solidFill>
-                  <a:srgbClr val="F0F2EB"/>
-                </a:solidFill>
-                <a:latin typeface="Yanone Kaffeesatz Bold" pitchFamily="2" charset="0"/>
-                <a:cs typeface="Aharoni" pitchFamily="2" charset="-79"/>
-              </a:rPr>
-              <a:t>?</a:t>
-            </a:r>
-            <a:endParaRPr lang="en-US" sz="15000" dirty="0">
+              <a:t>BETTER!</a:t>
+            </a:r>
+            <a:endParaRPr lang="en-US" sz="25000" dirty="0">
               <a:solidFill>
                 <a:srgbClr val="F0F2EB"/>
               </a:solidFill>
@@ -6184,7 +6743,7 @@
     </p:spTree>
     <p:extLst>
       <p:ext uri="{BB962C8B-B14F-4D97-AF65-F5344CB8AC3E}">
-        <p14:creationId xmlns:p14="http://schemas.microsoft.com/office/powerpoint/2010/main" val="865043419"/>
+        <p14:creationId xmlns:p14="http://schemas.microsoft.com/office/powerpoint/2010/main" val="2979681292"/>
       </p:ext>
     </p:extLst>
   </p:cSld>
@@ -6201,7 +6760,429 @@
 </p:sld>
 </file>
 
-<file path=ppt/slides/slide14.xml><?xml version="1.0" encoding="utf-8"?>
+<file path=ppt/slides/slide15.xml><?xml version="1.0" encoding="utf-8"?>
+<p:sld xmlns:a="http://schemas.openxmlformats.org/drawingml/2006/main" xmlns:r="http://schemas.openxmlformats.org/officeDocument/2006/relationships" xmlns:p="http://schemas.openxmlformats.org/presentationml/2006/main">
+  <p:cSld>
+    <p:spTree>
+      <p:nvGrpSpPr>
+        <p:cNvPr id="1" name=""/>
+        <p:cNvGrpSpPr/>
+        <p:nvPr/>
+      </p:nvGrpSpPr>
+      <p:grpSpPr>
+        <a:xfrm>
+          <a:off x="0" y="0"/>
+          <a:ext cx="0" cy="0"/>
+          <a:chOff x="0" y="0"/>
+          <a:chExt cx="0" cy="0"/>
+        </a:xfrm>
+      </p:grpSpPr>
+      <p:sp>
+        <p:nvSpPr>
+          <p:cNvPr id="2" name="Title 1"/>
+          <p:cNvSpPr>
+            <a:spLocks noGrp="1"/>
+          </p:cNvSpPr>
+          <p:nvPr>
+            <p:ph type="ctrTitle"/>
+          </p:nvPr>
+        </p:nvSpPr>
+        <p:spPr>
+          <a:xfrm>
+            <a:off x="76200" y="-228600"/>
+            <a:ext cx="7772400" cy="1470025"/>
+          </a:xfrm>
+          <a:ln>
+            <a:noFill/>
+          </a:ln>
+        </p:spPr>
+        <p:txBody>
+          <a:bodyPr>
+            <a:noAutofit/>
+          </a:bodyPr>
+          <a:lstStyle/>
+          <a:p>
+            <a:pPr algn="l"/>
+            <a:r>
+              <a:rPr lang="en-US" sz="8000" dirty="0" err="1" smtClean="0">
+                <a:solidFill>
+                  <a:schemeClr val="tx2">
+                    <a:lumMod val="60000"/>
+                    <a:lumOff val="40000"/>
+                  </a:schemeClr>
+                </a:solidFill>
+                <a:latin typeface="Yanone Kaffeesatz Bold" pitchFamily="2" charset="0"/>
+                <a:cs typeface="Aharoni" pitchFamily="2" charset="-79"/>
+              </a:rPr>
+              <a:t>WebSocket</a:t>
+            </a:r>
+            <a:r>
+              <a:rPr lang="en-US" sz="8000" dirty="0" smtClean="0">
+                <a:solidFill>
+                  <a:schemeClr val="tx2">
+                    <a:lumMod val="60000"/>
+                    <a:lumOff val="40000"/>
+                  </a:schemeClr>
+                </a:solidFill>
+                <a:latin typeface="Yanone Kaffeesatz Bold" pitchFamily="2" charset="0"/>
+                <a:cs typeface="Aharoni" pitchFamily="2" charset="-79"/>
+              </a:rPr>
+              <a:t> </a:t>
+            </a:r>
+            <a:endParaRPr lang="en-US" sz="8000" dirty="0">
+              <a:solidFill>
+                <a:schemeClr val="tx2">
+                  <a:lumMod val="60000"/>
+                  <a:lumOff val="40000"/>
+                </a:schemeClr>
+              </a:solidFill>
+              <a:latin typeface="Yanone Kaffeesatz Bold" pitchFamily="2" charset="0"/>
+              <a:cs typeface="Aharoni" pitchFamily="2" charset="-79"/>
+            </a:endParaRPr>
+          </a:p>
+        </p:txBody>
+      </p:sp>
+      <p:pic>
+        <p:nvPicPr>
+          <p:cNvPr id="6146" name="Picture 2" descr="C:\Users\ahmed.alani\Desktop\Work\Presentation\websocket.png"/>
+          <p:cNvPicPr>
+            <a:picLocks noChangeAspect="1" noChangeArrowheads="1"/>
+          </p:cNvPicPr>
+          <p:nvPr/>
+        </p:nvPicPr>
+        <p:blipFill>
+          <a:blip r:embed="rId3">
+            <a:extLst>
+              <a:ext uri="{28A0092B-C50C-407E-A947-70E740481C1C}">
+                <a14:useLocalDpi xmlns:a14="http://schemas.microsoft.com/office/drawing/2010/main" val="0"/>
+              </a:ext>
+            </a:extLst>
+          </a:blip>
+          <a:srcRect/>
+          <a:stretch>
+            <a:fillRect/>
+          </a:stretch>
+        </p:blipFill>
+        <p:spPr bwMode="auto">
+          <a:xfrm>
+            <a:off x="4944116" y="1314453"/>
+            <a:ext cx="4047484" cy="5059358"/>
+          </a:xfrm>
+          <a:prstGeom prst="rect">
+            <a:avLst/>
+          </a:prstGeom>
+          <a:noFill/>
+          <a:extLst>
+            <a:ext uri="{909E8E84-426E-40DD-AFC4-6F175D3DCCD1}">
+              <a14:hiddenFill xmlns:a14="http://schemas.microsoft.com/office/drawing/2010/main">
+                <a:solidFill>
+                  <a:srgbClr val="FFFFFF"/>
+                </a:solidFill>
+              </a14:hiddenFill>
+            </a:ext>
+          </a:extLst>
+        </p:spPr>
+      </p:pic>
+      <p:sp>
+        <p:nvSpPr>
+          <p:cNvPr id="4" name="Rectangle 3"/>
+          <p:cNvSpPr/>
+          <p:nvPr/>
+        </p:nvSpPr>
+        <p:spPr>
+          <a:xfrm>
+            <a:off x="228600" y="1143000"/>
+            <a:ext cx="4648200" cy="5570756"/>
+          </a:xfrm>
+          <a:prstGeom prst="rect">
+            <a:avLst/>
+          </a:prstGeom>
+        </p:spPr>
+        <p:txBody>
+          <a:bodyPr wrap="square">
+            <a:spAutoFit/>
+          </a:bodyPr>
+          <a:lstStyle/>
+          <a:p>
+            <a:r>
+              <a:rPr lang="en-US" sz="4000" dirty="0" smtClean="0">
+                <a:solidFill>
+                  <a:schemeClr val="tx1">
+                    <a:lumMod val="65000"/>
+                    <a:lumOff val="35000"/>
+                  </a:schemeClr>
+                </a:solidFill>
+                <a:latin typeface="Yanone Kaffeesatz Bold" pitchFamily="2" charset="0"/>
+              </a:rPr>
+              <a:t>Full-duplex, bi-directional connection to server</a:t>
+            </a:r>
+            <a:endParaRPr lang="en-US" sz="3000" dirty="0" smtClean="0">
+              <a:solidFill>
+                <a:schemeClr val="tx1">
+                  <a:lumMod val="65000"/>
+                  <a:lumOff val="35000"/>
+                </a:schemeClr>
+              </a:solidFill>
+              <a:latin typeface="Yanone Kaffeesatz Bold" pitchFamily="2" charset="0"/>
+            </a:endParaRPr>
+          </a:p>
+          <a:p>
+            <a:pPr lvl="1"/>
+            <a:endParaRPr lang="en-US" dirty="0" smtClean="0">
+              <a:solidFill>
+                <a:schemeClr val="tx1">
+                  <a:lumMod val="50000"/>
+                  <a:lumOff val="50000"/>
+                </a:schemeClr>
+              </a:solidFill>
+              <a:latin typeface="Yanone Kaffeesatz Bold" pitchFamily="2" charset="0"/>
+            </a:endParaRPr>
+          </a:p>
+          <a:p>
+            <a:pPr lvl="1"/>
+            <a:endParaRPr lang="en-US" dirty="0">
+              <a:solidFill>
+                <a:schemeClr val="tx1">
+                  <a:lumMod val="50000"/>
+                  <a:lumOff val="50000"/>
+                </a:schemeClr>
+              </a:solidFill>
+              <a:latin typeface="Yanone Kaffeesatz Bold" pitchFamily="2" charset="0"/>
+            </a:endParaRPr>
+          </a:p>
+          <a:p>
+            <a:r>
+              <a:rPr lang="en-US" sz="4000" dirty="0">
+                <a:solidFill>
+                  <a:schemeClr val="tx1">
+                    <a:lumMod val="65000"/>
+                    <a:lumOff val="35000"/>
+                  </a:schemeClr>
+                </a:solidFill>
+                <a:latin typeface="Yanone Kaffeesatz Bold" pitchFamily="2" charset="0"/>
+              </a:rPr>
+              <a:t>No polling, server can initiate calls after initial upgrade request</a:t>
+            </a:r>
+          </a:p>
+          <a:p>
+            <a:pPr lvl="1"/>
+            <a:endParaRPr lang="en-US" sz="4000" dirty="0" smtClean="0">
+              <a:solidFill>
+                <a:schemeClr val="tx1">
+                  <a:lumMod val="50000"/>
+                  <a:lumOff val="50000"/>
+                </a:schemeClr>
+              </a:solidFill>
+              <a:latin typeface="Yanone Kaffeesatz Bold" pitchFamily="2" charset="0"/>
+            </a:endParaRPr>
+          </a:p>
+          <a:p>
+            <a:r>
+              <a:rPr lang="en-US" sz="4000" dirty="0">
+                <a:solidFill>
+                  <a:schemeClr val="tx1">
+                    <a:lumMod val="65000"/>
+                    <a:lumOff val="35000"/>
+                  </a:schemeClr>
+                </a:solidFill>
+                <a:latin typeface="Yanone Kaffeesatz Bold" pitchFamily="2" charset="0"/>
+              </a:rPr>
+              <a:t>HTML5 component, W3C API, protocol IETF</a:t>
+            </a:r>
+          </a:p>
+        </p:txBody>
+      </p:sp>
+    </p:spTree>
+    <p:extLst>
+      <p:ext uri="{BB962C8B-B14F-4D97-AF65-F5344CB8AC3E}">
+        <p14:creationId xmlns:p14="http://schemas.microsoft.com/office/powerpoint/2010/main" val="1373403411"/>
+      </p:ext>
+    </p:extLst>
+  </p:cSld>
+  <p:clrMapOvr>
+    <a:masterClrMapping/>
+  </p:clrMapOvr>
+  <p:timing>
+    <p:tnLst>
+      <p:par>
+        <p:cTn id="1" dur="indefinite" restart="never" nodeType="tmRoot">
+          <p:childTnLst>
+            <p:seq concurrent="1" nextAc="seek">
+              <p:cTn id="2" dur="indefinite" nodeType="mainSeq">
+                <p:childTnLst>
+                  <p:par>
+                    <p:cTn id="3" fill="hold">
+                      <p:stCondLst>
+                        <p:cond delay="indefinite"/>
+                      </p:stCondLst>
+                      <p:childTnLst>
+                        <p:par>
+                          <p:cTn id="4" fill="hold">
+                            <p:stCondLst>
+                              <p:cond delay="0"/>
+                            </p:stCondLst>
+                            <p:childTnLst>
+                              <p:par>
+                                <p:cTn id="5" presetID="1" presetClass="entr" presetSubtype="0" fill="hold" nodeType="clickEffect">
+                                  <p:stCondLst>
+                                    <p:cond delay="0"/>
+                                  </p:stCondLst>
+                                  <p:childTnLst>
+                                    <p:set>
+                                      <p:cBhvr>
+                                        <p:cTn id="6" dur="1" fill="hold">
+                                          <p:stCondLst>
+                                            <p:cond delay="0"/>
+                                          </p:stCondLst>
+                                        </p:cTn>
+                                        <p:tgtEl>
+                                          <p:spTgt spid="4">
+                                            <p:txEl>
+                                              <p:pRg st="0" end="0"/>
+                                            </p:txEl>
+                                          </p:spTgt>
+                                        </p:tgtEl>
+                                        <p:attrNameLst>
+                                          <p:attrName>style.visibility</p:attrName>
+                                        </p:attrNameLst>
+                                      </p:cBhvr>
+                                      <p:to>
+                                        <p:strVal val="visible"/>
+                                      </p:to>
+                                    </p:set>
+                                  </p:childTnLst>
+                                </p:cTn>
+                              </p:par>
+                            </p:childTnLst>
+                          </p:cTn>
+                        </p:par>
+                      </p:childTnLst>
+                    </p:cTn>
+                  </p:par>
+                  <p:par>
+                    <p:cTn id="7" fill="hold">
+                      <p:stCondLst>
+                        <p:cond delay="indefinite"/>
+                      </p:stCondLst>
+                      <p:childTnLst>
+                        <p:par>
+                          <p:cTn id="8" fill="hold">
+                            <p:stCondLst>
+                              <p:cond delay="0"/>
+                            </p:stCondLst>
+                            <p:childTnLst>
+                              <p:par>
+                                <p:cTn id="9" presetID="1" presetClass="entr" presetSubtype="0" fill="hold" nodeType="clickEffect">
+                                  <p:stCondLst>
+                                    <p:cond delay="0"/>
+                                  </p:stCondLst>
+                                  <p:childTnLst>
+                                    <p:set>
+                                      <p:cBhvr>
+                                        <p:cTn id="10" dur="1" fill="hold">
+                                          <p:stCondLst>
+                                            <p:cond delay="0"/>
+                                          </p:stCondLst>
+                                        </p:cTn>
+                                        <p:tgtEl>
+                                          <p:spTgt spid="4">
+                                            <p:txEl>
+                                              <p:pRg st="3" end="3"/>
+                                            </p:txEl>
+                                          </p:spTgt>
+                                        </p:tgtEl>
+                                        <p:attrNameLst>
+                                          <p:attrName>style.visibility</p:attrName>
+                                        </p:attrNameLst>
+                                      </p:cBhvr>
+                                      <p:to>
+                                        <p:strVal val="visible"/>
+                                      </p:to>
+                                    </p:set>
+                                  </p:childTnLst>
+                                </p:cTn>
+                              </p:par>
+                            </p:childTnLst>
+                          </p:cTn>
+                        </p:par>
+                      </p:childTnLst>
+                    </p:cTn>
+                  </p:par>
+                  <p:par>
+                    <p:cTn id="11" fill="hold">
+                      <p:stCondLst>
+                        <p:cond delay="indefinite"/>
+                      </p:stCondLst>
+                      <p:childTnLst>
+                        <p:par>
+                          <p:cTn id="12" fill="hold">
+                            <p:stCondLst>
+                              <p:cond delay="0"/>
+                            </p:stCondLst>
+                            <p:childTnLst>
+                              <p:par>
+                                <p:cTn id="13" presetID="1" presetClass="entr" presetSubtype="0" fill="hold" nodeType="clickEffect">
+                                  <p:stCondLst>
+                                    <p:cond delay="0"/>
+                                  </p:stCondLst>
+                                  <p:childTnLst>
+                                    <p:set>
+                                      <p:cBhvr>
+                                        <p:cTn id="14" dur="1" fill="hold">
+                                          <p:stCondLst>
+                                            <p:cond delay="0"/>
+                                          </p:stCondLst>
+                                        </p:cTn>
+                                        <p:tgtEl>
+                                          <p:spTgt spid="4">
+                                            <p:txEl>
+                                              <p:charRg st="120" end="160"/>
+                                            </p:txEl>
+                                          </p:spTgt>
+                                        </p:tgtEl>
+                                        <p:attrNameLst>
+                                          <p:attrName>style.visibility</p:attrName>
+                                        </p:attrNameLst>
+                                      </p:cBhvr>
+                                      <p:to>
+                                        <p:strVal val="visible"/>
+                                      </p:to>
+                                    </p:set>
+                                  </p:childTnLst>
+                                </p:cTn>
+                              </p:par>
+                            </p:childTnLst>
+                          </p:cTn>
+                        </p:par>
+                      </p:childTnLst>
+                    </p:cTn>
+                  </p:par>
+                </p:childTnLst>
+              </p:cTn>
+              <p:prevCondLst>
+                <p:cond evt="onPrev" delay="0">
+                  <p:tgtEl>
+                    <p:sldTgt/>
+                  </p:tgtEl>
+                </p:cond>
+              </p:prevCondLst>
+              <p:nextCondLst>
+                <p:cond evt="onNext" delay="0">
+                  <p:tgtEl>
+                    <p:sldTgt/>
+                  </p:tgtEl>
+                </p:cond>
+              </p:nextCondLst>
+            </p:seq>
+          </p:childTnLst>
+        </p:cTn>
+      </p:par>
+    </p:tnLst>
+  </p:timing>
+</p:sld>
+</file>
+
+<file path=ppt/slides/slide16.xml><?xml version="1.0" encoding="utf-8"?>
 <p:sld xmlns:a="http://schemas.openxmlformats.org/drawingml/2006/main" xmlns:r="http://schemas.openxmlformats.org/officeDocument/2006/relationships" xmlns:p="http://schemas.openxmlformats.org/presentationml/2006/main">
   <p:cSld>
     <p:bg>
@@ -6549,7 +7530,7 @@
 </p:sld>
 </file>
 
-<file path=ppt/slides/slide15.xml><?xml version="1.0" encoding="utf-8"?>
+<file path=ppt/slides/slide17.xml><?xml version="1.0" encoding="utf-8"?>
 <p:sld xmlns:a="http://schemas.openxmlformats.org/drawingml/2006/main" xmlns:r="http://schemas.openxmlformats.org/officeDocument/2006/relationships" xmlns:p="http://schemas.openxmlformats.org/presentationml/2006/main">
   <p:cSld>
     <p:spTree>
@@ -6593,7 +7574,7 @@
           <a:p>
             <a:pPr algn="l"/>
             <a:r>
-              <a:rPr lang="en-US" sz="8000" dirty="0" err="1" smtClean="0">
+              <a:rPr lang="en-US" sz="8000" dirty="0" smtClean="0">
                 <a:solidFill>
                   <a:schemeClr val="tx2">
                     <a:lumMod val="60000"/>
@@ -6603,20 +7584,7 @@
                 <a:latin typeface="Yanone Kaffeesatz Bold" pitchFamily="2" charset="0"/>
                 <a:cs typeface="Aharoni" pitchFamily="2" charset="-79"/>
               </a:rPr>
-              <a:t>WebSocket</a:t>
-            </a:r>
-            <a:r>
-              <a:rPr lang="en-US" sz="8000" dirty="0" smtClean="0">
-                <a:solidFill>
-                  <a:schemeClr val="tx2">
-                    <a:lumMod val="60000"/>
-                    <a:lumOff val="40000"/>
-                  </a:schemeClr>
-                </a:solidFill>
-                <a:latin typeface="Yanone Kaffeesatz Bold" pitchFamily="2" charset="0"/>
-                <a:cs typeface="Aharoni" pitchFamily="2" charset="-79"/>
-              </a:rPr>
-              <a:t> </a:t>
+              <a:t>Browser Support</a:t>
             </a:r>
             <a:endParaRPr lang="en-US" sz="8000" dirty="0">
               <a:solidFill>
@@ -6633,306 +7601,14 @@
       </p:sp>
       <p:pic>
         <p:nvPicPr>
-          <p:cNvPr id="6146" name="Picture 2" descr="C:\Users\ahmed.alani\Desktop\Work\Presentation\websocket.png"/>
-          <p:cNvPicPr>
-            <a:picLocks noChangeAspect="1" noChangeArrowheads="1"/>
-          </p:cNvPicPr>
-          <p:nvPr/>
-        </p:nvPicPr>
-        <p:blipFill>
-          <a:blip r:embed="rId3">
-            <a:extLst>
-              <a:ext uri="{28A0092B-C50C-407E-A947-70E740481C1C}">
-                <a14:useLocalDpi xmlns:a14="http://schemas.microsoft.com/office/drawing/2010/main" val="0"/>
-              </a:ext>
-            </a:extLst>
-          </a:blip>
-          <a:srcRect/>
-          <a:stretch>
-            <a:fillRect/>
-          </a:stretch>
-        </p:blipFill>
-        <p:spPr bwMode="auto">
-          <a:xfrm>
-            <a:off x="5105398" y="1600200"/>
-            <a:ext cx="3590289" cy="4487863"/>
-          </a:xfrm>
-          <a:prstGeom prst="rect">
-            <a:avLst/>
-          </a:prstGeom>
-          <a:noFill/>
-          <a:extLst>
-            <a:ext uri="{909E8E84-426E-40DD-AFC4-6F175D3DCCD1}">
-              <a14:hiddenFill xmlns:a14="http://schemas.microsoft.com/office/drawing/2010/main">
-                <a:solidFill>
-                  <a:srgbClr val="FFFFFF"/>
-                </a:solidFill>
-              </a14:hiddenFill>
-            </a:ext>
-          </a:extLst>
-        </p:spPr>
-      </p:pic>
-    </p:spTree>
-    <p:extLst>
-      <p:ext uri="{BB962C8B-B14F-4D97-AF65-F5344CB8AC3E}">
-        <p14:creationId xmlns:p14="http://schemas.microsoft.com/office/powerpoint/2010/main" val="1373403411"/>
-      </p:ext>
-    </p:extLst>
-  </p:cSld>
-  <p:clrMapOvr>
-    <a:masterClrMapping/>
-  </p:clrMapOvr>
-  <p:timing>
-    <p:tnLst>
-      <p:par>
-        <p:cTn id="1" dur="indefinite" restart="never" nodeType="tmRoot"/>
-      </p:par>
-    </p:tnLst>
-  </p:timing>
-</p:sld>
-</file>
-
-<file path=ppt/slides/slide16.xml><?xml version="1.0" encoding="utf-8"?>
-<p:sld xmlns:a="http://schemas.openxmlformats.org/drawingml/2006/main" xmlns:r="http://schemas.openxmlformats.org/officeDocument/2006/relationships" xmlns:p="http://schemas.openxmlformats.org/presentationml/2006/main">
-  <p:cSld>
-    <p:spTree>
-      <p:nvGrpSpPr>
-        <p:cNvPr id="1" name=""/>
-        <p:cNvGrpSpPr/>
-        <p:nvPr/>
-      </p:nvGrpSpPr>
-      <p:grpSpPr>
-        <a:xfrm>
-          <a:off x="0" y="0"/>
-          <a:ext cx="0" cy="0"/>
-          <a:chOff x="0" y="0"/>
-          <a:chExt cx="0" cy="0"/>
-        </a:xfrm>
-      </p:grpSpPr>
-      <p:sp>
-        <p:nvSpPr>
-          <p:cNvPr id="2" name="Title 1"/>
-          <p:cNvSpPr>
-            <a:spLocks noGrp="1"/>
-          </p:cNvSpPr>
-          <p:nvPr>
-            <p:ph type="ctrTitle"/>
-          </p:nvPr>
-        </p:nvSpPr>
-        <p:spPr>
-          <a:xfrm>
-            <a:off x="76200" y="-228600"/>
-            <a:ext cx="7772400" cy="1470025"/>
-          </a:xfrm>
-          <a:ln>
-            <a:noFill/>
-          </a:ln>
-        </p:spPr>
-        <p:txBody>
-          <a:bodyPr>
-            <a:noAutofit/>
-          </a:bodyPr>
-          <a:lstStyle/>
-          <a:p>
-            <a:pPr algn="l"/>
-            <a:r>
-              <a:rPr lang="en-US" sz="8000" dirty="0" err="1" smtClean="0">
-                <a:solidFill>
-                  <a:schemeClr val="tx2">
-                    <a:lumMod val="60000"/>
-                    <a:lumOff val="40000"/>
-                  </a:schemeClr>
-                </a:solidFill>
-                <a:latin typeface="Yanone Kaffeesatz Bold" pitchFamily="2" charset="0"/>
-                <a:cs typeface="Aharoni" pitchFamily="2" charset="-79"/>
-              </a:rPr>
-              <a:t>WebSocket</a:t>
-            </a:r>
-            <a:r>
-              <a:rPr lang="en-US" sz="8000" dirty="0" smtClean="0">
-                <a:solidFill>
-                  <a:schemeClr val="tx2">
-                    <a:lumMod val="60000"/>
-                    <a:lumOff val="40000"/>
-                  </a:schemeClr>
-                </a:solidFill>
-                <a:latin typeface="Yanone Kaffeesatz Bold" pitchFamily="2" charset="0"/>
-                <a:cs typeface="Aharoni" pitchFamily="2" charset="-79"/>
-              </a:rPr>
-              <a:t> </a:t>
-            </a:r>
-            <a:endParaRPr lang="en-US" sz="8000" dirty="0">
-              <a:solidFill>
-                <a:schemeClr val="tx2">
-                  <a:lumMod val="60000"/>
-                  <a:lumOff val="40000"/>
-                </a:schemeClr>
-              </a:solidFill>
-              <a:latin typeface="Yanone Kaffeesatz Bold" pitchFamily="2" charset="0"/>
-              <a:cs typeface="Aharoni" pitchFamily="2" charset="-79"/>
-            </a:endParaRPr>
-          </a:p>
-        </p:txBody>
-      </p:sp>
-      <p:sp>
-        <p:nvSpPr>
-          <p:cNvPr id="3" name="Subtitle 2"/>
-          <p:cNvSpPr>
-            <a:spLocks noGrp="1"/>
-          </p:cNvSpPr>
-          <p:nvPr>
-            <p:ph type="subTitle" idx="1"/>
-          </p:nvPr>
-        </p:nvSpPr>
-        <p:spPr>
-          <a:xfrm>
-            <a:off x="228600" y="1066800"/>
-            <a:ext cx="8763000" cy="5486400"/>
-          </a:xfrm>
-        </p:spPr>
-        <p:txBody>
-          <a:bodyPr>
-            <a:noAutofit/>
-          </a:bodyPr>
-          <a:lstStyle/>
-          <a:p>
-            <a:pPr marL="857250" indent="-857250" algn="l">
-              <a:buFont typeface="Arial" pitchFamily="34" charset="0"/>
-              <a:buChar char="•"/>
-            </a:pPr>
-            <a:r>
-              <a:rPr lang="en-US" sz="4800" dirty="0" smtClean="0">
-                <a:solidFill>
-                  <a:schemeClr val="tx1">
-                    <a:lumMod val="50000"/>
-                    <a:lumOff val="50000"/>
-                  </a:schemeClr>
-                </a:solidFill>
-                <a:latin typeface="Yanone Kaffeesatz Bold" pitchFamily="2" charset="0"/>
-              </a:rPr>
-              <a:t>Full-duplex, bi-directional connection to a server</a:t>
-            </a:r>
-          </a:p>
-          <a:p>
-            <a:pPr marL="857250" indent="-857250" algn="l">
-              <a:buFont typeface="Arial" pitchFamily="34" charset="0"/>
-              <a:buChar char="•"/>
-            </a:pPr>
-            <a:r>
-              <a:rPr lang="en-US" sz="4800" dirty="0" smtClean="0">
-                <a:solidFill>
-                  <a:schemeClr val="tx1">
-                    <a:lumMod val="50000"/>
-                    <a:lumOff val="50000"/>
-                  </a:schemeClr>
-                </a:solidFill>
-                <a:latin typeface="Yanone Kaffeesatz Bold" pitchFamily="2" charset="0"/>
-              </a:rPr>
-              <a:t>Little overhead per message relative to HTTP</a:t>
-            </a:r>
-          </a:p>
-          <a:p>
-            <a:pPr marL="857250" indent="-857250" algn="l">
-              <a:buFont typeface="Arial" pitchFamily="34" charset="0"/>
-              <a:buChar char="•"/>
-            </a:pPr>
-            <a:r>
-              <a:rPr lang="en-US" sz="4800" dirty="0" smtClean="0">
-                <a:solidFill>
-                  <a:schemeClr val="tx1">
-                    <a:lumMod val="50000"/>
-                    <a:lumOff val="50000"/>
-                  </a:schemeClr>
-                </a:solidFill>
-                <a:latin typeface="Yanone Kaffeesatz Bold" pitchFamily="2" charset="0"/>
-              </a:rPr>
-              <a:t>No polling, server can initiate calls after initial upgrade request</a:t>
-            </a:r>
-            <a:endParaRPr lang="en-US" sz="4800" dirty="0">
-              <a:solidFill>
-                <a:schemeClr val="tx1">
-                  <a:lumMod val="50000"/>
-                  <a:lumOff val="50000"/>
-                </a:schemeClr>
-              </a:solidFill>
-              <a:latin typeface="Yanone Kaffeesatz Bold" pitchFamily="2" charset="0"/>
-            </a:endParaRPr>
-          </a:p>
-          <a:p>
-            <a:pPr marL="857250" indent="-857250" algn="l">
-              <a:buFont typeface="Arial" pitchFamily="34" charset="0"/>
-              <a:buChar char="•"/>
-            </a:pPr>
-            <a:r>
-              <a:rPr lang="en-US" sz="4800" dirty="0" smtClean="0">
-                <a:solidFill>
-                  <a:schemeClr val="tx1">
-                    <a:lumMod val="50000"/>
-                    <a:lumOff val="50000"/>
-                  </a:schemeClr>
-                </a:solidFill>
-                <a:latin typeface="Yanone Kaffeesatz Bold" pitchFamily="2" charset="0"/>
-              </a:rPr>
-              <a:t>HTML5 component, W3C API, protocol IETF</a:t>
-            </a:r>
-          </a:p>
-        </p:txBody>
-      </p:sp>
-    </p:spTree>
-    <p:extLst>
-      <p:ext uri="{BB962C8B-B14F-4D97-AF65-F5344CB8AC3E}">
-        <p14:creationId xmlns:p14="http://schemas.microsoft.com/office/powerpoint/2010/main" val="842976841"/>
-      </p:ext>
-    </p:extLst>
-  </p:cSld>
-  <p:clrMapOvr>
-    <a:masterClrMapping/>
-  </p:clrMapOvr>
-  <p:timing>
-    <p:tnLst>
-      <p:par>
-        <p:cTn id="1" dur="indefinite" restart="never" nodeType="tmRoot"/>
-      </p:par>
-    </p:tnLst>
-  </p:timing>
-</p:sld>
-</file>
-
-<file path=ppt/slides/slide17.xml><?xml version="1.0" encoding="utf-8"?>
-<p:sld xmlns:a="http://schemas.openxmlformats.org/drawingml/2006/main" xmlns:r="http://schemas.openxmlformats.org/officeDocument/2006/relationships" xmlns:p="http://schemas.openxmlformats.org/presentationml/2006/main">
-  <p:cSld>
-    <p:bg>
-      <p:bgPr>
-        <a:solidFill>
-          <a:srgbClr val="F0F2EB"/>
-        </a:solidFill>
-        <a:effectLst/>
-      </p:bgPr>
-    </p:bg>
-    <p:spTree>
-      <p:nvGrpSpPr>
-        <p:cNvPr id="1" name=""/>
-        <p:cNvGrpSpPr/>
-        <p:nvPr/>
-      </p:nvGrpSpPr>
-      <p:grpSpPr>
-        <a:xfrm>
-          <a:off x="0" y="0"/>
-          <a:ext cx="0" cy="0"/>
-          <a:chOff x="0" y="0"/>
-          <a:chExt cx="0" cy="0"/>
-        </a:xfrm>
-      </p:grpSpPr>
-      <p:pic>
-        <p:nvPicPr>
-          <p:cNvPr id="3074" name="Picture 2"/>
+          <p:cNvPr id="5" name="Picture 2"/>
           <p:cNvPicPr>
             <a:picLocks noChangeAspect="1" noChangeArrowheads="1"/>
           </p:cNvPicPr>
           <p:nvPr/>
         </p:nvPicPr>
         <p:blipFill rotWithShape="1">
-          <a:blip r:embed="rId2">
+          <a:blip r:embed="rId3">
             <a:extLst>
               <a:ext uri="{28A0092B-C50C-407E-A947-70E740481C1C}">
                 <a14:useLocalDpi xmlns:a14="http://schemas.microsoft.com/office/drawing/2010/main" val="0"/>
@@ -6944,7 +7620,7 @@
         </p:blipFill>
         <p:spPr bwMode="auto">
           <a:xfrm>
-            <a:off x="145357" y="311468"/>
+            <a:off x="145357" y="1143000"/>
             <a:ext cx="8846243" cy="5251132"/>
           </a:xfrm>
           <a:prstGeom prst="rect">
@@ -6987,13 +7663,13 @@
       </p:pic>
       <p:sp>
         <p:nvSpPr>
-          <p:cNvPr id="9" name="Rectangle 8"/>
+          <p:cNvPr id="6" name="Rectangle 5"/>
           <p:cNvSpPr/>
           <p:nvPr/>
         </p:nvSpPr>
         <p:spPr>
           <a:xfrm>
-            <a:off x="5845965" y="6019800"/>
+            <a:off x="5845965" y="6380946"/>
             <a:ext cx="3281668" cy="477054"/>
           </a:xfrm>
           <a:prstGeom prst="rect">
@@ -7009,7 +7685,7 @@
             <a:r>
               <a:rPr lang="en-US" sz="2500" dirty="0">
                 <a:latin typeface="Yanone Kaffeesatz Bold" pitchFamily="2" charset="0"/>
-                <a:hlinkClick r:id="rId3"/>
+                <a:hlinkClick r:id="rId4"/>
               </a:rPr>
               <a:t>http://caniuse.com/websockets</a:t>
             </a:r>
@@ -7026,13 +7702,13 @@
       </p:sp>
       <p:sp>
         <p:nvSpPr>
-          <p:cNvPr id="15" name="Rectangle 14"/>
+          <p:cNvPr id="3" name="Rectangle 2"/>
           <p:cNvSpPr/>
           <p:nvPr/>
         </p:nvSpPr>
         <p:spPr>
           <a:xfrm>
-            <a:off x="2133599" y="5486400"/>
+            <a:off x="5181600" y="-76200"/>
             <a:ext cx="1157689" cy="1477328"/>
           </a:xfrm>
           <a:prstGeom prst="rect">
@@ -7065,7 +7741,7 @@
     </p:spTree>
     <p:extLst>
       <p:ext uri="{BB962C8B-B14F-4D97-AF65-F5344CB8AC3E}">
-        <p14:creationId xmlns:p14="http://schemas.microsoft.com/office/powerpoint/2010/main" val="2453695261"/>
+        <p14:creationId xmlns:p14="http://schemas.microsoft.com/office/powerpoint/2010/main" val="3128495125"/>
       </p:ext>
     </p:extLst>
   </p:cSld>
@@ -7106,7 +7782,7 @@
                                           </p:stCondLst>
                                         </p:cTn>
                                         <p:tgtEl>
-                                          <p:spTgt spid="15"/>
+                                          <p:spTgt spid="3"/>
                                         </p:tgtEl>
                                         <p:attrNameLst>
                                           <p:attrName>style.visibility</p:attrName>
@@ -7147,7 +7823,7 @@
       </p:par>
     </p:tnLst>
     <p:bldLst>
-      <p:bldP spid="15" grpId="0"/>
+      <p:bldP spid="3" grpId="0"/>
     </p:bldLst>
   </p:timing>
 </p:sld>
@@ -9094,20 +9770,7 @@
                 <a:latin typeface="Yanone Kaffeesatz Bold" pitchFamily="2" charset="0"/>
                 <a:cs typeface="Aharoni" pitchFamily="2" charset="-79"/>
               </a:rPr>
-              <a:t>One </a:t>
-            </a:r>
-            <a:r>
-              <a:rPr lang="en-US" sz="8000" dirty="0" smtClean="0">
-                <a:solidFill>
-                  <a:schemeClr val="tx2">
-                    <a:lumMod val="60000"/>
-                    <a:lumOff val="40000"/>
-                  </a:schemeClr>
-                </a:solidFill>
-                <a:latin typeface="Yanone Kaffeesatz Bold" pitchFamily="2" charset="0"/>
-                <a:cs typeface="Aharoni" pitchFamily="2" charset="-79"/>
-              </a:rPr>
-              <a:t>ASP.NET</a:t>
+              <a:t>One ASP.NET</a:t>
             </a:r>
             <a:endParaRPr lang="en-US" sz="8000" dirty="0">
               <a:solidFill>
@@ -12636,19 +13299,7 @@
                 <a:latin typeface="Yanone Kaffeesatz Bold" pitchFamily="2" charset="0"/>
                 <a:cs typeface="Aharoni" pitchFamily="2" charset="-79"/>
               </a:rPr>
-              <a:t>Demo – </a:t>
-            </a:r>
-            <a:r>
-              <a:rPr lang="en-US" sz="9000" dirty="0" smtClean="0">
-                <a:solidFill>
-                  <a:schemeClr val="accent2">
-                    <a:lumMod val="75000"/>
-                  </a:schemeClr>
-                </a:solidFill>
-                <a:latin typeface="Yanone Kaffeesatz Bold" pitchFamily="2" charset="0"/>
-                <a:cs typeface="Aharoni" pitchFamily="2" charset="-79"/>
-              </a:rPr>
-              <a:t>Polling stock ticker</a:t>
+              <a:t>Demo – Polling stock ticker</a:t>
             </a:r>
             <a:r>
               <a:rPr lang="en-US" sz="15000" dirty="0" smtClean="0">
@@ -12825,8 +13476,8 @@
               <a:rPr lang="en-US" sz="4000" dirty="0" smtClean="0">
                 <a:solidFill>
                   <a:schemeClr val="tx1">
-                    <a:lumMod val="50000"/>
-                    <a:lumOff val="50000"/>
+                    <a:lumMod val="65000"/>
+                    <a:lumOff val="35000"/>
                   </a:schemeClr>
                 </a:solidFill>
                 <a:latin typeface="Yanone Kaffeesatz Bold" pitchFamily="2" charset="0"/>
@@ -12837,8 +13488,8 @@
               <a:rPr lang="en-US" sz="4000" dirty="0">
                 <a:solidFill>
                   <a:schemeClr val="tx1">
-                    <a:lumMod val="50000"/>
-                    <a:lumOff val="50000"/>
+                    <a:lumMod val="65000"/>
+                    <a:lumOff val="35000"/>
                   </a:schemeClr>
                 </a:solidFill>
                 <a:latin typeface="Yanone Kaffeesatz Bold" pitchFamily="2" charset="0"/>
@@ -12849,8 +13500,8 @@
               <a:rPr lang="en-US" sz="4000" dirty="0" smtClean="0">
                 <a:solidFill>
                   <a:schemeClr val="tx1">
-                    <a:lumMod val="50000"/>
-                    <a:lumOff val="50000"/>
+                    <a:lumMod val="65000"/>
+                    <a:lumOff val="35000"/>
                   </a:schemeClr>
                 </a:solidFill>
                 <a:latin typeface="Yanone Kaffeesatz Bold" pitchFamily="2" charset="0"/>
@@ -12860,8 +13511,8 @@
             <a:endParaRPr lang="en-US" sz="4000" dirty="0">
               <a:solidFill>
                 <a:schemeClr val="tx1">
-                  <a:lumMod val="50000"/>
-                  <a:lumOff val="50000"/>
+                  <a:lumMod val="65000"/>
+                  <a:lumOff val="35000"/>
                 </a:schemeClr>
               </a:solidFill>
               <a:latin typeface="Yanone Kaffeesatz Bold" pitchFamily="2" charset="0"/>
@@ -12876,8 +13527,8 @@
               <a:rPr lang="en-US" sz="3000" dirty="0" err="1" smtClean="0">
                 <a:solidFill>
                   <a:schemeClr val="tx1">
-                    <a:lumMod val="50000"/>
-                    <a:lumOff val="50000"/>
+                    <a:lumMod val="65000"/>
+                    <a:lumOff val="35000"/>
                   </a:schemeClr>
                 </a:solidFill>
                 <a:latin typeface="Yanone Kaffeesatz Bold" pitchFamily="2" charset="0"/>
@@ -12888,8 +13539,8 @@
               <a:rPr lang="en-US" sz="3000" dirty="0" smtClean="0">
                 <a:solidFill>
                   <a:schemeClr val="tx1">
-                    <a:lumMod val="50000"/>
-                    <a:lumOff val="50000"/>
+                    <a:lumMod val="65000"/>
+                    <a:lumOff val="35000"/>
                   </a:schemeClr>
                 </a:solidFill>
                 <a:latin typeface="Yanone Kaffeesatz Bold" pitchFamily="2" charset="0"/>
@@ -12900,8 +13551,8 @@
               <a:rPr lang="en-US" sz="3000" dirty="0" err="1" smtClean="0">
                 <a:solidFill>
                   <a:schemeClr val="tx1">
-                    <a:lumMod val="50000"/>
-                    <a:lumOff val="50000"/>
+                    <a:lumMod val="65000"/>
+                    <a:lumOff val="35000"/>
                   </a:schemeClr>
                 </a:solidFill>
                 <a:latin typeface="Yanone Kaffeesatz Bold" pitchFamily="2" charset="0"/>
@@ -12911,8 +13562,8 @@
             <a:endParaRPr lang="en-US" sz="3000" dirty="0">
               <a:solidFill>
                 <a:schemeClr val="tx1">
-                  <a:lumMod val="50000"/>
-                  <a:lumOff val="50000"/>
+                  <a:lumMod val="65000"/>
+                  <a:lumOff val="35000"/>
                 </a:schemeClr>
               </a:solidFill>
               <a:latin typeface="Yanone Kaffeesatz Bold" pitchFamily="2" charset="0"/>
@@ -12947,8 +13598,8 @@
               <a:rPr lang="en-US" sz="4000" dirty="0" smtClean="0">
                 <a:solidFill>
                   <a:schemeClr val="tx1">
-                    <a:lumMod val="50000"/>
-                    <a:lumOff val="50000"/>
+                    <a:lumMod val="65000"/>
+                    <a:lumOff val="35000"/>
                   </a:schemeClr>
                 </a:solidFill>
                 <a:latin typeface="Yanone Kaffeesatz Bold" pitchFamily="2" charset="0"/>
@@ -13007,19 +13658,43 @@
               <a:rPr lang="en-US" sz="4000" dirty="0" smtClean="0">
                 <a:solidFill>
                   <a:schemeClr val="tx1">
+                    <a:lumMod val="65000"/>
+                    <a:lumOff val="35000"/>
+                  </a:schemeClr>
+                </a:solidFill>
+                <a:latin typeface="Yanone Kaffeesatz Bold" pitchFamily="2" charset="0"/>
+              </a:rPr>
+              <a:t>Update</a:t>
+            </a:r>
+            <a:r>
+              <a:rPr lang="en-US" sz="4000" dirty="0" smtClean="0">
+                <a:solidFill>
+                  <a:schemeClr val="tx1">
                     <a:lumMod val="50000"/>
                     <a:lumOff val="50000"/>
                   </a:schemeClr>
                 </a:solidFill>
                 <a:latin typeface="Yanone Kaffeesatz Bold" pitchFamily="2" charset="0"/>
               </a:rPr>
-              <a:t>Update Panels</a:t>
+              <a:t> </a:t>
+            </a:r>
+            <a:r>
+              <a:rPr lang="en-US" sz="4000" dirty="0" smtClean="0">
+                <a:solidFill>
+                  <a:schemeClr val="tx1">
+                    <a:lumMod val="65000"/>
+                    <a:lumOff val="35000"/>
+                  </a:schemeClr>
+                </a:solidFill>
+                <a:latin typeface="Yanone Kaffeesatz Bold" pitchFamily="2" charset="0"/>
+              </a:rPr>
+              <a:t>Panels</a:t>
             </a:r>
             <a:endParaRPr lang="en-US" sz="4000" dirty="0">
               <a:solidFill>
                 <a:schemeClr val="tx1">
-                  <a:lumMod val="50000"/>
-                  <a:lumOff val="50000"/>
+                  <a:lumMod val="65000"/>
+                  <a:lumOff val="35000"/>
                 </a:schemeClr>
               </a:solidFill>
               <a:latin typeface="Yanone Kaffeesatz Bold" pitchFamily="2" charset="0"/>
@@ -13134,8 +13809,8 @@
               <a:rPr lang="en-US" sz="3000" dirty="0" smtClean="0">
                 <a:solidFill>
                   <a:schemeClr val="tx1">
-                    <a:lumMod val="50000"/>
-                    <a:lumOff val="50000"/>
+                    <a:lumMod val="65000"/>
+                    <a:lumOff val="35000"/>
                   </a:schemeClr>
                 </a:solidFill>
                 <a:latin typeface="Yanone Kaffeesatz Bold" pitchFamily="2" charset="0"/>
@@ -13144,9 +13819,9 @@
             </a:r>
             <a:endParaRPr lang="en-US" sz="3000" dirty="0">
               <a:solidFill>
-                <a:schemeClr val="tx2">
-                  <a:lumMod val="60000"/>
-                  <a:lumOff val="40000"/>
+                <a:schemeClr val="tx1">
+                  <a:lumMod val="65000"/>
+                  <a:lumOff val="35000"/>
                 </a:schemeClr>
               </a:solidFill>
               <a:latin typeface="Yanone Kaffeesatz Bold" pitchFamily="2" charset="0"/>
@@ -13215,13 +13890,37 @@
               <a:rPr lang="en-US" sz="3000" dirty="0">
                 <a:solidFill>
                   <a:schemeClr val="tx1">
+                    <a:lumMod val="65000"/>
+                    <a:lumOff val="35000"/>
+                  </a:schemeClr>
+                </a:solidFill>
+                <a:latin typeface="Yanone Kaffeesatz Bold" pitchFamily="2" charset="0"/>
+              </a:rPr>
+              <a:t>Server</a:t>
+            </a:r>
+            <a:r>
+              <a:rPr lang="en-US" sz="3000" dirty="0">
+                <a:solidFill>
+                  <a:schemeClr val="tx1">
                     <a:lumMod val="50000"/>
                     <a:lumOff val="50000"/>
                   </a:schemeClr>
                 </a:solidFill>
                 <a:latin typeface="Yanone Kaffeesatz Bold" pitchFamily="2" charset="0"/>
               </a:rPr>
-              <a:t>Server Load</a:t>
+              <a:t> </a:t>
+            </a:r>
+            <a:r>
+              <a:rPr lang="en-US" sz="3000" dirty="0">
+                <a:solidFill>
+                  <a:schemeClr val="tx1">
+                    <a:lumMod val="65000"/>
+                    <a:lumOff val="35000"/>
+                  </a:schemeClr>
+                </a:solidFill>
+                <a:latin typeface="Yanone Kaffeesatz Bold" pitchFamily="2" charset="0"/>
+              </a:rPr>
+              <a:t>Load</a:t>
             </a:r>
           </a:p>
         </p:txBody>
@@ -13284,13 +13983,37 @@
               <a:rPr lang="en-US" sz="3000" dirty="0">
                 <a:solidFill>
                   <a:schemeClr val="tx1">
+                    <a:lumMod val="65000"/>
+                    <a:lumOff val="35000"/>
+                  </a:schemeClr>
+                </a:solidFill>
+                <a:latin typeface="Yanone Kaffeesatz Bold" pitchFamily="2" charset="0"/>
+              </a:rPr>
+              <a:t>Server</a:t>
+            </a:r>
+            <a:r>
+              <a:rPr lang="en-US" sz="3000" dirty="0">
+                <a:solidFill>
+                  <a:schemeClr val="tx1">
                     <a:lumMod val="50000"/>
                     <a:lumOff val="50000"/>
                   </a:schemeClr>
                 </a:solidFill>
                 <a:latin typeface="Yanone Kaffeesatz Bold" pitchFamily="2" charset="0"/>
               </a:rPr>
-              <a:t>Server Load</a:t>
+              <a:t> </a:t>
+            </a:r>
+            <a:r>
+              <a:rPr lang="en-US" sz="3000" dirty="0">
+                <a:solidFill>
+                  <a:schemeClr val="tx1">
+                    <a:lumMod val="65000"/>
+                    <a:lumOff val="35000"/>
+                  </a:schemeClr>
+                </a:solidFill>
+                <a:latin typeface="Yanone Kaffeesatz Bold" pitchFamily="2" charset="0"/>
+              </a:rPr>
+              <a:t>Load</a:t>
             </a:r>
           </a:p>
         </p:txBody>
@@ -13355,8 +14078,8 @@
               <a:rPr lang="en-US" sz="3000" dirty="0">
                 <a:solidFill>
                   <a:schemeClr val="tx1">
-                    <a:lumMod val="50000"/>
-                    <a:lumOff val="50000"/>
+                    <a:lumMod val="65000"/>
+                    <a:lumOff val="35000"/>
                   </a:schemeClr>
                 </a:solidFill>
                 <a:latin typeface="Yanone Kaffeesatz Bold" pitchFamily="2" charset="0"/>
@@ -13365,9 +14088,9 @@
             </a:r>
             <a:endParaRPr lang="en-US" sz="3000" dirty="0">
               <a:solidFill>
-                <a:schemeClr val="tx2">
-                  <a:lumMod val="60000"/>
-                  <a:lumOff val="40000"/>
+                <a:schemeClr val="tx1">
+                  <a:lumMod val="65000"/>
+                  <a:lumOff val="35000"/>
                 </a:schemeClr>
               </a:solidFill>
               <a:latin typeface="Yanone Kaffeesatz Bold" pitchFamily="2" charset="0"/>
@@ -13420,42 +14143,7 @@
                                           </p:stCondLst>
                                         </p:cTn>
                                         <p:tgtEl>
-                                          <p:spTgt spid="4">
-                                            <p:txEl>
-                                              <p:pRg st="0" end="0"/>
-                                            </p:txEl>
-                                          </p:spTgt>
-                                        </p:tgtEl>
-                                        <p:attrNameLst>
-                                          <p:attrName>style.visibility</p:attrName>
-                                        </p:attrNameLst>
-                                      </p:cBhvr>
-                                      <p:to>
-                                        <p:strVal val="visible"/>
-                                      </p:to>
-                                    </p:set>
-                                  </p:childTnLst>
-                                </p:cTn>
-                              </p:par>
-                              <p:par>
-                                <p:cTn id="7" presetID="1" presetClass="entr" presetSubtype="0" fill="hold" nodeType="withEffect">
-                                  <p:stCondLst>
-                                    <p:cond delay="0"/>
-                                  </p:stCondLst>
-                                  <p:childTnLst>
-                                    <p:set>
-                                      <p:cBhvr>
-                                        <p:cTn id="8" dur="1" fill="hold">
-                                          <p:stCondLst>
-                                            <p:cond delay="0"/>
-                                          </p:stCondLst>
-                                        </p:cTn>
-                                        <p:tgtEl>
-                                          <p:spTgt spid="4">
-                                            <p:txEl>
-                                              <p:pRg st="1" end="1"/>
-                                            </p:txEl>
-                                          </p:spTgt>
+                                          <p:spTgt spid="2050"/>
                                         </p:tgtEl>
                                         <p:attrNameLst>
                                           <p:attrName>style.visibility</p:attrName>
@@ -13475,19 +14163,50 @@
                     </p:cTn>
                   </p:par>
                   <p:par>
-                    <p:cTn id="9" fill="hold">
+                    <p:cTn id="7" fill="hold">
                       <p:stCondLst>
                         <p:cond delay="indefinite"/>
                       </p:stCondLst>
                       <p:childTnLst>
                         <p:par>
-                          <p:cTn id="10" fill="hold">
+                          <p:cTn id="8" fill="hold">
                             <p:stCondLst>
                               <p:cond delay="0"/>
                             </p:stCondLst>
                             <p:childTnLst>
                               <p:par>
-                                <p:cTn id="11" presetID="1" presetClass="entr" presetSubtype="0" fill="hold" nodeType="clickEffect">
+                                <p:cTn id="9" presetID="1" presetClass="entr" presetSubtype="0" fill="hold" nodeType="clickEffect">
+                                  <p:stCondLst>
+                                    <p:cond delay="0"/>
+                                  </p:stCondLst>
+                                  <p:childTnLst>
+                                    <p:set>
+                                      <p:cBhvr>
+                                        <p:cTn id="10" dur="1" fill="hold">
+                                          <p:stCondLst>
+                                            <p:cond delay="0"/>
+                                          </p:stCondLst>
+                                        </p:cTn>
+                                        <p:tgtEl>
+                                          <p:spTgt spid="4">
+                                            <p:txEl>
+                                              <p:pRg st="0" end="0"/>
+                                            </p:txEl>
+                                          </p:spTgt>
+                                        </p:tgtEl>
+                                        <p:attrNameLst>
+                                          <p:attrName>style.visibility</p:attrName>
+                                        </p:attrNameLst>
+                                      </p:cBhvr>
+                                      <p:to>
+                                        <p:strVal val="visible"/>
+                                      </p:to>
+                                    </p:set>
+                                  </p:childTnLst>
+                                </p:cTn>
+                              </p:par>
+                              <p:par>
+                                <p:cTn id="11" presetID="1" presetClass="entr" presetSubtype="0" fill="hold" nodeType="withEffect">
                                   <p:stCondLst>
                                     <p:cond delay="0"/>
                                   </p:stCondLst>
@@ -13502,7 +14221,7 @@
                                         <p:tgtEl>
                                           <p:spTgt spid="4">
                                             <p:txEl>
-                                              <p:pRg st="4" end="4"/>
+                                              <p:pRg st="1" end="1"/>
                                             </p:txEl>
                                           </p:spTgt>
                                         </p:tgtEl>
@@ -13536,7 +14255,7 @@
                             </p:stCondLst>
                             <p:childTnLst>
                               <p:par>
-                                <p:cTn id="15" presetID="1" presetClass="entr" presetSubtype="0" fill="hold" grpId="0" nodeType="clickEffect">
+                                <p:cTn id="15" presetID="1" presetClass="entr" presetSubtype="0" fill="hold" nodeType="clickEffect">
                                   <p:stCondLst>
                                     <p:cond delay="0"/>
                                   </p:stCondLst>
@@ -13549,7 +14268,11 @@
                                           </p:stCondLst>
                                         </p:cTn>
                                         <p:tgtEl>
-                                          <p:spTgt spid="7"/>
+                                          <p:spTgt spid="4">
+                                            <p:txEl>
+                                              <p:pRg st="4" end="4"/>
+                                            </p:txEl>
+                                          </p:spTgt>
                                         </p:tgtEl>
                                         <p:attrNameLst>
                                           <p:attrName>style.visibility</p:attrName>
@@ -13594,7 +14317,7 @@
                                           </p:stCondLst>
                                         </p:cTn>
                                         <p:tgtEl>
-                                          <p:spTgt spid="8"/>
+                                          <p:spTgt spid="7"/>
                                         </p:tgtEl>
                                         <p:attrNameLst>
                                           <p:attrName>style.visibility</p:attrName>
@@ -13639,7 +14362,7 @@
                                           </p:stCondLst>
                                         </p:cTn>
                                         <p:tgtEl>
-                                          <p:spTgt spid="9"/>
+                                          <p:spTgt spid="8"/>
                                         </p:tgtEl>
                                         <p:attrNameLst>
                                           <p:attrName>style.visibility</p:attrName>
@@ -13684,7 +14407,146 @@
                                           </p:stCondLst>
                                         </p:cTn>
                                         <p:tgtEl>
+                                          <p:spTgt spid="9"/>
+                                        </p:tgtEl>
+                                        <p:attrNameLst>
+                                          <p:attrName>style.visibility</p:attrName>
+                                        </p:attrNameLst>
+                                      </p:cBhvr>
+                                      <p:to>
+                                        <p:strVal val="visible"/>
+                                      </p:to>
+                                    </p:set>
+                                  </p:childTnLst>
+                                </p:cTn>
+                              </p:par>
+                            </p:childTnLst>
+                          </p:cTn>
+                        </p:par>
+                      </p:childTnLst>
+                    </p:cTn>
+                  </p:par>
+                  <p:par>
+                    <p:cTn id="29" fill="hold">
+                      <p:stCondLst>
+                        <p:cond delay="indefinite"/>
+                      </p:stCondLst>
+                      <p:childTnLst>
+                        <p:par>
+                          <p:cTn id="30" fill="hold">
+                            <p:stCondLst>
+                              <p:cond delay="0"/>
+                            </p:stCondLst>
+                            <p:childTnLst>
+                              <p:par>
+                                <p:cTn id="31" presetID="1" presetClass="entr" presetSubtype="0" fill="hold" grpId="0" nodeType="clickEffect">
+                                  <p:stCondLst>
+                                    <p:cond delay="0"/>
+                                  </p:stCondLst>
+                                  <p:childTnLst>
+                                    <p:set>
+                                      <p:cBhvr>
+                                        <p:cTn id="32" dur="1" fill="hold">
+                                          <p:stCondLst>
+                                            <p:cond delay="0"/>
+                                          </p:stCondLst>
+                                        </p:cTn>
+                                        <p:tgtEl>
                                           <p:spTgt spid="10"/>
+                                        </p:tgtEl>
+                                        <p:attrNameLst>
+                                          <p:attrName>style.visibility</p:attrName>
+                                        </p:attrNameLst>
+                                      </p:cBhvr>
+                                      <p:to>
+                                        <p:strVal val="visible"/>
+                                      </p:to>
+                                    </p:set>
+                                  </p:childTnLst>
+                                </p:cTn>
+                              </p:par>
+                            </p:childTnLst>
+                          </p:cTn>
+                        </p:par>
+                      </p:childTnLst>
+                    </p:cTn>
+                  </p:par>
+                  <p:par>
+                    <p:cTn id="33" fill="hold">
+                      <p:stCondLst>
+                        <p:cond delay="indefinite"/>
+                      </p:stCondLst>
+                      <p:childTnLst>
+                        <p:par>
+                          <p:cTn id="34" fill="hold">
+                            <p:stCondLst>
+                              <p:cond delay="0"/>
+                            </p:stCondLst>
+                            <p:childTnLst>
+                              <p:par>
+                                <p:cTn id="35" presetID="1" presetClass="entr" presetSubtype="0" fill="hold" nodeType="clickEffect">
+                                  <p:stCondLst>
+                                    <p:cond delay="0"/>
+                                  </p:stCondLst>
+                                  <p:childTnLst>
+                                    <p:set>
+                                      <p:cBhvr>
+                                        <p:cTn id="36" dur="1" fill="hold">
+                                          <p:stCondLst>
+                                            <p:cond delay="0"/>
+                                          </p:stCondLst>
+                                        </p:cTn>
+                                        <p:tgtEl>
+                                          <p:spTgt spid="4">
+                                            <p:txEl>
+                                              <p:pRg st="9" end="9"/>
+                                            </p:txEl>
+                                          </p:spTgt>
+                                        </p:tgtEl>
+                                        <p:attrNameLst>
+                                          <p:attrName>style.visibility</p:attrName>
+                                        </p:attrNameLst>
+                                      </p:cBhvr>
+                                      <p:to>
+                                        <p:strVal val="visible"/>
+                                      </p:to>
+                                    </p:set>
+                                  </p:childTnLst>
+                                </p:cTn>
+                              </p:par>
+                            </p:childTnLst>
+                          </p:cTn>
+                        </p:par>
+                      </p:childTnLst>
+                    </p:cTn>
+                  </p:par>
+                  <p:par>
+                    <p:cTn id="37" fill="hold">
+                      <p:stCondLst>
+                        <p:cond delay="indefinite"/>
+                      </p:stCondLst>
+                      <p:childTnLst>
+                        <p:par>
+                          <p:cTn id="38" fill="hold">
+                            <p:stCondLst>
+                              <p:cond delay="0"/>
+                            </p:stCondLst>
+                            <p:childTnLst>
+                              <p:par>
+                                <p:cTn id="39" presetID="1" presetClass="entr" presetSubtype="0" fill="hold" nodeType="clickEffect">
+                                  <p:stCondLst>
+                                    <p:cond delay="0"/>
+                                  </p:stCondLst>
+                                  <p:childTnLst>
+                                    <p:set>
+                                      <p:cBhvr>
+                                        <p:cTn id="40" dur="1" fill="hold">
+                                          <p:stCondLst>
+                                            <p:cond delay="0"/>
+                                          </p:stCondLst>
+                                        </p:cTn>
+                                        <p:tgtEl>
+                                          <p:spTgt spid="1027"/>
                                         </p:tgtEl>
                                         <p:attrNameLst>
                                           <p:attrName>style.visibility</p:attrName>
@@ -13777,7 +14639,7 @@
           <a:lstStyle/>
           <a:p>
             <a:r>
-              <a:rPr lang="en-US" sz="9000" dirty="0" smtClean="0">
+              <a:rPr lang="en-US" sz="12000" dirty="0" smtClean="0">
                 <a:solidFill>
                   <a:schemeClr val="accent2">
                     <a:lumMod val="75000"/>
@@ -13786,9 +14648,9 @@
                 <a:latin typeface="Yanone Kaffeesatz Bold" pitchFamily="2" charset="0"/>
                 <a:cs typeface="Aharoni" pitchFamily="2" charset="-79"/>
               </a:rPr>
-              <a:t>MOAR REALTIME!</a:t>
-            </a:r>
-            <a:endParaRPr lang="en-US" sz="15000" dirty="0">
+              <a:t>BETTER!</a:t>
+            </a:r>
+            <a:endParaRPr lang="en-US" sz="12000" dirty="0">
               <a:solidFill>
                 <a:srgbClr val="F0F2EB"/>
               </a:solidFill>

--- a/SignalR-Intro/SignalRIntro.pptx
+++ b/SignalR-Intro/SignalRIntro.pptx
@@ -5,7 +5,7 @@
     <p:sldMasterId id="2147483648" r:id="rId1"/>
   </p:sldMasterIdLst>
   <p:notesMasterIdLst>
-    <p:notesMasterId r:id="rId28"/>
+    <p:notesMasterId r:id="rId31"/>
   </p:notesMasterIdLst>
   <p:sldIdLst>
     <p:sldId id="258" r:id="rId2"/>
@@ -16,24 +16,27 @@
     <p:sldId id="264" r:id="rId7"/>
     <p:sldId id="301" r:id="rId8"/>
     <p:sldId id="274" r:id="rId9"/>
-    <p:sldId id="279" r:id="rId10"/>
-    <p:sldId id="292" r:id="rId11"/>
-    <p:sldId id="291" r:id="rId12"/>
-    <p:sldId id="304" r:id="rId13"/>
-    <p:sldId id="290" r:id="rId14"/>
-    <p:sldId id="305" r:id="rId15"/>
-    <p:sldId id="278" r:id="rId16"/>
-    <p:sldId id="273" r:id="rId17"/>
-    <p:sldId id="307" r:id="rId18"/>
-    <p:sldId id="298" r:id="rId19"/>
-    <p:sldId id="285" r:id="rId20"/>
-    <p:sldId id="293" r:id="rId21"/>
-    <p:sldId id="303" r:id="rId22"/>
-    <p:sldId id="288" r:id="rId23"/>
-    <p:sldId id="297" r:id="rId24"/>
-    <p:sldId id="289" r:id="rId25"/>
-    <p:sldId id="302" r:id="rId26"/>
-    <p:sldId id="300" r:id="rId27"/>
+    <p:sldId id="312" r:id="rId10"/>
+    <p:sldId id="279" r:id="rId11"/>
+    <p:sldId id="292" r:id="rId12"/>
+    <p:sldId id="308" r:id="rId13"/>
+    <p:sldId id="291" r:id="rId14"/>
+    <p:sldId id="304" r:id="rId15"/>
+    <p:sldId id="290" r:id="rId16"/>
+    <p:sldId id="305" r:id="rId17"/>
+    <p:sldId id="278" r:id="rId18"/>
+    <p:sldId id="273" r:id="rId19"/>
+    <p:sldId id="309" r:id="rId20"/>
+    <p:sldId id="307" r:id="rId21"/>
+    <p:sldId id="310" r:id="rId22"/>
+    <p:sldId id="285" r:id="rId23"/>
+    <p:sldId id="293" r:id="rId24"/>
+    <p:sldId id="303" r:id="rId25"/>
+    <p:sldId id="288" r:id="rId26"/>
+    <p:sldId id="297" r:id="rId27"/>
+    <p:sldId id="289" r:id="rId28"/>
+    <p:sldId id="302" r:id="rId29"/>
+    <p:sldId id="300" r:id="rId30"/>
   </p:sldIdLst>
   <p:sldSz cx="9144000" cy="6858000" type="screen4x3"/>
   <p:notesSz cx="6858000" cy="9144000"/>
@@ -217,7 +220,7 @@
           <a:p>
             <a:fld id="{2CD0711F-7899-4BEA-9415-D53A8E59CB6E}" type="datetimeFigureOut">
               <a:rPr lang="en-US" smtClean="0"/>
-              <a:t>11/2/2012</a:t>
+              <a:t>11/3/2012</a:t>
             </a:fld>
             <a:endParaRPr lang="en-US"/>
           </a:p>
@@ -613,165 +616,11 @@
           <a:bodyPr/>
           <a:lstStyle/>
           <a:p>
-            <a:pPr marL="0" marR="0" indent="0" algn="l" defTabSz="914400" rtl="0" eaLnBrk="1" fontAlgn="auto" latinLnBrk="0" hangingPunct="1">
-              <a:lnSpc>
-                <a:spcPct val="100000"/>
-              </a:lnSpc>
-              <a:spcBef>
-                <a:spcPts val="0"/>
-              </a:spcBef>
-              <a:spcAft>
-                <a:spcPts val="0"/>
-              </a:spcAft>
-              <a:buClrTx/>
-              <a:buSzTx/>
-              <a:buFontTx/>
-              <a:buNone/>
-              <a:tabLst/>
-              <a:defRPr/>
-            </a:pPr>
             <a:r>
               <a:rPr lang="en-US" dirty="0" smtClean="0"/>
-              <a:t>GET request</a:t>
-            </a:r>
-          </a:p>
-          <a:p>
-            <a:pPr marL="0" marR="0" indent="0" algn="l" defTabSz="914400" rtl="0" eaLnBrk="1" fontAlgn="auto" latinLnBrk="0" hangingPunct="1">
-              <a:lnSpc>
-                <a:spcPct val="100000"/>
-              </a:lnSpc>
-              <a:spcBef>
-                <a:spcPts val="0"/>
-              </a:spcBef>
-              <a:spcAft>
-                <a:spcPts val="0"/>
-              </a:spcAft>
-              <a:buClrTx/>
-              <a:buSzTx/>
-              <a:buFontTx/>
-              <a:buNone/>
-              <a:tabLst/>
-              <a:defRPr/>
-            </a:pPr>
-            <a:r>
-              <a:rPr lang="en-US" dirty="0" smtClean="0"/>
-              <a:t/>
-            </a:r>
-            <a:br>
-              <a:rPr lang="en-US" dirty="0" smtClean="0"/>
-            </a:br>
-            <a:r>
-              <a:rPr lang="en-US" dirty="0" smtClean="0"/>
-              <a:t>Raw connection, like a TCP socket.</a:t>
-            </a:r>
-            <a:r>
-              <a:rPr lang="en-US" baseline="0" dirty="0" smtClean="0"/>
-              <a:t> Very little overhead.</a:t>
-            </a:r>
-            <a:endParaRPr lang="en-US" dirty="0" smtClean="0"/>
-          </a:p>
-          <a:p>
-            <a:pPr marL="0" marR="0" indent="0" algn="l" defTabSz="914400" rtl="0" eaLnBrk="1" fontAlgn="auto" latinLnBrk="0" hangingPunct="1">
-              <a:lnSpc>
-                <a:spcPct val="100000"/>
-              </a:lnSpc>
-              <a:spcBef>
-                <a:spcPts val="0"/>
-              </a:spcBef>
-              <a:spcAft>
-                <a:spcPts val="0"/>
-              </a:spcAft>
-              <a:buClrTx/>
-              <a:buSzTx/>
-              <a:buFontTx/>
-              <a:buNone/>
-              <a:tabLst/>
-              <a:defRPr/>
-            </a:pPr>
-            <a:endParaRPr lang="en-US" dirty="0" smtClean="0"/>
-          </a:p>
-          <a:p>
-            <a:pPr marL="0" marR="0" indent="0" algn="l" defTabSz="914400" rtl="0" eaLnBrk="1" fontAlgn="auto" latinLnBrk="0" hangingPunct="1">
-              <a:lnSpc>
-                <a:spcPct val="100000"/>
-              </a:lnSpc>
-              <a:spcBef>
-                <a:spcPts val="0"/>
-              </a:spcBef>
-              <a:spcAft>
-                <a:spcPts val="0"/>
-              </a:spcAft>
-              <a:buClrTx/>
-              <a:buSzTx/>
-              <a:buFontTx/>
-              <a:buNone/>
-              <a:tabLst/>
-              <a:defRPr/>
-            </a:pPr>
-            <a:r>
-              <a:rPr lang="en-US" dirty="0" smtClean="0"/>
-              <a:t>Everything</a:t>
-            </a:r>
-            <a:r>
-              <a:rPr lang="en-US" baseline="0" dirty="0" smtClean="0"/>
-              <a:t> </a:t>
-            </a:r>
-            <a:r>
-              <a:rPr lang="en-US" baseline="0" dirty="0" smtClean="0"/>
-              <a:t>between your browser and the server, which can be endless, firewalls, routers, etc. has to understand </a:t>
-            </a:r>
-            <a:r>
-              <a:rPr lang="en-US" baseline="0" dirty="0" err="1" smtClean="0"/>
-              <a:t>websocket</a:t>
-            </a:r>
-            <a:r>
-              <a:rPr lang="en-US" baseline="0" dirty="0" smtClean="0"/>
-              <a:t> protocol.  That</a:t>
-            </a:r>
-          </a:p>
-          <a:p>
-            <a:pPr marL="0" marR="0" indent="0" algn="l" defTabSz="914400" rtl="0" eaLnBrk="1" fontAlgn="auto" latinLnBrk="0" hangingPunct="1">
-              <a:lnSpc>
-                <a:spcPct val="100000"/>
-              </a:lnSpc>
-              <a:spcBef>
-                <a:spcPts val="0"/>
-              </a:spcBef>
-              <a:spcAft>
-                <a:spcPts val="0"/>
-              </a:spcAft>
-              <a:buClrTx/>
-              <a:buSzTx/>
-              <a:buFontTx/>
-              <a:buNone/>
-              <a:tabLst/>
-              <a:defRPr/>
-            </a:pPr>
-            <a:r>
-              <a:rPr lang="en-US" baseline="0" dirty="0" smtClean="0"/>
-              <a:t>Will take a while…big implications, security etc.</a:t>
-            </a:r>
-            <a:endParaRPr lang="en-US" dirty="0" smtClean="0"/>
-          </a:p>
-          <a:p>
-            <a:pPr marL="0" marR="0" indent="0" algn="l" defTabSz="914400" rtl="0" eaLnBrk="1" fontAlgn="auto" latinLnBrk="0" hangingPunct="1">
-              <a:lnSpc>
-                <a:spcPct val="100000"/>
-              </a:lnSpc>
-              <a:spcBef>
-                <a:spcPts val="0"/>
-              </a:spcBef>
-              <a:spcAft>
-                <a:spcPts val="0"/>
-              </a:spcAft>
-              <a:buClrTx/>
-              <a:buSzTx/>
-              <a:buFontTx/>
-              <a:buNone/>
-              <a:tabLst/>
-              <a:defRPr/>
-            </a:pPr>
-            <a:endParaRPr lang="en-US" dirty="0" smtClean="0"/>
+              <a:t>Notes for Long Polling.</a:t>
+            </a:r>
+            <a:endParaRPr lang="en-US" dirty="0"/>
           </a:p>
         </p:txBody>
       </p:sp>
@@ -792,7 +641,7 @@
           <a:p>
             <a:fld id="{E76AAE11-CCE4-491F-9A3B-35EA6902E85C}" type="slidenum">
               <a:rPr lang="en-US" smtClean="0"/>
-              <a:t>15</a:t>
+              <a:t>12</a:t>
             </a:fld>
             <a:endParaRPr lang="en-US"/>
           </a:p>
@@ -801,7 +650,7 @@
     </p:spTree>
     <p:extLst>
       <p:ext uri="{BB962C8B-B14F-4D97-AF65-F5344CB8AC3E}">
-        <p14:creationId xmlns:p14="http://schemas.microsoft.com/office/powerpoint/2010/main" val="374496698"/>
+        <p14:creationId xmlns:p14="http://schemas.microsoft.com/office/powerpoint/2010/main" val="2924130273"/>
       </p:ext>
     </p:extLst>
   </p:cSld>
@@ -855,6 +704,199 @@
           <a:bodyPr/>
           <a:lstStyle/>
           <a:p>
+            <a:r>
+              <a:rPr lang="en-US" dirty="0" smtClean="0"/>
+              <a:t>Another HTTP Hack</a:t>
+            </a:r>
+            <a:r>
+              <a:rPr lang="en-US" dirty="0" smtClean="0"/>
+              <a:t>.</a:t>
+            </a:r>
+          </a:p>
+          <a:p>
+            <a:endParaRPr lang="en-US" dirty="0" smtClean="0"/>
+          </a:p>
+          <a:p>
+            <a:r>
+              <a:rPr lang="en-US" dirty="0" smtClean="0"/>
+              <a:t>Connection does not last forever, client needs to terminate and request </a:t>
+            </a:r>
+            <a:r>
+              <a:rPr lang="en-US" dirty="0" err="1" smtClean="0"/>
+              <a:t>again..plus</a:t>
+            </a:r>
+            <a:r>
+              <a:rPr lang="en-US" dirty="0" smtClean="0"/>
+              <a:t> some cleanup on the DOM side…but better than long polling.</a:t>
+            </a:r>
+          </a:p>
+          <a:p>
+            <a:endParaRPr lang="en-US" dirty="0" smtClean="0"/>
+          </a:p>
+          <a:p>
+            <a:r>
+              <a:rPr lang="en-US" dirty="0" smtClean="0">
+                <a:hlinkClick r:id="rId3"/>
+              </a:rPr>
+              <a:t>http://cometdaily.com/2007/11/05/the-forever-frame-technique/</a:t>
+            </a:r>
+            <a:endParaRPr lang="en-US" dirty="0" smtClean="0"/>
+          </a:p>
+          <a:p>
+            <a:r>
+              <a:rPr lang="en-US" sz="1200" b="0" i="0" kern="1200" dirty="0" smtClean="0">
+                <a:solidFill>
+                  <a:schemeClr val="tx1"/>
+                </a:solidFill>
+                <a:effectLst/>
+                <a:latin typeface="+mn-lt"/>
+                <a:ea typeface="+mn-ea"/>
+                <a:cs typeface="+mn-cs"/>
+              </a:rPr>
+              <a:t>The forever-frame technique uses HTTP 1.1 chunked encoding to establish a single, long-lived HTTP connection in a hidden </a:t>
+            </a:r>
+            <a:r>
+              <a:rPr lang="en-US" sz="1200" b="0" i="0" kern="1200" dirty="0" err="1" smtClean="0">
+                <a:solidFill>
+                  <a:schemeClr val="tx1"/>
+                </a:solidFill>
+                <a:effectLst/>
+                <a:latin typeface="+mn-lt"/>
+                <a:ea typeface="+mn-ea"/>
+                <a:cs typeface="+mn-cs"/>
+              </a:rPr>
+              <a:t>iframe</a:t>
+            </a:r>
+            <a:r>
+              <a:rPr lang="en-US" sz="1200" b="0" i="0" kern="1200" dirty="0" smtClean="0">
+                <a:solidFill>
+                  <a:schemeClr val="tx1"/>
+                </a:solidFill>
+                <a:effectLst/>
+                <a:latin typeface="+mn-lt"/>
+                <a:ea typeface="+mn-ea"/>
+                <a:cs typeface="+mn-cs"/>
+              </a:rPr>
+              <a:t>. Data is pushed incrementally from the server to the client over this connection, and rendered incrementally by your web browser.</a:t>
+            </a:r>
+          </a:p>
+          <a:p>
+            <a:endParaRPr lang="en-US" sz="1200" b="0" i="0" kern="1200" dirty="0" smtClean="0">
+              <a:solidFill>
+                <a:schemeClr val="tx1"/>
+              </a:solidFill>
+              <a:effectLst/>
+              <a:latin typeface="+mn-lt"/>
+              <a:ea typeface="+mn-ea"/>
+              <a:cs typeface="+mn-cs"/>
+            </a:endParaRPr>
+          </a:p>
+          <a:p>
+            <a:r>
+              <a:rPr lang="en-US" sz="1200" b="0" i="0" kern="1200" dirty="0" smtClean="0">
+                <a:solidFill>
+                  <a:schemeClr val="tx1"/>
+                </a:solidFill>
+                <a:effectLst/>
+                <a:latin typeface="+mn-lt"/>
+                <a:ea typeface="+mn-ea"/>
+                <a:cs typeface="+mn-cs"/>
+              </a:rPr>
+              <a:t>Every time a </a:t>
+            </a:r>
+            <a:r>
+              <a:rPr lang="en-US" dirty="0" smtClean="0"/>
+              <a:t>&lt;script&gt;</a:t>
+            </a:r>
+            <a:r>
+              <a:rPr lang="en-US" sz="1200" b="0" i="0" kern="1200" dirty="0" smtClean="0">
+                <a:solidFill>
+                  <a:schemeClr val="tx1"/>
+                </a:solidFill>
+                <a:effectLst/>
+                <a:latin typeface="+mn-lt"/>
+                <a:ea typeface="+mn-ea"/>
+                <a:cs typeface="+mn-cs"/>
+              </a:rPr>
+              <a:t> chunk is received, the </a:t>
+            </a:r>
+            <a:r>
+              <a:rPr lang="en-US" sz="1200" b="0" i="0" kern="1200" dirty="0" err="1" smtClean="0">
+                <a:solidFill>
+                  <a:schemeClr val="tx1"/>
+                </a:solidFill>
+                <a:effectLst/>
+                <a:latin typeface="+mn-lt"/>
+                <a:ea typeface="+mn-ea"/>
+                <a:cs typeface="+mn-cs"/>
+              </a:rPr>
+              <a:t>javascript</a:t>
+            </a:r>
+            <a:r>
+              <a:rPr lang="en-US" sz="1200" b="0" i="0" kern="1200" dirty="0" smtClean="0">
+                <a:solidFill>
+                  <a:schemeClr val="tx1"/>
+                </a:solidFill>
+                <a:effectLst/>
+                <a:latin typeface="+mn-lt"/>
+                <a:ea typeface="+mn-ea"/>
+                <a:cs typeface="+mn-cs"/>
+              </a:rPr>
+              <a:t> is evaluated, </a:t>
+            </a:r>
+            <a:r>
+              <a:rPr lang="en-US" sz="1200" b="0" i="0" kern="1200" dirty="0" err="1" smtClean="0">
+                <a:solidFill>
+                  <a:schemeClr val="tx1"/>
+                </a:solidFill>
+                <a:effectLst/>
+                <a:latin typeface="+mn-lt"/>
+                <a:ea typeface="+mn-ea"/>
+                <a:cs typeface="+mn-cs"/>
+              </a:rPr>
+              <a:t>exeuting</a:t>
+            </a:r>
+            <a:r>
+              <a:rPr lang="en-US" sz="1200" b="0" i="0" kern="1200" dirty="0" smtClean="0">
+                <a:solidFill>
+                  <a:schemeClr val="tx1"/>
+                </a:solidFill>
+                <a:effectLst/>
+                <a:latin typeface="+mn-lt"/>
+                <a:ea typeface="+mn-ea"/>
+                <a:cs typeface="+mn-cs"/>
+              </a:rPr>
+              <a:t> the local </a:t>
+            </a:r>
+            <a:r>
+              <a:rPr lang="en-US" dirty="0" smtClean="0"/>
+              <a:t>p()</a:t>
+            </a:r>
+            <a:r>
+              <a:rPr lang="en-US" sz="1200" b="0" i="0" kern="1200" dirty="0" smtClean="0">
+                <a:solidFill>
+                  <a:schemeClr val="tx1"/>
+                </a:solidFill>
+                <a:effectLst/>
+                <a:latin typeface="+mn-lt"/>
+                <a:ea typeface="+mn-ea"/>
+                <a:cs typeface="+mn-cs"/>
+              </a:rPr>
+              <a:t> function, which is actually a link to the process function in the parent frame</a:t>
+            </a:r>
+          </a:p>
+          <a:p>
+            <a:endParaRPr lang="en-US" sz="1200" b="0" i="0" kern="1200" dirty="0" smtClean="0">
+              <a:solidFill>
+                <a:schemeClr val="tx1"/>
+              </a:solidFill>
+              <a:effectLst/>
+              <a:latin typeface="+mn-lt"/>
+              <a:ea typeface="+mn-ea"/>
+              <a:cs typeface="+mn-cs"/>
+            </a:endParaRPr>
+          </a:p>
+          <a:p>
             <a:pPr marL="0" marR="0" indent="0" algn="l" defTabSz="914400" rtl="0" eaLnBrk="1" fontAlgn="auto" latinLnBrk="0" hangingPunct="1">
               <a:lnSpc>
                 <a:spcPct val="100000"/>
@@ -873,147 +915,17 @@
               <a:defRPr/>
             </a:pPr>
             <a:r>
-              <a:rPr lang="en-US" dirty="0" smtClean="0"/>
-              <a:t>GET request</a:t>
-            </a:r>
-          </a:p>
-          <a:p>
-            <a:pPr marL="0" marR="0" indent="0" algn="l" defTabSz="914400" rtl="0" eaLnBrk="1" fontAlgn="auto" latinLnBrk="0" hangingPunct="1">
-              <a:lnSpc>
-                <a:spcPct val="100000"/>
-              </a:lnSpc>
-              <a:spcBef>
-                <a:spcPts val="0"/>
-              </a:spcBef>
-              <a:spcAft>
-                <a:spcPts val="0"/>
-              </a:spcAft>
-              <a:buClrTx/>
-              <a:buSzTx/>
-              <a:buFontTx/>
-              <a:buNone/>
-              <a:tabLst/>
-              <a:defRPr/>
-            </a:pPr>
-            <a:r>
-              <a:rPr lang="en-US" dirty="0" smtClean="0"/>
-              <a:t/>
-            </a:r>
-            <a:br>
-              <a:rPr lang="en-US" dirty="0" smtClean="0"/>
-            </a:br>
-            <a:r>
-              <a:rPr lang="en-US" dirty="0" smtClean="0"/>
-              <a:t>Raw connection, like a TCP socket.</a:t>
+              <a:rPr lang="en-US" baseline="0" dirty="0" err="1" smtClean="0"/>
+              <a:t>WebSockets</a:t>
             </a:r>
             <a:r>
               <a:rPr lang="en-US" baseline="0" dirty="0" smtClean="0"/>
-              <a:t> Very little overhead.</a:t>
+              <a:t> is the only true full-duplex connection transport. All other transports listed here use the technique/technology named for the incoming data from the server, and standard AJAX POSTS for sends from the client to the server.</a:t>
             </a:r>
             <a:endParaRPr lang="en-US" dirty="0" smtClean="0"/>
           </a:p>
           <a:p>
-            <a:pPr marL="0" marR="0" indent="0" algn="l" defTabSz="914400" rtl="0" eaLnBrk="1" fontAlgn="auto" latinLnBrk="0" hangingPunct="1">
-              <a:lnSpc>
-                <a:spcPct val="100000"/>
-              </a:lnSpc>
-              <a:spcBef>
-                <a:spcPts val="0"/>
-              </a:spcBef>
-              <a:spcAft>
-                <a:spcPts val="0"/>
-              </a:spcAft>
-              <a:buClrTx/>
-              <a:buSzTx/>
-              <a:buFontTx/>
-              <a:buNone/>
-              <a:tabLst/>
-              <a:defRPr/>
-            </a:pPr>
-            <a:endParaRPr lang="en-US" dirty="0" smtClean="0"/>
-          </a:p>
-          <a:p>
-            <a:pPr marL="0" marR="0" indent="0" algn="l" defTabSz="914400" rtl="0" eaLnBrk="1" fontAlgn="auto" latinLnBrk="0" hangingPunct="1">
-              <a:lnSpc>
-                <a:spcPct val="100000"/>
-              </a:lnSpc>
-              <a:spcBef>
-                <a:spcPts val="0"/>
-              </a:spcBef>
-              <a:spcAft>
-                <a:spcPts val="0"/>
-              </a:spcAft>
-              <a:buClrTx/>
-              <a:buSzTx/>
-              <a:buFontTx/>
-              <a:buNone/>
-              <a:tabLst/>
-              <a:defRPr/>
-            </a:pPr>
-            <a:r>
-              <a:rPr lang="en-US" dirty="0" smtClean="0"/>
-              <a:t>Everything</a:t>
-            </a:r>
-            <a:r>
-              <a:rPr lang="en-US" baseline="0" dirty="0" smtClean="0"/>
-              <a:t> </a:t>
-            </a:r>
-            <a:r>
-              <a:rPr lang="en-US" baseline="0" dirty="0" smtClean="0"/>
-              <a:t>between your browser and the server, which can be endless, firewalls, routers, etc. has to understand </a:t>
-            </a:r>
-            <a:r>
-              <a:rPr lang="en-US" baseline="0" dirty="0" err="1" smtClean="0"/>
-              <a:t>websocket</a:t>
-            </a:r>
-            <a:r>
-              <a:rPr lang="en-US" baseline="0" dirty="0" smtClean="0"/>
-              <a:t> protocol.  That</a:t>
-            </a:r>
-          </a:p>
-          <a:p>
-            <a:pPr marL="0" marR="0" indent="0" algn="l" defTabSz="914400" rtl="0" eaLnBrk="1" fontAlgn="auto" latinLnBrk="0" hangingPunct="1">
-              <a:lnSpc>
-                <a:spcPct val="100000"/>
-              </a:lnSpc>
-              <a:spcBef>
-                <a:spcPts val="0"/>
-              </a:spcBef>
-              <a:spcAft>
-                <a:spcPts val="0"/>
-              </a:spcAft>
-              <a:buClrTx/>
-              <a:buSzTx/>
-              <a:buFontTx/>
-              <a:buNone/>
-              <a:tabLst/>
-              <a:defRPr/>
-            </a:pPr>
-            <a:r>
-              <a:rPr lang="en-US" baseline="0" dirty="0" smtClean="0"/>
-              <a:t>Will take a while…big implications, security etc.</a:t>
-            </a:r>
-            <a:endParaRPr lang="en-US" dirty="0" smtClean="0"/>
-          </a:p>
-          <a:p>
-            <a:pPr marL="0" marR="0" indent="0" algn="l" defTabSz="914400" rtl="0" eaLnBrk="1" fontAlgn="auto" latinLnBrk="0" hangingPunct="1">
-              <a:lnSpc>
-                <a:spcPct val="100000"/>
-              </a:lnSpc>
-              <a:spcBef>
-                <a:spcPts val="0"/>
-              </a:spcBef>
-              <a:spcAft>
-                <a:spcPts val="0"/>
-              </a:spcAft>
-              <a:buClrTx/>
-              <a:buSzTx/>
-              <a:buFontTx/>
-              <a:buNone/>
-              <a:tabLst/>
-              <a:defRPr/>
-            </a:pPr>
-            <a:endParaRPr lang="en-US" dirty="0" smtClean="0"/>
+            <a:endParaRPr lang="en-US" dirty="0"/>
           </a:p>
         </p:txBody>
       </p:sp>
@@ -1034,7 +946,7 @@
           <a:p>
             <a:fld id="{E76AAE11-CCE4-491F-9A3B-35EA6902E85C}" type="slidenum">
               <a:rPr lang="en-US" smtClean="0"/>
-              <a:t>17</a:t>
+              <a:t>13</a:t>
             </a:fld>
             <a:endParaRPr lang="en-US"/>
           </a:p>
@@ -1097,6 +1009,159 @@
           <a:bodyPr/>
           <a:lstStyle/>
           <a:p>
+            <a:r>
+              <a:rPr lang="en-US" dirty="0" smtClean="0"/>
+              <a:t>Request</a:t>
+            </a:r>
+            <a:r>
+              <a:rPr lang="en-US" baseline="0" dirty="0" smtClean="0"/>
+              <a:t> sent w/ header “Event source request’</a:t>
+            </a:r>
+          </a:p>
+          <a:p>
+            <a:r>
+              <a:rPr lang="en-US" baseline="0" dirty="0" smtClean="0"/>
+              <a:t>Server keeps request open and streams information over response stream</a:t>
+            </a:r>
+          </a:p>
+          <a:p>
+            <a:r>
+              <a:rPr lang="en-US" baseline="0" dirty="0" smtClean="0"/>
+              <a:t> -&gt; Single HTTP connection</a:t>
+            </a:r>
+          </a:p>
+          <a:p>
+            <a:r>
+              <a:rPr lang="en-US" baseline="0" dirty="0" smtClean="0"/>
+              <a:t> -&gt; faster latency, no period between response sent back, processing, and request </a:t>
+            </a:r>
+            <a:r>
+              <a:rPr lang="en-US" baseline="0" dirty="0" smtClean="0"/>
+              <a:t>again</a:t>
+            </a:r>
+          </a:p>
+          <a:p>
+            <a:endParaRPr lang="en-US" baseline="0" dirty="0" smtClean="0"/>
+          </a:p>
+          <a:p>
+            <a:r>
+              <a:rPr lang="en-US" sz="1200" b="0" i="0" kern="1200" dirty="0" smtClean="0">
+                <a:solidFill>
+                  <a:schemeClr val="tx1"/>
+                </a:solidFill>
+                <a:effectLst/>
+                <a:latin typeface="+mn-lt"/>
+                <a:ea typeface="+mn-ea"/>
+                <a:cs typeface="+mn-cs"/>
+              </a:rPr>
+              <a:t> JavaScript API called </a:t>
+            </a:r>
+            <a:r>
+              <a:rPr lang="en-US" sz="1200" b="0" i="0" kern="1200" dirty="0" err="1" smtClean="0">
+                <a:solidFill>
+                  <a:schemeClr val="tx1"/>
+                </a:solidFill>
+                <a:effectLst/>
+                <a:latin typeface="+mn-lt"/>
+                <a:ea typeface="+mn-ea"/>
+                <a:cs typeface="+mn-cs"/>
+              </a:rPr>
+              <a:t>EventSource</a:t>
+            </a:r>
+            <a:r>
+              <a:rPr lang="en-US" sz="1200" b="0" i="0" kern="1200" dirty="0" smtClean="0">
+                <a:solidFill>
+                  <a:schemeClr val="tx1"/>
+                </a:solidFill>
+                <a:effectLst/>
+                <a:latin typeface="+mn-lt"/>
+                <a:ea typeface="+mn-ea"/>
+                <a:cs typeface="+mn-cs"/>
+              </a:rPr>
+              <a:t>, through which a client requests a particular URL in order to receive an event stream.</a:t>
+            </a:r>
+          </a:p>
+          <a:p>
+            <a:endParaRPr lang="en-US" sz="1200" b="0" i="0" kern="1200" dirty="0" smtClean="0">
+              <a:solidFill>
+                <a:schemeClr val="tx1"/>
+              </a:solidFill>
+              <a:effectLst/>
+              <a:latin typeface="+mn-lt"/>
+              <a:ea typeface="+mn-ea"/>
+              <a:cs typeface="+mn-cs"/>
+            </a:endParaRPr>
+          </a:p>
+          <a:p>
+            <a:r>
+              <a:rPr lang="en-US" sz="1200" b="0" i="0" kern="1200" dirty="0" smtClean="0">
+                <a:solidFill>
+                  <a:schemeClr val="tx1"/>
+                </a:solidFill>
+                <a:effectLst/>
+                <a:latin typeface="+mn-lt"/>
+                <a:ea typeface="+mn-ea"/>
+                <a:cs typeface="+mn-cs"/>
+              </a:rPr>
+              <a:t>No</a:t>
+            </a:r>
+            <a:r>
+              <a:rPr lang="en-US" sz="1200" b="0" i="0" kern="1200" baseline="0" dirty="0" smtClean="0">
+                <a:solidFill>
+                  <a:schemeClr val="tx1"/>
+                </a:solidFill>
+                <a:effectLst/>
+                <a:latin typeface="+mn-lt"/>
+                <a:ea typeface="+mn-ea"/>
+                <a:cs typeface="+mn-cs"/>
+              </a:rPr>
+              <a:t> IE support.</a:t>
+            </a:r>
+          </a:p>
+          <a:p>
+            <a:endParaRPr lang="en-US" sz="1200" b="0" i="0" kern="1200" baseline="0" dirty="0" smtClean="0">
+              <a:solidFill>
+                <a:schemeClr val="tx1"/>
+              </a:solidFill>
+              <a:effectLst/>
+              <a:latin typeface="+mn-lt"/>
+              <a:ea typeface="+mn-ea"/>
+              <a:cs typeface="+mn-cs"/>
+            </a:endParaRPr>
+          </a:p>
+          <a:p>
+            <a:pPr marL="0" marR="0" indent="0" algn="l" defTabSz="914400" rtl="0" eaLnBrk="1" fontAlgn="auto" latinLnBrk="0" hangingPunct="1">
+              <a:lnSpc>
+                <a:spcPct val="100000"/>
+              </a:lnSpc>
+              <a:spcBef>
+                <a:spcPts val="0"/>
+              </a:spcBef>
+              <a:spcAft>
+                <a:spcPts val="0"/>
+              </a:spcAft>
+              <a:buClrTx/>
+              <a:buSzTx/>
+              <a:buFontTx/>
+              <a:buNone/>
+              <a:tabLst/>
+              <a:defRPr/>
+            </a:pPr>
+            <a:r>
+              <a:rPr lang="en-US" baseline="0" dirty="0" err="1" smtClean="0"/>
+              <a:t>WebSockets</a:t>
+            </a:r>
+            <a:r>
+              <a:rPr lang="en-US" baseline="0" dirty="0" smtClean="0"/>
+              <a:t> is the only true full-duplex connection transport. </a:t>
+            </a:r>
+            <a:r>
+              <a:rPr lang="en-US" baseline="0" smtClean="0"/>
+              <a:t>All other transports listed here use the technique/technology named for the incoming data from the server, and standard AJAX POSTS for sends from the client to the server.</a:t>
+            </a:r>
+            <a:endParaRPr lang="en-US" smtClean="0"/>
+          </a:p>
+          <a:p>
             <a:endParaRPr lang="en-US" dirty="0"/>
           </a:p>
         </p:txBody>
@@ -1118,7 +1183,7 @@
           <a:p>
             <a:fld id="{E76AAE11-CCE4-491F-9A3B-35EA6902E85C}" type="slidenum">
               <a:rPr lang="en-US" smtClean="0"/>
-              <a:t>20</a:t>
+              <a:t>15</a:t>
             </a:fld>
             <a:endParaRPr lang="en-US"/>
           </a:p>
@@ -1181,7 +1246,161 @@
           <a:bodyPr/>
           <a:lstStyle/>
           <a:p>
-            <a:endParaRPr lang="en-US" dirty="0"/>
+            <a:pPr marL="0" marR="0" indent="0" algn="l" defTabSz="914400" rtl="0" eaLnBrk="1" fontAlgn="auto" latinLnBrk="0" hangingPunct="1">
+              <a:lnSpc>
+                <a:spcPct val="100000"/>
+              </a:lnSpc>
+              <a:spcBef>
+                <a:spcPts val="0"/>
+              </a:spcBef>
+              <a:spcAft>
+                <a:spcPts val="0"/>
+              </a:spcAft>
+              <a:buClrTx/>
+              <a:buSzTx/>
+              <a:buFontTx/>
+              <a:buNone/>
+              <a:tabLst/>
+              <a:defRPr/>
+            </a:pPr>
+            <a:r>
+              <a:rPr lang="en-US" dirty="0" smtClean="0"/>
+              <a:t>GET request</a:t>
+            </a:r>
+          </a:p>
+          <a:p>
+            <a:pPr marL="0" marR="0" indent="0" algn="l" defTabSz="914400" rtl="0" eaLnBrk="1" fontAlgn="auto" latinLnBrk="0" hangingPunct="1">
+              <a:lnSpc>
+                <a:spcPct val="100000"/>
+              </a:lnSpc>
+              <a:spcBef>
+                <a:spcPts val="0"/>
+              </a:spcBef>
+              <a:spcAft>
+                <a:spcPts val="0"/>
+              </a:spcAft>
+              <a:buClrTx/>
+              <a:buSzTx/>
+              <a:buFontTx/>
+              <a:buNone/>
+              <a:tabLst/>
+              <a:defRPr/>
+            </a:pPr>
+            <a:r>
+              <a:rPr lang="en-US" dirty="0" smtClean="0"/>
+              <a:t/>
+            </a:r>
+            <a:br>
+              <a:rPr lang="en-US" dirty="0" smtClean="0"/>
+            </a:br>
+            <a:r>
+              <a:rPr lang="en-US" dirty="0" smtClean="0"/>
+              <a:t>Raw connection, like a TCP socket.</a:t>
+            </a:r>
+            <a:r>
+              <a:rPr lang="en-US" baseline="0" dirty="0" smtClean="0"/>
+              <a:t> Very little overhead.</a:t>
+            </a:r>
+            <a:endParaRPr lang="en-US" dirty="0" smtClean="0"/>
+          </a:p>
+          <a:p>
+            <a:pPr marL="0" marR="0" indent="0" algn="l" defTabSz="914400" rtl="0" eaLnBrk="1" fontAlgn="auto" latinLnBrk="0" hangingPunct="1">
+              <a:lnSpc>
+                <a:spcPct val="100000"/>
+              </a:lnSpc>
+              <a:spcBef>
+                <a:spcPts val="0"/>
+              </a:spcBef>
+              <a:spcAft>
+                <a:spcPts val="0"/>
+              </a:spcAft>
+              <a:buClrTx/>
+              <a:buSzTx/>
+              <a:buFontTx/>
+              <a:buNone/>
+              <a:tabLst/>
+              <a:defRPr/>
+            </a:pPr>
+            <a:endParaRPr lang="en-US" dirty="0" smtClean="0"/>
+          </a:p>
+          <a:p>
+            <a:pPr marL="0" marR="0" indent="0" algn="l" defTabSz="914400" rtl="0" eaLnBrk="1" fontAlgn="auto" latinLnBrk="0" hangingPunct="1">
+              <a:lnSpc>
+                <a:spcPct val="100000"/>
+              </a:lnSpc>
+              <a:spcBef>
+                <a:spcPts val="0"/>
+              </a:spcBef>
+              <a:spcAft>
+                <a:spcPts val="0"/>
+              </a:spcAft>
+              <a:buClrTx/>
+              <a:buSzTx/>
+              <a:buFontTx/>
+              <a:buNone/>
+              <a:tabLst/>
+              <a:defRPr/>
+            </a:pPr>
+            <a:r>
+              <a:rPr lang="en-US" dirty="0" smtClean="0"/>
+              <a:t>Everything</a:t>
+            </a:r>
+            <a:r>
+              <a:rPr lang="en-US" baseline="0" dirty="0" smtClean="0"/>
+              <a:t> between your browser and the server, which can be endless, firewalls, routers, etc. has to understand </a:t>
+            </a:r>
+            <a:r>
+              <a:rPr lang="en-US" baseline="0" dirty="0" err="1" smtClean="0"/>
+              <a:t>websocket</a:t>
+            </a:r>
+            <a:r>
+              <a:rPr lang="en-US" baseline="0" dirty="0" smtClean="0"/>
+              <a:t> protocol.  That</a:t>
+            </a:r>
+          </a:p>
+          <a:p>
+            <a:pPr marL="0" marR="0" indent="0" algn="l" defTabSz="914400" rtl="0" eaLnBrk="1" fontAlgn="auto" latinLnBrk="0" hangingPunct="1">
+              <a:lnSpc>
+                <a:spcPct val="100000"/>
+              </a:lnSpc>
+              <a:spcBef>
+                <a:spcPts val="0"/>
+              </a:spcBef>
+              <a:spcAft>
+                <a:spcPts val="0"/>
+              </a:spcAft>
+              <a:buClrTx/>
+              <a:buSzTx/>
+              <a:buFontTx/>
+              <a:buNone/>
+              <a:tabLst/>
+              <a:defRPr/>
+            </a:pPr>
+            <a:r>
+              <a:rPr lang="en-US" baseline="0" dirty="0" smtClean="0"/>
+              <a:t>Will take a while…big implications, security etc.</a:t>
+            </a:r>
+            <a:endParaRPr lang="en-US" dirty="0" smtClean="0"/>
+          </a:p>
+          <a:p>
+            <a:pPr marL="0" marR="0" indent="0" algn="l" defTabSz="914400" rtl="0" eaLnBrk="1" fontAlgn="auto" latinLnBrk="0" hangingPunct="1">
+              <a:lnSpc>
+                <a:spcPct val="100000"/>
+              </a:lnSpc>
+              <a:spcBef>
+                <a:spcPts val="0"/>
+              </a:spcBef>
+              <a:spcAft>
+                <a:spcPts val="0"/>
+              </a:spcAft>
+              <a:buClrTx/>
+              <a:buSzTx/>
+              <a:buFontTx/>
+              <a:buNone/>
+              <a:tabLst/>
+              <a:defRPr/>
+            </a:pPr>
+            <a:endParaRPr lang="en-US" dirty="0" smtClean="0"/>
           </a:p>
         </p:txBody>
       </p:sp>
@@ -1202,7 +1421,7 @@
           <a:p>
             <a:fld id="{E76AAE11-CCE4-491F-9A3B-35EA6902E85C}" type="slidenum">
               <a:rPr lang="en-US" smtClean="0"/>
-              <a:t>22</a:t>
+              <a:t>17</a:t>
             </a:fld>
             <a:endParaRPr lang="en-US"/>
           </a:p>
@@ -1211,7 +1430,7 @@
     </p:spTree>
     <p:extLst>
       <p:ext uri="{BB962C8B-B14F-4D97-AF65-F5344CB8AC3E}">
-        <p14:creationId xmlns:p14="http://schemas.microsoft.com/office/powerpoint/2010/main" val="3615951867"/>
+        <p14:creationId xmlns:p14="http://schemas.microsoft.com/office/powerpoint/2010/main" val="374496698"/>
       </p:ext>
     </p:extLst>
   </p:cSld>
@@ -1265,7 +1484,161 @@
           <a:bodyPr/>
           <a:lstStyle/>
           <a:p>
-            <a:endParaRPr lang="en-US" dirty="0"/>
+            <a:pPr marL="0" marR="0" indent="0" algn="l" defTabSz="914400" rtl="0" eaLnBrk="1" fontAlgn="auto" latinLnBrk="0" hangingPunct="1">
+              <a:lnSpc>
+                <a:spcPct val="100000"/>
+              </a:lnSpc>
+              <a:spcBef>
+                <a:spcPts val="0"/>
+              </a:spcBef>
+              <a:spcAft>
+                <a:spcPts val="0"/>
+              </a:spcAft>
+              <a:buClrTx/>
+              <a:buSzTx/>
+              <a:buFontTx/>
+              <a:buNone/>
+              <a:tabLst/>
+              <a:defRPr/>
+            </a:pPr>
+            <a:r>
+              <a:rPr lang="en-US" dirty="0" smtClean="0"/>
+              <a:t>GET request</a:t>
+            </a:r>
+          </a:p>
+          <a:p>
+            <a:pPr marL="0" marR="0" indent="0" algn="l" defTabSz="914400" rtl="0" eaLnBrk="1" fontAlgn="auto" latinLnBrk="0" hangingPunct="1">
+              <a:lnSpc>
+                <a:spcPct val="100000"/>
+              </a:lnSpc>
+              <a:spcBef>
+                <a:spcPts val="0"/>
+              </a:spcBef>
+              <a:spcAft>
+                <a:spcPts val="0"/>
+              </a:spcAft>
+              <a:buClrTx/>
+              <a:buSzTx/>
+              <a:buFontTx/>
+              <a:buNone/>
+              <a:tabLst/>
+              <a:defRPr/>
+            </a:pPr>
+            <a:r>
+              <a:rPr lang="en-US" dirty="0" smtClean="0"/>
+              <a:t/>
+            </a:r>
+            <a:br>
+              <a:rPr lang="en-US" dirty="0" smtClean="0"/>
+            </a:br>
+            <a:r>
+              <a:rPr lang="en-US" dirty="0" smtClean="0"/>
+              <a:t>Raw connection, like a TCP socket.</a:t>
+            </a:r>
+            <a:r>
+              <a:rPr lang="en-US" baseline="0" dirty="0" smtClean="0"/>
+              <a:t> Very little overhead.</a:t>
+            </a:r>
+            <a:endParaRPr lang="en-US" dirty="0" smtClean="0"/>
+          </a:p>
+          <a:p>
+            <a:pPr marL="0" marR="0" indent="0" algn="l" defTabSz="914400" rtl="0" eaLnBrk="1" fontAlgn="auto" latinLnBrk="0" hangingPunct="1">
+              <a:lnSpc>
+                <a:spcPct val="100000"/>
+              </a:lnSpc>
+              <a:spcBef>
+                <a:spcPts val="0"/>
+              </a:spcBef>
+              <a:spcAft>
+                <a:spcPts val="0"/>
+              </a:spcAft>
+              <a:buClrTx/>
+              <a:buSzTx/>
+              <a:buFontTx/>
+              <a:buNone/>
+              <a:tabLst/>
+              <a:defRPr/>
+            </a:pPr>
+            <a:endParaRPr lang="en-US" dirty="0" smtClean="0"/>
+          </a:p>
+          <a:p>
+            <a:pPr marL="0" marR="0" indent="0" algn="l" defTabSz="914400" rtl="0" eaLnBrk="1" fontAlgn="auto" latinLnBrk="0" hangingPunct="1">
+              <a:lnSpc>
+                <a:spcPct val="100000"/>
+              </a:lnSpc>
+              <a:spcBef>
+                <a:spcPts val="0"/>
+              </a:spcBef>
+              <a:spcAft>
+                <a:spcPts val="0"/>
+              </a:spcAft>
+              <a:buClrTx/>
+              <a:buSzTx/>
+              <a:buFontTx/>
+              <a:buNone/>
+              <a:tabLst/>
+              <a:defRPr/>
+            </a:pPr>
+            <a:r>
+              <a:rPr lang="en-US" dirty="0" smtClean="0"/>
+              <a:t>Everything</a:t>
+            </a:r>
+            <a:r>
+              <a:rPr lang="en-US" baseline="0" dirty="0" smtClean="0"/>
+              <a:t> between your browser and the server, which can be endless, firewalls, routers, etc. has to understand </a:t>
+            </a:r>
+            <a:r>
+              <a:rPr lang="en-US" baseline="0" dirty="0" err="1" smtClean="0"/>
+              <a:t>websocket</a:t>
+            </a:r>
+            <a:r>
+              <a:rPr lang="en-US" baseline="0" dirty="0" smtClean="0"/>
+              <a:t> protocol.  That</a:t>
+            </a:r>
+          </a:p>
+          <a:p>
+            <a:pPr marL="0" marR="0" indent="0" algn="l" defTabSz="914400" rtl="0" eaLnBrk="1" fontAlgn="auto" latinLnBrk="0" hangingPunct="1">
+              <a:lnSpc>
+                <a:spcPct val="100000"/>
+              </a:lnSpc>
+              <a:spcBef>
+                <a:spcPts val="0"/>
+              </a:spcBef>
+              <a:spcAft>
+                <a:spcPts val="0"/>
+              </a:spcAft>
+              <a:buClrTx/>
+              <a:buSzTx/>
+              <a:buFontTx/>
+              <a:buNone/>
+              <a:tabLst/>
+              <a:defRPr/>
+            </a:pPr>
+            <a:r>
+              <a:rPr lang="en-US" baseline="0" dirty="0" smtClean="0"/>
+              <a:t>Will take a while…big implications, security etc.</a:t>
+            </a:r>
+            <a:endParaRPr lang="en-US" dirty="0" smtClean="0"/>
+          </a:p>
+          <a:p>
+            <a:pPr marL="0" marR="0" indent="0" algn="l" defTabSz="914400" rtl="0" eaLnBrk="1" fontAlgn="auto" latinLnBrk="0" hangingPunct="1">
+              <a:lnSpc>
+                <a:spcPct val="100000"/>
+              </a:lnSpc>
+              <a:spcBef>
+                <a:spcPts val="0"/>
+              </a:spcBef>
+              <a:spcAft>
+                <a:spcPts val="0"/>
+              </a:spcAft>
+              <a:buClrTx/>
+              <a:buSzTx/>
+              <a:buFontTx/>
+              <a:buNone/>
+              <a:tabLst/>
+              <a:defRPr/>
+            </a:pPr>
+            <a:endParaRPr lang="en-US" dirty="0" smtClean="0"/>
           </a:p>
         </p:txBody>
       </p:sp>
@@ -1286,7 +1659,7 @@
           <a:p>
             <a:fld id="{E76AAE11-CCE4-491F-9A3B-35EA6902E85C}" type="slidenum">
               <a:rPr lang="en-US" smtClean="0"/>
-              <a:t>24</a:t>
+              <a:t>20</a:t>
             </a:fld>
             <a:endParaRPr lang="en-US"/>
           </a:p>
@@ -1349,7 +1722,161 @@
           <a:bodyPr/>
           <a:lstStyle/>
           <a:p>
-            <a:endParaRPr lang="en-US" dirty="0"/>
+            <a:pPr marL="0" marR="0" indent="0" algn="l" defTabSz="914400" rtl="0" eaLnBrk="1" fontAlgn="auto" latinLnBrk="0" hangingPunct="1">
+              <a:lnSpc>
+                <a:spcPct val="100000"/>
+              </a:lnSpc>
+              <a:spcBef>
+                <a:spcPts val="0"/>
+              </a:spcBef>
+              <a:spcAft>
+                <a:spcPts val="0"/>
+              </a:spcAft>
+              <a:buClrTx/>
+              <a:buSzTx/>
+              <a:buFontTx/>
+              <a:buNone/>
+              <a:tabLst/>
+              <a:defRPr/>
+            </a:pPr>
+            <a:r>
+              <a:rPr lang="en-US" dirty="0" smtClean="0"/>
+              <a:t>GET request</a:t>
+            </a:r>
+          </a:p>
+          <a:p>
+            <a:pPr marL="0" marR="0" indent="0" algn="l" defTabSz="914400" rtl="0" eaLnBrk="1" fontAlgn="auto" latinLnBrk="0" hangingPunct="1">
+              <a:lnSpc>
+                <a:spcPct val="100000"/>
+              </a:lnSpc>
+              <a:spcBef>
+                <a:spcPts val="0"/>
+              </a:spcBef>
+              <a:spcAft>
+                <a:spcPts val="0"/>
+              </a:spcAft>
+              <a:buClrTx/>
+              <a:buSzTx/>
+              <a:buFontTx/>
+              <a:buNone/>
+              <a:tabLst/>
+              <a:defRPr/>
+            </a:pPr>
+            <a:r>
+              <a:rPr lang="en-US" dirty="0" smtClean="0"/>
+              <a:t/>
+            </a:r>
+            <a:br>
+              <a:rPr lang="en-US" dirty="0" smtClean="0"/>
+            </a:br>
+            <a:r>
+              <a:rPr lang="en-US" dirty="0" smtClean="0"/>
+              <a:t>Raw connection, like a TCP socket.</a:t>
+            </a:r>
+            <a:r>
+              <a:rPr lang="en-US" baseline="0" dirty="0" smtClean="0"/>
+              <a:t> Very little overhead.</a:t>
+            </a:r>
+            <a:endParaRPr lang="en-US" dirty="0" smtClean="0"/>
+          </a:p>
+          <a:p>
+            <a:pPr marL="0" marR="0" indent="0" algn="l" defTabSz="914400" rtl="0" eaLnBrk="1" fontAlgn="auto" latinLnBrk="0" hangingPunct="1">
+              <a:lnSpc>
+                <a:spcPct val="100000"/>
+              </a:lnSpc>
+              <a:spcBef>
+                <a:spcPts val="0"/>
+              </a:spcBef>
+              <a:spcAft>
+                <a:spcPts val="0"/>
+              </a:spcAft>
+              <a:buClrTx/>
+              <a:buSzTx/>
+              <a:buFontTx/>
+              <a:buNone/>
+              <a:tabLst/>
+              <a:defRPr/>
+            </a:pPr>
+            <a:endParaRPr lang="en-US" dirty="0" smtClean="0"/>
+          </a:p>
+          <a:p>
+            <a:pPr marL="0" marR="0" indent="0" algn="l" defTabSz="914400" rtl="0" eaLnBrk="1" fontAlgn="auto" latinLnBrk="0" hangingPunct="1">
+              <a:lnSpc>
+                <a:spcPct val="100000"/>
+              </a:lnSpc>
+              <a:spcBef>
+                <a:spcPts val="0"/>
+              </a:spcBef>
+              <a:spcAft>
+                <a:spcPts val="0"/>
+              </a:spcAft>
+              <a:buClrTx/>
+              <a:buSzTx/>
+              <a:buFontTx/>
+              <a:buNone/>
+              <a:tabLst/>
+              <a:defRPr/>
+            </a:pPr>
+            <a:r>
+              <a:rPr lang="en-US" dirty="0" smtClean="0"/>
+              <a:t>Everything</a:t>
+            </a:r>
+            <a:r>
+              <a:rPr lang="en-US" baseline="0" dirty="0" smtClean="0"/>
+              <a:t> between your browser and the server, which can be endless, firewalls, routers, etc. has to understand </a:t>
+            </a:r>
+            <a:r>
+              <a:rPr lang="en-US" baseline="0" dirty="0" err="1" smtClean="0"/>
+              <a:t>websocket</a:t>
+            </a:r>
+            <a:r>
+              <a:rPr lang="en-US" baseline="0" dirty="0" smtClean="0"/>
+              <a:t> protocol.  That</a:t>
+            </a:r>
+          </a:p>
+          <a:p>
+            <a:pPr marL="0" marR="0" indent="0" algn="l" defTabSz="914400" rtl="0" eaLnBrk="1" fontAlgn="auto" latinLnBrk="0" hangingPunct="1">
+              <a:lnSpc>
+                <a:spcPct val="100000"/>
+              </a:lnSpc>
+              <a:spcBef>
+                <a:spcPts val="0"/>
+              </a:spcBef>
+              <a:spcAft>
+                <a:spcPts val="0"/>
+              </a:spcAft>
+              <a:buClrTx/>
+              <a:buSzTx/>
+              <a:buFontTx/>
+              <a:buNone/>
+              <a:tabLst/>
+              <a:defRPr/>
+            </a:pPr>
+            <a:r>
+              <a:rPr lang="en-US" baseline="0" dirty="0" smtClean="0"/>
+              <a:t>Will take a while…big implications, security etc.</a:t>
+            </a:r>
+            <a:endParaRPr lang="en-US" dirty="0" smtClean="0"/>
+          </a:p>
+          <a:p>
+            <a:pPr marL="0" marR="0" indent="0" algn="l" defTabSz="914400" rtl="0" eaLnBrk="1" fontAlgn="auto" latinLnBrk="0" hangingPunct="1">
+              <a:lnSpc>
+                <a:spcPct val="100000"/>
+              </a:lnSpc>
+              <a:spcBef>
+                <a:spcPts val="0"/>
+              </a:spcBef>
+              <a:spcAft>
+                <a:spcPts val="0"/>
+              </a:spcAft>
+              <a:buClrTx/>
+              <a:buSzTx/>
+              <a:buFontTx/>
+              <a:buNone/>
+              <a:tabLst/>
+              <a:defRPr/>
+            </a:pPr>
+            <a:endParaRPr lang="en-US" dirty="0" smtClean="0"/>
           </a:p>
         </p:txBody>
       </p:sp>
@@ -1370,7 +1897,447 @@
           <a:p>
             <a:fld id="{E76AAE11-CCE4-491F-9A3B-35EA6902E85C}" type="slidenum">
               <a:rPr lang="en-US" smtClean="0"/>
+              <a:t>21</a:t>
+            </a:fld>
+            <a:endParaRPr lang="en-US"/>
+          </a:p>
+        </p:txBody>
+      </p:sp>
+    </p:spTree>
+    <p:extLst>
+      <p:ext uri="{BB962C8B-B14F-4D97-AF65-F5344CB8AC3E}">
+        <p14:creationId xmlns:p14="http://schemas.microsoft.com/office/powerpoint/2010/main" val="374496698"/>
+      </p:ext>
+    </p:extLst>
+  </p:cSld>
+  <p:clrMapOvr>
+    <a:masterClrMapping/>
+  </p:clrMapOvr>
+</p:notes>
+</file>
+
+<file path=ppt/notesSlides/notesSlide16.xml><?xml version="1.0" encoding="utf-8"?>
+<p:notes xmlns:a="http://schemas.openxmlformats.org/drawingml/2006/main" xmlns:r="http://schemas.openxmlformats.org/officeDocument/2006/relationships" xmlns:p="http://schemas.openxmlformats.org/presentationml/2006/main">
+  <p:cSld>
+    <p:spTree>
+      <p:nvGrpSpPr>
+        <p:cNvPr id="1" name=""/>
+        <p:cNvGrpSpPr/>
+        <p:nvPr/>
+      </p:nvGrpSpPr>
+      <p:grpSpPr>
+        <a:xfrm>
+          <a:off x="0" y="0"/>
+          <a:ext cx="0" cy="0"/>
+          <a:chOff x="0" y="0"/>
+          <a:chExt cx="0" cy="0"/>
+        </a:xfrm>
+      </p:grpSpPr>
+      <p:sp>
+        <p:nvSpPr>
+          <p:cNvPr id="2" name="Slide Image Placeholder 1"/>
+          <p:cNvSpPr>
+            <a:spLocks noGrp="1" noRot="1" noChangeAspect="1"/>
+          </p:cNvSpPr>
+          <p:nvPr>
+            <p:ph type="sldImg"/>
+          </p:nvPr>
+        </p:nvSpPr>
+        <p:spPr/>
+      </p:sp>
+      <p:sp>
+        <p:nvSpPr>
+          <p:cNvPr id="3" name="Notes Placeholder 2"/>
+          <p:cNvSpPr>
+            <a:spLocks noGrp="1"/>
+          </p:cNvSpPr>
+          <p:nvPr>
+            <p:ph type="body" idx="1"/>
+          </p:nvPr>
+        </p:nvSpPr>
+        <p:spPr/>
+        <p:txBody>
+          <a:bodyPr/>
+          <a:lstStyle/>
+          <a:p>
+            <a:r>
+              <a:rPr lang="en-US" dirty="0" err="1" smtClean="0"/>
+              <a:t>SignalR</a:t>
+            </a:r>
+            <a:r>
+              <a:rPr lang="en-US" dirty="0" smtClean="0"/>
+              <a:t> uses a fallback mechanism to connect the browser to the server. After an initial </a:t>
+            </a:r>
+            <a:r>
+              <a:rPr lang="en-US" dirty="0" err="1" smtClean="0"/>
+              <a:t>negotioatin</a:t>
+            </a:r>
+            <a:r>
+              <a:rPr lang="en-US" dirty="0" smtClean="0"/>
+              <a:t> request the following transports are </a:t>
+            </a:r>
+            <a:r>
+              <a:rPr lang="en-US" dirty="0" err="1" smtClean="0"/>
+              <a:t>triedi</a:t>
+            </a:r>
+            <a:r>
+              <a:rPr lang="en-US" dirty="0" smtClean="0"/>
+              <a:t> n order until a successful connection can be made.</a:t>
+            </a:r>
+          </a:p>
+          <a:p>
+            <a:r>
+              <a:rPr lang="en-US" dirty="0" smtClean="0"/>
+              <a:t/>
+            </a:r>
+            <a:br>
+              <a:rPr lang="en-US" dirty="0" smtClean="0"/>
+            </a:br>
+            <a:r>
+              <a:rPr lang="en-US" dirty="0" smtClean="0"/>
+              <a:t>1.  </a:t>
+            </a:r>
+            <a:r>
+              <a:rPr lang="en-US" dirty="0" err="1" smtClean="0"/>
+              <a:t>WebSockets</a:t>
+            </a:r>
+            <a:r>
+              <a:rPr lang="en-US" dirty="0" smtClean="0"/>
+              <a:t> (if both</a:t>
+            </a:r>
+            <a:r>
+              <a:rPr lang="en-US" baseline="0" dirty="0" smtClean="0"/>
+              <a:t> the server and browser indicate they can support </a:t>
+            </a:r>
+            <a:r>
+              <a:rPr lang="en-US" baseline="0" dirty="0" err="1" smtClean="0"/>
+              <a:t>websockets</a:t>
+            </a:r>
+            <a:r>
+              <a:rPr lang="en-US" baseline="0" dirty="0" smtClean="0"/>
+              <a:t>)</a:t>
+            </a:r>
+          </a:p>
+          <a:p>
+            <a:r>
+              <a:rPr lang="en-US" baseline="0" dirty="0" smtClean="0"/>
+              <a:t>2. Server Sent events, aka </a:t>
+            </a:r>
+            <a:r>
+              <a:rPr lang="en-US" baseline="0" dirty="0" err="1" smtClean="0"/>
+              <a:t>EventSource</a:t>
+            </a:r>
+            <a:r>
+              <a:rPr lang="en-US" baseline="0" dirty="0" smtClean="0"/>
+              <a:t> (if the browser supports Server Sent Events, </a:t>
+            </a:r>
+            <a:r>
+              <a:rPr lang="en-US" baseline="0" dirty="0" err="1" smtClean="0"/>
+              <a:t>whichi</a:t>
+            </a:r>
+            <a:r>
+              <a:rPr lang="en-US" baseline="0" dirty="0" smtClean="0"/>
+              <a:t> s basically all browsers except Internet Explorer)</a:t>
+            </a:r>
+          </a:p>
+          <a:p>
+            <a:r>
+              <a:rPr lang="en-US" baseline="0" dirty="0" smtClean="0"/>
+              <a:t>3. Forever Frame (for Internet explorer only)</a:t>
+            </a:r>
+          </a:p>
+          <a:p>
+            <a:r>
+              <a:rPr lang="en-US" baseline="0" dirty="0" smtClean="0"/>
+              <a:t>4. Ajax long polling</a:t>
+            </a:r>
+          </a:p>
+          <a:p>
+            <a:endParaRPr lang="en-US" baseline="0" dirty="0" smtClean="0"/>
+          </a:p>
+          <a:p>
+            <a:r>
+              <a:rPr lang="en-US" baseline="0" dirty="0" err="1" smtClean="0"/>
+              <a:t>WebSockets</a:t>
+            </a:r>
+            <a:r>
+              <a:rPr lang="en-US" baseline="0" dirty="0" smtClean="0"/>
+              <a:t> is the only true full-duplex connection transport. All other transports listed here use the technique/technology named for the incoming data from the server, and standard AJAX POSTS for sends from the client to the server.</a:t>
+            </a:r>
+            <a:endParaRPr lang="en-US" dirty="0"/>
+          </a:p>
+        </p:txBody>
+      </p:sp>
+      <p:sp>
+        <p:nvSpPr>
+          <p:cNvPr id="4" name="Slide Number Placeholder 3"/>
+          <p:cNvSpPr>
+            <a:spLocks noGrp="1"/>
+          </p:cNvSpPr>
+          <p:nvPr>
+            <p:ph type="sldNum" sz="quarter" idx="10"/>
+          </p:nvPr>
+        </p:nvSpPr>
+        <p:spPr/>
+        <p:txBody>
+          <a:bodyPr/>
+          <a:lstStyle/>
+          <a:p>
+            <a:fld id="{E76AAE11-CCE4-491F-9A3B-35EA6902E85C}" type="slidenum">
+              <a:rPr lang="en-US" smtClean="0"/>
+              <a:t>23</a:t>
+            </a:fld>
+            <a:endParaRPr lang="en-US"/>
+          </a:p>
+        </p:txBody>
+      </p:sp>
+    </p:spTree>
+    <p:extLst>
+      <p:ext uri="{BB962C8B-B14F-4D97-AF65-F5344CB8AC3E}">
+        <p14:creationId xmlns:p14="http://schemas.microsoft.com/office/powerpoint/2010/main" val="374496698"/>
+      </p:ext>
+    </p:extLst>
+  </p:cSld>
+  <p:clrMapOvr>
+    <a:masterClrMapping/>
+  </p:clrMapOvr>
+</p:notes>
+</file>
+
+<file path=ppt/notesSlides/notesSlide17.xml><?xml version="1.0" encoding="utf-8"?>
+<p:notes xmlns:a="http://schemas.openxmlformats.org/drawingml/2006/main" xmlns:r="http://schemas.openxmlformats.org/officeDocument/2006/relationships" xmlns:p="http://schemas.openxmlformats.org/presentationml/2006/main">
+  <p:cSld>
+    <p:spTree>
+      <p:nvGrpSpPr>
+        <p:cNvPr id="1" name=""/>
+        <p:cNvGrpSpPr/>
+        <p:nvPr/>
+      </p:nvGrpSpPr>
+      <p:grpSpPr>
+        <a:xfrm>
+          <a:off x="0" y="0"/>
+          <a:ext cx="0" cy="0"/>
+          <a:chOff x="0" y="0"/>
+          <a:chExt cx="0" cy="0"/>
+        </a:xfrm>
+      </p:grpSpPr>
+      <p:sp>
+        <p:nvSpPr>
+          <p:cNvPr id="2" name="Slide Image Placeholder 1"/>
+          <p:cNvSpPr>
+            <a:spLocks noGrp="1" noRot="1" noChangeAspect="1"/>
+          </p:cNvSpPr>
+          <p:nvPr>
+            <p:ph type="sldImg"/>
+          </p:nvPr>
+        </p:nvSpPr>
+        <p:spPr/>
+      </p:sp>
+      <p:sp>
+        <p:nvSpPr>
+          <p:cNvPr id="3" name="Notes Placeholder 2"/>
+          <p:cNvSpPr>
+            <a:spLocks noGrp="1"/>
+          </p:cNvSpPr>
+          <p:nvPr>
+            <p:ph type="body" idx="1"/>
+          </p:nvPr>
+        </p:nvSpPr>
+        <p:spPr/>
+        <p:txBody>
+          <a:bodyPr/>
+          <a:lstStyle/>
+          <a:p>
+            <a:endParaRPr lang="en-US" dirty="0"/>
+          </a:p>
+        </p:txBody>
+      </p:sp>
+      <p:sp>
+        <p:nvSpPr>
+          <p:cNvPr id="4" name="Slide Number Placeholder 3"/>
+          <p:cNvSpPr>
+            <a:spLocks noGrp="1"/>
+          </p:cNvSpPr>
+          <p:nvPr>
+            <p:ph type="sldNum" sz="quarter" idx="10"/>
+          </p:nvPr>
+        </p:nvSpPr>
+        <p:spPr/>
+        <p:txBody>
+          <a:bodyPr/>
+          <a:lstStyle/>
+          <a:p>
+            <a:fld id="{E76AAE11-CCE4-491F-9A3B-35EA6902E85C}" type="slidenum">
+              <a:rPr lang="en-US" smtClean="0"/>
               <a:t>25</a:t>
+            </a:fld>
+            <a:endParaRPr lang="en-US"/>
+          </a:p>
+        </p:txBody>
+      </p:sp>
+    </p:spTree>
+    <p:extLst>
+      <p:ext uri="{BB962C8B-B14F-4D97-AF65-F5344CB8AC3E}">
+        <p14:creationId xmlns:p14="http://schemas.microsoft.com/office/powerpoint/2010/main" val="3615951867"/>
+      </p:ext>
+    </p:extLst>
+  </p:cSld>
+  <p:clrMapOvr>
+    <a:masterClrMapping/>
+  </p:clrMapOvr>
+</p:notes>
+</file>
+
+<file path=ppt/notesSlides/notesSlide18.xml><?xml version="1.0" encoding="utf-8"?>
+<p:notes xmlns:a="http://schemas.openxmlformats.org/drawingml/2006/main" xmlns:r="http://schemas.openxmlformats.org/officeDocument/2006/relationships" xmlns:p="http://schemas.openxmlformats.org/presentationml/2006/main">
+  <p:cSld>
+    <p:spTree>
+      <p:nvGrpSpPr>
+        <p:cNvPr id="1" name=""/>
+        <p:cNvGrpSpPr/>
+        <p:nvPr/>
+      </p:nvGrpSpPr>
+      <p:grpSpPr>
+        <a:xfrm>
+          <a:off x="0" y="0"/>
+          <a:ext cx="0" cy="0"/>
+          <a:chOff x="0" y="0"/>
+          <a:chExt cx="0" cy="0"/>
+        </a:xfrm>
+      </p:grpSpPr>
+      <p:sp>
+        <p:nvSpPr>
+          <p:cNvPr id="2" name="Slide Image Placeholder 1"/>
+          <p:cNvSpPr>
+            <a:spLocks noGrp="1" noRot="1" noChangeAspect="1"/>
+          </p:cNvSpPr>
+          <p:nvPr>
+            <p:ph type="sldImg"/>
+          </p:nvPr>
+        </p:nvSpPr>
+        <p:spPr/>
+      </p:sp>
+      <p:sp>
+        <p:nvSpPr>
+          <p:cNvPr id="3" name="Notes Placeholder 2"/>
+          <p:cNvSpPr>
+            <a:spLocks noGrp="1"/>
+          </p:cNvSpPr>
+          <p:nvPr>
+            <p:ph type="body" idx="1"/>
+          </p:nvPr>
+        </p:nvSpPr>
+        <p:spPr/>
+        <p:txBody>
+          <a:bodyPr/>
+          <a:lstStyle/>
+          <a:p>
+            <a:endParaRPr lang="en-US" dirty="0"/>
+          </a:p>
+        </p:txBody>
+      </p:sp>
+      <p:sp>
+        <p:nvSpPr>
+          <p:cNvPr id="4" name="Slide Number Placeholder 3"/>
+          <p:cNvSpPr>
+            <a:spLocks noGrp="1"/>
+          </p:cNvSpPr>
+          <p:nvPr>
+            <p:ph type="sldNum" sz="quarter" idx="10"/>
+          </p:nvPr>
+        </p:nvSpPr>
+        <p:spPr/>
+        <p:txBody>
+          <a:bodyPr/>
+          <a:lstStyle/>
+          <a:p>
+            <a:fld id="{E76AAE11-CCE4-491F-9A3B-35EA6902E85C}" type="slidenum">
+              <a:rPr lang="en-US" smtClean="0"/>
+              <a:t>27</a:t>
+            </a:fld>
+            <a:endParaRPr lang="en-US"/>
+          </a:p>
+        </p:txBody>
+      </p:sp>
+    </p:spTree>
+    <p:extLst>
+      <p:ext uri="{BB962C8B-B14F-4D97-AF65-F5344CB8AC3E}">
+        <p14:creationId xmlns:p14="http://schemas.microsoft.com/office/powerpoint/2010/main" val="374496698"/>
+      </p:ext>
+    </p:extLst>
+  </p:cSld>
+  <p:clrMapOvr>
+    <a:masterClrMapping/>
+  </p:clrMapOvr>
+</p:notes>
+</file>
+
+<file path=ppt/notesSlides/notesSlide19.xml><?xml version="1.0" encoding="utf-8"?>
+<p:notes xmlns:a="http://schemas.openxmlformats.org/drawingml/2006/main" xmlns:r="http://schemas.openxmlformats.org/officeDocument/2006/relationships" xmlns:p="http://schemas.openxmlformats.org/presentationml/2006/main">
+  <p:cSld>
+    <p:spTree>
+      <p:nvGrpSpPr>
+        <p:cNvPr id="1" name=""/>
+        <p:cNvGrpSpPr/>
+        <p:nvPr/>
+      </p:nvGrpSpPr>
+      <p:grpSpPr>
+        <a:xfrm>
+          <a:off x="0" y="0"/>
+          <a:ext cx="0" cy="0"/>
+          <a:chOff x="0" y="0"/>
+          <a:chExt cx="0" cy="0"/>
+        </a:xfrm>
+      </p:grpSpPr>
+      <p:sp>
+        <p:nvSpPr>
+          <p:cNvPr id="2" name="Slide Image Placeholder 1"/>
+          <p:cNvSpPr>
+            <a:spLocks noGrp="1" noRot="1" noChangeAspect="1"/>
+          </p:cNvSpPr>
+          <p:nvPr>
+            <p:ph type="sldImg"/>
+          </p:nvPr>
+        </p:nvSpPr>
+        <p:spPr/>
+      </p:sp>
+      <p:sp>
+        <p:nvSpPr>
+          <p:cNvPr id="3" name="Notes Placeholder 2"/>
+          <p:cNvSpPr>
+            <a:spLocks noGrp="1"/>
+          </p:cNvSpPr>
+          <p:nvPr>
+            <p:ph type="body" idx="1"/>
+          </p:nvPr>
+        </p:nvSpPr>
+        <p:spPr/>
+        <p:txBody>
+          <a:bodyPr/>
+          <a:lstStyle/>
+          <a:p>
+            <a:endParaRPr lang="en-US" dirty="0"/>
+          </a:p>
+        </p:txBody>
+      </p:sp>
+      <p:sp>
+        <p:nvSpPr>
+          <p:cNvPr id="4" name="Slide Number Placeholder 3"/>
+          <p:cNvSpPr>
+            <a:spLocks noGrp="1"/>
+          </p:cNvSpPr>
+          <p:nvPr>
+            <p:ph type="sldNum" sz="quarter" idx="10"/>
+          </p:nvPr>
+        </p:nvSpPr>
+        <p:spPr/>
+        <p:txBody>
+          <a:bodyPr/>
+          <a:lstStyle/>
+          <a:p>
+            <a:fld id="{E76AAE11-CCE4-491F-9A3B-35EA6902E85C}" type="slidenum">
+              <a:rPr lang="en-US" smtClean="0"/>
+              <a:t>28</a:t>
             </a:fld>
             <a:endParaRPr lang="en-US"/>
           </a:p>
@@ -1518,16 +2485,41 @@
           <a:lstStyle/>
           <a:p>
             <a:r>
-              <a:rPr lang="en-US" dirty="0" err="1" smtClean="0"/>
-              <a:t>Ebay</a:t>
-            </a:r>
-            <a:r>
               <a:rPr lang="en-US" dirty="0" smtClean="0"/>
-              <a:t/>
-            </a:r>
-            <a:br>
-              <a:rPr lang="en-US" dirty="0" smtClean="0"/>
-            </a:br>
+              <a:t>My</a:t>
+            </a:r>
+            <a:r>
+              <a:rPr lang="en-US" baseline="0" dirty="0" smtClean="0"/>
+              <a:t> first question</a:t>
+            </a:r>
+          </a:p>
+          <a:p>
+            <a:r>
+              <a:rPr lang="en-US" baseline="0" dirty="0" smtClean="0"/>
+              <a:t>We’ve seen </a:t>
+            </a:r>
+            <a:r>
+              <a:rPr lang="en-US" baseline="0" dirty="0" err="1" smtClean="0"/>
+              <a:t>realtime</a:t>
+            </a:r>
+            <a:r>
+              <a:rPr lang="en-US" baseline="0" dirty="0" smtClean="0"/>
+              <a:t>, and I could jump right into coding, but it’s important to know WHY we use tools…and why</a:t>
+            </a:r>
+          </a:p>
+          <a:p>
+            <a:r>
+              <a:rPr lang="en-US" baseline="0" dirty="0" smtClean="0"/>
+              <a:t>Traditional methods may not be the most apt tools to </a:t>
+            </a:r>
+            <a:r>
+              <a:rPr lang="en-US" baseline="0" dirty="0" err="1" smtClean="0"/>
+              <a:t>handlet</a:t>
+            </a:r>
+            <a:r>
+              <a:rPr lang="en-US" baseline="0" dirty="0" smtClean="0"/>
+              <a:t> his situation</a:t>
+            </a:r>
             <a:endParaRPr lang="en-US" dirty="0"/>
           </a:p>
         </p:txBody>
@@ -1549,7 +2541,7 @@
           <a:p>
             <a:fld id="{E76AAE11-CCE4-491F-9A3B-35EA6902E85C}" type="slidenum">
               <a:rPr lang="en-US" smtClean="0"/>
-              <a:t>5</a:t>
+              <a:t>3</a:t>
             </a:fld>
             <a:endParaRPr lang="en-US"/>
           </a:p>
@@ -1558,7 +2550,7 @@
     </p:spTree>
     <p:extLst>
       <p:ext uri="{BB962C8B-B14F-4D97-AF65-F5344CB8AC3E}">
-        <p14:creationId xmlns:p14="http://schemas.microsoft.com/office/powerpoint/2010/main" val="3597108873"/>
+        <p14:creationId xmlns:p14="http://schemas.microsoft.com/office/powerpoint/2010/main" val="1631468463"/>
       </p:ext>
     </p:extLst>
   </p:cSld>
@@ -1612,34 +2604,24 @@
           <a:bodyPr/>
           <a:lstStyle/>
           <a:p>
-            <a:pPr marL="0" marR="0" indent="0" algn="l" defTabSz="914400" rtl="0" eaLnBrk="1" fontAlgn="auto" latinLnBrk="0" hangingPunct="1">
-              <a:lnSpc>
-                <a:spcPct val="100000"/>
-              </a:lnSpc>
-              <a:spcBef>
-                <a:spcPts val="0"/>
-              </a:spcBef>
-              <a:spcAft>
-                <a:spcPts val="0"/>
-              </a:spcAft>
-              <a:buClrTx/>
-              <a:buSzTx/>
-              <a:buFontTx/>
-              <a:buNone/>
-              <a:tabLst/>
-              <a:defRPr/>
-            </a:pPr>
+            <a:r>
+              <a:rPr lang="en-US" dirty="0" err="1" smtClean="0"/>
+              <a:t>Ebay</a:t>
+            </a:r>
+            <a:endParaRPr lang="en-US" dirty="0" smtClean="0"/>
+          </a:p>
+          <a:p>
             <a:r>
               <a:rPr lang="en-US" dirty="0" smtClean="0"/>
-              <a:t>Go back to stock ticker example. (Set it up)</a:t>
-            </a:r>
-            <a:r>
-              <a:rPr lang="en-US" baseline="0" dirty="0" smtClean="0"/>
-              <a:t> to explain why it may not be responsive</a:t>
-            </a:r>
-            <a:endParaRPr lang="en-US" dirty="0" smtClean="0"/>
-          </a:p>
-          <a:p>
+              <a:t>Jitter (network traffic)</a:t>
+            </a:r>
+            <a:r>
+              <a:rPr lang="en-US" dirty="0" smtClean="0"/>
+              <a:t/>
+            </a:r>
+            <a:br>
+              <a:rPr lang="en-US" dirty="0" smtClean="0"/>
+            </a:br>
             <a:endParaRPr lang="en-US" dirty="0"/>
           </a:p>
         </p:txBody>
@@ -1661,7 +2643,7 @@
           <a:p>
             <a:fld id="{E76AAE11-CCE4-491F-9A3B-35EA6902E85C}" type="slidenum">
               <a:rPr lang="en-US" smtClean="0"/>
-              <a:t>6</a:t>
+              <a:t>5</a:t>
             </a:fld>
             <a:endParaRPr lang="en-US"/>
           </a:p>
@@ -1670,7 +2652,7 @@
     </p:spTree>
     <p:extLst>
       <p:ext uri="{BB962C8B-B14F-4D97-AF65-F5344CB8AC3E}">
-        <p14:creationId xmlns:p14="http://schemas.microsoft.com/office/powerpoint/2010/main" val="2510368267"/>
+        <p14:creationId xmlns:p14="http://schemas.microsoft.com/office/powerpoint/2010/main" val="3597108873"/>
       </p:ext>
     </p:extLst>
   </p:cSld>
@@ -1724,6 +2706,23 @@
           <a:bodyPr/>
           <a:lstStyle/>
           <a:p>
+            <a:pPr marL="0" marR="0" indent="0" algn="l" defTabSz="914400" rtl="0" eaLnBrk="1" fontAlgn="auto" latinLnBrk="0" hangingPunct="1">
+              <a:lnSpc>
+                <a:spcPct val="100000"/>
+              </a:lnSpc>
+              <a:spcBef>
+                <a:spcPts val="0"/>
+              </a:spcBef>
+              <a:spcAft>
+                <a:spcPts val="0"/>
+              </a:spcAft>
+              <a:buClrTx/>
+              <a:buSzTx/>
+              <a:buFontTx/>
+              <a:buNone/>
+              <a:tabLst/>
+              <a:defRPr/>
+            </a:pPr>
             <a:r>
               <a:rPr lang="en-US" dirty="0" smtClean="0"/>
               <a:t>Go back to stock ticker example. (Set it up)</a:t>
@@ -1732,51 +2731,9 @@
               <a:rPr lang="en-US" baseline="0" dirty="0" smtClean="0"/>
               <a:t> to explain why it may not be responsive</a:t>
             </a:r>
-          </a:p>
-          <a:p>
-            <a:endParaRPr lang="en-US" baseline="0" dirty="0" smtClean="0"/>
-          </a:p>
-          <a:p>
-            <a:r>
-              <a:rPr lang="en-US" baseline="0" dirty="0" smtClean="0"/>
-              <a:t>****HTTP IS not persistent connection, explain how it does not conform to standard HTTP***</a:t>
-            </a:r>
             <a:endParaRPr lang="en-US" dirty="0" smtClean="0"/>
           </a:p>
           <a:p>
-            <a:endParaRPr lang="en-US" dirty="0" smtClean="0"/>
-          </a:p>
-          <a:p>
-            <a:r>
-              <a:rPr lang="en-US" dirty="0" smtClean="0"/>
-              <a:t>Leave note about hybrid polling</a:t>
-            </a:r>
-          </a:p>
-          <a:p>
-            <a:endParaRPr lang="en-US" dirty="0" smtClean="0"/>
-          </a:p>
-          <a:p>
-            <a:r>
-              <a:rPr lang="en-US" dirty="0" smtClean="0"/>
-              <a:t>Strategy</a:t>
-            </a:r>
-            <a:r>
-              <a:rPr lang="en-US" baseline="0" dirty="0" smtClean="0"/>
-              <a:t> by most AJAX apps</a:t>
-            </a:r>
-          </a:p>
-          <a:p>
-            <a:endParaRPr lang="en-US" dirty="0" smtClean="0"/>
-          </a:p>
-          <a:p>
-            <a:r>
-              <a:rPr lang="en-US" dirty="0" smtClean="0"/>
-              <a:t>Conforms to HTTP – not meant to have persistent</a:t>
-            </a:r>
-            <a:r>
-              <a:rPr lang="en-US" baseline="0" dirty="0" smtClean="0"/>
-              <a:t> connections</a:t>
-            </a:r>
             <a:endParaRPr lang="en-US" dirty="0"/>
           </a:p>
         </p:txBody>
@@ -1798,7 +2755,7 @@
           <a:p>
             <a:fld id="{E76AAE11-CCE4-491F-9A3B-35EA6902E85C}" type="slidenum">
               <a:rPr lang="en-US" smtClean="0"/>
-              <a:t>8</a:t>
+              <a:t>6</a:t>
             </a:fld>
             <a:endParaRPr lang="en-US"/>
           </a:p>
@@ -1807,7 +2764,7 @@
     </p:spTree>
     <p:extLst>
       <p:ext uri="{BB962C8B-B14F-4D97-AF65-F5344CB8AC3E}">
-        <p14:creationId xmlns:p14="http://schemas.microsoft.com/office/powerpoint/2010/main" val="374496698"/>
+        <p14:creationId xmlns:p14="http://schemas.microsoft.com/office/powerpoint/2010/main" val="2510368267"/>
       </p:ext>
     </p:extLst>
   </p:cSld>
@@ -1863,7 +2820,106 @@
           <a:p>
             <a:r>
               <a:rPr lang="en-US" dirty="0" smtClean="0"/>
-              <a:t>Notes for Long Polling.</a:t>
+              <a:t>Go back to stock ticker example. (Set it up)</a:t>
+            </a:r>
+            <a:r>
+              <a:rPr lang="en-US" baseline="0" dirty="0" smtClean="0"/>
+              <a:t> to explain why it may not be </a:t>
+            </a:r>
+            <a:r>
+              <a:rPr lang="en-US" baseline="0" dirty="0" smtClean="0"/>
+              <a:t>responsive</a:t>
+            </a:r>
+          </a:p>
+          <a:p>
+            <a:r>
+              <a:rPr lang="en-US" baseline="0" dirty="0" smtClean="0"/>
+              <a:t>Ok all use update panels right?...maybe not</a:t>
+            </a:r>
+            <a:endParaRPr lang="en-US" baseline="0" dirty="0" smtClean="0"/>
+          </a:p>
+          <a:p>
+            <a:pPr marL="0" marR="0" indent="0" algn="l" defTabSz="914400" rtl="0" eaLnBrk="1" fontAlgn="auto" latinLnBrk="0" hangingPunct="1">
+              <a:lnSpc>
+                <a:spcPct val="100000"/>
+              </a:lnSpc>
+              <a:spcBef>
+                <a:spcPts val="0"/>
+              </a:spcBef>
+              <a:spcAft>
+                <a:spcPts val="0"/>
+              </a:spcAft>
+              <a:buClrTx/>
+              <a:buSzTx/>
+              <a:buFontTx/>
+              <a:buNone/>
+              <a:tabLst/>
+              <a:defRPr/>
+            </a:pPr>
+            <a:r>
+              <a:rPr lang="en-US" baseline="0" dirty="0" smtClean="0"/>
+              <a:t>Polling works in some cases…</a:t>
+            </a:r>
+            <a:r>
+              <a:rPr lang="en-US" baseline="0" dirty="0" err="1" smtClean="0"/>
+              <a:t>Zuckerberg</a:t>
+            </a:r>
+            <a:r>
+              <a:rPr lang="en-US" baseline="0" dirty="0" smtClean="0"/>
+              <a:t> feed hacked up solution, but what if I need it </a:t>
+            </a:r>
+            <a:r>
+              <a:rPr lang="en-US" baseline="0" dirty="0" err="1" smtClean="0"/>
+              <a:t>realtime</a:t>
+            </a:r>
+            <a:r>
+              <a:rPr lang="en-US" baseline="0" dirty="0" smtClean="0"/>
+              <a:t> and more in sync?</a:t>
+            </a:r>
+          </a:p>
+          <a:p>
+            <a:endParaRPr lang="en-US" baseline="0" dirty="0" smtClean="0"/>
+          </a:p>
+          <a:p>
+            <a:r>
+              <a:rPr lang="en-US" baseline="0" dirty="0" smtClean="0"/>
+              <a:t>****HTTP IS not persistent connection, explain how it does not conform to standard HTTP***</a:t>
+            </a:r>
+            <a:endParaRPr lang="en-US" dirty="0" smtClean="0"/>
+          </a:p>
+          <a:p>
+            <a:endParaRPr lang="en-US" dirty="0" smtClean="0"/>
+          </a:p>
+          <a:p>
+            <a:r>
+              <a:rPr lang="en-US" dirty="0" smtClean="0"/>
+              <a:t>Leave note about hybrid polling</a:t>
+            </a:r>
+          </a:p>
+          <a:p>
+            <a:endParaRPr lang="en-US" dirty="0" smtClean="0"/>
+          </a:p>
+          <a:p>
+            <a:r>
+              <a:rPr lang="en-US" dirty="0" smtClean="0"/>
+              <a:t>Strategy</a:t>
+            </a:r>
+            <a:r>
+              <a:rPr lang="en-US" baseline="0" dirty="0" smtClean="0"/>
+              <a:t> by most AJAX apps</a:t>
+            </a:r>
+          </a:p>
+          <a:p>
+            <a:endParaRPr lang="en-US" dirty="0" smtClean="0"/>
+          </a:p>
+          <a:p>
+            <a:r>
+              <a:rPr lang="en-US" dirty="0" smtClean="0"/>
+              <a:t>Conforms to HTTP – not meant to have persistent</a:t>
+            </a:r>
+            <a:r>
+              <a:rPr lang="en-US" baseline="0" dirty="0" smtClean="0"/>
+              <a:t> connections</a:t>
             </a:r>
             <a:endParaRPr lang="en-US" dirty="0"/>
           </a:p>
@@ -1886,7 +2942,7 @@
           <a:p>
             <a:fld id="{E76AAE11-CCE4-491F-9A3B-35EA6902E85C}" type="slidenum">
               <a:rPr lang="en-US" smtClean="0"/>
-              <a:t>9</a:t>
+              <a:t>8</a:t>
             </a:fld>
             <a:endParaRPr lang="en-US"/>
           </a:p>
@@ -1895,7 +2951,7 @@
     </p:spTree>
     <p:extLst>
       <p:ext uri="{BB962C8B-B14F-4D97-AF65-F5344CB8AC3E}">
-        <p14:creationId xmlns:p14="http://schemas.microsoft.com/office/powerpoint/2010/main" val="2924130273"/>
+        <p14:creationId xmlns:p14="http://schemas.microsoft.com/office/powerpoint/2010/main" val="374496698"/>
       </p:ext>
     </p:extLst>
   </p:cSld>
@@ -1951,7 +3007,13 @@
           <a:p>
             <a:r>
               <a:rPr lang="en-US" dirty="0" smtClean="0"/>
-              <a:t>HTTP Hack.</a:t>
+              <a:t>Moo’s in sync</a:t>
+            </a:r>
+          </a:p>
+          <a:p>
+            <a:r>
+              <a:rPr lang="en-US" dirty="0" smtClean="0"/>
+              <a:t>You can tell I’ve never played this game</a:t>
             </a:r>
             <a:endParaRPr lang="en-US" dirty="0"/>
           </a:p>
@@ -1974,7 +3036,7 @@
           <a:p>
             <a:fld id="{E76AAE11-CCE4-491F-9A3B-35EA6902E85C}" type="slidenum">
               <a:rPr lang="en-US" smtClean="0"/>
-              <a:t>10</a:t>
+              <a:t>9</a:t>
             </a:fld>
             <a:endParaRPr lang="en-US"/>
           </a:p>
@@ -2039,7 +3101,7 @@
           <a:p>
             <a:r>
               <a:rPr lang="en-US" dirty="0" smtClean="0"/>
-              <a:t>Another HTTP Hack.</a:t>
+              <a:t>Notes for Long Polling.</a:t>
             </a:r>
             <a:endParaRPr lang="en-US" dirty="0"/>
           </a:p>
@@ -2062,7 +3124,7 @@
           <a:p>
             <a:fld id="{E76AAE11-CCE4-491F-9A3B-35EA6902E85C}" type="slidenum">
               <a:rPr lang="en-US" smtClean="0"/>
-              <a:t>11</a:t>
+              <a:t>10</a:t>
             </a:fld>
             <a:endParaRPr lang="en-US"/>
           </a:p>
@@ -2071,7 +3133,7 @@
     </p:spTree>
     <p:extLst>
       <p:ext uri="{BB962C8B-B14F-4D97-AF65-F5344CB8AC3E}">
-        <p14:creationId xmlns:p14="http://schemas.microsoft.com/office/powerpoint/2010/main" val="374496698"/>
+        <p14:creationId xmlns:p14="http://schemas.microsoft.com/office/powerpoint/2010/main" val="2924130273"/>
       </p:ext>
     </p:extLst>
   </p:cSld>
@@ -2127,30 +3189,60 @@
           <a:p>
             <a:r>
               <a:rPr lang="en-US" dirty="0" smtClean="0"/>
-              <a:t>Request</a:t>
+              <a:t>More options for hacking HTTP</a:t>
             </a:r>
             <a:r>
               <a:rPr lang="en-US" baseline="0" dirty="0" smtClean="0"/>
-              <a:t> sent w/ header “Event source request’</a:t>
-            </a:r>
-          </a:p>
-          <a:p>
+              <a:t> to emulate </a:t>
+            </a:r>
+            <a:r>
+              <a:rPr lang="en-US" baseline="0" dirty="0" err="1" smtClean="0"/>
+              <a:t>realtime</a:t>
+            </a:r>
+            <a:endParaRPr lang="en-US" dirty="0" smtClean="0"/>
+          </a:p>
+          <a:p>
+            <a:r>
+              <a:rPr lang="en-US" dirty="0" smtClean="0"/>
+              <a:t>Latency</a:t>
+            </a:r>
             <a:r>
               <a:rPr lang="en-US" baseline="0" dirty="0" smtClean="0"/>
-              <a:t>Server keeps request open and streams information over response stream</a:t>
-            </a:r>
-          </a:p>
-          <a:p>
+              <a:t> + server resources, not ideal’</a:t>
+            </a:r>
+          </a:p>
+          <a:p>
+            <a:endParaRPr lang="en-US" baseline="0" dirty="0" smtClean="0"/>
+          </a:p>
+          <a:p>
+            <a:pPr marL="0" marR="0" indent="0" algn="l" defTabSz="914400" rtl="0" eaLnBrk="1" fontAlgn="auto" latinLnBrk="0" hangingPunct="1">
+              <a:lnSpc>
+                <a:spcPct val="100000"/>
+              </a:lnSpc>
+              <a:spcBef>
+                <a:spcPts val="0"/>
+              </a:spcBef>
+              <a:spcAft>
+                <a:spcPts val="0"/>
+              </a:spcAft>
+              <a:buClrTx/>
+              <a:buSzTx/>
+              <a:buFontTx/>
+              <a:buNone/>
+              <a:tabLst/>
+              <a:defRPr/>
+            </a:pPr>
+            <a:r>
+              <a:rPr lang="en-US" baseline="0" dirty="0" err="1" smtClean="0"/>
+              <a:t>WebSockets</a:t>
+            </a:r>
             <a:r>
               <a:rPr lang="en-US" baseline="0" dirty="0" smtClean="0"/>
-              <a:t> -&gt; Single HTTP connection</a:t>
-            </a:r>
-          </a:p>
-          <a:p>
-            <a:r>
-              <a:rPr lang="en-US" baseline="0" dirty="0" smtClean="0"/>
-              <a:t> -&gt; faster latency, no period between response sent back, processing, and request again</a:t>
-            </a:r>
+              <a:t> is the only true full-duplex connection transport. All other transports listed here use the technique/technology named for the incoming data from the server, and standard AJAX POSTS for sends from the client to the server.</a:t>
+            </a:r>
+            <a:endParaRPr lang="en-US" dirty="0" smtClean="0"/>
+          </a:p>
+          <a:p>
             <a:endParaRPr lang="en-US" dirty="0"/>
           </a:p>
         </p:txBody>
@@ -2172,7 +3264,7 @@
           <a:p>
             <a:fld id="{E76AAE11-CCE4-491F-9A3B-35EA6902E85C}" type="slidenum">
               <a:rPr lang="en-US" smtClean="0"/>
-              <a:t>13</a:t>
+              <a:t>11</a:t>
             </a:fld>
             <a:endParaRPr lang="en-US"/>
           </a:p>
@@ -2372,7 +3464,7 @@
           <a:p>
             <a:fld id="{B0FAEA03-A86C-449D-8E27-995A897CE7F6}" type="datetimeFigureOut">
               <a:rPr lang="en-US" smtClean="0"/>
-              <a:t>11/2/2012</a:t>
+              <a:t>11/3/2012</a:t>
             </a:fld>
             <a:endParaRPr lang="en-US" dirty="0"/>
           </a:p>
@@ -2542,7 +3634,7 @@
           <a:p>
             <a:fld id="{B0FAEA03-A86C-449D-8E27-995A897CE7F6}" type="datetimeFigureOut">
               <a:rPr lang="en-US" smtClean="0"/>
-              <a:t>11/2/2012</a:t>
+              <a:t>11/3/2012</a:t>
             </a:fld>
             <a:endParaRPr lang="en-US" dirty="0"/>
           </a:p>
@@ -2722,7 +3814,7 @@
           <a:p>
             <a:fld id="{B0FAEA03-A86C-449D-8E27-995A897CE7F6}" type="datetimeFigureOut">
               <a:rPr lang="en-US" smtClean="0"/>
-              <a:t>11/2/2012</a:t>
+              <a:t>11/3/2012</a:t>
             </a:fld>
             <a:endParaRPr lang="en-US" dirty="0"/>
           </a:p>
@@ -2892,7 +3984,7 @@
           <a:p>
             <a:fld id="{B0FAEA03-A86C-449D-8E27-995A897CE7F6}" type="datetimeFigureOut">
               <a:rPr lang="en-US" smtClean="0"/>
-              <a:t>11/2/2012</a:t>
+              <a:t>11/3/2012</a:t>
             </a:fld>
             <a:endParaRPr lang="en-US" dirty="0"/>
           </a:p>
@@ -3138,7 +4230,7 @@
           <a:p>
             <a:fld id="{B0FAEA03-A86C-449D-8E27-995A897CE7F6}" type="datetimeFigureOut">
               <a:rPr lang="en-US" smtClean="0"/>
-              <a:t>11/2/2012</a:t>
+              <a:t>11/3/2012</a:t>
             </a:fld>
             <a:endParaRPr lang="en-US" dirty="0"/>
           </a:p>
@@ -3426,7 +4518,7 @@
           <a:p>
             <a:fld id="{B0FAEA03-A86C-449D-8E27-995A897CE7F6}" type="datetimeFigureOut">
               <a:rPr lang="en-US" smtClean="0"/>
-              <a:t>11/2/2012</a:t>
+              <a:t>11/3/2012</a:t>
             </a:fld>
             <a:endParaRPr lang="en-US" dirty="0"/>
           </a:p>
@@ -3848,7 +4940,7 @@
           <a:p>
             <a:fld id="{B0FAEA03-A86C-449D-8E27-995A897CE7F6}" type="datetimeFigureOut">
               <a:rPr lang="en-US" smtClean="0"/>
-              <a:t>11/2/2012</a:t>
+              <a:t>11/3/2012</a:t>
             </a:fld>
             <a:endParaRPr lang="en-US" dirty="0"/>
           </a:p>
@@ -3966,7 +5058,7 @@
           <a:p>
             <a:fld id="{B0FAEA03-A86C-449D-8E27-995A897CE7F6}" type="datetimeFigureOut">
               <a:rPr lang="en-US" smtClean="0"/>
-              <a:t>11/2/2012</a:t>
+              <a:t>11/3/2012</a:t>
             </a:fld>
             <a:endParaRPr lang="en-US" dirty="0"/>
           </a:p>
@@ -4061,7 +5153,7 @@
           <a:p>
             <a:fld id="{B0FAEA03-A86C-449D-8E27-995A897CE7F6}" type="datetimeFigureOut">
               <a:rPr lang="en-US" smtClean="0"/>
-              <a:t>11/2/2012</a:t>
+              <a:t>11/3/2012</a:t>
             </a:fld>
             <a:endParaRPr lang="en-US" dirty="0"/>
           </a:p>
@@ -4338,7 +5430,7 @@
           <a:p>
             <a:fld id="{B0FAEA03-A86C-449D-8E27-995A897CE7F6}" type="datetimeFigureOut">
               <a:rPr lang="en-US" smtClean="0"/>
-              <a:t>11/2/2012</a:t>
+              <a:t>11/3/2012</a:t>
             </a:fld>
             <a:endParaRPr lang="en-US" dirty="0"/>
           </a:p>
@@ -4591,7 +5683,7 @@
           <a:p>
             <a:fld id="{B0FAEA03-A86C-449D-8E27-995A897CE7F6}" type="datetimeFigureOut">
               <a:rPr lang="en-US" smtClean="0"/>
-              <a:t>11/2/2012</a:t>
+              <a:t>11/3/2012</a:t>
             </a:fld>
             <a:endParaRPr lang="en-US" dirty="0"/>
           </a:p>
@@ -4807,7 +5899,7 @@
           <a:p>
             <a:fld id="{B0FAEA03-A86C-449D-8E27-995A897CE7F6}" type="datetimeFigureOut">
               <a:rPr lang="en-US" smtClean="0"/>
-              <a:t>11/2/2012</a:t>
+              <a:t>11/3/2012</a:t>
             </a:fld>
             <a:endParaRPr lang="en-US" dirty="0"/>
           </a:p>
@@ -5629,6 +6721,90 @@
         </p:nvSpPr>
         <p:spPr>
           <a:xfrm>
+            <a:off x="381000" y="2667000"/>
+            <a:ext cx="8382000" cy="1470025"/>
+          </a:xfrm>
+          <a:ln>
+            <a:noFill/>
+          </a:ln>
+        </p:spPr>
+        <p:txBody>
+          <a:bodyPr>
+            <a:noAutofit/>
+          </a:bodyPr>
+          <a:lstStyle/>
+          <a:p>
+            <a:r>
+              <a:rPr lang="en-US" sz="10000" dirty="0" smtClean="0">
+                <a:solidFill>
+                  <a:schemeClr val="accent2">
+                    <a:lumMod val="75000"/>
+                  </a:schemeClr>
+                </a:solidFill>
+                <a:latin typeface="Yanone Kaffeesatz Bold" pitchFamily="2" charset="0"/>
+                <a:cs typeface="Aharoni" pitchFamily="2" charset="-79"/>
+              </a:rPr>
+              <a:t>BETTER!</a:t>
+            </a:r>
+            <a:endParaRPr lang="en-US" sz="10000" dirty="0">
+              <a:solidFill>
+                <a:srgbClr val="F0F2EB"/>
+              </a:solidFill>
+              <a:latin typeface="Yanone Kaffeesatz Bold" pitchFamily="2" charset="0"/>
+              <a:cs typeface="Aharoni" pitchFamily="2" charset="-79"/>
+            </a:endParaRPr>
+          </a:p>
+        </p:txBody>
+      </p:sp>
+    </p:spTree>
+    <p:extLst>
+      <p:ext uri="{BB962C8B-B14F-4D97-AF65-F5344CB8AC3E}">
+        <p14:creationId xmlns:p14="http://schemas.microsoft.com/office/powerpoint/2010/main" val="3893768702"/>
+      </p:ext>
+    </p:extLst>
+  </p:cSld>
+  <p:clrMapOvr>
+    <a:masterClrMapping/>
+  </p:clrMapOvr>
+  <p:timing>
+    <p:tnLst>
+      <p:par>
+        <p:cTn id="1" dur="indefinite" restart="never" nodeType="tmRoot"/>
+      </p:par>
+    </p:tnLst>
+  </p:timing>
+</p:sld>
+</file>
+
+<file path=ppt/slides/slide11.xml><?xml version="1.0" encoding="utf-8"?>
+<p:sld xmlns:a="http://schemas.openxmlformats.org/drawingml/2006/main" xmlns:r="http://schemas.openxmlformats.org/officeDocument/2006/relationships" xmlns:p="http://schemas.openxmlformats.org/presentationml/2006/main">
+  <p:cSld>
+    <p:spTree>
+      <p:nvGrpSpPr>
+        <p:cNvPr id="1" name=""/>
+        <p:cNvGrpSpPr/>
+        <p:nvPr/>
+      </p:nvGrpSpPr>
+      <p:grpSpPr>
+        <a:xfrm>
+          <a:off x="0" y="0"/>
+          <a:ext cx="0" cy="0"/>
+          <a:chOff x="0" y="0"/>
+          <a:chExt cx="0" cy="0"/>
+        </a:xfrm>
+      </p:grpSpPr>
+      <p:sp>
+        <p:nvSpPr>
+          <p:cNvPr id="2" name="Title 1"/>
+          <p:cNvSpPr>
+            <a:spLocks noGrp="1"/>
+          </p:cNvSpPr>
+          <p:nvPr>
+            <p:ph type="ctrTitle"/>
+          </p:nvPr>
+        </p:nvSpPr>
+        <p:spPr>
+          <a:xfrm>
             <a:off x="76200" y="-228600"/>
             <a:ext cx="7772400" cy="1470025"/>
           </a:xfrm>
@@ -5818,15 +6994,6 @@
               </a:rPr>
               <a:t>More complex than traditional polling</a:t>
             </a:r>
-            <a:endParaRPr lang="en-US" sz="4000" dirty="0" smtClean="0">
-              <a:solidFill>
-                <a:schemeClr val="tx1">
-                  <a:lumMod val="65000"/>
-                  <a:lumOff val="35000"/>
-                </a:schemeClr>
-              </a:solidFill>
-              <a:latin typeface="Yanone Kaffeesatz Bold" pitchFamily="2" charset="0"/>
-            </a:endParaRPr>
           </a:p>
           <a:p>
             <a:pPr lvl="1"/>
@@ -5909,11 +7076,7 @@
                                           </p:stCondLst>
                                         </p:cTn>
                                         <p:tgtEl>
-                                          <p:spTgt spid="5">
-                                            <p:txEl>
-                                              <p:pRg st="0" end="0"/>
-                                            </p:txEl>
-                                          </p:spTgt>
+                                          <p:spTgt spid="4099"/>
                                         </p:tgtEl>
                                         <p:attrNameLst>
                                           <p:attrName>style.visibility</p:attrName>
@@ -5960,7 +7123,7 @@
                                         <p:tgtEl>
                                           <p:spTgt spid="5">
                                             <p:txEl>
-                                              <p:pRg st="1" end="1"/>
+                                              <p:pRg st="0" end="0"/>
                                             </p:txEl>
                                           </p:spTgt>
                                         </p:tgtEl>
@@ -6009,7 +7172,7 @@
                                         <p:tgtEl>
                                           <p:spTgt spid="5">
                                             <p:txEl>
-                                              <p:pRg st="4" end="4"/>
+                                              <p:pRg st="1" end="1"/>
                                             </p:txEl>
                                           </p:spTgt>
                                         </p:tgtEl>
@@ -6051,6 +7214,55 @@
                                     <p:set>
                                       <p:cBhvr>
                                         <p:cTn id="18" dur="1" fill="hold">
+                                          <p:stCondLst>
+                                            <p:cond delay="0"/>
+                                          </p:stCondLst>
+                                        </p:cTn>
+                                        <p:tgtEl>
+                                          <p:spTgt spid="5">
+                                            <p:txEl>
+                                              <p:pRg st="4" end="4"/>
+                                            </p:txEl>
+                                          </p:spTgt>
+                                        </p:tgtEl>
+                                        <p:attrNameLst>
+                                          <p:attrName>style.visibility</p:attrName>
+                                        </p:attrNameLst>
+                                      </p:cBhvr>
+                                      <p:to>
+                                        <p:strVal val="visible"/>
+                                      </p:to>
+                                    </p:set>
+                                  </p:childTnLst>
+                                </p:cTn>
+                              </p:par>
+                            </p:childTnLst>
+                          </p:cTn>
+                        </p:par>
+                      </p:childTnLst>
+                    </p:cTn>
+                  </p:par>
+                  <p:par>
+                    <p:cTn id="19" fill="hold">
+                      <p:stCondLst>
+                        <p:cond delay="indefinite"/>
+                      </p:stCondLst>
+                      <p:childTnLst>
+                        <p:par>
+                          <p:cTn id="20" fill="hold">
+                            <p:stCondLst>
+                              <p:cond delay="0"/>
+                            </p:stCondLst>
+                            <p:childTnLst>
+                              <p:par>
+                                <p:cTn id="21" presetID="1" presetClass="entr" presetSubtype="0" fill="hold" nodeType="clickEffect">
+                                  <p:stCondLst>
+                                    <p:cond delay="0"/>
+                                  </p:stCondLst>
+                                  <p:childTnLst>
+                                    <p:set>
+                                      <p:cBhvr>
+                                        <p:cTn id="22" dur="1" fill="hold">
                                           <p:stCondLst>
                                             <p:cond delay="0"/>
                                           </p:stCondLst>
@@ -6104,243 +7316,6 @@
 </p:sld>
 </file>
 
-<file path=ppt/slides/slide11.xml><?xml version="1.0" encoding="utf-8"?>
-<p:sld xmlns:a="http://schemas.openxmlformats.org/drawingml/2006/main" xmlns:r="http://schemas.openxmlformats.org/officeDocument/2006/relationships" xmlns:p="http://schemas.openxmlformats.org/presentationml/2006/main">
-  <p:cSld>
-    <p:spTree>
-      <p:nvGrpSpPr>
-        <p:cNvPr id="1" name=""/>
-        <p:cNvGrpSpPr/>
-        <p:nvPr/>
-      </p:nvGrpSpPr>
-      <p:grpSpPr>
-        <a:xfrm>
-          <a:off x="0" y="0"/>
-          <a:ext cx="0" cy="0"/>
-          <a:chOff x="0" y="0"/>
-          <a:chExt cx="0" cy="0"/>
-        </a:xfrm>
-      </p:grpSpPr>
-      <p:sp>
-        <p:nvSpPr>
-          <p:cNvPr id="2" name="Title 1"/>
-          <p:cNvSpPr>
-            <a:spLocks noGrp="1"/>
-          </p:cNvSpPr>
-          <p:nvPr>
-            <p:ph type="ctrTitle"/>
-          </p:nvPr>
-        </p:nvSpPr>
-        <p:spPr>
-          <a:xfrm>
-            <a:off x="76200" y="-228600"/>
-            <a:ext cx="7772400" cy="1470025"/>
-          </a:xfrm>
-          <a:ln>
-            <a:noFill/>
-          </a:ln>
-        </p:spPr>
-        <p:txBody>
-          <a:bodyPr>
-            <a:noAutofit/>
-          </a:bodyPr>
-          <a:lstStyle/>
-          <a:p>
-            <a:pPr algn="l"/>
-            <a:r>
-              <a:rPr lang="en-US" sz="8000" dirty="0" smtClean="0">
-                <a:solidFill>
-                  <a:schemeClr val="tx2">
-                    <a:lumMod val="60000"/>
-                    <a:lumOff val="40000"/>
-                  </a:schemeClr>
-                </a:solidFill>
-                <a:latin typeface="Yanone Kaffeesatz Bold" pitchFamily="2" charset="0"/>
-                <a:cs typeface="Aharoni" pitchFamily="2" charset="-79"/>
-              </a:rPr>
-              <a:t>Forever Frame</a:t>
-            </a:r>
-            <a:endParaRPr lang="en-US" sz="8000" dirty="0">
-              <a:solidFill>
-                <a:schemeClr val="tx2">
-                  <a:lumMod val="60000"/>
-                  <a:lumOff val="40000"/>
-                </a:schemeClr>
-              </a:solidFill>
-              <a:latin typeface="Yanone Kaffeesatz Bold" pitchFamily="2" charset="0"/>
-              <a:cs typeface="Aharoni" pitchFamily="2" charset="-79"/>
-            </a:endParaRPr>
-          </a:p>
-        </p:txBody>
-      </p:sp>
-      <p:sp>
-        <p:nvSpPr>
-          <p:cNvPr id="3" name="Subtitle 2"/>
-          <p:cNvSpPr>
-            <a:spLocks noGrp="1"/>
-          </p:cNvSpPr>
-          <p:nvPr>
-            <p:ph type="subTitle" idx="1"/>
-          </p:nvPr>
-        </p:nvSpPr>
-        <p:spPr>
-          <a:xfrm>
-            <a:off x="228600" y="1066800"/>
-            <a:ext cx="8763000" cy="5486400"/>
-          </a:xfrm>
-        </p:spPr>
-        <p:txBody>
-          <a:bodyPr>
-            <a:noAutofit/>
-          </a:bodyPr>
-          <a:lstStyle/>
-          <a:p>
-            <a:pPr marL="857250" indent="-857250" algn="l">
-              <a:buFont typeface="Arial" pitchFamily="34" charset="0"/>
-              <a:buChar char="•"/>
-            </a:pPr>
-            <a:r>
-              <a:rPr lang="en-US" sz="5000" dirty="0" smtClean="0">
-                <a:solidFill>
-                  <a:schemeClr val="tx1">
-                    <a:lumMod val="50000"/>
-                    <a:lumOff val="50000"/>
-                  </a:schemeClr>
-                </a:solidFill>
-                <a:latin typeface="Yanone Kaffeesatz Bold" pitchFamily="2" charset="0"/>
-              </a:rPr>
-              <a:t>Exploits HTTP 1.1 chunked encoding by sending chunks of a client data and response over time</a:t>
-            </a:r>
-          </a:p>
-          <a:p>
-            <a:pPr marL="857250" indent="-857250" algn="l">
-              <a:buFont typeface="Arial" pitchFamily="34" charset="0"/>
-              <a:buChar char="•"/>
-            </a:pPr>
-            <a:r>
-              <a:rPr lang="en-US" sz="5000" dirty="0" smtClean="0">
-                <a:solidFill>
-                  <a:schemeClr val="tx1">
-                    <a:lumMod val="50000"/>
-                    <a:lumOff val="50000"/>
-                  </a:schemeClr>
-                </a:solidFill>
-                <a:latin typeface="Yanone Kaffeesatz Bold" pitchFamily="2" charset="0"/>
-              </a:rPr>
-              <a:t>Hidden IFRAME is used to output each chunk of response wrapped in a script block</a:t>
-            </a:r>
-          </a:p>
-          <a:p>
-            <a:pPr marL="857250" indent="-857250" algn="l">
-              <a:buFont typeface="Arial" pitchFamily="34" charset="0"/>
-              <a:buChar char="•"/>
-            </a:pPr>
-            <a:r>
-              <a:rPr lang="en-US" sz="5000" dirty="0">
-                <a:solidFill>
-                  <a:schemeClr val="tx1">
-                    <a:lumMod val="50000"/>
-                    <a:lumOff val="50000"/>
-                  </a:schemeClr>
-                </a:solidFill>
-                <a:latin typeface="Yanone Kaffeesatz Bold" pitchFamily="2" charset="0"/>
-              </a:rPr>
-              <a:t>Low latency</a:t>
-            </a:r>
-          </a:p>
-          <a:p>
-            <a:pPr marL="857250" indent="-857250" algn="l">
-              <a:buFont typeface="Arial" pitchFamily="34" charset="0"/>
-              <a:buChar char="•"/>
-            </a:pPr>
-            <a:endParaRPr lang="en-US" sz="5000" dirty="0" smtClean="0">
-              <a:solidFill>
-                <a:schemeClr val="tx1">
-                  <a:lumMod val="50000"/>
-                  <a:lumOff val="50000"/>
-                </a:schemeClr>
-              </a:solidFill>
-              <a:latin typeface="Yanone Kaffeesatz Bold" pitchFamily="2" charset="0"/>
-            </a:endParaRPr>
-          </a:p>
-          <a:p>
-            <a:pPr marL="857250" indent="-857250" algn="l">
-              <a:buFont typeface="Arial" pitchFamily="34" charset="0"/>
-              <a:buChar char="•"/>
-            </a:pPr>
-            <a:endParaRPr lang="en-US" sz="5000" dirty="0">
-              <a:solidFill>
-                <a:schemeClr val="tx1">
-                  <a:lumMod val="50000"/>
-                  <a:lumOff val="50000"/>
-                </a:schemeClr>
-              </a:solidFill>
-              <a:latin typeface="Yanone Kaffeesatz Bold" pitchFamily="2" charset="0"/>
-            </a:endParaRPr>
-          </a:p>
-        </p:txBody>
-      </p:sp>
-      <p:pic>
-        <p:nvPicPr>
-          <p:cNvPr id="5122" name="Picture 2" descr="C:\Users\ahmed.alani\Desktop\Work\Presentation\foreverframe.png"/>
-          <p:cNvPicPr>
-            <a:picLocks noChangeAspect="1" noChangeArrowheads="1"/>
-          </p:cNvPicPr>
-          <p:nvPr/>
-        </p:nvPicPr>
-        <p:blipFill>
-          <a:blip r:embed="rId3">
-            <a:extLst>
-              <a:ext uri="{28A0092B-C50C-407E-A947-70E740481C1C}">
-                <a14:useLocalDpi xmlns:a14="http://schemas.microsoft.com/office/drawing/2010/main" val="0"/>
-              </a:ext>
-            </a:extLst>
-          </a:blip>
-          <a:srcRect/>
-          <a:stretch>
-            <a:fillRect/>
-          </a:stretch>
-        </p:blipFill>
-        <p:spPr bwMode="auto">
-          <a:xfrm>
-            <a:off x="5334000" y="1219200"/>
-            <a:ext cx="3358147" cy="4267200"/>
-          </a:xfrm>
-          <a:prstGeom prst="rect">
-            <a:avLst/>
-          </a:prstGeom>
-          <a:noFill/>
-          <a:extLst>
-            <a:ext uri="{909E8E84-426E-40DD-AFC4-6F175D3DCCD1}">
-              <a14:hiddenFill xmlns:a14="http://schemas.microsoft.com/office/drawing/2010/main">
-                <a:solidFill>
-                  <a:srgbClr val="FFFFFF"/>
-                </a:solidFill>
-              </a14:hiddenFill>
-            </a:ext>
-          </a:extLst>
-        </p:spPr>
-      </p:pic>
-    </p:spTree>
-    <p:extLst>
-      <p:ext uri="{BB962C8B-B14F-4D97-AF65-F5344CB8AC3E}">
-        <p14:creationId xmlns:p14="http://schemas.microsoft.com/office/powerpoint/2010/main" val="4026772592"/>
-      </p:ext>
-    </p:extLst>
-  </p:cSld>
-  <p:clrMapOvr>
-    <a:masterClrMapping/>
-  </p:clrMapOvr>
-  <p:timing>
-    <p:tnLst>
-      <p:par>
-        <p:cTn id="1" dur="indefinite" restart="never" nodeType="tmRoot"/>
-      </p:par>
-    </p:tnLst>
-  </p:timing>
-</p:sld>
-</file>
-
 <file path=ppt/slides/slide12.xml><?xml version="1.0" encoding="utf-8"?>
 <p:sld xmlns:a="http://schemas.openxmlformats.org/drawingml/2006/main" xmlns:r="http://schemas.openxmlformats.org/officeDocument/2006/relationships" xmlns:p="http://schemas.openxmlformats.org/presentationml/2006/main">
   <p:cSld>
@@ -6384,7 +7359,7 @@
           <a:lstStyle/>
           <a:p>
             <a:r>
-              <a:rPr lang="en-US" sz="17000" dirty="0" smtClean="0">
+              <a:rPr lang="en-US" sz="13000" dirty="0" smtClean="0">
                 <a:solidFill>
                   <a:schemeClr val="accent2">
                     <a:lumMod val="75000"/>
@@ -6395,7 +7370,7 @@
               </a:rPr>
               <a:t>BETTER!</a:t>
             </a:r>
-            <a:endParaRPr lang="en-US" sz="17000" dirty="0">
+            <a:endParaRPr lang="en-US" sz="13000" dirty="0">
               <a:solidFill>
                 <a:srgbClr val="F0F2EB"/>
               </a:solidFill>
@@ -6408,7 +7383,7 @@
     </p:spTree>
     <p:extLst>
       <p:ext uri="{BB962C8B-B14F-4D97-AF65-F5344CB8AC3E}">
-        <p14:creationId xmlns:p14="http://schemas.microsoft.com/office/powerpoint/2010/main" val="3877388153"/>
+        <p14:creationId xmlns:p14="http://schemas.microsoft.com/office/powerpoint/2010/main" val="2337412575"/>
       </p:ext>
     </p:extLst>
   </p:cSld>
@@ -6469,7 +7444,7 @@
           <a:p>
             <a:pPr algn="l"/>
             <a:r>
-              <a:rPr lang="en-US" sz="8000" smtClean="0">
+              <a:rPr lang="en-US" sz="8000" dirty="0" smtClean="0">
                 <a:solidFill>
                   <a:schemeClr val="tx2">
                     <a:lumMod val="60000"/>
@@ -6479,7 +7454,7 @@
                 <a:latin typeface="Yanone Kaffeesatz Bold" pitchFamily="2" charset="0"/>
                 <a:cs typeface="Aharoni" pitchFamily="2" charset="-79"/>
               </a:rPr>
-              <a:t>Server-Sent Events</a:t>
+              <a:t>Forever Frame</a:t>
             </a:r>
             <a:endParaRPr lang="en-US" sz="8000" dirty="0">
               <a:solidFill>
@@ -6494,130 +7469,9 @@
           </a:p>
         </p:txBody>
       </p:sp>
-      <p:sp>
-        <p:nvSpPr>
-          <p:cNvPr id="5" name="Rectangle 4"/>
-          <p:cNvSpPr/>
-          <p:nvPr/>
-        </p:nvSpPr>
-        <p:spPr>
-          <a:xfrm>
-            <a:off x="381000" y="1371600"/>
-            <a:ext cx="5181600" cy="5740033"/>
-          </a:xfrm>
-          <a:prstGeom prst="rect">
-            <a:avLst/>
-          </a:prstGeom>
-        </p:spPr>
-        <p:txBody>
-          <a:bodyPr wrap="square">
-            <a:spAutoFit/>
-          </a:bodyPr>
-          <a:lstStyle/>
-          <a:p>
-            <a:pPr marL="857250" indent="-857250">
-              <a:buFont typeface="Arial" pitchFamily="34" charset="0"/>
-              <a:buChar char="•"/>
-            </a:pPr>
-            <a:r>
-              <a:rPr lang="en-US" sz="4500" dirty="0">
-                <a:solidFill>
-                  <a:schemeClr val="tx1">
-                    <a:lumMod val="50000"/>
-                    <a:lumOff val="50000"/>
-                  </a:schemeClr>
-                </a:solidFill>
-                <a:latin typeface="Yanone Kaffeesatz Bold" pitchFamily="2" charset="0"/>
-              </a:rPr>
-              <a:t>HTML5 Browser API Feature</a:t>
-            </a:r>
-          </a:p>
-          <a:p>
-            <a:pPr marL="857250" indent="-857250">
-              <a:buFont typeface="Arial" pitchFamily="34" charset="0"/>
-              <a:buChar char="•"/>
-            </a:pPr>
-            <a:r>
-              <a:rPr lang="en-US" sz="4500" dirty="0">
-                <a:solidFill>
-                  <a:schemeClr val="tx1">
-                    <a:lumMod val="50000"/>
-                    <a:lumOff val="50000"/>
-                  </a:schemeClr>
-                </a:solidFill>
-                <a:latin typeface="Yanone Kaffeesatz Bold" pitchFamily="2" charset="0"/>
-              </a:rPr>
-              <a:t>Client initiates connection and it is kept open as long as possible</a:t>
-            </a:r>
-          </a:p>
-          <a:p>
-            <a:pPr marL="857250" indent="-857250">
-              <a:buFont typeface="Arial" pitchFamily="34" charset="0"/>
-              <a:buChar char="•"/>
-            </a:pPr>
-            <a:r>
-              <a:rPr lang="en-US" sz="4500" dirty="0">
-                <a:solidFill>
-                  <a:schemeClr val="tx1">
-                    <a:lumMod val="50000"/>
-                    <a:lumOff val="50000"/>
-                  </a:schemeClr>
-                </a:solidFill>
-                <a:latin typeface="Yanone Kaffeesatz Bold" pitchFamily="2" charset="0"/>
-              </a:rPr>
-              <a:t>Server sends events to client over time</a:t>
-            </a:r>
-          </a:p>
-          <a:p>
-            <a:pPr marL="857250" indent="-857250">
-              <a:buFont typeface="Arial" pitchFamily="34" charset="0"/>
-              <a:buChar char="•"/>
-            </a:pPr>
-            <a:endParaRPr lang="en-US" sz="1200" dirty="0">
-              <a:solidFill>
-                <a:schemeClr val="tx1">
-                  <a:lumMod val="50000"/>
-                  <a:lumOff val="50000"/>
-                </a:schemeClr>
-              </a:solidFill>
-              <a:latin typeface="Yanone Kaffeesatz Bold" pitchFamily="2" charset="0"/>
-            </a:endParaRPr>
-          </a:p>
-          <a:p>
-            <a:pPr marL="857250" indent="-857250">
-              <a:buFont typeface="Arial" pitchFamily="34" charset="0"/>
-              <a:buChar char="•"/>
-            </a:pPr>
-            <a:endParaRPr lang="en-US" sz="2000" dirty="0">
-              <a:solidFill>
-                <a:schemeClr val="tx1">
-                  <a:lumMod val="50000"/>
-                  <a:lumOff val="50000"/>
-                </a:schemeClr>
-              </a:solidFill>
-              <a:latin typeface="Yanone Kaffeesatz Bold" pitchFamily="2" charset="0"/>
-            </a:endParaRPr>
-          </a:p>
-          <a:p>
-            <a:pPr marL="857250" indent="-857250">
-              <a:buFont typeface="Arial" pitchFamily="34" charset="0"/>
-              <a:buChar char="•"/>
-            </a:pPr>
-            <a:endParaRPr lang="en-US" sz="2000" dirty="0">
-              <a:solidFill>
-                <a:schemeClr val="tx1">
-                  <a:lumMod val="50000"/>
-                  <a:lumOff val="50000"/>
-                </a:schemeClr>
-              </a:solidFill>
-              <a:latin typeface="Yanone Kaffeesatz Bold" pitchFamily="2" charset="0"/>
-            </a:endParaRPr>
-          </a:p>
-        </p:txBody>
-      </p:sp>
       <p:pic>
         <p:nvPicPr>
-          <p:cNvPr id="3075" name="Picture 3" descr="C:\Users\ahmed.alani\Desktop\Work\Presentation\SSE.png"/>
+          <p:cNvPr id="5122" name="Picture 2" descr="C:\Users\ahmed.alani\Desktop\Work\Presentation\foreverframe.png"/>
           <p:cNvPicPr>
             <a:picLocks noChangeAspect="1" noChangeArrowheads="1"/>
           </p:cNvPicPr>
@@ -6638,8 +7492,8 @@
         </p:blipFill>
         <p:spPr bwMode="auto">
           <a:xfrm>
-            <a:off x="5476874" y="990600"/>
-            <a:ext cx="3552825" cy="5029201"/>
+            <a:off x="4648200" y="914400"/>
+            <a:ext cx="4317616" cy="5486400"/>
           </a:xfrm>
           <a:prstGeom prst="rect">
             <a:avLst/>
@@ -6656,10 +7510,135 @@
           </a:extLst>
         </p:spPr>
       </p:pic>
+      <p:sp>
+        <p:nvSpPr>
+          <p:cNvPr id="5" name="Rectangle 4"/>
+          <p:cNvSpPr/>
+          <p:nvPr/>
+        </p:nvSpPr>
+        <p:spPr>
+          <a:xfrm>
+            <a:off x="228600" y="1143000"/>
+            <a:ext cx="4191000" cy="5016758"/>
+          </a:xfrm>
+          <a:prstGeom prst="rect">
+            <a:avLst/>
+          </a:prstGeom>
+        </p:spPr>
+        <p:txBody>
+          <a:bodyPr wrap="square">
+            <a:spAutoFit/>
+          </a:bodyPr>
+          <a:lstStyle/>
+          <a:p>
+            <a:r>
+              <a:rPr lang="en-US" sz="4000" dirty="0" smtClean="0">
+                <a:solidFill>
+                  <a:schemeClr val="tx1">
+                    <a:lumMod val="65000"/>
+                    <a:lumOff val="35000"/>
+                  </a:schemeClr>
+                </a:solidFill>
+                <a:latin typeface="Yanone Kaffeesatz Bold" pitchFamily="2" charset="0"/>
+              </a:rPr>
+              <a:t>Exploits HTTP 1.1 chunked encoding to incrementally push data to hidden </a:t>
+            </a:r>
+            <a:r>
+              <a:rPr lang="en-US" sz="4000" dirty="0" err="1" smtClean="0">
+                <a:solidFill>
+                  <a:schemeClr val="tx1">
+                    <a:lumMod val="65000"/>
+                    <a:lumOff val="35000"/>
+                  </a:schemeClr>
+                </a:solidFill>
+                <a:latin typeface="Yanone Kaffeesatz Bold" pitchFamily="2" charset="0"/>
+              </a:rPr>
+              <a:t>iFrame</a:t>
+            </a:r>
+            <a:endParaRPr lang="en-US" sz="4000" dirty="0" smtClean="0">
+              <a:solidFill>
+                <a:schemeClr val="tx1">
+                  <a:lumMod val="65000"/>
+                  <a:lumOff val="35000"/>
+                </a:schemeClr>
+              </a:solidFill>
+              <a:latin typeface="Yanone Kaffeesatz Bold" pitchFamily="2" charset="0"/>
+            </a:endParaRPr>
+          </a:p>
+          <a:p>
+            <a:endParaRPr lang="en-US" sz="4000" dirty="0" smtClean="0">
+              <a:solidFill>
+                <a:schemeClr val="tx1">
+                  <a:lumMod val="65000"/>
+                  <a:lumOff val="35000"/>
+                </a:schemeClr>
+              </a:solidFill>
+              <a:latin typeface="Yanone Kaffeesatz Bold" pitchFamily="2" charset="0"/>
+            </a:endParaRPr>
+          </a:p>
+          <a:p>
+            <a:r>
+              <a:rPr lang="en-US" sz="4000" dirty="0" smtClean="0">
+                <a:solidFill>
+                  <a:schemeClr val="tx1">
+                    <a:lumMod val="65000"/>
+                    <a:lumOff val="35000"/>
+                  </a:schemeClr>
+                </a:solidFill>
+                <a:latin typeface="Yanone Kaffeesatz Bold" pitchFamily="2" charset="0"/>
+              </a:rPr>
+              <a:t>Latency better than long polling</a:t>
+            </a:r>
+            <a:endParaRPr lang="en-US" sz="4000" dirty="0">
+              <a:solidFill>
+                <a:schemeClr val="tx1">
+                  <a:lumMod val="65000"/>
+                  <a:lumOff val="35000"/>
+                </a:schemeClr>
+              </a:solidFill>
+              <a:latin typeface="Yanone Kaffeesatz Bold" pitchFamily="2" charset="0"/>
+            </a:endParaRPr>
+          </a:p>
+          <a:p>
+            <a:endParaRPr lang="en-US" sz="4000" dirty="0">
+              <a:solidFill>
+                <a:schemeClr val="tx1">
+                  <a:lumMod val="65000"/>
+                  <a:lumOff val="35000"/>
+                </a:schemeClr>
+              </a:solidFill>
+              <a:latin typeface="Yanone Kaffeesatz Bold" pitchFamily="2" charset="0"/>
+            </a:endParaRPr>
+          </a:p>
+          <a:p>
+            <a:r>
+              <a:rPr lang="en-US" sz="4000" dirty="0" smtClean="0">
+                <a:solidFill>
+                  <a:schemeClr val="tx1">
+                    <a:lumMod val="65000"/>
+                    <a:lumOff val="35000"/>
+                  </a:schemeClr>
+                </a:solidFill>
+                <a:latin typeface="Yanone Kaffeesatz Bold" pitchFamily="2" charset="0"/>
+              </a:rPr>
+              <a:t>Internet Explorer Only</a:t>
+            </a:r>
+            <a:endParaRPr lang="en-US" sz="4000" dirty="0">
+              <a:solidFill>
+                <a:schemeClr val="tx1">
+                  <a:lumMod val="65000"/>
+                  <a:lumOff val="35000"/>
+                </a:schemeClr>
+              </a:solidFill>
+              <a:latin typeface="Yanone Kaffeesatz Bold" pitchFamily="2" charset="0"/>
+            </a:endParaRPr>
+          </a:p>
+        </p:txBody>
+      </p:sp>
     </p:spTree>
     <p:extLst>
       <p:ext uri="{BB962C8B-B14F-4D97-AF65-F5344CB8AC3E}">
-        <p14:creationId xmlns:p14="http://schemas.microsoft.com/office/powerpoint/2010/main" val="4165656394"/>
+        <p14:creationId xmlns:p14="http://schemas.microsoft.com/office/powerpoint/2010/main" val="4026772592"/>
       </p:ext>
     </p:extLst>
   </p:cSld>
@@ -6669,7 +7648,222 @@
   <p:timing>
     <p:tnLst>
       <p:par>
-        <p:cTn id="1" dur="indefinite" restart="never" nodeType="tmRoot"/>
+        <p:cTn id="1" dur="indefinite" restart="never" nodeType="tmRoot">
+          <p:childTnLst>
+            <p:seq concurrent="1" nextAc="seek">
+              <p:cTn id="2" dur="indefinite" nodeType="mainSeq">
+                <p:childTnLst>
+                  <p:par>
+                    <p:cTn id="3" fill="hold">
+                      <p:stCondLst>
+                        <p:cond delay="indefinite"/>
+                      </p:stCondLst>
+                      <p:childTnLst>
+                        <p:par>
+                          <p:cTn id="4" fill="hold">
+                            <p:stCondLst>
+                              <p:cond delay="0"/>
+                            </p:stCondLst>
+                            <p:childTnLst>
+                              <p:par>
+                                <p:cTn id="5" presetID="1" presetClass="entr" presetSubtype="0" fill="hold" nodeType="clickEffect">
+                                  <p:stCondLst>
+                                    <p:cond delay="0"/>
+                                  </p:stCondLst>
+                                  <p:childTnLst>
+                                    <p:set>
+                                      <p:cBhvr>
+                                        <p:cTn id="6" dur="1" fill="hold">
+                                          <p:stCondLst>
+                                            <p:cond delay="0"/>
+                                          </p:stCondLst>
+                                        </p:cTn>
+                                        <p:tgtEl>
+                                          <p:spTgt spid="5122"/>
+                                        </p:tgtEl>
+                                        <p:attrNameLst>
+                                          <p:attrName>style.visibility</p:attrName>
+                                        </p:attrNameLst>
+                                      </p:cBhvr>
+                                      <p:to>
+                                        <p:strVal val="visible"/>
+                                      </p:to>
+                                    </p:set>
+                                  </p:childTnLst>
+                                </p:cTn>
+                              </p:par>
+                            </p:childTnLst>
+                          </p:cTn>
+                        </p:par>
+                      </p:childTnLst>
+                    </p:cTn>
+                  </p:par>
+                  <p:par>
+                    <p:cTn id="7" fill="hold">
+                      <p:stCondLst>
+                        <p:cond delay="indefinite"/>
+                      </p:stCondLst>
+                      <p:childTnLst>
+                        <p:par>
+                          <p:cTn id="8" fill="hold">
+                            <p:stCondLst>
+                              <p:cond delay="0"/>
+                            </p:stCondLst>
+                            <p:childTnLst>
+                              <p:par>
+                                <p:cTn id="9" presetID="1" presetClass="entr" presetSubtype="0" fill="hold" nodeType="clickEffect">
+                                  <p:stCondLst>
+                                    <p:cond delay="0"/>
+                                  </p:stCondLst>
+                                  <p:childTnLst>
+                                    <p:set>
+                                      <p:cBhvr>
+                                        <p:cTn id="10" dur="1" fill="hold">
+                                          <p:stCondLst>
+                                            <p:cond delay="0"/>
+                                          </p:stCondLst>
+                                        </p:cTn>
+                                        <p:tgtEl>
+                                          <p:spTgt spid="5">
+                                            <p:txEl>
+                                              <p:pRg st="0" end="0"/>
+                                            </p:txEl>
+                                          </p:spTgt>
+                                        </p:tgtEl>
+                                        <p:attrNameLst>
+                                          <p:attrName>style.visibility</p:attrName>
+                                        </p:attrNameLst>
+                                      </p:cBhvr>
+                                      <p:to>
+                                        <p:strVal val="visible"/>
+                                      </p:to>
+                                    </p:set>
+                                  </p:childTnLst>
+                                </p:cTn>
+                              </p:par>
+                            </p:childTnLst>
+                          </p:cTn>
+                        </p:par>
+                      </p:childTnLst>
+                    </p:cTn>
+                  </p:par>
+                  <p:par>
+                    <p:cTn id="11" fill="hold">
+                      <p:stCondLst>
+                        <p:cond delay="indefinite"/>
+                      </p:stCondLst>
+                      <p:childTnLst>
+                        <p:par>
+                          <p:cTn id="12" fill="hold">
+                            <p:stCondLst>
+                              <p:cond delay="0"/>
+                            </p:stCondLst>
+                            <p:childTnLst>
+                              <p:par>
+                                <p:cTn id="13" presetID="1" presetClass="entr" presetSubtype="0" fill="hold" nodeType="clickEffect">
+                                  <p:stCondLst>
+                                    <p:cond delay="0"/>
+                                  </p:stCondLst>
+                                  <p:childTnLst>
+                                    <p:set>
+                                      <p:cBhvr>
+                                        <p:cTn id="14" dur="1" fill="hold">
+                                          <p:stCondLst>
+                                            <p:cond delay="0"/>
+                                          </p:stCondLst>
+                                        </p:cTn>
+                                        <p:tgtEl>
+                                          <p:spTgt spid="5">
+                                            <p:txEl>
+                                              <p:pRg st="2" end="2"/>
+                                            </p:txEl>
+                                          </p:spTgt>
+                                        </p:tgtEl>
+                                        <p:attrNameLst>
+                                          <p:attrName>style.visibility</p:attrName>
+                                        </p:attrNameLst>
+                                      </p:cBhvr>
+                                      <p:to>
+                                        <p:strVal val="visible"/>
+                                      </p:to>
+                                    </p:set>
+                                  </p:childTnLst>
+                                </p:cTn>
+                              </p:par>
+                            </p:childTnLst>
+                          </p:cTn>
+                        </p:par>
+                      </p:childTnLst>
+                    </p:cTn>
+                  </p:par>
+                  <p:par>
+                    <p:cTn id="15" fill="hold">
+                      <p:stCondLst>
+                        <p:cond delay="indefinite"/>
+                      </p:stCondLst>
+                      <p:childTnLst>
+                        <p:par>
+                          <p:cTn id="16" fill="hold">
+                            <p:stCondLst>
+                              <p:cond delay="0"/>
+                            </p:stCondLst>
+                            <p:childTnLst>
+                              <p:par>
+                                <p:cTn id="17" presetID="1" presetClass="entr" presetSubtype="0" fill="hold" nodeType="clickEffect">
+                                  <p:stCondLst>
+                                    <p:cond delay="0"/>
+                                  </p:stCondLst>
+                                  <p:childTnLst>
+                                    <p:set>
+                                      <p:cBhvr>
+                                        <p:cTn id="18" dur="1" fill="hold">
+                                          <p:stCondLst>
+                                            <p:cond delay="0"/>
+                                          </p:stCondLst>
+                                        </p:cTn>
+                                        <p:tgtEl>
+                                          <p:spTgt spid="5">
+                                            <p:txEl>
+                                              <p:pRg st="4" end="4"/>
+                                            </p:txEl>
+                                          </p:spTgt>
+                                        </p:tgtEl>
+                                        <p:attrNameLst>
+                                          <p:attrName>style.visibility</p:attrName>
+                                        </p:attrNameLst>
+                                      </p:cBhvr>
+                                      <p:to>
+                                        <p:strVal val="visible"/>
+                                      </p:to>
+                                    </p:set>
+                                  </p:childTnLst>
+                                </p:cTn>
+                              </p:par>
+                            </p:childTnLst>
+                          </p:cTn>
+                        </p:par>
+                      </p:childTnLst>
+                    </p:cTn>
+                  </p:par>
+                </p:childTnLst>
+              </p:cTn>
+              <p:prevCondLst>
+                <p:cond evt="onPrev" delay="0">
+                  <p:tgtEl>
+                    <p:sldTgt/>
+                  </p:tgtEl>
+                </p:cond>
+              </p:prevCondLst>
+              <p:nextCondLst>
+                <p:cond evt="onNext" delay="0">
+                  <p:tgtEl>
+                    <p:sldTgt/>
+                  </p:tgtEl>
+                </p:cond>
+              </p:nextCondLst>
+            </p:seq>
+          </p:childTnLst>
+        </p:cTn>
       </p:par>
     </p:tnLst>
   </p:timing>
@@ -6719,7 +7913,7 @@
           <a:lstStyle/>
           <a:p>
             <a:r>
-              <a:rPr lang="en-US" sz="25000" dirty="0" smtClean="0">
+              <a:rPr lang="en-US" sz="17000" dirty="0" smtClean="0">
                 <a:solidFill>
                   <a:schemeClr val="accent2">
                     <a:lumMod val="75000"/>
@@ -6730,7 +7924,7 @@
               </a:rPr>
               <a:t>BETTER!</a:t>
             </a:r>
-            <a:endParaRPr lang="en-US" sz="25000" dirty="0">
+            <a:endParaRPr lang="en-US" sz="17000" dirty="0">
               <a:solidFill>
                 <a:srgbClr val="F0F2EB"/>
               </a:solidFill>
@@ -6743,7 +7937,7 @@
     </p:spTree>
     <p:extLst>
       <p:ext uri="{BB962C8B-B14F-4D97-AF65-F5344CB8AC3E}">
-        <p14:creationId xmlns:p14="http://schemas.microsoft.com/office/powerpoint/2010/main" val="2979681292"/>
+        <p14:creationId xmlns:p14="http://schemas.microsoft.com/office/powerpoint/2010/main" val="3877388153"/>
       </p:ext>
     </p:extLst>
   </p:cSld>
@@ -6804,6 +7998,542 @@
           <a:p>
             <a:pPr algn="l"/>
             <a:r>
+              <a:rPr lang="en-US" sz="8000" smtClean="0">
+                <a:solidFill>
+                  <a:schemeClr val="tx2">
+                    <a:lumMod val="60000"/>
+                    <a:lumOff val="40000"/>
+                  </a:schemeClr>
+                </a:solidFill>
+                <a:latin typeface="Yanone Kaffeesatz Bold" pitchFamily="2" charset="0"/>
+                <a:cs typeface="Aharoni" pitchFamily="2" charset="-79"/>
+              </a:rPr>
+              <a:t>Server-Sent Events</a:t>
+            </a:r>
+            <a:endParaRPr lang="en-US" sz="8000" dirty="0">
+              <a:solidFill>
+                <a:schemeClr val="tx2">
+                  <a:lumMod val="60000"/>
+                  <a:lumOff val="40000"/>
+                </a:schemeClr>
+              </a:solidFill>
+              <a:latin typeface="Yanone Kaffeesatz Bold" pitchFamily="2" charset="0"/>
+              <a:cs typeface="Aharoni" pitchFamily="2" charset="-79"/>
+            </a:endParaRPr>
+          </a:p>
+        </p:txBody>
+      </p:sp>
+      <p:pic>
+        <p:nvPicPr>
+          <p:cNvPr id="3075" name="Picture 3" descr="C:\Users\ahmed.alani\Desktop\Work\Presentation\SSE.png"/>
+          <p:cNvPicPr>
+            <a:picLocks noChangeAspect="1" noChangeArrowheads="1"/>
+          </p:cNvPicPr>
+          <p:nvPr/>
+        </p:nvPicPr>
+        <p:blipFill>
+          <a:blip r:embed="rId3">
+            <a:extLst>
+              <a:ext uri="{28A0092B-C50C-407E-A947-70E740481C1C}">
+                <a14:useLocalDpi xmlns:a14="http://schemas.microsoft.com/office/drawing/2010/main" val="0"/>
+              </a:ext>
+            </a:extLst>
+          </a:blip>
+          <a:srcRect/>
+          <a:stretch>
+            <a:fillRect/>
+          </a:stretch>
+        </p:blipFill>
+        <p:spPr bwMode="auto">
+          <a:xfrm>
+            <a:off x="4953000" y="1066800"/>
+            <a:ext cx="3990972" cy="5649422"/>
+          </a:xfrm>
+          <a:prstGeom prst="rect">
+            <a:avLst/>
+          </a:prstGeom>
+          <a:noFill/>
+          <a:extLst>
+            <a:ext uri="{909E8E84-426E-40DD-AFC4-6F175D3DCCD1}">
+              <a14:hiddenFill xmlns:a14="http://schemas.microsoft.com/office/drawing/2010/main">
+                <a:solidFill>
+                  <a:srgbClr val="FFFFFF"/>
+                </a:solidFill>
+              </a14:hiddenFill>
+            </a:ext>
+          </a:extLst>
+        </p:spPr>
+      </p:pic>
+      <p:sp>
+        <p:nvSpPr>
+          <p:cNvPr id="6" name="Rectangle 5"/>
+          <p:cNvSpPr/>
+          <p:nvPr/>
+        </p:nvSpPr>
+        <p:spPr>
+          <a:xfrm>
+            <a:off x="228600" y="1143000"/>
+            <a:ext cx="4495800" cy="4401205"/>
+          </a:xfrm>
+          <a:prstGeom prst="rect">
+            <a:avLst/>
+          </a:prstGeom>
+        </p:spPr>
+        <p:txBody>
+          <a:bodyPr wrap="square">
+            <a:spAutoFit/>
+          </a:bodyPr>
+          <a:lstStyle/>
+          <a:p>
+            <a:r>
+              <a:rPr lang="en-US" sz="4000" dirty="0">
+                <a:solidFill>
+                  <a:schemeClr val="tx1">
+                    <a:lumMod val="65000"/>
+                    <a:lumOff val="35000"/>
+                  </a:schemeClr>
+                </a:solidFill>
+                <a:latin typeface="Yanone Kaffeesatz Bold" pitchFamily="2" charset="0"/>
+              </a:rPr>
+              <a:t>HTML5 Browser API Feature</a:t>
+            </a:r>
+          </a:p>
+          <a:p>
+            <a:endParaRPr lang="en-US" sz="4000" dirty="0" smtClean="0">
+              <a:solidFill>
+                <a:schemeClr val="tx1">
+                  <a:lumMod val="65000"/>
+                  <a:lumOff val="35000"/>
+                </a:schemeClr>
+              </a:solidFill>
+              <a:latin typeface="Yanone Kaffeesatz Bold" pitchFamily="2" charset="0"/>
+            </a:endParaRPr>
+          </a:p>
+          <a:p>
+            <a:r>
+              <a:rPr lang="en-US" sz="4000" dirty="0">
+                <a:solidFill>
+                  <a:schemeClr val="tx1">
+                    <a:lumMod val="65000"/>
+                    <a:lumOff val="35000"/>
+                  </a:schemeClr>
+                </a:solidFill>
+                <a:latin typeface="Yanone Kaffeesatz Bold" pitchFamily="2" charset="0"/>
+              </a:rPr>
+              <a:t>Client initiates connection and it is kept open as long as </a:t>
+            </a:r>
+            <a:r>
+              <a:rPr lang="en-US" sz="4000" dirty="0" smtClean="0">
+                <a:solidFill>
+                  <a:schemeClr val="tx1">
+                    <a:lumMod val="65000"/>
+                    <a:lumOff val="35000"/>
+                  </a:schemeClr>
+                </a:solidFill>
+                <a:latin typeface="Yanone Kaffeesatz Bold" pitchFamily="2" charset="0"/>
+              </a:rPr>
+              <a:t>possible</a:t>
+            </a:r>
+          </a:p>
+          <a:p>
+            <a:endParaRPr lang="en-US" sz="4000" dirty="0">
+              <a:solidFill>
+                <a:schemeClr val="tx1">
+                  <a:lumMod val="65000"/>
+                  <a:lumOff val="35000"/>
+                </a:schemeClr>
+              </a:solidFill>
+              <a:latin typeface="Yanone Kaffeesatz Bold" pitchFamily="2" charset="0"/>
+            </a:endParaRPr>
+          </a:p>
+          <a:p>
+            <a:r>
+              <a:rPr lang="en-US" sz="4000" dirty="0" smtClean="0">
+                <a:solidFill>
+                  <a:schemeClr val="tx1">
+                    <a:lumMod val="65000"/>
+                    <a:lumOff val="35000"/>
+                  </a:schemeClr>
+                </a:solidFill>
+                <a:latin typeface="Yanone Kaffeesatz Bold" pitchFamily="2" charset="0"/>
+              </a:rPr>
+              <a:t>Server -&gt; Client only</a:t>
+            </a:r>
+            <a:endParaRPr lang="en-US" sz="4000" dirty="0">
+              <a:solidFill>
+                <a:schemeClr val="tx1">
+                  <a:lumMod val="65000"/>
+                  <a:lumOff val="35000"/>
+                </a:schemeClr>
+              </a:solidFill>
+              <a:latin typeface="Yanone Kaffeesatz Bold" pitchFamily="2" charset="0"/>
+            </a:endParaRPr>
+          </a:p>
+        </p:txBody>
+      </p:sp>
+    </p:spTree>
+    <p:extLst>
+      <p:ext uri="{BB962C8B-B14F-4D97-AF65-F5344CB8AC3E}">
+        <p14:creationId xmlns:p14="http://schemas.microsoft.com/office/powerpoint/2010/main" val="4165656394"/>
+      </p:ext>
+    </p:extLst>
+  </p:cSld>
+  <p:clrMapOvr>
+    <a:masterClrMapping/>
+  </p:clrMapOvr>
+  <p:timing>
+    <p:tnLst>
+      <p:par>
+        <p:cTn id="1" dur="indefinite" restart="never" nodeType="tmRoot">
+          <p:childTnLst>
+            <p:seq concurrent="1" nextAc="seek">
+              <p:cTn id="2" dur="indefinite" nodeType="mainSeq">
+                <p:childTnLst>
+                  <p:par>
+                    <p:cTn id="3" fill="hold">
+                      <p:stCondLst>
+                        <p:cond delay="indefinite"/>
+                      </p:stCondLst>
+                      <p:childTnLst>
+                        <p:par>
+                          <p:cTn id="4" fill="hold">
+                            <p:stCondLst>
+                              <p:cond delay="0"/>
+                            </p:stCondLst>
+                            <p:childTnLst>
+                              <p:par>
+                                <p:cTn id="5" presetID="1" presetClass="entr" presetSubtype="0" fill="hold" nodeType="clickEffect">
+                                  <p:stCondLst>
+                                    <p:cond delay="0"/>
+                                  </p:stCondLst>
+                                  <p:childTnLst>
+                                    <p:set>
+                                      <p:cBhvr>
+                                        <p:cTn id="6" dur="1" fill="hold">
+                                          <p:stCondLst>
+                                            <p:cond delay="0"/>
+                                          </p:stCondLst>
+                                        </p:cTn>
+                                        <p:tgtEl>
+                                          <p:spTgt spid="3075"/>
+                                        </p:tgtEl>
+                                        <p:attrNameLst>
+                                          <p:attrName>style.visibility</p:attrName>
+                                        </p:attrNameLst>
+                                      </p:cBhvr>
+                                      <p:to>
+                                        <p:strVal val="visible"/>
+                                      </p:to>
+                                    </p:set>
+                                  </p:childTnLst>
+                                </p:cTn>
+                              </p:par>
+                            </p:childTnLst>
+                          </p:cTn>
+                        </p:par>
+                      </p:childTnLst>
+                    </p:cTn>
+                  </p:par>
+                  <p:par>
+                    <p:cTn id="7" fill="hold">
+                      <p:stCondLst>
+                        <p:cond delay="indefinite"/>
+                      </p:stCondLst>
+                      <p:childTnLst>
+                        <p:par>
+                          <p:cTn id="8" fill="hold">
+                            <p:stCondLst>
+                              <p:cond delay="0"/>
+                            </p:stCondLst>
+                            <p:childTnLst>
+                              <p:par>
+                                <p:cTn id="9" presetID="1" presetClass="entr" presetSubtype="0" fill="hold" nodeType="clickEffect">
+                                  <p:stCondLst>
+                                    <p:cond delay="0"/>
+                                  </p:stCondLst>
+                                  <p:childTnLst>
+                                    <p:set>
+                                      <p:cBhvr>
+                                        <p:cTn id="10" dur="1" fill="hold">
+                                          <p:stCondLst>
+                                            <p:cond delay="0"/>
+                                          </p:stCondLst>
+                                        </p:cTn>
+                                        <p:tgtEl>
+                                          <p:spTgt spid="6">
+                                            <p:txEl>
+                                              <p:pRg st="0" end="0"/>
+                                            </p:txEl>
+                                          </p:spTgt>
+                                        </p:tgtEl>
+                                        <p:attrNameLst>
+                                          <p:attrName>style.visibility</p:attrName>
+                                        </p:attrNameLst>
+                                      </p:cBhvr>
+                                      <p:to>
+                                        <p:strVal val="visible"/>
+                                      </p:to>
+                                    </p:set>
+                                  </p:childTnLst>
+                                </p:cTn>
+                              </p:par>
+                            </p:childTnLst>
+                          </p:cTn>
+                        </p:par>
+                      </p:childTnLst>
+                    </p:cTn>
+                  </p:par>
+                  <p:par>
+                    <p:cTn id="11" fill="hold">
+                      <p:stCondLst>
+                        <p:cond delay="indefinite"/>
+                      </p:stCondLst>
+                      <p:childTnLst>
+                        <p:par>
+                          <p:cTn id="12" fill="hold">
+                            <p:stCondLst>
+                              <p:cond delay="0"/>
+                            </p:stCondLst>
+                            <p:childTnLst>
+                              <p:par>
+                                <p:cTn id="13" presetID="1" presetClass="entr" presetSubtype="0" fill="hold" nodeType="clickEffect">
+                                  <p:stCondLst>
+                                    <p:cond delay="0"/>
+                                  </p:stCondLst>
+                                  <p:childTnLst>
+                                    <p:set>
+                                      <p:cBhvr>
+                                        <p:cTn id="14" dur="1" fill="hold">
+                                          <p:stCondLst>
+                                            <p:cond delay="0"/>
+                                          </p:stCondLst>
+                                        </p:cTn>
+                                        <p:tgtEl>
+                                          <p:spTgt spid="6">
+                                            <p:txEl>
+                                              <p:pRg st="2" end="2"/>
+                                            </p:txEl>
+                                          </p:spTgt>
+                                        </p:tgtEl>
+                                        <p:attrNameLst>
+                                          <p:attrName>style.visibility</p:attrName>
+                                        </p:attrNameLst>
+                                      </p:cBhvr>
+                                      <p:to>
+                                        <p:strVal val="visible"/>
+                                      </p:to>
+                                    </p:set>
+                                  </p:childTnLst>
+                                </p:cTn>
+                              </p:par>
+                            </p:childTnLst>
+                          </p:cTn>
+                        </p:par>
+                      </p:childTnLst>
+                    </p:cTn>
+                  </p:par>
+                  <p:par>
+                    <p:cTn id="15" fill="hold">
+                      <p:stCondLst>
+                        <p:cond delay="indefinite"/>
+                      </p:stCondLst>
+                      <p:childTnLst>
+                        <p:par>
+                          <p:cTn id="16" fill="hold">
+                            <p:stCondLst>
+                              <p:cond delay="0"/>
+                            </p:stCondLst>
+                            <p:childTnLst>
+                              <p:par>
+                                <p:cTn id="17" presetID="1" presetClass="entr" presetSubtype="0" fill="hold" nodeType="clickEffect">
+                                  <p:stCondLst>
+                                    <p:cond delay="0"/>
+                                  </p:stCondLst>
+                                  <p:childTnLst>
+                                    <p:set>
+                                      <p:cBhvr>
+                                        <p:cTn id="18" dur="1" fill="hold">
+                                          <p:stCondLst>
+                                            <p:cond delay="0"/>
+                                          </p:stCondLst>
+                                        </p:cTn>
+                                        <p:tgtEl>
+                                          <p:spTgt spid="6">
+                                            <p:txEl>
+                                              <p:pRg st="4" end="4"/>
+                                            </p:txEl>
+                                          </p:spTgt>
+                                        </p:tgtEl>
+                                        <p:attrNameLst>
+                                          <p:attrName>style.visibility</p:attrName>
+                                        </p:attrNameLst>
+                                      </p:cBhvr>
+                                      <p:to>
+                                        <p:strVal val="visible"/>
+                                      </p:to>
+                                    </p:set>
+                                  </p:childTnLst>
+                                </p:cTn>
+                              </p:par>
+                            </p:childTnLst>
+                          </p:cTn>
+                        </p:par>
+                      </p:childTnLst>
+                    </p:cTn>
+                  </p:par>
+                </p:childTnLst>
+              </p:cTn>
+              <p:prevCondLst>
+                <p:cond evt="onPrev" delay="0">
+                  <p:tgtEl>
+                    <p:sldTgt/>
+                  </p:tgtEl>
+                </p:cond>
+              </p:prevCondLst>
+              <p:nextCondLst>
+                <p:cond evt="onNext" delay="0">
+                  <p:tgtEl>
+                    <p:sldTgt/>
+                  </p:tgtEl>
+                </p:cond>
+              </p:nextCondLst>
+            </p:seq>
+          </p:childTnLst>
+        </p:cTn>
+      </p:par>
+    </p:tnLst>
+  </p:timing>
+</p:sld>
+</file>
+
+<file path=ppt/slides/slide16.xml><?xml version="1.0" encoding="utf-8"?>
+<p:sld xmlns:a="http://schemas.openxmlformats.org/drawingml/2006/main" xmlns:r="http://schemas.openxmlformats.org/officeDocument/2006/relationships" xmlns:p="http://schemas.openxmlformats.org/presentationml/2006/main">
+  <p:cSld>
+    <p:spTree>
+      <p:nvGrpSpPr>
+        <p:cNvPr id="1" name=""/>
+        <p:cNvGrpSpPr/>
+        <p:nvPr/>
+      </p:nvGrpSpPr>
+      <p:grpSpPr>
+        <a:xfrm>
+          <a:off x="0" y="0"/>
+          <a:ext cx="0" cy="0"/>
+          <a:chOff x="0" y="0"/>
+          <a:chExt cx="0" cy="0"/>
+        </a:xfrm>
+      </p:grpSpPr>
+      <p:sp>
+        <p:nvSpPr>
+          <p:cNvPr id="2" name="Title 1"/>
+          <p:cNvSpPr>
+            <a:spLocks noGrp="1"/>
+          </p:cNvSpPr>
+          <p:nvPr>
+            <p:ph type="ctrTitle"/>
+          </p:nvPr>
+        </p:nvSpPr>
+        <p:spPr>
+          <a:xfrm>
+            <a:off x="381000" y="2667000"/>
+            <a:ext cx="8382000" cy="1470025"/>
+          </a:xfrm>
+          <a:ln>
+            <a:noFill/>
+          </a:ln>
+        </p:spPr>
+        <p:txBody>
+          <a:bodyPr>
+            <a:noAutofit/>
+          </a:bodyPr>
+          <a:lstStyle/>
+          <a:p>
+            <a:r>
+              <a:rPr lang="en-US" sz="25000" dirty="0" smtClean="0">
+                <a:solidFill>
+                  <a:schemeClr val="accent2">
+                    <a:lumMod val="75000"/>
+                  </a:schemeClr>
+                </a:solidFill>
+                <a:latin typeface="Yanone Kaffeesatz Bold" pitchFamily="2" charset="0"/>
+                <a:cs typeface="Aharoni" pitchFamily="2" charset="-79"/>
+              </a:rPr>
+              <a:t>BETTER!</a:t>
+            </a:r>
+            <a:endParaRPr lang="en-US" sz="25000" dirty="0">
+              <a:solidFill>
+                <a:srgbClr val="F0F2EB"/>
+              </a:solidFill>
+              <a:latin typeface="Yanone Kaffeesatz Bold" pitchFamily="2" charset="0"/>
+              <a:cs typeface="Aharoni" pitchFamily="2" charset="-79"/>
+            </a:endParaRPr>
+          </a:p>
+        </p:txBody>
+      </p:sp>
+    </p:spTree>
+    <p:extLst>
+      <p:ext uri="{BB962C8B-B14F-4D97-AF65-F5344CB8AC3E}">
+        <p14:creationId xmlns:p14="http://schemas.microsoft.com/office/powerpoint/2010/main" val="2979681292"/>
+      </p:ext>
+    </p:extLst>
+  </p:cSld>
+  <p:clrMapOvr>
+    <a:masterClrMapping/>
+  </p:clrMapOvr>
+  <p:timing>
+    <p:tnLst>
+      <p:par>
+        <p:cTn id="1" dur="indefinite" restart="never" nodeType="tmRoot"/>
+      </p:par>
+    </p:tnLst>
+  </p:timing>
+</p:sld>
+</file>
+
+<file path=ppt/slides/slide17.xml><?xml version="1.0" encoding="utf-8"?>
+<p:sld xmlns:a="http://schemas.openxmlformats.org/drawingml/2006/main" xmlns:r="http://schemas.openxmlformats.org/officeDocument/2006/relationships" xmlns:p="http://schemas.openxmlformats.org/presentationml/2006/main">
+  <p:cSld>
+    <p:spTree>
+      <p:nvGrpSpPr>
+        <p:cNvPr id="1" name=""/>
+        <p:cNvGrpSpPr/>
+        <p:nvPr/>
+      </p:nvGrpSpPr>
+      <p:grpSpPr>
+        <a:xfrm>
+          <a:off x="0" y="0"/>
+          <a:ext cx="0" cy="0"/>
+          <a:chOff x="0" y="0"/>
+          <a:chExt cx="0" cy="0"/>
+        </a:xfrm>
+      </p:grpSpPr>
+      <p:sp>
+        <p:nvSpPr>
+          <p:cNvPr id="2" name="Title 1"/>
+          <p:cNvSpPr>
+            <a:spLocks noGrp="1"/>
+          </p:cNvSpPr>
+          <p:nvPr>
+            <p:ph type="ctrTitle"/>
+          </p:nvPr>
+        </p:nvSpPr>
+        <p:spPr>
+          <a:xfrm>
+            <a:off x="76200" y="-228600"/>
+            <a:ext cx="7772400" cy="1470025"/>
+          </a:xfrm>
+          <a:ln>
+            <a:noFill/>
+          </a:ln>
+        </p:spPr>
+        <p:txBody>
+          <a:bodyPr>
+            <a:noAutofit/>
+          </a:bodyPr>
+          <a:lstStyle/>
+          <a:p>
+            <a:pPr algn="l"/>
+            <a:r>
               <a:rPr lang="en-US" sz="8000" dirty="0" err="1" smtClean="0">
                 <a:solidFill>
                   <a:schemeClr val="tx2">
@@ -7036,11 +8766,7 @@
                                           </p:stCondLst>
                                         </p:cTn>
                                         <p:tgtEl>
-                                          <p:spTgt spid="4">
-                                            <p:txEl>
-                                              <p:pRg st="0" end="0"/>
-                                            </p:txEl>
-                                          </p:spTgt>
+                                          <p:spTgt spid="6146"/>
                                         </p:tgtEl>
                                         <p:attrNameLst>
                                           <p:attrName>style.visibility</p:attrName>
@@ -7087,7 +8813,7 @@
                                         <p:tgtEl>
                                           <p:spTgt spid="4">
                                             <p:txEl>
-                                              <p:pRg st="3" end="3"/>
+                                              <p:pRg st="0" end="0"/>
                                             </p:txEl>
                                           </p:spTgt>
                                         </p:tgtEl>
@@ -7136,7 +8862,56 @@
                                         <p:tgtEl>
                                           <p:spTgt spid="4">
                                             <p:txEl>
-                                              <p:charRg st="120" end="160"/>
+                                              <p:pRg st="3" end="3"/>
+                                            </p:txEl>
+                                          </p:spTgt>
+                                        </p:tgtEl>
+                                        <p:attrNameLst>
+                                          <p:attrName>style.visibility</p:attrName>
+                                        </p:attrNameLst>
+                                      </p:cBhvr>
+                                      <p:to>
+                                        <p:strVal val="visible"/>
+                                      </p:to>
+                                    </p:set>
+                                  </p:childTnLst>
+                                </p:cTn>
+                              </p:par>
+                            </p:childTnLst>
+                          </p:cTn>
+                        </p:par>
+                      </p:childTnLst>
+                    </p:cTn>
+                  </p:par>
+                  <p:par>
+                    <p:cTn id="15" fill="hold">
+                      <p:stCondLst>
+                        <p:cond delay="indefinite"/>
+                      </p:stCondLst>
+                      <p:childTnLst>
+                        <p:par>
+                          <p:cTn id="16" fill="hold">
+                            <p:stCondLst>
+                              <p:cond delay="0"/>
+                            </p:stCondLst>
+                            <p:childTnLst>
+                              <p:par>
+                                <p:cTn id="17" presetID="1" presetClass="entr" presetSubtype="0" fill="hold" nodeType="clickEffect">
+                                  <p:stCondLst>
+                                    <p:cond delay="0"/>
+                                  </p:stCondLst>
+                                  <p:childTnLst>
+                                    <p:set>
+                                      <p:cBhvr>
+                                        <p:cTn id="18" dur="1" fill="hold">
+                                          <p:stCondLst>
+                                            <p:cond delay="0"/>
+                                          </p:stCondLst>
+                                        </p:cTn>
+                                        <p:tgtEl>
+                                          <p:spTgt spid="4">
+                                            <p:txEl>
+                                              <p:pRg st="5" end="5"/>
                                             </p:txEl>
                                           </p:spTgt>
                                         </p:tgtEl>
@@ -7182,7 +8957,7 @@
 </p:sld>
 </file>
 
-<file path=ppt/slides/slide16.xml><?xml version="1.0" encoding="utf-8"?>
+<file path=ppt/slides/slide18.xml><?xml version="1.0" encoding="utf-8"?>
 <p:sld xmlns:a="http://schemas.openxmlformats.org/drawingml/2006/main" xmlns:r="http://schemas.openxmlformats.org/officeDocument/2006/relationships" xmlns:p="http://schemas.openxmlformats.org/presentationml/2006/main">
   <p:cSld>
     <p:bg>
@@ -7530,9 +9305,17 @@
 </p:sld>
 </file>
 
-<file path=ppt/slides/slide17.xml><?xml version="1.0" encoding="utf-8"?>
+<file path=ppt/slides/slide19.xml><?xml version="1.0" encoding="utf-8"?>
 <p:sld xmlns:a="http://schemas.openxmlformats.org/drawingml/2006/main" xmlns:r="http://schemas.openxmlformats.org/officeDocument/2006/relationships" xmlns:p="http://schemas.openxmlformats.org/presentationml/2006/main">
   <p:cSld>
+    <p:bg>
+      <p:bgPr>
+        <a:solidFill>
+          <a:srgbClr val="F0F2EB"/>
+        </a:solidFill>
+        <a:effectLst/>
+      </p:bgPr>
+    </p:bg>
     <p:spTree>
       <p:nvGrpSpPr>
         <p:cNvPr id="1" name=""/>
@@ -7547,130 +9330,46 @@
           <a:chExt cx="0" cy="0"/>
         </a:xfrm>
       </p:grpSpPr>
-      <p:sp>
-        <p:nvSpPr>
-          <p:cNvPr id="2" name="Title 1"/>
-          <p:cNvSpPr>
-            <a:spLocks noGrp="1"/>
-          </p:cNvSpPr>
-          <p:nvPr>
-            <p:ph type="ctrTitle"/>
-          </p:nvPr>
-        </p:nvSpPr>
-        <p:spPr>
-          <a:xfrm>
-            <a:off x="76200" y="-228600"/>
-            <a:ext cx="7772400" cy="1470025"/>
-          </a:xfrm>
-          <a:ln>
-            <a:noFill/>
-          </a:ln>
-        </p:spPr>
-        <p:txBody>
-          <a:bodyPr>
-            <a:noAutofit/>
-          </a:bodyPr>
-          <a:lstStyle/>
-          <a:p>
-            <a:pPr algn="l"/>
-            <a:r>
-              <a:rPr lang="en-US" sz="8000" dirty="0" smtClean="0">
-                <a:solidFill>
-                  <a:schemeClr val="tx2">
-                    <a:lumMod val="60000"/>
-                    <a:lumOff val="40000"/>
-                  </a:schemeClr>
-                </a:solidFill>
-                <a:latin typeface="Yanone Kaffeesatz Bold" pitchFamily="2" charset="0"/>
-                <a:cs typeface="Aharoni" pitchFamily="2" charset="-79"/>
-              </a:rPr>
-              <a:t>Browser Support</a:t>
-            </a:r>
-            <a:endParaRPr lang="en-US" sz="8000" dirty="0">
-              <a:solidFill>
-                <a:schemeClr val="tx2">
-                  <a:lumMod val="60000"/>
-                  <a:lumOff val="40000"/>
-                </a:schemeClr>
-              </a:solidFill>
-              <a:latin typeface="Yanone Kaffeesatz Bold" pitchFamily="2" charset="0"/>
-              <a:cs typeface="Aharoni" pitchFamily="2" charset="-79"/>
-            </a:endParaRPr>
-          </a:p>
-        </p:txBody>
-      </p:sp>
       <p:pic>
         <p:nvPicPr>
-          <p:cNvPr id="5" name="Picture 2"/>
+          <p:cNvPr id="4" name="Picture 3"/>
           <p:cNvPicPr>
-            <a:picLocks noChangeAspect="1" noChangeArrowheads="1"/>
+            <a:picLocks noChangeAspect="1"/>
           </p:cNvPicPr>
           <p:nvPr/>
         </p:nvPicPr>
-        <p:blipFill rotWithShape="1">
-          <a:blip r:embed="rId3">
+        <p:blipFill>
+          <a:blip r:embed="rId2">
             <a:extLst>
               <a:ext uri="{28A0092B-C50C-407E-A947-70E740481C1C}">
                 <a14:useLocalDpi xmlns:a14="http://schemas.microsoft.com/office/drawing/2010/main" val="0"/>
               </a:ext>
             </a:extLst>
           </a:blip>
-          <a:srcRect l="20425" t="17971" r="22584" b="25309"/>
-          <a:stretch/>
+          <a:stretch>
+            <a:fillRect/>
+          </a:stretch>
         </p:blipFill>
-        <p:spPr bwMode="auto">
+        <p:spPr>
           <a:xfrm>
-            <a:off x="145357" y="1143000"/>
-            <a:ext cx="8846243" cy="5251132"/>
+            <a:off x="838200" y="121920"/>
+            <a:ext cx="7315200" cy="4983480"/>
           </a:xfrm>
           <a:prstGeom prst="rect">
             <a:avLst/>
           </a:prstGeom>
-          <a:noFill/>
-          <a:ln>
-            <a:noFill/>
-          </a:ln>
-          <a:effectLst/>
-          <a:extLst>
-            <a:ext uri="{909E8E84-426E-40DD-AFC4-6F175D3DCCD1}">
-              <a14:hiddenFill xmlns:a14="http://schemas.microsoft.com/office/drawing/2010/main">
-                <a:solidFill>
-                  <a:schemeClr val="accent1"/>
-                </a:solidFill>
-              </a14:hiddenFill>
-            </a:ext>
-            <a:ext uri="{91240B29-F687-4F45-9708-019B960494DF}">
-              <a14:hiddenLine xmlns:a14="http://schemas.microsoft.com/office/drawing/2010/main" w="9525">
-                <a:solidFill>
-                  <a:schemeClr val="tx1"/>
-                </a:solidFill>
-                <a:miter lim="800000"/>
-                <a:headEnd/>
-                <a:tailEnd/>
-              </a14:hiddenLine>
-            </a:ext>
-            <a:ext uri="{AF507438-7753-43E0-B8FC-AC1667EBCBE1}">
-              <a14:hiddenEffects xmlns:a14="http://schemas.microsoft.com/office/drawing/2010/main">
-                <a:effectLst>
-                  <a:outerShdw dist="35921" dir="2700000" algn="ctr" rotWithShape="0">
-                    <a:schemeClr val="bg2"/>
-                  </a:outerShdw>
-                </a:effectLst>
-              </a14:hiddenEffects>
-            </a:ext>
-          </a:extLst>
         </p:spPr>
       </p:pic>
       <p:sp>
         <p:nvSpPr>
-          <p:cNvPr id="6" name="Rectangle 5"/>
+          <p:cNvPr id="5" name="Rectangle 4"/>
           <p:cNvSpPr/>
           <p:nvPr/>
         </p:nvSpPr>
         <p:spPr>
           <a:xfrm>
-            <a:off x="5845965" y="6380946"/>
-            <a:ext cx="3281668" cy="477054"/>
+            <a:off x="3657600" y="-136981"/>
+            <a:ext cx="1508746" cy="4708981"/>
           </a:xfrm>
           <a:prstGeom prst="rect">
             <a:avLst/>
@@ -7683,20 +9382,170 @@
           <a:lstStyle/>
           <a:p>
             <a:r>
-              <a:rPr lang="en-US" sz="2500" dirty="0">
-                <a:latin typeface="Yanone Kaffeesatz Bold" pitchFamily="2" charset="0"/>
-                <a:hlinkClick r:id="rId4"/>
-              </a:rPr>
-              <a:t>http://caniuse.com/websockets</a:t>
-            </a:r>
-            <a:endParaRPr lang="en-US" sz="2500" dirty="0">
+              <a:rPr lang="en-US" sz="30000" dirty="0" smtClean="0">
+                <a:solidFill>
+                  <a:schemeClr val="tx2">
+                    <a:lumMod val="60000"/>
+                    <a:lumOff val="40000"/>
+                  </a:schemeClr>
+                </a:solidFill>
+                <a:latin typeface="Yanone Kaffeesatz Bold" pitchFamily="2" charset="0"/>
+              </a:rPr>
+              <a:t>S</a:t>
+            </a:r>
+            <a:endParaRPr lang="en-US" sz="30000" dirty="0">
+              <a:solidFill>
+                <a:schemeClr val="tx2">
+                  <a:lumMod val="60000"/>
+                  <a:lumOff val="40000"/>
+                </a:schemeClr>
+              </a:solidFill>
+            </a:endParaRPr>
+          </a:p>
+        </p:txBody>
+      </p:sp>
+      <p:sp>
+        <p:nvSpPr>
+          <p:cNvPr id="7" name="Rectangle 6"/>
+          <p:cNvSpPr/>
+          <p:nvPr/>
+        </p:nvSpPr>
+        <p:spPr>
+          <a:xfrm>
+            <a:off x="228600" y="5105400"/>
+            <a:ext cx="5684569" cy="1554272"/>
+          </a:xfrm>
+          <a:prstGeom prst="rect">
+            <a:avLst/>
+          </a:prstGeom>
+        </p:spPr>
+        <p:txBody>
+          <a:bodyPr wrap="none">
+            <a:spAutoFit/>
+          </a:bodyPr>
+          <a:lstStyle/>
+          <a:p>
+            <a:r>
+              <a:rPr lang="en-US" sz="9500" dirty="0" smtClean="0">
+                <a:solidFill>
+                  <a:schemeClr val="tx2">
+                    <a:lumMod val="60000"/>
+                    <a:lumOff val="40000"/>
+                  </a:schemeClr>
+                </a:solidFill>
+                <a:latin typeface="Yanone Kaffeesatz Bold" pitchFamily="2" charset="0"/>
+              </a:rPr>
+              <a:t>TO THE RESCUE!</a:t>
+            </a:r>
+            <a:endParaRPr lang="en-US" sz="9500" dirty="0">
+              <a:solidFill>
+                <a:schemeClr val="tx2">
+                  <a:lumMod val="60000"/>
+                  <a:lumOff val="40000"/>
+                </a:schemeClr>
+              </a:solidFill>
+            </a:endParaRPr>
+          </a:p>
+        </p:txBody>
+      </p:sp>
+      <p:sp>
+        <p:nvSpPr>
+          <p:cNvPr id="8" name="Rectangle 7"/>
+          <p:cNvSpPr/>
+          <p:nvPr/>
+        </p:nvSpPr>
+        <p:spPr>
+          <a:xfrm>
+            <a:off x="5679357" y="5151328"/>
+            <a:ext cx="3539752" cy="1554272"/>
+          </a:xfrm>
+          <a:prstGeom prst="rect">
+            <a:avLst/>
+          </a:prstGeom>
+        </p:spPr>
+        <p:txBody>
+          <a:bodyPr wrap="none">
+            <a:spAutoFit/>
+          </a:bodyPr>
+          <a:lstStyle/>
+          <a:p>
+            <a:r>
+              <a:rPr lang="en-US" sz="9500" dirty="0" smtClean="0">
+                <a:solidFill>
+                  <a:schemeClr val="tx1">
+                    <a:lumMod val="50000"/>
+                    <a:lumOff val="50000"/>
+                  </a:schemeClr>
+                </a:solidFill>
+                <a:latin typeface="Yanone Kaffeesatz Bold" pitchFamily="2" charset="0"/>
+              </a:rPr>
+              <a:t>...</a:t>
+            </a:r>
+            <a:r>
+              <a:rPr lang="en-US" sz="9500" dirty="0">
+                <a:solidFill>
+                  <a:schemeClr val="accent2">
+                    <a:lumMod val="75000"/>
+                  </a:schemeClr>
+                </a:solidFill>
+              </a:rPr>
+              <a:t> </a:t>
+            </a:r>
+            <a:r>
+              <a:rPr lang="en-US" sz="9500" dirty="0" smtClean="0">
+                <a:solidFill>
+                  <a:schemeClr val="accent2">
+                    <a:lumMod val="75000"/>
+                  </a:schemeClr>
+                </a:solidFill>
+                <a:latin typeface="Yanone Kaffeesatz Bold" pitchFamily="2" charset="0"/>
+              </a:rPr>
+              <a:t>RIGHT?</a:t>
+            </a:r>
+            <a:endParaRPr lang="en-US" sz="9500" dirty="0">
               <a:solidFill>
                 <a:schemeClr val="accent2">
                   <a:lumMod val="75000"/>
                 </a:schemeClr>
               </a:solidFill>
-              <a:latin typeface="Yanone Kaffeesatz Bold" pitchFamily="2" charset="0"/>
             </a:endParaRPr>
+          </a:p>
+        </p:txBody>
+      </p:sp>
+      <p:sp>
+        <p:nvSpPr>
+          <p:cNvPr id="2" name="Rectangle 1"/>
+          <p:cNvSpPr/>
+          <p:nvPr/>
+        </p:nvSpPr>
+        <p:spPr>
+          <a:xfrm>
+            <a:off x="1905000" y="838200"/>
+            <a:ext cx="1879041" cy="1569660"/>
+          </a:xfrm>
+          <a:prstGeom prst="rect">
+            <a:avLst/>
+          </a:prstGeom>
+        </p:spPr>
+        <p:txBody>
+          <a:bodyPr wrap="none">
+            <a:spAutoFit/>
+          </a:bodyPr>
+          <a:lstStyle/>
+          <a:p>
+            <a:r>
+              <a:rPr lang="en-US" sz="9600" dirty="0">
+                <a:solidFill>
+                  <a:schemeClr val="tx2">
+                    <a:lumMod val="60000"/>
+                    <a:lumOff val="40000"/>
+                  </a:schemeClr>
+                </a:solidFill>
+                <a:latin typeface="Yanone Kaffeesatz Bold" pitchFamily="2" charset="0"/>
+              </a:rPr>
+              <a:t>Web</a:t>
+            </a:r>
+            <a:endParaRPr lang="en-US" dirty="0"/>
           </a:p>
         </p:txBody>
       </p:sp>
@@ -7708,8 +9557,8 @@
         </p:nvSpPr>
         <p:spPr>
           <a:xfrm>
-            <a:off x="5181600" y="-76200"/>
-            <a:ext cx="1157689" cy="1477328"/>
+            <a:off x="4724400" y="838200"/>
+            <a:ext cx="2206053" cy="1569660"/>
           </a:xfrm>
           <a:prstGeom prst="rect">
             <a:avLst/>
@@ -7722,26 +9571,32 @@
           <a:lstStyle/>
           <a:p>
             <a:r>
-              <a:rPr lang="en-US" sz="9000" dirty="0">
-                <a:solidFill>
-                  <a:schemeClr val="accent2">
-                    <a:lumMod val="75000"/>
-                  </a:schemeClr>
-                </a:solidFill>
-                <a:latin typeface="Yanone Kaffeesatz Bold" pitchFamily="2" charset="0"/>
-                <a:cs typeface="Aharoni" pitchFamily="2" charset="-79"/>
-                <a:sym typeface="Wingdings" pitchFamily="2" charset="2"/>
-              </a:rPr>
-              <a:t></a:t>
-            </a:r>
-            <a:endParaRPr lang="en-US" sz="9000" dirty="0"/>
+              <a:rPr lang="en-US" sz="9600" dirty="0" err="1">
+                <a:solidFill>
+                  <a:schemeClr val="tx2">
+                    <a:lumMod val="60000"/>
+                    <a:lumOff val="40000"/>
+                  </a:schemeClr>
+                </a:solidFill>
+                <a:latin typeface="Yanone Kaffeesatz Bold" pitchFamily="2" charset="0"/>
+              </a:rPr>
+              <a:t>ocket</a:t>
+            </a:r>
+            <a:endParaRPr lang="en-US" sz="9600" dirty="0">
+              <a:solidFill>
+                <a:schemeClr val="tx2">
+                  <a:lumMod val="60000"/>
+                  <a:lumOff val="40000"/>
+                </a:schemeClr>
+              </a:solidFill>
+            </a:endParaRPr>
           </a:p>
         </p:txBody>
       </p:sp>
     </p:spTree>
     <p:extLst>
       <p:ext uri="{BB962C8B-B14F-4D97-AF65-F5344CB8AC3E}">
-        <p14:creationId xmlns:p14="http://schemas.microsoft.com/office/powerpoint/2010/main" val="3128495125"/>
+        <p14:creationId xmlns:p14="http://schemas.microsoft.com/office/powerpoint/2010/main" val="2315370049"/>
       </p:ext>
     </p:extLst>
   </p:cSld>
@@ -7769,7 +9624,7 @@
                             </p:stCondLst>
                             <p:childTnLst>
                               <p:par>
-                                <p:cTn id="5" presetID="1" presetClass="entr" presetSubtype="0" fill="hold" grpId="0" nodeType="clickEffect">
+                                <p:cTn id="5" presetID="1" presetClass="entr" presetSubtype="0" fill="hold" nodeType="clickEffect">
                                   <p:stCondLst>
                                     <p:cond delay="0"/>
                                   </p:stCondLst>
@@ -7782,7 +9637,60 @@
                                           </p:stCondLst>
                                         </p:cTn>
                                         <p:tgtEl>
-                                          <p:spTgt spid="3"/>
+                                          <p:spTgt spid="7">
+                                            <p:txEl>
+                                              <p:pRg st="0" end="0"/>
+                                            </p:txEl>
+                                          </p:spTgt>
+                                        </p:tgtEl>
+                                        <p:attrNameLst>
+                                          <p:attrName>style.visibility</p:attrName>
+                                        </p:attrNameLst>
+                                      </p:cBhvr>
+                                      <p:to>
+                                        <p:strVal val="visible"/>
+                                      </p:to>
+                                    </p:set>
+                                  </p:childTnLst>
+                                </p:cTn>
+                              </p:par>
+                            </p:childTnLst>
+                          </p:cTn>
+                        </p:par>
+                      </p:childTnLst>
+                    </p:cTn>
+                  </p:par>
+                  <p:par>
+                    <p:cTn id="7" fill="hold">
+                      <p:stCondLst>
+                        <p:cond delay="indefinite"/>
+                      </p:stCondLst>
+                      <p:childTnLst>
+                        <p:par>
+                          <p:cTn id="8" fill="hold">
+                            <p:stCondLst>
+                              <p:cond delay="0"/>
+                            </p:stCondLst>
+                            <p:childTnLst>
+                              <p:par>
+                                <p:cTn id="9" presetID="1" presetClass="entr" presetSubtype="0" fill="hold" nodeType="clickEffect">
+                                  <p:stCondLst>
+                                    <p:cond delay="0"/>
+                                  </p:stCondLst>
+                                  <p:childTnLst>
+                                    <p:set>
+                                      <p:cBhvr>
+                                        <p:cTn id="10" dur="1" fill="hold">
+                                          <p:stCondLst>
+                                            <p:cond delay="0"/>
+                                          </p:stCondLst>
+                                        </p:cTn>
+                                        <p:tgtEl>
+                                          <p:spTgt spid="8">
+                                            <p:txEl>
+                                              <p:pRg st="0" end="0"/>
+                                            </p:txEl>
+                                          </p:spTgt>
                                         </p:tgtEl>
                                         <p:attrNameLst>
                                           <p:attrName>style.visibility</p:attrName>
@@ -7820,266 +9728,6 @@
             </p:seq>
           </p:childTnLst>
         </p:cTn>
-      </p:par>
-    </p:tnLst>
-    <p:bldLst>
-      <p:bldP spid="3" grpId="0"/>
-    </p:bldLst>
-  </p:timing>
-</p:sld>
-</file>
-
-<file path=ppt/slides/slide18.xml><?xml version="1.0" encoding="utf-8"?>
-<p:sld xmlns:a="http://schemas.openxmlformats.org/drawingml/2006/main" xmlns:r="http://schemas.openxmlformats.org/officeDocument/2006/relationships" xmlns:p="http://schemas.openxmlformats.org/presentationml/2006/main">
-  <p:cSld>
-    <p:bg>
-      <p:bgPr>
-        <a:solidFill>
-          <a:srgbClr val="F0F2EB"/>
-        </a:solidFill>
-        <a:effectLst/>
-      </p:bgPr>
-    </p:bg>
-    <p:spTree>
-      <p:nvGrpSpPr>
-        <p:cNvPr id="1" name=""/>
-        <p:cNvGrpSpPr/>
-        <p:nvPr/>
-      </p:nvGrpSpPr>
-      <p:grpSpPr>
-        <a:xfrm>
-          <a:off x="0" y="0"/>
-          <a:ext cx="0" cy="0"/>
-          <a:chOff x="0" y="0"/>
-          <a:chExt cx="0" cy="0"/>
-        </a:xfrm>
-      </p:grpSpPr>
-      <p:sp>
-        <p:nvSpPr>
-          <p:cNvPr id="6" name="Subtitle 2"/>
-          <p:cNvSpPr>
-            <a:spLocks noGrp="1"/>
-          </p:cNvSpPr>
-          <p:nvPr>
-            <p:ph type="subTitle" idx="1"/>
-          </p:nvPr>
-        </p:nvSpPr>
-        <p:spPr>
-          <a:xfrm>
-            <a:off x="228600" y="1066800"/>
-            <a:ext cx="8763000" cy="5486400"/>
-          </a:xfrm>
-        </p:spPr>
-        <p:txBody>
-          <a:bodyPr>
-            <a:noAutofit/>
-          </a:bodyPr>
-          <a:lstStyle/>
-          <a:p>
-            <a:pPr marL="857250" indent="-857250" algn="l">
-              <a:buFont typeface="Arial" pitchFamily="34" charset="0"/>
-              <a:buChar char="•"/>
-            </a:pPr>
-            <a:r>
-              <a:rPr lang="en-US" sz="4800" dirty="0" smtClean="0">
-                <a:solidFill>
-                  <a:schemeClr val="tx1">
-                    <a:lumMod val="65000"/>
-                    <a:lumOff val="35000"/>
-                  </a:schemeClr>
-                </a:solidFill>
-                <a:latin typeface="Yanone Kaffeesatz Bold" pitchFamily="2" charset="0"/>
-              </a:rPr>
-              <a:t>Coverage Map of what you want to cover for all support + Code snippets / </a:t>
-            </a:r>
-            <a:r>
-              <a:rPr lang="en-US" sz="4800" dirty="0" err="1" smtClean="0">
-                <a:solidFill>
-                  <a:schemeClr val="tx1">
-                    <a:lumMod val="65000"/>
-                    <a:lumOff val="35000"/>
-                  </a:schemeClr>
-                </a:solidFill>
-                <a:latin typeface="Yanone Kaffeesatz Bold" pitchFamily="2" charset="0"/>
-              </a:rPr>
-              <a:t>pics</a:t>
-            </a:r>
-            <a:r>
-              <a:rPr lang="en-US" sz="4800" dirty="0" smtClean="0">
-                <a:solidFill>
-                  <a:schemeClr val="tx1">
-                    <a:lumMod val="65000"/>
-                    <a:lumOff val="35000"/>
-                  </a:schemeClr>
-                </a:solidFill>
-                <a:latin typeface="Yanone Kaffeesatz Bold" pitchFamily="2" charset="0"/>
-              </a:rPr>
-              <a:t> of it</a:t>
-            </a:r>
-          </a:p>
-          <a:p>
-            <a:pPr marL="857250" indent="-857250" algn="l">
-              <a:buFont typeface="Arial" pitchFamily="34" charset="0"/>
-              <a:buChar char="•"/>
-            </a:pPr>
-            <a:r>
-              <a:rPr lang="en-US" sz="4800" dirty="0" smtClean="0">
-                <a:solidFill>
-                  <a:schemeClr val="tx1">
-                    <a:lumMod val="65000"/>
-                    <a:lumOff val="35000"/>
-                  </a:schemeClr>
-                </a:solidFill>
-                <a:latin typeface="Yanone Kaffeesatz Bold" pitchFamily="2" charset="0"/>
-              </a:rPr>
-              <a:t>Long Polling</a:t>
-            </a:r>
-          </a:p>
-          <a:p>
-            <a:pPr marL="857250" indent="-857250" algn="l">
-              <a:buFont typeface="Arial" pitchFamily="34" charset="0"/>
-              <a:buChar char="•"/>
-            </a:pPr>
-            <a:r>
-              <a:rPr lang="en-US" sz="4800" dirty="0" smtClean="0">
-                <a:solidFill>
-                  <a:schemeClr val="tx1">
-                    <a:lumMod val="65000"/>
-                    <a:lumOff val="35000"/>
-                  </a:schemeClr>
-                </a:solidFill>
-                <a:latin typeface="Yanone Kaffeesatz Bold" pitchFamily="2" charset="0"/>
-              </a:rPr>
-              <a:t>SSE</a:t>
-            </a:r>
-          </a:p>
-          <a:p>
-            <a:pPr marL="857250" indent="-857250" algn="l">
-              <a:buFont typeface="Arial" pitchFamily="34" charset="0"/>
-              <a:buChar char="•"/>
-            </a:pPr>
-            <a:r>
-              <a:rPr lang="en-US" sz="4800" dirty="0" smtClean="0">
-                <a:solidFill>
-                  <a:schemeClr val="tx1">
-                    <a:lumMod val="65000"/>
-                    <a:lumOff val="35000"/>
-                  </a:schemeClr>
-                </a:solidFill>
-                <a:latin typeface="Yanone Kaffeesatz Bold" pitchFamily="2" charset="0"/>
-              </a:rPr>
-              <a:t>Etc.</a:t>
-            </a:r>
-          </a:p>
-        </p:txBody>
-      </p:sp>
-    </p:spTree>
-    <p:extLst>
-      <p:ext uri="{BB962C8B-B14F-4D97-AF65-F5344CB8AC3E}">
-        <p14:creationId xmlns:p14="http://schemas.microsoft.com/office/powerpoint/2010/main" val="1011165693"/>
-      </p:ext>
-    </p:extLst>
-  </p:cSld>
-  <p:clrMapOvr>
-    <a:masterClrMapping/>
-  </p:clrMapOvr>
-  <p:timing>
-    <p:tnLst>
-      <p:par>
-        <p:cTn id="1" dur="indefinite" restart="never" nodeType="tmRoot"/>
-      </p:par>
-    </p:tnLst>
-  </p:timing>
-</p:sld>
-</file>
-
-<file path=ppt/slides/slide19.xml><?xml version="1.0" encoding="utf-8"?>
-<p:sld xmlns:a="http://schemas.openxmlformats.org/drawingml/2006/main" xmlns:r="http://schemas.openxmlformats.org/officeDocument/2006/relationships" xmlns:p="http://schemas.openxmlformats.org/presentationml/2006/main">
-  <p:cSld>
-    <p:bg>
-      <p:bgPr>
-        <a:solidFill>
-          <a:schemeClr val="tx2">
-            <a:lumMod val="60000"/>
-            <a:lumOff val="40000"/>
-          </a:schemeClr>
-        </a:solidFill>
-        <a:effectLst/>
-      </p:bgPr>
-    </p:bg>
-    <p:spTree>
-      <p:nvGrpSpPr>
-        <p:cNvPr id="1" name=""/>
-        <p:cNvGrpSpPr/>
-        <p:nvPr/>
-      </p:nvGrpSpPr>
-      <p:grpSpPr>
-        <a:xfrm>
-          <a:off x="0" y="0"/>
-          <a:ext cx="0" cy="0"/>
-          <a:chOff x="0" y="0"/>
-          <a:chExt cx="0" cy="0"/>
-        </a:xfrm>
-      </p:grpSpPr>
-      <p:sp>
-        <p:nvSpPr>
-          <p:cNvPr id="2" name="Title 1"/>
-          <p:cNvSpPr>
-            <a:spLocks noGrp="1"/>
-          </p:cNvSpPr>
-          <p:nvPr>
-            <p:ph type="ctrTitle"/>
-          </p:nvPr>
-        </p:nvSpPr>
-        <p:spPr>
-          <a:xfrm>
-            <a:off x="381000" y="2667000"/>
-            <a:ext cx="8382000" cy="1470025"/>
-          </a:xfrm>
-          <a:ln>
-            <a:noFill/>
-          </a:ln>
-        </p:spPr>
-        <p:txBody>
-          <a:bodyPr>
-            <a:noAutofit/>
-          </a:bodyPr>
-          <a:lstStyle/>
-          <a:p>
-            <a:r>
-              <a:rPr lang="en-US" sz="15000" dirty="0" smtClean="0">
-                <a:solidFill>
-                  <a:srgbClr val="F0F2EB"/>
-                </a:solidFill>
-                <a:latin typeface="Yanone Kaffeesatz Bold" pitchFamily="2" charset="0"/>
-                <a:cs typeface="Aharoni" pitchFamily="2" charset="-79"/>
-              </a:rPr>
-              <a:t>HOW DO YOU MANAGE THESE?</a:t>
-            </a:r>
-            <a:endParaRPr lang="en-US" sz="15000" dirty="0">
-              <a:solidFill>
-                <a:srgbClr val="F0F2EB"/>
-              </a:solidFill>
-              <a:latin typeface="Yanone Kaffeesatz Bold" pitchFamily="2" charset="0"/>
-              <a:cs typeface="Aharoni" pitchFamily="2" charset="-79"/>
-            </a:endParaRPr>
-          </a:p>
-        </p:txBody>
-      </p:sp>
-    </p:spTree>
-    <p:extLst>
-      <p:ext uri="{BB962C8B-B14F-4D97-AF65-F5344CB8AC3E}">
-        <p14:creationId xmlns:p14="http://schemas.microsoft.com/office/powerpoint/2010/main" val="4276739853"/>
-      </p:ext>
-    </p:extLst>
-  </p:cSld>
-  <p:clrMapOvr>
-    <a:masterClrMapping/>
-  </p:clrMapOvr>
-  <p:timing>
-    <p:tnLst>
-      <p:par>
-        <p:cTn id="1" dur="indefinite" restart="never" nodeType="tmRoot"/>
       </p:par>
     </p:tnLst>
   </p:timing>
@@ -8653,6 +10301,1563 @@
           <a:p>
             <a:pPr algn="l"/>
             <a:r>
+              <a:rPr lang="en-US" sz="8000" dirty="0" smtClean="0">
+                <a:solidFill>
+                  <a:schemeClr val="tx2">
+                    <a:lumMod val="60000"/>
+                    <a:lumOff val="40000"/>
+                  </a:schemeClr>
+                </a:solidFill>
+                <a:latin typeface="Yanone Kaffeesatz Bold" pitchFamily="2" charset="0"/>
+                <a:cs typeface="Aharoni" pitchFamily="2" charset="-79"/>
+              </a:rPr>
+              <a:t>Browser Support</a:t>
+            </a:r>
+            <a:endParaRPr lang="en-US" sz="8000" dirty="0">
+              <a:solidFill>
+                <a:schemeClr val="tx2">
+                  <a:lumMod val="60000"/>
+                  <a:lumOff val="40000"/>
+                </a:schemeClr>
+              </a:solidFill>
+              <a:latin typeface="Yanone Kaffeesatz Bold" pitchFamily="2" charset="0"/>
+              <a:cs typeface="Aharoni" pitchFamily="2" charset="-79"/>
+            </a:endParaRPr>
+          </a:p>
+        </p:txBody>
+      </p:sp>
+      <p:pic>
+        <p:nvPicPr>
+          <p:cNvPr id="5" name="Picture 2"/>
+          <p:cNvPicPr>
+            <a:picLocks noChangeAspect="1" noChangeArrowheads="1"/>
+          </p:cNvPicPr>
+          <p:nvPr/>
+        </p:nvPicPr>
+        <p:blipFill rotWithShape="1">
+          <a:blip r:embed="rId3">
+            <a:extLst>
+              <a:ext uri="{28A0092B-C50C-407E-A947-70E740481C1C}">
+                <a14:useLocalDpi xmlns:a14="http://schemas.microsoft.com/office/drawing/2010/main" val="0"/>
+              </a:ext>
+            </a:extLst>
+          </a:blip>
+          <a:srcRect l="20425" t="17971" r="22584" b="25309"/>
+          <a:stretch/>
+        </p:blipFill>
+        <p:spPr bwMode="auto">
+          <a:xfrm>
+            <a:off x="145357" y="1143000"/>
+            <a:ext cx="8846243" cy="5251132"/>
+          </a:xfrm>
+          <a:prstGeom prst="rect">
+            <a:avLst/>
+          </a:prstGeom>
+          <a:noFill/>
+          <a:ln>
+            <a:noFill/>
+          </a:ln>
+          <a:effectLst/>
+          <a:extLst>
+            <a:ext uri="{909E8E84-426E-40DD-AFC4-6F175D3DCCD1}">
+              <a14:hiddenFill xmlns:a14="http://schemas.microsoft.com/office/drawing/2010/main">
+                <a:solidFill>
+                  <a:schemeClr val="accent1"/>
+                </a:solidFill>
+              </a14:hiddenFill>
+            </a:ext>
+            <a:ext uri="{91240B29-F687-4F45-9708-019B960494DF}">
+              <a14:hiddenLine xmlns:a14="http://schemas.microsoft.com/office/drawing/2010/main" w="9525">
+                <a:solidFill>
+                  <a:schemeClr val="tx1"/>
+                </a:solidFill>
+                <a:miter lim="800000"/>
+                <a:headEnd/>
+                <a:tailEnd/>
+              </a14:hiddenLine>
+            </a:ext>
+            <a:ext uri="{AF507438-7753-43E0-B8FC-AC1667EBCBE1}">
+              <a14:hiddenEffects xmlns:a14="http://schemas.microsoft.com/office/drawing/2010/main">
+                <a:effectLst>
+                  <a:outerShdw dist="35921" dir="2700000" algn="ctr" rotWithShape="0">
+                    <a:schemeClr val="bg2"/>
+                  </a:outerShdw>
+                </a:effectLst>
+              </a14:hiddenEffects>
+            </a:ext>
+          </a:extLst>
+        </p:spPr>
+      </p:pic>
+      <p:sp>
+        <p:nvSpPr>
+          <p:cNvPr id="6" name="Rectangle 5"/>
+          <p:cNvSpPr/>
+          <p:nvPr/>
+        </p:nvSpPr>
+        <p:spPr>
+          <a:xfrm>
+            <a:off x="5845965" y="6380946"/>
+            <a:ext cx="3281668" cy="477054"/>
+          </a:xfrm>
+          <a:prstGeom prst="rect">
+            <a:avLst/>
+          </a:prstGeom>
+        </p:spPr>
+        <p:txBody>
+          <a:bodyPr wrap="none">
+            <a:spAutoFit/>
+          </a:bodyPr>
+          <a:lstStyle/>
+          <a:p>
+            <a:r>
+              <a:rPr lang="en-US" sz="2500" dirty="0">
+                <a:latin typeface="Yanone Kaffeesatz Bold" pitchFamily="2" charset="0"/>
+                <a:hlinkClick r:id="rId4"/>
+              </a:rPr>
+              <a:t>http://caniuse.com/websockets</a:t>
+            </a:r>
+            <a:endParaRPr lang="en-US" sz="2500" dirty="0">
+              <a:solidFill>
+                <a:schemeClr val="accent2">
+                  <a:lumMod val="75000"/>
+                </a:schemeClr>
+              </a:solidFill>
+              <a:latin typeface="Yanone Kaffeesatz Bold" pitchFamily="2" charset="0"/>
+            </a:endParaRPr>
+          </a:p>
+        </p:txBody>
+      </p:sp>
+      <p:sp>
+        <p:nvSpPr>
+          <p:cNvPr id="3" name="Rectangle 2"/>
+          <p:cNvSpPr/>
+          <p:nvPr/>
+        </p:nvSpPr>
+        <p:spPr>
+          <a:xfrm>
+            <a:off x="5181600" y="-76200"/>
+            <a:ext cx="1157689" cy="1477328"/>
+          </a:xfrm>
+          <a:prstGeom prst="rect">
+            <a:avLst/>
+          </a:prstGeom>
+        </p:spPr>
+        <p:txBody>
+          <a:bodyPr wrap="none">
+            <a:spAutoFit/>
+          </a:bodyPr>
+          <a:lstStyle/>
+          <a:p>
+            <a:r>
+              <a:rPr lang="en-US" sz="9000" dirty="0">
+                <a:solidFill>
+                  <a:schemeClr val="accent2">
+                    <a:lumMod val="75000"/>
+                  </a:schemeClr>
+                </a:solidFill>
+                <a:latin typeface="Yanone Kaffeesatz Bold" pitchFamily="2" charset="0"/>
+                <a:cs typeface="Aharoni" pitchFamily="2" charset="-79"/>
+                <a:sym typeface="Wingdings" pitchFamily="2" charset="2"/>
+              </a:rPr>
+              <a:t></a:t>
+            </a:r>
+            <a:endParaRPr lang="en-US" sz="9000" dirty="0"/>
+          </a:p>
+        </p:txBody>
+      </p:sp>
+    </p:spTree>
+    <p:extLst>
+      <p:ext uri="{BB962C8B-B14F-4D97-AF65-F5344CB8AC3E}">
+        <p14:creationId xmlns:p14="http://schemas.microsoft.com/office/powerpoint/2010/main" val="3128495125"/>
+      </p:ext>
+    </p:extLst>
+  </p:cSld>
+  <p:clrMapOvr>
+    <a:masterClrMapping/>
+  </p:clrMapOvr>
+  <p:timing>
+    <p:tnLst>
+      <p:par>
+        <p:cTn id="1" dur="indefinite" restart="never" nodeType="tmRoot">
+          <p:childTnLst>
+            <p:seq concurrent="1" nextAc="seek">
+              <p:cTn id="2" dur="indefinite" nodeType="mainSeq">
+                <p:childTnLst>
+                  <p:par>
+                    <p:cTn id="3" fill="hold">
+                      <p:stCondLst>
+                        <p:cond delay="indefinite"/>
+                      </p:stCondLst>
+                      <p:childTnLst>
+                        <p:par>
+                          <p:cTn id="4" fill="hold">
+                            <p:stCondLst>
+                              <p:cond delay="0"/>
+                            </p:stCondLst>
+                            <p:childTnLst>
+                              <p:par>
+                                <p:cTn id="5" presetID="1" presetClass="entr" presetSubtype="0" fill="hold" grpId="0" nodeType="clickEffect">
+                                  <p:stCondLst>
+                                    <p:cond delay="0"/>
+                                  </p:stCondLst>
+                                  <p:childTnLst>
+                                    <p:set>
+                                      <p:cBhvr>
+                                        <p:cTn id="6" dur="1" fill="hold">
+                                          <p:stCondLst>
+                                            <p:cond delay="0"/>
+                                          </p:stCondLst>
+                                        </p:cTn>
+                                        <p:tgtEl>
+                                          <p:spTgt spid="3"/>
+                                        </p:tgtEl>
+                                        <p:attrNameLst>
+                                          <p:attrName>style.visibility</p:attrName>
+                                        </p:attrNameLst>
+                                      </p:cBhvr>
+                                      <p:to>
+                                        <p:strVal val="visible"/>
+                                      </p:to>
+                                    </p:set>
+                                  </p:childTnLst>
+                                </p:cTn>
+                              </p:par>
+                            </p:childTnLst>
+                          </p:cTn>
+                        </p:par>
+                      </p:childTnLst>
+                    </p:cTn>
+                  </p:par>
+                </p:childTnLst>
+              </p:cTn>
+              <p:prevCondLst>
+                <p:cond evt="onPrev" delay="0">
+                  <p:tgtEl>
+                    <p:sldTgt/>
+                  </p:tgtEl>
+                </p:cond>
+              </p:prevCondLst>
+              <p:nextCondLst>
+                <p:cond evt="onNext" delay="0">
+                  <p:tgtEl>
+                    <p:sldTgt/>
+                  </p:tgtEl>
+                </p:cond>
+              </p:nextCondLst>
+            </p:seq>
+          </p:childTnLst>
+        </p:cTn>
+      </p:par>
+    </p:tnLst>
+    <p:bldLst>
+      <p:bldP spid="3" grpId="0"/>
+    </p:bldLst>
+  </p:timing>
+</p:sld>
+</file>
+
+<file path=ppt/slides/slide21.xml><?xml version="1.0" encoding="utf-8"?>
+<p:sld xmlns:a="http://schemas.openxmlformats.org/drawingml/2006/main" xmlns:r="http://schemas.openxmlformats.org/officeDocument/2006/relationships" xmlns:p="http://schemas.openxmlformats.org/presentationml/2006/main">
+  <p:cSld>
+    <p:spTree>
+      <p:nvGrpSpPr>
+        <p:cNvPr id="1" name=""/>
+        <p:cNvGrpSpPr/>
+        <p:nvPr/>
+      </p:nvGrpSpPr>
+      <p:grpSpPr>
+        <a:xfrm>
+          <a:off x="0" y="0"/>
+          <a:ext cx="0" cy="0"/>
+          <a:chOff x="0" y="0"/>
+          <a:chExt cx="0" cy="0"/>
+        </a:xfrm>
+      </p:grpSpPr>
+      <p:sp>
+        <p:nvSpPr>
+          <p:cNvPr id="2" name="Title 1"/>
+          <p:cNvSpPr>
+            <a:spLocks noGrp="1"/>
+          </p:cNvSpPr>
+          <p:nvPr>
+            <p:ph type="ctrTitle"/>
+          </p:nvPr>
+        </p:nvSpPr>
+        <p:spPr>
+          <a:xfrm>
+            <a:off x="76200" y="-228600"/>
+            <a:ext cx="7772400" cy="1470025"/>
+          </a:xfrm>
+          <a:ln>
+            <a:noFill/>
+          </a:ln>
+        </p:spPr>
+        <p:txBody>
+          <a:bodyPr>
+            <a:noAutofit/>
+          </a:bodyPr>
+          <a:lstStyle/>
+          <a:p>
+            <a:pPr algn="l"/>
+            <a:r>
+              <a:rPr lang="en-US" sz="8000" dirty="0" smtClean="0">
+                <a:solidFill>
+                  <a:schemeClr val="tx2">
+                    <a:lumMod val="60000"/>
+                    <a:lumOff val="40000"/>
+                  </a:schemeClr>
+                </a:solidFill>
+                <a:latin typeface="Yanone Kaffeesatz Bold" pitchFamily="2" charset="0"/>
+                <a:cs typeface="Aharoni" pitchFamily="2" charset="-79"/>
+              </a:rPr>
+              <a:t>Progressive Enhancement</a:t>
+            </a:r>
+            <a:endParaRPr lang="en-US" sz="8000" dirty="0">
+              <a:solidFill>
+                <a:schemeClr val="tx2">
+                  <a:lumMod val="60000"/>
+                  <a:lumOff val="40000"/>
+                </a:schemeClr>
+              </a:solidFill>
+              <a:latin typeface="Yanone Kaffeesatz Bold" pitchFamily="2" charset="0"/>
+              <a:cs typeface="Aharoni" pitchFamily="2" charset="-79"/>
+            </a:endParaRPr>
+          </a:p>
+        </p:txBody>
+      </p:sp>
+      <p:sp>
+        <p:nvSpPr>
+          <p:cNvPr id="4" name="Rectangle 3"/>
+          <p:cNvSpPr/>
+          <p:nvPr/>
+        </p:nvSpPr>
+        <p:spPr>
+          <a:xfrm>
+            <a:off x="1143000" y="1371599"/>
+            <a:ext cx="1981200" cy="707886"/>
+          </a:xfrm>
+          <a:prstGeom prst="rect">
+            <a:avLst/>
+          </a:prstGeom>
+        </p:spPr>
+        <p:txBody>
+          <a:bodyPr wrap="square">
+            <a:spAutoFit/>
+          </a:bodyPr>
+          <a:lstStyle/>
+          <a:p>
+            <a:r>
+              <a:rPr lang="en-US" sz="4000" dirty="0" smtClean="0">
+                <a:solidFill>
+                  <a:schemeClr val="tx1">
+                    <a:lumMod val="65000"/>
+                    <a:lumOff val="35000"/>
+                  </a:schemeClr>
+                </a:solidFill>
+                <a:latin typeface="Yanone Kaffeesatz Bold" pitchFamily="2" charset="0"/>
+              </a:rPr>
+              <a:t>Long Polling</a:t>
+            </a:r>
+          </a:p>
+        </p:txBody>
+      </p:sp>
+      <p:pic>
+        <p:nvPicPr>
+          <p:cNvPr id="2050" name="Picture 2" descr="C:\Users\ahmed.alani\Desktop\Work\Talks\SignalR-Intro\greenCheck.png"/>
+          <p:cNvPicPr>
+            <a:picLocks noChangeAspect="1" noChangeArrowheads="1"/>
+          </p:cNvPicPr>
+          <p:nvPr/>
+        </p:nvPicPr>
+        <p:blipFill>
+          <a:blip r:embed="rId3">
+            <a:extLst>
+              <a:ext uri="{28A0092B-C50C-407E-A947-70E740481C1C}">
+                <a14:useLocalDpi xmlns:a14="http://schemas.microsoft.com/office/drawing/2010/main" val="0"/>
+              </a:ext>
+            </a:extLst>
+          </a:blip>
+          <a:srcRect/>
+          <a:stretch>
+            <a:fillRect/>
+          </a:stretch>
+        </p:blipFill>
+        <p:spPr bwMode="auto">
+          <a:xfrm>
+            <a:off x="220010" y="1219200"/>
+            <a:ext cx="922990" cy="922990"/>
+          </a:xfrm>
+          <a:prstGeom prst="rect">
+            <a:avLst/>
+          </a:prstGeom>
+          <a:noFill/>
+          <a:extLst>
+            <a:ext uri="{909E8E84-426E-40DD-AFC4-6F175D3DCCD1}">
+              <a14:hiddenFill xmlns:a14="http://schemas.microsoft.com/office/drawing/2010/main">
+                <a:solidFill>
+                  <a:srgbClr val="FFFFFF"/>
+                </a:solidFill>
+              </a14:hiddenFill>
+            </a:ext>
+          </a:extLst>
+        </p:spPr>
+      </p:pic>
+      <p:pic>
+        <p:nvPicPr>
+          <p:cNvPr id="6" name="Picture 2" descr="C:\Users\ahmed.alani\Desktop\Work\Talks\SignalR-Intro\greenCheck.png"/>
+          <p:cNvPicPr>
+            <a:picLocks noChangeAspect="1" noChangeArrowheads="1"/>
+          </p:cNvPicPr>
+          <p:nvPr/>
+        </p:nvPicPr>
+        <p:blipFill>
+          <a:blip r:embed="rId3">
+            <a:extLst>
+              <a:ext uri="{28A0092B-C50C-407E-A947-70E740481C1C}">
+                <a14:useLocalDpi xmlns:a14="http://schemas.microsoft.com/office/drawing/2010/main" val="0"/>
+              </a:ext>
+            </a:extLst>
+          </a:blip>
+          <a:srcRect/>
+          <a:stretch>
+            <a:fillRect/>
+          </a:stretch>
+        </p:blipFill>
+        <p:spPr bwMode="auto">
+          <a:xfrm>
+            <a:off x="220010" y="2438400"/>
+            <a:ext cx="922990" cy="922990"/>
+          </a:xfrm>
+          <a:prstGeom prst="rect">
+            <a:avLst/>
+          </a:prstGeom>
+          <a:noFill/>
+          <a:extLst>
+            <a:ext uri="{909E8E84-426E-40DD-AFC4-6F175D3DCCD1}">
+              <a14:hiddenFill xmlns:a14="http://schemas.microsoft.com/office/drawing/2010/main">
+                <a:solidFill>
+                  <a:srgbClr val="FFFFFF"/>
+                </a:solidFill>
+              </a14:hiddenFill>
+            </a:ext>
+          </a:extLst>
+        </p:spPr>
+      </p:pic>
+      <p:pic>
+        <p:nvPicPr>
+          <p:cNvPr id="7" name="Picture 2" descr="C:\Users\ahmed.alani\Desktop\Work\Talks\SignalR-Intro\greenCheck.png"/>
+          <p:cNvPicPr>
+            <a:picLocks noChangeAspect="1" noChangeArrowheads="1"/>
+          </p:cNvPicPr>
+          <p:nvPr/>
+        </p:nvPicPr>
+        <p:blipFill>
+          <a:blip r:embed="rId3">
+            <a:extLst>
+              <a:ext uri="{28A0092B-C50C-407E-A947-70E740481C1C}">
+                <a14:useLocalDpi xmlns:a14="http://schemas.microsoft.com/office/drawing/2010/main" val="0"/>
+              </a:ext>
+            </a:extLst>
+          </a:blip>
+          <a:srcRect/>
+          <a:stretch>
+            <a:fillRect/>
+          </a:stretch>
+        </p:blipFill>
+        <p:spPr bwMode="auto">
+          <a:xfrm>
+            <a:off x="220010" y="3581400"/>
+            <a:ext cx="922990" cy="922990"/>
+          </a:xfrm>
+          <a:prstGeom prst="rect">
+            <a:avLst/>
+          </a:prstGeom>
+          <a:noFill/>
+          <a:extLst>
+            <a:ext uri="{909E8E84-426E-40DD-AFC4-6F175D3DCCD1}">
+              <a14:hiddenFill xmlns:a14="http://schemas.microsoft.com/office/drawing/2010/main">
+                <a:solidFill>
+                  <a:srgbClr val="FFFFFF"/>
+                </a:solidFill>
+              </a14:hiddenFill>
+            </a:ext>
+          </a:extLst>
+        </p:spPr>
+      </p:pic>
+      <p:pic>
+        <p:nvPicPr>
+          <p:cNvPr id="8" name="Picture 2" descr="C:\Users\ahmed.alani\Desktop\Work\Talks\SignalR-Intro\greenCheck.png"/>
+          <p:cNvPicPr>
+            <a:picLocks noChangeAspect="1" noChangeArrowheads="1"/>
+          </p:cNvPicPr>
+          <p:nvPr/>
+        </p:nvPicPr>
+        <p:blipFill>
+          <a:blip r:embed="rId3">
+            <a:extLst>
+              <a:ext uri="{28A0092B-C50C-407E-A947-70E740481C1C}">
+                <a14:useLocalDpi xmlns:a14="http://schemas.microsoft.com/office/drawing/2010/main" val="0"/>
+              </a:ext>
+            </a:extLst>
+          </a:blip>
+          <a:srcRect/>
+          <a:stretch>
+            <a:fillRect/>
+          </a:stretch>
+        </p:blipFill>
+        <p:spPr bwMode="auto">
+          <a:xfrm>
+            <a:off x="228600" y="4800600"/>
+            <a:ext cx="922990" cy="922990"/>
+          </a:xfrm>
+          <a:prstGeom prst="rect">
+            <a:avLst/>
+          </a:prstGeom>
+          <a:noFill/>
+          <a:extLst>
+            <a:ext uri="{909E8E84-426E-40DD-AFC4-6F175D3DCCD1}">
+              <a14:hiddenFill xmlns:a14="http://schemas.microsoft.com/office/drawing/2010/main">
+                <a:solidFill>
+                  <a:srgbClr val="FFFFFF"/>
+                </a:solidFill>
+              </a14:hiddenFill>
+            </a:ext>
+          </a:extLst>
+        </p:spPr>
+      </p:pic>
+      <p:sp>
+        <p:nvSpPr>
+          <p:cNvPr id="11" name="Rectangle 10"/>
+          <p:cNvSpPr/>
+          <p:nvPr/>
+        </p:nvSpPr>
+        <p:spPr>
+          <a:xfrm>
+            <a:off x="1143000" y="2545952"/>
+            <a:ext cx="2438400" cy="707886"/>
+          </a:xfrm>
+          <a:prstGeom prst="rect">
+            <a:avLst/>
+          </a:prstGeom>
+        </p:spPr>
+        <p:txBody>
+          <a:bodyPr wrap="square">
+            <a:spAutoFit/>
+          </a:bodyPr>
+          <a:lstStyle/>
+          <a:p>
+            <a:r>
+              <a:rPr lang="en-US" sz="4000" dirty="0" smtClean="0">
+                <a:solidFill>
+                  <a:schemeClr val="tx1">
+                    <a:lumMod val="65000"/>
+                    <a:lumOff val="35000"/>
+                  </a:schemeClr>
+                </a:solidFill>
+                <a:latin typeface="Yanone Kaffeesatz Bold" pitchFamily="2" charset="0"/>
+              </a:rPr>
+              <a:t>Forever Frame</a:t>
+            </a:r>
+          </a:p>
+        </p:txBody>
+      </p:sp>
+      <p:sp>
+        <p:nvSpPr>
+          <p:cNvPr id="12" name="Rectangle 11"/>
+          <p:cNvSpPr/>
+          <p:nvPr/>
+        </p:nvSpPr>
+        <p:spPr>
+          <a:xfrm>
+            <a:off x="1143000" y="3688952"/>
+            <a:ext cx="3048000" cy="707886"/>
+          </a:xfrm>
+          <a:prstGeom prst="rect">
+            <a:avLst/>
+          </a:prstGeom>
+        </p:spPr>
+        <p:txBody>
+          <a:bodyPr wrap="square">
+            <a:spAutoFit/>
+          </a:bodyPr>
+          <a:lstStyle/>
+          <a:p>
+            <a:r>
+              <a:rPr lang="en-US" sz="4000" dirty="0" smtClean="0">
+                <a:solidFill>
+                  <a:schemeClr val="tx1">
+                    <a:lumMod val="65000"/>
+                    <a:lumOff val="35000"/>
+                  </a:schemeClr>
+                </a:solidFill>
+                <a:latin typeface="Yanone Kaffeesatz Bold" pitchFamily="2" charset="0"/>
+              </a:rPr>
+              <a:t>Server-Sent Events</a:t>
+            </a:r>
+          </a:p>
+        </p:txBody>
+      </p:sp>
+      <p:sp>
+        <p:nvSpPr>
+          <p:cNvPr id="13" name="Rectangle 12"/>
+          <p:cNvSpPr/>
+          <p:nvPr/>
+        </p:nvSpPr>
+        <p:spPr>
+          <a:xfrm>
+            <a:off x="1143000" y="4957366"/>
+            <a:ext cx="2438400" cy="707886"/>
+          </a:xfrm>
+          <a:prstGeom prst="rect">
+            <a:avLst/>
+          </a:prstGeom>
+        </p:spPr>
+        <p:txBody>
+          <a:bodyPr wrap="square">
+            <a:spAutoFit/>
+          </a:bodyPr>
+          <a:lstStyle/>
+          <a:p>
+            <a:r>
+              <a:rPr lang="en-US" sz="4000" dirty="0" err="1" smtClean="0">
+                <a:solidFill>
+                  <a:schemeClr val="tx1">
+                    <a:lumMod val="65000"/>
+                    <a:lumOff val="35000"/>
+                  </a:schemeClr>
+                </a:solidFill>
+                <a:latin typeface="Yanone Kaffeesatz Bold" pitchFamily="2" charset="0"/>
+              </a:rPr>
+              <a:t>WebSocket</a:t>
+            </a:r>
+            <a:endParaRPr lang="en-US" sz="4000" dirty="0" smtClean="0">
+              <a:solidFill>
+                <a:schemeClr val="tx1">
+                  <a:lumMod val="65000"/>
+                  <a:lumOff val="35000"/>
+                </a:schemeClr>
+              </a:solidFill>
+              <a:latin typeface="Yanone Kaffeesatz Bold" pitchFamily="2" charset="0"/>
+            </a:endParaRPr>
+          </a:p>
+        </p:txBody>
+      </p:sp>
+      <p:graphicFrame>
+        <p:nvGraphicFramePr>
+          <p:cNvPr id="14" name="Table 13"/>
+          <p:cNvGraphicFramePr>
+            <a:graphicFrameLocks noGrp="1"/>
+          </p:cNvGraphicFramePr>
+          <p:nvPr>
+            <p:extLst>
+              <p:ext uri="{D42A27DB-BD31-4B8C-83A1-F6EECF244321}">
+                <p14:modId xmlns:p14="http://schemas.microsoft.com/office/powerpoint/2010/main" val="3872829872"/>
+              </p:ext>
+            </p:extLst>
+          </p:nvPr>
+        </p:nvGraphicFramePr>
+        <p:xfrm>
+          <a:off x="4800600" y="2264110"/>
+          <a:ext cx="3810000" cy="2194560"/>
+        </p:xfrm>
+        <a:graphic>
+          <a:graphicData uri="http://schemas.openxmlformats.org/drawingml/2006/table">
+            <a:tbl>
+              <a:tblPr/>
+              <a:tblGrid>
+                <a:gridCol w="1905000"/>
+                <a:gridCol w="1905000"/>
+              </a:tblGrid>
+              <a:tr h="365760">
+                <a:tc>
+                  <a:txBody>
+                    <a:bodyPr/>
+                    <a:lstStyle/>
+                    <a:p>
+                      <a:pPr algn="ctr"/>
+                      <a:r>
+                        <a:rPr lang="en-US" dirty="0">
+                          <a:effectLst/>
+                        </a:rPr>
+                        <a:t>Browser</a:t>
+                      </a:r>
+                    </a:p>
+                  </a:txBody>
+                  <a:tcPr anchor="ctr">
+                    <a:lnL w="7620" cap="flat" cmpd="sng" algn="ctr">
+                      <a:solidFill>
+                        <a:srgbClr val="AAAAAA"/>
+                      </a:solidFill>
+                      <a:prstDash val="solid"/>
+                      <a:round/>
+                      <a:headEnd type="none" w="med" len="med"/>
+                      <a:tailEnd type="none" w="med" len="med"/>
+                    </a:lnL>
+                    <a:lnR w="7620" cap="flat" cmpd="sng" algn="ctr">
+                      <a:solidFill>
+                        <a:srgbClr val="AAAAAA"/>
+                      </a:solidFill>
+                      <a:prstDash val="solid"/>
+                      <a:round/>
+                      <a:headEnd type="none" w="med" len="med"/>
+                      <a:tailEnd type="none" w="med" len="med"/>
+                    </a:lnR>
+                    <a:lnT w="7620" cap="flat" cmpd="sng" algn="ctr">
+                      <a:solidFill>
+                        <a:srgbClr val="AAAAAA"/>
+                      </a:solidFill>
+                      <a:prstDash val="solid"/>
+                      <a:round/>
+                      <a:headEnd type="none" w="med" len="med"/>
+                      <a:tailEnd type="none" w="med" len="med"/>
+                    </a:lnT>
+                    <a:lnB w="7620" cap="flat" cmpd="sng" algn="ctr">
+                      <a:solidFill>
+                        <a:srgbClr val="AAAAAA"/>
+                      </a:solidFill>
+                      <a:prstDash val="solid"/>
+                      <a:round/>
+                      <a:headEnd type="none" w="med" len="med"/>
+                      <a:tailEnd type="none" w="med" len="med"/>
+                    </a:lnB>
+                    <a:solidFill>
+                      <a:srgbClr val="F2F2F2"/>
+                    </a:solidFill>
+                  </a:tcPr>
+                </a:tc>
+                <a:tc>
+                  <a:txBody>
+                    <a:bodyPr/>
+                    <a:lstStyle/>
+                    <a:p>
+                      <a:pPr algn="ctr"/>
+                      <a:r>
+                        <a:rPr lang="en-US" dirty="0">
+                          <a:effectLst/>
+                        </a:rPr>
+                        <a:t>Supported</a:t>
+                      </a:r>
+                    </a:p>
+                  </a:txBody>
+                  <a:tcPr anchor="ctr">
+                    <a:lnL w="7620" cap="flat" cmpd="sng" algn="ctr">
+                      <a:solidFill>
+                        <a:srgbClr val="AAAAAA"/>
+                      </a:solidFill>
+                      <a:prstDash val="solid"/>
+                      <a:round/>
+                      <a:headEnd type="none" w="med" len="med"/>
+                      <a:tailEnd type="none" w="med" len="med"/>
+                    </a:lnL>
+                    <a:lnR w="7620" cap="flat" cmpd="sng" algn="ctr">
+                      <a:solidFill>
+                        <a:srgbClr val="AAAAAA"/>
+                      </a:solidFill>
+                      <a:prstDash val="solid"/>
+                      <a:round/>
+                      <a:headEnd type="none" w="med" len="med"/>
+                      <a:tailEnd type="none" w="med" len="med"/>
+                    </a:lnR>
+                    <a:lnT w="7620" cap="flat" cmpd="sng" algn="ctr">
+                      <a:solidFill>
+                        <a:srgbClr val="AAAAAA"/>
+                      </a:solidFill>
+                      <a:prstDash val="solid"/>
+                      <a:round/>
+                      <a:headEnd type="none" w="med" len="med"/>
+                      <a:tailEnd type="none" w="med" len="med"/>
+                    </a:lnT>
+                    <a:lnB w="7620" cap="flat" cmpd="sng" algn="ctr">
+                      <a:solidFill>
+                        <a:srgbClr val="AAAAAA"/>
+                      </a:solidFill>
+                      <a:prstDash val="solid"/>
+                      <a:round/>
+                      <a:headEnd type="none" w="med" len="med"/>
+                      <a:tailEnd type="none" w="med" len="med"/>
+                    </a:lnB>
+                    <a:solidFill>
+                      <a:srgbClr val="F2F2F2"/>
+                    </a:solidFill>
+                  </a:tcPr>
+                </a:tc>
+              </a:tr>
+              <a:tr h="293344">
+                <a:tc>
+                  <a:txBody>
+                    <a:bodyPr/>
+                    <a:lstStyle/>
+                    <a:p>
+                      <a:r>
+                        <a:rPr lang="en-US" u="none" strike="noStrike">
+                          <a:solidFill>
+                            <a:srgbClr val="0B0080"/>
+                          </a:solidFill>
+                          <a:effectLst/>
+                          <a:hlinkClick r:id="rId4" tooltip="Internet Explorer"/>
+                        </a:rPr>
+                        <a:t>Internet Explorer</a:t>
+                      </a:r>
+                      <a:endParaRPr lang="en-US">
+                        <a:effectLst/>
+                      </a:endParaRPr>
+                    </a:p>
+                  </a:txBody>
+                  <a:tcPr anchor="ctr">
+                    <a:lnL w="7620" cap="flat" cmpd="sng" algn="ctr">
+                      <a:solidFill>
+                        <a:srgbClr val="AAAAAA"/>
+                      </a:solidFill>
+                      <a:prstDash val="solid"/>
+                      <a:round/>
+                      <a:headEnd type="none" w="med" len="med"/>
+                      <a:tailEnd type="none" w="med" len="med"/>
+                    </a:lnL>
+                    <a:lnR w="7620" cap="flat" cmpd="sng" algn="ctr">
+                      <a:solidFill>
+                        <a:srgbClr val="AAAAAA"/>
+                      </a:solidFill>
+                      <a:prstDash val="solid"/>
+                      <a:round/>
+                      <a:headEnd type="none" w="med" len="med"/>
+                      <a:tailEnd type="none" w="med" len="med"/>
+                    </a:lnR>
+                    <a:lnT w="7620" cap="flat" cmpd="sng" algn="ctr">
+                      <a:solidFill>
+                        <a:srgbClr val="AAAAAA"/>
+                      </a:solidFill>
+                      <a:prstDash val="solid"/>
+                      <a:round/>
+                      <a:headEnd type="none" w="med" len="med"/>
+                      <a:tailEnd type="none" w="med" len="med"/>
+                    </a:lnT>
+                    <a:lnB w="7620" cap="flat" cmpd="sng" algn="ctr">
+                      <a:solidFill>
+                        <a:srgbClr val="AAAAAA"/>
+                      </a:solidFill>
+                      <a:prstDash val="solid"/>
+                      <a:round/>
+                      <a:headEnd type="none" w="med" len="med"/>
+                      <a:tailEnd type="none" w="med" len="med"/>
+                    </a:lnB>
+                    <a:solidFill>
+                      <a:srgbClr val="F9F9F9"/>
+                    </a:solidFill>
+                  </a:tcPr>
+                </a:tc>
+                <a:tc>
+                  <a:txBody>
+                    <a:bodyPr/>
+                    <a:lstStyle/>
+                    <a:p>
+                      <a:pPr algn="ctr" fontAlgn="ctr"/>
+                      <a:r>
+                        <a:rPr lang="en-US">
+                          <a:solidFill>
+                            <a:srgbClr val="000000"/>
+                          </a:solidFill>
+                          <a:effectLst/>
+                        </a:rPr>
+                        <a:t>No</a:t>
+                      </a:r>
+                    </a:p>
+                  </a:txBody>
+                  <a:tcPr anchor="ctr">
+                    <a:lnL w="7620" cap="flat" cmpd="sng" algn="ctr">
+                      <a:solidFill>
+                        <a:srgbClr val="AAAAAA"/>
+                      </a:solidFill>
+                      <a:prstDash val="solid"/>
+                      <a:round/>
+                      <a:headEnd type="none" w="med" len="med"/>
+                      <a:tailEnd type="none" w="med" len="med"/>
+                    </a:lnL>
+                    <a:lnR w="7620" cap="flat" cmpd="sng" algn="ctr">
+                      <a:solidFill>
+                        <a:srgbClr val="AAAAAA"/>
+                      </a:solidFill>
+                      <a:prstDash val="solid"/>
+                      <a:round/>
+                      <a:headEnd type="none" w="med" len="med"/>
+                      <a:tailEnd type="none" w="med" len="med"/>
+                    </a:lnR>
+                    <a:lnT w="7620" cap="flat" cmpd="sng" algn="ctr">
+                      <a:solidFill>
+                        <a:srgbClr val="AAAAAA"/>
+                      </a:solidFill>
+                      <a:prstDash val="solid"/>
+                      <a:round/>
+                      <a:headEnd type="none" w="med" len="med"/>
+                      <a:tailEnd type="none" w="med" len="med"/>
+                    </a:lnT>
+                    <a:lnB w="7620" cap="flat" cmpd="sng" algn="ctr">
+                      <a:solidFill>
+                        <a:srgbClr val="AAAAAA"/>
+                      </a:solidFill>
+                      <a:prstDash val="solid"/>
+                      <a:round/>
+                      <a:headEnd type="none" w="med" len="med"/>
+                      <a:tailEnd type="none" w="med" len="med"/>
+                    </a:lnB>
+                    <a:solidFill>
+                      <a:srgbClr val="FF9090"/>
+                    </a:solidFill>
+                  </a:tcPr>
+                </a:tc>
+              </a:tr>
+              <a:tr h="293344">
+                <a:tc>
+                  <a:txBody>
+                    <a:bodyPr/>
+                    <a:lstStyle/>
+                    <a:p>
+                      <a:r>
+                        <a:rPr lang="en-US" u="none" strike="noStrike">
+                          <a:solidFill>
+                            <a:srgbClr val="0B0080"/>
+                          </a:solidFill>
+                          <a:effectLst/>
+                          <a:hlinkClick r:id="rId5" tooltip="Mozilla Firefox"/>
+                        </a:rPr>
+                        <a:t>Mozilla Firefox</a:t>
+                      </a:r>
+                      <a:endParaRPr lang="en-US">
+                        <a:effectLst/>
+                      </a:endParaRPr>
+                    </a:p>
+                  </a:txBody>
+                  <a:tcPr anchor="ctr">
+                    <a:lnL w="7620" cap="flat" cmpd="sng" algn="ctr">
+                      <a:solidFill>
+                        <a:srgbClr val="AAAAAA"/>
+                      </a:solidFill>
+                      <a:prstDash val="solid"/>
+                      <a:round/>
+                      <a:headEnd type="none" w="med" len="med"/>
+                      <a:tailEnd type="none" w="med" len="med"/>
+                    </a:lnL>
+                    <a:lnR w="7620" cap="flat" cmpd="sng" algn="ctr">
+                      <a:solidFill>
+                        <a:srgbClr val="AAAAAA"/>
+                      </a:solidFill>
+                      <a:prstDash val="solid"/>
+                      <a:round/>
+                      <a:headEnd type="none" w="med" len="med"/>
+                      <a:tailEnd type="none" w="med" len="med"/>
+                    </a:lnR>
+                    <a:lnT w="7620" cap="flat" cmpd="sng" algn="ctr">
+                      <a:solidFill>
+                        <a:srgbClr val="AAAAAA"/>
+                      </a:solidFill>
+                      <a:prstDash val="solid"/>
+                      <a:round/>
+                      <a:headEnd type="none" w="med" len="med"/>
+                      <a:tailEnd type="none" w="med" len="med"/>
+                    </a:lnT>
+                    <a:lnB w="7620" cap="flat" cmpd="sng" algn="ctr">
+                      <a:solidFill>
+                        <a:srgbClr val="AAAAAA"/>
+                      </a:solidFill>
+                      <a:prstDash val="solid"/>
+                      <a:round/>
+                      <a:headEnd type="none" w="med" len="med"/>
+                      <a:tailEnd type="none" w="med" len="med"/>
+                    </a:lnB>
+                    <a:solidFill>
+                      <a:srgbClr val="F9F9F9"/>
+                    </a:solidFill>
+                  </a:tcPr>
+                </a:tc>
+                <a:tc>
+                  <a:txBody>
+                    <a:bodyPr/>
+                    <a:lstStyle/>
+                    <a:p>
+                      <a:pPr algn="ctr" fontAlgn="ctr"/>
+                      <a:r>
+                        <a:rPr lang="en-US">
+                          <a:solidFill>
+                            <a:srgbClr val="000000"/>
+                          </a:solidFill>
+                          <a:effectLst/>
+                        </a:rPr>
+                        <a:t>Yes</a:t>
+                      </a:r>
+                    </a:p>
+                  </a:txBody>
+                  <a:tcPr anchor="ctr">
+                    <a:lnL w="7620" cap="flat" cmpd="sng" algn="ctr">
+                      <a:solidFill>
+                        <a:srgbClr val="AAAAAA"/>
+                      </a:solidFill>
+                      <a:prstDash val="solid"/>
+                      <a:round/>
+                      <a:headEnd type="none" w="med" len="med"/>
+                      <a:tailEnd type="none" w="med" len="med"/>
+                    </a:lnL>
+                    <a:lnR w="7620" cap="flat" cmpd="sng" algn="ctr">
+                      <a:solidFill>
+                        <a:srgbClr val="AAAAAA"/>
+                      </a:solidFill>
+                      <a:prstDash val="solid"/>
+                      <a:round/>
+                      <a:headEnd type="none" w="med" len="med"/>
+                      <a:tailEnd type="none" w="med" len="med"/>
+                    </a:lnR>
+                    <a:lnT w="7620" cap="flat" cmpd="sng" algn="ctr">
+                      <a:solidFill>
+                        <a:srgbClr val="AAAAAA"/>
+                      </a:solidFill>
+                      <a:prstDash val="solid"/>
+                      <a:round/>
+                      <a:headEnd type="none" w="med" len="med"/>
+                      <a:tailEnd type="none" w="med" len="med"/>
+                    </a:lnT>
+                    <a:lnB w="7620" cap="flat" cmpd="sng" algn="ctr">
+                      <a:solidFill>
+                        <a:srgbClr val="AAAAAA"/>
+                      </a:solidFill>
+                      <a:prstDash val="solid"/>
+                      <a:round/>
+                      <a:headEnd type="none" w="med" len="med"/>
+                      <a:tailEnd type="none" w="med" len="med"/>
+                    </a:lnB>
+                    <a:solidFill>
+                      <a:srgbClr val="90FF90"/>
+                    </a:solidFill>
+                  </a:tcPr>
+                </a:tc>
+              </a:tr>
+              <a:tr h="293344">
+                <a:tc>
+                  <a:txBody>
+                    <a:bodyPr/>
+                    <a:lstStyle/>
+                    <a:p>
+                      <a:r>
+                        <a:rPr lang="en-US" u="none" strike="noStrike">
+                          <a:solidFill>
+                            <a:srgbClr val="0B0080"/>
+                          </a:solidFill>
+                          <a:effectLst/>
+                          <a:hlinkClick r:id="rId6" tooltip="Google Chrome"/>
+                        </a:rPr>
+                        <a:t>Google Chrome</a:t>
+                      </a:r>
+                      <a:endParaRPr lang="en-US">
+                        <a:effectLst/>
+                      </a:endParaRPr>
+                    </a:p>
+                  </a:txBody>
+                  <a:tcPr anchor="ctr">
+                    <a:lnL w="7620" cap="flat" cmpd="sng" algn="ctr">
+                      <a:solidFill>
+                        <a:srgbClr val="AAAAAA"/>
+                      </a:solidFill>
+                      <a:prstDash val="solid"/>
+                      <a:round/>
+                      <a:headEnd type="none" w="med" len="med"/>
+                      <a:tailEnd type="none" w="med" len="med"/>
+                    </a:lnL>
+                    <a:lnR w="7620" cap="flat" cmpd="sng" algn="ctr">
+                      <a:solidFill>
+                        <a:srgbClr val="AAAAAA"/>
+                      </a:solidFill>
+                      <a:prstDash val="solid"/>
+                      <a:round/>
+                      <a:headEnd type="none" w="med" len="med"/>
+                      <a:tailEnd type="none" w="med" len="med"/>
+                    </a:lnR>
+                    <a:lnT w="7620" cap="flat" cmpd="sng" algn="ctr">
+                      <a:solidFill>
+                        <a:srgbClr val="AAAAAA"/>
+                      </a:solidFill>
+                      <a:prstDash val="solid"/>
+                      <a:round/>
+                      <a:headEnd type="none" w="med" len="med"/>
+                      <a:tailEnd type="none" w="med" len="med"/>
+                    </a:lnT>
+                    <a:lnB w="7620" cap="flat" cmpd="sng" algn="ctr">
+                      <a:solidFill>
+                        <a:srgbClr val="AAAAAA"/>
+                      </a:solidFill>
+                      <a:prstDash val="solid"/>
+                      <a:round/>
+                      <a:headEnd type="none" w="med" len="med"/>
+                      <a:tailEnd type="none" w="med" len="med"/>
+                    </a:lnB>
+                    <a:solidFill>
+                      <a:srgbClr val="F9F9F9"/>
+                    </a:solidFill>
+                  </a:tcPr>
+                </a:tc>
+                <a:tc>
+                  <a:txBody>
+                    <a:bodyPr/>
+                    <a:lstStyle/>
+                    <a:p>
+                      <a:pPr algn="ctr" fontAlgn="ctr"/>
+                      <a:r>
+                        <a:rPr lang="en-US">
+                          <a:solidFill>
+                            <a:srgbClr val="000000"/>
+                          </a:solidFill>
+                          <a:effectLst/>
+                        </a:rPr>
+                        <a:t>Yes</a:t>
+                      </a:r>
+                    </a:p>
+                  </a:txBody>
+                  <a:tcPr anchor="ctr">
+                    <a:lnL w="7620" cap="flat" cmpd="sng" algn="ctr">
+                      <a:solidFill>
+                        <a:srgbClr val="AAAAAA"/>
+                      </a:solidFill>
+                      <a:prstDash val="solid"/>
+                      <a:round/>
+                      <a:headEnd type="none" w="med" len="med"/>
+                      <a:tailEnd type="none" w="med" len="med"/>
+                    </a:lnL>
+                    <a:lnR w="7620" cap="flat" cmpd="sng" algn="ctr">
+                      <a:solidFill>
+                        <a:srgbClr val="AAAAAA"/>
+                      </a:solidFill>
+                      <a:prstDash val="solid"/>
+                      <a:round/>
+                      <a:headEnd type="none" w="med" len="med"/>
+                      <a:tailEnd type="none" w="med" len="med"/>
+                    </a:lnR>
+                    <a:lnT w="7620" cap="flat" cmpd="sng" algn="ctr">
+                      <a:solidFill>
+                        <a:srgbClr val="AAAAAA"/>
+                      </a:solidFill>
+                      <a:prstDash val="solid"/>
+                      <a:round/>
+                      <a:headEnd type="none" w="med" len="med"/>
+                      <a:tailEnd type="none" w="med" len="med"/>
+                    </a:lnT>
+                    <a:lnB w="7620" cap="flat" cmpd="sng" algn="ctr">
+                      <a:solidFill>
+                        <a:srgbClr val="AAAAAA"/>
+                      </a:solidFill>
+                      <a:prstDash val="solid"/>
+                      <a:round/>
+                      <a:headEnd type="none" w="med" len="med"/>
+                      <a:tailEnd type="none" w="med" len="med"/>
+                    </a:lnB>
+                    <a:solidFill>
+                      <a:srgbClr val="90FF90"/>
+                    </a:solidFill>
+                  </a:tcPr>
+                </a:tc>
+              </a:tr>
+              <a:tr h="293344">
+                <a:tc>
+                  <a:txBody>
+                    <a:bodyPr/>
+                    <a:lstStyle/>
+                    <a:p>
+                      <a:r>
+                        <a:rPr lang="en-US" u="none" strike="noStrike">
+                          <a:solidFill>
+                            <a:srgbClr val="0B0080"/>
+                          </a:solidFill>
+                          <a:effectLst/>
+                          <a:hlinkClick r:id="rId7" tooltip="Opera (web browser)"/>
+                        </a:rPr>
+                        <a:t>Opera</a:t>
+                      </a:r>
+                      <a:endParaRPr lang="en-US">
+                        <a:effectLst/>
+                      </a:endParaRPr>
+                    </a:p>
+                  </a:txBody>
+                  <a:tcPr anchor="ctr">
+                    <a:lnL w="7620" cap="flat" cmpd="sng" algn="ctr">
+                      <a:solidFill>
+                        <a:srgbClr val="AAAAAA"/>
+                      </a:solidFill>
+                      <a:prstDash val="solid"/>
+                      <a:round/>
+                      <a:headEnd type="none" w="med" len="med"/>
+                      <a:tailEnd type="none" w="med" len="med"/>
+                    </a:lnL>
+                    <a:lnR w="7620" cap="flat" cmpd="sng" algn="ctr">
+                      <a:solidFill>
+                        <a:srgbClr val="AAAAAA"/>
+                      </a:solidFill>
+                      <a:prstDash val="solid"/>
+                      <a:round/>
+                      <a:headEnd type="none" w="med" len="med"/>
+                      <a:tailEnd type="none" w="med" len="med"/>
+                    </a:lnR>
+                    <a:lnT w="7620" cap="flat" cmpd="sng" algn="ctr">
+                      <a:solidFill>
+                        <a:srgbClr val="AAAAAA"/>
+                      </a:solidFill>
+                      <a:prstDash val="solid"/>
+                      <a:round/>
+                      <a:headEnd type="none" w="med" len="med"/>
+                      <a:tailEnd type="none" w="med" len="med"/>
+                    </a:lnT>
+                    <a:lnB w="7620" cap="flat" cmpd="sng" algn="ctr">
+                      <a:solidFill>
+                        <a:srgbClr val="AAAAAA"/>
+                      </a:solidFill>
+                      <a:prstDash val="solid"/>
+                      <a:round/>
+                      <a:headEnd type="none" w="med" len="med"/>
+                      <a:tailEnd type="none" w="med" len="med"/>
+                    </a:lnB>
+                    <a:solidFill>
+                      <a:srgbClr val="F9F9F9"/>
+                    </a:solidFill>
+                  </a:tcPr>
+                </a:tc>
+                <a:tc>
+                  <a:txBody>
+                    <a:bodyPr/>
+                    <a:lstStyle/>
+                    <a:p>
+                      <a:pPr algn="ctr" fontAlgn="ctr"/>
+                      <a:r>
+                        <a:rPr lang="en-US">
+                          <a:solidFill>
+                            <a:srgbClr val="000000"/>
+                          </a:solidFill>
+                          <a:effectLst/>
+                        </a:rPr>
+                        <a:t>Yes</a:t>
+                      </a:r>
+                    </a:p>
+                  </a:txBody>
+                  <a:tcPr anchor="ctr">
+                    <a:lnL w="7620" cap="flat" cmpd="sng" algn="ctr">
+                      <a:solidFill>
+                        <a:srgbClr val="AAAAAA"/>
+                      </a:solidFill>
+                      <a:prstDash val="solid"/>
+                      <a:round/>
+                      <a:headEnd type="none" w="med" len="med"/>
+                      <a:tailEnd type="none" w="med" len="med"/>
+                    </a:lnL>
+                    <a:lnR w="7620" cap="flat" cmpd="sng" algn="ctr">
+                      <a:solidFill>
+                        <a:srgbClr val="AAAAAA"/>
+                      </a:solidFill>
+                      <a:prstDash val="solid"/>
+                      <a:round/>
+                      <a:headEnd type="none" w="med" len="med"/>
+                      <a:tailEnd type="none" w="med" len="med"/>
+                    </a:lnR>
+                    <a:lnT w="7620" cap="flat" cmpd="sng" algn="ctr">
+                      <a:solidFill>
+                        <a:srgbClr val="AAAAAA"/>
+                      </a:solidFill>
+                      <a:prstDash val="solid"/>
+                      <a:round/>
+                      <a:headEnd type="none" w="med" len="med"/>
+                      <a:tailEnd type="none" w="med" len="med"/>
+                    </a:lnT>
+                    <a:lnB w="7620" cap="flat" cmpd="sng" algn="ctr">
+                      <a:solidFill>
+                        <a:srgbClr val="AAAAAA"/>
+                      </a:solidFill>
+                      <a:prstDash val="solid"/>
+                      <a:round/>
+                      <a:headEnd type="none" w="med" len="med"/>
+                      <a:tailEnd type="none" w="med" len="med"/>
+                    </a:lnB>
+                    <a:solidFill>
+                      <a:srgbClr val="90FF90"/>
+                    </a:solidFill>
+                  </a:tcPr>
+                </a:tc>
+              </a:tr>
+              <a:tr h="293344">
+                <a:tc>
+                  <a:txBody>
+                    <a:bodyPr/>
+                    <a:lstStyle/>
+                    <a:p>
+                      <a:r>
+                        <a:rPr lang="en-US" u="none" strike="noStrike" dirty="0">
+                          <a:solidFill>
+                            <a:srgbClr val="0B0080"/>
+                          </a:solidFill>
+                          <a:effectLst/>
+                          <a:hlinkClick r:id="rId8" tooltip="Safari (web browser)"/>
+                        </a:rPr>
+                        <a:t>Safari</a:t>
+                      </a:r>
+                      <a:endParaRPr lang="en-US" dirty="0">
+                        <a:effectLst/>
+                      </a:endParaRPr>
+                    </a:p>
+                  </a:txBody>
+                  <a:tcPr anchor="ctr">
+                    <a:lnL w="7620" cap="flat" cmpd="sng" algn="ctr">
+                      <a:solidFill>
+                        <a:srgbClr val="AAAAAA"/>
+                      </a:solidFill>
+                      <a:prstDash val="solid"/>
+                      <a:round/>
+                      <a:headEnd type="none" w="med" len="med"/>
+                      <a:tailEnd type="none" w="med" len="med"/>
+                    </a:lnL>
+                    <a:lnR w="7620" cap="flat" cmpd="sng" algn="ctr">
+                      <a:solidFill>
+                        <a:srgbClr val="AAAAAA"/>
+                      </a:solidFill>
+                      <a:prstDash val="solid"/>
+                      <a:round/>
+                      <a:headEnd type="none" w="med" len="med"/>
+                      <a:tailEnd type="none" w="med" len="med"/>
+                    </a:lnR>
+                    <a:lnT w="7620" cap="flat" cmpd="sng" algn="ctr">
+                      <a:solidFill>
+                        <a:srgbClr val="AAAAAA"/>
+                      </a:solidFill>
+                      <a:prstDash val="solid"/>
+                      <a:round/>
+                      <a:headEnd type="none" w="med" len="med"/>
+                      <a:tailEnd type="none" w="med" len="med"/>
+                    </a:lnT>
+                    <a:lnB w="7620" cap="flat" cmpd="sng" algn="ctr">
+                      <a:solidFill>
+                        <a:srgbClr val="AAAAAA"/>
+                      </a:solidFill>
+                      <a:prstDash val="solid"/>
+                      <a:round/>
+                      <a:headEnd type="none" w="med" len="med"/>
+                      <a:tailEnd type="none" w="med" len="med"/>
+                    </a:lnB>
+                    <a:solidFill>
+                      <a:srgbClr val="F9F9F9"/>
+                    </a:solidFill>
+                  </a:tcPr>
+                </a:tc>
+                <a:tc>
+                  <a:txBody>
+                    <a:bodyPr/>
+                    <a:lstStyle/>
+                    <a:p>
+                      <a:pPr algn="ctr" fontAlgn="ctr"/>
+                      <a:r>
+                        <a:rPr lang="en-US" dirty="0">
+                          <a:solidFill>
+                            <a:srgbClr val="000000"/>
+                          </a:solidFill>
+                          <a:effectLst/>
+                        </a:rPr>
+                        <a:t>Yes</a:t>
+                      </a:r>
+                    </a:p>
+                  </a:txBody>
+                  <a:tcPr anchor="ctr">
+                    <a:lnL w="7620" cap="flat" cmpd="sng" algn="ctr">
+                      <a:solidFill>
+                        <a:srgbClr val="AAAAAA"/>
+                      </a:solidFill>
+                      <a:prstDash val="solid"/>
+                      <a:round/>
+                      <a:headEnd type="none" w="med" len="med"/>
+                      <a:tailEnd type="none" w="med" len="med"/>
+                    </a:lnL>
+                    <a:lnR w="7620" cap="flat" cmpd="sng" algn="ctr">
+                      <a:solidFill>
+                        <a:srgbClr val="AAAAAA"/>
+                      </a:solidFill>
+                      <a:prstDash val="solid"/>
+                      <a:round/>
+                      <a:headEnd type="none" w="med" len="med"/>
+                      <a:tailEnd type="none" w="med" len="med"/>
+                    </a:lnR>
+                    <a:lnT w="7620" cap="flat" cmpd="sng" algn="ctr">
+                      <a:solidFill>
+                        <a:srgbClr val="AAAAAA"/>
+                      </a:solidFill>
+                      <a:prstDash val="solid"/>
+                      <a:round/>
+                      <a:headEnd type="none" w="med" len="med"/>
+                      <a:tailEnd type="none" w="med" len="med"/>
+                    </a:lnT>
+                    <a:lnB w="7620" cap="flat" cmpd="sng" algn="ctr">
+                      <a:solidFill>
+                        <a:srgbClr val="AAAAAA"/>
+                      </a:solidFill>
+                      <a:prstDash val="solid"/>
+                      <a:round/>
+                      <a:headEnd type="none" w="med" len="med"/>
+                      <a:tailEnd type="none" w="med" len="med"/>
+                    </a:lnB>
+                    <a:solidFill>
+                      <a:srgbClr val="90FF90"/>
+                    </a:solidFill>
+                  </a:tcPr>
+                </a:tc>
+              </a:tr>
+            </a:tbl>
+          </a:graphicData>
+        </a:graphic>
+      </p:graphicFrame>
+    </p:spTree>
+    <p:extLst>
+      <p:ext uri="{BB962C8B-B14F-4D97-AF65-F5344CB8AC3E}">
+        <p14:creationId xmlns:p14="http://schemas.microsoft.com/office/powerpoint/2010/main" val="2356510939"/>
+      </p:ext>
+    </p:extLst>
+  </p:cSld>
+  <p:clrMapOvr>
+    <a:masterClrMapping/>
+  </p:clrMapOvr>
+  <p:timing>
+    <p:tnLst>
+      <p:par>
+        <p:cTn id="1" dur="indefinite" restart="never" nodeType="tmRoot"/>
+      </p:par>
+    </p:tnLst>
+  </p:timing>
+</p:sld>
+</file>
+
+<file path=ppt/slides/slide22.xml><?xml version="1.0" encoding="utf-8"?>
+<p:sld xmlns:a="http://schemas.openxmlformats.org/drawingml/2006/main" xmlns:r="http://schemas.openxmlformats.org/officeDocument/2006/relationships" xmlns:p="http://schemas.openxmlformats.org/presentationml/2006/main">
+  <p:cSld>
+    <p:bg>
+      <p:bgPr>
+        <a:solidFill>
+          <a:schemeClr val="tx2">
+            <a:lumMod val="60000"/>
+            <a:lumOff val="40000"/>
+          </a:schemeClr>
+        </a:solidFill>
+        <a:effectLst/>
+      </p:bgPr>
+    </p:bg>
+    <p:spTree>
+      <p:nvGrpSpPr>
+        <p:cNvPr id="1" name=""/>
+        <p:cNvGrpSpPr/>
+        <p:nvPr/>
+      </p:nvGrpSpPr>
+      <p:grpSpPr>
+        <a:xfrm>
+          <a:off x="0" y="0"/>
+          <a:ext cx="0" cy="0"/>
+          <a:chOff x="0" y="0"/>
+          <a:chExt cx="0" cy="0"/>
+        </a:xfrm>
+      </p:grpSpPr>
+      <p:sp>
+        <p:nvSpPr>
+          <p:cNvPr id="2" name="Title 1"/>
+          <p:cNvSpPr>
+            <a:spLocks noGrp="1"/>
+          </p:cNvSpPr>
+          <p:nvPr>
+            <p:ph type="ctrTitle"/>
+          </p:nvPr>
+        </p:nvSpPr>
+        <p:spPr>
+          <a:xfrm>
+            <a:off x="381000" y="2667000"/>
+            <a:ext cx="8382000" cy="1470025"/>
+          </a:xfrm>
+          <a:ln>
+            <a:noFill/>
+          </a:ln>
+        </p:spPr>
+        <p:txBody>
+          <a:bodyPr>
+            <a:noAutofit/>
+          </a:bodyPr>
+          <a:lstStyle/>
+          <a:p>
+            <a:r>
+              <a:rPr lang="en-US" sz="15000" dirty="0" smtClean="0">
+                <a:solidFill>
+                  <a:srgbClr val="F0F2EB"/>
+                </a:solidFill>
+                <a:latin typeface="Yanone Kaffeesatz Bold" pitchFamily="2" charset="0"/>
+                <a:cs typeface="Aharoni" pitchFamily="2" charset="-79"/>
+              </a:rPr>
+              <a:t>HOW DO YOU MANAGE THESE?</a:t>
+            </a:r>
+            <a:endParaRPr lang="en-US" sz="15000" dirty="0">
+              <a:solidFill>
+                <a:srgbClr val="F0F2EB"/>
+              </a:solidFill>
+              <a:latin typeface="Yanone Kaffeesatz Bold" pitchFamily="2" charset="0"/>
+              <a:cs typeface="Aharoni" pitchFamily="2" charset="-79"/>
+            </a:endParaRPr>
+          </a:p>
+        </p:txBody>
+      </p:sp>
+    </p:spTree>
+    <p:extLst>
+      <p:ext uri="{BB962C8B-B14F-4D97-AF65-F5344CB8AC3E}">
+        <p14:creationId xmlns:p14="http://schemas.microsoft.com/office/powerpoint/2010/main" val="4276739853"/>
+      </p:ext>
+    </p:extLst>
+  </p:cSld>
+  <p:clrMapOvr>
+    <a:masterClrMapping/>
+  </p:clrMapOvr>
+  <p:timing>
+    <p:tnLst>
+      <p:par>
+        <p:cTn id="1" dur="indefinite" restart="never" nodeType="tmRoot"/>
+      </p:par>
+    </p:tnLst>
+  </p:timing>
+</p:sld>
+</file>
+
+<file path=ppt/slides/slide23.xml><?xml version="1.0" encoding="utf-8"?>
+<p:sld xmlns:a="http://schemas.openxmlformats.org/drawingml/2006/main" xmlns:r="http://schemas.openxmlformats.org/officeDocument/2006/relationships" xmlns:p="http://schemas.openxmlformats.org/presentationml/2006/main">
+  <p:cSld>
+    <p:spTree>
+      <p:nvGrpSpPr>
+        <p:cNvPr id="1" name=""/>
+        <p:cNvGrpSpPr/>
+        <p:nvPr/>
+      </p:nvGrpSpPr>
+      <p:grpSpPr>
+        <a:xfrm>
+          <a:off x="0" y="0"/>
+          <a:ext cx="0" cy="0"/>
+          <a:chOff x="0" y="0"/>
+          <a:chExt cx="0" cy="0"/>
+        </a:xfrm>
+      </p:grpSpPr>
+      <p:sp>
+        <p:nvSpPr>
+          <p:cNvPr id="2" name="Title 1"/>
+          <p:cNvSpPr>
+            <a:spLocks noGrp="1"/>
+          </p:cNvSpPr>
+          <p:nvPr>
+            <p:ph type="ctrTitle"/>
+          </p:nvPr>
+        </p:nvSpPr>
+        <p:spPr>
+          <a:xfrm>
+            <a:off x="76200" y="-228600"/>
+            <a:ext cx="7772400" cy="1470025"/>
+          </a:xfrm>
+          <a:ln>
+            <a:noFill/>
+          </a:ln>
+        </p:spPr>
+        <p:txBody>
+          <a:bodyPr>
+            <a:noAutofit/>
+          </a:bodyPr>
+          <a:lstStyle/>
+          <a:p>
+            <a:pPr algn="l"/>
+            <a:r>
               <a:rPr lang="en-US" sz="8000" dirty="0" err="1" smtClean="0">
                 <a:solidFill>
                   <a:schemeClr val="tx2">
@@ -8882,7 +12087,31 @@
                 </a:solidFill>
                 <a:latin typeface="Yanone Kaffeesatz Bold" pitchFamily="2" charset="0"/>
               </a:rPr>
-              <a:t>Takes care of the annoying stuff  (message routing, framing, buffering, keep-</a:t>
+              <a:t>Takes care of the annoying stuff  (message </a:t>
+            </a:r>
+            <a:r>
+              <a:rPr lang="en-US" sz="4000" dirty="0" smtClean="0">
+                <a:solidFill>
+                  <a:schemeClr val="tx1">
+                    <a:lumMod val="65000"/>
+                    <a:lumOff val="35000"/>
+                  </a:schemeClr>
+                </a:solidFill>
+                <a:latin typeface="Yanone Kaffeesatz Bold" pitchFamily="2" charset="0"/>
+              </a:rPr>
+              <a:t>bus, routing</a:t>
+            </a:r>
+            <a:r>
+              <a:rPr lang="en-US" sz="4000" dirty="0" smtClean="0">
+                <a:solidFill>
+                  <a:schemeClr val="tx1">
+                    <a:lumMod val="65000"/>
+                    <a:lumOff val="35000"/>
+                  </a:schemeClr>
+                </a:solidFill>
+                <a:latin typeface="Yanone Kaffeesatz Bold" pitchFamily="2" charset="0"/>
+              </a:rPr>
+              <a:t>, framing, buffering, keep-</a:t>
             </a:r>
             <a:r>
               <a:rPr lang="en-US" sz="4000" dirty="0" err="1" smtClean="0">
@@ -9190,7 +12419,7 @@
 </p:sld>
 </file>
 
-<file path=ppt/slides/slide21.xml><?xml version="1.0" encoding="utf-8"?>
+<file path=ppt/slides/slide24.xml><?xml version="1.0" encoding="utf-8"?>
 <p:sld xmlns:a="http://schemas.openxmlformats.org/drawingml/2006/main" xmlns:r="http://schemas.openxmlformats.org/officeDocument/2006/relationships" xmlns:p="http://schemas.openxmlformats.org/presentationml/2006/main">
   <p:cSld>
     <p:bg>
@@ -9283,7 +12512,7 @@
 </p:sld>
 </file>
 
-<file path=ppt/slides/slide22.xml><?xml version="1.0" encoding="utf-8"?>
+<file path=ppt/slides/slide25.xml><?xml version="1.0" encoding="utf-8"?>
 <p:sld xmlns:a="http://schemas.openxmlformats.org/drawingml/2006/main" xmlns:r="http://schemas.openxmlformats.org/officeDocument/2006/relationships" xmlns:p="http://schemas.openxmlformats.org/presentationml/2006/main">
   <p:cSld>
     <p:spTree>
@@ -9379,7 +12608,7 @@
 </p:sld>
 </file>
 
-<file path=ppt/slides/slide23.xml><?xml version="1.0" encoding="utf-8"?>
+<file path=ppt/slides/slide26.xml><?xml version="1.0" encoding="utf-8"?>
 <p:sld xmlns:a="http://schemas.openxmlformats.org/drawingml/2006/main" xmlns:r="http://schemas.openxmlformats.org/officeDocument/2006/relationships" xmlns:p="http://schemas.openxmlformats.org/presentationml/2006/main">
   <p:cSld>
     <p:spTree>
@@ -9716,7 +12945,7 @@
 </p:sld>
 </file>
 
-<file path=ppt/slides/slide24.xml><?xml version="1.0" encoding="utf-8"?>
+<file path=ppt/slides/slide27.xml><?xml version="1.0" encoding="utf-8"?>
 <p:sld xmlns:a="http://schemas.openxmlformats.org/drawingml/2006/main" xmlns:r="http://schemas.openxmlformats.org/officeDocument/2006/relationships" xmlns:p="http://schemas.openxmlformats.org/presentationml/2006/main">
   <p:cSld>
     <p:spTree>
@@ -9907,17 +13136,33 @@
           </a:lstStyle>
           <a:p>
             <a:r>
-              <a:rPr lang="en-US" sz="1500" smtClean="0"/>
-              <a:t>“SignalR and Web Sockets” – Scott Hanselman (</a:t>
-            </a:r>
-            <a:r>
-              <a:rPr lang="en-US" sz="1500" smtClean="0">
+              <a:rPr lang="en-US" sz="1500" dirty="0" smtClean="0"/>
+              <a:t>“</a:t>
+            </a:r>
+            <a:r>
+              <a:rPr lang="en-US" sz="1500" dirty="0" err="1" smtClean="0"/>
+              <a:t>SignalR</a:t>
+            </a:r>
+            <a:r>
+              <a:rPr lang="en-US" sz="1500" dirty="0" smtClean="0"/>
+              <a:t> and Web Sockets” – Scott </a:t>
+            </a:r>
+            <a:r>
+              <a:rPr lang="en-US" sz="1500" dirty="0" err="1" smtClean="0"/>
+              <a:t>Hanselman</a:t>
+            </a:r>
+            <a:r>
+              <a:rPr lang="en-US" sz="1500" dirty="0" smtClean="0"/>
+              <a:t> (</a:t>
+            </a:r>
+            <a:r>
+              <a:rPr lang="en-US" sz="1500" dirty="0" smtClean="0">
                 <a:hlinkClick r:id="rId4"/>
               </a:rPr>
               <a:t>http://www.asp.net/vnext/overview/videos/signalr-and-web-sockets</a:t>
             </a:r>
             <a:r>
-              <a:rPr lang="en-US" sz="1500" smtClean="0"/>
+              <a:rPr lang="en-US" sz="1500" dirty="0" smtClean="0"/>
               <a:t>)</a:t>
             </a:r>
             <a:endParaRPr lang="en-US" sz="1500" dirty="0"/>
@@ -9944,7 +13189,7 @@
 </p:sld>
 </file>
 
-<file path=ppt/slides/slide25.xml><?xml version="1.0" encoding="utf-8"?>
+<file path=ppt/slides/slide28.xml><?xml version="1.0" encoding="utf-8"?>
 <p:sld xmlns:a="http://schemas.openxmlformats.org/drawingml/2006/main" xmlns:r="http://schemas.openxmlformats.org/officeDocument/2006/relationships" xmlns:p="http://schemas.openxmlformats.org/presentationml/2006/main">
   <p:cSld>
     <p:spTree>
@@ -10107,7 +13352,7 @@
 </p:sld>
 </file>
 
-<file path=ppt/slides/slide26.xml><?xml version="1.0" encoding="utf-8"?>
+<file path=ppt/slides/slide29.xml><?xml version="1.0" encoding="utf-8"?>
 <p:sld xmlns:a="http://schemas.openxmlformats.org/drawingml/2006/main" xmlns:r="http://schemas.openxmlformats.org/officeDocument/2006/relationships" xmlns:p="http://schemas.openxmlformats.org/presentationml/2006/main">
   <p:cSld>
     <p:bg>
@@ -14625,8 +17870,8 @@
         </p:nvSpPr>
         <p:spPr>
           <a:xfrm>
-            <a:off x="381000" y="2667000"/>
-            <a:ext cx="8382000" cy="1470025"/>
+            <a:off x="76200" y="-228600"/>
+            <a:ext cx="9067800" cy="1470025"/>
           </a:xfrm>
           <a:ln>
             <a:noFill/>
@@ -14638,21 +17883,39 @@
           </a:bodyPr>
           <a:lstStyle/>
           <a:p>
-            <a:r>
-              <a:rPr lang="en-US" sz="12000" dirty="0" smtClean="0">
-                <a:solidFill>
-                  <a:schemeClr val="accent2">
-                    <a:lumMod val="75000"/>
+            <a:pPr algn="l"/>
+            <a:r>
+              <a:rPr lang="en-US" sz="8000" dirty="0" smtClean="0">
+                <a:solidFill>
+                  <a:schemeClr val="tx2">
+                    <a:lumMod val="60000"/>
+                    <a:lumOff val="40000"/>
                   </a:schemeClr>
                 </a:solidFill>
                 <a:latin typeface="Yanone Kaffeesatz Bold" pitchFamily="2" charset="0"/>
                 <a:cs typeface="Aharoni" pitchFamily="2" charset="-79"/>
               </a:rPr>
-              <a:t>BETTER!</a:t>
-            </a:r>
-            <a:endParaRPr lang="en-US" sz="12000" dirty="0">
+              <a:t>MMMPG </a:t>
+            </a:r>
+            <a:r>
+              <a:rPr lang="en-US" sz="4000" dirty="0" smtClean="0">
+                <a:solidFill>
+                  <a:schemeClr val="tx2">
+                    <a:lumMod val="60000"/>
+                    <a:lumOff val="40000"/>
+                  </a:schemeClr>
+                </a:solidFill>
+                <a:latin typeface="Yanone Kaffeesatz Bold" pitchFamily="2" charset="0"/>
+                <a:cs typeface="Aharoni" pitchFamily="2" charset="-79"/>
+              </a:rPr>
+              <a:t>(Massively Multiplayer Moo Playing Game)</a:t>
+            </a:r>
+            <a:endParaRPr lang="en-US" sz="4000" dirty="0">
               <a:solidFill>
-                <a:srgbClr val="F0F2EB"/>
+                <a:schemeClr val="tx2">
+                  <a:lumMod val="60000"/>
+                  <a:lumOff val="40000"/>
+                </a:schemeClr>
               </a:solidFill>
               <a:latin typeface="Yanone Kaffeesatz Bold" pitchFamily="2" charset="0"/>
               <a:cs typeface="Aharoni" pitchFamily="2" charset="-79"/>
@@ -14663,7 +17926,7 @@
     </p:spTree>
     <p:extLst>
       <p:ext uri="{BB962C8B-B14F-4D97-AF65-F5344CB8AC3E}">
-        <p14:creationId xmlns:p14="http://schemas.microsoft.com/office/powerpoint/2010/main" val="3893768702"/>
+        <p14:creationId xmlns:p14="http://schemas.microsoft.com/office/powerpoint/2010/main" val="142973661"/>
       </p:ext>
     </p:extLst>
   </p:cSld>

--- a/SignalR-Intro/SignalRIntro.pptx
+++ b/SignalR-Intro/SignalRIntro.pptx
@@ -139,6 +139,22 @@
       </a:defRPr>
     </a:lvl9pPr>
   </p:defaultTextStyle>
+  <p:extLst>
+    <p:ext uri="{EFAFB233-063F-42B5-8137-9DF3F51BA10A}">
+      <p15:sldGuideLst xmlns:p15="http://schemas.microsoft.com/office/powerpoint/2012/main">
+        <p15:guide id="1" orient="horz" pos="2160">
+          <p15:clr>
+            <a:srgbClr val="A4A3A4"/>
+          </p15:clr>
+        </p15:guide>
+        <p15:guide id="2" pos="2880">
+          <p15:clr>
+            <a:srgbClr val="A4A3A4"/>
+          </p15:clr>
+        </p15:guide>
+      </p15:sldGuideLst>
+    </p:ext>
+  </p:extLst>
 </p:presentation>
 </file>
 
@@ -224,7 +240,7 @@
           <a:p>
             <a:fld id="{2CD0711F-7899-4BEA-9415-D53A8E59CB6E}" type="datetimeFigureOut">
               <a:rPr lang="en-US" smtClean="0"/>
-              <a:t>11/7/2012</a:t>
+              <a:t>11/11/2012</a:t>
             </a:fld>
             <a:endParaRPr lang="en-US"/>
           </a:p>
@@ -942,11 +958,7 @@
             </a:r>
             <a:r>
               <a:rPr lang="en-US" baseline="0" dirty="0" smtClean="0"/>
-              <a:t> + server resources, not ideal</a:t>
-            </a:r>
-            <a:r>
-              <a:rPr lang="en-US" baseline="0" dirty="0" smtClean="0"/>
-              <a:t>’</a:t>
+              <a:t> + server resources, not ideal’</a:t>
             </a:r>
           </a:p>
           <a:p>
@@ -3835,7 +3847,6 @@
               <a:rPr lang="en-US" dirty="0" smtClean="0"/>
               <a:t> Connection: Upgrade</a:t>
             </a:r>
-            <a:endParaRPr lang="en-US" dirty="0" smtClean="0"/>
           </a:p>
           <a:p>
             <a:pPr marL="0" marR="0" indent="0" algn="l" defTabSz="914400" rtl="0" eaLnBrk="1" fontAlgn="auto" latinLnBrk="0" hangingPunct="1">
@@ -4583,7 +4594,7 @@
           <a:p>
             <a:fld id="{B0FAEA03-A86C-449D-8E27-995A897CE7F6}" type="datetimeFigureOut">
               <a:rPr lang="en-US" smtClean="0"/>
-              <a:t>11/7/2012</a:t>
+              <a:t>11/11/2012</a:t>
             </a:fld>
             <a:endParaRPr lang="en-US" dirty="0"/>
           </a:p>
@@ -4753,7 +4764,7 @@
           <a:p>
             <a:fld id="{B0FAEA03-A86C-449D-8E27-995A897CE7F6}" type="datetimeFigureOut">
               <a:rPr lang="en-US" smtClean="0"/>
-              <a:t>11/7/2012</a:t>
+              <a:t>11/11/2012</a:t>
             </a:fld>
             <a:endParaRPr lang="en-US" dirty="0"/>
           </a:p>
@@ -4933,7 +4944,7 @@
           <a:p>
             <a:fld id="{B0FAEA03-A86C-449D-8E27-995A897CE7F6}" type="datetimeFigureOut">
               <a:rPr lang="en-US" smtClean="0"/>
-              <a:t>11/7/2012</a:t>
+              <a:t>11/11/2012</a:t>
             </a:fld>
             <a:endParaRPr lang="en-US" dirty="0"/>
           </a:p>
@@ -5103,7 +5114,7 @@
           <a:p>
             <a:fld id="{B0FAEA03-A86C-449D-8E27-995A897CE7F6}" type="datetimeFigureOut">
               <a:rPr lang="en-US" smtClean="0"/>
-              <a:t>11/7/2012</a:t>
+              <a:t>11/11/2012</a:t>
             </a:fld>
             <a:endParaRPr lang="en-US" dirty="0"/>
           </a:p>
@@ -5349,7 +5360,7 @@
           <a:p>
             <a:fld id="{B0FAEA03-A86C-449D-8E27-995A897CE7F6}" type="datetimeFigureOut">
               <a:rPr lang="en-US" smtClean="0"/>
-              <a:t>11/7/2012</a:t>
+              <a:t>11/11/2012</a:t>
             </a:fld>
             <a:endParaRPr lang="en-US" dirty="0"/>
           </a:p>
@@ -5637,7 +5648,7 @@
           <a:p>
             <a:fld id="{B0FAEA03-A86C-449D-8E27-995A897CE7F6}" type="datetimeFigureOut">
               <a:rPr lang="en-US" smtClean="0"/>
-              <a:t>11/7/2012</a:t>
+              <a:t>11/11/2012</a:t>
             </a:fld>
             <a:endParaRPr lang="en-US" dirty="0"/>
           </a:p>
@@ -6059,7 +6070,7 @@
           <a:p>
             <a:fld id="{B0FAEA03-A86C-449D-8E27-995A897CE7F6}" type="datetimeFigureOut">
               <a:rPr lang="en-US" smtClean="0"/>
-              <a:t>11/7/2012</a:t>
+              <a:t>11/11/2012</a:t>
             </a:fld>
             <a:endParaRPr lang="en-US" dirty="0"/>
           </a:p>
@@ -6177,7 +6188,7 @@
           <a:p>
             <a:fld id="{B0FAEA03-A86C-449D-8E27-995A897CE7F6}" type="datetimeFigureOut">
               <a:rPr lang="en-US" smtClean="0"/>
-              <a:t>11/7/2012</a:t>
+              <a:t>11/11/2012</a:t>
             </a:fld>
             <a:endParaRPr lang="en-US" dirty="0"/>
           </a:p>
@@ -6272,7 +6283,7 @@
           <a:p>
             <a:fld id="{B0FAEA03-A86C-449D-8E27-995A897CE7F6}" type="datetimeFigureOut">
               <a:rPr lang="en-US" smtClean="0"/>
-              <a:t>11/7/2012</a:t>
+              <a:t>11/11/2012</a:t>
             </a:fld>
             <a:endParaRPr lang="en-US" dirty="0"/>
           </a:p>
@@ -6549,7 +6560,7 @@
           <a:p>
             <a:fld id="{B0FAEA03-A86C-449D-8E27-995A897CE7F6}" type="datetimeFigureOut">
               <a:rPr lang="en-US" smtClean="0"/>
-              <a:t>11/7/2012</a:t>
+              <a:t>11/11/2012</a:t>
             </a:fld>
             <a:endParaRPr lang="en-US" dirty="0"/>
           </a:p>
@@ -6802,7 +6813,7 @@
           <a:p>
             <a:fld id="{B0FAEA03-A86C-449D-8E27-995A897CE7F6}" type="datetimeFigureOut">
               <a:rPr lang="en-US" smtClean="0"/>
-              <a:t>11/7/2012</a:t>
+              <a:t>11/11/2012</a:t>
             </a:fld>
             <a:endParaRPr lang="en-US" dirty="0"/>
           </a:p>
@@ -7018,7 +7029,7 @@
           <a:p>
             <a:fld id="{B0FAEA03-A86C-449D-8E27-995A897CE7F6}" type="datetimeFigureOut">
               <a:rPr lang="en-US" smtClean="0"/>
-              <a:t>11/7/2012</a:t>
+              <a:t>11/11/2012</a:t>
             </a:fld>
             <a:endParaRPr lang="en-US" dirty="0"/>
           </a:p>
@@ -10269,15 +10280,6 @@
               </a:rPr>
               <a:t>Server-Sent Events</a:t>
             </a:r>
-            <a:endParaRPr lang="en-US" sz="8800" dirty="0" smtClean="0">
-              <a:solidFill>
-                <a:schemeClr val="tx1">
-                  <a:lumMod val="65000"/>
-                  <a:lumOff val="35000"/>
-                </a:schemeClr>
-              </a:solidFill>
-              <a:latin typeface="Yanone Kaffeesatz Bold" pitchFamily="2" charset="0"/>
-            </a:endParaRPr>
           </a:p>
         </p:txBody>
       </p:sp>
@@ -10597,15 +10599,6 @@
               </a:rPr>
               <a:t>Forever Frame</a:t>
             </a:r>
-            <a:endParaRPr lang="en-US" sz="8800" dirty="0" smtClean="0">
-              <a:solidFill>
-                <a:schemeClr val="tx1">
-                  <a:lumMod val="65000"/>
-                  <a:lumOff val="35000"/>
-                </a:schemeClr>
-              </a:solidFill>
-              <a:latin typeface="Yanone Kaffeesatz Bold" pitchFamily="2" charset="0"/>
-            </a:endParaRPr>
           </a:p>
         </p:txBody>
       </p:sp>
@@ -11049,19 +11042,7 @@
                 </a:solidFill>
                 <a:latin typeface="Yanone Kaffeesatz Bold" pitchFamily="2" charset="0"/>
               </a:rPr>
-              <a:t>Open Source Software created </a:t>
-            </a:r>
-            <a:r>
-              <a:rPr lang="en-US" sz="4500" dirty="0" smtClean="0">
-                <a:solidFill>
-                  <a:schemeClr val="tx1">
-                    <a:lumMod val="65000"/>
-                    <a:lumOff val="35000"/>
-                  </a:schemeClr>
-                </a:solidFill>
-                <a:latin typeface="Yanone Kaffeesatz Bold" pitchFamily="2" charset="0"/>
-              </a:rPr>
-              <a:t>by David Fowler and Damien Edwards @Microsoft</a:t>
+              <a:t>Open Source Software created by David Fowler and Damien Edwards @Microsoft</a:t>
             </a:r>
             <a:r>
               <a:rPr lang="en-US" sz="4800" dirty="0" smtClean="0">
@@ -11460,15 +11441,6 @@
               </a:rPr>
               <a:t>Long Polling</a:t>
             </a:r>
-            <a:endParaRPr lang="en-US" sz="8800" dirty="0" smtClean="0">
-              <a:solidFill>
-                <a:schemeClr val="tx1">
-                  <a:lumMod val="65000"/>
-                  <a:lumOff val="35000"/>
-                </a:schemeClr>
-              </a:solidFill>
-              <a:latin typeface="Yanone Kaffeesatz Bold" pitchFamily="2" charset="0"/>
-            </a:endParaRPr>
           </a:p>
         </p:txBody>
       </p:sp>
@@ -12666,15 +12638,6 @@
               </a:rPr>
               <a:t>Recap – Fallback diagram, show arrow with support</a:t>
             </a:r>
-            <a:endParaRPr lang="en-US" sz="9000" dirty="0" smtClean="0">
-              <a:solidFill>
-                <a:schemeClr val="accent2">
-                  <a:lumMod val="75000"/>
-                </a:schemeClr>
-              </a:solidFill>
-              <a:latin typeface="Yanone Kaffeesatz Bold" pitchFamily="2" charset="0"/>
-              <a:cs typeface="Aharoni" pitchFamily="2" charset="-79"/>
-            </a:endParaRPr>
           </a:p>
         </p:txBody>
       </p:sp>
@@ -13943,20 +13906,7 @@
                 <a:latin typeface="Yanone Kaffeesatz Bold" pitchFamily="2" charset="0"/>
                 <a:cs typeface="Aharoni" pitchFamily="2" charset="-79"/>
               </a:rPr>
-              <a:t>Roadmap - One </a:t>
-            </a:r>
-            <a:r>
-              <a:rPr lang="en-US" sz="8000" dirty="0" smtClean="0">
-                <a:solidFill>
-                  <a:schemeClr val="tx2">
-                    <a:lumMod val="60000"/>
-                    <a:lumOff val="40000"/>
-                  </a:schemeClr>
-                </a:solidFill>
-                <a:latin typeface="Yanone Kaffeesatz Bold" pitchFamily="2" charset="0"/>
-                <a:cs typeface="Aharoni" pitchFamily="2" charset="-79"/>
-              </a:rPr>
-              <a:t>ASP.NET</a:t>
+              <a:t>Roadmap - One ASP.NET</a:t>
             </a:r>
             <a:endParaRPr lang="en-US" sz="8000" dirty="0">
               <a:solidFill>
@@ -14766,39 +14716,6 @@
           </a:p>
         </p:txBody>
       </p:sp>
-      <p:pic>
-        <p:nvPicPr>
-          <p:cNvPr id="3" name="testGif.gif">
-            <a:hlinkClick r:id="" action="ppaction://media"/>
-          </p:cNvPr>
-          <p:cNvPicPr>
-            <a:picLocks noChangeAspect="1"/>
-          </p:cNvPicPr>
-          <p:nvPr>
-            <a:videoFile r:link="rId2"/>
-            <p:extLst>
-              <p:ext uri="{DAA4B4D4-6D71-4841-9C94-3DE7FCFB9230}">
-                <p14:media xmlns:p14="http://schemas.microsoft.com/office/powerpoint/2010/main" r:embed="rId1"/>
-              </p:ext>
-            </p:extLst>
-          </p:nvPr>
-        </p:nvPicPr>
-        <p:blipFill>
-          <a:blip r:embed="rId5"/>
-          <a:stretch>
-            <a:fillRect/>
-          </a:stretch>
-        </p:blipFill>
-        <p:spPr>
-          <a:xfrm>
-            <a:off x="3360738" y="2506663"/>
-            <a:ext cx="2422525" cy="1844675"/>
-          </a:xfrm>
-          <a:prstGeom prst="rect">
-            <a:avLst/>
-          </a:prstGeom>
-        </p:spPr>
-      </p:pic>
     </p:spTree>
     <p:extLst>
       <p:ext uri="{BB962C8B-B14F-4D97-AF65-F5344CB8AC3E}">
@@ -14812,80 +14729,7 @@
   <p:timing>
     <p:tnLst>
       <p:par>
-        <p:cTn id="1" dur="indefinite" restart="never" nodeType="tmRoot">
-          <p:childTnLst>
-            <p:seq concurrent="1" nextAc="seek">
-              <p:cTn id="2" dur="indefinite" nodeType="mainSeq">
-                <p:childTnLst>
-                  <p:par>
-                    <p:cTn id="3" fill="hold">
-                      <p:stCondLst>
-                        <p:cond delay="indefinite"/>
-                        <p:cond evt="onBegin" delay="0">
-                          <p:tn val="2"/>
-                        </p:cond>
-                      </p:stCondLst>
-                      <p:childTnLst>
-                        <p:par>
-                          <p:cTn id="4" fill="hold">
-                            <p:stCondLst>
-                              <p:cond delay="0"/>
-                            </p:stCondLst>
-                            <p:childTnLst>
-                              <p:par>
-                                <p:cTn id="5" presetID="1" presetClass="mediacall" presetSubtype="0" fill="hold" nodeType="withEffect">
-                                  <p:stCondLst>
-                                    <p:cond delay="0"/>
-                                  </p:stCondLst>
-                                  <p:childTnLst>
-                                    <p:cmd type="call" cmd="playFrom(0.0)">
-                                      <p:cBhvr>
-                                        <p:cTn id="6" dur="10" fill="hold"/>
-                                        <p:tgtEl>
-                                          <p:spTgt spid="3"/>
-                                        </p:tgtEl>
-                                      </p:cBhvr>
-                                    </p:cmd>
-                                  </p:childTnLst>
-                                </p:cTn>
-                              </p:par>
-                            </p:childTnLst>
-                          </p:cTn>
-                        </p:par>
-                      </p:childTnLst>
-                    </p:cTn>
-                  </p:par>
-                </p:childTnLst>
-              </p:cTn>
-              <p:prevCondLst>
-                <p:cond evt="onPrev" delay="0">
-                  <p:tgtEl>
-                    <p:sldTgt/>
-                  </p:tgtEl>
-                </p:cond>
-              </p:prevCondLst>
-              <p:nextCondLst>
-                <p:cond evt="onNext" delay="0">
-                  <p:tgtEl>
-                    <p:sldTgt/>
-                  </p:tgtEl>
-                </p:cond>
-              </p:nextCondLst>
-            </p:seq>
-            <p:video>
-              <p:cMediaNode vol="80000">
-                <p:cTn id="7" fill="hold" display="0">
-                  <p:stCondLst>
-                    <p:cond delay="indefinite"/>
-                  </p:stCondLst>
-                </p:cTn>
-                <p:tgtEl>
-                  <p:spTgt spid="3"/>
-                </p:tgtEl>
-              </p:cMediaNode>
-            </p:video>
-          </p:childTnLst>
-        </p:cTn>
+        <p:cTn id="1" dur="indefinite" restart="never" nodeType="tmRoot"/>
       </p:par>
     </p:tnLst>
   </p:timing>
@@ -15096,19 +14940,7 @@
                 </a:solidFill>
                 <a:latin typeface="Yanone Kaffeesatz Bold" pitchFamily="2" charset="0"/>
               </a:rPr>
-              <a:t> + </a:t>
-            </a:r>
-            <a:r>
-              <a:rPr lang="en-US" sz="3000" dirty="0" smtClean="0">
-                <a:solidFill>
-                  <a:schemeClr val="tx1">
-                    <a:lumMod val="65000"/>
-                    <a:lumOff val="35000"/>
-                  </a:schemeClr>
-                </a:solidFill>
-                <a:latin typeface="Yanone Kaffeesatz Bold" pitchFamily="2" charset="0"/>
-              </a:rPr>
-              <a:t>$.</a:t>
+              <a:t> + $.</a:t>
             </a:r>
             <a:r>
               <a:rPr lang="en-US" sz="3000" dirty="0" err="1" smtClean="0">

--- a/SignalR-Intro/SignalRIntro.pptx
+++ b/SignalR-Intro/SignalRIntro.pptx
@@ -10071,6 +10071,29 @@
           </a:extLst>
         </p:spPr>
       </p:pic>
+      <p:pic>
+        <p:nvPicPr>
+          <p:cNvPr id="2" name="Picture 1"/>
+          <p:cNvPicPr>
+            <a:picLocks noChangeAspect="1"/>
+          </p:cNvPicPr>
+          <p:nvPr/>
+        </p:nvPicPr>
+        <p:blipFill rotWithShape="1">
+          <a:blip r:embed="rId9"/>
+          <a:srcRect l="5238" t="41619" r="60476" b="27131"/>
+          <a:stretch/>
+        </p:blipFill>
+        <p:spPr>
+          <a:xfrm>
+            <a:off x="1679640" y="3022110"/>
+            <a:ext cx="5486400" cy="3125372"/>
+          </a:xfrm>
+          <a:prstGeom prst="rect">
+            <a:avLst/>
+          </a:prstGeom>
+        </p:spPr>
+      </p:pic>
     </p:spTree>
     <p:extLst>
       <p:ext uri="{BB962C8B-B14F-4D97-AF65-F5344CB8AC3E}">
@@ -10143,6 +10166,33 @@
                                         </p:cTn>
                                         <p:tgtEl>
                                           <p:spTgt spid="13"/>
+                                        </p:tgtEl>
+                                        <p:attrNameLst>
+                                          <p:attrName>style.visibility</p:attrName>
+                                        </p:attrNameLst>
+                                      </p:cBhvr>
+                                      <p:to>
+                                        <p:strVal val="visible"/>
+                                      </p:to>
+                                    </p:set>
+                                  </p:childTnLst>
+                                </p:cTn>
+                              </p:par>
+                              <p:par>
+                                <p:cTn id="9" presetID="1" presetClass="entr" presetSubtype="0" fill="hold" nodeType="withEffect">
+                                  <p:stCondLst>
+                                    <p:cond delay="0"/>
+                                  </p:stCondLst>
+                                  <p:childTnLst>
+                                    <p:set>
+                                      <p:cBhvr>
+                                        <p:cTn id="10" dur="1" fill="hold">
+                                          <p:stCondLst>
+                                            <p:cond delay="0"/>
+                                          </p:stCondLst>
+                                        </p:cTn>
+                                        <p:tgtEl>
+                                          <p:spTgt spid="2"/>
                                         </p:tgtEl>
                                         <p:attrNameLst>
                                           <p:attrName>style.visibility</p:attrName>
@@ -10488,6 +10538,29 @@
           </a:extLst>
         </p:spPr>
       </p:pic>
+      <p:pic>
+        <p:nvPicPr>
+          <p:cNvPr id="4" name="Picture 3"/>
+          <p:cNvPicPr>
+            <a:picLocks noChangeAspect="1"/>
+          </p:cNvPicPr>
+          <p:nvPr/>
+        </p:nvPicPr>
+        <p:blipFill rotWithShape="1">
+          <a:blip r:embed="rId9"/>
+          <a:srcRect l="3809" t="12667" r="65714" b="65238"/>
+          <a:stretch/>
+        </p:blipFill>
+        <p:spPr>
+          <a:xfrm>
+            <a:off x="1524000" y="3158460"/>
+            <a:ext cx="5810185" cy="2632740"/>
+          </a:xfrm>
+          <a:prstGeom prst="rect">
+            <a:avLst/>
+          </a:prstGeom>
+        </p:spPr>
+      </p:pic>
     </p:spTree>
     <p:extLst>
       <p:ext uri="{BB962C8B-B14F-4D97-AF65-F5344CB8AC3E}">
@@ -10805,6 +10878,29 @@
               </a14:hiddenFill>
             </a:ext>
           </a:extLst>
+        </p:spPr>
+      </p:pic>
+      <p:pic>
+        <p:nvPicPr>
+          <p:cNvPr id="3" name="Picture 2"/>
+          <p:cNvPicPr>
+            <a:picLocks noChangeAspect="1"/>
+          </p:cNvPicPr>
+          <p:nvPr/>
+        </p:nvPicPr>
+        <p:blipFill rotWithShape="1">
+          <a:blip r:embed="rId9"/>
+          <a:srcRect l="5238" t="13429" r="62820" b="57372"/>
+          <a:stretch/>
+        </p:blipFill>
+        <p:spPr>
+          <a:xfrm>
+            <a:off x="1679640" y="3019062"/>
+            <a:ext cx="5279199" cy="3016115"/>
+          </a:xfrm>
+          <a:prstGeom prst="rect">
+            <a:avLst/>
+          </a:prstGeom>
         </p:spPr>
       </p:pic>
     </p:spTree>
@@ -11647,6 +11743,29 @@
               </a14:hiddenFill>
             </a:ext>
           </a:extLst>
+        </p:spPr>
+      </p:pic>
+      <p:pic>
+        <p:nvPicPr>
+          <p:cNvPr id="2" name="Picture 1"/>
+          <p:cNvPicPr>
+            <a:picLocks noChangeAspect="1"/>
+          </p:cNvPicPr>
+          <p:nvPr/>
+        </p:nvPicPr>
+        <p:blipFill rotWithShape="1">
+          <a:blip r:embed="rId9"/>
+          <a:srcRect l="3809" t="44366" r="70000" b="42381"/>
+          <a:stretch/>
+        </p:blipFill>
+        <p:spPr>
+          <a:xfrm>
+            <a:off x="1828800" y="3152598"/>
+            <a:ext cx="5059783" cy="1600200"/>
+          </a:xfrm>
+          <a:prstGeom prst="rect">
+            <a:avLst/>
+          </a:prstGeom>
         </p:spPr>
       </p:pic>
     </p:spTree>

--- a/SignalR-Intro/SignalRIntro.pptx
+++ b/SignalR-Intro/SignalRIntro.pptx
@@ -5,7 +5,7 @@
     <p:sldMasterId id="2147483648" r:id="rId1"/>
   </p:sldMasterIdLst>
   <p:notesMasterIdLst>
-    <p:notesMasterId r:id="rId35"/>
+    <p:notesMasterId r:id="rId36"/>
   </p:notesMasterIdLst>
   <p:sldIdLst>
     <p:sldId id="258" r:id="rId2"/>
@@ -32,15 +32,16 @@
     <p:sldId id="293" r:id="rId23"/>
     <p:sldId id="303" r:id="rId24"/>
     <p:sldId id="288" r:id="rId25"/>
-    <p:sldId id="297" r:id="rId26"/>
-    <p:sldId id="318" r:id="rId27"/>
-    <p:sldId id="315" r:id="rId28"/>
-    <p:sldId id="328" r:id="rId29"/>
-    <p:sldId id="327" r:id="rId30"/>
-    <p:sldId id="289" r:id="rId31"/>
-    <p:sldId id="302" r:id="rId32"/>
-    <p:sldId id="300" r:id="rId33"/>
-    <p:sldId id="312" r:id="rId34"/>
+    <p:sldId id="331" r:id="rId26"/>
+    <p:sldId id="329" r:id="rId27"/>
+    <p:sldId id="333" r:id="rId28"/>
+    <p:sldId id="297" r:id="rId29"/>
+    <p:sldId id="328" r:id="rId30"/>
+    <p:sldId id="330" r:id="rId31"/>
+    <p:sldId id="327" r:id="rId32"/>
+    <p:sldId id="289" r:id="rId33"/>
+    <p:sldId id="302" r:id="rId34"/>
+    <p:sldId id="332" r:id="rId35"/>
   </p:sldIdLst>
   <p:sldSz cx="9144000" cy="6858000" type="screen4x3"/>
   <p:notesSz cx="6858000" cy="9144000"/>
@@ -240,7 +241,7 @@
           <a:p>
             <a:fld id="{2CD0711F-7899-4BEA-9415-D53A8E59CB6E}" type="datetimeFigureOut">
               <a:rPr lang="en-US" smtClean="0"/>
-              <a:t>11/11/2012</a:t>
+              <a:t>11/12/2012</a:t>
             </a:fld>
             <a:endParaRPr lang="en-US"/>
           </a:p>
@@ -2334,7 +2335,7 @@
           <a:p>
             <a:fld id="{E76AAE11-CCE4-491F-9A3B-35EA6902E85C}" type="slidenum">
               <a:rPr lang="en-US" smtClean="0"/>
-              <a:t>28</a:t>
+              <a:t>26</a:t>
             </a:fld>
             <a:endParaRPr lang="en-US"/>
           </a:p>
@@ -2343,7 +2344,7 @@
     </p:spTree>
     <p:extLst>
       <p:ext uri="{BB962C8B-B14F-4D97-AF65-F5344CB8AC3E}">
-        <p14:creationId xmlns:p14="http://schemas.microsoft.com/office/powerpoint/2010/main" val="374496698"/>
+        <p14:creationId xmlns:p14="http://schemas.microsoft.com/office/powerpoint/2010/main" val="3895442839"/>
       </p:ext>
     </p:extLst>
   </p:cSld>
@@ -2397,289 +2398,6 @@
           <a:bodyPr/>
           <a:lstStyle/>
           <a:p>
-            <a:r>
-              <a:rPr lang="en-US" sz="1200" dirty="0" smtClean="0"/>
-              <a:t>Typically with .NET </a:t>
-            </a:r>
-            <a:r>
-              <a:rPr lang="en-US" sz="1200" dirty="0" err="1" smtClean="0"/>
-              <a:t>ihttphandler</a:t>
-            </a:r>
-            <a:r>
-              <a:rPr lang="en-US" sz="1200" dirty="0" smtClean="0"/>
-              <a:t> this would hold onto a request thread, wouldn’t scale beyond 20-30 threads</a:t>
-            </a:r>
-            <a:br>
-              <a:rPr lang="en-US" sz="1200" dirty="0" smtClean="0"/>
-            </a:br>
-            <a:r>
-              <a:rPr lang="en-US" sz="1200" dirty="0" smtClean="0"/>
-              <a:t>Last 5 years.  </a:t>
-            </a:r>
-            <a:br>
-              <a:rPr lang="en-US" sz="1200" dirty="0" smtClean="0"/>
-            </a:br>
-            <a:r>
-              <a:rPr lang="en-US" sz="1200" dirty="0" smtClean="0"/>
-              <a:t>How asp.net uses threads -&gt; </a:t>
-            </a:r>
-            <a:br>
-              <a:rPr lang="en-US" sz="1200" dirty="0" smtClean="0"/>
-            </a:br>
-            <a:r>
-              <a:rPr lang="en-US" sz="1200" dirty="0" smtClean="0"/>
-              <a:t>	when app starts up it uses the .NET </a:t>
-            </a:r>
-            <a:r>
-              <a:rPr lang="en-US" sz="1200" dirty="0" err="1" smtClean="0"/>
-              <a:t>threadpool</a:t>
-            </a:r>
-            <a:r>
-              <a:rPr lang="en-US" sz="1200" dirty="0" smtClean="0"/>
-              <a:t> (CLR </a:t>
-            </a:r>
-            <a:r>
-              <a:rPr lang="en-US" sz="1200" dirty="0" err="1" smtClean="0"/>
-              <a:t>Threadpool</a:t>
-            </a:r>
-            <a:r>
-              <a:rPr lang="en-US" sz="1200" dirty="0" smtClean="0"/>
-              <a:t>), allocated when app starts up.</a:t>
-            </a:r>
-            <a:br>
-              <a:rPr lang="en-US" sz="1200" dirty="0" smtClean="0"/>
-            </a:br>
-            <a:r>
-              <a:rPr lang="en-US" sz="1200" dirty="0" smtClean="0"/>
-              <a:t>	request thread comes in from IIS -&gt; handed off to your app, your app uses </a:t>
-            </a:r>
-            <a:r>
-              <a:rPr lang="en-US" sz="1200" dirty="0" err="1" smtClean="0"/>
-              <a:t>threadpool</a:t>
-            </a:r>
-            <a:r>
-              <a:rPr lang="en-US" sz="1200" dirty="0" smtClean="0"/>
-              <a:t> thread and is assigned to that request</a:t>
-            </a:r>
-            <a:br>
-              <a:rPr lang="en-US" sz="1200" dirty="0" smtClean="0"/>
-            </a:br>
-            <a:r>
-              <a:rPr lang="en-US" sz="1200" dirty="0" smtClean="0"/>
-              <a:t>		this is modeled off of quick request/response, not good for persistent connection</a:t>
-            </a:r>
-            <a:br>
-              <a:rPr lang="en-US" sz="1200" dirty="0" smtClean="0"/>
-            </a:br>
-            <a:r>
-              <a:rPr lang="en-US" sz="1200" dirty="0" smtClean="0"/>
-              <a:t>	Prior to .NET 4, default # of threads is low as hell 25 default per </a:t>
-            </a:r>
-            <a:r>
-              <a:rPr lang="en-US" sz="1200" dirty="0" err="1" smtClean="0"/>
-              <a:t>cpu</a:t>
-            </a:r>
-            <a:r>
-              <a:rPr lang="en-US" sz="1200" dirty="0" smtClean="0"/>
-              <a:t>, increased to</a:t>
-            </a:r>
-            <a:r>
-              <a:rPr lang="en-US" sz="1200" baseline="0" dirty="0" smtClean="0"/>
-              <a:t> 250 and 1000 IO completion</a:t>
-            </a:r>
-          </a:p>
-          <a:p>
-            <a:r>
-              <a:rPr lang="en-US" sz="1200" baseline="0" dirty="0" smtClean="0"/>
-              <a:t>			CLR </a:t>
-            </a:r>
-            <a:r>
-              <a:rPr lang="en-US" sz="1200" baseline="0" dirty="0" err="1" smtClean="0"/>
-              <a:t>threadpool</a:t>
-            </a:r>
-            <a:r>
-              <a:rPr lang="en-US" sz="1200" baseline="0" dirty="0" smtClean="0"/>
-              <a:t> adjusts the number of threads according to workload</a:t>
-            </a:r>
-          </a:p>
-          <a:p>
-            <a:r>
-              <a:rPr lang="en-US" sz="1200" baseline="0" dirty="0" smtClean="0"/>
-              <a:t>			quick request/response, low threads = higher throughput, few per </a:t>
-            </a:r>
-            <a:r>
-              <a:rPr lang="en-US" sz="1200" baseline="0" dirty="0" err="1" smtClean="0"/>
-              <a:t>cpu</a:t>
-            </a:r>
-            <a:endParaRPr lang="en-US" sz="1200" baseline="0" dirty="0" smtClean="0"/>
-          </a:p>
-          <a:p>
-            <a:r>
-              <a:rPr lang="en-US" sz="1200" baseline="0" dirty="0" smtClean="0"/>
-              <a:t>                                                          longer, higher latency threads, </a:t>
-            </a:r>
-            <a:r>
-              <a:rPr lang="en-US" sz="1200" baseline="0" dirty="0" err="1" smtClean="0"/>
-              <a:t>persisten</a:t>
-            </a:r>
-            <a:r>
-              <a:rPr lang="en-US" sz="1200" baseline="0" dirty="0" smtClean="0"/>
-              <a:t> connection, higher concurrency, more threads needed</a:t>
-            </a:r>
-          </a:p>
-          <a:p>
-            <a:endParaRPr lang="en-US" sz="1200" baseline="0" dirty="0" smtClean="0"/>
-          </a:p>
-          <a:p>
-            <a:r>
-              <a:rPr lang="en-US" sz="1200" baseline="0" dirty="0" smtClean="0"/>
-              <a:t>		higher probability of deadlocks of there is synchronization happening w/ </a:t>
-            </a:r>
-            <a:r>
-              <a:rPr lang="en-US" sz="1200" baseline="0" dirty="0" err="1" smtClean="0"/>
-              <a:t>persisten</a:t>
-            </a:r>
-            <a:r>
-              <a:rPr lang="en-US" sz="1200" baseline="0" dirty="0" smtClean="0"/>
-              <a:t> connection</a:t>
-            </a:r>
-          </a:p>
-          <a:p>
-            <a:r>
-              <a:rPr lang="en-US" sz="1200" dirty="0" smtClean="0"/>
-              <a:t/>
-            </a:r>
-            <a:br>
-              <a:rPr lang="en-US" sz="1200" dirty="0" smtClean="0"/>
-            </a:br>
-            <a:r>
-              <a:rPr lang="en-US" sz="1200" dirty="0" smtClean="0"/>
-              <a:t>	this is good for throughput and avoid thrashing with your CPU…not holding a long connection open</a:t>
-            </a:r>
-            <a:br>
-              <a:rPr lang="en-US" sz="1200" dirty="0" smtClean="0"/>
-            </a:br>
-            <a:r>
-              <a:rPr lang="en-US" sz="1200" dirty="0" smtClean="0"/>
-              <a:t/>
-            </a:r>
-            <a:br>
-              <a:rPr lang="en-US" sz="1200" dirty="0" smtClean="0"/>
-            </a:br>
-            <a:r>
-              <a:rPr lang="en-US" sz="1200" dirty="0" smtClean="0"/>
-              <a:t>	in .NET 4, limits increased on # of threads per </a:t>
-            </a:r>
-            <a:r>
-              <a:rPr lang="en-US" sz="1200" dirty="0" err="1" smtClean="0"/>
-              <a:t>cpu</a:t>
-            </a:r>
-            <a:r>
-              <a:rPr lang="en-US" sz="1200" dirty="0" smtClean="0"/>
-              <a:t/>
-            </a:r>
-            <a:br>
-              <a:rPr lang="en-US" sz="1200" dirty="0" smtClean="0"/>
-            </a:br>
-            <a:r>
-              <a:rPr lang="en-US" sz="1200" dirty="0" smtClean="0"/>
-              <a:t>	</a:t>
-            </a:r>
-            <a:r>
-              <a:rPr lang="en-US" sz="1200" dirty="0" err="1" smtClean="0"/>
-              <a:t>IAsyncHttpHandler</a:t>
-            </a:r>
-            <a:r>
-              <a:rPr lang="en-US" sz="1200" dirty="0" smtClean="0"/>
-              <a:t>, keeps a request open and dissolve thread associated with request until work needs to happen with request.</a:t>
-            </a:r>
-            <a:br>
-              <a:rPr lang="en-US" sz="1200" dirty="0" smtClean="0"/>
-            </a:br>
-            <a:r>
-              <a:rPr lang="en-US" sz="1200" dirty="0" smtClean="0"/>
-              <a:t>	</a:t>
-            </a:r>
-            <a:r>
-              <a:rPr lang="en-US" sz="1200" dirty="0" err="1" smtClean="0"/>
-              <a:t>Async</a:t>
-            </a:r>
-            <a:r>
-              <a:rPr lang="en-US" sz="1200" dirty="0" smtClean="0"/>
-              <a:t> Programming Model easy to understand, but it gets difficult:</a:t>
-            </a:r>
-            <a:br>
-              <a:rPr lang="en-US" sz="1200" dirty="0" smtClean="0"/>
-            </a:br>
-            <a:r>
-              <a:rPr lang="en-US" sz="1200" dirty="0" smtClean="0"/>
-              <a:t>		- Difficult to do multiple sets of work</a:t>
-            </a:r>
-            <a:br>
-              <a:rPr lang="en-US" sz="1200" dirty="0" smtClean="0"/>
-            </a:br>
-            <a:r>
-              <a:rPr lang="en-US" sz="1200" dirty="0" smtClean="0"/>
-              <a:t>		- or loops of work, i.e. </a:t>
-            </a:r>
-            <a:r>
-              <a:rPr lang="en-US" sz="1200" dirty="0" err="1" smtClean="0"/>
-              <a:t>queieing</a:t>
-            </a:r>
-            <a:r>
-              <a:rPr lang="en-US" sz="1200" dirty="0" smtClean="0"/>
-              <a:t> sets of connections and processing events is difficult</a:t>
-            </a:r>
-            <a:br>
-              <a:rPr lang="en-US" sz="1200" dirty="0" smtClean="0"/>
-            </a:br>
-            <a:r>
-              <a:rPr lang="en-US" sz="1200" dirty="0" smtClean="0"/>
-              <a:t>		so it was not easy to do this and there is a lot of infrastructure work to take care of doing this</a:t>
-            </a:r>
-            <a:br>
-              <a:rPr lang="en-US" sz="1200" dirty="0" smtClean="0"/>
-            </a:br>
-            <a:r>
-              <a:rPr lang="en-US" sz="1200" dirty="0" smtClean="0"/>
-              <a:t>	Introduction of TPL made this above work easier, so it led to this library</a:t>
-            </a:r>
-            <a:br>
-              <a:rPr lang="en-US" sz="1200" dirty="0" smtClean="0"/>
-            </a:br>
-            <a:r>
-              <a:rPr lang="en-US" sz="1200" dirty="0" smtClean="0"/>
-              <a:t>	Rather than dealing with </a:t>
-            </a:r>
-            <a:r>
-              <a:rPr lang="en-US" sz="1200" dirty="0" err="1" smtClean="0"/>
-              <a:t>IasyncResult</a:t>
-            </a:r>
-            <a:r>
-              <a:rPr lang="en-US" sz="1200" dirty="0" smtClean="0"/>
-              <a:t> and method pairs, we deal with tasks.</a:t>
-            </a:r>
-            <a:br>
-              <a:rPr lang="en-US" sz="1200" dirty="0" smtClean="0"/>
-            </a:br>
-            <a:r>
-              <a:rPr lang="en-US" sz="1200" dirty="0" smtClean="0"/>
-              <a:t>	</a:t>
-            </a:r>
-            <a:br>
-              <a:rPr lang="en-US" sz="1200" dirty="0" smtClean="0"/>
-            </a:br>
-            <a:r>
-              <a:rPr lang="en-US" sz="1200" dirty="0" smtClean="0"/>
-              <a:t>	</a:t>
-            </a:r>
-            <a:br>
-              <a:rPr lang="en-US" sz="1200" dirty="0" smtClean="0"/>
-            </a:br>
-            <a:r>
-              <a:rPr lang="en-US" sz="1200" dirty="0" smtClean="0"/>
-              <a:t>	</a:t>
-            </a:r>
             <a:endParaRPr lang="en-US" dirty="0"/>
           </a:p>
         </p:txBody>
@@ -2701,7 +2419,7 @@
           <a:p>
             <a:fld id="{E76AAE11-CCE4-491F-9A3B-35EA6902E85C}" type="slidenum">
               <a:rPr lang="en-US" smtClean="0"/>
-              <a:t>29</a:t>
+              <a:t>27</a:t>
             </a:fld>
             <a:endParaRPr lang="en-US"/>
           </a:p>
@@ -2710,7 +2428,7 @@
     </p:spTree>
     <p:extLst>
       <p:ext uri="{BB962C8B-B14F-4D97-AF65-F5344CB8AC3E}">
-        <p14:creationId xmlns:p14="http://schemas.microsoft.com/office/powerpoint/2010/main" val="374496698"/>
+        <p14:creationId xmlns:p14="http://schemas.microsoft.com/office/powerpoint/2010/main" val="3509255577"/>
       </p:ext>
     </p:extLst>
   </p:cSld>
@@ -2869,7 +2587,7 @@
           <a:p>
             <a:fld id="{E76AAE11-CCE4-491F-9A3B-35EA6902E85C}" type="slidenum">
               <a:rPr lang="en-US" smtClean="0"/>
-              <a:t>30</a:t>
+              <a:t>28</a:t>
             </a:fld>
             <a:endParaRPr lang="en-US"/>
           </a:p>
@@ -2878,7 +2596,7 @@
     </p:spTree>
     <p:extLst>
       <p:ext uri="{BB962C8B-B14F-4D97-AF65-F5344CB8AC3E}">
-        <p14:creationId xmlns:p14="http://schemas.microsoft.com/office/powerpoint/2010/main" val="374496698"/>
+        <p14:creationId xmlns:p14="http://schemas.microsoft.com/office/powerpoint/2010/main" val="2861507415"/>
       </p:ext>
     </p:extLst>
   </p:cSld>
@@ -2953,7 +2671,7 @@
           <a:p>
             <a:fld id="{E76AAE11-CCE4-491F-9A3B-35EA6902E85C}" type="slidenum">
               <a:rPr lang="en-US" smtClean="0"/>
-              <a:t>31</a:t>
+              <a:t>29</a:t>
             </a:fld>
             <a:endParaRPr lang="en-US"/>
           </a:p>
@@ -3016,16 +2734,541 @@
           <a:bodyPr/>
           <a:lstStyle/>
           <a:p>
-            <a:r>
-              <a:rPr lang="en-US" dirty="0" smtClean="0"/>
-              <a:t>Moo’s in sync</a:t>
-            </a:r>
-          </a:p>
-          <a:p>
-            <a:r>
-              <a:rPr lang="en-US" dirty="0" smtClean="0"/>
-              <a:t>You can tell I’ve never played this game</a:t>
-            </a:r>
+            <a:endParaRPr lang="en-US" dirty="0"/>
+          </a:p>
+        </p:txBody>
+      </p:sp>
+      <p:sp>
+        <p:nvSpPr>
+          <p:cNvPr id="4" name="Slide Number Placeholder 3"/>
+          <p:cNvSpPr>
+            <a:spLocks noGrp="1"/>
+          </p:cNvSpPr>
+          <p:nvPr>
+            <p:ph type="sldNum" sz="quarter" idx="10"/>
+          </p:nvPr>
+        </p:nvSpPr>
+        <p:spPr/>
+        <p:txBody>
+          <a:bodyPr/>
+          <a:lstStyle/>
+          <a:p>
+            <a:fld id="{E76AAE11-CCE4-491F-9A3B-35EA6902E85C}" type="slidenum">
+              <a:rPr lang="en-US" smtClean="0"/>
+              <a:t>30</a:t>
+            </a:fld>
+            <a:endParaRPr lang="en-US"/>
+          </a:p>
+        </p:txBody>
+      </p:sp>
+    </p:spTree>
+    <p:extLst>
+      <p:ext uri="{BB962C8B-B14F-4D97-AF65-F5344CB8AC3E}">
+        <p14:creationId xmlns:p14="http://schemas.microsoft.com/office/powerpoint/2010/main" val="1565139480"/>
+      </p:ext>
+    </p:extLst>
+  </p:cSld>
+  <p:clrMapOvr>
+    <a:masterClrMapping/>
+  </p:clrMapOvr>
+</p:notes>
+</file>
+
+<file path=ppt/notesSlides/notesSlide23.xml><?xml version="1.0" encoding="utf-8"?>
+<p:notes xmlns:a="http://schemas.openxmlformats.org/drawingml/2006/main" xmlns:r="http://schemas.openxmlformats.org/officeDocument/2006/relationships" xmlns:p="http://schemas.openxmlformats.org/presentationml/2006/main">
+  <p:cSld>
+    <p:spTree>
+      <p:nvGrpSpPr>
+        <p:cNvPr id="1" name=""/>
+        <p:cNvGrpSpPr/>
+        <p:nvPr/>
+      </p:nvGrpSpPr>
+      <p:grpSpPr>
+        <a:xfrm>
+          <a:off x="0" y="0"/>
+          <a:ext cx="0" cy="0"/>
+          <a:chOff x="0" y="0"/>
+          <a:chExt cx="0" cy="0"/>
+        </a:xfrm>
+      </p:grpSpPr>
+      <p:sp>
+        <p:nvSpPr>
+          <p:cNvPr id="2" name="Slide Image Placeholder 1"/>
+          <p:cNvSpPr>
+            <a:spLocks noGrp="1" noRot="1" noChangeAspect="1"/>
+          </p:cNvSpPr>
+          <p:nvPr>
+            <p:ph type="sldImg"/>
+          </p:nvPr>
+        </p:nvSpPr>
+        <p:spPr/>
+      </p:sp>
+      <p:sp>
+        <p:nvSpPr>
+          <p:cNvPr id="3" name="Notes Placeholder 2"/>
+          <p:cNvSpPr>
+            <a:spLocks noGrp="1"/>
+          </p:cNvSpPr>
+          <p:nvPr>
+            <p:ph type="body" idx="1"/>
+          </p:nvPr>
+        </p:nvSpPr>
+        <p:spPr/>
+        <p:txBody>
+          <a:bodyPr/>
+          <a:lstStyle/>
+          <a:p>
+            <a:r>
+              <a:rPr lang="en-US" sz="1200" dirty="0" smtClean="0"/>
+              <a:t>Typically with .NET </a:t>
+            </a:r>
+            <a:r>
+              <a:rPr lang="en-US" sz="1200" dirty="0" err="1" smtClean="0"/>
+              <a:t>ihttphandler</a:t>
+            </a:r>
+            <a:r>
+              <a:rPr lang="en-US" sz="1200" dirty="0" smtClean="0"/>
+              <a:t> this would hold onto a request thread, wouldn’t scale beyond 20-30 threads</a:t>
+            </a:r>
+            <a:br>
+              <a:rPr lang="en-US" sz="1200" dirty="0" smtClean="0"/>
+            </a:br>
+            <a:r>
+              <a:rPr lang="en-US" sz="1200" dirty="0" smtClean="0"/>
+              <a:t>Last 5 years.  </a:t>
+            </a:r>
+            <a:br>
+              <a:rPr lang="en-US" sz="1200" dirty="0" smtClean="0"/>
+            </a:br>
+            <a:r>
+              <a:rPr lang="en-US" sz="1200" dirty="0" smtClean="0"/>
+              <a:t>How asp.net uses threads -&gt; </a:t>
+            </a:r>
+            <a:br>
+              <a:rPr lang="en-US" sz="1200" dirty="0" smtClean="0"/>
+            </a:br>
+            <a:r>
+              <a:rPr lang="en-US" sz="1200" dirty="0" smtClean="0"/>
+              <a:t>	when app starts up it uses the .NET </a:t>
+            </a:r>
+            <a:r>
+              <a:rPr lang="en-US" sz="1200" dirty="0" err="1" smtClean="0"/>
+              <a:t>threadpool</a:t>
+            </a:r>
+            <a:r>
+              <a:rPr lang="en-US" sz="1200" dirty="0" smtClean="0"/>
+              <a:t> (CLR </a:t>
+            </a:r>
+            <a:r>
+              <a:rPr lang="en-US" sz="1200" dirty="0" err="1" smtClean="0"/>
+              <a:t>Threadpool</a:t>
+            </a:r>
+            <a:r>
+              <a:rPr lang="en-US" sz="1200" dirty="0" smtClean="0"/>
+              <a:t>), allocated when app starts up.</a:t>
+            </a:r>
+            <a:br>
+              <a:rPr lang="en-US" sz="1200" dirty="0" smtClean="0"/>
+            </a:br>
+            <a:r>
+              <a:rPr lang="en-US" sz="1200" dirty="0" smtClean="0"/>
+              <a:t>	request thread comes in from IIS -&gt; handed off to your app, your app uses </a:t>
+            </a:r>
+            <a:r>
+              <a:rPr lang="en-US" sz="1200" dirty="0" err="1" smtClean="0"/>
+              <a:t>threadpool</a:t>
+            </a:r>
+            <a:r>
+              <a:rPr lang="en-US" sz="1200" dirty="0" smtClean="0"/>
+              <a:t> thread and is assigned to that request</a:t>
+            </a:r>
+            <a:br>
+              <a:rPr lang="en-US" sz="1200" dirty="0" smtClean="0"/>
+            </a:br>
+            <a:r>
+              <a:rPr lang="en-US" sz="1200" dirty="0" smtClean="0"/>
+              <a:t>		this is modeled off of quick request/response, not good for persistent connection</a:t>
+            </a:r>
+            <a:br>
+              <a:rPr lang="en-US" sz="1200" dirty="0" smtClean="0"/>
+            </a:br>
+            <a:r>
+              <a:rPr lang="en-US" sz="1200" dirty="0" smtClean="0"/>
+              <a:t>	Prior to .NET 4, default # of threads is low as hell 25 default per </a:t>
+            </a:r>
+            <a:r>
+              <a:rPr lang="en-US" sz="1200" dirty="0" err="1" smtClean="0"/>
+              <a:t>cpu</a:t>
+            </a:r>
+            <a:r>
+              <a:rPr lang="en-US" sz="1200" dirty="0" smtClean="0"/>
+              <a:t>, increased to</a:t>
+            </a:r>
+            <a:r>
+              <a:rPr lang="en-US" sz="1200" baseline="0" dirty="0" smtClean="0"/>
+              <a:t> 250 and 1000 IO completion</a:t>
+            </a:r>
+          </a:p>
+          <a:p>
+            <a:r>
+              <a:rPr lang="en-US" sz="1200" baseline="0" dirty="0" smtClean="0"/>
+              <a:t>			CLR </a:t>
+            </a:r>
+            <a:r>
+              <a:rPr lang="en-US" sz="1200" baseline="0" dirty="0" err="1" smtClean="0"/>
+              <a:t>threadpool</a:t>
+            </a:r>
+            <a:r>
+              <a:rPr lang="en-US" sz="1200" baseline="0" dirty="0" smtClean="0"/>
+              <a:t> adjusts the number of threads according to workload</a:t>
+            </a:r>
+          </a:p>
+          <a:p>
+            <a:r>
+              <a:rPr lang="en-US" sz="1200" baseline="0" dirty="0" smtClean="0"/>
+              <a:t>			quick request/response, low threads = higher throughput, few per </a:t>
+            </a:r>
+            <a:r>
+              <a:rPr lang="en-US" sz="1200" baseline="0" dirty="0" err="1" smtClean="0"/>
+              <a:t>cpu</a:t>
+            </a:r>
+            <a:endParaRPr lang="en-US" sz="1200" baseline="0" dirty="0" smtClean="0"/>
+          </a:p>
+          <a:p>
+            <a:r>
+              <a:rPr lang="en-US" sz="1200" baseline="0" dirty="0" smtClean="0"/>
+              <a:t>                                                          longer, higher latency threads, </a:t>
+            </a:r>
+            <a:r>
+              <a:rPr lang="en-US" sz="1200" baseline="0" dirty="0" err="1" smtClean="0"/>
+              <a:t>persisten</a:t>
+            </a:r>
+            <a:r>
+              <a:rPr lang="en-US" sz="1200" baseline="0" dirty="0" smtClean="0"/>
+              <a:t> connection, higher concurrency, more threads needed</a:t>
+            </a:r>
+          </a:p>
+          <a:p>
+            <a:endParaRPr lang="en-US" sz="1200" baseline="0" dirty="0" smtClean="0"/>
+          </a:p>
+          <a:p>
+            <a:r>
+              <a:rPr lang="en-US" sz="1200" baseline="0" dirty="0" smtClean="0"/>
+              <a:t>		higher probability of deadlocks of there is synchronization happening w/ </a:t>
+            </a:r>
+            <a:r>
+              <a:rPr lang="en-US" sz="1200" baseline="0" dirty="0" err="1" smtClean="0"/>
+              <a:t>persisten</a:t>
+            </a:r>
+            <a:r>
+              <a:rPr lang="en-US" sz="1200" baseline="0" dirty="0" smtClean="0"/>
+              <a:t> connection</a:t>
+            </a:r>
+          </a:p>
+          <a:p>
+            <a:r>
+              <a:rPr lang="en-US" sz="1200" dirty="0" smtClean="0"/>
+              <a:t/>
+            </a:r>
+            <a:br>
+              <a:rPr lang="en-US" sz="1200" dirty="0" smtClean="0"/>
+            </a:br>
+            <a:r>
+              <a:rPr lang="en-US" sz="1200" dirty="0" smtClean="0"/>
+              <a:t>	this is good for throughput and avoid thrashing with your CPU…not holding a long connection open</a:t>
+            </a:r>
+            <a:br>
+              <a:rPr lang="en-US" sz="1200" dirty="0" smtClean="0"/>
+            </a:br>
+            <a:r>
+              <a:rPr lang="en-US" sz="1200" dirty="0" smtClean="0"/>
+              <a:t/>
+            </a:r>
+            <a:br>
+              <a:rPr lang="en-US" sz="1200" dirty="0" smtClean="0"/>
+            </a:br>
+            <a:r>
+              <a:rPr lang="en-US" sz="1200" dirty="0" smtClean="0"/>
+              <a:t>	in .NET 4, limits increased on # of threads per </a:t>
+            </a:r>
+            <a:r>
+              <a:rPr lang="en-US" sz="1200" dirty="0" err="1" smtClean="0"/>
+              <a:t>cpu</a:t>
+            </a:r>
+            <a:r>
+              <a:rPr lang="en-US" sz="1200" dirty="0" smtClean="0"/>
+              <a:t/>
+            </a:r>
+            <a:br>
+              <a:rPr lang="en-US" sz="1200" dirty="0" smtClean="0"/>
+            </a:br>
+            <a:r>
+              <a:rPr lang="en-US" sz="1200" dirty="0" smtClean="0"/>
+              <a:t>	</a:t>
+            </a:r>
+            <a:r>
+              <a:rPr lang="en-US" sz="1200" dirty="0" err="1" smtClean="0"/>
+              <a:t>IAsyncHttpHandler</a:t>
+            </a:r>
+            <a:r>
+              <a:rPr lang="en-US" sz="1200" dirty="0" smtClean="0"/>
+              <a:t>, keeps a request open and dissolve thread associated with request until work needs to happen with request.</a:t>
+            </a:r>
+            <a:br>
+              <a:rPr lang="en-US" sz="1200" dirty="0" smtClean="0"/>
+            </a:br>
+            <a:r>
+              <a:rPr lang="en-US" sz="1200" dirty="0" smtClean="0"/>
+              <a:t>	</a:t>
+            </a:r>
+            <a:r>
+              <a:rPr lang="en-US" sz="1200" dirty="0" err="1" smtClean="0"/>
+              <a:t>Async</a:t>
+            </a:r>
+            <a:r>
+              <a:rPr lang="en-US" sz="1200" dirty="0" smtClean="0"/>
+              <a:t> Programming Model easy to understand, but it gets difficult:</a:t>
+            </a:r>
+            <a:br>
+              <a:rPr lang="en-US" sz="1200" dirty="0" smtClean="0"/>
+            </a:br>
+            <a:r>
+              <a:rPr lang="en-US" sz="1200" dirty="0" smtClean="0"/>
+              <a:t>		- Difficult to do multiple sets of work</a:t>
+            </a:r>
+            <a:br>
+              <a:rPr lang="en-US" sz="1200" dirty="0" smtClean="0"/>
+            </a:br>
+            <a:r>
+              <a:rPr lang="en-US" sz="1200" dirty="0" smtClean="0"/>
+              <a:t>		- or loops of work, i.e. </a:t>
+            </a:r>
+            <a:r>
+              <a:rPr lang="en-US" sz="1200" dirty="0" err="1" smtClean="0"/>
+              <a:t>queieing</a:t>
+            </a:r>
+            <a:r>
+              <a:rPr lang="en-US" sz="1200" dirty="0" smtClean="0"/>
+              <a:t> sets of connections and processing events is difficult</a:t>
+            </a:r>
+            <a:br>
+              <a:rPr lang="en-US" sz="1200" dirty="0" smtClean="0"/>
+            </a:br>
+            <a:r>
+              <a:rPr lang="en-US" sz="1200" dirty="0" smtClean="0"/>
+              <a:t>		so it was not easy to do this and there is a lot of infrastructure work to take care of doing this</a:t>
+            </a:r>
+            <a:br>
+              <a:rPr lang="en-US" sz="1200" dirty="0" smtClean="0"/>
+            </a:br>
+            <a:r>
+              <a:rPr lang="en-US" sz="1200" dirty="0" smtClean="0"/>
+              <a:t>	Introduction of TPL made this above work easier, so it led to this library</a:t>
+            </a:r>
+            <a:br>
+              <a:rPr lang="en-US" sz="1200" dirty="0" smtClean="0"/>
+            </a:br>
+            <a:r>
+              <a:rPr lang="en-US" sz="1200" dirty="0" smtClean="0"/>
+              <a:t>	Rather than dealing with </a:t>
+            </a:r>
+            <a:r>
+              <a:rPr lang="en-US" sz="1200" dirty="0" err="1" smtClean="0"/>
+              <a:t>IasyncResult</a:t>
+            </a:r>
+            <a:r>
+              <a:rPr lang="en-US" sz="1200" dirty="0" smtClean="0"/>
+              <a:t> and method pairs, we deal with tasks.</a:t>
+            </a:r>
+            <a:br>
+              <a:rPr lang="en-US" sz="1200" dirty="0" smtClean="0"/>
+            </a:br>
+            <a:r>
+              <a:rPr lang="en-US" sz="1200" dirty="0" smtClean="0"/>
+              <a:t>	</a:t>
+            </a:r>
+            <a:br>
+              <a:rPr lang="en-US" sz="1200" dirty="0" smtClean="0"/>
+            </a:br>
+            <a:r>
+              <a:rPr lang="en-US" sz="1200" dirty="0" smtClean="0"/>
+              <a:t>	</a:t>
+            </a:r>
+            <a:br>
+              <a:rPr lang="en-US" sz="1200" dirty="0" smtClean="0"/>
+            </a:br>
+            <a:r>
+              <a:rPr lang="en-US" sz="1200" dirty="0" smtClean="0"/>
+              <a:t>	</a:t>
+            </a:r>
+            <a:endParaRPr lang="en-US" dirty="0"/>
+          </a:p>
+        </p:txBody>
+      </p:sp>
+      <p:sp>
+        <p:nvSpPr>
+          <p:cNvPr id="4" name="Slide Number Placeholder 3"/>
+          <p:cNvSpPr>
+            <a:spLocks noGrp="1"/>
+          </p:cNvSpPr>
+          <p:nvPr>
+            <p:ph type="sldNum" sz="quarter" idx="10"/>
+          </p:nvPr>
+        </p:nvSpPr>
+        <p:spPr/>
+        <p:txBody>
+          <a:bodyPr/>
+          <a:lstStyle/>
+          <a:p>
+            <a:fld id="{E76AAE11-CCE4-491F-9A3B-35EA6902E85C}" type="slidenum">
+              <a:rPr lang="en-US" smtClean="0"/>
+              <a:t>31</a:t>
+            </a:fld>
+            <a:endParaRPr lang="en-US"/>
+          </a:p>
+        </p:txBody>
+      </p:sp>
+    </p:spTree>
+    <p:extLst>
+      <p:ext uri="{BB962C8B-B14F-4D97-AF65-F5344CB8AC3E}">
+        <p14:creationId xmlns:p14="http://schemas.microsoft.com/office/powerpoint/2010/main" val="374496698"/>
+      </p:ext>
+    </p:extLst>
+  </p:cSld>
+  <p:clrMapOvr>
+    <a:masterClrMapping/>
+  </p:clrMapOvr>
+</p:notes>
+</file>
+
+<file path=ppt/notesSlides/notesSlide24.xml><?xml version="1.0" encoding="utf-8"?>
+<p:notes xmlns:a="http://schemas.openxmlformats.org/drawingml/2006/main" xmlns:r="http://schemas.openxmlformats.org/officeDocument/2006/relationships" xmlns:p="http://schemas.openxmlformats.org/presentationml/2006/main">
+  <p:cSld>
+    <p:spTree>
+      <p:nvGrpSpPr>
+        <p:cNvPr id="1" name=""/>
+        <p:cNvGrpSpPr/>
+        <p:nvPr/>
+      </p:nvGrpSpPr>
+      <p:grpSpPr>
+        <a:xfrm>
+          <a:off x="0" y="0"/>
+          <a:ext cx="0" cy="0"/>
+          <a:chOff x="0" y="0"/>
+          <a:chExt cx="0" cy="0"/>
+        </a:xfrm>
+      </p:grpSpPr>
+      <p:sp>
+        <p:nvSpPr>
+          <p:cNvPr id="2" name="Slide Image Placeholder 1"/>
+          <p:cNvSpPr>
+            <a:spLocks noGrp="1" noRot="1" noChangeAspect="1"/>
+          </p:cNvSpPr>
+          <p:nvPr>
+            <p:ph type="sldImg"/>
+          </p:nvPr>
+        </p:nvSpPr>
+        <p:spPr/>
+      </p:sp>
+      <p:sp>
+        <p:nvSpPr>
+          <p:cNvPr id="3" name="Notes Placeholder 2"/>
+          <p:cNvSpPr>
+            <a:spLocks noGrp="1"/>
+          </p:cNvSpPr>
+          <p:nvPr>
+            <p:ph type="body" idx="1"/>
+          </p:nvPr>
+        </p:nvSpPr>
+        <p:spPr/>
+        <p:txBody>
+          <a:bodyPr/>
+          <a:lstStyle/>
+          <a:p>
+            <a:endParaRPr lang="en-US" dirty="0"/>
+          </a:p>
+        </p:txBody>
+      </p:sp>
+      <p:sp>
+        <p:nvSpPr>
+          <p:cNvPr id="4" name="Slide Number Placeholder 3"/>
+          <p:cNvSpPr>
+            <a:spLocks noGrp="1"/>
+          </p:cNvSpPr>
+          <p:nvPr>
+            <p:ph type="sldNum" sz="quarter" idx="10"/>
+          </p:nvPr>
+        </p:nvSpPr>
+        <p:spPr/>
+        <p:txBody>
+          <a:bodyPr/>
+          <a:lstStyle/>
+          <a:p>
+            <a:fld id="{E76AAE11-CCE4-491F-9A3B-35EA6902E85C}" type="slidenum">
+              <a:rPr lang="en-US" smtClean="0"/>
+              <a:t>32</a:t>
+            </a:fld>
+            <a:endParaRPr lang="en-US"/>
+          </a:p>
+        </p:txBody>
+      </p:sp>
+    </p:spTree>
+    <p:extLst>
+      <p:ext uri="{BB962C8B-B14F-4D97-AF65-F5344CB8AC3E}">
+        <p14:creationId xmlns:p14="http://schemas.microsoft.com/office/powerpoint/2010/main" val="374496698"/>
+      </p:ext>
+    </p:extLst>
+  </p:cSld>
+  <p:clrMapOvr>
+    <a:masterClrMapping/>
+  </p:clrMapOvr>
+</p:notes>
+</file>
+
+<file path=ppt/notesSlides/notesSlide25.xml><?xml version="1.0" encoding="utf-8"?>
+<p:notes xmlns:a="http://schemas.openxmlformats.org/drawingml/2006/main" xmlns:r="http://schemas.openxmlformats.org/officeDocument/2006/relationships" xmlns:p="http://schemas.openxmlformats.org/presentationml/2006/main">
+  <p:cSld>
+    <p:spTree>
+      <p:nvGrpSpPr>
+        <p:cNvPr id="1" name=""/>
+        <p:cNvGrpSpPr/>
+        <p:nvPr/>
+      </p:nvGrpSpPr>
+      <p:grpSpPr>
+        <a:xfrm>
+          <a:off x="0" y="0"/>
+          <a:ext cx="0" cy="0"/>
+          <a:chOff x="0" y="0"/>
+          <a:chExt cx="0" cy="0"/>
+        </a:xfrm>
+      </p:grpSpPr>
+      <p:sp>
+        <p:nvSpPr>
+          <p:cNvPr id="2" name="Slide Image Placeholder 1"/>
+          <p:cNvSpPr>
+            <a:spLocks noGrp="1" noRot="1" noChangeAspect="1"/>
+          </p:cNvSpPr>
+          <p:nvPr>
+            <p:ph type="sldImg"/>
+          </p:nvPr>
+        </p:nvSpPr>
+        <p:spPr/>
+      </p:sp>
+      <p:sp>
+        <p:nvSpPr>
+          <p:cNvPr id="3" name="Notes Placeholder 2"/>
+          <p:cNvSpPr>
+            <a:spLocks noGrp="1"/>
+          </p:cNvSpPr>
+          <p:nvPr>
+            <p:ph type="body" idx="1"/>
+          </p:nvPr>
+        </p:nvSpPr>
+        <p:spPr/>
+        <p:txBody>
+          <a:bodyPr/>
+          <a:lstStyle/>
+          <a:p>
             <a:endParaRPr lang="en-US" dirty="0"/>
           </a:p>
         </p:txBody>
@@ -4594,7 +4837,7 @@
           <a:p>
             <a:fld id="{B0FAEA03-A86C-449D-8E27-995A897CE7F6}" type="datetimeFigureOut">
               <a:rPr lang="en-US" smtClean="0"/>
-              <a:t>11/11/2012</a:t>
+              <a:t>11/12/2012</a:t>
             </a:fld>
             <a:endParaRPr lang="en-US" dirty="0"/>
           </a:p>
@@ -4764,7 +5007,7 @@
           <a:p>
             <a:fld id="{B0FAEA03-A86C-449D-8E27-995A897CE7F6}" type="datetimeFigureOut">
               <a:rPr lang="en-US" smtClean="0"/>
-              <a:t>11/11/2012</a:t>
+              <a:t>11/12/2012</a:t>
             </a:fld>
             <a:endParaRPr lang="en-US" dirty="0"/>
           </a:p>
@@ -4944,7 +5187,7 @@
           <a:p>
             <a:fld id="{B0FAEA03-A86C-449D-8E27-995A897CE7F6}" type="datetimeFigureOut">
               <a:rPr lang="en-US" smtClean="0"/>
-              <a:t>11/11/2012</a:t>
+              <a:t>11/12/2012</a:t>
             </a:fld>
             <a:endParaRPr lang="en-US" dirty="0"/>
           </a:p>
@@ -5114,7 +5357,7 @@
           <a:p>
             <a:fld id="{B0FAEA03-A86C-449D-8E27-995A897CE7F6}" type="datetimeFigureOut">
               <a:rPr lang="en-US" smtClean="0"/>
-              <a:t>11/11/2012</a:t>
+              <a:t>11/12/2012</a:t>
             </a:fld>
             <a:endParaRPr lang="en-US" dirty="0"/>
           </a:p>
@@ -5360,7 +5603,7 @@
           <a:p>
             <a:fld id="{B0FAEA03-A86C-449D-8E27-995A897CE7F6}" type="datetimeFigureOut">
               <a:rPr lang="en-US" smtClean="0"/>
-              <a:t>11/11/2012</a:t>
+              <a:t>11/12/2012</a:t>
             </a:fld>
             <a:endParaRPr lang="en-US" dirty="0"/>
           </a:p>
@@ -5648,7 +5891,7 @@
           <a:p>
             <a:fld id="{B0FAEA03-A86C-449D-8E27-995A897CE7F6}" type="datetimeFigureOut">
               <a:rPr lang="en-US" smtClean="0"/>
-              <a:t>11/11/2012</a:t>
+              <a:t>11/12/2012</a:t>
             </a:fld>
             <a:endParaRPr lang="en-US" dirty="0"/>
           </a:p>
@@ -6070,7 +6313,7 @@
           <a:p>
             <a:fld id="{B0FAEA03-A86C-449D-8E27-995A897CE7F6}" type="datetimeFigureOut">
               <a:rPr lang="en-US" smtClean="0"/>
-              <a:t>11/11/2012</a:t>
+              <a:t>11/12/2012</a:t>
             </a:fld>
             <a:endParaRPr lang="en-US" dirty="0"/>
           </a:p>
@@ -6188,7 +6431,7 @@
           <a:p>
             <a:fld id="{B0FAEA03-A86C-449D-8E27-995A897CE7F6}" type="datetimeFigureOut">
               <a:rPr lang="en-US" smtClean="0"/>
-              <a:t>11/11/2012</a:t>
+              <a:t>11/12/2012</a:t>
             </a:fld>
             <a:endParaRPr lang="en-US" dirty="0"/>
           </a:p>
@@ -6283,7 +6526,7 @@
           <a:p>
             <a:fld id="{B0FAEA03-A86C-449D-8E27-995A897CE7F6}" type="datetimeFigureOut">
               <a:rPr lang="en-US" smtClean="0"/>
-              <a:t>11/11/2012</a:t>
+              <a:t>11/12/2012</a:t>
             </a:fld>
             <a:endParaRPr lang="en-US" dirty="0"/>
           </a:p>
@@ -6560,7 +6803,7 @@
           <a:p>
             <a:fld id="{B0FAEA03-A86C-449D-8E27-995A897CE7F6}" type="datetimeFigureOut">
               <a:rPr lang="en-US" smtClean="0"/>
-              <a:t>11/11/2012</a:t>
+              <a:t>11/12/2012</a:t>
             </a:fld>
             <a:endParaRPr lang="en-US" dirty="0"/>
           </a:p>
@@ -6813,7 +7056,7 @@
           <a:p>
             <a:fld id="{B0FAEA03-A86C-449D-8E27-995A897CE7F6}" type="datetimeFigureOut">
               <a:rPr lang="en-US" smtClean="0"/>
-              <a:t>11/11/2012</a:t>
+              <a:t>11/12/2012</a:t>
             </a:fld>
             <a:endParaRPr lang="en-US" dirty="0"/>
           </a:p>
@@ -7029,7 +7272,7 @@
           <a:p>
             <a:fld id="{B0FAEA03-A86C-449D-8E27-995A897CE7F6}" type="datetimeFigureOut">
               <a:rPr lang="en-US" smtClean="0"/>
-              <a:t>11/11/2012</a:t>
+              <a:t>11/12/2012</a:t>
             </a:fld>
             <a:endParaRPr lang="en-US" dirty="0"/>
           </a:p>
@@ -8928,7 +9171,7 @@
                 </a:solidFill>
                 <a:latin typeface="Yanone Kaffeesatz Bold" pitchFamily="2" charset="0"/>
               </a:rPr>
-              <a:t>Latency better than long polling</a:t>
+              <a:t>Single connection, decent latency</a:t>
             </a:r>
             <a:endParaRPr lang="en-US" sz="4000" dirty="0">
               <a:solidFill>
@@ -11760,8 +12003,8 @@
         </p:blipFill>
         <p:spPr>
           <a:xfrm>
-            <a:off x="1828800" y="3152598"/>
-            <a:ext cx="5059783" cy="1600200"/>
+            <a:off x="1436710" y="3152598"/>
+            <a:ext cx="5451873" cy="1724202"/>
           </a:xfrm>
           <a:prstGeom prst="rect">
             <a:avLst/>
@@ -11950,17 +12193,6 @@
               </a:rPr>
               <a:t> </a:t>
             </a:r>
-            <a:r>
-              <a:rPr lang="en-US" sz="8000" dirty="0" smtClean="0">
-                <a:solidFill>
-                  <a:srgbClr val="00B050"/>
-                </a:solidFill>
-                <a:latin typeface="Yanone Kaffeesatz Bold" pitchFamily="2" charset="0"/>
-                <a:cs typeface="Aharoni" pitchFamily="2" charset="-79"/>
-                <a:sym typeface="Wingdings" pitchFamily="2" charset="2"/>
-              </a:rPr>
-              <a:t></a:t>
-            </a:r>
             <a:endParaRPr lang="en-US" sz="8000" dirty="0">
               <a:solidFill>
                 <a:srgbClr val="00B050"/>
@@ -12233,6 +12465,47 @@
           </a:p>
         </p:txBody>
       </p:sp>
+      <p:pic>
+        <p:nvPicPr>
+          <p:cNvPr id="4" name="Picture 2" descr="C:\Users\ahmed.alani\Desktop\Work\Talks\SignalR-Intro\greenCheck.png"/>
+          <p:cNvPicPr>
+            <a:picLocks noChangeAspect="1" noChangeArrowheads="1"/>
+          </p:cNvPicPr>
+          <p:nvPr/>
+        </p:nvPicPr>
+        <p:blipFill>
+          <a:blip r:embed="rId3">
+            <a:extLst>
+              <a:ext uri="{28A0092B-C50C-407E-A947-70E740481C1C}">
+                <a14:useLocalDpi xmlns:a14="http://schemas.microsoft.com/office/drawing/2010/main" val="0"/>
+              </a:ext>
+            </a:extLst>
+          </a:blip>
+          <a:srcRect/>
+          <a:stretch>
+            <a:fillRect/>
+          </a:stretch>
+        </p:blipFill>
+        <p:spPr bwMode="auto">
+          <a:xfrm>
+            <a:off x="2440510" y="0"/>
+            <a:ext cx="1064690" cy="1064690"/>
+          </a:xfrm>
+          <a:prstGeom prst="rect">
+            <a:avLst/>
+          </a:prstGeom>
+          <a:noFill/>
+          <a:extLst>
+            <a:ext uri="{909E8E84-426E-40DD-AFC4-6F175D3DCCD1}">
+              <a14:hiddenFill xmlns:a14="http://schemas.microsoft.com/office/drawing/2010/main">
+                <a:solidFill>
+                  <a:srgbClr val="FFFFFF"/>
+                </a:solidFill>
+              </a14:hiddenFill>
+            </a:ext>
+          </a:extLst>
+        </p:spPr>
+      </p:pic>
     </p:spTree>
     <p:extLst>
       <p:ext uri="{BB962C8B-B14F-4D97-AF65-F5344CB8AC3E}">
@@ -12654,6 +12927,14 @@
 <file path=ppt/slides/slide25.xml><?xml version="1.0" encoding="utf-8"?>
 <p:sld xmlns:a="http://schemas.openxmlformats.org/drawingml/2006/main" xmlns:r="http://schemas.openxmlformats.org/officeDocument/2006/relationships" xmlns:p="http://schemas.openxmlformats.org/presentationml/2006/main">
   <p:cSld>
+    <p:bg>
+      <p:bgPr>
+        <a:solidFill>
+          <a:schemeClr val="accent3"/>
+        </a:solidFill>
+        <a:effectLst/>
+      </p:bgPr>
+    </p:bg>
     <p:spTree>
       <p:nvGrpSpPr>
         <p:cNvPr id="1" name=""/>
@@ -12680,7 +12961,7 @@
         </p:nvSpPr>
         <p:spPr>
           <a:xfrm>
-            <a:off x="457200" y="2971800"/>
+            <a:off x="381000" y="2667000"/>
             <a:ext cx="8382000" cy="1470025"/>
           </a:xfrm>
           <a:ln>
@@ -12694,133 +12975,18 @@
           <a:lstStyle/>
           <a:p>
             <a:r>
-              <a:rPr lang="en-US" sz="1200" dirty="0" smtClean="0"/>
-              <a:t/>
-            </a:r>
-            <a:br>
-              <a:rPr lang="en-US" sz="1200" dirty="0" smtClean="0"/>
-            </a:br>
-            <a:endParaRPr lang="en-US" sz="1200" dirty="0"/>
-          </a:p>
-        </p:txBody>
-      </p:sp>
-      <p:sp>
-        <p:nvSpPr>
-          <p:cNvPr id="3" name="Title 1"/>
-          <p:cNvSpPr txBox="1">
-            <a:spLocks/>
-          </p:cNvSpPr>
-          <p:nvPr/>
-        </p:nvSpPr>
-        <p:spPr>
-          <a:xfrm>
-            <a:off x="353860" y="2133600"/>
-            <a:ext cx="8382000" cy="1470025"/>
-          </a:xfrm>
-          <a:prstGeom prst="rect">
-            <a:avLst/>
-          </a:prstGeom>
-          <a:ln>
-            <a:noFill/>
-          </a:ln>
-        </p:spPr>
-        <p:txBody>
-          <a:bodyPr vert="horz" lIns="91440" tIns="45720" rIns="91440" bIns="45720" rtlCol="0" anchor="ctr">
-            <a:noAutofit/>
-          </a:bodyPr>
-          <a:lstStyle>
-            <a:lvl1pPr algn="ctr" defTabSz="914400" rtl="0" eaLnBrk="1" latinLnBrk="0" hangingPunct="1">
-              <a:spcBef>
-                <a:spcPct val="0"/>
-              </a:spcBef>
-              <a:buNone/>
-              <a:defRPr sz="4400" kern="1200">
-                <a:solidFill>
-                  <a:schemeClr val="tx1"/>
-                </a:solidFill>
-                <a:latin typeface="+mj-lt"/>
-                <a:ea typeface="+mj-ea"/>
-                <a:cs typeface="+mj-cs"/>
-              </a:defRPr>
-            </a:lvl1pPr>
-          </a:lstStyle>
-          <a:p>
-            <a:r>
-              <a:rPr lang="en-US" sz="9000" dirty="0" smtClean="0">
-                <a:solidFill>
-                  <a:schemeClr val="accent2">
-                    <a:lumMod val="75000"/>
-                  </a:schemeClr>
+              <a:rPr lang="en-US" sz="15000" dirty="0" smtClean="0">
+                <a:solidFill>
+                  <a:srgbClr val="F0F2EB"/>
                 </a:solidFill>
                 <a:latin typeface="Yanone Kaffeesatz Bold" pitchFamily="2" charset="0"/>
                 <a:cs typeface="Aharoni" pitchFamily="2" charset="-79"/>
               </a:rPr>
-              <a:t>Recap – Fallback diagram, show arrow with support</a:t>
-            </a:r>
-          </a:p>
-        </p:txBody>
-      </p:sp>
-      <p:sp>
-        <p:nvSpPr>
-          <p:cNvPr id="4" name="Title 1"/>
-          <p:cNvSpPr txBox="1">
-            <a:spLocks/>
-          </p:cNvSpPr>
-          <p:nvPr/>
-        </p:nvSpPr>
-        <p:spPr>
-          <a:xfrm>
-            <a:off x="76200" y="-228600"/>
-            <a:ext cx="7772400" cy="1470025"/>
-          </a:xfrm>
-          <a:prstGeom prst="rect">
-            <a:avLst/>
-          </a:prstGeom>
-          <a:ln>
-            <a:noFill/>
-          </a:ln>
-        </p:spPr>
-        <p:txBody>
-          <a:bodyPr vert="horz" lIns="91440" tIns="45720" rIns="91440" bIns="45720" rtlCol="0" anchor="ctr">
-            <a:noAutofit/>
-          </a:bodyPr>
-          <a:lstStyle>
-            <a:lvl1pPr algn="ctr" defTabSz="914400" rtl="0" eaLnBrk="1" latinLnBrk="0" hangingPunct="1">
-              <a:spcBef>
-                <a:spcPct val="0"/>
-              </a:spcBef>
-              <a:buNone/>
-              <a:defRPr sz="4400" kern="1200">
-                <a:solidFill>
-                  <a:schemeClr val="tx1"/>
-                </a:solidFill>
-                <a:latin typeface="+mj-lt"/>
-                <a:ea typeface="+mj-ea"/>
-                <a:cs typeface="+mj-cs"/>
-              </a:defRPr>
-            </a:lvl1pPr>
-          </a:lstStyle>
-          <a:p>
-            <a:pPr algn="l"/>
-            <a:r>
-              <a:rPr lang="en-US" sz="8000" smtClean="0">
-                <a:solidFill>
-                  <a:schemeClr val="tx2">
-                    <a:lumMod val="60000"/>
-                    <a:lumOff val="40000"/>
-                  </a:schemeClr>
-                </a:solidFill>
-                <a:latin typeface="Yanone Kaffeesatz Bold" pitchFamily="2" charset="0"/>
-                <a:cs typeface="Aharoni" pitchFamily="2" charset="-79"/>
-              </a:rPr>
-              <a:t>Graceful Degradation</a:t>
-            </a:r>
-            <a:endParaRPr lang="en-US" sz="8000" dirty="0">
+              <a:t>RECAP</a:t>
+            </a:r>
+            <a:endParaRPr lang="en-US" sz="15000" dirty="0">
               <a:solidFill>
-                <a:schemeClr val="tx2">
-                  <a:lumMod val="60000"/>
-                  <a:lumOff val="40000"/>
-                </a:schemeClr>
+                <a:srgbClr val="F0F2EB"/>
               </a:solidFill>
               <a:latin typeface="Yanone Kaffeesatz Bold" pitchFamily="2" charset="0"/>
               <a:cs typeface="Aharoni" pitchFamily="2" charset="-79"/>
@@ -12831,7 +12997,7 @@
     </p:spTree>
     <p:extLst>
       <p:ext uri="{BB962C8B-B14F-4D97-AF65-F5344CB8AC3E}">
-        <p14:creationId xmlns:p14="http://schemas.microsoft.com/office/powerpoint/2010/main" val="696470653"/>
+        <p14:creationId xmlns:p14="http://schemas.microsoft.com/office/powerpoint/2010/main" val="2739673370"/>
       </p:ext>
     </p:extLst>
   </p:cSld>
@@ -12867,43 +13033,7 @@
       </p:grpSpPr>
       <p:sp>
         <p:nvSpPr>
-          <p:cNvPr id="2" name="Title 1"/>
-          <p:cNvSpPr>
-            <a:spLocks noGrp="1"/>
-          </p:cNvSpPr>
-          <p:nvPr>
-            <p:ph type="ctrTitle"/>
-          </p:nvPr>
-        </p:nvSpPr>
-        <p:spPr>
-          <a:xfrm>
-            <a:off x="457200" y="2971800"/>
-            <a:ext cx="8382000" cy="1470025"/>
-          </a:xfrm>
-          <a:ln>
-            <a:noFill/>
-          </a:ln>
-        </p:spPr>
-        <p:txBody>
-          <a:bodyPr>
-            <a:noAutofit/>
-          </a:bodyPr>
-          <a:lstStyle/>
-          <a:p>
-            <a:r>
-              <a:rPr lang="en-US" sz="1200" dirty="0" smtClean="0"/>
-              <a:t/>
-            </a:r>
-            <a:br>
-              <a:rPr lang="en-US" sz="1200" dirty="0" smtClean="0"/>
-            </a:br>
-            <a:endParaRPr lang="en-US" sz="1200" dirty="0"/>
-          </a:p>
-        </p:txBody>
-      </p:sp>
-      <p:sp>
-        <p:nvSpPr>
-          <p:cNvPr id="3" name="Title 1"/>
+          <p:cNvPr id="4" name="Title 1"/>
           <p:cNvSpPr txBox="1">
             <a:spLocks/>
           </p:cNvSpPr>
@@ -12911,8 +13041,8 @@
         </p:nvSpPr>
         <p:spPr>
           <a:xfrm>
-            <a:off x="353860" y="2133600"/>
-            <a:ext cx="8382000" cy="1470025"/>
+            <a:off x="76200" y="-228600"/>
+            <a:ext cx="9067800" cy="1470025"/>
           </a:xfrm>
           <a:prstGeom prst="rect">
             <a:avLst/>
@@ -12942,39 +13072,436 @@
             </a:lvl1pPr>
           </a:lstStyle>
           <a:p>
-            <a:r>
-              <a:rPr lang="en-US" sz="9000" dirty="0" smtClean="0">
+            <a:pPr algn="l"/>
+            <a:r>
+              <a:rPr lang="en-US" sz="8000" dirty="0" smtClean="0">
+                <a:solidFill>
+                  <a:schemeClr val="accent3">
+                    <a:lumMod val="75000"/>
+                  </a:schemeClr>
+                </a:solidFill>
+                <a:latin typeface="Yanone Kaffeesatz Bold" pitchFamily="2" charset="0"/>
+                <a:cs typeface="Aharoni" pitchFamily="2" charset="-79"/>
+              </a:rPr>
+              <a:t>Recap </a:t>
+            </a:r>
+            <a:r>
+              <a:rPr lang="en-US" sz="8000" dirty="0" smtClean="0">
+                <a:solidFill>
+                  <a:schemeClr val="accent3">
+                    <a:lumMod val="75000"/>
+                  </a:schemeClr>
+                </a:solidFill>
+                <a:latin typeface="Yanone Kaffeesatz Bold" pitchFamily="2" charset="0"/>
+                <a:cs typeface="Aharoni" pitchFamily="2" charset="-79"/>
+              </a:rPr>
+              <a:t>– Connection Types</a:t>
+            </a:r>
+            <a:endParaRPr lang="en-US" sz="8000" dirty="0">
+              <a:solidFill>
+                <a:schemeClr val="accent3">
+                  <a:lumMod val="75000"/>
+                </a:schemeClr>
+              </a:solidFill>
+              <a:latin typeface="Yanone Kaffeesatz Bold" pitchFamily="2" charset="0"/>
+              <a:cs typeface="Aharoni" pitchFamily="2" charset="-79"/>
+            </a:endParaRPr>
+          </a:p>
+        </p:txBody>
+      </p:sp>
+      <p:sp>
+        <p:nvSpPr>
+          <p:cNvPr id="6" name="Rectangle 5"/>
+          <p:cNvSpPr/>
+          <p:nvPr/>
+        </p:nvSpPr>
+        <p:spPr>
+          <a:xfrm>
+            <a:off x="228600" y="1143000"/>
+            <a:ext cx="8610600" cy="6217087"/>
+          </a:xfrm>
+          <a:prstGeom prst="rect">
+            <a:avLst/>
+          </a:prstGeom>
+        </p:spPr>
+        <p:txBody>
+          <a:bodyPr wrap="square">
+            <a:spAutoFit/>
+          </a:bodyPr>
+          <a:lstStyle/>
+          <a:p>
+            <a:r>
+              <a:rPr lang="en-US" sz="6000" dirty="0" err="1" smtClean="0">
                 <a:solidFill>
                   <a:schemeClr val="accent2">
                     <a:lumMod val="75000"/>
                   </a:schemeClr>
                 </a:solidFill>
                 <a:latin typeface="Yanone Kaffeesatz Bold" pitchFamily="2" charset="0"/>
-                <a:cs typeface="Aharoni" pitchFamily="2" charset="-79"/>
-              </a:rPr>
-              <a:t>Recap – Persistent/Hubs</a:t>
-            </a:r>
-          </a:p>
-          <a:p>
-            <a:r>
-              <a:rPr lang="en-US" sz="9000" dirty="0" smtClean="0">
+              </a:rPr>
+              <a:t>PersistentConnection</a:t>
+            </a:r>
+            <a:endParaRPr lang="en-US" sz="6000" dirty="0">
+              <a:solidFill>
+                <a:schemeClr val="accent2">
+                  <a:lumMod val="75000"/>
+                </a:schemeClr>
+              </a:solidFill>
+              <a:latin typeface="Yanone Kaffeesatz Bold" pitchFamily="2" charset="0"/>
+            </a:endParaRPr>
+          </a:p>
+          <a:p>
+            <a:r>
+              <a:rPr lang="en-US" sz="3400" dirty="0" smtClean="0">
+                <a:solidFill>
+                  <a:schemeClr val="tx1">
+                    <a:lumMod val="65000"/>
+                    <a:lumOff val="35000"/>
+                  </a:schemeClr>
+                </a:solidFill>
+                <a:latin typeface="Yanone Kaffeesatz Bold" pitchFamily="2" charset="0"/>
+              </a:rPr>
+              <a:t>	Lower-level connection</a:t>
+            </a:r>
+          </a:p>
+          <a:p>
+            <a:r>
+              <a:rPr lang="en-US" sz="3400" dirty="0" smtClean="0">
+                <a:solidFill>
+                  <a:schemeClr val="tx1">
+                    <a:lumMod val="65000"/>
+                    <a:lumOff val="35000"/>
+                  </a:schemeClr>
+                </a:solidFill>
+                <a:latin typeface="Yanone Kaffeesatz Bold" pitchFamily="2" charset="0"/>
+              </a:rPr>
+              <a:t>	</a:t>
+            </a:r>
+            <a:r>
+              <a:rPr lang="en-US" sz="3400" dirty="0" err="1" smtClean="0">
+                <a:solidFill>
+                  <a:schemeClr val="tx1">
+                    <a:lumMod val="65000"/>
+                    <a:lumOff val="35000"/>
+                  </a:schemeClr>
+                </a:solidFill>
+                <a:latin typeface="Yanone Kaffeesatz Bold" pitchFamily="2" charset="0"/>
+              </a:rPr>
+              <a:t>OnReceivedAsync</a:t>
+            </a:r>
+            <a:r>
+              <a:rPr lang="en-US" sz="3400" dirty="0" smtClean="0">
+                <a:solidFill>
+                  <a:schemeClr val="tx1">
+                    <a:lumMod val="65000"/>
+                    <a:lumOff val="35000"/>
+                  </a:schemeClr>
+                </a:solidFill>
+                <a:latin typeface="Yanone Kaffeesatz Bold" pitchFamily="2" charset="0"/>
+              </a:rPr>
+              <a:t> ( string data )</a:t>
+            </a:r>
+          </a:p>
+          <a:p>
+            <a:r>
+              <a:rPr lang="en-US" sz="3400" dirty="0">
+                <a:solidFill>
+                  <a:schemeClr val="tx1">
+                    <a:lumMod val="65000"/>
+                    <a:lumOff val="35000"/>
+                  </a:schemeClr>
+                </a:solidFill>
+                <a:latin typeface="Yanone Kaffeesatz Bold" pitchFamily="2" charset="0"/>
+              </a:rPr>
+              <a:t>	</a:t>
+            </a:r>
+            <a:r>
+              <a:rPr lang="en-US" sz="3400" dirty="0" err="1" smtClean="0">
+                <a:solidFill>
+                  <a:schemeClr val="tx1">
+                    <a:lumMod val="65000"/>
+                    <a:lumOff val="35000"/>
+                  </a:schemeClr>
+                </a:solidFill>
+                <a:latin typeface="Yanone Kaffeesatz Bold" pitchFamily="2" charset="0"/>
+              </a:rPr>
+              <a:t>OnConnected</a:t>
+            </a:r>
+            <a:r>
+              <a:rPr lang="en-US" sz="3400" dirty="0" smtClean="0">
+                <a:solidFill>
+                  <a:schemeClr val="tx1">
+                    <a:lumMod val="65000"/>
+                    <a:lumOff val="35000"/>
+                  </a:schemeClr>
+                </a:solidFill>
+                <a:latin typeface="Yanone Kaffeesatz Bold" pitchFamily="2" charset="0"/>
+              </a:rPr>
+              <a:t>, </a:t>
+            </a:r>
+            <a:r>
+              <a:rPr lang="en-US" sz="3400" dirty="0" err="1" smtClean="0">
+                <a:solidFill>
+                  <a:schemeClr val="tx1">
+                    <a:lumMod val="65000"/>
+                    <a:lumOff val="35000"/>
+                  </a:schemeClr>
+                </a:solidFill>
+                <a:latin typeface="Yanone Kaffeesatz Bold" pitchFamily="2" charset="0"/>
+              </a:rPr>
+              <a:t>OnDisconnected</a:t>
+            </a:r>
+            <a:r>
+              <a:rPr lang="en-US" sz="3400" dirty="0" smtClean="0">
+                <a:solidFill>
+                  <a:schemeClr val="tx1">
+                    <a:lumMod val="65000"/>
+                    <a:lumOff val="35000"/>
+                  </a:schemeClr>
+                </a:solidFill>
+                <a:latin typeface="Yanone Kaffeesatz Bold" pitchFamily="2" charset="0"/>
+              </a:rPr>
+              <a:t/>
+            </a:r>
+            <a:br>
+              <a:rPr lang="en-US" sz="3400" dirty="0" smtClean="0">
+                <a:solidFill>
+                  <a:schemeClr val="tx1">
+                    <a:lumMod val="65000"/>
+                    <a:lumOff val="35000"/>
+                  </a:schemeClr>
+                </a:solidFill>
+                <a:latin typeface="Yanone Kaffeesatz Bold" pitchFamily="2" charset="0"/>
+              </a:rPr>
+            </a:br>
+            <a:endParaRPr lang="en-US" sz="3400" dirty="0" smtClean="0">
+              <a:solidFill>
+                <a:schemeClr val="tx1">
+                  <a:lumMod val="65000"/>
+                  <a:lumOff val="35000"/>
+                </a:schemeClr>
+              </a:solidFill>
+              <a:latin typeface="Yanone Kaffeesatz Bold" pitchFamily="2" charset="0"/>
+            </a:endParaRPr>
+          </a:p>
+          <a:p>
+            <a:r>
+              <a:rPr lang="en-US" sz="6000" dirty="0" smtClean="0">
                 <a:solidFill>
                   <a:schemeClr val="accent2">
                     <a:lumMod val="75000"/>
                   </a:schemeClr>
                 </a:solidFill>
                 <a:latin typeface="Yanone Kaffeesatz Bold" pitchFamily="2" charset="0"/>
-                <a:cs typeface="Aharoni" pitchFamily="2" charset="-79"/>
-              </a:rPr>
-              <a:t>Basic</a:t>
-            </a:r>
+              </a:rPr>
+              <a:t>Hubs</a:t>
+            </a:r>
+            <a:endParaRPr lang="en-US" sz="3400" dirty="0" smtClean="0">
+              <a:solidFill>
+                <a:schemeClr val="accent2">
+                  <a:lumMod val="75000"/>
+                </a:schemeClr>
+              </a:solidFill>
+              <a:latin typeface="Yanone Kaffeesatz Bold" pitchFamily="2" charset="0"/>
+            </a:endParaRPr>
+          </a:p>
+          <a:p>
+            <a:r>
+              <a:rPr lang="en-US" sz="3400" dirty="0" smtClean="0">
+                <a:solidFill>
+                  <a:schemeClr val="tx1">
+                    <a:lumMod val="65000"/>
+                    <a:lumOff val="35000"/>
+                  </a:schemeClr>
+                </a:solidFill>
+                <a:latin typeface="Yanone Kaffeesatz Bold" pitchFamily="2" charset="0"/>
+              </a:rPr>
+              <a:t>	RPC:  </a:t>
+            </a:r>
+            <a:r>
+              <a:rPr lang="en-US" sz="3400" u="sng" dirty="0" smtClean="0">
+                <a:solidFill>
+                  <a:schemeClr val="tx1">
+                    <a:lumMod val="65000"/>
+                    <a:lumOff val="35000"/>
+                  </a:schemeClr>
+                </a:solidFill>
+                <a:latin typeface="Yanone Kaffeesatz Bold" pitchFamily="2" charset="0"/>
+              </a:rPr>
+              <a:t>Client</a:t>
+            </a:r>
+            <a:r>
+              <a:rPr lang="en-US" sz="3400" dirty="0" smtClean="0">
+                <a:solidFill>
+                  <a:schemeClr val="tx1">
+                    <a:lumMod val="65000"/>
+                    <a:lumOff val="35000"/>
+                  </a:schemeClr>
+                </a:solidFill>
+                <a:latin typeface="Yanone Kaffeesatz Bold" pitchFamily="2" charset="0"/>
+              </a:rPr>
+              <a:t> -&gt; </a:t>
+            </a:r>
+            <a:r>
+              <a:rPr lang="en-US" sz="3400" u="sng" dirty="0" smtClean="0">
+                <a:solidFill>
+                  <a:schemeClr val="tx1">
+                    <a:lumMod val="65000"/>
+                    <a:lumOff val="35000"/>
+                  </a:schemeClr>
+                </a:solidFill>
+                <a:latin typeface="Yanone Kaffeesatz Bold" pitchFamily="2" charset="0"/>
+              </a:rPr>
+              <a:t>Server</a:t>
+            </a:r>
+            <a:r>
+              <a:rPr lang="en-US" sz="3400" dirty="0" smtClean="0">
+                <a:solidFill>
+                  <a:schemeClr val="tx1">
+                    <a:lumMod val="65000"/>
+                    <a:lumOff val="35000"/>
+                  </a:schemeClr>
+                </a:solidFill>
+                <a:latin typeface="Yanone Kaffeesatz Bold" pitchFamily="2" charset="0"/>
+              </a:rPr>
+              <a:t> &amp;&amp; </a:t>
+            </a:r>
+            <a:r>
+              <a:rPr lang="en-US" sz="3400" u="sng" dirty="0" smtClean="0">
+                <a:solidFill>
+                  <a:schemeClr val="tx1">
+                    <a:lumMod val="65000"/>
+                    <a:lumOff val="35000"/>
+                  </a:schemeClr>
+                </a:solidFill>
+                <a:latin typeface="Yanone Kaffeesatz Bold" pitchFamily="2" charset="0"/>
+              </a:rPr>
+              <a:t>Server</a:t>
+            </a:r>
+            <a:r>
+              <a:rPr lang="en-US" sz="3400" dirty="0" smtClean="0">
+                <a:solidFill>
+                  <a:schemeClr val="tx1">
+                    <a:lumMod val="65000"/>
+                    <a:lumOff val="35000"/>
+                  </a:schemeClr>
+                </a:solidFill>
+                <a:latin typeface="Yanone Kaffeesatz Bold" pitchFamily="2" charset="0"/>
+              </a:rPr>
+              <a:t> -&gt; </a:t>
+            </a:r>
+            <a:r>
+              <a:rPr lang="en-US" sz="3400" u="sng" dirty="0" smtClean="0">
+                <a:solidFill>
+                  <a:schemeClr val="tx1">
+                    <a:lumMod val="65000"/>
+                    <a:lumOff val="35000"/>
+                  </a:schemeClr>
+                </a:solidFill>
+                <a:latin typeface="Yanone Kaffeesatz Bold" pitchFamily="2" charset="0"/>
+              </a:rPr>
+              <a:t>Client</a:t>
+            </a:r>
+            <a:endParaRPr lang="en-US" sz="3400" dirty="0" smtClean="0">
+              <a:solidFill>
+                <a:schemeClr val="tx1">
+                  <a:lumMod val="65000"/>
+                  <a:lumOff val="35000"/>
+                </a:schemeClr>
+              </a:solidFill>
+              <a:latin typeface="Yanone Kaffeesatz Bold" pitchFamily="2" charset="0"/>
+            </a:endParaRPr>
+          </a:p>
+          <a:p>
+            <a:r>
+              <a:rPr lang="en-US" sz="3400" dirty="0">
+                <a:solidFill>
+                  <a:schemeClr val="tx1">
+                    <a:lumMod val="65000"/>
+                    <a:lumOff val="35000"/>
+                  </a:schemeClr>
+                </a:solidFill>
+                <a:latin typeface="Yanone Kaffeesatz Bold" pitchFamily="2" charset="0"/>
+              </a:rPr>
+              <a:t>	</a:t>
+            </a:r>
+            <a:r>
+              <a:rPr lang="en-US" sz="3400" dirty="0" err="1" smtClean="0">
+                <a:solidFill>
+                  <a:schemeClr val="tx1">
+                    <a:lumMod val="65000"/>
+                    <a:lumOff val="35000"/>
+                  </a:schemeClr>
+                </a:solidFill>
+                <a:latin typeface="Yanone Kaffeesatz Bold" pitchFamily="2" charset="0"/>
+              </a:rPr>
+              <a:t>SignalR</a:t>
+            </a:r>
+            <a:r>
+              <a:rPr lang="en-US" sz="3400" dirty="0" smtClean="0">
+                <a:solidFill>
+                  <a:schemeClr val="tx1">
+                    <a:lumMod val="65000"/>
+                    <a:lumOff val="35000"/>
+                  </a:schemeClr>
+                </a:solidFill>
+                <a:latin typeface="Yanone Kaffeesatz Bold" pitchFamily="2" charset="0"/>
+              </a:rPr>
+              <a:t> handles dispatching</a:t>
+            </a:r>
+          </a:p>
+          <a:p>
+            <a:r>
+              <a:rPr lang="en-US" sz="3400" dirty="0">
+                <a:solidFill>
+                  <a:schemeClr val="tx1">
+                    <a:lumMod val="65000"/>
+                    <a:lumOff val="35000"/>
+                  </a:schemeClr>
+                </a:solidFill>
+                <a:latin typeface="Yanone Kaffeesatz Bold" pitchFamily="2" charset="0"/>
+              </a:rPr>
+              <a:t>	</a:t>
+            </a:r>
+            <a:r>
+              <a:rPr lang="en-US" sz="3400" dirty="0" smtClean="0">
+                <a:solidFill>
+                  <a:schemeClr val="tx1">
+                    <a:lumMod val="65000"/>
+                    <a:lumOff val="35000"/>
+                  </a:schemeClr>
+                </a:solidFill>
+                <a:latin typeface="Yanone Kaffeesatz Bold" pitchFamily="2" charset="0"/>
+              </a:rPr>
+              <a:t>Model Binding</a:t>
+            </a:r>
+            <a:endParaRPr lang="en-US" sz="3400" dirty="0">
+              <a:solidFill>
+                <a:schemeClr val="tx1">
+                  <a:lumMod val="65000"/>
+                  <a:lumOff val="35000"/>
+                </a:schemeClr>
+              </a:solidFill>
+              <a:latin typeface="Yanone Kaffeesatz Bold" pitchFamily="2" charset="0"/>
+            </a:endParaRPr>
+          </a:p>
+          <a:p>
+            <a:endParaRPr lang="en-US" sz="4000" dirty="0">
+              <a:solidFill>
+                <a:schemeClr val="tx1">
+                  <a:lumMod val="65000"/>
+                  <a:lumOff val="35000"/>
+                </a:schemeClr>
+              </a:solidFill>
+              <a:latin typeface="Yanone Kaffeesatz Bold" pitchFamily="2" charset="0"/>
+            </a:endParaRPr>
           </a:p>
         </p:txBody>
       </p:sp>
     </p:spTree>
     <p:extLst>
       <p:ext uri="{BB962C8B-B14F-4D97-AF65-F5344CB8AC3E}">
-        <p14:creationId xmlns:p14="http://schemas.microsoft.com/office/powerpoint/2010/main" val="2650181249"/>
+        <p14:creationId xmlns:p14="http://schemas.microsoft.com/office/powerpoint/2010/main" val="3968250386"/>
       </p:ext>
     </p:extLst>
   </p:cSld>
@@ -12984,7 +13511,422 @@
   <p:timing>
     <p:tnLst>
       <p:par>
-        <p:cTn id="1" dur="indefinite" restart="never" nodeType="tmRoot"/>
+        <p:cTn id="1" dur="indefinite" restart="never" nodeType="tmRoot">
+          <p:childTnLst>
+            <p:seq concurrent="1" nextAc="seek">
+              <p:cTn id="2" dur="indefinite" nodeType="mainSeq">
+                <p:childTnLst>
+                  <p:par>
+                    <p:cTn id="3" fill="hold">
+                      <p:stCondLst>
+                        <p:cond delay="indefinite"/>
+                      </p:stCondLst>
+                      <p:childTnLst>
+                        <p:par>
+                          <p:cTn id="4" fill="hold">
+                            <p:stCondLst>
+                              <p:cond delay="0"/>
+                            </p:stCondLst>
+                            <p:childTnLst>
+                              <p:par>
+                                <p:cTn id="5" presetID="1" presetClass="entr" presetSubtype="0" fill="hold" nodeType="clickEffect">
+                                  <p:stCondLst>
+                                    <p:cond delay="0"/>
+                                  </p:stCondLst>
+                                  <p:childTnLst>
+                                    <p:set>
+                                      <p:cBhvr>
+                                        <p:cTn id="6" dur="1" fill="hold">
+                                          <p:stCondLst>
+                                            <p:cond delay="0"/>
+                                          </p:stCondLst>
+                                        </p:cTn>
+                                        <p:tgtEl>
+                                          <p:spTgt spid="6">
+                                            <p:txEl>
+                                              <p:pRg st="0" end="0"/>
+                                            </p:txEl>
+                                          </p:spTgt>
+                                        </p:tgtEl>
+                                        <p:attrNameLst>
+                                          <p:attrName>style.visibility</p:attrName>
+                                        </p:attrNameLst>
+                                      </p:cBhvr>
+                                      <p:to>
+                                        <p:strVal val="visible"/>
+                                      </p:to>
+                                    </p:set>
+                                  </p:childTnLst>
+                                </p:cTn>
+                              </p:par>
+                            </p:childTnLst>
+                          </p:cTn>
+                        </p:par>
+                      </p:childTnLst>
+                    </p:cTn>
+                  </p:par>
+                  <p:par>
+                    <p:cTn id="7" fill="hold">
+                      <p:stCondLst>
+                        <p:cond delay="indefinite"/>
+                      </p:stCondLst>
+                      <p:childTnLst>
+                        <p:par>
+                          <p:cTn id="8" fill="hold">
+                            <p:stCondLst>
+                              <p:cond delay="0"/>
+                            </p:stCondLst>
+                            <p:childTnLst>
+                              <p:par>
+                                <p:cTn id="9" presetID="1" presetClass="entr" presetSubtype="0" fill="hold" nodeType="clickEffect">
+                                  <p:stCondLst>
+                                    <p:cond delay="0"/>
+                                  </p:stCondLst>
+                                  <p:childTnLst>
+                                    <p:set>
+                                      <p:cBhvr>
+                                        <p:cTn id="10" dur="1" fill="hold">
+                                          <p:stCondLst>
+                                            <p:cond delay="0"/>
+                                          </p:stCondLst>
+                                        </p:cTn>
+                                        <p:tgtEl>
+                                          <p:spTgt spid="6">
+                                            <p:txEl>
+                                              <p:pRg st="1" end="1"/>
+                                            </p:txEl>
+                                          </p:spTgt>
+                                        </p:tgtEl>
+                                        <p:attrNameLst>
+                                          <p:attrName>style.visibility</p:attrName>
+                                        </p:attrNameLst>
+                                      </p:cBhvr>
+                                      <p:to>
+                                        <p:strVal val="visible"/>
+                                      </p:to>
+                                    </p:set>
+                                  </p:childTnLst>
+                                </p:cTn>
+                              </p:par>
+                            </p:childTnLst>
+                          </p:cTn>
+                        </p:par>
+                      </p:childTnLst>
+                    </p:cTn>
+                  </p:par>
+                  <p:par>
+                    <p:cTn id="11" fill="hold">
+                      <p:stCondLst>
+                        <p:cond delay="indefinite"/>
+                      </p:stCondLst>
+                      <p:childTnLst>
+                        <p:par>
+                          <p:cTn id="12" fill="hold">
+                            <p:stCondLst>
+                              <p:cond delay="0"/>
+                            </p:stCondLst>
+                            <p:childTnLst>
+                              <p:par>
+                                <p:cTn id="13" presetID="1" presetClass="entr" presetSubtype="0" fill="hold" nodeType="clickEffect">
+                                  <p:stCondLst>
+                                    <p:cond delay="0"/>
+                                  </p:stCondLst>
+                                  <p:childTnLst>
+                                    <p:set>
+                                      <p:cBhvr>
+                                        <p:cTn id="14" dur="1" fill="hold">
+                                          <p:stCondLst>
+                                            <p:cond delay="0"/>
+                                          </p:stCondLst>
+                                        </p:cTn>
+                                        <p:tgtEl>
+                                          <p:spTgt spid="6">
+                                            <p:txEl>
+                                              <p:pRg st="2" end="2"/>
+                                            </p:txEl>
+                                          </p:spTgt>
+                                        </p:tgtEl>
+                                        <p:attrNameLst>
+                                          <p:attrName>style.visibility</p:attrName>
+                                        </p:attrNameLst>
+                                      </p:cBhvr>
+                                      <p:to>
+                                        <p:strVal val="visible"/>
+                                      </p:to>
+                                    </p:set>
+                                  </p:childTnLst>
+                                </p:cTn>
+                              </p:par>
+                            </p:childTnLst>
+                          </p:cTn>
+                        </p:par>
+                      </p:childTnLst>
+                    </p:cTn>
+                  </p:par>
+                  <p:par>
+                    <p:cTn id="15" fill="hold">
+                      <p:stCondLst>
+                        <p:cond delay="indefinite"/>
+                      </p:stCondLst>
+                      <p:childTnLst>
+                        <p:par>
+                          <p:cTn id="16" fill="hold">
+                            <p:stCondLst>
+                              <p:cond delay="0"/>
+                            </p:stCondLst>
+                            <p:childTnLst>
+                              <p:par>
+                                <p:cTn id="17" presetID="1" presetClass="entr" presetSubtype="0" fill="hold" nodeType="clickEffect">
+                                  <p:stCondLst>
+                                    <p:cond delay="0"/>
+                                  </p:stCondLst>
+                                  <p:childTnLst>
+                                    <p:set>
+                                      <p:cBhvr>
+                                        <p:cTn id="18" dur="1" fill="hold">
+                                          <p:stCondLst>
+                                            <p:cond delay="0"/>
+                                          </p:stCondLst>
+                                        </p:cTn>
+                                        <p:tgtEl>
+                                          <p:spTgt spid="6">
+                                            <p:txEl>
+                                              <p:pRg st="3" end="3"/>
+                                            </p:txEl>
+                                          </p:spTgt>
+                                        </p:tgtEl>
+                                        <p:attrNameLst>
+                                          <p:attrName>style.visibility</p:attrName>
+                                        </p:attrNameLst>
+                                      </p:cBhvr>
+                                      <p:to>
+                                        <p:strVal val="visible"/>
+                                      </p:to>
+                                    </p:set>
+                                  </p:childTnLst>
+                                </p:cTn>
+                              </p:par>
+                            </p:childTnLst>
+                          </p:cTn>
+                        </p:par>
+                      </p:childTnLst>
+                    </p:cTn>
+                  </p:par>
+                  <p:par>
+                    <p:cTn id="19" fill="hold">
+                      <p:stCondLst>
+                        <p:cond delay="indefinite"/>
+                      </p:stCondLst>
+                      <p:childTnLst>
+                        <p:par>
+                          <p:cTn id="20" fill="hold">
+                            <p:stCondLst>
+                              <p:cond delay="0"/>
+                            </p:stCondLst>
+                            <p:childTnLst>
+                              <p:par>
+                                <p:cTn id="21" presetID="1" presetClass="entr" presetSubtype="0" fill="hold" nodeType="clickEffect">
+                                  <p:stCondLst>
+                                    <p:cond delay="0"/>
+                                  </p:stCondLst>
+                                  <p:childTnLst>
+                                    <p:set>
+                                      <p:cBhvr>
+                                        <p:cTn id="22" dur="1" fill="hold">
+                                          <p:stCondLst>
+                                            <p:cond delay="0"/>
+                                          </p:stCondLst>
+                                        </p:cTn>
+                                        <p:tgtEl>
+                                          <p:spTgt spid="6">
+                                            <p:txEl>
+                                              <p:pRg st="4" end="4"/>
+                                            </p:txEl>
+                                          </p:spTgt>
+                                        </p:tgtEl>
+                                        <p:attrNameLst>
+                                          <p:attrName>style.visibility</p:attrName>
+                                        </p:attrNameLst>
+                                      </p:cBhvr>
+                                      <p:to>
+                                        <p:strVal val="visible"/>
+                                      </p:to>
+                                    </p:set>
+                                  </p:childTnLst>
+                                </p:cTn>
+                              </p:par>
+                            </p:childTnLst>
+                          </p:cTn>
+                        </p:par>
+                      </p:childTnLst>
+                    </p:cTn>
+                  </p:par>
+                  <p:par>
+                    <p:cTn id="23" fill="hold">
+                      <p:stCondLst>
+                        <p:cond delay="indefinite"/>
+                      </p:stCondLst>
+                      <p:childTnLst>
+                        <p:par>
+                          <p:cTn id="24" fill="hold">
+                            <p:stCondLst>
+                              <p:cond delay="0"/>
+                            </p:stCondLst>
+                            <p:childTnLst>
+                              <p:par>
+                                <p:cTn id="25" presetID="1" presetClass="entr" presetSubtype="0" fill="hold" nodeType="clickEffect">
+                                  <p:stCondLst>
+                                    <p:cond delay="0"/>
+                                  </p:stCondLst>
+                                  <p:childTnLst>
+                                    <p:set>
+                                      <p:cBhvr>
+                                        <p:cTn id="26" dur="1" fill="hold">
+                                          <p:stCondLst>
+                                            <p:cond delay="0"/>
+                                          </p:stCondLst>
+                                        </p:cTn>
+                                        <p:tgtEl>
+                                          <p:spTgt spid="6">
+                                            <p:txEl>
+                                              <p:pRg st="5" end="5"/>
+                                            </p:txEl>
+                                          </p:spTgt>
+                                        </p:tgtEl>
+                                        <p:attrNameLst>
+                                          <p:attrName>style.visibility</p:attrName>
+                                        </p:attrNameLst>
+                                      </p:cBhvr>
+                                      <p:to>
+                                        <p:strVal val="visible"/>
+                                      </p:to>
+                                    </p:set>
+                                  </p:childTnLst>
+                                </p:cTn>
+                              </p:par>
+                            </p:childTnLst>
+                          </p:cTn>
+                        </p:par>
+                      </p:childTnLst>
+                    </p:cTn>
+                  </p:par>
+                  <p:par>
+                    <p:cTn id="27" fill="hold">
+                      <p:stCondLst>
+                        <p:cond delay="indefinite"/>
+                      </p:stCondLst>
+                      <p:childTnLst>
+                        <p:par>
+                          <p:cTn id="28" fill="hold">
+                            <p:stCondLst>
+                              <p:cond delay="0"/>
+                            </p:stCondLst>
+                            <p:childTnLst>
+                              <p:par>
+                                <p:cTn id="29" presetID="1" presetClass="entr" presetSubtype="0" fill="hold" nodeType="clickEffect">
+                                  <p:stCondLst>
+                                    <p:cond delay="0"/>
+                                  </p:stCondLst>
+                                  <p:childTnLst>
+                                    <p:set>
+                                      <p:cBhvr>
+                                        <p:cTn id="30" dur="1" fill="hold">
+                                          <p:stCondLst>
+                                            <p:cond delay="0"/>
+                                          </p:stCondLst>
+                                        </p:cTn>
+                                        <p:tgtEl>
+                                          <p:spTgt spid="6">
+                                            <p:txEl>
+                                              <p:pRg st="6" end="6"/>
+                                            </p:txEl>
+                                          </p:spTgt>
+                                        </p:tgtEl>
+                                        <p:attrNameLst>
+                                          <p:attrName>style.visibility</p:attrName>
+                                        </p:attrNameLst>
+                                      </p:cBhvr>
+                                      <p:to>
+                                        <p:strVal val="visible"/>
+                                      </p:to>
+                                    </p:set>
+                                  </p:childTnLst>
+                                </p:cTn>
+                              </p:par>
+                            </p:childTnLst>
+                          </p:cTn>
+                        </p:par>
+                      </p:childTnLst>
+                    </p:cTn>
+                  </p:par>
+                  <p:par>
+                    <p:cTn id="31" fill="hold">
+                      <p:stCondLst>
+                        <p:cond delay="indefinite"/>
+                      </p:stCondLst>
+                      <p:childTnLst>
+                        <p:par>
+                          <p:cTn id="32" fill="hold">
+                            <p:stCondLst>
+                              <p:cond delay="0"/>
+                            </p:stCondLst>
+                            <p:childTnLst>
+                              <p:par>
+                                <p:cTn id="33" presetID="1" presetClass="entr" presetSubtype="0" fill="hold" nodeType="clickEffect">
+                                  <p:stCondLst>
+                                    <p:cond delay="0"/>
+                                  </p:stCondLst>
+                                  <p:childTnLst>
+                                    <p:set>
+                                      <p:cBhvr>
+                                        <p:cTn id="34" dur="1" fill="hold">
+                                          <p:stCondLst>
+                                            <p:cond delay="0"/>
+                                          </p:stCondLst>
+                                        </p:cTn>
+                                        <p:tgtEl>
+                                          <p:spTgt spid="6">
+                                            <p:txEl>
+                                              <p:pRg st="7" end="7"/>
+                                            </p:txEl>
+                                          </p:spTgt>
+                                        </p:tgtEl>
+                                        <p:attrNameLst>
+                                          <p:attrName>style.visibility</p:attrName>
+                                        </p:attrNameLst>
+                                      </p:cBhvr>
+                                      <p:to>
+                                        <p:strVal val="visible"/>
+                                      </p:to>
+                                    </p:set>
+                                  </p:childTnLst>
+                                </p:cTn>
+                              </p:par>
+                            </p:childTnLst>
+                          </p:cTn>
+                        </p:par>
+                      </p:childTnLst>
+                    </p:cTn>
+                  </p:par>
+                </p:childTnLst>
+              </p:cTn>
+              <p:prevCondLst>
+                <p:cond evt="onPrev" delay="0">
+                  <p:tgtEl>
+                    <p:sldTgt/>
+                  </p:tgtEl>
+                </p:cond>
+              </p:prevCondLst>
+              <p:nextCondLst>
+                <p:cond evt="onNext" delay="0">
+                  <p:tgtEl>
+                    <p:sldTgt/>
+                  </p:tgtEl>
+                </p:cond>
+              </p:nextCondLst>
+            </p:seq>
+          </p:childTnLst>
+        </p:cTn>
       </p:par>
     </p:tnLst>
   </p:timing>
@@ -13010,43 +13952,7 @@
       </p:grpSpPr>
       <p:sp>
         <p:nvSpPr>
-          <p:cNvPr id="2" name="Title 1"/>
-          <p:cNvSpPr>
-            <a:spLocks noGrp="1"/>
-          </p:cNvSpPr>
-          <p:nvPr>
-            <p:ph type="ctrTitle"/>
-          </p:nvPr>
-        </p:nvSpPr>
-        <p:spPr>
-          <a:xfrm>
-            <a:off x="457200" y="2971800"/>
-            <a:ext cx="8382000" cy="1470025"/>
-          </a:xfrm>
-          <a:ln>
-            <a:noFill/>
-          </a:ln>
-        </p:spPr>
-        <p:txBody>
-          <a:bodyPr>
-            <a:noAutofit/>
-          </a:bodyPr>
-          <a:lstStyle/>
-          <a:p>
-            <a:r>
-              <a:rPr lang="en-US" sz="1200" dirty="0" smtClean="0"/>
-              <a:t/>
-            </a:r>
-            <a:br>
-              <a:rPr lang="en-US" sz="1200" dirty="0" smtClean="0"/>
-            </a:br>
-            <a:endParaRPr lang="en-US" sz="1200" dirty="0"/>
-          </a:p>
-        </p:txBody>
-      </p:sp>
-      <p:sp>
-        <p:nvSpPr>
-          <p:cNvPr id="3" name="Title 1"/>
+          <p:cNvPr id="4" name="Title 1"/>
           <p:cNvSpPr txBox="1">
             <a:spLocks/>
           </p:cNvSpPr>
@@ -13054,8 +13960,8 @@
         </p:nvSpPr>
         <p:spPr>
           <a:xfrm>
-            <a:off x="353860" y="2133600"/>
-            <a:ext cx="8382000" cy="1470025"/>
+            <a:off x="76200" y="-228600"/>
+            <a:ext cx="9067800" cy="1470025"/>
           </a:xfrm>
           <a:prstGeom prst="rect">
             <a:avLst/>
@@ -13085,40 +13991,295 @@
             </a:lvl1pPr>
           </a:lstStyle>
           <a:p>
-            <a:r>
-              <a:rPr lang="en-US" sz="7200" dirty="0" smtClean="0">
+            <a:pPr algn="l"/>
+            <a:r>
+              <a:rPr lang="en-US" sz="8000" dirty="0" smtClean="0">
+                <a:solidFill>
+                  <a:schemeClr val="accent3">
+                    <a:lumMod val="75000"/>
+                  </a:schemeClr>
+                </a:solidFill>
+                <a:latin typeface="Yanone Kaffeesatz Bold" pitchFamily="2" charset="0"/>
+                <a:cs typeface="Aharoni" pitchFamily="2" charset="-79"/>
+              </a:rPr>
+              <a:t>Recap </a:t>
+            </a:r>
+            <a:r>
+              <a:rPr lang="en-US" sz="8000" dirty="0" smtClean="0">
+                <a:solidFill>
+                  <a:schemeClr val="accent3">
+                    <a:lumMod val="75000"/>
+                  </a:schemeClr>
+                </a:solidFill>
+                <a:latin typeface="Yanone Kaffeesatz Bold" pitchFamily="2" charset="0"/>
+                <a:cs typeface="Aharoni" pitchFamily="2" charset="-79"/>
+              </a:rPr>
+              <a:t>– Communication</a:t>
+            </a:r>
+            <a:endParaRPr lang="en-US" sz="8000" dirty="0">
+              <a:solidFill>
+                <a:schemeClr val="accent3">
+                  <a:lumMod val="75000"/>
+                </a:schemeClr>
+              </a:solidFill>
+              <a:latin typeface="Yanone Kaffeesatz Bold" pitchFamily="2" charset="0"/>
+              <a:cs typeface="Aharoni" pitchFamily="2" charset="-79"/>
+            </a:endParaRPr>
+          </a:p>
+        </p:txBody>
+      </p:sp>
+      <p:sp>
+        <p:nvSpPr>
+          <p:cNvPr id="6" name="Rectangle 5"/>
+          <p:cNvSpPr/>
+          <p:nvPr/>
+        </p:nvSpPr>
+        <p:spPr>
+          <a:xfrm>
+            <a:off x="228600" y="1143000"/>
+            <a:ext cx="8610600" cy="5170646"/>
+          </a:xfrm>
+          <a:prstGeom prst="rect">
+            <a:avLst/>
+          </a:prstGeom>
+        </p:spPr>
+        <p:txBody>
+          <a:bodyPr wrap="square">
+            <a:spAutoFit/>
+          </a:bodyPr>
+          <a:lstStyle/>
+          <a:p>
+            <a:r>
+              <a:rPr lang="en-US" sz="6000" dirty="0" smtClean="0">
                 <a:solidFill>
                   <a:schemeClr val="accent2">
                     <a:lumMod val="75000"/>
                   </a:schemeClr>
                 </a:solidFill>
                 <a:latin typeface="Yanone Kaffeesatz Bold" pitchFamily="2" charset="0"/>
-                <a:cs typeface="Aharoni" pitchFamily="2" charset="-79"/>
-              </a:rPr>
-              <a:t>Recap – What context is available for Persistent/Hus (Clients/Callers)</a:t>
-            </a:r>
-            <a:r>
-              <a:rPr lang="en-US" sz="7200" dirty="0">
-                <a:solidFill>
-                  <a:schemeClr val="accent2">
-                    <a:lumMod val="75000"/>
-                  </a:schemeClr>
-                </a:solidFill>
-                <a:latin typeface="Yanone Kaffeesatz Bold" pitchFamily="2" charset="0"/>
-                <a:cs typeface="Aharoni" pitchFamily="2" charset="-79"/>
-              </a:rPr>
-              <a:t> Context outside hub/persistent</a:t>
-            </a:r>
-          </a:p>
-          <a:p>
-            <a:endParaRPr lang="en-US" sz="7200" dirty="0" smtClean="0">
+              </a:rPr>
+              <a:t>Send || Broadcast</a:t>
+            </a:r>
+            <a:endParaRPr lang="en-US" sz="6000" dirty="0">
               <a:solidFill>
                 <a:schemeClr val="accent2">
                   <a:lumMod val="75000"/>
                 </a:schemeClr>
               </a:solidFill>
               <a:latin typeface="Yanone Kaffeesatz Bold" pitchFamily="2" charset="0"/>
-              <a:cs typeface="Aharoni" pitchFamily="2" charset="-79"/>
+            </a:endParaRPr>
+          </a:p>
+          <a:p>
+            <a:r>
+              <a:rPr lang="en-US" sz="3400" dirty="0" smtClean="0">
+                <a:solidFill>
+                  <a:schemeClr val="tx1">
+                    <a:lumMod val="65000"/>
+                    <a:lumOff val="35000"/>
+                  </a:schemeClr>
+                </a:solidFill>
+                <a:latin typeface="Yanone Kaffeesatz Bold" pitchFamily="2" charset="0"/>
+              </a:rPr>
+              <a:t>	Send to a </a:t>
+            </a:r>
+            <a:r>
+              <a:rPr lang="en-US" sz="3400" u="sng" dirty="0" smtClean="0">
+                <a:solidFill>
+                  <a:schemeClr val="tx1">
+                    <a:lumMod val="65000"/>
+                    <a:lumOff val="35000"/>
+                  </a:schemeClr>
+                </a:solidFill>
+                <a:latin typeface="Yanone Kaffeesatz Bold" pitchFamily="2" charset="0"/>
+              </a:rPr>
+              <a:t>Specific</a:t>
+            </a:r>
+            <a:r>
+              <a:rPr lang="en-US" sz="3400" dirty="0" smtClean="0">
+                <a:solidFill>
+                  <a:schemeClr val="tx1">
+                    <a:lumMod val="65000"/>
+                    <a:lumOff val="35000"/>
+                  </a:schemeClr>
+                </a:solidFill>
+                <a:latin typeface="Yanone Kaffeesatz Bold" pitchFamily="2" charset="0"/>
+              </a:rPr>
+              <a:t> connection</a:t>
+            </a:r>
+          </a:p>
+          <a:p>
+            <a:r>
+              <a:rPr lang="en-US" sz="3400" dirty="0">
+                <a:solidFill>
+                  <a:schemeClr val="tx1">
+                    <a:lumMod val="65000"/>
+                    <a:lumOff val="35000"/>
+                  </a:schemeClr>
+                </a:solidFill>
+                <a:latin typeface="Yanone Kaffeesatz Bold" pitchFamily="2" charset="0"/>
+              </a:rPr>
+              <a:t>	</a:t>
+            </a:r>
+            <a:r>
+              <a:rPr lang="en-US" sz="3400" dirty="0" smtClean="0">
+                <a:solidFill>
+                  <a:schemeClr val="tx1">
+                    <a:lumMod val="65000"/>
+                    <a:lumOff val="35000"/>
+                  </a:schemeClr>
+                </a:solidFill>
+                <a:latin typeface="Yanone Kaffeesatz Bold" pitchFamily="2" charset="0"/>
+              </a:rPr>
+              <a:t>Send to </a:t>
+            </a:r>
+            <a:r>
+              <a:rPr lang="en-US" sz="3400" u="sng" dirty="0" smtClean="0">
+                <a:solidFill>
+                  <a:schemeClr val="tx1">
+                    <a:lumMod val="65000"/>
+                    <a:lumOff val="35000"/>
+                  </a:schemeClr>
+                </a:solidFill>
+                <a:latin typeface="Yanone Kaffeesatz Bold" pitchFamily="2" charset="0"/>
+              </a:rPr>
+              <a:t>Group</a:t>
+            </a:r>
+            <a:r>
+              <a:rPr lang="en-US" sz="3400" dirty="0" smtClean="0">
+                <a:solidFill>
+                  <a:schemeClr val="tx1">
+                    <a:lumMod val="65000"/>
+                    <a:lumOff val="35000"/>
+                  </a:schemeClr>
+                </a:solidFill>
+                <a:latin typeface="Yanone Kaffeesatz Bold" pitchFamily="2" charset="0"/>
+              </a:rPr>
+              <a:t> of connections</a:t>
+            </a:r>
+          </a:p>
+          <a:p>
+            <a:r>
+              <a:rPr lang="en-US" sz="3400" dirty="0">
+                <a:solidFill>
+                  <a:schemeClr val="tx1">
+                    <a:lumMod val="65000"/>
+                    <a:lumOff val="35000"/>
+                  </a:schemeClr>
+                </a:solidFill>
+                <a:latin typeface="Yanone Kaffeesatz Bold" pitchFamily="2" charset="0"/>
+              </a:rPr>
+              <a:t>	</a:t>
+            </a:r>
+            <a:r>
+              <a:rPr lang="en-US" sz="3400" dirty="0" smtClean="0">
+                <a:solidFill>
+                  <a:schemeClr val="tx1">
+                    <a:lumMod val="65000"/>
+                    <a:lumOff val="35000"/>
+                  </a:schemeClr>
+                </a:solidFill>
+                <a:latin typeface="Yanone Kaffeesatz Bold" pitchFamily="2" charset="0"/>
+              </a:rPr>
+              <a:t>Send to </a:t>
+            </a:r>
+            <a:r>
+              <a:rPr lang="en-US" sz="3400" u="sng" dirty="0" smtClean="0">
+                <a:solidFill>
+                  <a:schemeClr val="tx1">
+                    <a:lumMod val="65000"/>
+                    <a:lumOff val="35000"/>
+                  </a:schemeClr>
+                </a:solidFill>
+                <a:latin typeface="Yanone Kaffeesatz Bold" pitchFamily="2" charset="0"/>
+              </a:rPr>
+              <a:t>All</a:t>
+            </a:r>
+            <a:r>
+              <a:rPr lang="en-US" sz="3400" dirty="0" smtClean="0">
+                <a:solidFill>
+                  <a:schemeClr val="tx1">
+                    <a:lumMod val="65000"/>
+                    <a:lumOff val="35000"/>
+                  </a:schemeClr>
+                </a:solidFill>
+                <a:latin typeface="Yanone Kaffeesatz Bold" pitchFamily="2" charset="0"/>
+              </a:rPr>
+              <a:t/>
+            </a:r>
+            <a:br>
+              <a:rPr lang="en-US" sz="3400" dirty="0" smtClean="0">
+                <a:solidFill>
+                  <a:schemeClr val="tx1">
+                    <a:lumMod val="65000"/>
+                    <a:lumOff val="35000"/>
+                  </a:schemeClr>
+                </a:solidFill>
+                <a:latin typeface="Yanone Kaffeesatz Bold" pitchFamily="2" charset="0"/>
+              </a:rPr>
+            </a:br>
+            <a:endParaRPr lang="en-US" sz="3400" dirty="0" smtClean="0">
+              <a:solidFill>
+                <a:schemeClr val="tx1">
+                  <a:lumMod val="65000"/>
+                  <a:lumOff val="35000"/>
+                </a:schemeClr>
+              </a:solidFill>
+              <a:latin typeface="Yanone Kaffeesatz Bold" pitchFamily="2" charset="0"/>
+            </a:endParaRPr>
+          </a:p>
+          <a:p>
+            <a:r>
+              <a:rPr lang="en-US" sz="6000" dirty="0" smtClean="0">
+                <a:solidFill>
+                  <a:schemeClr val="accent2">
+                    <a:lumMod val="75000"/>
+                  </a:schemeClr>
+                </a:solidFill>
+                <a:latin typeface="Yanone Kaffeesatz Bold" pitchFamily="2" charset="0"/>
+              </a:rPr>
+              <a:t>Context</a:t>
+            </a:r>
+            <a:endParaRPr lang="en-US" sz="3400" dirty="0" smtClean="0">
+              <a:solidFill>
+                <a:schemeClr val="accent2">
+                  <a:lumMod val="75000"/>
+                </a:schemeClr>
+              </a:solidFill>
+              <a:latin typeface="Yanone Kaffeesatz Bold" pitchFamily="2" charset="0"/>
+            </a:endParaRPr>
+          </a:p>
+          <a:p>
+            <a:r>
+              <a:rPr lang="en-US" sz="3400" smtClean="0">
+                <a:solidFill>
+                  <a:schemeClr val="tx1">
+                    <a:lumMod val="65000"/>
+                    <a:lumOff val="35000"/>
+                  </a:schemeClr>
+                </a:solidFill>
+                <a:latin typeface="Yanone Kaffeesatz Bold" pitchFamily="2" charset="0"/>
+              </a:rPr>
+              <a:t>	</a:t>
+            </a:r>
+            <a:endParaRPr lang="en-US" sz="3400" dirty="0" smtClean="0">
+              <a:solidFill>
+                <a:schemeClr val="tx1">
+                  <a:lumMod val="65000"/>
+                  <a:lumOff val="35000"/>
+                </a:schemeClr>
+              </a:solidFill>
+              <a:latin typeface="Yanone Kaffeesatz Bold" pitchFamily="2" charset="0"/>
+            </a:endParaRPr>
+          </a:p>
+          <a:p>
+            <a:endParaRPr lang="en-US" sz="4000" dirty="0">
+              <a:solidFill>
+                <a:schemeClr val="tx1">
+                  <a:lumMod val="65000"/>
+                  <a:lumOff val="35000"/>
+                </a:schemeClr>
+              </a:solidFill>
+              <a:latin typeface="Yanone Kaffeesatz Bold" pitchFamily="2" charset="0"/>
             </a:endParaRPr>
           </a:p>
         </p:txBody>
@@ -13126,7 +14287,7 @@
     </p:spTree>
     <p:extLst>
       <p:ext uri="{BB962C8B-B14F-4D97-AF65-F5344CB8AC3E}">
-        <p14:creationId xmlns:p14="http://schemas.microsoft.com/office/powerpoint/2010/main" val="3244005224"/>
+        <p14:creationId xmlns:p14="http://schemas.microsoft.com/office/powerpoint/2010/main" val="3639174447"/>
       </p:ext>
     </p:extLst>
   </p:cSld>
@@ -13136,7 +14297,324 @@
   <p:timing>
     <p:tnLst>
       <p:par>
-        <p:cTn id="1" dur="indefinite" restart="never" nodeType="tmRoot"/>
+        <p:cTn id="1" dur="indefinite" restart="never" nodeType="tmRoot">
+          <p:childTnLst>
+            <p:seq concurrent="1" nextAc="seek">
+              <p:cTn id="2" dur="indefinite" nodeType="mainSeq">
+                <p:childTnLst>
+                  <p:par>
+                    <p:cTn id="3" fill="hold">
+                      <p:stCondLst>
+                        <p:cond delay="indefinite"/>
+                      </p:stCondLst>
+                      <p:childTnLst>
+                        <p:par>
+                          <p:cTn id="4" fill="hold">
+                            <p:stCondLst>
+                              <p:cond delay="0"/>
+                            </p:stCondLst>
+                            <p:childTnLst>
+                              <p:par>
+                                <p:cTn id="5" presetID="1" presetClass="entr" presetSubtype="0" fill="hold" nodeType="clickEffect">
+                                  <p:stCondLst>
+                                    <p:cond delay="0"/>
+                                  </p:stCondLst>
+                                  <p:childTnLst>
+                                    <p:set>
+                                      <p:cBhvr>
+                                        <p:cTn id="6" dur="1" fill="hold">
+                                          <p:stCondLst>
+                                            <p:cond delay="0"/>
+                                          </p:stCondLst>
+                                        </p:cTn>
+                                        <p:tgtEl>
+                                          <p:spTgt spid="6">
+                                            <p:txEl>
+                                              <p:pRg st="0" end="0"/>
+                                            </p:txEl>
+                                          </p:spTgt>
+                                        </p:tgtEl>
+                                        <p:attrNameLst>
+                                          <p:attrName>style.visibility</p:attrName>
+                                        </p:attrNameLst>
+                                      </p:cBhvr>
+                                      <p:to>
+                                        <p:strVal val="visible"/>
+                                      </p:to>
+                                    </p:set>
+                                  </p:childTnLst>
+                                </p:cTn>
+                              </p:par>
+                            </p:childTnLst>
+                          </p:cTn>
+                        </p:par>
+                      </p:childTnLst>
+                    </p:cTn>
+                  </p:par>
+                  <p:par>
+                    <p:cTn id="7" fill="hold">
+                      <p:stCondLst>
+                        <p:cond delay="indefinite"/>
+                      </p:stCondLst>
+                      <p:childTnLst>
+                        <p:par>
+                          <p:cTn id="8" fill="hold">
+                            <p:stCondLst>
+                              <p:cond delay="0"/>
+                            </p:stCondLst>
+                            <p:childTnLst>
+                              <p:par>
+                                <p:cTn id="9" presetID="1" presetClass="entr" presetSubtype="0" fill="hold" nodeType="clickEffect">
+                                  <p:stCondLst>
+                                    <p:cond delay="0"/>
+                                  </p:stCondLst>
+                                  <p:childTnLst>
+                                    <p:set>
+                                      <p:cBhvr>
+                                        <p:cTn id="10" dur="1" fill="hold">
+                                          <p:stCondLst>
+                                            <p:cond delay="0"/>
+                                          </p:stCondLst>
+                                        </p:cTn>
+                                        <p:tgtEl>
+                                          <p:spTgt spid="6">
+                                            <p:txEl>
+                                              <p:pRg st="1" end="1"/>
+                                            </p:txEl>
+                                          </p:spTgt>
+                                        </p:tgtEl>
+                                        <p:attrNameLst>
+                                          <p:attrName>style.visibility</p:attrName>
+                                        </p:attrNameLst>
+                                      </p:cBhvr>
+                                      <p:to>
+                                        <p:strVal val="visible"/>
+                                      </p:to>
+                                    </p:set>
+                                  </p:childTnLst>
+                                </p:cTn>
+                              </p:par>
+                            </p:childTnLst>
+                          </p:cTn>
+                        </p:par>
+                      </p:childTnLst>
+                    </p:cTn>
+                  </p:par>
+                  <p:par>
+                    <p:cTn id="11" fill="hold">
+                      <p:stCondLst>
+                        <p:cond delay="indefinite"/>
+                      </p:stCondLst>
+                      <p:childTnLst>
+                        <p:par>
+                          <p:cTn id="12" fill="hold">
+                            <p:stCondLst>
+                              <p:cond delay="0"/>
+                            </p:stCondLst>
+                            <p:childTnLst>
+                              <p:par>
+                                <p:cTn id="13" presetID="1" presetClass="entr" presetSubtype="0" fill="hold" nodeType="clickEffect">
+                                  <p:stCondLst>
+                                    <p:cond delay="0"/>
+                                  </p:stCondLst>
+                                  <p:childTnLst>
+                                    <p:set>
+                                      <p:cBhvr>
+                                        <p:cTn id="14" dur="1" fill="hold">
+                                          <p:stCondLst>
+                                            <p:cond delay="0"/>
+                                          </p:stCondLst>
+                                        </p:cTn>
+                                        <p:tgtEl>
+                                          <p:spTgt spid="6">
+                                            <p:txEl>
+                                              <p:pRg st="2" end="2"/>
+                                            </p:txEl>
+                                          </p:spTgt>
+                                        </p:tgtEl>
+                                        <p:attrNameLst>
+                                          <p:attrName>style.visibility</p:attrName>
+                                        </p:attrNameLst>
+                                      </p:cBhvr>
+                                      <p:to>
+                                        <p:strVal val="visible"/>
+                                      </p:to>
+                                    </p:set>
+                                  </p:childTnLst>
+                                </p:cTn>
+                              </p:par>
+                            </p:childTnLst>
+                          </p:cTn>
+                        </p:par>
+                      </p:childTnLst>
+                    </p:cTn>
+                  </p:par>
+                  <p:par>
+                    <p:cTn id="15" fill="hold">
+                      <p:stCondLst>
+                        <p:cond delay="indefinite"/>
+                      </p:stCondLst>
+                      <p:childTnLst>
+                        <p:par>
+                          <p:cTn id="16" fill="hold">
+                            <p:stCondLst>
+                              <p:cond delay="0"/>
+                            </p:stCondLst>
+                            <p:childTnLst>
+                              <p:par>
+                                <p:cTn id="17" presetID="1" presetClass="entr" presetSubtype="0" fill="hold" nodeType="clickEffect">
+                                  <p:stCondLst>
+                                    <p:cond delay="0"/>
+                                  </p:stCondLst>
+                                  <p:childTnLst>
+                                    <p:set>
+                                      <p:cBhvr>
+                                        <p:cTn id="18" dur="1" fill="hold">
+                                          <p:stCondLst>
+                                            <p:cond delay="0"/>
+                                          </p:stCondLst>
+                                        </p:cTn>
+                                        <p:tgtEl>
+                                          <p:spTgt spid="6">
+                                            <p:txEl>
+                                              <p:pRg st="3" end="3"/>
+                                            </p:txEl>
+                                          </p:spTgt>
+                                        </p:tgtEl>
+                                        <p:attrNameLst>
+                                          <p:attrName>style.visibility</p:attrName>
+                                        </p:attrNameLst>
+                                      </p:cBhvr>
+                                      <p:to>
+                                        <p:strVal val="visible"/>
+                                      </p:to>
+                                    </p:set>
+                                  </p:childTnLst>
+                                </p:cTn>
+                              </p:par>
+                            </p:childTnLst>
+                          </p:cTn>
+                        </p:par>
+                      </p:childTnLst>
+                    </p:cTn>
+                  </p:par>
+                  <p:par>
+                    <p:cTn id="19" fill="hold">
+                      <p:stCondLst>
+                        <p:cond delay="indefinite"/>
+                      </p:stCondLst>
+                      <p:childTnLst>
+                        <p:par>
+                          <p:cTn id="20" fill="hold">
+                            <p:stCondLst>
+                              <p:cond delay="0"/>
+                            </p:stCondLst>
+                            <p:childTnLst>
+                              <p:par>
+                                <p:cTn id="21" presetID="1" presetClass="entr" presetSubtype="0" fill="hold" nodeType="clickEffect">
+                                  <p:stCondLst>
+                                    <p:cond delay="0"/>
+                                  </p:stCondLst>
+                                  <p:childTnLst>
+                                    <p:set>
+                                      <p:cBhvr>
+                                        <p:cTn id="22" dur="1" fill="hold">
+                                          <p:stCondLst>
+                                            <p:cond delay="0"/>
+                                          </p:stCondLst>
+                                        </p:cTn>
+                                        <p:tgtEl>
+                                          <p:spTgt spid="6">
+                                            <p:txEl>
+                                              <p:pRg st="4" end="4"/>
+                                            </p:txEl>
+                                          </p:spTgt>
+                                        </p:tgtEl>
+                                        <p:attrNameLst>
+                                          <p:attrName>style.visibility</p:attrName>
+                                        </p:attrNameLst>
+                                      </p:cBhvr>
+                                      <p:to>
+                                        <p:strVal val="visible"/>
+                                      </p:to>
+                                    </p:set>
+                                  </p:childTnLst>
+                                </p:cTn>
+                              </p:par>
+                            </p:childTnLst>
+                          </p:cTn>
+                        </p:par>
+                      </p:childTnLst>
+                    </p:cTn>
+                  </p:par>
+                  <p:par>
+                    <p:cTn id="23" fill="hold">
+                      <p:stCondLst>
+                        <p:cond delay="indefinite"/>
+                      </p:stCondLst>
+                      <p:childTnLst>
+                        <p:par>
+                          <p:cTn id="24" fill="hold">
+                            <p:stCondLst>
+                              <p:cond delay="0"/>
+                            </p:stCondLst>
+                            <p:childTnLst>
+                              <p:par>
+                                <p:cTn id="25" presetID="1" presetClass="entr" presetSubtype="0" fill="hold" nodeType="clickEffect">
+                                  <p:stCondLst>
+                                    <p:cond delay="0"/>
+                                  </p:stCondLst>
+                                  <p:childTnLst>
+                                    <p:set>
+                                      <p:cBhvr>
+                                        <p:cTn id="26" dur="1" fill="hold">
+                                          <p:stCondLst>
+                                            <p:cond delay="0"/>
+                                          </p:stCondLst>
+                                        </p:cTn>
+                                        <p:tgtEl>
+                                          <p:spTgt spid="6">
+                                            <p:txEl>
+                                              <p:pRg st="5" end="5"/>
+                                            </p:txEl>
+                                          </p:spTgt>
+                                        </p:tgtEl>
+                                        <p:attrNameLst>
+                                          <p:attrName>style.visibility</p:attrName>
+                                        </p:attrNameLst>
+                                      </p:cBhvr>
+                                      <p:to>
+                                        <p:strVal val="visible"/>
+                                      </p:to>
+                                    </p:set>
+                                  </p:childTnLst>
+                                </p:cTn>
+                              </p:par>
+                            </p:childTnLst>
+                          </p:cTn>
+                        </p:par>
+                      </p:childTnLst>
+                    </p:cTn>
+                  </p:par>
+                </p:childTnLst>
+              </p:cTn>
+              <p:prevCondLst>
+                <p:cond evt="onPrev" delay="0">
+                  <p:tgtEl>
+                    <p:sldTgt/>
+                  </p:tgtEl>
+                </p:cond>
+              </p:prevCondLst>
+              <p:nextCondLst>
+                <p:cond evt="onNext" delay="0">
+                  <p:tgtEl>
+                    <p:sldTgt/>
+                  </p:tgtEl>
+                </p:cond>
+              </p:nextCondLst>
+            </p:seq>
+          </p:childTnLst>
+        </p:cTn>
       </p:par>
     </p:tnLst>
   </p:timing>
@@ -13162,46 +14640,63 @@
       </p:grpSpPr>
       <p:sp>
         <p:nvSpPr>
-          <p:cNvPr id="2" name="Title 1"/>
-          <p:cNvSpPr>
-            <a:spLocks noGrp="1"/>
+          <p:cNvPr id="4" name="Title 1"/>
+          <p:cNvSpPr txBox="1">
+            <a:spLocks/>
           </p:cNvSpPr>
-          <p:nvPr>
-            <p:ph type="ctrTitle"/>
-          </p:nvPr>
+          <p:nvPr/>
         </p:nvSpPr>
         <p:spPr>
           <a:xfrm>
             <a:off x="76200" y="-228600"/>
-            <a:ext cx="7772400" cy="1470025"/>
+            <a:ext cx="9067800" cy="1470025"/>
           </a:xfrm>
+          <a:prstGeom prst="rect">
+            <a:avLst/>
+          </a:prstGeom>
           <a:ln>
             <a:noFill/>
           </a:ln>
         </p:spPr>
         <p:txBody>
-          <a:bodyPr>
+          <a:bodyPr vert="horz" lIns="91440" tIns="45720" rIns="91440" bIns="45720" rtlCol="0" anchor="ctr">
             <a:noAutofit/>
           </a:bodyPr>
-          <a:lstStyle/>
+          <a:lstStyle>
+            <a:lvl1pPr algn="ctr" defTabSz="914400" rtl="0" eaLnBrk="1" latinLnBrk="0" hangingPunct="1">
+              <a:spcBef>
+                <a:spcPct val="0"/>
+              </a:spcBef>
+              <a:buNone/>
+              <a:defRPr sz="4400" kern="1200">
+                <a:solidFill>
+                  <a:schemeClr val="tx1"/>
+                </a:solidFill>
+                <a:latin typeface="+mj-lt"/>
+                <a:ea typeface="+mj-ea"/>
+                <a:cs typeface="+mj-cs"/>
+              </a:defRPr>
+            </a:lvl1pPr>
+          </a:lstStyle>
           <a:p>
             <a:pPr algn="l"/>
             <a:r>
               <a:rPr lang="en-US" sz="8000" dirty="0" smtClean="0">
                 <a:solidFill>
-                  <a:schemeClr val="tx2">
-                    <a:lumMod val="60000"/>
-                    <a:lumOff val="40000"/>
+                  <a:schemeClr val="accent3">
+                    <a:lumMod val="75000"/>
                   </a:schemeClr>
                 </a:solidFill>
                 <a:latin typeface="Yanone Kaffeesatz Bold" pitchFamily="2" charset="0"/>
                 <a:cs typeface="Aharoni" pitchFamily="2" charset="-79"/>
               </a:rPr>
-              <a:t>Clients</a:t>
+              <a:t>Recap - Graceful Degradation</a:t>
             </a:r>
             <a:endParaRPr lang="en-US" sz="8000" dirty="0">
               <a:solidFill>
-                <a:srgbClr val="00B050"/>
+                <a:schemeClr val="accent3">
+                  <a:lumMod val="75000"/>
+                </a:schemeClr>
               </a:solidFill>
               <a:latin typeface="Yanone Kaffeesatz Bold" pitchFamily="2" charset="0"/>
               <a:cs typeface="Aharoni" pitchFamily="2" charset="-79"/>
@@ -13209,34 +14704,100 @@
           </a:p>
         </p:txBody>
       </p:sp>
+      <p:pic>
+        <p:nvPicPr>
+          <p:cNvPr id="2" name="Picture 1"/>
+          <p:cNvPicPr>
+            <a:picLocks noChangeAspect="1"/>
+          </p:cNvPicPr>
+          <p:nvPr/>
+        </p:nvPicPr>
+        <p:blipFill>
+          <a:blip r:embed="rId3">
+            <a:extLst>
+              <a:ext uri="{28A0092B-C50C-407E-A947-70E740481C1C}">
+                <a14:useLocalDpi xmlns:a14="http://schemas.microsoft.com/office/drawing/2010/main" val="0"/>
+              </a:ext>
+            </a:extLst>
+          </a:blip>
+          <a:stretch>
+            <a:fillRect/>
+          </a:stretch>
+        </p:blipFill>
+        <p:spPr>
+          <a:xfrm>
+            <a:off x="457200" y="1447800"/>
+            <a:ext cx="2209800" cy="5181600"/>
+          </a:xfrm>
+          <a:prstGeom prst="rect">
+            <a:avLst/>
+          </a:prstGeom>
+        </p:spPr>
+      </p:pic>
+      <p:pic>
+        <p:nvPicPr>
+          <p:cNvPr id="7" name="Picture 2" descr="C:\Users\ahmed.alani\Desktop\Work\Talks\SignalR-Intro\greenCheck.png"/>
+          <p:cNvPicPr>
+            <a:picLocks noChangeAspect="1" noChangeArrowheads="1"/>
+          </p:cNvPicPr>
+          <p:nvPr/>
+        </p:nvPicPr>
+        <p:blipFill>
+          <a:blip r:embed="rId4">
+            <a:extLst>
+              <a:ext uri="{28A0092B-C50C-407E-A947-70E740481C1C}">
+                <a14:useLocalDpi xmlns:a14="http://schemas.microsoft.com/office/drawing/2010/main" val="0"/>
+              </a:ext>
+            </a:extLst>
+          </a:blip>
+          <a:srcRect/>
+          <a:stretch>
+            <a:fillRect/>
+          </a:stretch>
+        </p:blipFill>
+        <p:spPr bwMode="auto">
+          <a:xfrm>
+            <a:off x="2586791" y="1471091"/>
+            <a:ext cx="1064690" cy="1064690"/>
+          </a:xfrm>
+          <a:prstGeom prst="rect">
+            <a:avLst/>
+          </a:prstGeom>
+          <a:noFill/>
+          <a:extLst>
+            <a:ext uri="{909E8E84-426E-40DD-AFC4-6F175D3DCCD1}">
+              <a14:hiddenFill xmlns:a14="http://schemas.microsoft.com/office/drawing/2010/main">
+                <a:solidFill>
+                  <a:srgbClr val="FFFFFF"/>
+                </a:solidFill>
+              </a14:hiddenFill>
+            </a:ext>
+          </a:extLst>
+        </p:spPr>
+      </p:pic>
       <p:sp>
         <p:nvSpPr>
-          <p:cNvPr id="3" name="Subtitle 2"/>
-          <p:cNvSpPr>
-            <a:spLocks noGrp="1"/>
-          </p:cNvSpPr>
-          <p:nvPr>
-            <p:ph type="subTitle" idx="1"/>
-          </p:nvPr>
+          <p:cNvPr id="8" name="Rectangle 7"/>
+          <p:cNvSpPr/>
+          <p:nvPr/>
         </p:nvSpPr>
         <p:spPr>
           <a:xfrm>
-            <a:off x="228600" y="1066800"/>
-            <a:ext cx="8763000" cy="5486400"/>
+            <a:off x="3657600" y="1345049"/>
+            <a:ext cx="5006475" cy="1169551"/>
           </a:xfrm>
+          <a:prstGeom prst="rect">
+            <a:avLst/>
+          </a:prstGeom>
         </p:spPr>
         <p:txBody>
-          <a:bodyPr>
-            <a:noAutofit/>
+          <a:bodyPr wrap="square">
+            <a:spAutoFit/>
           </a:bodyPr>
           <a:lstStyle/>
           <a:p>
-            <a:pPr marL="857250" indent="-857250" algn="l">
-              <a:buFont typeface="Arial" pitchFamily="34" charset="0"/>
-              <a:buChar char="•"/>
-            </a:pPr>
-            <a:r>
-              <a:rPr lang="en-US" sz="4000" dirty="0" smtClean="0">
+            <a:r>
+              <a:rPr lang="en-US" sz="7000" dirty="0" err="1" smtClean="0">
                 <a:solidFill>
                   <a:schemeClr val="tx1">
                     <a:lumMod val="65000"/>
@@ -13245,81 +14806,9 @@
                 </a:solidFill>
                 <a:latin typeface="Yanone Kaffeesatz Bold" pitchFamily="2" charset="0"/>
               </a:rPr>
-              <a:t>.NET</a:t>
-            </a:r>
-          </a:p>
-          <a:p>
-            <a:pPr marL="857250" indent="-857250" algn="l">
-              <a:buFont typeface="Arial" pitchFamily="34" charset="0"/>
-              <a:buChar char="•"/>
-            </a:pPr>
-            <a:r>
-              <a:rPr lang="en-US" sz="4000" dirty="0" smtClean="0">
-                <a:solidFill>
-                  <a:schemeClr val="tx1">
-                    <a:lumMod val="65000"/>
-                    <a:lumOff val="35000"/>
-                  </a:schemeClr>
-                </a:solidFill>
-                <a:latin typeface="Yanone Kaffeesatz Bold" pitchFamily="2" charset="0"/>
-              </a:rPr>
-              <a:t>JavaScript</a:t>
-            </a:r>
-          </a:p>
-          <a:p>
-            <a:pPr marL="857250" indent="-857250" algn="l">
-              <a:buFont typeface="Arial" pitchFamily="34" charset="0"/>
-              <a:buChar char="•"/>
-            </a:pPr>
-            <a:r>
-              <a:rPr lang="en-US" sz="4000" dirty="0" smtClean="0">
-                <a:solidFill>
-                  <a:schemeClr val="tx1">
-                    <a:lumMod val="65000"/>
-                    <a:lumOff val="35000"/>
-                  </a:schemeClr>
-                </a:solidFill>
-                <a:latin typeface="Yanone Kaffeesatz Bold" pitchFamily="2" charset="0"/>
-              </a:rPr>
-              <a:t>WPF</a:t>
-            </a:r>
-          </a:p>
-          <a:p>
-            <a:pPr marL="857250" indent="-857250" algn="l">
-              <a:buFont typeface="Arial" pitchFamily="34" charset="0"/>
-              <a:buChar char="•"/>
-            </a:pPr>
-            <a:r>
-              <a:rPr lang="en-US" sz="4000" dirty="0" smtClean="0">
-                <a:solidFill>
-                  <a:schemeClr val="tx1">
-                    <a:lumMod val="65000"/>
-                    <a:lumOff val="35000"/>
-                  </a:schemeClr>
-                </a:solidFill>
-                <a:latin typeface="Yanone Kaffeesatz Bold" pitchFamily="2" charset="0"/>
-              </a:rPr>
-              <a:t>Silverlight</a:t>
-            </a:r>
-          </a:p>
-          <a:p>
-            <a:pPr marL="857250" indent="-857250" algn="l">
-              <a:buFont typeface="Arial" pitchFamily="34" charset="0"/>
-              <a:buChar char="•"/>
-            </a:pPr>
-            <a:r>
-              <a:rPr lang="en-US" sz="4000" dirty="0" err="1" smtClean="0">
-                <a:solidFill>
-                  <a:schemeClr val="tx1">
-                    <a:lumMod val="65000"/>
-                    <a:lumOff val="35000"/>
-                  </a:schemeClr>
-                </a:solidFill>
-                <a:latin typeface="Yanone Kaffeesatz Bold" pitchFamily="2" charset="0"/>
-              </a:rPr>
-              <a:t>WinRT</a:t>
-            </a:r>
-            <a:endParaRPr lang="en-US" sz="4000" dirty="0" smtClean="0">
+              <a:t>WebSocket</a:t>
+            </a:r>
+            <a:endParaRPr lang="en-US" sz="7000" dirty="0" smtClean="0">
               <a:solidFill>
                 <a:schemeClr val="tx1">
                   <a:lumMod val="65000"/>
@@ -13329,13 +14818,72 @@
               <a:latin typeface="Yanone Kaffeesatz Bold" pitchFamily="2" charset="0"/>
             </a:endParaRPr>
           </a:p>
-          <a:p>
-            <a:pPr marL="857250" indent="-857250" algn="l">
-              <a:buFont typeface="Arial" pitchFamily="34" charset="0"/>
-              <a:buChar char="•"/>
-            </a:pPr>
-            <a:r>
-              <a:rPr lang="en-US" sz="4000" dirty="0" smtClean="0">
+        </p:txBody>
+      </p:sp>
+      <p:pic>
+        <p:nvPicPr>
+          <p:cNvPr id="9" name="Picture 2" descr="C:\Users\ahmed.alani\Desktop\Work\Talks\SignalR-Intro\greenCheck.png"/>
+          <p:cNvPicPr>
+            <a:picLocks noChangeAspect="1" noChangeArrowheads="1"/>
+          </p:cNvPicPr>
+          <p:nvPr/>
+        </p:nvPicPr>
+        <p:blipFill>
+          <a:blip r:embed="rId4">
+            <a:extLst>
+              <a:ext uri="{28A0092B-C50C-407E-A947-70E740481C1C}">
+                <a14:useLocalDpi xmlns:a14="http://schemas.microsoft.com/office/drawing/2010/main" val="0"/>
+              </a:ext>
+            </a:extLst>
+          </a:blip>
+          <a:srcRect/>
+          <a:stretch>
+            <a:fillRect/>
+          </a:stretch>
+        </p:blipFill>
+        <p:spPr bwMode="auto">
+          <a:xfrm>
+            <a:off x="2580672" y="2693551"/>
+            <a:ext cx="1064690" cy="1064690"/>
+          </a:xfrm>
+          <a:prstGeom prst="rect">
+            <a:avLst/>
+          </a:prstGeom>
+          <a:noFill/>
+          <a:extLst>
+            <a:ext uri="{909E8E84-426E-40DD-AFC4-6F175D3DCCD1}">
+              <a14:hiddenFill xmlns:a14="http://schemas.microsoft.com/office/drawing/2010/main">
+                <a:solidFill>
+                  <a:srgbClr val="FFFFFF"/>
+                </a:solidFill>
+              </a14:hiddenFill>
+            </a:ext>
+          </a:extLst>
+        </p:spPr>
+      </p:pic>
+      <p:sp>
+        <p:nvSpPr>
+          <p:cNvPr id="10" name="Rectangle 9"/>
+          <p:cNvSpPr/>
+          <p:nvPr/>
+        </p:nvSpPr>
+        <p:spPr>
+          <a:xfrm>
+            <a:off x="3651481" y="2567509"/>
+            <a:ext cx="5187719" cy="1169551"/>
+          </a:xfrm>
+          <a:prstGeom prst="rect">
+            <a:avLst/>
+          </a:prstGeom>
+        </p:spPr>
+        <p:txBody>
+          <a:bodyPr wrap="square">
+            <a:spAutoFit/>
+          </a:bodyPr>
+          <a:lstStyle/>
+          <a:p>
+            <a:r>
+              <a:rPr lang="en-US" sz="7000" dirty="0" smtClean="0">
                 <a:solidFill>
                   <a:schemeClr val="tx1">
                     <a:lumMod val="65000"/>
@@ -13344,66 +14892,185 @@
                 </a:solidFill>
                 <a:latin typeface="Yanone Kaffeesatz Bold" pitchFamily="2" charset="0"/>
               </a:rPr>
-              <a:t>Objective-C</a:t>
-            </a:r>
-            <a:r>
-              <a:rPr lang="en-US" sz="4000" dirty="0">
-                <a:solidFill>
-                  <a:schemeClr val="tx1">
-                    <a:lumMod val="50000"/>
-                    <a:lumOff val="50000"/>
-                  </a:schemeClr>
-                </a:solidFill>
-                <a:latin typeface="Yanone Kaffeesatz Bold" pitchFamily="2" charset="0"/>
-              </a:rPr>
-              <a:t/>
-            </a:r>
-            <a:br>
-              <a:rPr lang="en-US" sz="4000" dirty="0">
-                <a:solidFill>
-                  <a:schemeClr val="tx1">
-                    <a:lumMod val="50000"/>
-                    <a:lumOff val="50000"/>
-                  </a:schemeClr>
-                </a:solidFill>
-                <a:latin typeface="Yanone Kaffeesatz Bold" pitchFamily="2" charset="0"/>
-              </a:rPr>
-            </a:br>
-            <a:endParaRPr lang="en-US" sz="4000" dirty="0" smtClean="0">
+              <a:t>Server-Sent Events</a:t>
+            </a:r>
+            <a:endParaRPr lang="en-US" sz="7000" dirty="0" smtClean="0">
               <a:solidFill>
                 <a:schemeClr val="tx1">
-                  <a:lumMod val="50000"/>
-                  <a:lumOff val="50000"/>
+                  <a:lumMod val="65000"/>
+                  <a:lumOff val="35000"/>
                 </a:schemeClr>
               </a:solidFill>
               <a:latin typeface="Yanone Kaffeesatz Bold" pitchFamily="2" charset="0"/>
             </a:endParaRPr>
           </a:p>
-          <a:p>
-            <a:pPr marL="857250" indent="-857250" algn="l">
-              <a:buFont typeface="Arial" pitchFamily="34" charset="0"/>
-              <a:buChar char="•"/>
-            </a:pPr>
-            <a:endParaRPr lang="en-US" sz="5000" dirty="0" smtClean="0">
+        </p:txBody>
+      </p:sp>
+      <p:pic>
+        <p:nvPicPr>
+          <p:cNvPr id="11" name="Picture 2" descr="C:\Users\ahmed.alani\Desktop\Work\Talks\SignalR-Intro\greenCheck.png"/>
+          <p:cNvPicPr>
+            <a:picLocks noChangeAspect="1" noChangeArrowheads="1"/>
+          </p:cNvPicPr>
+          <p:nvPr/>
+        </p:nvPicPr>
+        <p:blipFill>
+          <a:blip r:embed="rId4">
+            <a:extLst>
+              <a:ext uri="{28A0092B-C50C-407E-A947-70E740481C1C}">
+                <a14:useLocalDpi xmlns:a14="http://schemas.microsoft.com/office/drawing/2010/main" val="0"/>
+              </a:ext>
+            </a:extLst>
+          </a:blip>
+          <a:srcRect/>
+          <a:stretch>
+            <a:fillRect/>
+          </a:stretch>
+        </p:blipFill>
+        <p:spPr bwMode="auto">
+          <a:xfrm>
+            <a:off x="2586791" y="4012242"/>
+            <a:ext cx="1064690" cy="1064690"/>
+          </a:xfrm>
+          <a:prstGeom prst="rect">
+            <a:avLst/>
+          </a:prstGeom>
+          <a:noFill/>
+          <a:extLst>
+            <a:ext uri="{909E8E84-426E-40DD-AFC4-6F175D3DCCD1}">
+              <a14:hiddenFill xmlns:a14="http://schemas.microsoft.com/office/drawing/2010/main">
+                <a:solidFill>
+                  <a:srgbClr val="FFFFFF"/>
+                </a:solidFill>
+              </a14:hiddenFill>
+            </a:ext>
+          </a:extLst>
+        </p:spPr>
+      </p:pic>
+      <p:sp>
+        <p:nvSpPr>
+          <p:cNvPr id="12" name="Rectangle 11"/>
+          <p:cNvSpPr/>
+          <p:nvPr/>
+        </p:nvSpPr>
+        <p:spPr>
+          <a:xfrm>
+            <a:off x="3657600" y="3886200"/>
+            <a:ext cx="5006475" cy="1169551"/>
+          </a:xfrm>
+          <a:prstGeom prst="rect">
+            <a:avLst/>
+          </a:prstGeom>
+        </p:spPr>
+        <p:txBody>
+          <a:bodyPr wrap="square">
+            <a:spAutoFit/>
+          </a:bodyPr>
+          <a:lstStyle/>
+          <a:p>
+            <a:r>
+              <a:rPr lang="en-US" sz="7000" dirty="0" smtClean="0">
+                <a:solidFill>
+                  <a:schemeClr val="tx1">
+                    <a:lumMod val="65000"/>
+                    <a:lumOff val="35000"/>
+                  </a:schemeClr>
+                </a:solidFill>
+                <a:latin typeface="Yanone Kaffeesatz Bold" pitchFamily="2" charset="0"/>
+              </a:rPr>
+              <a:t>Forever Frame</a:t>
+            </a:r>
+            <a:endParaRPr lang="en-US" sz="7000" dirty="0" smtClean="0">
               <a:solidFill>
                 <a:schemeClr val="tx1">
-                  <a:lumMod val="50000"/>
-                  <a:lumOff val="50000"/>
+                  <a:lumMod val="65000"/>
+                  <a:lumOff val="35000"/>
                 </a:schemeClr>
               </a:solidFill>
               <a:latin typeface="Yanone Kaffeesatz Bold" pitchFamily="2" charset="0"/>
             </a:endParaRPr>
           </a:p>
-          <a:p>
-            <a:pPr marL="857250" indent="-857250" algn="l">
-              <a:buFont typeface="Arial" pitchFamily="34" charset="0"/>
-              <a:buChar char="•"/>
-            </a:pPr>
-            <a:endParaRPr lang="en-US" sz="5000" dirty="0">
+        </p:txBody>
+      </p:sp>
+      <p:pic>
+        <p:nvPicPr>
+          <p:cNvPr id="13" name="Picture 2" descr="C:\Users\ahmed.alani\Desktop\Work\Talks\SignalR-Intro\greenCheck.png"/>
+          <p:cNvPicPr>
+            <a:picLocks noChangeAspect="1" noChangeArrowheads="1"/>
+          </p:cNvPicPr>
+          <p:nvPr/>
+        </p:nvPicPr>
+        <p:blipFill>
+          <a:blip r:embed="rId4">
+            <a:extLst>
+              <a:ext uri="{28A0092B-C50C-407E-A947-70E740481C1C}">
+                <a14:useLocalDpi xmlns:a14="http://schemas.microsoft.com/office/drawing/2010/main" val="0"/>
+              </a:ext>
+            </a:extLst>
+          </a:blip>
+          <a:srcRect/>
+          <a:stretch>
+            <a:fillRect/>
+          </a:stretch>
+        </p:blipFill>
+        <p:spPr bwMode="auto">
+          <a:xfrm>
+            <a:off x="2574553" y="5326191"/>
+            <a:ext cx="1064690" cy="1064690"/>
+          </a:xfrm>
+          <a:prstGeom prst="rect">
+            <a:avLst/>
+          </a:prstGeom>
+          <a:noFill/>
+          <a:extLst>
+            <a:ext uri="{909E8E84-426E-40DD-AFC4-6F175D3DCCD1}">
+              <a14:hiddenFill xmlns:a14="http://schemas.microsoft.com/office/drawing/2010/main">
+                <a:solidFill>
+                  <a:srgbClr val="FFFFFF"/>
+                </a:solidFill>
+              </a14:hiddenFill>
+            </a:ext>
+          </a:extLst>
+        </p:spPr>
+      </p:pic>
+      <p:sp>
+        <p:nvSpPr>
+          <p:cNvPr id="14" name="Rectangle 13"/>
+          <p:cNvSpPr/>
+          <p:nvPr/>
+        </p:nvSpPr>
+        <p:spPr>
+          <a:xfrm>
+            <a:off x="3645362" y="5200149"/>
+            <a:ext cx="5006475" cy="1169551"/>
+          </a:xfrm>
+          <a:prstGeom prst="rect">
+            <a:avLst/>
+          </a:prstGeom>
+        </p:spPr>
+        <p:txBody>
+          <a:bodyPr wrap="square">
+            <a:spAutoFit/>
+          </a:bodyPr>
+          <a:lstStyle/>
+          <a:p>
+            <a:r>
+              <a:rPr lang="en-US" sz="7000" dirty="0" smtClean="0">
+                <a:solidFill>
+                  <a:schemeClr val="tx1">
+                    <a:lumMod val="65000"/>
+                    <a:lumOff val="35000"/>
+                  </a:schemeClr>
+                </a:solidFill>
+                <a:latin typeface="Yanone Kaffeesatz Bold" pitchFamily="2" charset="0"/>
+              </a:rPr>
+              <a:t>Long Polling</a:t>
+            </a:r>
+            <a:endParaRPr lang="en-US" sz="7000" dirty="0" smtClean="0">
               <a:solidFill>
                 <a:schemeClr val="tx1">
-                  <a:lumMod val="50000"/>
-                  <a:lumOff val="50000"/>
+                  <a:lumMod val="65000"/>
+                  <a:lumOff val="35000"/>
                 </a:schemeClr>
               </a:solidFill>
               <a:latin typeface="Yanone Kaffeesatz Bold" pitchFamily="2" charset="0"/>
@@ -13414,7 +15081,7 @@
     </p:spTree>
     <p:extLst>
       <p:ext uri="{BB962C8B-B14F-4D97-AF65-F5344CB8AC3E}">
-        <p14:creationId xmlns:p14="http://schemas.microsoft.com/office/powerpoint/2010/main" val="2470649548"/>
+        <p14:creationId xmlns:p14="http://schemas.microsoft.com/office/powerpoint/2010/main" val="696470653"/>
       </p:ext>
     </p:extLst>
   </p:cSld>
@@ -13424,9 +15091,326 @@
   <p:timing>
     <p:tnLst>
       <p:par>
-        <p:cTn id="1" dur="indefinite" restart="never" nodeType="tmRoot"/>
+        <p:cTn id="1" dur="indefinite" restart="never" nodeType="tmRoot">
+          <p:childTnLst>
+            <p:seq concurrent="1" nextAc="seek">
+              <p:cTn id="2" dur="indefinite" nodeType="mainSeq">
+                <p:childTnLst>
+                  <p:par>
+                    <p:cTn id="3" fill="hold">
+                      <p:stCondLst>
+                        <p:cond delay="indefinite"/>
+                      </p:stCondLst>
+                      <p:childTnLst>
+                        <p:par>
+                          <p:cTn id="4" fill="hold">
+                            <p:stCondLst>
+                              <p:cond delay="0"/>
+                            </p:stCondLst>
+                            <p:childTnLst>
+                              <p:par>
+                                <p:cTn id="5" presetID="1" presetClass="entr" presetSubtype="0" fill="hold" nodeType="clickEffect">
+                                  <p:stCondLst>
+                                    <p:cond delay="0"/>
+                                  </p:stCondLst>
+                                  <p:childTnLst>
+                                    <p:set>
+                                      <p:cBhvr>
+                                        <p:cTn id="6" dur="1" fill="hold">
+                                          <p:stCondLst>
+                                            <p:cond delay="0"/>
+                                          </p:stCondLst>
+                                        </p:cTn>
+                                        <p:tgtEl>
+                                          <p:spTgt spid="7"/>
+                                        </p:tgtEl>
+                                        <p:attrNameLst>
+                                          <p:attrName>style.visibility</p:attrName>
+                                        </p:attrNameLst>
+                                      </p:cBhvr>
+                                      <p:to>
+                                        <p:strVal val="visible"/>
+                                      </p:to>
+                                    </p:set>
+                                  </p:childTnLst>
+                                </p:cTn>
+                              </p:par>
+                              <p:par>
+                                <p:cTn id="7" presetID="1" presetClass="entr" presetSubtype="0" fill="hold" grpId="0" nodeType="withEffect">
+                                  <p:stCondLst>
+                                    <p:cond delay="0"/>
+                                  </p:stCondLst>
+                                  <p:childTnLst>
+                                    <p:set>
+                                      <p:cBhvr>
+                                        <p:cTn id="8" dur="1" fill="hold">
+                                          <p:stCondLst>
+                                            <p:cond delay="0"/>
+                                          </p:stCondLst>
+                                        </p:cTn>
+                                        <p:tgtEl>
+                                          <p:spTgt spid="8"/>
+                                        </p:tgtEl>
+                                        <p:attrNameLst>
+                                          <p:attrName>style.visibility</p:attrName>
+                                        </p:attrNameLst>
+                                      </p:cBhvr>
+                                      <p:to>
+                                        <p:strVal val="visible"/>
+                                      </p:to>
+                                    </p:set>
+                                  </p:childTnLst>
+                                </p:cTn>
+                              </p:par>
+                            </p:childTnLst>
+                          </p:cTn>
+                        </p:par>
+                      </p:childTnLst>
+                    </p:cTn>
+                  </p:par>
+                  <p:par>
+                    <p:cTn id="9" fill="hold">
+                      <p:stCondLst>
+                        <p:cond delay="indefinite"/>
+                      </p:stCondLst>
+                      <p:childTnLst>
+                        <p:par>
+                          <p:cTn id="10" fill="hold">
+                            <p:stCondLst>
+                              <p:cond delay="0"/>
+                            </p:stCondLst>
+                            <p:childTnLst>
+                              <p:par>
+                                <p:cTn id="11" presetID="1" presetClass="entr" presetSubtype="0" fill="hold" nodeType="clickEffect">
+                                  <p:stCondLst>
+                                    <p:cond delay="0"/>
+                                  </p:stCondLst>
+                                  <p:childTnLst>
+                                    <p:set>
+                                      <p:cBhvr>
+                                        <p:cTn id="12" dur="1" fill="hold">
+                                          <p:stCondLst>
+                                            <p:cond delay="0"/>
+                                          </p:stCondLst>
+                                        </p:cTn>
+                                        <p:tgtEl>
+                                          <p:spTgt spid="9"/>
+                                        </p:tgtEl>
+                                        <p:attrNameLst>
+                                          <p:attrName>style.visibility</p:attrName>
+                                        </p:attrNameLst>
+                                      </p:cBhvr>
+                                      <p:to>
+                                        <p:strVal val="visible"/>
+                                      </p:to>
+                                    </p:set>
+                                  </p:childTnLst>
+                                </p:cTn>
+                              </p:par>
+                              <p:par>
+                                <p:cTn id="13" presetID="1" presetClass="entr" presetSubtype="0" fill="hold" grpId="0" nodeType="withEffect">
+                                  <p:stCondLst>
+                                    <p:cond delay="0"/>
+                                  </p:stCondLst>
+                                  <p:childTnLst>
+                                    <p:set>
+                                      <p:cBhvr>
+                                        <p:cTn id="14" dur="1" fill="hold">
+                                          <p:stCondLst>
+                                            <p:cond delay="0"/>
+                                          </p:stCondLst>
+                                        </p:cTn>
+                                        <p:tgtEl>
+                                          <p:spTgt spid="10"/>
+                                        </p:tgtEl>
+                                        <p:attrNameLst>
+                                          <p:attrName>style.visibility</p:attrName>
+                                        </p:attrNameLst>
+                                      </p:cBhvr>
+                                      <p:to>
+                                        <p:strVal val="visible"/>
+                                      </p:to>
+                                    </p:set>
+                                  </p:childTnLst>
+                                </p:cTn>
+                              </p:par>
+                            </p:childTnLst>
+                          </p:cTn>
+                        </p:par>
+                      </p:childTnLst>
+                    </p:cTn>
+                  </p:par>
+                  <p:par>
+                    <p:cTn id="15" fill="hold">
+                      <p:stCondLst>
+                        <p:cond delay="indefinite"/>
+                      </p:stCondLst>
+                      <p:childTnLst>
+                        <p:par>
+                          <p:cTn id="16" fill="hold">
+                            <p:stCondLst>
+                              <p:cond delay="0"/>
+                            </p:stCondLst>
+                            <p:childTnLst>
+                              <p:par>
+                                <p:cTn id="17" presetID="1" presetClass="entr" presetSubtype="0" fill="hold" nodeType="clickEffect">
+                                  <p:stCondLst>
+                                    <p:cond delay="0"/>
+                                  </p:stCondLst>
+                                  <p:childTnLst>
+                                    <p:set>
+                                      <p:cBhvr>
+                                        <p:cTn id="18" dur="1" fill="hold">
+                                          <p:stCondLst>
+                                            <p:cond delay="0"/>
+                                          </p:stCondLst>
+                                        </p:cTn>
+                                        <p:tgtEl>
+                                          <p:spTgt spid="11"/>
+                                        </p:tgtEl>
+                                        <p:attrNameLst>
+                                          <p:attrName>style.visibility</p:attrName>
+                                        </p:attrNameLst>
+                                      </p:cBhvr>
+                                      <p:to>
+                                        <p:strVal val="visible"/>
+                                      </p:to>
+                                    </p:set>
+                                  </p:childTnLst>
+                                </p:cTn>
+                              </p:par>
+                              <p:par>
+                                <p:cTn id="19" presetID="1" presetClass="entr" presetSubtype="0" fill="hold" grpId="0" nodeType="withEffect">
+                                  <p:stCondLst>
+                                    <p:cond delay="0"/>
+                                  </p:stCondLst>
+                                  <p:childTnLst>
+                                    <p:set>
+                                      <p:cBhvr>
+                                        <p:cTn id="20" dur="1" fill="hold">
+                                          <p:stCondLst>
+                                            <p:cond delay="0"/>
+                                          </p:stCondLst>
+                                        </p:cTn>
+                                        <p:tgtEl>
+                                          <p:spTgt spid="12"/>
+                                        </p:tgtEl>
+                                        <p:attrNameLst>
+                                          <p:attrName>style.visibility</p:attrName>
+                                        </p:attrNameLst>
+                                      </p:cBhvr>
+                                      <p:to>
+                                        <p:strVal val="visible"/>
+                                      </p:to>
+                                    </p:set>
+                                  </p:childTnLst>
+                                </p:cTn>
+                              </p:par>
+                            </p:childTnLst>
+                          </p:cTn>
+                        </p:par>
+                      </p:childTnLst>
+                    </p:cTn>
+                  </p:par>
+                  <p:par>
+                    <p:cTn id="21" fill="hold">
+                      <p:stCondLst>
+                        <p:cond delay="indefinite"/>
+                      </p:stCondLst>
+                      <p:childTnLst>
+                        <p:par>
+                          <p:cTn id="22" fill="hold">
+                            <p:stCondLst>
+                              <p:cond delay="0"/>
+                            </p:stCondLst>
+                            <p:childTnLst>
+                              <p:par>
+                                <p:cTn id="23" presetID="1" presetClass="entr" presetSubtype="0" fill="hold" nodeType="clickEffect">
+                                  <p:stCondLst>
+                                    <p:cond delay="0"/>
+                                  </p:stCondLst>
+                                  <p:childTnLst>
+                                    <p:set>
+                                      <p:cBhvr>
+                                        <p:cTn id="24" dur="1" fill="hold">
+                                          <p:stCondLst>
+                                            <p:cond delay="0"/>
+                                          </p:stCondLst>
+                                        </p:cTn>
+                                        <p:tgtEl>
+                                          <p:spTgt spid="13"/>
+                                        </p:tgtEl>
+                                        <p:attrNameLst>
+                                          <p:attrName>style.visibility</p:attrName>
+                                        </p:attrNameLst>
+                                      </p:cBhvr>
+                                      <p:to>
+                                        <p:strVal val="visible"/>
+                                      </p:to>
+                                    </p:set>
+                                  </p:childTnLst>
+                                </p:cTn>
+                              </p:par>
+                              <p:par>
+                                <p:cTn id="25" presetID="1" presetClass="entr" presetSubtype="0" fill="hold" grpId="0" nodeType="withEffect">
+                                  <p:stCondLst>
+                                    <p:cond delay="0"/>
+                                  </p:stCondLst>
+                                  <p:childTnLst>
+                                    <p:set>
+                                      <p:cBhvr>
+                                        <p:cTn id="26" dur="1" fill="hold">
+                                          <p:stCondLst>
+                                            <p:cond delay="0"/>
+                                          </p:stCondLst>
+                                        </p:cTn>
+                                        <p:tgtEl>
+                                          <p:spTgt spid="14"/>
+                                        </p:tgtEl>
+                                        <p:attrNameLst>
+                                          <p:attrName>style.visibility</p:attrName>
+                                        </p:attrNameLst>
+                                      </p:cBhvr>
+                                      <p:to>
+                                        <p:strVal val="visible"/>
+                                      </p:to>
+                                    </p:set>
+                                  </p:childTnLst>
+                                </p:cTn>
+                              </p:par>
+                            </p:childTnLst>
+                          </p:cTn>
+                        </p:par>
+                      </p:childTnLst>
+                    </p:cTn>
+                  </p:par>
+                </p:childTnLst>
+              </p:cTn>
+              <p:prevCondLst>
+                <p:cond evt="onPrev" delay="0">
+                  <p:tgtEl>
+                    <p:sldTgt/>
+                  </p:tgtEl>
+                </p:cond>
+              </p:prevCondLst>
+              <p:nextCondLst>
+                <p:cond evt="onNext" delay="0">
+                  <p:tgtEl>
+                    <p:sldTgt/>
+                  </p:tgtEl>
+                </p:cond>
+              </p:nextCondLst>
+            </p:seq>
+          </p:childTnLst>
+        </p:cTn>
       </p:par>
     </p:tnLst>
+    <p:bldLst>
+      <p:bldP spid="8" grpId="0"/>
+      <p:bldP spid="10" grpId="0"/>
+      <p:bldP spid="12" grpId="0"/>
+      <p:bldP spid="14" grpId="0"/>
+    </p:bldLst>
   </p:timing>
 </p:sld>
 </file>
@@ -13477,19 +15461,705 @@
             <a:r>
               <a:rPr lang="en-US" sz="8000" dirty="0" smtClean="0">
                 <a:solidFill>
-                  <a:schemeClr val="tx2">
-                    <a:lumMod val="60000"/>
-                    <a:lumOff val="40000"/>
+                  <a:schemeClr val="accent3">
+                    <a:lumMod val="75000"/>
                   </a:schemeClr>
                 </a:solidFill>
                 <a:latin typeface="Yanone Kaffeesatz Bold" pitchFamily="2" charset="0"/>
                 <a:cs typeface="Aharoni" pitchFamily="2" charset="-79"/>
               </a:rPr>
-              <a:t>Why now?</a:t>
+              <a:t>Recap - Clients</a:t>
             </a:r>
             <a:endParaRPr lang="en-US" sz="8000" dirty="0">
               <a:solidFill>
-                <a:srgbClr val="00B050"/>
+                <a:schemeClr val="accent3">
+                  <a:lumMod val="75000"/>
+                </a:schemeClr>
+              </a:solidFill>
+              <a:latin typeface="Yanone Kaffeesatz Bold" pitchFamily="2" charset="0"/>
+              <a:cs typeface="Aharoni" pitchFamily="2" charset="-79"/>
+            </a:endParaRPr>
+          </a:p>
+        </p:txBody>
+      </p:sp>
+      <p:sp>
+        <p:nvSpPr>
+          <p:cNvPr id="3" name="Subtitle 2"/>
+          <p:cNvSpPr>
+            <a:spLocks noGrp="1"/>
+          </p:cNvSpPr>
+          <p:nvPr>
+            <p:ph type="subTitle" idx="1"/>
+          </p:nvPr>
+        </p:nvSpPr>
+        <p:spPr>
+          <a:xfrm>
+            <a:off x="228600" y="1066800"/>
+            <a:ext cx="8763000" cy="5486400"/>
+          </a:xfrm>
+        </p:spPr>
+        <p:txBody>
+          <a:bodyPr>
+            <a:noAutofit/>
+          </a:bodyPr>
+          <a:lstStyle/>
+          <a:p>
+            <a:pPr marL="857250" indent="-857250" algn="l">
+              <a:buFont typeface="Arial" pitchFamily="34" charset="0"/>
+              <a:buChar char="•"/>
+            </a:pPr>
+            <a:r>
+              <a:rPr lang="en-US" sz="4000" dirty="0" smtClean="0">
+                <a:solidFill>
+                  <a:schemeClr val="tx1">
+                    <a:lumMod val="65000"/>
+                    <a:lumOff val="35000"/>
+                  </a:schemeClr>
+                </a:solidFill>
+                <a:latin typeface="Yanone Kaffeesatz Bold" pitchFamily="2" charset="0"/>
+              </a:rPr>
+              <a:t>.NET</a:t>
+            </a:r>
+          </a:p>
+          <a:p>
+            <a:pPr marL="857250" indent="-857250" algn="l">
+              <a:buFont typeface="Arial" pitchFamily="34" charset="0"/>
+              <a:buChar char="•"/>
+            </a:pPr>
+            <a:r>
+              <a:rPr lang="en-US" sz="4000" dirty="0" smtClean="0">
+                <a:solidFill>
+                  <a:schemeClr val="tx1">
+                    <a:lumMod val="65000"/>
+                    <a:lumOff val="35000"/>
+                  </a:schemeClr>
+                </a:solidFill>
+                <a:latin typeface="Yanone Kaffeesatz Bold" pitchFamily="2" charset="0"/>
+              </a:rPr>
+              <a:t>JavaScript</a:t>
+            </a:r>
+          </a:p>
+          <a:p>
+            <a:pPr marL="857250" indent="-857250" algn="l">
+              <a:buFont typeface="Arial" pitchFamily="34" charset="0"/>
+              <a:buChar char="•"/>
+            </a:pPr>
+            <a:r>
+              <a:rPr lang="en-US" sz="4000" dirty="0" smtClean="0">
+                <a:solidFill>
+                  <a:schemeClr val="tx1">
+                    <a:lumMod val="65000"/>
+                    <a:lumOff val="35000"/>
+                  </a:schemeClr>
+                </a:solidFill>
+                <a:latin typeface="Yanone Kaffeesatz Bold" pitchFamily="2" charset="0"/>
+              </a:rPr>
+              <a:t>WPF</a:t>
+            </a:r>
+          </a:p>
+          <a:p>
+            <a:pPr marL="857250" indent="-857250" algn="l">
+              <a:buFont typeface="Arial" pitchFamily="34" charset="0"/>
+              <a:buChar char="•"/>
+            </a:pPr>
+            <a:r>
+              <a:rPr lang="en-US" sz="4000" dirty="0" smtClean="0">
+                <a:solidFill>
+                  <a:schemeClr val="tx1">
+                    <a:lumMod val="65000"/>
+                    <a:lumOff val="35000"/>
+                  </a:schemeClr>
+                </a:solidFill>
+                <a:latin typeface="Yanone Kaffeesatz Bold" pitchFamily="2" charset="0"/>
+              </a:rPr>
+              <a:t>Silverlight</a:t>
+            </a:r>
+          </a:p>
+          <a:p>
+            <a:pPr marL="857250" indent="-857250" algn="l">
+              <a:buFont typeface="Arial" pitchFamily="34" charset="0"/>
+              <a:buChar char="•"/>
+            </a:pPr>
+            <a:r>
+              <a:rPr lang="en-US" sz="4000" dirty="0" err="1" smtClean="0">
+                <a:solidFill>
+                  <a:schemeClr val="tx1">
+                    <a:lumMod val="65000"/>
+                    <a:lumOff val="35000"/>
+                  </a:schemeClr>
+                </a:solidFill>
+                <a:latin typeface="Yanone Kaffeesatz Bold" pitchFamily="2" charset="0"/>
+              </a:rPr>
+              <a:t>WinRT</a:t>
+            </a:r>
+            <a:endParaRPr lang="en-US" sz="4000" dirty="0" smtClean="0">
+              <a:solidFill>
+                <a:schemeClr val="tx1">
+                  <a:lumMod val="65000"/>
+                  <a:lumOff val="35000"/>
+                </a:schemeClr>
+              </a:solidFill>
+              <a:latin typeface="Yanone Kaffeesatz Bold" pitchFamily="2" charset="0"/>
+            </a:endParaRPr>
+          </a:p>
+          <a:p>
+            <a:pPr marL="857250" indent="-857250" algn="l">
+              <a:buFont typeface="Arial" pitchFamily="34" charset="0"/>
+              <a:buChar char="•"/>
+            </a:pPr>
+            <a:r>
+              <a:rPr lang="en-US" sz="4000" dirty="0" smtClean="0">
+                <a:solidFill>
+                  <a:schemeClr val="tx1">
+                    <a:lumMod val="65000"/>
+                    <a:lumOff val="35000"/>
+                  </a:schemeClr>
+                </a:solidFill>
+                <a:latin typeface="Yanone Kaffeesatz Bold" pitchFamily="2" charset="0"/>
+              </a:rPr>
+              <a:t>Objective-C</a:t>
+            </a:r>
+            <a:r>
+              <a:rPr lang="en-US" sz="4000" dirty="0">
+                <a:solidFill>
+                  <a:schemeClr val="tx1">
+                    <a:lumMod val="50000"/>
+                    <a:lumOff val="50000"/>
+                  </a:schemeClr>
+                </a:solidFill>
+                <a:latin typeface="Yanone Kaffeesatz Bold" pitchFamily="2" charset="0"/>
+              </a:rPr>
+              <a:t/>
+            </a:r>
+            <a:br>
+              <a:rPr lang="en-US" sz="4000" dirty="0">
+                <a:solidFill>
+                  <a:schemeClr val="tx1">
+                    <a:lumMod val="50000"/>
+                    <a:lumOff val="50000"/>
+                  </a:schemeClr>
+                </a:solidFill>
+                <a:latin typeface="Yanone Kaffeesatz Bold" pitchFamily="2" charset="0"/>
+              </a:rPr>
+            </a:br>
+            <a:endParaRPr lang="en-US" sz="4000" dirty="0" smtClean="0">
+              <a:solidFill>
+                <a:schemeClr val="tx1">
+                  <a:lumMod val="50000"/>
+                  <a:lumOff val="50000"/>
+                </a:schemeClr>
+              </a:solidFill>
+              <a:latin typeface="Yanone Kaffeesatz Bold" pitchFamily="2" charset="0"/>
+            </a:endParaRPr>
+          </a:p>
+          <a:p>
+            <a:pPr marL="857250" indent="-857250" algn="l">
+              <a:buFont typeface="Arial" pitchFamily="34" charset="0"/>
+              <a:buChar char="•"/>
+            </a:pPr>
+            <a:endParaRPr lang="en-US" sz="5000" dirty="0" smtClean="0">
+              <a:solidFill>
+                <a:schemeClr val="tx1">
+                  <a:lumMod val="50000"/>
+                  <a:lumOff val="50000"/>
+                </a:schemeClr>
+              </a:solidFill>
+              <a:latin typeface="Yanone Kaffeesatz Bold" pitchFamily="2" charset="0"/>
+            </a:endParaRPr>
+          </a:p>
+          <a:p>
+            <a:pPr marL="857250" indent="-857250" algn="l">
+              <a:buFont typeface="Arial" pitchFamily="34" charset="0"/>
+              <a:buChar char="•"/>
+            </a:pPr>
+            <a:endParaRPr lang="en-US" sz="5000" dirty="0">
+              <a:solidFill>
+                <a:schemeClr val="tx1">
+                  <a:lumMod val="50000"/>
+                  <a:lumOff val="50000"/>
+                </a:schemeClr>
+              </a:solidFill>
+              <a:latin typeface="Yanone Kaffeesatz Bold" pitchFamily="2" charset="0"/>
+            </a:endParaRPr>
+          </a:p>
+        </p:txBody>
+      </p:sp>
+    </p:spTree>
+    <p:extLst>
+      <p:ext uri="{BB962C8B-B14F-4D97-AF65-F5344CB8AC3E}">
+        <p14:creationId xmlns:p14="http://schemas.microsoft.com/office/powerpoint/2010/main" val="2470649548"/>
+      </p:ext>
+    </p:extLst>
+  </p:cSld>
+  <p:clrMapOvr>
+    <a:masterClrMapping/>
+  </p:clrMapOvr>
+  <p:timing>
+    <p:tnLst>
+      <p:par>
+        <p:cTn id="1" dur="indefinite" restart="never" nodeType="tmRoot"/>
+      </p:par>
+    </p:tnLst>
+  </p:timing>
+</p:sld>
+</file>
+
+<file path=ppt/slides/slide3.xml><?xml version="1.0" encoding="utf-8"?>
+<p:sld xmlns:a="http://schemas.openxmlformats.org/drawingml/2006/main" xmlns:r="http://schemas.openxmlformats.org/officeDocument/2006/relationships" xmlns:p="http://schemas.openxmlformats.org/presentationml/2006/main">
+  <p:cSld>
+    <p:bg>
+      <p:bgPr>
+        <a:solidFill>
+          <a:schemeClr val="tx2">
+            <a:lumMod val="60000"/>
+            <a:lumOff val="40000"/>
+          </a:schemeClr>
+        </a:solidFill>
+        <a:effectLst/>
+      </p:bgPr>
+    </p:bg>
+    <p:spTree>
+      <p:nvGrpSpPr>
+        <p:cNvPr id="1" name=""/>
+        <p:cNvGrpSpPr/>
+        <p:nvPr/>
+      </p:nvGrpSpPr>
+      <p:grpSpPr>
+        <a:xfrm>
+          <a:off x="0" y="0"/>
+          <a:ext cx="0" cy="0"/>
+          <a:chOff x="0" y="0"/>
+          <a:chExt cx="0" cy="0"/>
+        </a:xfrm>
+      </p:grpSpPr>
+      <p:sp>
+        <p:nvSpPr>
+          <p:cNvPr id="2" name="Title 1"/>
+          <p:cNvSpPr>
+            <a:spLocks noGrp="1"/>
+          </p:cNvSpPr>
+          <p:nvPr>
+            <p:ph type="ctrTitle"/>
+          </p:nvPr>
+        </p:nvSpPr>
+        <p:spPr>
+          <a:xfrm>
+            <a:off x="381000" y="2667000"/>
+            <a:ext cx="8382000" cy="1470025"/>
+          </a:xfrm>
+          <a:ln>
+            <a:noFill/>
+          </a:ln>
+        </p:spPr>
+        <p:txBody>
+          <a:bodyPr>
+            <a:noAutofit/>
+          </a:bodyPr>
+          <a:lstStyle/>
+          <a:p>
+            <a:r>
+              <a:rPr lang="en-US" sz="13000" dirty="0" smtClean="0">
+                <a:solidFill>
+                  <a:srgbClr val="F0F2EB"/>
+                </a:solidFill>
+                <a:latin typeface="Yanone Kaffeesatz Bold" pitchFamily="2" charset="0"/>
+                <a:cs typeface="Aharoni" pitchFamily="2" charset="-79"/>
+              </a:rPr>
+              <a:t>WHY DO WE CARE?</a:t>
+            </a:r>
+            <a:endParaRPr lang="en-US" sz="13000" dirty="0">
+              <a:solidFill>
+                <a:srgbClr val="F0F2EB"/>
+              </a:solidFill>
+              <a:latin typeface="Yanone Kaffeesatz Bold" pitchFamily="2" charset="0"/>
+              <a:cs typeface="Aharoni" pitchFamily="2" charset="-79"/>
+            </a:endParaRPr>
+          </a:p>
+        </p:txBody>
+      </p:sp>
+    </p:spTree>
+    <p:extLst>
+      <p:ext uri="{BB962C8B-B14F-4D97-AF65-F5344CB8AC3E}">
+        <p14:creationId xmlns:p14="http://schemas.microsoft.com/office/powerpoint/2010/main" val="600552318"/>
+      </p:ext>
+    </p:extLst>
+  </p:cSld>
+  <p:clrMapOvr>
+    <a:masterClrMapping/>
+  </p:clrMapOvr>
+  <p:timing>
+    <p:tnLst>
+      <p:par>
+        <p:cTn id="1" dur="indefinite" restart="never" nodeType="tmRoot"/>
+      </p:par>
+    </p:tnLst>
+  </p:timing>
+</p:sld>
+</file>
+
+<file path=ppt/slides/slide30.xml><?xml version="1.0" encoding="utf-8"?>
+<p:sld xmlns:a="http://schemas.openxmlformats.org/drawingml/2006/main" xmlns:r="http://schemas.openxmlformats.org/officeDocument/2006/relationships" xmlns:p="http://schemas.openxmlformats.org/presentationml/2006/main">
+  <p:cSld>
+    <p:spTree>
+      <p:nvGrpSpPr>
+        <p:cNvPr id="1" name=""/>
+        <p:cNvGrpSpPr/>
+        <p:nvPr/>
+      </p:nvGrpSpPr>
+      <p:grpSpPr>
+        <a:xfrm>
+          <a:off x="0" y="0"/>
+          <a:ext cx="0" cy="0"/>
+          <a:chOff x="0" y="0"/>
+          <a:chExt cx="0" cy="0"/>
+        </a:xfrm>
+      </p:grpSpPr>
+      <p:sp>
+        <p:nvSpPr>
+          <p:cNvPr id="2" name="Title 1"/>
+          <p:cNvSpPr>
+            <a:spLocks noGrp="1"/>
+          </p:cNvSpPr>
+          <p:nvPr>
+            <p:ph type="ctrTitle"/>
+          </p:nvPr>
+        </p:nvSpPr>
+        <p:spPr>
+          <a:xfrm>
+            <a:off x="76200" y="-228600"/>
+            <a:ext cx="7772400" cy="1470025"/>
+          </a:xfrm>
+          <a:ln>
+            <a:noFill/>
+          </a:ln>
+        </p:spPr>
+        <p:txBody>
+          <a:bodyPr>
+            <a:noAutofit/>
+          </a:bodyPr>
+          <a:lstStyle/>
+          <a:p>
+            <a:pPr algn="l"/>
+            <a:r>
+              <a:rPr lang="en-US" sz="8000" dirty="0" smtClean="0">
+                <a:solidFill>
+                  <a:schemeClr val="accent3">
+                    <a:lumMod val="75000"/>
+                  </a:schemeClr>
+                </a:solidFill>
+                <a:latin typeface="Yanone Kaffeesatz Bold" pitchFamily="2" charset="0"/>
+                <a:cs typeface="Aharoni" pitchFamily="2" charset="-79"/>
+              </a:rPr>
+              <a:t>Not Discussed</a:t>
+            </a:r>
+            <a:endParaRPr lang="en-US" sz="8000" dirty="0">
+              <a:solidFill>
+                <a:schemeClr val="accent3">
+                  <a:lumMod val="75000"/>
+                </a:schemeClr>
+              </a:solidFill>
+              <a:latin typeface="Yanone Kaffeesatz Bold" pitchFamily="2" charset="0"/>
+              <a:cs typeface="Aharoni" pitchFamily="2" charset="-79"/>
+            </a:endParaRPr>
+          </a:p>
+        </p:txBody>
+      </p:sp>
+      <p:sp>
+        <p:nvSpPr>
+          <p:cNvPr id="3" name="Subtitle 2"/>
+          <p:cNvSpPr>
+            <a:spLocks noGrp="1"/>
+          </p:cNvSpPr>
+          <p:nvPr>
+            <p:ph type="subTitle" idx="1"/>
+          </p:nvPr>
+        </p:nvSpPr>
+        <p:spPr>
+          <a:xfrm>
+            <a:off x="228600" y="1066800"/>
+            <a:ext cx="8763000" cy="5486400"/>
+          </a:xfrm>
+        </p:spPr>
+        <p:txBody>
+          <a:bodyPr>
+            <a:noAutofit/>
+          </a:bodyPr>
+          <a:lstStyle/>
+          <a:p>
+            <a:pPr marL="857250" indent="-857250" algn="l">
+              <a:buFont typeface="Arial" pitchFamily="34" charset="0"/>
+              <a:buChar char="•"/>
+            </a:pPr>
+            <a:r>
+              <a:rPr lang="en-US" sz="4000" dirty="0" smtClean="0">
+                <a:solidFill>
+                  <a:schemeClr val="tx1">
+                    <a:lumMod val="65000"/>
+                    <a:lumOff val="35000"/>
+                  </a:schemeClr>
+                </a:solidFill>
+                <a:latin typeface="Yanone Kaffeesatz Bold" pitchFamily="2" charset="0"/>
+              </a:rPr>
+              <a:t>Group Management</a:t>
+            </a:r>
+            <a:br>
+              <a:rPr lang="en-US" sz="4000" dirty="0" smtClean="0">
+                <a:solidFill>
+                  <a:schemeClr val="tx1">
+                    <a:lumMod val="65000"/>
+                    <a:lumOff val="35000"/>
+                  </a:schemeClr>
+                </a:solidFill>
+                <a:latin typeface="Yanone Kaffeesatz Bold" pitchFamily="2" charset="0"/>
+              </a:rPr>
+            </a:br>
+            <a:endParaRPr lang="en-US" sz="4000" dirty="0" smtClean="0">
+              <a:solidFill>
+                <a:schemeClr val="tx1">
+                  <a:lumMod val="65000"/>
+                  <a:lumOff val="35000"/>
+                </a:schemeClr>
+              </a:solidFill>
+              <a:latin typeface="Yanone Kaffeesatz Bold" pitchFamily="2" charset="0"/>
+            </a:endParaRPr>
+          </a:p>
+          <a:p>
+            <a:pPr marL="857250" indent="-857250" algn="l">
+              <a:buFont typeface="Arial" pitchFamily="34" charset="0"/>
+              <a:buChar char="•"/>
+            </a:pPr>
+            <a:r>
+              <a:rPr lang="en-US" sz="4000" dirty="0" smtClean="0">
+                <a:solidFill>
+                  <a:schemeClr val="tx1">
+                    <a:lumMod val="65000"/>
+                    <a:lumOff val="35000"/>
+                  </a:schemeClr>
+                </a:solidFill>
+                <a:latin typeface="Yanone Kaffeesatz Bold" pitchFamily="2" charset="0"/>
+              </a:rPr>
+              <a:t>Scale Out</a:t>
+            </a:r>
+          </a:p>
+          <a:p>
+            <a:pPr marL="857250" indent="-857250" algn="l">
+              <a:buFont typeface="Arial" pitchFamily="34" charset="0"/>
+              <a:buChar char="•"/>
+            </a:pPr>
+            <a:endParaRPr lang="en-US" sz="4000" dirty="0">
+              <a:solidFill>
+                <a:schemeClr val="tx1">
+                  <a:lumMod val="65000"/>
+                  <a:lumOff val="35000"/>
+                </a:schemeClr>
+              </a:solidFill>
+              <a:latin typeface="Yanone Kaffeesatz Bold" pitchFamily="2" charset="0"/>
+            </a:endParaRPr>
+          </a:p>
+          <a:p>
+            <a:pPr marL="857250" indent="-857250" algn="l">
+              <a:buFont typeface="Arial" pitchFamily="34" charset="0"/>
+              <a:buChar char="•"/>
+            </a:pPr>
+            <a:r>
+              <a:rPr lang="en-US" sz="4000" dirty="0" smtClean="0">
+                <a:solidFill>
+                  <a:schemeClr val="tx1">
+                    <a:lumMod val="65000"/>
+                    <a:lumOff val="35000"/>
+                  </a:schemeClr>
+                </a:solidFill>
+                <a:latin typeface="Yanone Kaffeesatz Bold" pitchFamily="2" charset="0"/>
+              </a:rPr>
+              <a:t>Hosting</a:t>
+            </a:r>
+          </a:p>
+          <a:p>
+            <a:pPr algn="l"/>
+            <a:endParaRPr lang="en-US" sz="4000" dirty="0" smtClean="0">
+              <a:solidFill>
+                <a:schemeClr val="tx1">
+                  <a:lumMod val="65000"/>
+                  <a:lumOff val="35000"/>
+                </a:schemeClr>
+              </a:solidFill>
+              <a:latin typeface="Yanone Kaffeesatz Bold" pitchFamily="2" charset="0"/>
+            </a:endParaRPr>
+          </a:p>
+          <a:p>
+            <a:pPr marL="857250" indent="-857250" algn="l">
+              <a:buFont typeface="Arial" pitchFamily="34" charset="0"/>
+              <a:buChar char="•"/>
+            </a:pPr>
+            <a:r>
+              <a:rPr lang="en-US" sz="4000" dirty="0" smtClean="0">
+                <a:solidFill>
+                  <a:schemeClr val="tx1">
+                    <a:lumMod val="65000"/>
+                    <a:lumOff val="35000"/>
+                  </a:schemeClr>
+                </a:solidFill>
+                <a:latin typeface="Yanone Kaffeesatz Bold" pitchFamily="2" charset="0"/>
+              </a:rPr>
+              <a:t>Performance</a:t>
+            </a:r>
+            <a:r>
+              <a:rPr lang="en-US" sz="4000" dirty="0">
+                <a:solidFill>
+                  <a:schemeClr val="tx1">
+                    <a:lumMod val="50000"/>
+                    <a:lumOff val="50000"/>
+                  </a:schemeClr>
+                </a:solidFill>
+                <a:latin typeface="Yanone Kaffeesatz Bold" pitchFamily="2" charset="0"/>
+              </a:rPr>
+              <a:t/>
+            </a:r>
+            <a:br>
+              <a:rPr lang="en-US" sz="4000" dirty="0">
+                <a:solidFill>
+                  <a:schemeClr val="tx1">
+                    <a:lumMod val="50000"/>
+                    <a:lumOff val="50000"/>
+                  </a:schemeClr>
+                </a:solidFill>
+                <a:latin typeface="Yanone Kaffeesatz Bold" pitchFamily="2" charset="0"/>
+              </a:rPr>
+            </a:br>
+            <a:endParaRPr lang="en-US" sz="4000" dirty="0" smtClean="0">
+              <a:solidFill>
+                <a:schemeClr val="tx1">
+                  <a:lumMod val="50000"/>
+                  <a:lumOff val="50000"/>
+                </a:schemeClr>
+              </a:solidFill>
+              <a:latin typeface="Yanone Kaffeesatz Bold" pitchFamily="2" charset="0"/>
+            </a:endParaRPr>
+          </a:p>
+          <a:p>
+            <a:pPr marL="857250" indent="-857250" algn="l">
+              <a:buFont typeface="Arial" pitchFamily="34" charset="0"/>
+              <a:buChar char="•"/>
+            </a:pPr>
+            <a:endParaRPr lang="en-US" sz="5000" dirty="0" smtClean="0">
+              <a:solidFill>
+                <a:schemeClr val="tx1">
+                  <a:lumMod val="50000"/>
+                  <a:lumOff val="50000"/>
+                </a:schemeClr>
+              </a:solidFill>
+              <a:latin typeface="Yanone Kaffeesatz Bold" pitchFamily="2" charset="0"/>
+            </a:endParaRPr>
+          </a:p>
+          <a:p>
+            <a:pPr marL="857250" indent="-857250" algn="l">
+              <a:buFont typeface="Arial" pitchFamily="34" charset="0"/>
+              <a:buChar char="•"/>
+            </a:pPr>
+            <a:endParaRPr lang="en-US" sz="5000" dirty="0">
+              <a:solidFill>
+                <a:schemeClr val="tx1">
+                  <a:lumMod val="50000"/>
+                  <a:lumOff val="50000"/>
+                </a:schemeClr>
+              </a:solidFill>
+              <a:latin typeface="Yanone Kaffeesatz Bold" pitchFamily="2" charset="0"/>
+            </a:endParaRPr>
+          </a:p>
+        </p:txBody>
+      </p:sp>
+    </p:spTree>
+    <p:extLst>
+      <p:ext uri="{BB962C8B-B14F-4D97-AF65-F5344CB8AC3E}">
+        <p14:creationId xmlns:p14="http://schemas.microsoft.com/office/powerpoint/2010/main" val="3967771580"/>
+      </p:ext>
+    </p:extLst>
+  </p:cSld>
+  <p:clrMapOvr>
+    <a:masterClrMapping/>
+  </p:clrMapOvr>
+  <p:timing>
+    <p:tnLst>
+      <p:par>
+        <p:cTn id="1" dur="indefinite" restart="never" nodeType="tmRoot"/>
+      </p:par>
+    </p:tnLst>
+  </p:timing>
+</p:sld>
+</file>
+
+<file path=ppt/slides/slide31.xml><?xml version="1.0" encoding="utf-8"?>
+<p:sld xmlns:a="http://schemas.openxmlformats.org/drawingml/2006/main" xmlns:r="http://schemas.openxmlformats.org/officeDocument/2006/relationships" xmlns:p="http://schemas.openxmlformats.org/presentationml/2006/main">
+  <p:cSld>
+    <p:spTree>
+      <p:nvGrpSpPr>
+        <p:cNvPr id="1" name=""/>
+        <p:cNvGrpSpPr/>
+        <p:nvPr/>
+      </p:nvGrpSpPr>
+      <p:grpSpPr>
+        <a:xfrm>
+          <a:off x="0" y="0"/>
+          <a:ext cx="0" cy="0"/>
+          <a:chOff x="0" y="0"/>
+          <a:chExt cx="0" cy="0"/>
+        </a:xfrm>
+      </p:grpSpPr>
+      <p:sp>
+        <p:nvSpPr>
+          <p:cNvPr id="2" name="Title 1"/>
+          <p:cNvSpPr>
+            <a:spLocks noGrp="1"/>
+          </p:cNvSpPr>
+          <p:nvPr>
+            <p:ph type="ctrTitle"/>
+          </p:nvPr>
+        </p:nvSpPr>
+        <p:spPr>
+          <a:xfrm>
+            <a:off x="76200" y="-228600"/>
+            <a:ext cx="7772400" cy="1470025"/>
+          </a:xfrm>
+          <a:ln>
+            <a:noFill/>
+          </a:ln>
+        </p:spPr>
+        <p:txBody>
+          <a:bodyPr>
+            <a:noAutofit/>
+          </a:bodyPr>
+          <a:lstStyle/>
+          <a:p>
+            <a:pPr algn="l"/>
+            <a:r>
+              <a:rPr lang="en-US" sz="8000" dirty="0" smtClean="0">
+                <a:solidFill>
+                  <a:schemeClr val="accent3">
+                    <a:lumMod val="75000"/>
+                  </a:schemeClr>
+                </a:solidFill>
+                <a:latin typeface="Yanone Kaffeesatz Bold" pitchFamily="2" charset="0"/>
+                <a:cs typeface="Aharoni" pitchFamily="2" charset="-79"/>
+              </a:rPr>
+              <a:t>Why </a:t>
+            </a:r>
+            <a:r>
+              <a:rPr lang="en-US" sz="8000" dirty="0" smtClean="0">
+                <a:solidFill>
+                  <a:schemeClr val="accent3">
+                    <a:lumMod val="75000"/>
+                  </a:schemeClr>
+                </a:solidFill>
+                <a:latin typeface="Yanone Kaffeesatz Bold" pitchFamily="2" charset="0"/>
+                <a:cs typeface="Aharoni" pitchFamily="2" charset="-79"/>
+              </a:rPr>
+              <a:t>now?</a:t>
+            </a:r>
+            <a:endParaRPr lang="en-US" sz="8000" dirty="0">
+              <a:solidFill>
+                <a:schemeClr val="accent3">
+                  <a:lumMod val="75000"/>
+                </a:schemeClr>
               </a:solidFill>
               <a:latin typeface="Yanone Kaffeesatz Bold" pitchFamily="2" charset="0"/>
               <a:cs typeface="Aharoni" pitchFamily="2" charset="-79"/>
@@ -13878,100 +16548,7 @@
 </p:sld>
 </file>
 
-<file path=ppt/slides/slide3.xml><?xml version="1.0" encoding="utf-8"?>
-<p:sld xmlns:a="http://schemas.openxmlformats.org/drawingml/2006/main" xmlns:r="http://schemas.openxmlformats.org/officeDocument/2006/relationships" xmlns:p="http://schemas.openxmlformats.org/presentationml/2006/main">
-  <p:cSld>
-    <p:bg>
-      <p:bgPr>
-        <a:solidFill>
-          <a:schemeClr val="tx2">
-            <a:lumMod val="60000"/>
-            <a:lumOff val="40000"/>
-          </a:schemeClr>
-        </a:solidFill>
-        <a:effectLst/>
-      </p:bgPr>
-    </p:bg>
-    <p:spTree>
-      <p:nvGrpSpPr>
-        <p:cNvPr id="1" name=""/>
-        <p:cNvGrpSpPr/>
-        <p:nvPr/>
-      </p:nvGrpSpPr>
-      <p:grpSpPr>
-        <a:xfrm>
-          <a:off x="0" y="0"/>
-          <a:ext cx="0" cy="0"/>
-          <a:chOff x="0" y="0"/>
-          <a:chExt cx="0" cy="0"/>
-        </a:xfrm>
-      </p:grpSpPr>
-      <p:sp>
-        <p:nvSpPr>
-          <p:cNvPr id="2" name="Title 1"/>
-          <p:cNvSpPr>
-            <a:spLocks noGrp="1"/>
-          </p:cNvSpPr>
-          <p:nvPr>
-            <p:ph type="ctrTitle"/>
-          </p:nvPr>
-        </p:nvSpPr>
-        <p:spPr>
-          <a:xfrm>
-            <a:off x="381000" y="2667000"/>
-            <a:ext cx="8382000" cy="1470025"/>
-          </a:xfrm>
-          <a:ln>
-            <a:noFill/>
-          </a:ln>
-        </p:spPr>
-        <p:txBody>
-          <a:bodyPr>
-            <a:noAutofit/>
-          </a:bodyPr>
-          <a:lstStyle/>
-          <a:p>
-            <a:r>
-              <a:rPr lang="en-US" sz="13000" dirty="0" smtClean="0">
-                <a:solidFill>
-                  <a:srgbClr val="F0F2EB"/>
-                </a:solidFill>
-                <a:latin typeface="Yanone Kaffeesatz Bold" pitchFamily="2" charset="0"/>
-                <a:cs typeface="Aharoni" pitchFamily="2" charset="-79"/>
-              </a:rPr>
-              <a:t>WHY DO WE CARE?</a:t>
-            </a:r>
-            <a:endParaRPr lang="en-US" sz="13000" dirty="0">
-              <a:solidFill>
-                <a:srgbClr val="F0F2EB"/>
-              </a:solidFill>
-              <a:latin typeface="Yanone Kaffeesatz Bold" pitchFamily="2" charset="0"/>
-              <a:cs typeface="Aharoni" pitchFamily="2" charset="-79"/>
-            </a:endParaRPr>
-          </a:p>
-        </p:txBody>
-      </p:sp>
-    </p:spTree>
-    <p:extLst>
-      <p:ext uri="{BB962C8B-B14F-4D97-AF65-F5344CB8AC3E}">
-        <p14:creationId xmlns:p14="http://schemas.microsoft.com/office/powerpoint/2010/main" val="600552318"/>
-      </p:ext>
-    </p:extLst>
-  </p:cSld>
-  <p:clrMapOvr>
-    <a:masterClrMapping/>
-  </p:clrMapOvr>
-  <p:timing>
-    <p:tnLst>
-      <p:par>
-        <p:cTn id="1" dur="indefinite" restart="never" nodeType="tmRoot"/>
-      </p:par>
-    </p:tnLst>
-  </p:timing>
-</p:sld>
-</file>
-
-<file path=ppt/slides/slide30.xml><?xml version="1.0" encoding="utf-8"?>
+<file path=ppt/slides/slide32.xml><?xml version="1.0" encoding="utf-8"?>
 <p:sld xmlns:a="http://schemas.openxmlformats.org/drawingml/2006/main" xmlns:r="http://schemas.openxmlformats.org/officeDocument/2006/relationships" xmlns:p="http://schemas.openxmlformats.org/presentationml/2006/main">
   <p:cSld>
     <p:spTree>
@@ -14017,9 +16594,8 @@
             <a:r>
               <a:rPr lang="en-US" sz="8000" dirty="0" smtClean="0">
                 <a:solidFill>
-                  <a:schemeClr val="tx2">
-                    <a:lumMod val="60000"/>
-                    <a:lumOff val="40000"/>
+                  <a:schemeClr val="accent3">
+                    <a:lumMod val="75000"/>
                   </a:schemeClr>
                 </a:solidFill>
                 <a:latin typeface="Yanone Kaffeesatz Bold" pitchFamily="2" charset="0"/>
@@ -14029,9 +16605,8 @@
             </a:r>
             <a:endParaRPr lang="en-US" sz="8000" dirty="0">
               <a:solidFill>
-                <a:schemeClr val="tx2">
-                  <a:lumMod val="60000"/>
-                  <a:lumOff val="40000"/>
+                <a:schemeClr val="accent3">
+                  <a:lumMod val="75000"/>
                 </a:schemeClr>
               </a:solidFill>
               <a:latin typeface="Yanone Kaffeesatz Bold" pitchFamily="2" charset="0"/>
@@ -14199,337 +16774,6 @@
     <p:extLst>
       <p:ext uri="{BB962C8B-B14F-4D97-AF65-F5344CB8AC3E}">
         <p14:creationId xmlns:p14="http://schemas.microsoft.com/office/powerpoint/2010/main" val="4196917502"/>
-      </p:ext>
-    </p:extLst>
-  </p:cSld>
-  <p:clrMapOvr>
-    <a:masterClrMapping/>
-  </p:clrMapOvr>
-  <p:timing>
-    <p:tnLst>
-      <p:par>
-        <p:cTn id="1" dur="indefinite" restart="never" nodeType="tmRoot"/>
-      </p:par>
-    </p:tnLst>
-  </p:timing>
-</p:sld>
-</file>
-
-<file path=ppt/slides/slide31.xml><?xml version="1.0" encoding="utf-8"?>
-<p:sld xmlns:a="http://schemas.openxmlformats.org/drawingml/2006/main" xmlns:r="http://schemas.openxmlformats.org/officeDocument/2006/relationships" xmlns:p="http://schemas.openxmlformats.org/presentationml/2006/main">
-  <p:cSld>
-    <p:spTree>
-      <p:nvGrpSpPr>
-        <p:cNvPr id="1" name=""/>
-        <p:cNvGrpSpPr/>
-        <p:nvPr/>
-      </p:nvGrpSpPr>
-      <p:grpSpPr>
-        <a:xfrm>
-          <a:off x="0" y="0"/>
-          <a:ext cx="0" cy="0"/>
-          <a:chOff x="0" y="0"/>
-          <a:chExt cx="0" cy="0"/>
-        </a:xfrm>
-      </p:grpSpPr>
-      <p:sp>
-        <p:nvSpPr>
-          <p:cNvPr id="2" name="Title 1"/>
-          <p:cNvSpPr>
-            <a:spLocks noGrp="1"/>
-          </p:cNvSpPr>
-          <p:nvPr>
-            <p:ph type="ctrTitle"/>
-          </p:nvPr>
-        </p:nvSpPr>
-        <p:spPr>
-          <a:xfrm>
-            <a:off x="76200" y="-228600"/>
-            <a:ext cx="7772400" cy="1470025"/>
-          </a:xfrm>
-          <a:ln>
-            <a:noFill/>
-          </a:ln>
-        </p:spPr>
-        <p:txBody>
-          <a:bodyPr>
-            <a:noAutofit/>
-          </a:bodyPr>
-          <a:lstStyle/>
-          <a:p>
-            <a:pPr algn="l"/>
-            <a:r>
-              <a:rPr lang="en-US" sz="8000" dirty="0" smtClean="0">
-                <a:solidFill>
-                  <a:schemeClr val="tx2">
-                    <a:lumMod val="60000"/>
-                    <a:lumOff val="40000"/>
-                  </a:schemeClr>
-                </a:solidFill>
-                <a:latin typeface="Yanone Kaffeesatz Bold" pitchFamily="2" charset="0"/>
-                <a:cs typeface="Aharoni" pitchFamily="2" charset="-79"/>
-              </a:rPr>
-              <a:t>Resources</a:t>
-            </a:r>
-            <a:endParaRPr lang="en-US" sz="8000" dirty="0">
-              <a:solidFill>
-                <a:schemeClr val="tx2">
-                  <a:lumMod val="60000"/>
-                  <a:lumOff val="40000"/>
-                </a:schemeClr>
-              </a:solidFill>
-              <a:latin typeface="Yanone Kaffeesatz Bold" pitchFamily="2" charset="0"/>
-              <a:cs typeface="Aharoni" pitchFamily="2" charset="-79"/>
-            </a:endParaRPr>
-          </a:p>
-        </p:txBody>
-      </p:sp>
-      <p:sp>
-        <p:nvSpPr>
-          <p:cNvPr id="3" name="Subtitle 2"/>
-          <p:cNvSpPr>
-            <a:spLocks noGrp="1"/>
-          </p:cNvSpPr>
-          <p:nvPr>
-            <p:ph type="subTitle" idx="1"/>
-          </p:nvPr>
-        </p:nvSpPr>
-        <p:spPr>
-          <a:xfrm>
-            <a:off x="228600" y="1066800"/>
-            <a:ext cx="8763000" cy="5486400"/>
-          </a:xfrm>
-        </p:spPr>
-        <p:txBody>
-          <a:bodyPr>
-            <a:noAutofit/>
-          </a:bodyPr>
-          <a:lstStyle/>
-          <a:p>
-            <a:pPr marL="857250" indent="-857250" algn="l">
-              <a:buFont typeface="Arial" pitchFamily="34" charset="0"/>
-              <a:buChar char="•"/>
-            </a:pPr>
-            <a:r>
-              <a:rPr lang="en-US" sz="4800" dirty="0" err="1" smtClean="0">
-                <a:solidFill>
-                  <a:schemeClr val="tx1">
-                    <a:lumMod val="65000"/>
-                    <a:lumOff val="35000"/>
-                  </a:schemeClr>
-                </a:solidFill>
-                <a:latin typeface="Yanone Kaffeesatz Bold" pitchFamily="2" charset="0"/>
-              </a:rPr>
-              <a:t>SignalR</a:t>
-            </a:r>
-            <a:r>
-              <a:rPr lang="en-US" sz="4800" dirty="0" smtClean="0">
-                <a:solidFill>
-                  <a:schemeClr val="tx1">
-                    <a:lumMod val="65000"/>
-                    <a:lumOff val="35000"/>
-                  </a:schemeClr>
-                </a:solidFill>
-                <a:latin typeface="Yanone Kaffeesatz Bold" pitchFamily="2" charset="0"/>
-              </a:rPr>
-              <a:t> (</a:t>
-            </a:r>
-            <a:r>
-              <a:rPr lang="en-US" sz="4800" dirty="0">
-                <a:solidFill>
-                  <a:schemeClr val="tx1">
-                    <a:lumMod val="65000"/>
-                    <a:lumOff val="35000"/>
-                  </a:schemeClr>
-                </a:solidFill>
-                <a:latin typeface="Yanone Kaffeesatz Bold" pitchFamily="2" charset="0"/>
-              </a:rPr>
-              <a:t>0.5.3)</a:t>
-            </a:r>
-            <a:r>
-              <a:rPr lang="en-US" sz="4800" dirty="0">
-                <a:solidFill>
-                  <a:schemeClr val="tx1">
-                    <a:lumMod val="50000"/>
-                    <a:lumOff val="50000"/>
-                  </a:schemeClr>
-                </a:solidFill>
-                <a:latin typeface="Yanone Kaffeesatz Bold" pitchFamily="2" charset="0"/>
-              </a:rPr>
-              <a:t/>
-            </a:r>
-            <a:br>
-              <a:rPr lang="en-US" sz="4800" dirty="0">
-                <a:solidFill>
-                  <a:schemeClr val="tx1">
-                    <a:lumMod val="50000"/>
-                    <a:lumOff val="50000"/>
-                  </a:schemeClr>
-                </a:solidFill>
-                <a:latin typeface="Yanone Kaffeesatz Bold" pitchFamily="2" charset="0"/>
-              </a:rPr>
-            </a:br>
-            <a:r>
-              <a:rPr lang="en-US" sz="4800" dirty="0">
-                <a:solidFill>
-                  <a:schemeClr val="tx1">
-                    <a:lumMod val="50000"/>
-                    <a:lumOff val="50000"/>
-                  </a:schemeClr>
-                </a:solidFill>
-                <a:latin typeface="Yanone Kaffeesatz Bold" pitchFamily="2" charset="0"/>
-                <a:hlinkClick r:id="rId3"/>
-              </a:rPr>
-              <a:t>https://</a:t>
-            </a:r>
-            <a:r>
-              <a:rPr lang="en-US" sz="4800" dirty="0" smtClean="0">
-                <a:solidFill>
-                  <a:schemeClr val="tx1">
-                    <a:lumMod val="50000"/>
-                    <a:lumOff val="50000"/>
-                  </a:schemeClr>
-                </a:solidFill>
-                <a:latin typeface="Yanone Kaffeesatz Bold" pitchFamily="2" charset="0"/>
-                <a:hlinkClick r:id="rId3"/>
-              </a:rPr>
-              <a:t>github.com/SignalR/SignalR</a:t>
-            </a:r>
-            <a:endParaRPr lang="en-US" sz="4800" dirty="0" smtClean="0">
-              <a:solidFill>
-                <a:schemeClr val="tx1">
-                  <a:lumMod val="50000"/>
-                  <a:lumOff val="50000"/>
-                </a:schemeClr>
-              </a:solidFill>
-              <a:latin typeface="Yanone Kaffeesatz Bold" pitchFamily="2" charset="0"/>
-            </a:endParaRPr>
-          </a:p>
-          <a:p>
-            <a:pPr marL="857250" indent="-857250" algn="l">
-              <a:buFont typeface="Arial" pitchFamily="34" charset="0"/>
-              <a:buChar char="•"/>
-            </a:pPr>
-            <a:endParaRPr lang="en-US" sz="4800" dirty="0" smtClean="0">
-              <a:solidFill>
-                <a:schemeClr val="tx1">
-                  <a:lumMod val="50000"/>
-                  <a:lumOff val="50000"/>
-                </a:schemeClr>
-              </a:solidFill>
-              <a:latin typeface="Yanone Kaffeesatz Bold" pitchFamily="2" charset="0"/>
-            </a:endParaRPr>
-          </a:p>
-        </p:txBody>
-      </p:sp>
-    </p:spTree>
-    <p:extLst>
-      <p:ext uri="{BB962C8B-B14F-4D97-AF65-F5344CB8AC3E}">
-        <p14:creationId xmlns:p14="http://schemas.microsoft.com/office/powerpoint/2010/main" val="4233719394"/>
-      </p:ext>
-    </p:extLst>
-  </p:cSld>
-  <p:clrMapOvr>
-    <a:masterClrMapping/>
-  </p:clrMapOvr>
-  <p:timing>
-    <p:tnLst>
-      <p:par>
-        <p:cTn id="1" dur="indefinite" restart="never" nodeType="tmRoot"/>
-      </p:par>
-    </p:tnLst>
-  </p:timing>
-</p:sld>
-</file>
-
-<file path=ppt/slides/slide32.xml><?xml version="1.0" encoding="utf-8"?>
-<p:sld xmlns:a="http://schemas.openxmlformats.org/drawingml/2006/main" xmlns:r="http://schemas.openxmlformats.org/officeDocument/2006/relationships" xmlns:p="http://schemas.openxmlformats.org/presentationml/2006/main">
-  <p:cSld>
-    <p:bg>
-      <p:bgPr>
-        <a:solidFill>
-          <a:schemeClr val="tx2">
-            <a:lumMod val="60000"/>
-            <a:lumOff val="40000"/>
-          </a:schemeClr>
-        </a:solidFill>
-        <a:effectLst/>
-      </p:bgPr>
-    </p:bg>
-    <p:spTree>
-      <p:nvGrpSpPr>
-        <p:cNvPr id="1" name=""/>
-        <p:cNvGrpSpPr/>
-        <p:nvPr/>
-      </p:nvGrpSpPr>
-      <p:grpSpPr>
-        <a:xfrm>
-          <a:off x="0" y="0"/>
-          <a:ext cx="0" cy="0"/>
-          <a:chOff x="0" y="0"/>
-          <a:chExt cx="0" cy="0"/>
-        </a:xfrm>
-      </p:grpSpPr>
-      <p:sp>
-        <p:nvSpPr>
-          <p:cNvPr id="2" name="Title 1"/>
-          <p:cNvSpPr>
-            <a:spLocks noGrp="1"/>
-          </p:cNvSpPr>
-          <p:nvPr>
-            <p:ph type="ctrTitle"/>
-          </p:nvPr>
-        </p:nvSpPr>
-        <p:spPr>
-          <a:xfrm>
-            <a:off x="381000" y="2667000"/>
-            <a:ext cx="8382000" cy="1470025"/>
-          </a:xfrm>
-          <a:ln>
-            <a:noFill/>
-          </a:ln>
-        </p:spPr>
-        <p:txBody>
-          <a:bodyPr>
-            <a:noAutofit/>
-          </a:bodyPr>
-          <a:lstStyle/>
-          <a:p>
-            <a:r>
-              <a:rPr lang="en-US" sz="15000" dirty="0" smtClean="0">
-                <a:solidFill>
-                  <a:srgbClr val="F0F2EB"/>
-                </a:solidFill>
-                <a:latin typeface="Yanone Kaffeesatz Bold" pitchFamily="2" charset="0"/>
-                <a:cs typeface="Aharoni" pitchFamily="2" charset="-79"/>
-              </a:rPr>
-              <a:t>THANKS </a:t>
-            </a:r>
-            <a:r>
-              <a:rPr lang="en-US" sz="15000" dirty="0" smtClean="0">
-                <a:solidFill>
-                  <a:srgbClr val="F0F2EB"/>
-                </a:solidFill>
-                <a:latin typeface="Yanone Kaffeesatz Bold" pitchFamily="2" charset="0"/>
-                <a:cs typeface="Aharoni" pitchFamily="2" charset="-79"/>
-                <a:sym typeface="Wingdings" pitchFamily="2" charset="2"/>
-              </a:rPr>
-              <a:t></a:t>
-            </a:r>
-            <a:endParaRPr lang="en-US" sz="15000" dirty="0">
-              <a:solidFill>
-                <a:srgbClr val="F0F2EB"/>
-              </a:solidFill>
-              <a:latin typeface="Yanone Kaffeesatz Bold" pitchFamily="2" charset="0"/>
-              <a:cs typeface="Aharoni" pitchFamily="2" charset="-79"/>
-            </a:endParaRPr>
-          </a:p>
-        </p:txBody>
-      </p:sp>
-    </p:spTree>
-    <p:extLst>
-      <p:ext uri="{BB962C8B-B14F-4D97-AF65-F5344CB8AC3E}">
-        <p14:creationId xmlns:p14="http://schemas.microsoft.com/office/powerpoint/2010/main" val="172557941"/>
       </p:ext>
     </p:extLst>
   </p:cSld>
@@ -14576,7 +16820,7 @@
         <p:spPr>
           <a:xfrm>
             <a:off x="76200" y="-228600"/>
-            <a:ext cx="9067800" cy="1470025"/>
+            <a:ext cx="7772400" cy="1470025"/>
           </a:xfrm>
           <a:ln>
             <a:noFill/>
@@ -14592,34 +16836,19 @@
             <a:r>
               <a:rPr lang="en-US" sz="8000" dirty="0" smtClean="0">
                 <a:solidFill>
-                  <a:schemeClr val="tx2">
-                    <a:lumMod val="60000"/>
-                    <a:lumOff val="40000"/>
+                  <a:schemeClr val="accent3">
+                    <a:lumMod val="75000"/>
                   </a:schemeClr>
                 </a:solidFill>
                 <a:latin typeface="Yanone Kaffeesatz Bold" pitchFamily="2" charset="0"/>
                 <a:cs typeface="Aharoni" pitchFamily="2" charset="-79"/>
               </a:rPr>
-              <a:t>MMMPG </a:t>
-            </a:r>
-            <a:r>
-              <a:rPr lang="en-US" sz="4000" dirty="0" smtClean="0">
-                <a:solidFill>
-                  <a:schemeClr val="tx2">
-                    <a:lumMod val="60000"/>
-                    <a:lumOff val="40000"/>
-                  </a:schemeClr>
-                </a:solidFill>
-                <a:latin typeface="Yanone Kaffeesatz Bold" pitchFamily="2" charset="0"/>
-                <a:cs typeface="Aharoni" pitchFamily="2" charset="-79"/>
-              </a:rPr>
-              <a:t>(Massively Multiplayer Moo Playing Game)</a:t>
-            </a:r>
-            <a:endParaRPr lang="en-US" sz="4000" dirty="0">
+              <a:t>Resources</a:t>
+            </a:r>
+            <a:endParaRPr lang="en-US" sz="8000" dirty="0">
               <a:solidFill>
-                <a:schemeClr val="tx2">
-                  <a:lumMod val="60000"/>
-                  <a:lumOff val="40000"/>
+                <a:schemeClr val="accent3">
+                  <a:lumMod val="75000"/>
                 </a:schemeClr>
               </a:solidFill>
               <a:latin typeface="Yanone Kaffeesatz Bold" pitchFamily="2" charset="0"/>
@@ -14628,133 +16857,247 @@
           </a:p>
         </p:txBody>
       </p:sp>
-      <p:pic>
-        <p:nvPicPr>
-          <p:cNvPr id="1026" name="Picture 2" descr="C:\Users\ahmed.alani\Desktop\Work\Talks\SignalR-Intro\farmvilleCow.png"/>
-          <p:cNvPicPr>
-            <a:picLocks noChangeAspect="1" noChangeArrowheads="1"/>
-          </p:cNvPicPr>
-          <p:nvPr/>
-        </p:nvPicPr>
-        <p:blipFill>
-          <a:blip r:embed="rId3" cstate="print">
-            <a:extLst>
-              <a:ext uri="{28A0092B-C50C-407E-A947-70E740481C1C}">
-                <a14:useLocalDpi xmlns:a14="http://schemas.microsoft.com/office/drawing/2010/main" val="0"/>
-              </a:ext>
-            </a:extLst>
-          </a:blip>
-          <a:srcRect/>
-          <a:stretch>
-            <a:fillRect/>
-          </a:stretch>
-        </p:blipFill>
-        <p:spPr bwMode="auto">
+      <p:sp>
+        <p:nvSpPr>
+          <p:cNvPr id="3" name="Subtitle 2"/>
+          <p:cNvSpPr>
+            <a:spLocks noGrp="1"/>
+          </p:cNvSpPr>
+          <p:nvPr>
+            <p:ph type="subTitle" idx="1"/>
+          </p:nvPr>
+        </p:nvSpPr>
+        <p:spPr>
           <a:xfrm>
-            <a:off x="608013" y="1600200"/>
-            <a:ext cx="914400" cy="914400"/>
+            <a:off x="228600" y="1066800"/>
+            <a:ext cx="8763000" cy="5486400"/>
           </a:xfrm>
-          <a:prstGeom prst="rect">
-            <a:avLst/>
-          </a:prstGeom>
-          <a:noFill/>
-          <a:extLst>
-            <a:ext uri="{909E8E84-426E-40DD-AFC4-6F175D3DCCD1}">
-              <a14:hiddenFill xmlns:a14="http://schemas.microsoft.com/office/drawing/2010/main">
-                <a:solidFill>
-                  <a:srgbClr val="FFFFFF"/>
-                </a:solidFill>
-              </a14:hiddenFill>
-            </a:ext>
-          </a:extLst>
         </p:spPr>
-      </p:pic>
-      <p:pic>
-        <p:nvPicPr>
-          <p:cNvPr id="4" name="Picture 2" descr="C:\Users\ahmed.alani\Desktop\Work\Talks\SignalR-Intro\farmvilleCow.png"/>
-          <p:cNvPicPr>
-            <a:picLocks noChangeAspect="1" noChangeArrowheads="1"/>
-          </p:cNvPicPr>
-          <p:nvPr/>
-        </p:nvPicPr>
-        <p:blipFill>
-          <a:blip r:embed="rId3" cstate="print">
-            <a:extLst>
-              <a:ext uri="{28A0092B-C50C-407E-A947-70E740481C1C}">
-                <a14:useLocalDpi xmlns:a14="http://schemas.microsoft.com/office/drawing/2010/main" val="0"/>
-              </a:ext>
-            </a:extLst>
-          </a:blip>
-          <a:srcRect/>
-          <a:stretch>
-            <a:fillRect/>
-          </a:stretch>
-        </p:blipFill>
-        <p:spPr bwMode="auto">
-          <a:xfrm>
-            <a:off x="1522413" y="1600200"/>
-            <a:ext cx="914400" cy="914400"/>
-          </a:xfrm>
-          <a:prstGeom prst="rect">
-            <a:avLst/>
-          </a:prstGeom>
-          <a:noFill/>
-          <a:extLst>
-            <a:ext uri="{909E8E84-426E-40DD-AFC4-6F175D3DCCD1}">
-              <a14:hiddenFill xmlns:a14="http://schemas.microsoft.com/office/drawing/2010/main">
-                <a:solidFill>
-                  <a:srgbClr val="FFFFFF"/>
-                </a:solidFill>
-              </a14:hiddenFill>
-            </a:ext>
-          </a:extLst>
-        </p:spPr>
-      </p:pic>
-      <p:pic>
-        <p:nvPicPr>
-          <p:cNvPr id="5" name="Picture 2" descr="C:\Users\ahmed.alani\Desktop\Work\Talks\SignalR-Intro\farmvilleCow.png"/>
-          <p:cNvPicPr>
-            <a:picLocks noChangeAspect="1" noChangeArrowheads="1"/>
-          </p:cNvPicPr>
-          <p:nvPr/>
-        </p:nvPicPr>
-        <p:blipFill>
-          <a:blip r:embed="rId3" cstate="print">
-            <a:extLst>
-              <a:ext uri="{28A0092B-C50C-407E-A947-70E740481C1C}">
-                <a14:useLocalDpi xmlns:a14="http://schemas.microsoft.com/office/drawing/2010/main" val="0"/>
-              </a:ext>
-            </a:extLst>
-          </a:blip>
-          <a:srcRect/>
-          <a:stretch>
-            <a:fillRect/>
-          </a:stretch>
-        </p:blipFill>
-        <p:spPr bwMode="auto">
-          <a:xfrm>
-            <a:off x="2476979" y="1600200"/>
-            <a:ext cx="914400" cy="914400"/>
-          </a:xfrm>
-          <a:prstGeom prst="rect">
-            <a:avLst/>
-          </a:prstGeom>
-          <a:noFill/>
-          <a:extLst>
-            <a:ext uri="{909E8E84-426E-40DD-AFC4-6F175D3DCCD1}">
-              <a14:hiddenFill xmlns:a14="http://schemas.microsoft.com/office/drawing/2010/main">
-                <a:solidFill>
-                  <a:srgbClr val="FFFFFF"/>
-                </a:solidFill>
-              </a14:hiddenFill>
-            </a:ext>
-          </a:extLst>
-        </p:spPr>
-      </p:pic>
+        <p:txBody>
+          <a:bodyPr>
+            <a:noAutofit/>
+          </a:bodyPr>
+          <a:lstStyle/>
+          <a:p>
+            <a:pPr marL="857250" indent="-857250" algn="l">
+              <a:buFont typeface="Arial" pitchFamily="34" charset="0"/>
+              <a:buChar char="•"/>
+            </a:pPr>
+            <a:r>
+              <a:rPr lang="en-US" sz="4800" dirty="0" err="1" smtClean="0">
+                <a:solidFill>
+                  <a:schemeClr val="tx1">
+                    <a:lumMod val="65000"/>
+                    <a:lumOff val="35000"/>
+                  </a:schemeClr>
+                </a:solidFill>
+                <a:latin typeface="Yanone Kaffeesatz Bold" pitchFamily="2" charset="0"/>
+              </a:rPr>
+              <a:t>SignalR</a:t>
+            </a:r>
+            <a:r>
+              <a:rPr lang="en-US" sz="4800" dirty="0" smtClean="0">
+                <a:solidFill>
+                  <a:schemeClr val="tx1">
+                    <a:lumMod val="65000"/>
+                    <a:lumOff val="35000"/>
+                  </a:schemeClr>
+                </a:solidFill>
+                <a:latin typeface="Yanone Kaffeesatz Bold" pitchFamily="2" charset="0"/>
+              </a:rPr>
+              <a:t> (</a:t>
+            </a:r>
+            <a:r>
+              <a:rPr lang="en-US" sz="4800" dirty="0">
+                <a:solidFill>
+                  <a:schemeClr val="tx1">
+                    <a:lumMod val="65000"/>
+                    <a:lumOff val="35000"/>
+                  </a:schemeClr>
+                </a:solidFill>
+                <a:latin typeface="Yanone Kaffeesatz Bold" pitchFamily="2" charset="0"/>
+              </a:rPr>
+              <a:t>0.5.3)</a:t>
+            </a:r>
+            <a:r>
+              <a:rPr lang="en-US" sz="4800" dirty="0">
+                <a:solidFill>
+                  <a:schemeClr val="tx1">
+                    <a:lumMod val="50000"/>
+                    <a:lumOff val="50000"/>
+                  </a:schemeClr>
+                </a:solidFill>
+                <a:latin typeface="Yanone Kaffeesatz Bold" pitchFamily="2" charset="0"/>
+              </a:rPr>
+              <a:t/>
+            </a:r>
+            <a:br>
+              <a:rPr lang="en-US" sz="4800" dirty="0">
+                <a:solidFill>
+                  <a:schemeClr val="tx1">
+                    <a:lumMod val="50000"/>
+                    <a:lumOff val="50000"/>
+                  </a:schemeClr>
+                </a:solidFill>
+                <a:latin typeface="Yanone Kaffeesatz Bold" pitchFamily="2" charset="0"/>
+              </a:rPr>
+            </a:br>
+            <a:r>
+              <a:rPr lang="en-US" sz="4800" dirty="0">
+                <a:solidFill>
+                  <a:schemeClr val="tx1">
+                    <a:lumMod val="50000"/>
+                    <a:lumOff val="50000"/>
+                  </a:schemeClr>
+                </a:solidFill>
+                <a:latin typeface="Yanone Kaffeesatz Bold" pitchFamily="2" charset="0"/>
+                <a:hlinkClick r:id="rId3"/>
+              </a:rPr>
+              <a:t>https://</a:t>
+            </a:r>
+            <a:r>
+              <a:rPr lang="en-US" sz="4800" dirty="0" smtClean="0">
+                <a:solidFill>
+                  <a:schemeClr val="tx1">
+                    <a:lumMod val="50000"/>
+                    <a:lumOff val="50000"/>
+                  </a:schemeClr>
+                </a:solidFill>
+                <a:latin typeface="Yanone Kaffeesatz Bold" pitchFamily="2" charset="0"/>
+                <a:hlinkClick r:id="rId3"/>
+              </a:rPr>
+              <a:t>github.com/SignalR/SignalR</a:t>
+            </a:r>
+            <a:r>
+              <a:rPr lang="en-US" sz="4800" dirty="0" smtClean="0">
+                <a:solidFill>
+                  <a:schemeClr val="tx1">
+                    <a:lumMod val="50000"/>
+                    <a:lumOff val="50000"/>
+                  </a:schemeClr>
+                </a:solidFill>
+                <a:latin typeface="Yanone Kaffeesatz Bold" pitchFamily="2" charset="0"/>
+              </a:rPr>
+              <a:t/>
+            </a:r>
+            <a:br>
+              <a:rPr lang="en-US" sz="4800" dirty="0" smtClean="0">
+                <a:solidFill>
+                  <a:schemeClr val="tx1">
+                    <a:lumMod val="50000"/>
+                    <a:lumOff val="50000"/>
+                  </a:schemeClr>
+                </a:solidFill>
+                <a:latin typeface="Yanone Kaffeesatz Bold" pitchFamily="2" charset="0"/>
+              </a:rPr>
+            </a:br>
+            <a:endParaRPr lang="en-US" sz="4800" dirty="0" smtClean="0">
+              <a:solidFill>
+                <a:schemeClr val="tx1">
+                  <a:lumMod val="50000"/>
+                  <a:lumOff val="50000"/>
+                </a:schemeClr>
+              </a:solidFill>
+              <a:latin typeface="Yanone Kaffeesatz Bold" pitchFamily="2" charset="0"/>
+            </a:endParaRPr>
+          </a:p>
+          <a:p>
+            <a:pPr marL="857250" indent="-857250" algn="l">
+              <a:buFont typeface="Arial" pitchFamily="34" charset="0"/>
+              <a:buChar char="•"/>
+            </a:pPr>
+            <a:r>
+              <a:rPr lang="en-US" sz="4800" dirty="0" err="1" smtClean="0">
+                <a:solidFill>
+                  <a:schemeClr val="tx1">
+                    <a:lumMod val="65000"/>
+                    <a:lumOff val="35000"/>
+                  </a:schemeClr>
+                </a:solidFill>
+                <a:latin typeface="Yanone Kaffeesatz Bold" pitchFamily="2" charset="0"/>
+              </a:rPr>
+              <a:t>Jabbr</a:t>
+            </a:r>
+            <a:r>
+              <a:rPr lang="en-US" sz="4800" dirty="0">
+                <a:solidFill>
+                  <a:schemeClr val="tx1">
+                    <a:lumMod val="50000"/>
+                    <a:lumOff val="50000"/>
+                  </a:schemeClr>
+                </a:solidFill>
+                <a:latin typeface="Yanone Kaffeesatz Bold" pitchFamily="2" charset="0"/>
+              </a:rPr>
+              <a:t/>
+            </a:r>
+            <a:br>
+              <a:rPr lang="en-US" sz="4800" dirty="0">
+                <a:solidFill>
+                  <a:schemeClr val="tx1">
+                    <a:lumMod val="50000"/>
+                    <a:lumOff val="50000"/>
+                  </a:schemeClr>
+                </a:solidFill>
+                <a:latin typeface="Yanone Kaffeesatz Bold" pitchFamily="2" charset="0"/>
+              </a:rPr>
+            </a:br>
+            <a:r>
+              <a:rPr lang="en-US" sz="4800" dirty="0">
+                <a:solidFill>
+                  <a:schemeClr val="tx1">
+                    <a:lumMod val="50000"/>
+                    <a:lumOff val="50000"/>
+                  </a:schemeClr>
+                </a:solidFill>
+                <a:latin typeface="Yanone Kaffeesatz Bold" pitchFamily="2" charset="0"/>
+                <a:hlinkClick r:id="rId4"/>
+              </a:rPr>
+              <a:t>https</a:t>
+            </a:r>
+            <a:r>
+              <a:rPr lang="en-US" sz="4800" dirty="0" smtClean="0">
+                <a:solidFill>
+                  <a:schemeClr val="tx1">
+                    <a:lumMod val="50000"/>
+                    <a:lumOff val="50000"/>
+                  </a:schemeClr>
+                </a:solidFill>
+                <a:latin typeface="Yanone Kaffeesatz Bold" pitchFamily="2" charset="0"/>
+                <a:hlinkClick r:id="rId4"/>
+              </a:rPr>
+              <a:t>://www.jabbr.net</a:t>
+            </a:r>
+            <a:endParaRPr lang="en-US" sz="4800" dirty="0" smtClean="0">
+              <a:solidFill>
+                <a:schemeClr val="tx1">
+                  <a:lumMod val="50000"/>
+                  <a:lumOff val="50000"/>
+                </a:schemeClr>
+              </a:solidFill>
+              <a:latin typeface="Yanone Kaffeesatz Bold" pitchFamily="2" charset="0"/>
+            </a:endParaRPr>
+          </a:p>
+          <a:p>
+            <a:pPr marL="857250" indent="-857250" algn="l">
+              <a:buFont typeface="Arial" pitchFamily="34" charset="0"/>
+              <a:buChar char="•"/>
+            </a:pPr>
+            <a:endParaRPr lang="en-US" sz="4800" dirty="0" smtClean="0">
+              <a:solidFill>
+                <a:schemeClr val="tx1">
+                  <a:lumMod val="50000"/>
+                  <a:lumOff val="50000"/>
+                </a:schemeClr>
+              </a:solidFill>
+              <a:latin typeface="Yanone Kaffeesatz Bold" pitchFamily="2" charset="0"/>
+            </a:endParaRPr>
+          </a:p>
+        </p:txBody>
+      </p:sp>
     </p:spTree>
     <p:extLst>
       <p:ext uri="{BB962C8B-B14F-4D97-AF65-F5344CB8AC3E}">
-        <p14:creationId xmlns:p14="http://schemas.microsoft.com/office/powerpoint/2010/main" val="142973661"/>
+        <p14:creationId xmlns:p14="http://schemas.microsoft.com/office/powerpoint/2010/main" val="4233719394"/>
       </p:ext>
     </p:extLst>
   </p:cSld>
@@ -14771,9 +17114,17 @@
 </p:sld>
 </file>
 
-<file path=ppt/slides/slide4.xml><?xml version="1.0" encoding="utf-8"?>
+<file path=ppt/slides/slide34.xml><?xml version="1.0" encoding="utf-8"?>
 <p:sld xmlns:a="http://schemas.openxmlformats.org/drawingml/2006/main" xmlns:r="http://schemas.openxmlformats.org/officeDocument/2006/relationships" xmlns:p="http://schemas.openxmlformats.org/presentationml/2006/main">
   <p:cSld>
+    <p:bg>
+      <p:bgPr>
+        <a:solidFill>
+          <a:schemeClr val="accent3"/>
+        </a:solidFill>
+        <a:effectLst/>
+      </p:bgPr>
+    </p:bg>
     <p:spTree>
       <p:nvGrpSpPr>
         <p:cNvPr id="1" name=""/>
@@ -14814,16 +17165,14 @@
           <a:lstStyle/>
           <a:p>
             <a:r>
-              <a:rPr lang="en-US" sz="9000" dirty="0" smtClean="0">
-                <a:solidFill>
-                  <a:schemeClr val="accent2">
-                    <a:lumMod val="75000"/>
-                  </a:schemeClr>
+              <a:rPr lang="en-US" sz="15000" dirty="0" smtClean="0">
+                <a:solidFill>
+                  <a:srgbClr val="F0F2EB"/>
                 </a:solidFill>
                 <a:latin typeface="Yanone Kaffeesatz Bold" pitchFamily="2" charset="0"/>
                 <a:cs typeface="Aharoni" pitchFamily="2" charset="-79"/>
               </a:rPr>
-              <a:t>Animated GIF of progress bar</a:t>
+              <a:t>THANKS</a:t>
             </a:r>
             <a:endParaRPr lang="en-US" sz="15000" dirty="0">
               <a:solidFill>
@@ -14835,6 +17184,76 @@
           </a:p>
         </p:txBody>
       </p:sp>
+    </p:spTree>
+    <p:extLst>
+      <p:ext uri="{BB962C8B-B14F-4D97-AF65-F5344CB8AC3E}">
+        <p14:creationId xmlns:p14="http://schemas.microsoft.com/office/powerpoint/2010/main" val="3532611663"/>
+      </p:ext>
+    </p:extLst>
+  </p:cSld>
+  <p:clrMapOvr>
+    <a:masterClrMapping/>
+  </p:clrMapOvr>
+  <p:timing>
+    <p:tnLst>
+      <p:par>
+        <p:cTn id="1" dur="indefinite" restart="never" nodeType="tmRoot"/>
+      </p:par>
+    </p:tnLst>
+  </p:timing>
+</p:sld>
+</file>
+
+<file path=ppt/slides/slide4.xml><?xml version="1.0" encoding="utf-8"?>
+<p:sld xmlns:a="http://schemas.openxmlformats.org/drawingml/2006/main" xmlns:r="http://schemas.openxmlformats.org/officeDocument/2006/relationships" xmlns:p="http://schemas.openxmlformats.org/presentationml/2006/main">
+  <p:cSld>
+    <p:spTree>
+      <p:nvGrpSpPr>
+        <p:cNvPr id="1" name=""/>
+        <p:cNvGrpSpPr/>
+        <p:nvPr/>
+      </p:nvGrpSpPr>
+      <p:grpSpPr>
+        <a:xfrm>
+          <a:off x="0" y="0"/>
+          <a:ext cx="0" cy="0"/>
+          <a:chOff x="0" y="0"/>
+          <a:chExt cx="0" cy="0"/>
+        </a:xfrm>
+      </p:grpSpPr>
+      <p:pic>
+        <p:nvPicPr>
+          <p:cNvPr id="5" name="spinners">
+            <a:hlinkClick r:id="" action="ppaction://media"/>
+          </p:cNvPr>
+          <p:cNvPicPr>
+            <a:picLocks noChangeAspect="1"/>
+          </p:cNvPicPr>
+          <p:nvPr>
+            <a:videoFile r:link="rId2"/>
+            <p:extLst>
+              <p:ext uri="{DAA4B4D4-6D71-4841-9C94-3DE7FCFB9230}">
+                <p14:media xmlns:p14="http://schemas.microsoft.com/office/powerpoint/2010/main" r:embed="rId1"/>
+              </p:ext>
+            </p:extLst>
+          </p:nvPr>
+        </p:nvPicPr>
+        <p:blipFill>
+          <a:blip r:embed="rId5"/>
+          <a:stretch>
+            <a:fillRect/>
+          </a:stretch>
+        </p:blipFill>
+        <p:spPr>
+          <a:xfrm>
+            <a:off x="76200" y="1612027"/>
+            <a:ext cx="8991600" cy="3694986"/>
+          </a:xfrm>
+          <a:prstGeom prst="rect">
+            <a:avLst/>
+          </a:prstGeom>
+        </p:spPr>
+      </p:pic>
     </p:spTree>
     <p:extLst>
       <p:ext uri="{BB962C8B-B14F-4D97-AF65-F5344CB8AC3E}">
@@ -14848,7 +17267,138 @@
   <p:timing>
     <p:tnLst>
       <p:par>
-        <p:cTn id="1" dur="indefinite" restart="never" nodeType="tmRoot"/>
+        <p:cTn id="1" dur="indefinite" restart="never" nodeType="tmRoot">
+          <p:childTnLst>
+            <p:seq concurrent="1" nextAc="seek">
+              <p:cTn id="2" dur="indefinite" nodeType="mainSeq">
+                <p:childTnLst>
+                  <p:par>
+                    <p:cTn id="3" fill="hold">
+                      <p:stCondLst>
+                        <p:cond delay="indefinite"/>
+                        <p:cond evt="onBegin" delay="0">
+                          <p:tn val="2"/>
+                        </p:cond>
+                      </p:stCondLst>
+                      <p:childTnLst>
+                        <p:par>
+                          <p:cTn id="4" fill="hold">
+                            <p:stCondLst>
+                              <p:cond delay="0"/>
+                            </p:stCondLst>
+                            <p:childTnLst>
+                              <p:par>
+                                <p:cTn id="5" presetID="1" presetClass="mediacall" presetSubtype="0" fill="hold" nodeType="afterEffect">
+                                  <p:stCondLst>
+                                    <p:cond delay="0"/>
+                                  </p:stCondLst>
+                                  <p:childTnLst>
+                                    <p:cmd type="call" cmd="playFrom(0.0)">
+                                      <p:cBhvr>
+                                        <p:cTn id="6" dur="2500" fill="hold"/>
+                                        <p:tgtEl>
+                                          <p:spTgt spid="5"/>
+                                        </p:tgtEl>
+                                      </p:cBhvr>
+                                    </p:cmd>
+                                  </p:childTnLst>
+                                </p:cTn>
+                              </p:par>
+                            </p:childTnLst>
+                          </p:cTn>
+                        </p:par>
+                      </p:childTnLst>
+                    </p:cTn>
+                  </p:par>
+                </p:childTnLst>
+              </p:cTn>
+              <p:prevCondLst>
+                <p:cond evt="onPrev" delay="0">
+                  <p:tgtEl>
+                    <p:sldTgt/>
+                  </p:tgtEl>
+                </p:cond>
+              </p:prevCondLst>
+              <p:nextCondLst>
+                <p:cond evt="onNext" delay="0">
+                  <p:tgtEl>
+                    <p:sldTgt/>
+                  </p:tgtEl>
+                </p:cond>
+              </p:nextCondLst>
+            </p:seq>
+            <p:video>
+              <p:cMediaNode vol="80000">
+                <p:cTn id="7" repeatCount="indefinite" fill="hold" display="0">
+                  <p:stCondLst>
+                    <p:cond delay="indefinite"/>
+                  </p:stCondLst>
+                </p:cTn>
+                <p:tgtEl>
+                  <p:spTgt spid="5"/>
+                </p:tgtEl>
+              </p:cMediaNode>
+            </p:video>
+            <p:seq concurrent="1" nextAc="seek">
+              <p:cTn id="8" restart="whenNotActive" fill="hold" evtFilter="cancelBubble" nodeType="interactiveSeq">
+                <p:stCondLst>
+                  <p:cond evt="onClick" delay="0">
+                    <p:tgtEl>
+                      <p:spTgt spid="5"/>
+                    </p:tgtEl>
+                  </p:cond>
+                </p:stCondLst>
+                <p:endSync evt="end" delay="0">
+                  <p:rtn val="all"/>
+                </p:endSync>
+                <p:childTnLst>
+                  <p:par>
+                    <p:cTn id="9" fill="hold">
+                      <p:stCondLst>
+                        <p:cond delay="0"/>
+                      </p:stCondLst>
+                      <p:childTnLst>
+                        <p:par>
+                          <p:cTn id="10" fill="hold">
+                            <p:stCondLst>
+                              <p:cond delay="0"/>
+                            </p:stCondLst>
+                            <p:childTnLst>
+                              <p:par>
+                                <p:cTn id="11" presetID="2" presetClass="mediacall" presetSubtype="0" fill="hold" nodeType="clickEffect">
+                                  <p:stCondLst>
+                                    <p:cond delay="0"/>
+                                  </p:stCondLst>
+                                  <p:childTnLst>
+                                    <p:cmd type="call" cmd="togglePause">
+                                      <p:cBhvr>
+                                        <p:cTn id="12" dur="1" fill="hold"/>
+                                        <p:tgtEl>
+                                          <p:spTgt spid="5"/>
+                                        </p:tgtEl>
+                                      </p:cBhvr>
+                                    </p:cmd>
+                                  </p:childTnLst>
+                                </p:cTn>
+                              </p:par>
+                            </p:childTnLst>
+                          </p:cTn>
+                        </p:par>
+                      </p:childTnLst>
+                    </p:cTn>
+                  </p:par>
+                </p:childTnLst>
+              </p:cTn>
+              <p:nextCondLst>
+                <p:cond evt="onClick" delay="0">
+                  <p:tgtEl>
+                    <p:spTgt spid="5"/>
+                  </p:tgtEl>
+                </p:cond>
+              </p:nextCondLst>
+            </p:seq>
+          </p:childTnLst>
+        </p:cTn>
       </p:par>
     </p:tnLst>
   </p:timing>
@@ -14947,8 +17497,8 @@
         </p:blipFill>
         <p:spPr bwMode="auto">
           <a:xfrm>
-            <a:off x="5486400" y="1312101"/>
-            <a:ext cx="3552825" cy="4238625"/>
+            <a:off x="5334000" y="1143000"/>
+            <a:ext cx="3768390" cy="4495800"/>
           </a:xfrm>
           <a:prstGeom prst="rect">
             <a:avLst/>
@@ -16808,7 +19358,7 @@
         <p:spPr>
           <a:xfrm>
             <a:off x="228600" y="1143000"/>
-            <a:ext cx="4648200" cy="5570756"/>
+            <a:ext cx="4648200" cy="4955203"/>
           </a:xfrm>
           <a:prstGeom prst="rect">
             <a:avLst/>
@@ -16830,6 +19380,31 @@
                 </a:solidFill>
                 <a:latin typeface="Yanone Kaffeesatz Bold" pitchFamily="2" charset="0"/>
               </a:rPr>
+              <a:t>HTML5</a:t>
+            </a:r>
+          </a:p>
+          <a:p>
+            <a:endParaRPr lang="en-US" sz="4000" dirty="0">
+              <a:solidFill>
+                <a:schemeClr val="tx1">
+                  <a:lumMod val="65000"/>
+                  <a:lumOff val="35000"/>
+                </a:schemeClr>
+              </a:solidFill>
+              <a:latin typeface="Yanone Kaffeesatz Bold" pitchFamily="2" charset="0"/>
+            </a:endParaRPr>
+          </a:p>
+          <a:p>
+            <a:r>
+              <a:rPr lang="en-US" sz="4000" dirty="0" smtClean="0">
+                <a:solidFill>
+                  <a:schemeClr val="tx1">
+                    <a:lumMod val="65000"/>
+                    <a:lumOff val="35000"/>
+                  </a:schemeClr>
+                </a:solidFill>
+                <a:latin typeface="Yanone Kaffeesatz Bold" pitchFamily="2" charset="0"/>
+              </a:rPr>
               <a:t>Full-duplex, bi-directional connection to server</a:t>
             </a:r>
             <a:endParaRPr lang="en-US" sz="3000" dirty="0" smtClean="0">
@@ -16877,34 +19452,29 @@
                 </a:solidFill>
                 <a:latin typeface="Yanone Kaffeesatz Bold" pitchFamily="2" charset="0"/>
               </a:rPr>
-              <a:t>No polling, server can initiate calls after initial upgrade request</a:t>
-            </a:r>
-          </a:p>
-          <a:p>
-            <a:pPr lvl="1"/>
-            <a:endParaRPr lang="en-US" sz="4000" dirty="0" smtClean="0">
+              <a:t>No polling, server can initiate calls after initial upgrade </a:t>
+            </a:r>
+            <a:r>
+              <a:rPr lang="en-US" sz="4000" dirty="0" smtClean="0">
+                <a:solidFill>
+                  <a:schemeClr val="tx1">
+                    <a:lumMod val="65000"/>
+                    <a:lumOff val="35000"/>
+                  </a:schemeClr>
+                </a:solidFill>
+                <a:latin typeface="Yanone Kaffeesatz Bold" pitchFamily="2" charset="0"/>
+              </a:rPr>
+              <a:t>request</a:t>
+            </a:r>
+            <a:endParaRPr lang="en-US" sz="4000" dirty="0">
               <a:solidFill>
                 <a:schemeClr val="tx1">
-                  <a:lumMod val="50000"/>
-                  <a:lumOff val="50000"/>
+                  <a:lumMod val="65000"/>
+                  <a:lumOff val="35000"/>
                 </a:schemeClr>
               </a:solidFill>
               <a:latin typeface="Yanone Kaffeesatz Bold" pitchFamily="2" charset="0"/>
             </a:endParaRPr>
-          </a:p>
-          <a:p>
-            <a:r>
-              <a:rPr lang="en-US" sz="4000" dirty="0">
-                <a:solidFill>
-                  <a:schemeClr val="tx1">
-                    <a:lumMod val="65000"/>
-                    <a:lumOff val="35000"/>
-                  </a:schemeClr>
-                </a:solidFill>
-                <a:latin typeface="Yanone Kaffeesatz Bold" pitchFamily="2" charset="0"/>
-              </a:rPr>
-              <a:t>HTML5 component, W3C API, protocol IETF</a:t>
-            </a:r>
           </a:p>
         </p:txBody>
       </p:sp>
@@ -17048,7 +19618,7 @@
                                         <p:tgtEl>
                                           <p:spTgt spid="4">
                                             <p:txEl>
-                                              <p:pRg st="3" end="3"/>
+                                              <p:pRg st="2" end="2"/>
                                             </p:txEl>
                                           </p:spTgt>
                                         </p:tgtEl>

--- a/SignalR-Intro/SignalRIntro.pptx
+++ b/SignalR-Intro/SignalRIntro.pptx
@@ -9103,7 +9103,7 @@
         <p:spPr>
           <a:xfrm>
             <a:off x="228600" y="1143000"/>
-            <a:ext cx="4191000" cy="4401205"/>
+            <a:ext cx="4191000" cy="3785652"/>
           </a:xfrm>
           <a:prstGeom prst="rect">
             <a:avLst/>
@@ -9125,7 +9125,19 @@
                 </a:solidFill>
                 <a:latin typeface="Yanone Kaffeesatz Bold" pitchFamily="2" charset="0"/>
               </a:rPr>
-              <a:t>Exploits HTTP 1.1 chunked encoding to incrementally push data to hidden </a:t>
+              <a:t>Send chunked data </a:t>
+            </a:r>
+            <a:r>
+              <a:rPr lang="en-US" sz="4000" dirty="0" smtClean="0">
+                <a:solidFill>
+                  <a:schemeClr val="tx1">
+                    <a:lumMod val="65000"/>
+                    <a:lumOff val="35000"/>
+                  </a:schemeClr>
+                </a:solidFill>
+                <a:latin typeface="Yanone Kaffeesatz Bold" pitchFamily="2" charset="0"/>
+              </a:rPr>
+              <a:t>to hidden </a:t>
             </a:r>
             <a:r>
               <a:rPr lang="en-US" sz="4000" dirty="0" err="1" smtClean="0">
@@ -13083,19 +13095,7 @@
                 <a:latin typeface="Yanone Kaffeesatz Bold" pitchFamily="2" charset="0"/>
                 <a:cs typeface="Aharoni" pitchFamily="2" charset="-79"/>
               </a:rPr>
-              <a:t>Recap </a:t>
-            </a:r>
-            <a:r>
-              <a:rPr lang="en-US" sz="8000" dirty="0" smtClean="0">
-                <a:solidFill>
-                  <a:schemeClr val="accent3">
-                    <a:lumMod val="75000"/>
-                  </a:schemeClr>
-                </a:solidFill>
-                <a:latin typeface="Yanone Kaffeesatz Bold" pitchFamily="2" charset="0"/>
-                <a:cs typeface="Aharoni" pitchFamily="2" charset="-79"/>
-              </a:rPr>
-              <a:t>– Connection Types</a:t>
+              <a:t>Recap – Connection Types</a:t>
             </a:r>
             <a:endParaRPr lang="en-US" sz="8000" dirty="0">
               <a:solidFill>
@@ -14002,19 +14002,7 @@
                 <a:latin typeface="Yanone Kaffeesatz Bold" pitchFamily="2" charset="0"/>
                 <a:cs typeface="Aharoni" pitchFamily="2" charset="-79"/>
               </a:rPr>
-              <a:t>Recap </a:t>
-            </a:r>
-            <a:r>
-              <a:rPr lang="en-US" sz="8000" dirty="0" smtClean="0">
-                <a:solidFill>
-                  <a:schemeClr val="accent3">
-                    <a:lumMod val="75000"/>
-                  </a:schemeClr>
-                </a:solidFill>
-                <a:latin typeface="Yanone Kaffeesatz Bold" pitchFamily="2" charset="0"/>
-                <a:cs typeface="Aharoni" pitchFamily="2" charset="-79"/>
-              </a:rPr>
-              <a:t>– Communication</a:t>
+              <a:t>Recap – Communication</a:t>
             </a:r>
             <a:endParaRPr lang="en-US" sz="8000" dirty="0">
               <a:solidFill>
@@ -14037,7 +14025,7 @@
         <p:spPr>
           <a:xfrm>
             <a:off x="228600" y="1143000"/>
-            <a:ext cx="8610600" cy="5170646"/>
+            <a:ext cx="8610600" cy="5601533"/>
           </a:xfrm>
           <a:prstGeom prst="rect">
             <a:avLst/>
@@ -14204,6 +14192,18 @@
                 </a:solidFill>
                 <a:latin typeface="Yanone Kaffeesatz Bold" pitchFamily="2" charset="0"/>
               </a:rPr>
+              <a:t> connections</a:t>
+            </a:r>
+            <a:r>
+              <a:rPr lang="en-US" sz="3400" dirty="0" smtClean="0">
+                <a:solidFill>
+                  <a:schemeClr val="tx1">
+                    <a:lumMod val="65000"/>
+                    <a:lumOff val="35000"/>
+                  </a:schemeClr>
+                </a:solidFill>
+                <a:latin typeface="Yanone Kaffeesatz Bold" pitchFamily="2" charset="0"/>
+              </a:rPr>
               <a:t/>
             </a:r>
             <a:br>
@@ -14250,7 +14250,7 @@
           </a:p>
           <a:p>
             <a:r>
-              <a:rPr lang="en-US" sz="3400" smtClean="0">
+              <a:rPr lang="en-US" sz="3400" dirty="0" smtClean="0">
                 <a:solidFill>
                   <a:schemeClr val="tx1">
                     <a:lumMod val="65000"/>
@@ -14260,6 +14260,18 @@
                 <a:latin typeface="Yanone Kaffeesatz Bold" pitchFamily="2" charset="0"/>
               </a:rPr>
               <a:t>	</a:t>
+            </a:r>
+            <a:r>
+              <a:rPr lang="en-US" sz="3400" dirty="0" err="1" smtClean="0">
+                <a:solidFill>
+                  <a:schemeClr val="tx1">
+                    <a:lumMod val="65000"/>
+                    <a:lumOff val="35000"/>
+                  </a:schemeClr>
+                </a:solidFill>
+                <a:latin typeface="Yanone Kaffeesatz Bold" pitchFamily="2" charset="0"/>
+              </a:rPr>
+              <a:t>GlobalHost.ConnectionManager</a:t>
             </a:r>
             <a:endParaRPr lang="en-US" sz="3400" dirty="0" smtClean="0">
               <a:solidFill>
@@ -14272,6 +14284,173 @@
             </a:endParaRPr>
           </a:p>
           <a:p>
+            <a:r>
+              <a:rPr lang="en-US" sz="3400" dirty="0">
+                <a:solidFill>
+                  <a:schemeClr val="tx1">
+                    <a:lumMod val="65000"/>
+                    <a:lumOff val="35000"/>
+                  </a:schemeClr>
+                </a:solidFill>
+                <a:latin typeface="Yanone Kaffeesatz Bold" pitchFamily="2" charset="0"/>
+              </a:rPr>
+              <a:t>	</a:t>
+            </a:r>
+            <a:r>
+              <a:rPr lang="en-US" sz="3400" dirty="0" smtClean="0">
+                <a:solidFill>
+                  <a:schemeClr val="tx1">
+                    <a:lumMod val="65000"/>
+                    <a:lumOff val="35000"/>
+                  </a:schemeClr>
+                </a:solidFill>
+                <a:latin typeface="Yanone Kaffeesatz Bold" pitchFamily="2" charset="0"/>
+              </a:rPr>
+              <a:t>	</a:t>
+            </a:r>
+            <a:r>
+              <a:rPr lang="en-US" sz="3400" dirty="0" smtClean="0">
+                <a:solidFill>
+                  <a:schemeClr val="tx1">
+                    <a:lumMod val="65000"/>
+                    <a:lumOff val="35000"/>
+                  </a:schemeClr>
+                </a:solidFill>
+                <a:latin typeface="Yanone Kaffeesatz Bold" pitchFamily="2" charset="0"/>
+              </a:rPr>
+              <a:t>.</a:t>
+            </a:r>
+            <a:r>
+              <a:rPr lang="en-US" sz="3400" dirty="0" err="1" smtClean="0">
+                <a:solidFill>
+                  <a:schemeClr val="tx1">
+                    <a:lumMod val="65000"/>
+                    <a:lumOff val="35000"/>
+                  </a:schemeClr>
+                </a:solidFill>
+                <a:latin typeface="Yanone Kaffeesatz Bold" pitchFamily="2" charset="0"/>
+              </a:rPr>
+              <a:t>GetHubContext</a:t>
+            </a:r>
+            <a:r>
+              <a:rPr lang="en-US" sz="3400" dirty="0" smtClean="0">
+                <a:solidFill>
+                  <a:schemeClr val="tx1">
+                    <a:lumMod val="65000"/>
+                    <a:lumOff val="35000"/>
+                  </a:schemeClr>
+                </a:solidFill>
+                <a:latin typeface="Yanone Kaffeesatz Bold" pitchFamily="2" charset="0"/>
+              </a:rPr>
+              <a:t>&lt;</a:t>
+            </a:r>
+            <a:r>
+              <a:rPr lang="en-US" sz="3400" dirty="0" err="1" smtClean="0">
+                <a:solidFill>
+                  <a:schemeClr val="tx1">
+                    <a:lumMod val="65000"/>
+                    <a:lumOff val="35000"/>
+                  </a:schemeClr>
+                </a:solidFill>
+                <a:latin typeface="Yanone Kaffeesatz Bold" pitchFamily="2" charset="0"/>
+              </a:rPr>
+              <a:t>HubName</a:t>
+            </a:r>
+            <a:r>
+              <a:rPr lang="en-US" sz="3400" dirty="0" smtClean="0">
+                <a:solidFill>
+                  <a:schemeClr val="tx1">
+                    <a:lumMod val="65000"/>
+                    <a:lumOff val="35000"/>
+                  </a:schemeClr>
+                </a:solidFill>
+                <a:latin typeface="Yanone Kaffeesatz Bold" pitchFamily="2" charset="0"/>
+              </a:rPr>
+              <a:t>&gt;()</a:t>
+            </a:r>
+            <a:endParaRPr lang="en-US" sz="3400" dirty="0">
+              <a:solidFill>
+                <a:schemeClr val="tx1">
+                  <a:lumMod val="65000"/>
+                  <a:lumOff val="35000"/>
+                </a:schemeClr>
+              </a:solidFill>
+              <a:latin typeface="Yanone Kaffeesatz Bold" pitchFamily="2" charset="0"/>
+            </a:endParaRPr>
+          </a:p>
+          <a:p>
+            <a:r>
+              <a:rPr lang="en-US" sz="3400" dirty="0">
+                <a:solidFill>
+                  <a:schemeClr val="tx1">
+                    <a:lumMod val="65000"/>
+                    <a:lumOff val="35000"/>
+                  </a:schemeClr>
+                </a:solidFill>
+                <a:latin typeface="Yanone Kaffeesatz Bold" pitchFamily="2" charset="0"/>
+              </a:rPr>
+              <a:t>		</a:t>
+            </a:r>
+            <a:r>
+              <a:rPr lang="en-US" sz="3400" dirty="0" smtClean="0">
+                <a:solidFill>
+                  <a:schemeClr val="tx1">
+                    <a:lumMod val="65000"/>
+                    <a:lumOff val="35000"/>
+                  </a:schemeClr>
+                </a:solidFill>
+                <a:latin typeface="Yanone Kaffeesatz Bold" pitchFamily="2" charset="0"/>
+              </a:rPr>
+              <a:t>.</a:t>
+            </a:r>
+            <a:r>
+              <a:rPr lang="en-US" sz="3400" dirty="0" err="1" smtClean="0">
+                <a:solidFill>
+                  <a:schemeClr val="tx1">
+                    <a:lumMod val="65000"/>
+                    <a:lumOff val="35000"/>
+                  </a:schemeClr>
+                </a:solidFill>
+                <a:latin typeface="Yanone Kaffeesatz Bold" pitchFamily="2" charset="0"/>
+              </a:rPr>
+              <a:t>GetConnection</a:t>
+            </a:r>
+            <a:r>
+              <a:rPr lang="en-US" sz="3400" dirty="0" smtClean="0">
+                <a:solidFill>
+                  <a:schemeClr val="tx1">
+                    <a:lumMod val="65000"/>
+                    <a:lumOff val="35000"/>
+                  </a:schemeClr>
+                </a:solidFill>
+                <a:latin typeface="Yanone Kaffeesatz Bold" pitchFamily="2" charset="0"/>
+              </a:rPr>
+              <a:t>&lt;</a:t>
+            </a:r>
+            <a:r>
+              <a:rPr lang="en-US" sz="3400" dirty="0" err="1" smtClean="0">
+                <a:solidFill>
+                  <a:schemeClr val="tx1">
+                    <a:lumMod val="65000"/>
+                    <a:lumOff val="35000"/>
+                  </a:schemeClr>
+                </a:solidFill>
+                <a:latin typeface="Yanone Kaffeesatz Bold" pitchFamily="2" charset="0"/>
+              </a:rPr>
+              <a:t>ConnName</a:t>
+            </a:r>
+            <a:r>
+              <a:rPr lang="en-US" sz="3400" dirty="0" smtClean="0">
+                <a:solidFill>
+                  <a:schemeClr val="tx1">
+                    <a:lumMod val="65000"/>
+                    <a:lumOff val="35000"/>
+                  </a:schemeClr>
+                </a:solidFill>
+                <a:latin typeface="Yanone Kaffeesatz Bold" pitchFamily="2" charset="0"/>
+              </a:rPr>
+              <a:t>&gt;()</a:t>
+            </a:r>
             <a:endParaRPr lang="en-US" sz="4000" dirty="0">
               <a:solidFill>
                 <a:schemeClr val="tx1">
@@ -14596,6 +14775,104 @@
                       </p:childTnLst>
                     </p:cTn>
                   </p:par>
+                  <p:par>
+                    <p:cTn id="27" fill="hold">
+                      <p:stCondLst>
+                        <p:cond delay="indefinite"/>
+                      </p:stCondLst>
+                      <p:childTnLst>
+                        <p:par>
+                          <p:cTn id="28" fill="hold">
+                            <p:stCondLst>
+                              <p:cond delay="0"/>
+                            </p:stCondLst>
+                            <p:childTnLst>
+                              <p:par>
+                                <p:cTn id="29" presetID="1" presetClass="entr" presetSubtype="0" fill="hold" nodeType="clickEffect">
+                                  <p:stCondLst>
+                                    <p:cond delay="0"/>
+                                  </p:stCondLst>
+                                  <p:childTnLst>
+                                    <p:set>
+                                      <p:cBhvr>
+                                        <p:cTn id="30" dur="1" fill="hold">
+                                          <p:stCondLst>
+                                            <p:cond delay="0"/>
+                                          </p:stCondLst>
+                                        </p:cTn>
+                                        <p:tgtEl>
+                                          <p:spTgt spid="6">
+                                            <p:txEl>
+                                              <p:pRg st="6" end="6"/>
+                                            </p:txEl>
+                                          </p:spTgt>
+                                        </p:tgtEl>
+                                        <p:attrNameLst>
+                                          <p:attrName>style.visibility</p:attrName>
+                                        </p:attrNameLst>
+                                      </p:cBhvr>
+                                      <p:to>
+                                        <p:strVal val="visible"/>
+                                      </p:to>
+                                    </p:set>
+                                  </p:childTnLst>
+                                </p:cTn>
+                              </p:par>
+                            </p:childTnLst>
+                          </p:cTn>
+                        </p:par>
+                      </p:childTnLst>
+                    </p:cTn>
+                  </p:par>
+                  <p:par>
+                    <p:cTn id="31" fill="hold">
+                      <p:stCondLst>
+                        <p:cond delay="indefinite"/>
+                      </p:stCondLst>
+                      <p:childTnLst>
+                        <p:par>
+                          <p:cTn id="32" fill="hold">
+                            <p:stCondLst>
+                              <p:cond delay="0"/>
+                            </p:stCondLst>
+                            <p:childTnLst>
+                              <p:par>
+                                <p:cTn id="33" presetID="1" presetClass="entr" presetSubtype="0" fill="hold" nodeType="clickEffect">
+                                  <p:stCondLst>
+                                    <p:cond delay="0"/>
+                                  </p:stCondLst>
+                                  <p:childTnLst>
+                                    <p:set>
+                                      <p:cBhvr>
+                                        <p:cTn id="34" dur="1" fill="hold">
+                                          <p:stCondLst>
+                                            <p:cond delay="0"/>
+                                          </p:stCondLst>
+                                        </p:cTn>
+                                        <p:tgtEl>
+                                          <p:spTgt spid="6">
+                                            <p:txEl>
+                                              <p:pRg st="7" end="7"/>
+                                            </p:txEl>
+                                          </p:spTgt>
+                                        </p:tgtEl>
+                                        <p:attrNameLst>
+                                          <p:attrName>style.visibility</p:attrName>
+                                        </p:attrNameLst>
+                                      </p:cBhvr>
+                                      <p:to>
+                                        <p:strVal val="visible"/>
+                                      </p:to>
+                                    </p:set>
+                                  </p:childTnLst>
+                                </p:cTn>
+                              </p:par>
+                            </p:childTnLst>
+                          </p:cTn>
+                        </p:par>
+                      </p:childTnLst>
+                    </p:cTn>
+                  </p:par>
                 </p:childTnLst>
               </p:cTn>
               <p:prevCondLst>
@@ -14894,15 +15171,6 @@
               </a:rPr>
               <a:t>Server-Sent Events</a:t>
             </a:r>
-            <a:endParaRPr lang="en-US" sz="7000" dirty="0" smtClean="0">
-              <a:solidFill>
-                <a:schemeClr val="tx1">
-                  <a:lumMod val="65000"/>
-                  <a:lumOff val="35000"/>
-                </a:schemeClr>
-              </a:solidFill>
-              <a:latin typeface="Yanone Kaffeesatz Bold" pitchFamily="2" charset="0"/>
-            </a:endParaRPr>
           </a:p>
         </p:txBody>
       </p:sp>
@@ -14980,15 +15248,6 @@
               </a:rPr>
               <a:t>Forever Frame</a:t>
             </a:r>
-            <a:endParaRPr lang="en-US" sz="7000" dirty="0" smtClean="0">
-              <a:solidFill>
-                <a:schemeClr val="tx1">
-                  <a:lumMod val="65000"/>
-                  <a:lumOff val="35000"/>
-                </a:schemeClr>
-              </a:solidFill>
-              <a:latin typeface="Yanone Kaffeesatz Bold" pitchFamily="2" charset="0"/>
-            </a:endParaRPr>
           </a:p>
         </p:txBody>
       </p:sp>
@@ -15066,15 +15325,6 @@
               </a:rPr>
               <a:t>Long Polling</a:t>
             </a:r>
-            <a:endParaRPr lang="en-US" sz="7000" dirty="0" smtClean="0">
-              <a:solidFill>
-                <a:schemeClr val="tx1">
-                  <a:lumMod val="65000"/>
-                  <a:lumOff val="35000"/>
-                </a:schemeClr>
-              </a:solidFill>
-              <a:latin typeface="Yanone Kaffeesatz Bold" pitchFamily="2" charset="0"/>
-            </a:endParaRPr>
           </a:p>
         </p:txBody>
       </p:sp>
@@ -15891,7 +16141,7 @@
               <a:buChar char="•"/>
             </a:pPr>
             <a:r>
-              <a:rPr lang="en-US" sz="4000" dirty="0" smtClean="0">
+              <a:rPr lang="en-US" sz="6000" dirty="0" smtClean="0">
                 <a:solidFill>
                   <a:schemeClr val="tx1">
                     <a:lumMod val="65000"/>
@@ -15900,10 +16150,10 @@
                 </a:solidFill>
                 <a:latin typeface="Yanone Kaffeesatz Bold" pitchFamily="2" charset="0"/>
               </a:rPr>
-              <a:t>Group Management</a:t>
-            </a:r>
-            <a:br>
-              <a:rPr lang="en-US" sz="4000" dirty="0" smtClean="0">
+              <a:t>Group </a:t>
+            </a:r>
+            <a:r>
+              <a:rPr lang="en-US" sz="6000" dirty="0" smtClean="0">
                 <a:solidFill>
                   <a:schemeClr val="tx1">
                     <a:lumMod val="65000"/>
@@ -15912,8 +16162,9 @@
                 </a:solidFill>
                 <a:latin typeface="Yanone Kaffeesatz Bold" pitchFamily="2" charset="0"/>
               </a:rPr>
-            </a:br>
-            <a:endParaRPr lang="en-US" sz="4000" dirty="0" smtClean="0">
+              <a:t>Management</a:t>
+            </a:r>
+            <a:endParaRPr lang="en-US" sz="6000" dirty="0" smtClean="0">
               <a:solidFill>
                 <a:schemeClr val="tx1">
                   <a:lumMod val="65000"/>
@@ -15929,7 +16180,7 @@
               <a:buChar char="•"/>
             </a:pPr>
             <a:r>
-              <a:rPr lang="en-US" sz="4000" dirty="0" smtClean="0">
+              <a:rPr lang="en-US" sz="6000" dirty="0" smtClean="0">
                 <a:solidFill>
                   <a:schemeClr val="tx1">
                     <a:lumMod val="65000"/>
@@ -15938,15 +16189,9 @@
                 </a:solidFill>
                 <a:latin typeface="Yanone Kaffeesatz Bold" pitchFamily="2" charset="0"/>
               </a:rPr>
-              <a:t>Scale Out</a:t>
-            </a:r>
-          </a:p>
-          <a:p>
-            <a:pPr marL="857250" indent="-857250" algn="l">
-              <a:buFont typeface="Arial" pitchFamily="34" charset="0"/>
-              <a:buChar char="•"/>
-            </a:pPr>
-            <a:endParaRPr lang="en-US" sz="4000" dirty="0">
+              <a:t>Hosting</a:t>
+            </a:r>
+            <a:endParaRPr lang="en-US" sz="6000" dirty="0" smtClean="0">
               <a:solidFill>
                 <a:schemeClr val="tx1">
                   <a:lumMod val="65000"/>
@@ -15962,7 +16207,7 @@
               <a:buChar char="•"/>
             </a:pPr>
             <a:r>
-              <a:rPr lang="en-US" sz="4000" dirty="0" smtClean="0">
+              <a:rPr lang="en-US" sz="6000" dirty="0" smtClean="0">
                 <a:solidFill>
                   <a:schemeClr val="tx1">
                     <a:lumMod val="65000"/>
@@ -15971,12 +16216,9 @@
                 </a:solidFill>
                 <a:latin typeface="Yanone Kaffeesatz Bold" pitchFamily="2" charset="0"/>
               </a:rPr>
-              <a:t>Hosting</a:t>
-            </a:r>
-          </a:p>
-          <a:p>
-            <a:pPr algn="l"/>
-            <a:endParaRPr lang="en-US" sz="4000" dirty="0" smtClean="0">
+              <a:t>Scale Out</a:t>
+            </a:r>
+            <a:endParaRPr lang="en-US" sz="6000" dirty="0" smtClean="0">
               <a:solidFill>
                 <a:schemeClr val="tx1">
                   <a:lumMod val="65000"/>
@@ -15992,7 +16234,7 @@
               <a:buChar char="•"/>
             </a:pPr>
             <a:r>
-              <a:rPr lang="en-US" sz="4000" dirty="0" smtClean="0">
+              <a:rPr lang="en-US" sz="6000" dirty="0" smtClean="0">
                 <a:solidFill>
                   <a:schemeClr val="tx1">
                     <a:lumMod val="65000"/>
@@ -16141,19 +16383,7 @@
                 <a:latin typeface="Yanone Kaffeesatz Bold" pitchFamily="2" charset="0"/>
                 <a:cs typeface="Aharoni" pitchFamily="2" charset="-79"/>
               </a:rPr>
-              <a:t>Why </a:t>
-            </a:r>
-            <a:r>
-              <a:rPr lang="en-US" sz="8000" dirty="0" smtClean="0">
-                <a:solidFill>
-                  <a:schemeClr val="accent3">
-                    <a:lumMod val="75000"/>
-                  </a:schemeClr>
-                </a:solidFill>
-                <a:latin typeface="Yanone Kaffeesatz Bold" pitchFamily="2" charset="0"/>
-                <a:cs typeface="Aharoni" pitchFamily="2" charset="-79"/>
-              </a:rPr>
-              <a:t>now?</a:t>
+              <a:t>Why now?</a:t>
             </a:r>
             <a:endParaRPr lang="en-US" sz="8000" dirty="0">
               <a:solidFill>
@@ -16194,7 +16424,7 @@
               <a:buChar char="•"/>
             </a:pPr>
             <a:r>
-              <a:rPr lang="en-US" sz="4000" dirty="0" smtClean="0">
+              <a:rPr lang="en-US" sz="6500" dirty="0" smtClean="0">
                 <a:solidFill>
                   <a:schemeClr val="tx1">
                     <a:lumMod val="65000"/>
@@ -16206,7 +16436,7 @@
               <a:t>.NET Thread Pool</a:t>
             </a:r>
             <a:br>
-              <a:rPr lang="en-US" sz="4000" dirty="0" smtClean="0">
+              <a:rPr lang="en-US" sz="6500" dirty="0" smtClean="0">
                 <a:solidFill>
                   <a:schemeClr val="tx1">
                     <a:lumMod val="65000"/>
@@ -16216,7 +16446,7 @@
                 <a:latin typeface="Yanone Kaffeesatz Bold" pitchFamily="2" charset="0"/>
               </a:rPr>
             </a:br>
-            <a:endParaRPr lang="en-US" sz="4000" dirty="0" smtClean="0">
+            <a:endParaRPr lang="en-US" sz="6500" dirty="0" smtClean="0">
               <a:solidFill>
                 <a:schemeClr val="tx1">
                   <a:lumMod val="65000"/>
@@ -16232,7 +16462,7 @@
               <a:buChar char="•"/>
             </a:pPr>
             <a:r>
-              <a:rPr lang="en-US" sz="4000" dirty="0" err="1" smtClean="0">
+              <a:rPr lang="en-US" sz="6500" dirty="0" err="1" smtClean="0">
                 <a:solidFill>
                   <a:schemeClr val="tx1">
                     <a:lumMod val="65000"/>
@@ -16244,7 +16474,7 @@
               <a:t>IAsyncHttpHandler</a:t>
             </a:r>
             <a:r>
-              <a:rPr lang="en-US" sz="4000" dirty="0" smtClean="0">
+              <a:rPr lang="en-US" sz="6500" dirty="0" smtClean="0">
                 <a:solidFill>
                   <a:schemeClr val="tx1">
                     <a:lumMod val="65000"/>
@@ -16256,7 +16486,7 @@
               <a:t/>
             </a:r>
             <a:br>
-              <a:rPr lang="en-US" sz="4000" dirty="0" smtClean="0">
+              <a:rPr lang="en-US" sz="6500" dirty="0" smtClean="0">
                 <a:solidFill>
                   <a:schemeClr val="tx1">
                     <a:lumMod val="65000"/>
@@ -16266,7 +16496,7 @@
                 <a:latin typeface="Yanone Kaffeesatz Bold" pitchFamily="2" charset="0"/>
               </a:rPr>
             </a:br>
-            <a:endParaRPr lang="en-US" sz="4000" dirty="0" smtClean="0">
+            <a:endParaRPr lang="en-US" sz="6500" dirty="0" smtClean="0">
               <a:solidFill>
                 <a:schemeClr val="tx1">
                   <a:lumMod val="65000"/>
@@ -16282,7 +16512,7 @@
               <a:buChar char="•"/>
             </a:pPr>
             <a:r>
-              <a:rPr lang="en-US" sz="4000" dirty="0" smtClean="0">
+              <a:rPr lang="en-US" sz="6500" dirty="0" smtClean="0">
                 <a:solidFill>
                   <a:schemeClr val="tx1">
                     <a:lumMod val="65000"/>

--- a/SignalR-Intro/SignalRIntro.pptx
+++ b/SignalR-Intro/SignalRIntro.pptx
@@ -1120,6 +1120,13 @@
         </dgm:presLayoutVars>
       </dgm:prSet>
       <dgm:spPr/>
+      <dgm:t>
+        <a:bodyPr/>
+        <a:lstStyle/>
+        <a:p>
+          <a:endParaRPr lang="en-US"/>
+        </a:p>
+      </dgm:t>
     </dgm:pt>
     <dgm:pt modelId="{368E84F8-A097-4F9D-8C34-11BD59CDAD7E}" type="pres">
       <dgm:prSet presAssocID="{38118207-32D2-4218-8231-D095A315CE05}" presName="arrowNode" presStyleLbl="node1" presStyleIdx="0" presStyleCnt="1"/>
@@ -1162,6 +1169,13 @@
     <dgm:pt modelId="{8110D637-6A2E-498F-A96E-C0E025A11F6F}" type="pres">
       <dgm:prSet presAssocID="{5391119F-5D7E-4B04-8B9F-4121B99E0459}" presName="dotRepeatNode" presStyleLbl="fgShp" presStyleIdx="0" presStyleCnt="2"/>
       <dgm:spPr/>
+      <dgm:t>
+        <a:bodyPr/>
+        <a:lstStyle/>
+        <a:p>
+          <a:endParaRPr lang="en-US"/>
+        </a:p>
+      </dgm:t>
     </dgm:pt>
     <dgm:pt modelId="{DED75076-815C-4D08-B3F0-DD9C5C33C0DA}" type="pres">
       <dgm:prSet presAssocID="{39A2E192-A25C-4C07-97E8-E7A20E23D452}" presName="txNode3" presStyleLbl="revTx" presStyleIdx="2" presStyleCnt="4">
@@ -1185,6 +1199,13 @@
     <dgm:pt modelId="{F630CED8-81D7-4807-95C2-89F6FEB413C9}" type="pres">
       <dgm:prSet presAssocID="{6A674A6E-CBF5-403C-9709-E98CBC7947DC}" presName="dotRepeatNode" presStyleLbl="fgShp" presStyleIdx="1" presStyleCnt="2"/>
       <dgm:spPr/>
+      <dgm:t>
+        <a:bodyPr/>
+        <a:lstStyle/>
+        <a:p>
+          <a:endParaRPr lang="en-US"/>
+        </a:p>
+      </dgm:t>
     </dgm:pt>
     <dgm:pt modelId="{8534BF6C-C968-4C7B-BF76-5FC272715AD8}" type="pres">
       <dgm:prSet presAssocID="{CFBB7400-FAE3-4DAA-955D-A7EF84EBD725}" presName="txNode4" presStyleLbl="revTx" presStyleIdx="3" presStyleCnt="4" custScaleX="160190" custLinFactNeighborX="38417" custLinFactNeighborY="8951">
@@ -1203,17 +1224,17 @@
     </dgm:pt>
   </dgm:ptLst>
   <dgm:cxnLst>
+    <dgm:cxn modelId="{21C53C8A-2AED-45AA-AB1B-6B59979B8DAD}" srcId="{38118207-32D2-4218-8231-D095A315CE05}" destId="{CFBB7400-FAE3-4DAA-955D-A7EF84EBD725}" srcOrd="3" destOrd="0" parTransId="{B2B8DE7D-D018-4473-854C-047FC4A2D6E2}" sibTransId="{6939C242-7D95-4858-A82E-644D690A7965}"/>
     <dgm:cxn modelId="{20480D7B-44FB-4F07-872E-BCDFE4A54426}" type="presOf" srcId="{38118207-32D2-4218-8231-D095A315CE05}" destId="{22DA76D7-CB49-4B26-9F53-CBFDD4CC4082}" srcOrd="0" destOrd="0" presId="urn:microsoft.com/office/officeart/2009/3/layout/DescendingProcess"/>
-    <dgm:cxn modelId="{A061F058-CE37-40E1-86E2-D8CAB64FD9D7}" type="presOf" srcId="{5391119F-5D7E-4B04-8B9F-4121B99E0459}" destId="{8110D637-6A2E-498F-A96E-C0E025A11F6F}" srcOrd="0" destOrd="0" presId="urn:microsoft.com/office/officeart/2009/3/layout/DescendingProcess"/>
     <dgm:cxn modelId="{602E95CA-1CD6-4E73-B63D-B63A70A6AD0C}" srcId="{38118207-32D2-4218-8231-D095A315CE05}" destId="{4E9429E5-4F8A-4217-B251-336F7AFD2F10}" srcOrd="0" destOrd="0" parTransId="{FD1FA122-544B-4A14-81AD-F54413B048A1}" sibTransId="{69521F54-81BD-4AA2-9731-C4229A8ADFF3}"/>
-    <dgm:cxn modelId="{AFDE4D75-2FBF-48FD-99F7-906D909A843A}" type="presOf" srcId="{39A2E192-A25C-4C07-97E8-E7A20E23D452}" destId="{DED75076-815C-4D08-B3F0-DD9C5C33C0DA}" srcOrd="0" destOrd="0" presId="urn:microsoft.com/office/officeart/2009/3/layout/DescendingProcess"/>
     <dgm:cxn modelId="{9426764D-A461-4F0B-8ED8-234E567209F5}" type="presOf" srcId="{6A674A6E-CBF5-403C-9709-E98CBC7947DC}" destId="{F630CED8-81D7-4807-95C2-89F6FEB413C9}" srcOrd="0" destOrd="0" presId="urn:microsoft.com/office/officeart/2009/3/layout/DescendingProcess"/>
     <dgm:cxn modelId="{D72F9A5C-9E24-4C57-9B85-2F98F06C2FC0}" type="presOf" srcId="{4E9429E5-4F8A-4217-B251-336F7AFD2F10}" destId="{E0412B1C-2F76-46EB-A1E5-AED80A01BF6C}" srcOrd="0" destOrd="0" presId="urn:microsoft.com/office/officeart/2009/3/layout/DescendingProcess"/>
+    <dgm:cxn modelId="{B12F4D26-D3CB-4969-B030-5471144010E8}" srcId="{38118207-32D2-4218-8231-D095A315CE05}" destId="{703428AE-7D13-4AA6-8044-55E832277DA8}" srcOrd="1" destOrd="0" parTransId="{2E0BF4D7-B532-4A00-A395-9142ABCF5340}" sibTransId="{5391119F-5D7E-4B04-8B9F-4121B99E0459}"/>
+    <dgm:cxn modelId="{A061F058-CE37-40E1-86E2-D8CAB64FD9D7}" type="presOf" srcId="{5391119F-5D7E-4B04-8B9F-4121B99E0459}" destId="{8110D637-6A2E-498F-A96E-C0E025A11F6F}" srcOrd="0" destOrd="0" presId="urn:microsoft.com/office/officeart/2009/3/layout/DescendingProcess"/>
+    <dgm:cxn modelId="{7C6630F6-212C-440E-B4A3-D3BBAC923EB3}" srcId="{38118207-32D2-4218-8231-D095A315CE05}" destId="{39A2E192-A25C-4C07-97E8-E7A20E23D452}" srcOrd="2" destOrd="0" parTransId="{59147F12-D566-461C-B9B6-FAB2DBD3BE02}" sibTransId="{6A674A6E-CBF5-403C-9709-E98CBC7947DC}"/>
+    <dgm:cxn modelId="{3A2D1F23-7235-423B-9A1F-326E91BC1B85}" type="presOf" srcId="{703428AE-7D13-4AA6-8044-55E832277DA8}" destId="{50307124-3E4B-4DEA-8FC4-B91103B94AAB}" srcOrd="0" destOrd="0" presId="urn:microsoft.com/office/officeart/2009/3/layout/DescendingProcess"/>
+    <dgm:cxn modelId="{AFDE4D75-2FBF-48FD-99F7-906D909A843A}" type="presOf" srcId="{39A2E192-A25C-4C07-97E8-E7A20E23D452}" destId="{DED75076-815C-4D08-B3F0-DD9C5C33C0DA}" srcOrd="0" destOrd="0" presId="urn:microsoft.com/office/officeart/2009/3/layout/DescendingProcess"/>
     <dgm:cxn modelId="{7FDAB6E1-15F5-4880-A794-C3BDD8A8D3C9}" type="presOf" srcId="{CFBB7400-FAE3-4DAA-955D-A7EF84EBD725}" destId="{8534BF6C-C968-4C7B-BF76-5FC272715AD8}" srcOrd="0" destOrd="0" presId="urn:microsoft.com/office/officeart/2009/3/layout/DescendingProcess"/>
-    <dgm:cxn modelId="{21C53C8A-2AED-45AA-AB1B-6B59979B8DAD}" srcId="{38118207-32D2-4218-8231-D095A315CE05}" destId="{CFBB7400-FAE3-4DAA-955D-A7EF84EBD725}" srcOrd="3" destOrd="0" parTransId="{B2B8DE7D-D018-4473-854C-047FC4A2D6E2}" sibTransId="{6939C242-7D95-4858-A82E-644D690A7965}"/>
-    <dgm:cxn modelId="{B12F4D26-D3CB-4969-B030-5471144010E8}" srcId="{38118207-32D2-4218-8231-D095A315CE05}" destId="{703428AE-7D13-4AA6-8044-55E832277DA8}" srcOrd="1" destOrd="0" parTransId="{2E0BF4D7-B532-4A00-A395-9142ABCF5340}" sibTransId="{5391119F-5D7E-4B04-8B9F-4121B99E0459}"/>
-    <dgm:cxn modelId="{3A2D1F23-7235-423B-9A1F-326E91BC1B85}" type="presOf" srcId="{703428AE-7D13-4AA6-8044-55E832277DA8}" destId="{50307124-3E4B-4DEA-8FC4-B91103B94AAB}" srcOrd="0" destOrd="0" presId="urn:microsoft.com/office/officeart/2009/3/layout/DescendingProcess"/>
-    <dgm:cxn modelId="{7C6630F6-212C-440E-B4A3-D3BBAC923EB3}" srcId="{38118207-32D2-4218-8231-D095A315CE05}" destId="{39A2E192-A25C-4C07-97E8-E7A20E23D452}" srcOrd="2" destOrd="0" parTransId="{59147F12-D566-461C-B9B6-FAB2DBD3BE02}" sibTransId="{6A674A6E-CBF5-403C-9709-E98CBC7947DC}"/>
     <dgm:cxn modelId="{C2B47CD4-C00D-4DB6-BD3E-60071185AFFB}" type="presParOf" srcId="{22DA76D7-CB49-4B26-9F53-CBFDD4CC4082}" destId="{368E84F8-A097-4F9D-8C34-11BD59CDAD7E}" srcOrd="0" destOrd="0" presId="urn:microsoft.com/office/officeart/2009/3/layout/DescendingProcess"/>
     <dgm:cxn modelId="{51E74442-F443-434E-88C8-C3C8D3F2CBB5}" type="presParOf" srcId="{22DA76D7-CB49-4B26-9F53-CBFDD4CC4082}" destId="{E0412B1C-2F76-46EB-A1E5-AED80A01BF6C}" srcOrd="1" destOrd="0" presId="urn:microsoft.com/office/officeart/2009/3/layout/DescendingProcess"/>
     <dgm:cxn modelId="{22B8200C-492E-4CE2-9FC7-3798A75DE043}" type="presParOf" srcId="{22DA76D7-CB49-4B26-9F53-CBFDD4CC4082}" destId="{50307124-3E4B-4DEA-8FC4-B91103B94AAB}" srcOrd="2" destOrd="0" presId="urn:microsoft.com/office/officeart/2009/3/layout/DescendingProcess"/>
@@ -11313,13 +11334,10 @@
                 </a:solidFill>
                 <a:latin typeface="Yanone Kaffeesatz Bold" pitchFamily="2" charset="0"/>
               </a:rPr>
-              <a:t>Ahmed Alani</a:t>
-            </a:r>
-          </a:p>
-          <a:p>
-            <a:pPr algn="r"/>
-            <a:r>
-              <a:rPr lang="en-US" sz="2500" dirty="0" smtClean="0">
+              <a:t>Ahmed </a:t>
+            </a:r>
+            <a:r>
+              <a:rPr lang="en-US" sz="2500" dirty="0" err="1" smtClean="0">
                 <a:solidFill>
                   <a:schemeClr val="tx1">
                     <a:lumMod val="50000"/>
@@ -11327,9 +11345,32 @@
                   </a:schemeClr>
                 </a:solidFill>
                 <a:latin typeface="Yanone Kaffeesatz Bold" pitchFamily="2" charset="0"/>
-                <a:hlinkClick r:id="rId3"/>
               </a:rPr>
-              <a:t>www.ahmedalani.com</a:t>
+              <a:t>Alani</a:t>
+            </a:r>
+            <a:endParaRPr lang="en-US" sz="2500" dirty="0" smtClean="0">
+              <a:solidFill>
+                <a:schemeClr val="tx1">
+                  <a:lumMod val="50000"/>
+                  <a:lumOff val="50000"/>
+                </a:schemeClr>
+              </a:solidFill>
+              <a:latin typeface="Yanone Kaffeesatz Bold" pitchFamily="2" charset="0"/>
+            </a:endParaRPr>
+          </a:p>
+          <a:p>
+            <a:pPr algn="r"/>
+            <a:r>
+              <a:rPr lang="en-US" sz="2500" dirty="0" smtClean="0">
+                <a:solidFill>
+                  <a:schemeClr val="tx1">
+                    <a:lumMod val="50000"/>
+                    <a:lumOff val="50000"/>
+                  </a:schemeClr>
+                </a:solidFill>
+                <a:latin typeface="Yanone Kaffeesatz Bold" pitchFamily="2" charset="0"/>
+              </a:rPr>
+              <a:t>ahmed.k.alani@gmail.com</a:t>
             </a:r>
             <a:endParaRPr lang="en-US" sz="2500" dirty="0" smtClean="0">
               <a:solidFill>
@@ -14756,7 +14797,29 @@
                 </a:solidFill>
                 <a:latin typeface="Yanone Kaffeesatz Bold" pitchFamily="2" charset="0"/>
               </a:rPr>
-              <a:t>.NET Server + Client libraries enabling you </a:t>
+              <a:t>.NET Server + Client libraries enabling you to build </a:t>
+            </a:r>
+            <a:r>
+              <a:rPr lang="en-US" sz="4500" dirty="0" err="1" smtClean="0">
+                <a:solidFill>
+                  <a:schemeClr val="accent2">
+                    <a:lumMod val="75000"/>
+                  </a:schemeClr>
+                </a:solidFill>
+                <a:latin typeface="Yanone Kaffeesatz Bold" pitchFamily="2" charset="0"/>
+              </a:rPr>
+              <a:t>realtime</a:t>
+            </a:r>
+            <a:r>
+              <a:rPr lang="en-US" sz="4500" dirty="0" smtClean="0">
+                <a:solidFill>
+                  <a:schemeClr val="accent2">
+                    <a:lumMod val="75000"/>
+                  </a:schemeClr>
+                </a:solidFill>
+                <a:latin typeface="Yanone Kaffeesatz Bold" pitchFamily="2" charset="0"/>
+              </a:rPr>
+              <a:t>, multi-user </a:t>
             </a:r>
             <a:r>
               <a:rPr lang="en-US" sz="4500" dirty="0" smtClean="0">
@@ -14768,53 +14831,7 @@
                 </a:solidFill>
                 <a:latin typeface="Yanone Kaffeesatz Bold" pitchFamily="2" charset="0"/>
               </a:rPr>
-              <a:t>to build </a:t>
-            </a:r>
-            <a:r>
-              <a:rPr lang="en-US" sz="4500" dirty="0" err="1" smtClean="0">
-                <a:solidFill>
-                  <a:schemeClr val="accent2">
-                    <a:lumMod val="75000"/>
-                  </a:schemeClr>
-                </a:solidFill>
-                <a:latin typeface="Yanone Kaffeesatz Bold" pitchFamily="2" charset="0"/>
-              </a:rPr>
-              <a:t>realtime</a:t>
-            </a:r>
-            <a:r>
-              <a:rPr lang="en-US" sz="4500" dirty="0" smtClean="0">
-                <a:solidFill>
-                  <a:schemeClr val="accent2">
-                    <a:lumMod val="75000"/>
-                  </a:schemeClr>
-                </a:solidFill>
-                <a:latin typeface="Yanone Kaffeesatz Bold" pitchFamily="2" charset="0"/>
-              </a:rPr>
-              <a:t>, multi-user </a:t>
-            </a:r>
-            <a:r>
-              <a:rPr lang="en-US" sz="4500" dirty="0" smtClean="0">
-                <a:solidFill>
-                  <a:schemeClr val="tx1">
-                    <a:lumMod val="65000"/>
-                    <a:lumOff val="35000"/>
-                  </a:schemeClr>
-                </a:solidFill>
-                <a:latin typeface="Yanone Kaffeesatz Bold" pitchFamily="2" charset="0"/>
-              </a:rPr>
               <a:t>applications</a:t>
-            </a:r>
-            <a:r>
-              <a:rPr lang="en-US" sz="4500" dirty="0" smtClean="0">
-                <a:solidFill>
-                  <a:schemeClr val="tx1">
-                    <a:lumMod val="65000"/>
-                    <a:lumOff val="35000"/>
-                  </a:schemeClr>
-                </a:solidFill>
-                <a:latin typeface="Yanone Kaffeesatz Bold" pitchFamily="2" charset="0"/>
-              </a:rPr>
-              <a:t/>
             </a:r>
             <a:br>
               <a:rPr lang="en-US" sz="4500" dirty="0" smtClean="0">
@@ -14890,31 +14907,7 @@
                 </a:solidFill>
                 <a:latin typeface="Yanone Kaffeesatz Bold" pitchFamily="2" charset="0"/>
               </a:rPr>
-              <a:t>Created by </a:t>
-            </a:r>
-            <a:r>
-              <a:rPr lang="en-US" sz="4500" dirty="0" smtClean="0">
-                <a:solidFill>
-                  <a:schemeClr val="tx1">
-                    <a:lumMod val="65000"/>
-                    <a:lumOff val="35000"/>
-                  </a:schemeClr>
-                </a:solidFill>
-                <a:latin typeface="Yanone Kaffeesatz Bold" pitchFamily="2" charset="0"/>
-              </a:rPr>
-              <a:t>David Fowler and Damien Edwards @</a:t>
-            </a:r>
-            <a:r>
-              <a:rPr lang="en-US" sz="4500" dirty="0" smtClean="0">
-                <a:solidFill>
-                  <a:schemeClr val="tx1">
-                    <a:lumMod val="65000"/>
-                    <a:lumOff val="35000"/>
-                  </a:schemeClr>
-                </a:solidFill>
-                <a:latin typeface="Yanone Kaffeesatz Bold" pitchFamily="2" charset="0"/>
-              </a:rPr>
-              <a:t>Microsoft</a:t>
+              <a:t>Created by David Fowler and Damien Edwards @Microsoft</a:t>
             </a:r>
             <a:endParaRPr lang="en-US" sz="5000" dirty="0" smtClean="0">
               <a:solidFill>
@@ -20686,7 +20679,7 @@
                 </a:solidFill>
                 <a:latin typeface="Yanone Kaffeesatz Bold" pitchFamily="2" charset="0"/>
               </a:rPr>
-              <a:t>damienedwards</a:t>
+              <a:t>DamienEdwards</a:t>
             </a:r>
             <a:r>
               <a:rPr lang="en-US" sz="4800" dirty="0" smtClean="0">
@@ -20710,7 +20703,7 @@
                 </a:solidFill>
                 <a:latin typeface="Yanone Kaffeesatz Bold" pitchFamily="2" charset="0"/>
               </a:rPr>
-              <a:t>davidfowler</a:t>
+              <a:t>davidfowl</a:t>
             </a:r>
             <a:endParaRPr lang="en-US" sz="4800" dirty="0">
               <a:solidFill>
@@ -20918,20 +20911,7 @@
                 <a:latin typeface="Yanone Kaffeesatz Bold" pitchFamily="2" charset="0"/>
                 <a:cs typeface="Aharoni" pitchFamily="2" charset="-79"/>
               </a:rPr>
-              <a:t>Roadmap - </a:t>
-            </a:r>
-            <a:r>
-              <a:rPr lang="en-US" sz="8000" dirty="0" smtClean="0">
-                <a:solidFill>
-                  <a:schemeClr val="tx2">
-                    <a:lumMod val="60000"/>
-                    <a:lumOff val="40000"/>
-                  </a:schemeClr>
-                </a:solidFill>
-                <a:latin typeface="Yanone Kaffeesatz Bold" pitchFamily="2" charset="0"/>
-                <a:cs typeface="Aharoni" pitchFamily="2" charset="-79"/>
-              </a:rPr>
-              <a:t>ASP.NET</a:t>
+              <a:t>Roadmap - ASP.NET</a:t>
             </a:r>
             <a:endParaRPr lang="en-US" sz="8000" dirty="0">
               <a:solidFill>
@@ -21091,19 +21071,7 @@
               <a:rPr lang="en-US" sz="1500" dirty="0" smtClean="0">
                 <a:hlinkClick r:id="rId4"/>
               </a:rPr>
-              <a:t>http</a:t>
-            </a:r>
-            <a:r>
-              <a:rPr lang="en-US" sz="1500" dirty="0" smtClean="0">
-                <a:hlinkClick r:id="rId4"/>
-              </a:rPr>
-              <a:t>://</a:t>
-            </a:r>
-            <a:r>
-              <a:rPr lang="en-US" sz="1500" dirty="0" smtClean="0">
-                <a:hlinkClick r:id="rId4"/>
-              </a:rPr>
-              <a:t>www.asp.net/vnext/overview/videos/signalr-and-web-sockets</a:t>
+              <a:t>http://www.asp.net/vnext/overview/videos/signalr-and-web-sockets</a:t>
             </a:r>
             <a:endParaRPr lang="en-US" sz="1500" dirty="0"/>
           </a:p>

--- a/SignalR-Intro/SignalRIntro.pptx
+++ b/SignalR-Intro/SignalRIntro.pptx
@@ -5,7 +5,7 @@
     <p:sldMasterId id="2147483648" r:id="rId1"/>
   </p:sldMasterIdLst>
   <p:notesMasterIdLst>
-    <p:notesMasterId r:id="rId37"/>
+    <p:notesMasterId r:id="rId35"/>
   </p:notesMasterIdLst>
   <p:sldIdLst>
     <p:sldId id="258" r:id="rId2"/>
@@ -16,33 +16,31 @@
     <p:sldId id="313" r:id="rId7"/>
     <p:sldId id="274" r:id="rId8"/>
     <p:sldId id="261" r:id="rId9"/>
-    <p:sldId id="280" r:id="rId10"/>
-    <p:sldId id="278" r:id="rId11"/>
-    <p:sldId id="273" r:id="rId12"/>
-    <p:sldId id="307" r:id="rId13"/>
-    <p:sldId id="320" r:id="rId14"/>
-    <p:sldId id="290" r:id="rId15"/>
-    <p:sldId id="321" r:id="rId16"/>
-    <p:sldId id="291" r:id="rId17"/>
-    <p:sldId id="322" r:id="rId18"/>
-    <p:sldId id="292" r:id="rId19"/>
-    <p:sldId id="323" r:id="rId20"/>
-    <p:sldId id="324" r:id="rId21"/>
-    <p:sldId id="325" r:id="rId22"/>
-    <p:sldId id="326" r:id="rId23"/>
-    <p:sldId id="285" r:id="rId24"/>
-    <p:sldId id="293" r:id="rId25"/>
-    <p:sldId id="303" r:id="rId26"/>
-    <p:sldId id="288" r:id="rId27"/>
-    <p:sldId id="331" r:id="rId28"/>
-    <p:sldId id="329" r:id="rId29"/>
-    <p:sldId id="333" r:id="rId30"/>
-    <p:sldId id="336" r:id="rId31"/>
-    <p:sldId id="328" r:id="rId32"/>
-    <p:sldId id="330" r:id="rId33"/>
-    <p:sldId id="327" r:id="rId34"/>
-    <p:sldId id="302" r:id="rId35"/>
-    <p:sldId id="332" r:id="rId36"/>
+    <p:sldId id="278" r:id="rId10"/>
+    <p:sldId id="273" r:id="rId11"/>
+    <p:sldId id="307" r:id="rId12"/>
+    <p:sldId id="320" r:id="rId13"/>
+    <p:sldId id="290" r:id="rId14"/>
+    <p:sldId id="321" r:id="rId15"/>
+    <p:sldId id="291" r:id="rId16"/>
+    <p:sldId id="322" r:id="rId17"/>
+    <p:sldId id="292" r:id="rId18"/>
+    <p:sldId id="323" r:id="rId19"/>
+    <p:sldId id="324" r:id="rId20"/>
+    <p:sldId id="325" r:id="rId21"/>
+    <p:sldId id="326" r:id="rId22"/>
+    <p:sldId id="285" r:id="rId23"/>
+    <p:sldId id="293" r:id="rId24"/>
+    <p:sldId id="303" r:id="rId25"/>
+    <p:sldId id="331" r:id="rId26"/>
+    <p:sldId id="329" r:id="rId27"/>
+    <p:sldId id="333" r:id="rId28"/>
+    <p:sldId id="336" r:id="rId29"/>
+    <p:sldId id="328" r:id="rId30"/>
+    <p:sldId id="330" r:id="rId31"/>
+    <p:sldId id="327" r:id="rId32"/>
+    <p:sldId id="302" r:id="rId33"/>
+    <p:sldId id="332" r:id="rId34"/>
   </p:sldIdLst>
   <p:sldSz cx="9144000" cy="6858000" type="screen4x3"/>
   <p:notesSz cx="6858000" cy="9144000"/>
@@ -4083,7 +4081,7 @@
           <a:p>
             <a:fld id="{E76AAE11-CCE4-491F-9A3B-35EA6902E85C}" type="slidenum">
               <a:rPr lang="en-US" smtClean="0"/>
-              <a:t>12</a:t>
+              <a:t>11</a:t>
             </a:fld>
             <a:endParaRPr lang="en-US"/>
           </a:p>
@@ -4316,7 +4314,7 @@
           <a:p>
             <a:fld id="{E76AAE11-CCE4-491F-9A3B-35EA6902E85C}" type="slidenum">
               <a:rPr lang="en-US" smtClean="0"/>
-              <a:t>14</a:t>
+              <a:t>13</a:t>
             </a:fld>
             <a:endParaRPr lang="en-US"/>
           </a:p>
@@ -4617,7 +4615,7 @@
           <a:p>
             <a:fld id="{E76AAE11-CCE4-491F-9A3B-35EA6902E85C}" type="slidenum">
               <a:rPr lang="en-US" smtClean="0"/>
-              <a:t>16</a:t>
+              <a:t>15</a:t>
             </a:fld>
             <a:endParaRPr lang="en-US"/>
           </a:p>
@@ -4769,7 +4767,7 @@
           <a:p>
             <a:fld id="{E76AAE11-CCE4-491F-9A3B-35EA6902E85C}" type="slidenum">
               <a:rPr lang="en-US" smtClean="0"/>
-              <a:t>18</a:t>
+              <a:t>17</a:t>
             </a:fld>
             <a:endParaRPr lang="en-US"/>
           </a:p>
@@ -5007,7 +5005,7 @@
           <a:p>
             <a:fld id="{E76AAE11-CCE4-491F-9A3B-35EA6902E85C}" type="slidenum">
               <a:rPr lang="en-US" smtClean="0"/>
-              <a:t>19</a:t>
+              <a:t>18</a:t>
             </a:fld>
             <a:endParaRPr lang="en-US"/>
           </a:p>
@@ -5245,7 +5243,7 @@
           <a:p>
             <a:fld id="{E76AAE11-CCE4-491F-9A3B-35EA6902E85C}" type="slidenum">
               <a:rPr lang="en-US" smtClean="0"/>
-              <a:t>20</a:t>
+              <a:t>19</a:t>
             </a:fld>
             <a:endParaRPr lang="en-US"/>
           </a:p>
@@ -5483,7 +5481,7 @@
           <a:p>
             <a:fld id="{E76AAE11-CCE4-491F-9A3B-35EA6902E85C}" type="slidenum">
               <a:rPr lang="en-US" smtClean="0"/>
-              <a:t>21</a:t>
+              <a:t>20</a:t>
             </a:fld>
             <a:endParaRPr lang="en-US"/>
           </a:p>
@@ -5721,7 +5719,7 @@
           <a:p>
             <a:fld id="{E76AAE11-CCE4-491F-9A3B-35EA6902E85C}" type="slidenum">
               <a:rPr lang="en-US" smtClean="0"/>
-              <a:t>22</a:t>
+              <a:t>21</a:t>
             </a:fld>
             <a:endParaRPr lang="en-US"/>
           </a:p>
@@ -5909,7 +5907,7 @@
           <a:p>
             <a:fld id="{E76AAE11-CCE4-491F-9A3B-35EA6902E85C}" type="slidenum">
               <a:rPr lang="en-US" smtClean="0"/>
-              <a:t>24</a:t>
+              <a:t>23</a:t>
             </a:fld>
             <a:endParaRPr lang="en-US"/>
           </a:p>
@@ -6002,7 +6000,7 @@
     </p:spTree>
     <p:extLst>
       <p:ext uri="{BB962C8B-B14F-4D97-AF65-F5344CB8AC3E}">
-        <p14:creationId xmlns:p14="http://schemas.microsoft.com/office/powerpoint/2010/main" val="3615951867"/>
+        <p14:creationId xmlns:p14="http://schemas.microsoft.com/office/powerpoint/2010/main" val="3895442839"/>
       </p:ext>
     </p:extLst>
   </p:cSld>
@@ -6161,7 +6159,7 @@
           <a:p>
             <a:fld id="{E76AAE11-CCE4-491F-9A3B-35EA6902E85C}" type="slidenum">
               <a:rPr lang="en-US" smtClean="0"/>
-              <a:t>28</a:t>
+              <a:t>27</a:t>
             </a:fld>
             <a:endParaRPr lang="en-US"/>
           </a:p>
@@ -6170,7 +6168,7 @@
     </p:spTree>
     <p:extLst>
       <p:ext uri="{BB962C8B-B14F-4D97-AF65-F5344CB8AC3E}">
-        <p14:creationId xmlns:p14="http://schemas.microsoft.com/office/powerpoint/2010/main" val="3895442839"/>
+        <p14:creationId xmlns:p14="http://schemas.microsoft.com/office/powerpoint/2010/main" val="3509255577"/>
       </p:ext>
     </p:extLst>
   </p:cSld>
@@ -6245,7 +6243,7 @@
           <a:p>
             <a:fld id="{E76AAE11-CCE4-491F-9A3B-35EA6902E85C}" type="slidenum">
               <a:rPr lang="en-US" smtClean="0"/>
-              <a:t>29</a:t>
+              <a:t>28</a:t>
             </a:fld>
             <a:endParaRPr lang="en-US"/>
           </a:p>
@@ -6254,7 +6252,7 @@
     </p:spTree>
     <p:extLst>
       <p:ext uri="{BB962C8B-B14F-4D97-AF65-F5344CB8AC3E}">
-        <p14:creationId xmlns:p14="http://schemas.microsoft.com/office/powerpoint/2010/main" val="3509255577"/>
+        <p14:creationId xmlns:p14="http://schemas.microsoft.com/office/powerpoint/2010/main" val="2528364631"/>
       </p:ext>
     </p:extLst>
   </p:cSld>
@@ -6329,7 +6327,7 @@
           <a:p>
             <a:fld id="{E76AAE11-CCE4-491F-9A3B-35EA6902E85C}" type="slidenum">
               <a:rPr lang="en-US" smtClean="0"/>
-              <a:t>30</a:t>
+              <a:t>29</a:t>
             </a:fld>
             <a:endParaRPr lang="en-US"/>
           </a:p>
@@ -6338,7 +6336,7 @@
     </p:spTree>
     <p:extLst>
       <p:ext uri="{BB962C8B-B14F-4D97-AF65-F5344CB8AC3E}">
-        <p14:creationId xmlns:p14="http://schemas.microsoft.com/office/powerpoint/2010/main" val="2528364631"/>
+        <p14:creationId xmlns:p14="http://schemas.microsoft.com/office/powerpoint/2010/main" val="374496698"/>
       </p:ext>
     </p:extLst>
   </p:cSld>
@@ -6413,7 +6411,7 @@
           <a:p>
             <a:fld id="{E76AAE11-CCE4-491F-9A3B-35EA6902E85C}" type="slidenum">
               <a:rPr lang="en-US" smtClean="0"/>
-              <a:t>31</a:t>
+              <a:t>30</a:t>
             </a:fld>
             <a:endParaRPr lang="en-US"/>
           </a:p>
@@ -6422,7 +6420,7 @@
     </p:spTree>
     <p:extLst>
       <p:ext uri="{BB962C8B-B14F-4D97-AF65-F5344CB8AC3E}">
-        <p14:creationId xmlns:p14="http://schemas.microsoft.com/office/powerpoint/2010/main" val="374496698"/>
+        <p14:creationId xmlns:p14="http://schemas.microsoft.com/office/powerpoint/2010/main" val="1565139480"/>
       </p:ext>
     </p:extLst>
   </p:cSld>
@@ -6476,6 +6474,289 @@
           <a:bodyPr/>
           <a:lstStyle/>
           <a:p>
+            <a:r>
+              <a:rPr lang="en-US" sz="1200" dirty="0" smtClean="0"/>
+              <a:t>Typically with .NET </a:t>
+            </a:r>
+            <a:r>
+              <a:rPr lang="en-US" sz="1200" dirty="0" err="1" smtClean="0"/>
+              <a:t>ihttphandler</a:t>
+            </a:r>
+            <a:r>
+              <a:rPr lang="en-US" sz="1200" dirty="0" smtClean="0"/>
+              <a:t> this would hold onto a request thread, wouldn’t scale beyond 20-30 threads</a:t>
+            </a:r>
+            <a:br>
+              <a:rPr lang="en-US" sz="1200" dirty="0" smtClean="0"/>
+            </a:br>
+            <a:r>
+              <a:rPr lang="en-US" sz="1200" dirty="0" smtClean="0"/>
+              <a:t>Last 5 years.  </a:t>
+            </a:r>
+            <a:br>
+              <a:rPr lang="en-US" sz="1200" dirty="0" smtClean="0"/>
+            </a:br>
+            <a:r>
+              <a:rPr lang="en-US" sz="1200" dirty="0" smtClean="0"/>
+              <a:t>How asp.net uses threads -&gt; </a:t>
+            </a:r>
+            <a:br>
+              <a:rPr lang="en-US" sz="1200" dirty="0" smtClean="0"/>
+            </a:br>
+            <a:r>
+              <a:rPr lang="en-US" sz="1200" dirty="0" smtClean="0"/>
+              <a:t>	when app starts up it uses the .NET </a:t>
+            </a:r>
+            <a:r>
+              <a:rPr lang="en-US" sz="1200" dirty="0" err="1" smtClean="0"/>
+              <a:t>threadpool</a:t>
+            </a:r>
+            <a:r>
+              <a:rPr lang="en-US" sz="1200" dirty="0" smtClean="0"/>
+              <a:t> (CLR </a:t>
+            </a:r>
+            <a:r>
+              <a:rPr lang="en-US" sz="1200" dirty="0" err="1" smtClean="0"/>
+              <a:t>Threadpool</a:t>
+            </a:r>
+            <a:r>
+              <a:rPr lang="en-US" sz="1200" dirty="0" smtClean="0"/>
+              <a:t>), allocated when app starts up.</a:t>
+            </a:r>
+            <a:br>
+              <a:rPr lang="en-US" sz="1200" dirty="0" smtClean="0"/>
+            </a:br>
+            <a:r>
+              <a:rPr lang="en-US" sz="1200" dirty="0" smtClean="0"/>
+              <a:t>	request thread comes in from IIS -&gt; handed off to your app, your app uses </a:t>
+            </a:r>
+            <a:r>
+              <a:rPr lang="en-US" sz="1200" dirty="0" err="1" smtClean="0"/>
+              <a:t>threadpool</a:t>
+            </a:r>
+            <a:r>
+              <a:rPr lang="en-US" sz="1200" dirty="0" smtClean="0"/>
+              <a:t> thread and is assigned to that request</a:t>
+            </a:r>
+            <a:br>
+              <a:rPr lang="en-US" sz="1200" dirty="0" smtClean="0"/>
+            </a:br>
+            <a:r>
+              <a:rPr lang="en-US" sz="1200" dirty="0" smtClean="0"/>
+              <a:t>		this is modeled off of quick request/response, not good for persistent connection</a:t>
+            </a:r>
+            <a:br>
+              <a:rPr lang="en-US" sz="1200" dirty="0" smtClean="0"/>
+            </a:br>
+            <a:r>
+              <a:rPr lang="en-US" sz="1200" dirty="0" smtClean="0"/>
+              <a:t>	Prior to .NET 4, default # of threads is low as hell 25 default per </a:t>
+            </a:r>
+            <a:r>
+              <a:rPr lang="en-US" sz="1200" dirty="0" err="1" smtClean="0"/>
+              <a:t>cpu</a:t>
+            </a:r>
+            <a:r>
+              <a:rPr lang="en-US" sz="1200" dirty="0" smtClean="0"/>
+              <a:t>, increased to</a:t>
+            </a:r>
+            <a:r>
+              <a:rPr lang="en-US" sz="1200" baseline="0" dirty="0" smtClean="0"/>
+              <a:t> 250 and 1000 IO completion</a:t>
+            </a:r>
+          </a:p>
+          <a:p>
+            <a:r>
+              <a:rPr lang="en-US" sz="1200" baseline="0" dirty="0" smtClean="0"/>
+              <a:t>			CLR </a:t>
+            </a:r>
+            <a:r>
+              <a:rPr lang="en-US" sz="1200" baseline="0" dirty="0" err="1" smtClean="0"/>
+              <a:t>threadpool</a:t>
+            </a:r>
+            <a:r>
+              <a:rPr lang="en-US" sz="1200" baseline="0" dirty="0" smtClean="0"/>
+              <a:t> adjusts the number of threads according to workload</a:t>
+            </a:r>
+          </a:p>
+          <a:p>
+            <a:r>
+              <a:rPr lang="en-US" sz="1200" baseline="0" dirty="0" smtClean="0"/>
+              <a:t>			quick request/response, low threads = higher throughput, few per </a:t>
+            </a:r>
+            <a:r>
+              <a:rPr lang="en-US" sz="1200" baseline="0" dirty="0" err="1" smtClean="0"/>
+              <a:t>cpu</a:t>
+            </a:r>
+            <a:endParaRPr lang="en-US" sz="1200" baseline="0" dirty="0" smtClean="0"/>
+          </a:p>
+          <a:p>
+            <a:r>
+              <a:rPr lang="en-US" sz="1200" baseline="0" dirty="0" smtClean="0"/>
+              <a:t>                                                          longer, higher latency threads, </a:t>
+            </a:r>
+            <a:r>
+              <a:rPr lang="en-US" sz="1200" baseline="0" dirty="0" err="1" smtClean="0"/>
+              <a:t>persisten</a:t>
+            </a:r>
+            <a:r>
+              <a:rPr lang="en-US" sz="1200" baseline="0" dirty="0" smtClean="0"/>
+              <a:t> connection, higher concurrency, more threads needed</a:t>
+            </a:r>
+          </a:p>
+          <a:p>
+            <a:endParaRPr lang="en-US" sz="1200" baseline="0" dirty="0" smtClean="0"/>
+          </a:p>
+          <a:p>
+            <a:r>
+              <a:rPr lang="en-US" sz="1200" baseline="0" dirty="0" smtClean="0"/>
+              <a:t>		higher probability of deadlocks of there is synchronization happening w/ </a:t>
+            </a:r>
+            <a:r>
+              <a:rPr lang="en-US" sz="1200" baseline="0" dirty="0" err="1" smtClean="0"/>
+              <a:t>persisten</a:t>
+            </a:r>
+            <a:r>
+              <a:rPr lang="en-US" sz="1200" baseline="0" dirty="0" smtClean="0"/>
+              <a:t> connection</a:t>
+            </a:r>
+          </a:p>
+          <a:p>
+            <a:r>
+              <a:rPr lang="en-US" sz="1200" dirty="0" smtClean="0"/>
+              <a:t/>
+            </a:r>
+            <a:br>
+              <a:rPr lang="en-US" sz="1200" dirty="0" smtClean="0"/>
+            </a:br>
+            <a:r>
+              <a:rPr lang="en-US" sz="1200" dirty="0" smtClean="0"/>
+              <a:t>	this is good for throughput and avoid thrashing with your CPU…not holding a long connection open</a:t>
+            </a:r>
+            <a:br>
+              <a:rPr lang="en-US" sz="1200" dirty="0" smtClean="0"/>
+            </a:br>
+            <a:r>
+              <a:rPr lang="en-US" sz="1200" dirty="0" smtClean="0"/>
+              <a:t/>
+            </a:r>
+            <a:br>
+              <a:rPr lang="en-US" sz="1200" dirty="0" smtClean="0"/>
+            </a:br>
+            <a:r>
+              <a:rPr lang="en-US" sz="1200" dirty="0" smtClean="0"/>
+              <a:t>	in .NET 4, limits increased on # of threads per </a:t>
+            </a:r>
+            <a:r>
+              <a:rPr lang="en-US" sz="1200" dirty="0" err="1" smtClean="0"/>
+              <a:t>cpu</a:t>
+            </a:r>
+            <a:r>
+              <a:rPr lang="en-US" sz="1200" dirty="0" smtClean="0"/>
+              <a:t/>
+            </a:r>
+            <a:br>
+              <a:rPr lang="en-US" sz="1200" dirty="0" smtClean="0"/>
+            </a:br>
+            <a:r>
+              <a:rPr lang="en-US" sz="1200" dirty="0" smtClean="0"/>
+              <a:t>	</a:t>
+            </a:r>
+            <a:r>
+              <a:rPr lang="en-US" sz="1200" dirty="0" err="1" smtClean="0"/>
+              <a:t>IAsyncHttpHandler</a:t>
+            </a:r>
+            <a:r>
+              <a:rPr lang="en-US" sz="1200" dirty="0" smtClean="0"/>
+              <a:t>, keeps a request open and dissolve thread associated with request until work needs to happen with request.</a:t>
+            </a:r>
+            <a:br>
+              <a:rPr lang="en-US" sz="1200" dirty="0" smtClean="0"/>
+            </a:br>
+            <a:r>
+              <a:rPr lang="en-US" sz="1200" dirty="0" smtClean="0"/>
+              <a:t>	</a:t>
+            </a:r>
+            <a:r>
+              <a:rPr lang="en-US" sz="1200" dirty="0" err="1" smtClean="0"/>
+              <a:t>Async</a:t>
+            </a:r>
+            <a:r>
+              <a:rPr lang="en-US" sz="1200" dirty="0" smtClean="0"/>
+              <a:t> Programming Model easy to understand, but it gets difficult:</a:t>
+            </a:r>
+            <a:br>
+              <a:rPr lang="en-US" sz="1200" dirty="0" smtClean="0"/>
+            </a:br>
+            <a:r>
+              <a:rPr lang="en-US" sz="1200" dirty="0" smtClean="0"/>
+              <a:t>		- Difficult to do multiple sets of work</a:t>
+            </a:r>
+            <a:br>
+              <a:rPr lang="en-US" sz="1200" dirty="0" smtClean="0"/>
+            </a:br>
+            <a:r>
+              <a:rPr lang="en-US" sz="1200" dirty="0" smtClean="0"/>
+              <a:t>		- or loops of work, i.e. </a:t>
+            </a:r>
+            <a:r>
+              <a:rPr lang="en-US" sz="1200" dirty="0" err="1" smtClean="0"/>
+              <a:t>queieing</a:t>
+            </a:r>
+            <a:r>
+              <a:rPr lang="en-US" sz="1200" dirty="0" smtClean="0"/>
+              <a:t> sets of connections and processing events is difficult</a:t>
+            </a:r>
+            <a:br>
+              <a:rPr lang="en-US" sz="1200" dirty="0" smtClean="0"/>
+            </a:br>
+            <a:r>
+              <a:rPr lang="en-US" sz="1200" dirty="0" smtClean="0"/>
+              <a:t>		so it was not easy to do this and there is a lot of infrastructure work to take care of doing this</a:t>
+            </a:r>
+            <a:br>
+              <a:rPr lang="en-US" sz="1200" dirty="0" smtClean="0"/>
+            </a:br>
+            <a:r>
+              <a:rPr lang="en-US" sz="1200" dirty="0" smtClean="0"/>
+              <a:t>	Introduction of TPL made this above work easier, so it led to this library</a:t>
+            </a:r>
+            <a:br>
+              <a:rPr lang="en-US" sz="1200" dirty="0" smtClean="0"/>
+            </a:br>
+            <a:r>
+              <a:rPr lang="en-US" sz="1200" dirty="0" smtClean="0"/>
+              <a:t>	Rather than dealing with </a:t>
+            </a:r>
+            <a:r>
+              <a:rPr lang="en-US" sz="1200" dirty="0" err="1" smtClean="0"/>
+              <a:t>IasyncResult</a:t>
+            </a:r>
+            <a:r>
+              <a:rPr lang="en-US" sz="1200" dirty="0" smtClean="0"/>
+              <a:t> and method pairs, we deal with tasks.</a:t>
+            </a:r>
+            <a:br>
+              <a:rPr lang="en-US" sz="1200" dirty="0" smtClean="0"/>
+            </a:br>
+            <a:r>
+              <a:rPr lang="en-US" sz="1200" dirty="0" smtClean="0"/>
+              <a:t>	</a:t>
+            </a:r>
+            <a:br>
+              <a:rPr lang="en-US" sz="1200" dirty="0" smtClean="0"/>
+            </a:br>
+            <a:r>
+              <a:rPr lang="en-US" sz="1200" dirty="0" smtClean="0"/>
+              <a:t>	</a:t>
+            </a:r>
+            <a:br>
+              <a:rPr lang="en-US" sz="1200" dirty="0" smtClean="0"/>
+            </a:br>
+            <a:r>
+              <a:rPr lang="en-US" sz="1200" dirty="0" smtClean="0"/>
+              <a:t>	</a:t>
+            </a:r>
             <a:endParaRPr lang="en-US" dirty="0"/>
           </a:p>
         </p:txBody>
@@ -6497,7 +6778,7 @@
           <a:p>
             <a:fld id="{E76AAE11-CCE4-491F-9A3B-35EA6902E85C}" type="slidenum">
               <a:rPr lang="en-US" smtClean="0"/>
-              <a:t>32</a:t>
+              <a:t>31</a:t>
             </a:fld>
             <a:endParaRPr lang="en-US"/>
           </a:p>
@@ -6506,7 +6787,7 @@
     </p:spTree>
     <p:extLst>
       <p:ext uri="{BB962C8B-B14F-4D97-AF65-F5344CB8AC3E}">
-        <p14:creationId xmlns:p14="http://schemas.microsoft.com/office/powerpoint/2010/main" val="1565139480"/>
+        <p14:creationId xmlns:p14="http://schemas.microsoft.com/office/powerpoint/2010/main" val="374496698"/>
       </p:ext>
     </p:extLst>
   </p:cSld>
@@ -6560,289 +6841,6 @@
           <a:bodyPr/>
           <a:lstStyle/>
           <a:p>
-            <a:r>
-              <a:rPr lang="en-US" sz="1200" dirty="0" smtClean="0"/>
-              <a:t>Typically with .NET </a:t>
-            </a:r>
-            <a:r>
-              <a:rPr lang="en-US" sz="1200" dirty="0" err="1" smtClean="0"/>
-              <a:t>ihttphandler</a:t>
-            </a:r>
-            <a:r>
-              <a:rPr lang="en-US" sz="1200" dirty="0" smtClean="0"/>
-              <a:t> this would hold onto a request thread, wouldn’t scale beyond 20-30 threads</a:t>
-            </a:r>
-            <a:br>
-              <a:rPr lang="en-US" sz="1200" dirty="0" smtClean="0"/>
-            </a:br>
-            <a:r>
-              <a:rPr lang="en-US" sz="1200" dirty="0" smtClean="0"/>
-              <a:t>Last 5 years.  </a:t>
-            </a:r>
-            <a:br>
-              <a:rPr lang="en-US" sz="1200" dirty="0" smtClean="0"/>
-            </a:br>
-            <a:r>
-              <a:rPr lang="en-US" sz="1200" dirty="0" smtClean="0"/>
-              <a:t>How asp.net uses threads -&gt; </a:t>
-            </a:r>
-            <a:br>
-              <a:rPr lang="en-US" sz="1200" dirty="0" smtClean="0"/>
-            </a:br>
-            <a:r>
-              <a:rPr lang="en-US" sz="1200" dirty="0" smtClean="0"/>
-              <a:t>	when app starts up it uses the .NET </a:t>
-            </a:r>
-            <a:r>
-              <a:rPr lang="en-US" sz="1200" dirty="0" err="1" smtClean="0"/>
-              <a:t>threadpool</a:t>
-            </a:r>
-            <a:r>
-              <a:rPr lang="en-US" sz="1200" dirty="0" smtClean="0"/>
-              <a:t> (CLR </a:t>
-            </a:r>
-            <a:r>
-              <a:rPr lang="en-US" sz="1200" dirty="0" err="1" smtClean="0"/>
-              <a:t>Threadpool</a:t>
-            </a:r>
-            <a:r>
-              <a:rPr lang="en-US" sz="1200" dirty="0" smtClean="0"/>
-              <a:t>), allocated when app starts up.</a:t>
-            </a:r>
-            <a:br>
-              <a:rPr lang="en-US" sz="1200" dirty="0" smtClean="0"/>
-            </a:br>
-            <a:r>
-              <a:rPr lang="en-US" sz="1200" dirty="0" smtClean="0"/>
-              <a:t>	request thread comes in from IIS -&gt; handed off to your app, your app uses </a:t>
-            </a:r>
-            <a:r>
-              <a:rPr lang="en-US" sz="1200" dirty="0" err="1" smtClean="0"/>
-              <a:t>threadpool</a:t>
-            </a:r>
-            <a:r>
-              <a:rPr lang="en-US" sz="1200" dirty="0" smtClean="0"/>
-              <a:t> thread and is assigned to that request</a:t>
-            </a:r>
-            <a:br>
-              <a:rPr lang="en-US" sz="1200" dirty="0" smtClean="0"/>
-            </a:br>
-            <a:r>
-              <a:rPr lang="en-US" sz="1200" dirty="0" smtClean="0"/>
-              <a:t>		this is modeled off of quick request/response, not good for persistent connection</a:t>
-            </a:r>
-            <a:br>
-              <a:rPr lang="en-US" sz="1200" dirty="0" smtClean="0"/>
-            </a:br>
-            <a:r>
-              <a:rPr lang="en-US" sz="1200" dirty="0" smtClean="0"/>
-              <a:t>	Prior to .NET 4, default # of threads is low as hell 25 default per </a:t>
-            </a:r>
-            <a:r>
-              <a:rPr lang="en-US" sz="1200" dirty="0" err="1" smtClean="0"/>
-              <a:t>cpu</a:t>
-            </a:r>
-            <a:r>
-              <a:rPr lang="en-US" sz="1200" dirty="0" smtClean="0"/>
-              <a:t>, increased to</a:t>
-            </a:r>
-            <a:r>
-              <a:rPr lang="en-US" sz="1200" baseline="0" dirty="0" smtClean="0"/>
-              <a:t> 250 and 1000 IO completion</a:t>
-            </a:r>
-          </a:p>
-          <a:p>
-            <a:r>
-              <a:rPr lang="en-US" sz="1200" baseline="0" dirty="0" smtClean="0"/>
-              <a:t>			CLR </a:t>
-            </a:r>
-            <a:r>
-              <a:rPr lang="en-US" sz="1200" baseline="0" dirty="0" err="1" smtClean="0"/>
-              <a:t>threadpool</a:t>
-            </a:r>
-            <a:r>
-              <a:rPr lang="en-US" sz="1200" baseline="0" dirty="0" smtClean="0"/>
-              <a:t> adjusts the number of threads according to workload</a:t>
-            </a:r>
-          </a:p>
-          <a:p>
-            <a:r>
-              <a:rPr lang="en-US" sz="1200" baseline="0" dirty="0" smtClean="0"/>
-              <a:t>			quick request/response, low threads = higher throughput, few per </a:t>
-            </a:r>
-            <a:r>
-              <a:rPr lang="en-US" sz="1200" baseline="0" dirty="0" err="1" smtClean="0"/>
-              <a:t>cpu</a:t>
-            </a:r>
-            <a:endParaRPr lang="en-US" sz="1200" baseline="0" dirty="0" smtClean="0"/>
-          </a:p>
-          <a:p>
-            <a:r>
-              <a:rPr lang="en-US" sz="1200" baseline="0" dirty="0" smtClean="0"/>
-              <a:t>                                                          longer, higher latency threads, </a:t>
-            </a:r>
-            <a:r>
-              <a:rPr lang="en-US" sz="1200" baseline="0" dirty="0" err="1" smtClean="0"/>
-              <a:t>persisten</a:t>
-            </a:r>
-            <a:r>
-              <a:rPr lang="en-US" sz="1200" baseline="0" dirty="0" smtClean="0"/>
-              <a:t> connection, higher concurrency, more threads needed</a:t>
-            </a:r>
-          </a:p>
-          <a:p>
-            <a:endParaRPr lang="en-US" sz="1200" baseline="0" dirty="0" smtClean="0"/>
-          </a:p>
-          <a:p>
-            <a:r>
-              <a:rPr lang="en-US" sz="1200" baseline="0" dirty="0" smtClean="0"/>
-              <a:t>		higher probability of deadlocks of there is synchronization happening w/ </a:t>
-            </a:r>
-            <a:r>
-              <a:rPr lang="en-US" sz="1200" baseline="0" dirty="0" err="1" smtClean="0"/>
-              <a:t>persisten</a:t>
-            </a:r>
-            <a:r>
-              <a:rPr lang="en-US" sz="1200" baseline="0" dirty="0" smtClean="0"/>
-              <a:t> connection</a:t>
-            </a:r>
-          </a:p>
-          <a:p>
-            <a:r>
-              <a:rPr lang="en-US" sz="1200" dirty="0" smtClean="0"/>
-              <a:t/>
-            </a:r>
-            <a:br>
-              <a:rPr lang="en-US" sz="1200" dirty="0" smtClean="0"/>
-            </a:br>
-            <a:r>
-              <a:rPr lang="en-US" sz="1200" dirty="0" smtClean="0"/>
-              <a:t>	this is good for throughput and avoid thrashing with your CPU…not holding a long connection open</a:t>
-            </a:r>
-            <a:br>
-              <a:rPr lang="en-US" sz="1200" dirty="0" smtClean="0"/>
-            </a:br>
-            <a:r>
-              <a:rPr lang="en-US" sz="1200" dirty="0" smtClean="0"/>
-              <a:t/>
-            </a:r>
-            <a:br>
-              <a:rPr lang="en-US" sz="1200" dirty="0" smtClean="0"/>
-            </a:br>
-            <a:r>
-              <a:rPr lang="en-US" sz="1200" dirty="0" smtClean="0"/>
-              <a:t>	in .NET 4, limits increased on # of threads per </a:t>
-            </a:r>
-            <a:r>
-              <a:rPr lang="en-US" sz="1200" dirty="0" err="1" smtClean="0"/>
-              <a:t>cpu</a:t>
-            </a:r>
-            <a:r>
-              <a:rPr lang="en-US" sz="1200" dirty="0" smtClean="0"/>
-              <a:t/>
-            </a:r>
-            <a:br>
-              <a:rPr lang="en-US" sz="1200" dirty="0" smtClean="0"/>
-            </a:br>
-            <a:r>
-              <a:rPr lang="en-US" sz="1200" dirty="0" smtClean="0"/>
-              <a:t>	</a:t>
-            </a:r>
-            <a:r>
-              <a:rPr lang="en-US" sz="1200" dirty="0" err="1" smtClean="0"/>
-              <a:t>IAsyncHttpHandler</a:t>
-            </a:r>
-            <a:r>
-              <a:rPr lang="en-US" sz="1200" dirty="0" smtClean="0"/>
-              <a:t>, keeps a request open and dissolve thread associated with request until work needs to happen with request.</a:t>
-            </a:r>
-            <a:br>
-              <a:rPr lang="en-US" sz="1200" dirty="0" smtClean="0"/>
-            </a:br>
-            <a:r>
-              <a:rPr lang="en-US" sz="1200" dirty="0" smtClean="0"/>
-              <a:t>	</a:t>
-            </a:r>
-            <a:r>
-              <a:rPr lang="en-US" sz="1200" dirty="0" err="1" smtClean="0"/>
-              <a:t>Async</a:t>
-            </a:r>
-            <a:r>
-              <a:rPr lang="en-US" sz="1200" dirty="0" smtClean="0"/>
-              <a:t> Programming Model easy to understand, but it gets difficult:</a:t>
-            </a:r>
-            <a:br>
-              <a:rPr lang="en-US" sz="1200" dirty="0" smtClean="0"/>
-            </a:br>
-            <a:r>
-              <a:rPr lang="en-US" sz="1200" dirty="0" smtClean="0"/>
-              <a:t>		- Difficult to do multiple sets of work</a:t>
-            </a:r>
-            <a:br>
-              <a:rPr lang="en-US" sz="1200" dirty="0" smtClean="0"/>
-            </a:br>
-            <a:r>
-              <a:rPr lang="en-US" sz="1200" dirty="0" smtClean="0"/>
-              <a:t>		- or loops of work, i.e. </a:t>
-            </a:r>
-            <a:r>
-              <a:rPr lang="en-US" sz="1200" dirty="0" err="1" smtClean="0"/>
-              <a:t>queieing</a:t>
-            </a:r>
-            <a:r>
-              <a:rPr lang="en-US" sz="1200" dirty="0" smtClean="0"/>
-              <a:t> sets of connections and processing events is difficult</a:t>
-            </a:r>
-            <a:br>
-              <a:rPr lang="en-US" sz="1200" dirty="0" smtClean="0"/>
-            </a:br>
-            <a:r>
-              <a:rPr lang="en-US" sz="1200" dirty="0" smtClean="0"/>
-              <a:t>		so it was not easy to do this and there is a lot of infrastructure work to take care of doing this</a:t>
-            </a:r>
-            <a:br>
-              <a:rPr lang="en-US" sz="1200" dirty="0" smtClean="0"/>
-            </a:br>
-            <a:r>
-              <a:rPr lang="en-US" sz="1200" dirty="0" smtClean="0"/>
-              <a:t>	Introduction of TPL made this above work easier, so it led to this library</a:t>
-            </a:r>
-            <a:br>
-              <a:rPr lang="en-US" sz="1200" dirty="0" smtClean="0"/>
-            </a:br>
-            <a:r>
-              <a:rPr lang="en-US" sz="1200" dirty="0" smtClean="0"/>
-              <a:t>	Rather than dealing with </a:t>
-            </a:r>
-            <a:r>
-              <a:rPr lang="en-US" sz="1200" dirty="0" err="1" smtClean="0"/>
-              <a:t>IasyncResult</a:t>
-            </a:r>
-            <a:r>
-              <a:rPr lang="en-US" sz="1200" dirty="0" smtClean="0"/>
-              <a:t> and method pairs, we deal with tasks.</a:t>
-            </a:r>
-            <a:br>
-              <a:rPr lang="en-US" sz="1200" dirty="0" smtClean="0"/>
-            </a:br>
-            <a:r>
-              <a:rPr lang="en-US" sz="1200" dirty="0" smtClean="0"/>
-              <a:t>	</a:t>
-            </a:r>
-            <a:br>
-              <a:rPr lang="en-US" sz="1200" dirty="0" smtClean="0"/>
-            </a:br>
-            <a:r>
-              <a:rPr lang="en-US" sz="1200" dirty="0" smtClean="0"/>
-              <a:t>	</a:t>
-            </a:r>
-            <a:br>
-              <a:rPr lang="en-US" sz="1200" dirty="0" smtClean="0"/>
-            </a:br>
-            <a:r>
-              <a:rPr lang="en-US" sz="1200" dirty="0" smtClean="0"/>
-              <a:t>	</a:t>
-            </a:r>
             <a:endParaRPr lang="en-US" dirty="0"/>
           </a:p>
         </p:txBody>
@@ -6864,91 +6862,7 @@
           <a:p>
             <a:fld id="{E76AAE11-CCE4-491F-9A3B-35EA6902E85C}" type="slidenum">
               <a:rPr lang="en-US" smtClean="0"/>
-              <a:t>33</a:t>
-            </a:fld>
-            <a:endParaRPr lang="en-US"/>
-          </a:p>
-        </p:txBody>
-      </p:sp>
-    </p:spTree>
-    <p:extLst>
-      <p:ext uri="{BB962C8B-B14F-4D97-AF65-F5344CB8AC3E}">
-        <p14:creationId xmlns:p14="http://schemas.microsoft.com/office/powerpoint/2010/main" val="374496698"/>
-      </p:ext>
-    </p:extLst>
-  </p:cSld>
-  <p:clrMapOvr>
-    <a:masterClrMapping/>
-  </p:clrMapOvr>
-</p:notes>
-</file>
-
-<file path=ppt/notesSlides/notesSlide26.xml><?xml version="1.0" encoding="utf-8"?>
-<p:notes xmlns:a="http://schemas.openxmlformats.org/drawingml/2006/main" xmlns:r="http://schemas.openxmlformats.org/officeDocument/2006/relationships" xmlns:p="http://schemas.openxmlformats.org/presentationml/2006/main">
-  <p:cSld>
-    <p:spTree>
-      <p:nvGrpSpPr>
-        <p:cNvPr id="1" name=""/>
-        <p:cNvGrpSpPr/>
-        <p:nvPr/>
-      </p:nvGrpSpPr>
-      <p:grpSpPr>
-        <a:xfrm>
-          <a:off x="0" y="0"/>
-          <a:ext cx="0" cy="0"/>
-          <a:chOff x="0" y="0"/>
-          <a:chExt cx="0" cy="0"/>
-        </a:xfrm>
-      </p:grpSpPr>
-      <p:sp>
-        <p:nvSpPr>
-          <p:cNvPr id="2" name="Slide Image Placeholder 1"/>
-          <p:cNvSpPr>
-            <a:spLocks noGrp="1" noRot="1" noChangeAspect="1"/>
-          </p:cNvSpPr>
-          <p:nvPr>
-            <p:ph type="sldImg"/>
-          </p:nvPr>
-        </p:nvSpPr>
-        <p:spPr/>
-      </p:sp>
-      <p:sp>
-        <p:nvSpPr>
-          <p:cNvPr id="3" name="Notes Placeholder 2"/>
-          <p:cNvSpPr>
-            <a:spLocks noGrp="1"/>
-          </p:cNvSpPr>
-          <p:nvPr>
-            <p:ph type="body" idx="1"/>
-          </p:nvPr>
-        </p:nvSpPr>
-        <p:spPr/>
-        <p:txBody>
-          <a:bodyPr/>
-          <a:lstStyle/>
-          <a:p>
-            <a:endParaRPr lang="en-US" dirty="0"/>
-          </a:p>
-        </p:txBody>
-      </p:sp>
-      <p:sp>
-        <p:nvSpPr>
-          <p:cNvPr id="4" name="Slide Number Placeholder 3"/>
-          <p:cNvSpPr>
-            <a:spLocks noGrp="1"/>
-          </p:cNvSpPr>
-          <p:nvPr>
-            <p:ph type="sldNum" sz="quarter" idx="10"/>
-          </p:nvPr>
-        </p:nvSpPr>
-        <p:spPr/>
-        <p:txBody>
-          <a:bodyPr/>
-          <a:lstStyle/>
-          <a:p>
-            <a:fld id="{E76AAE11-CCE4-491F-9A3B-35EA6902E85C}" type="slidenum">
-              <a:rPr lang="en-US" smtClean="0"/>
-              <a:t>34</a:t>
+              <a:t>32</a:t>
             </a:fld>
             <a:endParaRPr lang="en-US"/>
           </a:p>
@@ -7992,7 +7906,7 @@
           <a:p>
             <a:fld id="{E76AAE11-CCE4-491F-9A3B-35EA6902E85C}" type="slidenum">
               <a:rPr lang="en-US" smtClean="0"/>
-              <a:t>10</a:t>
+              <a:t>9</a:t>
             </a:fld>
             <a:endParaRPr lang="en-US"/>
           </a:p>
@@ -11372,15 +11286,6 @@
               </a:rPr>
               <a:t>ahmed.k.alani@gmail.com</a:t>
             </a:r>
-            <a:endParaRPr lang="en-US" sz="2500" dirty="0" smtClean="0">
-              <a:solidFill>
-                <a:schemeClr val="tx1">
-                  <a:lumMod val="50000"/>
-                  <a:lumOff val="50000"/>
-                </a:schemeClr>
-              </a:solidFill>
-              <a:latin typeface="Yanone Kaffeesatz Bold" pitchFamily="2" charset="0"/>
-            </a:endParaRPr>
           </a:p>
           <a:p>
             <a:pPr algn="r"/>
@@ -11441,493 +11346,6 @@
 </file>
 
 <file path=ppt/slides/slide10.xml><?xml version="1.0" encoding="utf-8"?>
-<p:sld xmlns:a="http://schemas.openxmlformats.org/drawingml/2006/main" xmlns:r="http://schemas.openxmlformats.org/officeDocument/2006/relationships" xmlns:p="http://schemas.openxmlformats.org/presentationml/2006/main">
-  <p:cSld>
-    <p:spTree>
-      <p:nvGrpSpPr>
-        <p:cNvPr id="1" name=""/>
-        <p:cNvGrpSpPr/>
-        <p:nvPr/>
-      </p:nvGrpSpPr>
-      <p:grpSpPr>
-        <a:xfrm>
-          <a:off x="0" y="0"/>
-          <a:ext cx="0" cy="0"/>
-          <a:chOff x="0" y="0"/>
-          <a:chExt cx="0" cy="0"/>
-        </a:xfrm>
-      </p:grpSpPr>
-      <p:sp>
-        <p:nvSpPr>
-          <p:cNvPr id="2" name="Title 1"/>
-          <p:cNvSpPr>
-            <a:spLocks noGrp="1"/>
-          </p:cNvSpPr>
-          <p:nvPr>
-            <p:ph type="ctrTitle"/>
-          </p:nvPr>
-        </p:nvSpPr>
-        <p:spPr>
-          <a:xfrm>
-            <a:off x="76200" y="-228600"/>
-            <a:ext cx="7772400" cy="1470025"/>
-          </a:xfrm>
-          <a:ln>
-            <a:noFill/>
-          </a:ln>
-        </p:spPr>
-        <p:txBody>
-          <a:bodyPr>
-            <a:noAutofit/>
-          </a:bodyPr>
-          <a:lstStyle/>
-          <a:p>
-            <a:pPr algn="l"/>
-            <a:r>
-              <a:rPr lang="en-US" sz="8000" dirty="0" err="1" smtClean="0">
-                <a:solidFill>
-                  <a:schemeClr val="tx2">
-                    <a:lumMod val="60000"/>
-                    <a:lumOff val="40000"/>
-                  </a:schemeClr>
-                </a:solidFill>
-                <a:latin typeface="Yanone Kaffeesatz Bold" pitchFamily="2" charset="0"/>
-                <a:cs typeface="Aharoni" pitchFamily="2" charset="-79"/>
-              </a:rPr>
-              <a:t>WebSocket</a:t>
-            </a:r>
-            <a:r>
-              <a:rPr lang="en-US" sz="8000" dirty="0" smtClean="0">
-                <a:solidFill>
-                  <a:schemeClr val="tx2">
-                    <a:lumMod val="60000"/>
-                    <a:lumOff val="40000"/>
-                  </a:schemeClr>
-                </a:solidFill>
-                <a:latin typeface="Yanone Kaffeesatz Bold" pitchFamily="2" charset="0"/>
-                <a:cs typeface="Aharoni" pitchFamily="2" charset="-79"/>
-              </a:rPr>
-              <a:t> </a:t>
-            </a:r>
-            <a:endParaRPr lang="en-US" sz="8000" dirty="0">
-              <a:solidFill>
-                <a:schemeClr val="tx2">
-                  <a:lumMod val="60000"/>
-                  <a:lumOff val="40000"/>
-                </a:schemeClr>
-              </a:solidFill>
-              <a:latin typeface="Yanone Kaffeesatz Bold" pitchFamily="2" charset="0"/>
-              <a:cs typeface="Aharoni" pitchFamily="2" charset="-79"/>
-            </a:endParaRPr>
-          </a:p>
-        </p:txBody>
-      </p:sp>
-      <p:pic>
-        <p:nvPicPr>
-          <p:cNvPr id="6146" name="Picture 2" descr="C:\Users\ahmed.alani\Desktop\Work\Presentation\websocket.png"/>
-          <p:cNvPicPr>
-            <a:picLocks noChangeAspect="1" noChangeArrowheads="1"/>
-          </p:cNvPicPr>
-          <p:nvPr/>
-        </p:nvPicPr>
-        <p:blipFill>
-          <a:blip r:embed="rId3">
-            <a:extLst>
-              <a:ext uri="{28A0092B-C50C-407E-A947-70E740481C1C}">
-                <a14:useLocalDpi xmlns:a14="http://schemas.microsoft.com/office/drawing/2010/main" val="0"/>
-              </a:ext>
-            </a:extLst>
-          </a:blip>
-          <a:srcRect/>
-          <a:stretch>
-            <a:fillRect/>
-          </a:stretch>
-        </p:blipFill>
-        <p:spPr bwMode="auto">
-          <a:xfrm>
-            <a:off x="4944116" y="1314453"/>
-            <a:ext cx="4047484" cy="5059358"/>
-          </a:xfrm>
-          <a:prstGeom prst="rect">
-            <a:avLst/>
-          </a:prstGeom>
-          <a:noFill/>
-          <a:extLst>
-            <a:ext uri="{909E8E84-426E-40DD-AFC4-6F175D3DCCD1}">
-              <a14:hiddenFill xmlns:a14="http://schemas.microsoft.com/office/drawing/2010/main">
-                <a:solidFill>
-                  <a:srgbClr val="FFFFFF"/>
-                </a:solidFill>
-              </a14:hiddenFill>
-            </a:ext>
-          </a:extLst>
-        </p:spPr>
-      </p:pic>
-      <p:sp>
-        <p:nvSpPr>
-          <p:cNvPr id="4" name="Rectangle 3"/>
-          <p:cNvSpPr/>
-          <p:nvPr/>
-        </p:nvSpPr>
-        <p:spPr>
-          <a:xfrm>
-            <a:off x="228600" y="1143000"/>
-            <a:ext cx="4648200" cy="4955203"/>
-          </a:xfrm>
-          <a:prstGeom prst="rect">
-            <a:avLst/>
-          </a:prstGeom>
-        </p:spPr>
-        <p:txBody>
-          <a:bodyPr wrap="square">
-            <a:spAutoFit/>
-          </a:bodyPr>
-          <a:lstStyle/>
-          <a:p>
-            <a:r>
-              <a:rPr lang="en-US" sz="4000" dirty="0" smtClean="0">
-                <a:solidFill>
-                  <a:schemeClr val="tx1">
-                    <a:lumMod val="65000"/>
-                    <a:lumOff val="35000"/>
-                  </a:schemeClr>
-                </a:solidFill>
-                <a:latin typeface="Yanone Kaffeesatz Bold" pitchFamily="2" charset="0"/>
-              </a:rPr>
-              <a:t>HTML5</a:t>
-            </a:r>
-          </a:p>
-          <a:p>
-            <a:endParaRPr lang="en-US" sz="4000" dirty="0">
-              <a:solidFill>
-                <a:schemeClr val="tx1">
-                  <a:lumMod val="65000"/>
-                  <a:lumOff val="35000"/>
-                </a:schemeClr>
-              </a:solidFill>
-              <a:latin typeface="Yanone Kaffeesatz Bold" pitchFamily="2" charset="0"/>
-            </a:endParaRPr>
-          </a:p>
-          <a:p>
-            <a:r>
-              <a:rPr lang="en-US" sz="4000" dirty="0" smtClean="0">
-                <a:solidFill>
-                  <a:schemeClr val="tx1">
-                    <a:lumMod val="65000"/>
-                    <a:lumOff val="35000"/>
-                  </a:schemeClr>
-                </a:solidFill>
-                <a:latin typeface="Yanone Kaffeesatz Bold" pitchFamily="2" charset="0"/>
-              </a:rPr>
-              <a:t>Full-duplex, bi-directional connection to server</a:t>
-            </a:r>
-            <a:endParaRPr lang="en-US" sz="3000" dirty="0" smtClean="0">
-              <a:solidFill>
-                <a:schemeClr val="tx1">
-                  <a:lumMod val="65000"/>
-                  <a:lumOff val="35000"/>
-                </a:schemeClr>
-              </a:solidFill>
-              <a:latin typeface="Yanone Kaffeesatz Bold" pitchFamily="2" charset="0"/>
-            </a:endParaRPr>
-          </a:p>
-          <a:p>
-            <a:pPr lvl="1"/>
-            <a:endParaRPr lang="en-US" dirty="0" smtClean="0">
-              <a:solidFill>
-                <a:schemeClr val="tx1">
-                  <a:lumMod val="50000"/>
-                  <a:lumOff val="50000"/>
-                </a:schemeClr>
-              </a:solidFill>
-              <a:latin typeface="Yanone Kaffeesatz Bold" pitchFamily="2" charset="0"/>
-            </a:endParaRPr>
-          </a:p>
-          <a:p>
-            <a:pPr lvl="1"/>
-            <a:endParaRPr lang="en-US" dirty="0">
-              <a:solidFill>
-                <a:schemeClr val="tx1">
-                  <a:lumMod val="50000"/>
-                  <a:lumOff val="50000"/>
-                </a:schemeClr>
-              </a:solidFill>
-              <a:latin typeface="Yanone Kaffeesatz Bold" pitchFamily="2" charset="0"/>
-            </a:endParaRPr>
-          </a:p>
-          <a:p>
-            <a:r>
-              <a:rPr lang="en-US" sz="4000" dirty="0">
-                <a:solidFill>
-                  <a:schemeClr val="tx1">
-                    <a:lumMod val="65000"/>
-                    <a:lumOff val="35000"/>
-                  </a:schemeClr>
-                </a:solidFill>
-                <a:latin typeface="Yanone Kaffeesatz Bold" pitchFamily="2" charset="0"/>
-              </a:rPr>
-              <a:t>No polling, server can initiate calls after initial upgrade </a:t>
-            </a:r>
-            <a:r>
-              <a:rPr lang="en-US" sz="4000" dirty="0" smtClean="0">
-                <a:solidFill>
-                  <a:schemeClr val="tx1">
-                    <a:lumMod val="65000"/>
-                    <a:lumOff val="35000"/>
-                  </a:schemeClr>
-                </a:solidFill>
-                <a:latin typeface="Yanone Kaffeesatz Bold" pitchFamily="2" charset="0"/>
-              </a:rPr>
-              <a:t>request</a:t>
-            </a:r>
-            <a:endParaRPr lang="en-US" sz="4000" dirty="0">
-              <a:solidFill>
-                <a:schemeClr val="tx1">
-                  <a:lumMod val="65000"/>
-                  <a:lumOff val="35000"/>
-                </a:schemeClr>
-              </a:solidFill>
-              <a:latin typeface="Yanone Kaffeesatz Bold" pitchFamily="2" charset="0"/>
-            </a:endParaRPr>
-          </a:p>
-        </p:txBody>
-      </p:sp>
-    </p:spTree>
-    <p:extLst>
-      <p:ext uri="{BB962C8B-B14F-4D97-AF65-F5344CB8AC3E}">
-        <p14:creationId xmlns:p14="http://schemas.microsoft.com/office/powerpoint/2010/main" val="1373403411"/>
-      </p:ext>
-    </p:extLst>
-  </p:cSld>
-  <p:clrMapOvr>
-    <a:masterClrMapping/>
-  </p:clrMapOvr>
-  <p:timing>
-    <p:tnLst>
-      <p:par>
-        <p:cTn id="1" dur="indefinite" restart="never" nodeType="tmRoot">
-          <p:childTnLst>
-            <p:seq concurrent="1" nextAc="seek">
-              <p:cTn id="2" dur="indefinite" nodeType="mainSeq">
-                <p:childTnLst>
-                  <p:par>
-                    <p:cTn id="3" fill="hold">
-                      <p:stCondLst>
-                        <p:cond delay="indefinite"/>
-                      </p:stCondLst>
-                      <p:childTnLst>
-                        <p:par>
-                          <p:cTn id="4" fill="hold">
-                            <p:stCondLst>
-                              <p:cond delay="0"/>
-                            </p:stCondLst>
-                            <p:childTnLst>
-                              <p:par>
-                                <p:cTn id="5" presetID="1" presetClass="entr" presetSubtype="0" fill="hold" nodeType="clickEffect">
-                                  <p:stCondLst>
-                                    <p:cond delay="0"/>
-                                  </p:stCondLst>
-                                  <p:childTnLst>
-                                    <p:set>
-                                      <p:cBhvr>
-                                        <p:cTn id="6" dur="1" fill="hold">
-                                          <p:stCondLst>
-                                            <p:cond delay="0"/>
-                                          </p:stCondLst>
-                                        </p:cTn>
-                                        <p:tgtEl>
-                                          <p:spTgt spid="6146"/>
-                                        </p:tgtEl>
-                                        <p:attrNameLst>
-                                          <p:attrName>style.visibility</p:attrName>
-                                        </p:attrNameLst>
-                                      </p:cBhvr>
-                                      <p:to>
-                                        <p:strVal val="visible"/>
-                                      </p:to>
-                                    </p:set>
-                                  </p:childTnLst>
-                                </p:cTn>
-                              </p:par>
-                            </p:childTnLst>
-                          </p:cTn>
-                        </p:par>
-                      </p:childTnLst>
-                    </p:cTn>
-                  </p:par>
-                  <p:par>
-                    <p:cTn id="7" fill="hold">
-                      <p:stCondLst>
-                        <p:cond delay="indefinite"/>
-                      </p:stCondLst>
-                      <p:childTnLst>
-                        <p:par>
-                          <p:cTn id="8" fill="hold">
-                            <p:stCondLst>
-                              <p:cond delay="0"/>
-                            </p:stCondLst>
-                            <p:childTnLst>
-                              <p:par>
-                                <p:cTn id="9" presetID="1" presetClass="entr" presetSubtype="0" fill="hold" nodeType="clickEffect">
-                                  <p:stCondLst>
-                                    <p:cond delay="0"/>
-                                  </p:stCondLst>
-                                  <p:childTnLst>
-                                    <p:set>
-                                      <p:cBhvr>
-                                        <p:cTn id="10" dur="1" fill="hold">
-                                          <p:stCondLst>
-                                            <p:cond delay="0"/>
-                                          </p:stCondLst>
-                                        </p:cTn>
-                                        <p:tgtEl>
-                                          <p:spTgt spid="4">
-                                            <p:txEl>
-                                              <p:pRg st="0" end="0"/>
-                                            </p:txEl>
-                                          </p:spTgt>
-                                        </p:tgtEl>
-                                        <p:attrNameLst>
-                                          <p:attrName>style.visibility</p:attrName>
-                                        </p:attrNameLst>
-                                      </p:cBhvr>
-                                      <p:to>
-                                        <p:strVal val="visible"/>
-                                      </p:to>
-                                    </p:set>
-                                  </p:childTnLst>
-                                </p:cTn>
-                              </p:par>
-                            </p:childTnLst>
-                          </p:cTn>
-                        </p:par>
-                      </p:childTnLst>
-                    </p:cTn>
-                  </p:par>
-                  <p:par>
-                    <p:cTn id="11" fill="hold">
-                      <p:stCondLst>
-                        <p:cond delay="indefinite"/>
-                      </p:stCondLst>
-                      <p:childTnLst>
-                        <p:par>
-                          <p:cTn id="12" fill="hold">
-                            <p:stCondLst>
-                              <p:cond delay="0"/>
-                            </p:stCondLst>
-                            <p:childTnLst>
-                              <p:par>
-                                <p:cTn id="13" presetID="1" presetClass="entr" presetSubtype="0" fill="hold" nodeType="clickEffect">
-                                  <p:stCondLst>
-                                    <p:cond delay="0"/>
-                                  </p:stCondLst>
-                                  <p:childTnLst>
-                                    <p:set>
-                                      <p:cBhvr>
-                                        <p:cTn id="14" dur="1" fill="hold">
-                                          <p:stCondLst>
-                                            <p:cond delay="0"/>
-                                          </p:stCondLst>
-                                        </p:cTn>
-                                        <p:tgtEl>
-                                          <p:spTgt spid="4">
-                                            <p:txEl>
-                                              <p:pRg st="2" end="2"/>
-                                            </p:txEl>
-                                          </p:spTgt>
-                                        </p:tgtEl>
-                                        <p:attrNameLst>
-                                          <p:attrName>style.visibility</p:attrName>
-                                        </p:attrNameLst>
-                                      </p:cBhvr>
-                                      <p:to>
-                                        <p:strVal val="visible"/>
-                                      </p:to>
-                                    </p:set>
-                                  </p:childTnLst>
-                                </p:cTn>
-                              </p:par>
-                            </p:childTnLst>
-                          </p:cTn>
-                        </p:par>
-                      </p:childTnLst>
-                    </p:cTn>
-                  </p:par>
-                  <p:par>
-                    <p:cTn id="15" fill="hold">
-                      <p:stCondLst>
-                        <p:cond delay="indefinite"/>
-                      </p:stCondLst>
-                      <p:childTnLst>
-                        <p:par>
-                          <p:cTn id="16" fill="hold">
-                            <p:stCondLst>
-                              <p:cond delay="0"/>
-                            </p:stCondLst>
-                            <p:childTnLst>
-                              <p:par>
-                                <p:cTn id="17" presetID="1" presetClass="entr" presetSubtype="0" fill="hold" nodeType="clickEffect">
-                                  <p:stCondLst>
-                                    <p:cond delay="0"/>
-                                  </p:stCondLst>
-                                  <p:childTnLst>
-                                    <p:set>
-                                      <p:cBhvr>
-                                        <p:cTn id="18" dur="1" fill="hold">
-                                          <p:stCondLst>
-                                            <p:cond delay="0"/>
-                                          </p:stCondLst>
-                                        </p:cTn>
-                                        <p:tgtEl>
-                                          <p:spTgt spid="4">
-                                            <p:txEl>
-                                              <p:pRg st="5" end="5"/>
-                                            </p:txEl>
-                                          </p:spTgt>
-                                        </p:tgtEl>
-                                        <p:attrNameLst>
-                                          <p:attrName>style.visibility</p:attrName>
-                                        </p:attrNameLst>
-                                      </p:cBhvr>
-                                      <p:to>
-                                        <p:strVal val="visible"/>
-                                      </p:to>
-                                    </p:set>
-                                  </p:childTnLst>
-                                </p:cTn>
-                              </p:par>
-                            </p:childTnLst>
-                          </p:cTn>
-                        </p:par>
-                      </p:childTnLst>
-                    </p:cTn>
-                  </p:par>
-                </p:childTnLst>
-              </p:cTn>
-              <p:prevCondLst>
-                <p:cond evt="onPrev" delay="0">
-                  <p:tgtEl>
-                    <p:sldTgt/>
-                  </p:tgtEl>
-                </p:cond>
-              </p:prevCondLst>
-              <p:nextCondLst>
-                <p:cond evt="onNext" delay="0">
-                  <p:tgtEl>
-                    <p:sldTgt/>
-                  </p:tgtEl>
-                </p:cond>
-              </p:nextCondLst>
-            </p:seq>
-          </p:childTnLst>
-        </p:cTn>
-      </p:par>
-    </p:tnLst>
-  </p:timing>
-</p:sld>
-</file>
-
-<file path=ppt/slides/slide11.xml><?xml version="1.0" encoding="utf-8"?>
 <p:sld xmlns:a="http://schemas.openxmlformats.org/drawingml/2006/main" xmlns:r="http://schemas.openxmlformats.org/officeDocument/2006/relationships" xmlns:p="http://schemas.openxmlformats.org/presentationml/2006/main">
   <p:cSld>
     <p:bg>
@@ -12275,7 +11693,7 @@
 </p:sld>
 </file>
 
-<file path=ppt/slides/slide12.xml><?xml version="1.0" encoding="utf-8"?>
+<file path=ppt/slides/slide11.xml><?xml version="1.0" encoding="utf-8"?>
 <p:sld xmlns:a="http://schemas.openxmlformats.org/drawingml/2006/main" xmlns:r="http://schemas.openxmlformats.org/officeDocument/2006/relationships" xmlns:p="http://schemas.openxmlformats.org/presentationml/2006/main">
   <p:cSld>
     <p:spTree>
@@ -12574,7 +11992,7 @@
 </p:sld>
 </file>
 
-<file path=ppt/slides/slide13.xml><?xml version="1.0" encoding="utf-8"?>
+<file path=ppt/slides/slide12.xml><?xml version="1.0" encoding="utf-8"?>
 <p:sld xmlns:a="http://schemas.openxmlformats.org/drawingml/2006/main" xmlns:r="http://schemas.openxmlformats.org/officeDocument/2006/relationships" xmlns:p="http://schemas.openxmlformats.org/presentationml/2006/main">
   <p:cSld>
     <p:spTree>
@@ -12658,7 +12076,7 @@
 </p:sld>
 </file>
 
-<file path=ppt/slides/slide14.xml><?xml version="1.0" encoding="utf-8"?>
+<file path=ppt/slides/slide13.xml><?xml version="1.0" encoding="utf-8"?>
 <p:sld xmlns:a="http://schemas.openxmlformats.org/drawingml/2006/main" xmlns:r="http://schemas.openxmlformats.org/officeDocument/2006/relationships" xmlns:p="http://schemas.openxmlformats.org/presentationml/2006/main">
   <p:cSld>
     <p:spTree>
@@ -13110,7 +12528,7 @@
 </p:sld>
 </file>
 
-<file path=ppt/slides/slide15.xml><?xml version="1.0" encoding="utf-8"?>
+<file path=ppt/slides/slide14.xml><?xml version="1.0" encoding="utf-8"?>
 <p:sld xmlns:a="http://schemas.openxmlformats.org/drawingml/2006/main" xmlns:r="http://schemas.openxmlformats.org/officeDocument/2006/relationships" xmlns:p="http://schemas.openxmlformats.org/presentationml/2006/main">
   <p:cSld>
     <p:spTree>
@@ -13194,7 +12612,7 @@
 </p:sld>
 </file>
 
-<file path=ppt/slides/slide16.xml><?xml version="1.0" encoding="utf-8"?>
+<file path=ppt/slides/slide15.xml><?xml version="1.0" encoding="utf-8"?>
 <p:sld xmlns:a="http://schemas.openxmlformats.org/drawingml/2006/main" xmlns:r="http://schemas.openxmlformats.org/officeDocument/2006/relationships" xmlns:p="http://schemas.openxmlformats.org/presentationml/2006/main">
   <p:cSld>
     <p:spTree>
@@ -13592,7 +13010,7 @@
 </p:sld>
 </file>
 
-<file path=ppt/slides/slide17.xml><?xml version="1.0" encoding="utf-8"?>
+<file path=ppt/slides/slide16.xml><?xml version="1.0" encoding="utf-8"?>
 <p:sld xmlns:a="http://schemas.openxmlformats.org/drawingml/2006/main" xmlns:r="http://schemas.openxmlformats.org/officeDocument/2006/relationships" xmlns:p="http://schemas.openxmlformats.org/presentationml/2006/main">
   <p:cSld>
     <p:spTree>
@@ -13676,7 +13094,7 @@
 </p:sld>
 </file>
 
-<file path=ppt/slides/slide18.xml><?xml version="1.0" encoding="utf-8"?>
+<file path=ppt/slides/slide17.xml><?xml version="1.0" encoding="utf-8"?>
 <p:sld xmlns:a="http://schemas.openxmlformats.org/drawingml/2006/main" xmlns:r="http://schemas.openxmlformats.org/officeDocument/2006/relationships" xmlns:p="http://schemas.openxmlformats.org/presentationml/2006/main">
   <p:cSld>
     <p:spTree>
@@ -14216,7 +13634,7 @@
 </p:sld>
 </file>
 
-<file path=ppt/slides/slide19.xml><?xml version="1.0" encoding="utf-8"?>
+<file path=ppt/slides/slide18.xml><?xml version="1.0" encoding="utf-8"?>
 <p:sld xmlns:a="http://schemas.openxmlformats.org/drawingml/2006/main" xmlns:r="http://schemas.openxmlformats.org/officeDocument/2006/relationships" xmlns:p="http://schemas.openxmlformats.org/presentationml/2006/main">
   <p:cSld>
     <p:spTree>
@@ -14688,6 +14106,348 @@
     <p:bldLst>
       <p:bldP spid="13" grpId="0"/>
     </p:bldLst>
+  </p:timing>
+</p:sld>
+</file>
+
+<file path=ppt/slides/slide19.xml><?xml version="1.0" encoding="utf-8"?>
+<p:sld xmlns:a="http://schemas.openxmlformats.org/drawingml/2006/main" xmlns:r="http://schemas.openxmlformats.org/officeDocument/2006/relationships" xmlns:p="http://schemas.openxmlformats.org/presentationml/2006/main">
+  <p:cSld>
+    <p:spTree>
+      <p:nvGrpSpPr>
+        <p:cNvPr id="1" name=""/>
+        <p:cNvGrpSpPr/>
+        <p:nvPr/>
+      </p:nvGrpSpPr>
+      <p:grpSpPr>
+        <a:xfrm>
+          <a:off x="0" y="0"/>
+          <a:ext cx="0" cy="0"/>
+          <a:chOff x="0" y="0"/>
+          <a:chExt cx="0" cy="0"/>
+        </a:xfrm>
+      </p:grpSpPr>
+      <p:pic>
+        <p:nvPicPr>
+          <p:cNvPr id="8" name="Picture 2" descr="C:\Users\ahmed.alani\Desktop\Work\Talks\SignalR-Intro\greenCheck.png"/>
+          <p:cNvPicPr>
+            <a:picLocks noChangeAspect="1" noChangeArrowheads="1"/>
+          </p:cNvPicPr>
+          <p:nvPr/>
+        </p:nvPicPr>
+        <p:blipFill>
+          <a:blip r:embed="rId3">
+            <a:extLst>
+              <a:ext uri="{28A0092B-C50C-407E-A947-70E740481C1C}">
+                <a14:useLocalDpi xmlns:a14="http://schemas.microsoft.com/office/drawing/2010/main" val="0"/>
+              </a:ext>
+            </a:extLst>
+          </a:blip>
+          <a:srcRect/>
+          <a:stretch>
+            <a:fillRect/>
+          </a:stretch>
+        </p:blipFill>
+        <p:spPr bwMode="auto">
+          <a:xfrm>
+            <a:off x="270353" y="1805226"/>
+            <a:ext cx="1064690" cy="1064690"/>
+          </a:xfrm>
+          <a:prstGeom prst="rect">
+            <a:avLst/>
+          </a:prstGeom>
+          <a:noFill/>
+          <a:extLst>
+            <a:ext uri="{909E8E84-426E-40DD-AFC4-6F175D3DCCD1}">
+              <a14:hiddenFill xmlns:a14="http://schemas.microsoft.com/office/drawing/2010/main">
+                <a:solidFill>
+                  <a:srgbClr val="FFFFFF"/>
+                </a:solidFill>
+              </a14:hiddenFill>
+            </a:ext>
+          </a:extLst>
+        </p:spPr>
+      </p:pic>
+      <p:sp>
+        <p:nvSpPr>
+          <p:cNvPr id="13" name="Rectangle 12"/>
+          <p:cNvSpPr/>
+          <p:nvPr/>
+        </p:nvSpPr>
+        <p:spPr>
+          <a:xfrm>
+            <a:off x="1341162" y="1575560"/>
+            <a:ext cx="6659838" cy="1446550"/>
+          </a:xfrm>
+          <a:prstGeom prst="rect">
+            <a:avLst/>
+          </a:prstGeom>
+        </p:spPr>
+        <p:txBody>
+          <a:bodyPr wrap="square">
+            <a:spAutoFit/>
+          </a:bodyPr>
+          <a:lstStyle/>
+          <a:p>
+            <a:r>
+              <a:rPr lang="en-US" sz="8800" dirty="0" smtClean="0">
+                <a:solidFill>
+                  <a:schemeClr val="tx1">
+                    <a:lumMod val="65000"/>
+                    <a:lumOff val="35000"/>
+                  </a:schemeClr>
+                </a:solidFill>
+                <a:latin typeface="Yanone Kaffeesatz Bold" pitchFamily="2" charset="0"/>
+              </a:rPr>
+              <a:t>Server-Sent Events</a:t>
+            </a:r>
+          </a:p>
+        </p:txBody>
+      </p:sp>
+      <p:pic>
+        <p:nvPicPr>
+          <p:cNvPr id="24" name="Picture 2" descr="C:\Users\ahmed.alani\Desktop\Work\Talks\SignalR-Intro\chrome.png"/>
+          <p:cNvPicPr>
+            <a:picLocks noChangeAspect="1" noChangeArrowheads="1"/>
+          </p:cNvPicPr>
+          <p:nvPr/>
+        </p:nvPicPr>
+        <p:blipFill>
+          <a:blip r:embed="rId4" cstate="print">
+            <a:extLst>
+              <a:ext uri="{28A0092B-C50C-407E-A947-70E740481C1C}">
+                <a14:useLocalDpi xmlns:a14="http://schemas.microsoft.com/office/drawing/2010/main" val="0"/>
+              </a:ext>
+            </a:extLst>
+          </a:blip>
+          <a:srcRect/>
+          <a:stretch>
+            <a:fillRect/>
+          </a:stretch>
+        </p:blipFill>
+        <p:spPr bwMode="auto">
+          <a:xfrm>
+            <a:off x="3962400" y="76200"/>
+            <a:ext cx="1359666" cy="1359666"/>
+          </a:xfrm>
+          <a:prstGeom prst="rect">
+            <a:avLst/>
+          </a:prstGeom>
+          <a:noFill/>
+          <a:extLst>
+            <a:ext uri="{909E8E84-426E-40DD-AFC4-6F175D3DCCD1}">
+              <a14:hiddenFill xmlns:a14="http://schemas.microsoft.com/office/drawing/2010/main">
+                <a:solidFill>
+                  <a:srgbClr val="FFFFFF"/>
+                </a:solidFill>
+              </a14:hiddenFill>
+            </a:ext>
+          </a:extLst>
+        </p:spPr>
+      </p:pic>
+      <p:pic>
+        <p:nvPicPr>
+          <p:cNvPr id="25" name="Picture 3" descr="C:\Users\ahmed.alani\Desktop\Work\Talks\SignalR-Intro\firefox.png"/>
+          <p:cNvPicPr>
+            <a:picLocks noChangeAspect="1" noChangeArrowheads="1"/>
+          </p:cNvPicPr>
+          <p:nvPr/>
+        </p:nvPicPr>
+        <p:blipFill>
+          <a:blip r:embed="rId5" cstate="print">
+            <a:extLst>
+              <a:ext uri="{28A0092B-C50C-407E-A947-70E740481C1C}">
+                <a14:useLocalDpi xmlns:a14="http://schemas.microsoft.com/office/drawing/2010/main" val="0"/>
+              </a:ext>
+            </a:extLst>
+          </a:blip>
+          <a:srcRect/>
+          <a:stretch>
+            <a:fillRect/>
+          </a:stretch>
+        </p:blipFill>
+        <p:spPr bwMode="auto">
+          <a:xfrm>
+            <a:off x="304800" y="149160"/>
+            <a:ext cx="1374840" cy="1374840"/>
+          </a:xfrm>
+          <a:prstGeom prst="rect">
+            <a:avLst/>
+          </a:prstGeom>
+          <a:noFill/>
+          <a:extLst>
+            <a:ext uri="{909E8E84-426E-40DD-AFC4-6F175D3DCCD1}">
+              <a14:hiddenFill xmlns:a14="http://schemas.microsoft.com/office/drawing/2010/main">
+                <a:solidFill>
+                  <a:srgbClr val="FFFFFF"/>
+                </a:solidFill>
+              </a14:hiddenFill>
+            </a:ext>
+          </a:extLst>
+        </p:spPr>
+      </p:pic>
+      <p:pic>
+        <p:nvPicPr>
+          <p:cNvPr id="26" name="Picture 4" descr="C:\Users\ahmed.alani\Desktop\Work\Talks\SignalR-Intro\ie.png"/>
+          <p:cNvPicPr>
+            <a:picLocks noChangeAspect="1" noChangeArrowheads="1"/>
+          </p:cNvPicPr>
+          <p:nvPr/>
+        </p:nvPicPr>
+        <p:blipFill>
+          <a:blip r:embed="rId6" cstate="print">
+            <a:extLst>
+              <a:ext uri="{28A0092B-C50C-407E-A947-70E740481C1C}">
+                <a14:useLocalDpi xmlns:a14="http://schemas.microsoft.com/office/drawing/2010/main" val="0"/>
+              </a:ext>
+            </a:extLst>
+          </a:blip>
+          <a:srcRect/>
+          <a:stretch>
+            <a:fillRect/>
+          </a:stretch>
+        </p:blipFill>
+        <p:spPr bwMode="auto">
+          <a:xfrm>
+            <a:off x="2076116" y="94290"/>
+            <a:ext cx="1536672" cy="1429710"/>
+          </a:xfrm>
+          <a:prstGeom prst="rect">
+            <a:avLst/>
+          </a:prstGeom>
+          <a:noFill/>
+          <a:extLst>
+            <a:ext uri="{909E8E84-426E-40DD-AFC4-6F175D3DCCD1}">
+              <a14:hiddenFill xmlns:a14="http://schemas.microsoft.com/office/drawing/2010/main">
+                <a:solidFill>
+                  <a:srgbClr val="FFFFFF"/>
+                </a:solidFill>
+              </a14:hiddenFill>
+            </a:ext>
+          </a:extLst>
+        </p:spPr>
+      </p:pic>
+      <p:pic>
+        <p:nvPicPr>
+          <p:cNvPr id="27" name="Picture 5" descr="C:\Users\ahmed.alani\Desktop\Work\Talks\SignalR-Intro\opera.png"/>
+          <p:cNvPicPr>
+            <a:picLocks noChangeAspect="1" noChangeArrowheads="1"/>
+          </p:cNvPicPr>
+          <p:nvPr/>
+        </p:nvPicPr>
+        <p:blipFill>
+          <a:blip r:embed="rId7" cstate="print">
+            <a:extLst>
+              <a:ext uri="{28A0092B-C50C-407E-A947-70E740481C1C}">
+                <a14:useLocalDpi xmlns:a14="http://schemas.microsoft.com/office/drawing/2010/main" val="0"/>
+              </a:ext>
+            </a:extLst>
+          </a:blip>
+          <a:srcRect/>
+          <a:stretch>
+            <a:fillRect/>
+          </a:stretch>
+        </p:blipFill>
+        <p:spPr bwMode="auto">
+          <a:xfrm>
+            <a:off x="5789350" y="117718"/>
+            <a:ext cx="1321492" cy="1321492"/>
+          </a:xfrm>
+          <a:prstGeom prst="rect">
+            <a:avLst/>
+          </a:prstGeom>
+          <a:noFill/>
+          <a:extLst>
+            <a:ext uri="{909E8E84-426E-40DD-AFC4-6F175D3DCCD1}">
+              <a14:hiddenFill xmlns:a14="http://schemas.microsoft.com/office/drawing/2010/main">
+                <a:solidFill>
+                  <a:srgbClr val="FFFFFF"/>
+                </a:solidFill>
+              </a14:hiddenFill>
+            </a:ext>
+          </a:extLst>
+        </p:spPr>
+      </p:pic>
+      <p:pic>
+        <p:nvPicPr>
+          <p:cNvPr id="28" name="Picture 6" descr="C:\Users\ahmed.alani\Desktop\Work\Talks\SignalR-Intro\safari.png"/>
+          <p:cNvPicPr>
+            <a:picLocks noChangeAspect="1" noChangeArrowheads="1"/>
+          </p:cNvPicPr>
+          <p:nvPr/>
+        </p:nvPicPr>
+        <p:blipFill>
+          <a:blip r:embed="rId8" cstate="print">
+            <a:extLst>
+              <a:ext uri="{28A0092B-C50C-407E-A947-70E740481C1C}">
+                <a14:useLocalDpi xmlns:a14="http://schemas.microsoft.com/office/drawing/2010/main" val="0"/>
+              </a:ext>
+            </a:extLst>
+          </a:blip>
+          <a:srcRect/>
+          <a:stretch>
+            <a:fillRect/>
+          </a:stretch>
+        </p:blipFill>
+        <p:spPr bwMode="auto">
+          <a:xfrm>
+            <a:off x="7439534" y="124334"/>
+            <a:ext cx="1323466" cy="1323466"/>
+          </a:xfrm>
+          <a:prstGeom prst="rect">
+            <a:avLst/>
+          </a:prstGeom>
+          <a:noFill/>
+          <a:extLst>
+            <a:ext uri="{909E8E84-426E-40DD-AFC4-6F175D3DCCD1}">
+              <a14:hiddenFill xmlns:a14="http://schemas.microsoft.com/office/drawing/2010/main">
+                <a:solidFill>
+                  <a:srgbClr val="FFFFFF"/>
+                </a:solidFill>
+              </a14:hiddenFill>
+            </a:ext>
+          </a:extLst>
+        </p:spPr>
+      </p:pic>
+      <p:pic>
+        <p:nvPicPr>
+          <p:cNvPr id="4" name="Picture 3"/>
+          <p:cNvPicPr>
+            <a:picLocks noChangeAspect="1"/>
+          </p:cNvPicPr>
+          <p:nvPr/>
+        </p:nvPicPr>
+        <p:blipFill rotWithShape="1">
+          <a:blip r:embed="rId9"/>
+          <a:srcRect l="3809" t="12667" r="65714" b="65238"/>
+          <a:stretch/>
+        </p:blipFill>
+        <p:spPr>
+          <a:xfrm>
+            <a:off x="1524000" y="3158460"/>
+            <a:ext cx="5810185" cy="2632740"/>
+          </a:xfrm>
+          <a:prstGeom prst="rect">
+            <a:avLst/>
+          </a:prstGeom>
+        </p:spPr>
+      </p:pic>
+    </p:spTree>
+    <p:extLst>
+      <p:ext uri="{BB962C8B-B14F-4D97-AF65-F5344CB8AC3E}">
+        <p14:creationId xmlns:p14="http://schemas.microsoft.com/office/powerpoint/2010/main" val="2591979243"/>
+      </p:ext>
+    </p:extLst>
+  </p:cSld>
+  <p:clrMapOvr>
+    <a:masterClrMapping/>
+  </p:clrMapOvr>
+  <p:timing>
+    <p:tnLst>
+      <p:par>
+        <p:cTn id="1" dur="indefinite" restart="never" nodeType="tmRoot"/>
+      </p:par>
+    </p:tnLst>
   </p:timing>
 </p:sld>
 </file>
@@ -15232,7 +14992,7 @@
         <p:spPr>
           <a:xfrm>
             <a:off x="1341162" y="1575560"/>
-            <a:ext cx="6659838" cy="1446550"/>
+            <a:ext cx="5006475" cy="1446550"/>
           </a:xfrm>
           <a:prstGeom prst="rect">
             <a:avLst/>
@@ -15254,7 +15014,7 @@
                 </a:solidFill>
                 <a:latin typeface="Yanone Kaffeesatz Bold" pitchFamily="2" charset="0"/>
               </a:rPr>
-              <a:t>Server-Sent Events</a:t>
+              <a:t>Forever Frame</a:t>
             </a:r>
           </a:p>
         </p:txBody>
@@ -15466,7 +15226,7 @@
       </p:pic>
       <p:pic>
         <p:nvPicPr>
-          <p:cNvPr id="4" name="Picture 3"/>
+          <p:cNvPr id="3" name="Picture 2"/>
           <p:cNvPicPr>
             <a:picLocks noChangeAspect="1"/>
           </p:cNvPicPr>
@@ -15474,13 +15234,13 @@
         </p:nvPicPr>
         <p:blipFill rotWithShape="1">
           <a:blip r:embed="rId9"/>
-          <a:srcRect l="3809" t="12667" r="65714" b="65238"/>
+          <a:srcRect l="5238" t="13429" r="62820" b="57372"/>
           <a:stretch/>
         </p:blipFill>
         <p:spPr>
           <a:xfrm>
-            <a:off x="1524000" y="3158460"/>
-            <a:ext cx="5810185" cy="2632740"/>
+            <a:off x="1679640" y="3019062"/>
+            <a:ext cx="5279199" cy="3016115"/>
           </a:xfrm>
           <a:prstGeom prst="rect">
             <a:avLst/>
@@ -15596,348 +15356,6 @@
                 </a:solidFill>
                 <a:latin typeface="Yanone Kaffeesatz Bold" pitchFamily="2" charset="0"/>
               </a:rPr>
-              <a:t>Forever Frame</a:t>
-            </a:r>
-          </a:p>
-        </p:txBody>
-      </p:sp>
-      <p:pic>
-        <p:nvPicPr>
-          <p:cNvPr id="24" name="Picture 2" descr="C:\Users\ahmed.alani\Desktop\Work\Talks\SignalR-Intro\chrome.png"/>
-          <p:cNvPicPr>
-            <a:picLocks noChangeAspect="1" noChangeArrowheads="1"/>
-          </p:cNvPicPr>
-          <p:nvPr/>
-        </p:nvPicPr>
-        <p:blipFill>
-          <a:blip r:embed="rId4" cstate="print">
-            <a:extLst>
-              <a:ext uri="{28A0092B-C50C-407E-A947-70E740481C1C}">
-                <a14:useLocalDpi xmlns:a14="http://schemas.microsoft.com/office/drawing/2010/main" val="0"/>
-              </a:ext>
-            </a:extLst>
-          </a:blip>
-          <a:srcRect/>
-          <a:stretch>
-            <a:fillRect/>
-          </a:stretch>
-        </p:blipFill>
-        <p:spPr bwMode="auto">
-          <a:xfrm>
-            <a:off x="3962400" y="76200"/>
-            <a:ext cx="1359666" cy="1359666"/>
-          </a:xfrm>
-          <a:prstGeom prst="rect">
-            <a:avLst/>
-          </a:prstGeom>
-          <a:noFill/>
-          <a:extLst>
-            <a:ext uri="{909E8E84-426E-40DD-AFC4-6F175D3DCCD1}">
-              <a14:hiddenFill xmlns:a14="http://schemas.microsoft.com/office/drawing/2010/main">
-                <a:solidFill>
-                  <a:srgbClr val="FFFFFF"/>
-                </a:solidFill>
-              </a14:hiddenFill>
-            </a:ext>
-          </a:extLst>
-        </p:spPr>
-      </p:pic>
-      <p:pic>
-        <p:nvPicPr>
-          <p:cNvPr id="25" name="Picture 3" descr="C:\Users\ahmed.alani\Desktop\Work\Talks\SignalR-Intro\firefox.png"/>
-          <p:cNvPicPr>
-            <a:picLocks noChangeAspect="1" noChangeArrowheads="1"/>
-          </p:cNvPicPr>
-          <p:nvPr/>
-        </p:nvPicPr>
-        <p:blipFill>
-          <a:blip r:embed="rId5" cstate="print">
-            <a:extLst>
-              <a:ext uri="{28A0092B-C50C-407E-A947-70E740481C1C}">
-                <a14:useLocalDpi xmlns:a14="http://schemas.microsoft.com/office/drawing/2010/main" val="0"/>
-              </a:ext>
-            </a:extLst>
-          </a:blip>
-          <a:srcRect/>
-          <a:stretch>
-            <a:fillRect/>
-          </a:stretch>
-        </p:blipFill>
-        <p:spPr bwMode="auto">
-          <a:xfrm>
-            <a:off x="304800" y="149160"/>
-            <a:ext cx="1374840" cy="1374840"/>
-          </a:xfrm>
-          <a:prstGeom prst="rect">
-            <a:avLst/>
-          </a:prstGeom>
-          <a:noFill/>
-          <a:extLst>
-            <a:ext uri="{909E8E84-426E-40DD-AFC4-6F175D3DCCD1}">
-              <a14:hiddenFill xmlns:a14="http://schemas.microsoft.com/office/drawing/2010/main">
-                <a:solidFill>
-                  <a:srgbClr val="FFFFFF"/>
-                </a:solidFill>
-              </a14:hiddenFill>
-            </a:ext>
-          </a:extLst>
-        </p:spPr>
-      </p:pic>
-      <p:pic>
-        <p:nvPicPr>
-          <p:cNvPr id="26" name="Picture 4" descr="C:\Users\ahmed.alani\Desktop\Work\Talks\SignalR-Intro\ie.png"/>
-          <p:cNvPicPr>
-            <a:picLocks noChangeAspect="1" noChangeArrowheads="1"/>
-          </p:cNvPicPr>
-          <p:nvPr/>
-        </p:nvPicPr>
-        <p:blipFill>
-          <a:blip r:embed="rId6" cstate="print">
-            <a:extLst>
-              <a:ext uri="{28A0092B-C50C-407E-A947-70E740481C1C}">
-                <a14:useLocalDpi xmlns:a14="http://schemas.microsoft.com/office/drawing/2010/main" val="0"/>
-              </a:ext>
-            </a:extLst>
-          </a:blip>
-          <a:srcRect/>
-          <a:stretch>
-            <a:fillRect/>
-          </a:stretch>
-        </p:blipFill>
-        <p:spPr bwMode="auto">
-          <a:xfrm>
-            <a:off x="2076116" y="94290"/>
-            <a:ext cx="1536672" cy="1429710"/>
-          </a:xfrm>
-          <a:prstGeom prst="rect">
-            <a:avLst/>
-          </a:prstGeom>
-          <a:noFill/>
-          <a:extLst>
-            <a:ext uri="{909E8E84-426E-40DD-AFC4-6F175D3DCCD1}">
-              <a14:hiddenFill xmlns:a14="http://schemas.microsoft.com/office/drawing/2010/main">
-                <a:solidFill>
-                  <a:srgbClr val="FFFFFF"/>
-                </a:solidFill>
-              </a14:hiddenFill>
-            </a:ext>
-          </a:extLst>
-        </p:spPr>
-      </p:pic>
-      <p:pic>
-        <p:nvPicPr>
-          <p:cNvPr id="27" name="Picture 5" descr="C:\Users\ahmed.alani\Desktop\Work\Talks\SignalR-Intro\opera.png"/>
-          <p:cNvPicPr>
-            <a:picLocks noChangeAspect="1" noChangeArrowheads="1"/>
-          </p:cNvPicPr>
-          <p:nvPr/>
-        </p:nvPicPr>
-        <p:blipFill>
-          <a:blip r:embed="rId7" cstate="print">
-            <a:extLst>
-              <a:ext uri="{28A0092B-C50C-407E-A947-70E740481C1C}">
-                <a14:useLocalDpi xmlns:a14="http://schemas.microsoft.com/office/drawing/2010/main" val="0"/>
-              </a:ext>
-            </a:extLst>
-          </a:blip>
-          <a:srcRect/>
-          <a:stretch>
-            <a:fillRect/>
-          </a:stretch>
-        </p:blipFill>
-        <p:spPr bwMode="auto">
-          <a:xfrm>
-            <a:off x="5789350" y="117718"/>
-            <a:ext cx="1321492" cy="1321492"/>
-          </a:xfrm>
-          <a:prstGeom prst="rect">
-            <a:avLst/>
-          </a:prstGeom>
-          <a:noFill/>
-          <a:extLst>
-            <a:ext uri="{909E8E84-426E-40DD-AFC4-6F175D3DCCD1}">
-              <a14:hiddenFill xmlns:a14="http://schemas.microsoft.com/office/drawing/2010/main">
-                <a:solidFill>
-                  <a:srgbClr val="FFFFFF"/>
-                </a:solidFill>
-              </a14:hiddenFill>
-            </a:ext>
-          </a:extLst>
-        </p:spPr>
-      </p:pic>
-      <p:pic>
-        <p:nvPicPr>
-          <p:cNvPr id="28" name="Picture 6" descr="C:\Users\ahmed.alani\Desktop\Work\Talks\SignalR-Intro\safari.png"/>
-          <p:cNvPicPr>
-            <a:picLocks noChangeAspect="1" noChangeArrowheads="1"/>
-          </p:cNvPicPr>
-          <p:nvPr/>
-        </p:nvPicPr>
-        <p:blipFill>
-          <a:blip r:embed="rId8" cstate="print">
-            <a:extLst>
-              <a:ext uri="{28A0092B-C50C-407E-A947-70E740481C1C}">
-                <a14:useLocalDpi xmlns:a14="http://schemas.microsoft.com/office/drawing/2010/main" val="0"/>
-              </a:ext>
-            </a:extLst>
-          </a:blip>
-          <a:srcRect/>
-          <a:stretch>
-            <a:fillRect/>
-          </a:stretch>
-        </p:blipFill>
-        <p:spPr bwMode="auto">
-          <a:xfrm>
-            <a:off x="7439534" y="124334"/>
-            <a:ext cx="1323466" cy="1323466"/>
-          </a:xfrm>
-          <a:prstGeom prst="rect">
-            <a:avLst/>
-          </a:prstGeom>
-          <a:noFill/>
-          <a:extLst>
-            <a:ext uri="{909E8E84-426E-40DD-AFC4-6F175D3DCCD1}">
-              <a14:hiddenFill xmlns:a14="http://schemas.microsoft.com/office/drawing/2010/main">
-                <a:solidFill>
-                  <a:srgbClr val="FFFFFF"/>
-                </a:solidFill>
-              </a14:hiddenFill>
-            </a:ext>
-          </a:extLst>
-        </p:spPr>
-      </p:pic>
-      <p:pic>
-        <p:nvPicPr>
-          <p:cNvPr id="3" name="Picture 2"/>
-          <p:cNvPicPr>
-            <a:picLocks noChangeAspect="1"/>
-          </p:cNvPicPr>
-          <p:nvPr/>
-        </p:nvPicPr>
-        <p:blipFill rotWithShape="1">
-          <a:blip r:embed="rId9"/>
-          <a:srcRect l="5238" t="13429" r="62820" b="57372"/>
-          <a:stretch/>
-        </p:blipFill>
-        <p:spPr>
-          <a:xfrm>
-            <a:off x="1679640" y="3019062"/>
-            <a:ext cx="5279199" cy="3016115"/>
-          </a:xfrm>
-          <a:prstGeom prst="rect">
-            <a:avLst/>
-          </a:prstGeom>
-        </p:spPr>
-      </p:pic>
-    </p:spTree>
-    <p:extLst>
-      <p:ext uri="{BB962C8B-B14F-4D97-AF65-F5344CB8AC3E}">
-        <p14:creationId xmlns:p14="http://schemas.microsoft.com/office/powerpoint/2010/main" val="2591979243"/>
-      </p:ext>
-    </p:extLst>
-  </p:cSld>
-  <p:clrMapOvr>
-    <a:masterClrMapping/>
-  </p:clrMapOvr>
-  <p:timing>
-    <p:tnLst>
-      <p:par>
-        <p:cTn id="1" dur="indefinite" restart="never" nodeType="tmRoot"/>
-      </p:par>
-    </p:tnLst>
-  </p:timing>
-</p:sld>
-</file>
-
-<file path=ppt/slides/slide22.xml><?xml version="1.0" encoding="utf-8"?>
-<p:sld xmlns:a="http://schemas.openxmlformats.org/drawingml/2006/main" xmlns:r="http://schemas.openxmlformats.org/officeDocument/2006/relationships" xmlns:p="http://schemas.openxmlformats.org/presentationml/2006/main">
-  <p:cSld>
-    <p:spTree>
-      <p:nvGrpSpPr>
-        <p:cNvPr id="1" name=""/>
-        <p:cNvGrpSpPr/>
-        <p:nvPr/>
-      </p:nvGrpSpPr>
-      <p:grpSpPr>
-        <a:xfrm>
-          <a:off x="0" y="0"/>
-          <a:ext cx="0" cy="0"/>
-          <a:chOff x="0" y="0"/>
-          <a:chExt cx="0" cy="0"/>
-        </a:xfrm>
-      </p:grpSpPr>
-      <p:pic>
-        <p:nvPicPr>
-          <p:cNvPr id="8" name="Picture 2" descr="C:\Users\ahmed.alani\Desktop\Work\Talks\SignalR-Intro\greenCheck.png"/>
-          <p:cNvPicPr>
-            <a:picLocks noChangeAspect="1" noChangeArrowheads="1"/>
-          </p:cNvPicPr>
-          <p:nvPr/>
-        </p:nvPicPr>
-        <p:blipFill>
-          <a:blip r:embed="rId3">
-            <a:extLst>
-              <a:ext uri="{28A0092B-C50C-407E-A947-70E740481C1C}">
-                <a14:useLocalDpi xmlns:a14="http://schemas.microsoft.com/office/drawing/2010/main" val="0"/>
-              </a:ext>
-            </a:extLst>
-          </a:blip>
-          <a:srcRect/>
-          <a:stretch>
-            <a:fillRect/>
-          </a:stretch>
-        </p:blipFill>
-        <p:spPr bwMode="auto">
-          <a:xfrm>
-            <a:off x="270353" y="1805226"/>
-            <a:ext cx="1064690" cy="1064690"/>
-          </a:xfrm>
-          <a:prstGeom prst="rect">
-            <a:avLst/>
-          </a:prstGeom>
-          <a:noFill/>
-          <a:extLst>
-            <a:ext uri="{909E8E84-426E-40DD-AFC4-6F175D3DCCD1}">
-              <a14:hiddenFill xmlns:a14="http://schemas.microsoft.com/office/drawing/2010/main">
-                <a:solidFill>
-                  <a:srgbClr val="FFFFFF"/>
-                </a:solidFill>
-              </a14:hiddenFill>
-            </a:ext>
-          </a:extLst>
-        </p:spPr>
-      </p:pic>
-      <p:sp>
-        <p:nvSpPr>
-          <p:cNvPr id="13" name="Rectangle 12"/>
-          <p:cNvSpPr/>
-          <p:nvPr/>
-        </p:nvSpPr>
-        <p:spPr>
-          <a:xfrm>
-            <a:off x="1341162" y="1575560"/>
-            <a:ext cx="5006475" cy="1446550"/>
-          </a:xfrm>
-          <a:prstGeom prst="rect">
-            <a:avLst/>
-          </a:prstGeom>
-        </p:spPr>
-        <p:txBody>
-          <a:bodyPr wrap="square">
-            <a:spAutoFit/>
-          </a:bodyPr>
-          <a:lstStyle/>
-          <a:p>
-            <a:r>
-              <a:rPr lang="en-US" sz="8800" dirty="0" smtClean="0">
-                <a:solidFill>
-                  <a:schemeClr val="tx1">
-                    <a:lumMod val="65000"/>
-                    <a:lumOff val="35000"/>
-                  </a:schemeClr>
-                </a:solidFill>
-                <a:latin typeface="Yanone Kaffeesatz Bold" pitchFamily="2" charset="0"/>
-              </a:rPr>
               <a:t>Long Polling</a:t>
             </a:r>
           </a:p>
@@ -16191,7 +15609,7 @@
 </p:sld>
 </file>
 
-<file path=ppt/slides/slide23.xml><?xml version="1.0" encoding="utf-8"?>
+<file path=ppt/slides/slide22.xml><?xml version="1.0" encoding="utf-8"?>
 <p:sld xmlns:a="http://schemas.openxmlformats.org/drawingml/2006/main" xmlns:r="http://schemas.openxmlformats.org/officeDocument/2006/relationships" xmlns:p="http://schemas.openxmlformats.org/presentationml/2006/main">
   <p:cSld>
     <p:bg>
@@ -16284,7 +15702,7 @@
 </p:sld>
 </file>
 
-<file path=ppt/slides/slide24.xml><?xml version="1.0" encoding="utf-8"?>
+<file path=ppt/slides/slide23.xml><?xml version="1.0" encoding="utf-8"?>
 <p:sld xmlns:a="http://schemas.openxmlformats.org/drawingml/2006/main" xmlns:r="http://schemas.openxmlformats.org/officeDocument/2006/relationships" xmlns:p="http://schemas.openxmlformats.org/presentationml/2006/main">
   <p:cSld>
     <p:spTree>
@@ -16895,7 +16313,7 @@
 </p:sld>
 </file>
 
-<file path=ppt/slides/slide25.xml><?xml version="1.0" encoding="utf-8"?>
+<file path=ppt/slides/slide24.xml><?xml version="1.0" encoding="utf-8"?>
 <p:sld xmlns:a="http://schemas.openxmlformats.org/drawingml/2006/main" xmlns:r="http://schemas.openxmlformats.org/officeDocument/2006/relationships" xmlns:p="http://schemas.openxmlformats.org/presentationml/2006/main">
   <p:cSld>
     <p:bg>
@@ -16988,103 +16406,7 @@
 </p:sld>
 </file>
 
-<file path=ppt/slides/slide26.xml><?xml version="1.0" encoding="utf-8"?>
-<p:sld xmlns:a="http://schemas.openxmlformats.org/drawingml/2006/main" xmlns:r="http://schemas.openxmlformats.org/officeDocument/2006/relationships" xmlns:p="http://schemas.openxmlformats.org/presentationml/2006/main">
-  <p:cSld>
-    <p:spTree>
-      <p:nvGrpSpPr>
-        <p:cNvPr id="1" name=""/>
-        <p:cNvGrpSpPr/>
-        <p:nvPr/>
-      </p:nvGrpSpPr>
-      <p:grpSpPr>
-        <a:xfrm>
-          <a:off x="0" y="0"/>
-          <a:ext cx="0" cy="0"/>
-          <a:chOff x="0" y="0"/>
-          <a:chExt cx="0" cy="0"/>
-        </a:xfrm>
-      </p:grpSpPr>
-      <p:sp>
-        <p:nvSpPr>
-          <p:cNvPr id="2" name="Title 1"/>
-          <p:cNvSpPr>
-            <a:spLocks noGrp="1"/>
-          </p:cNvSpPr>
-          <p:nvPr>
-            <p:ph type="ctrTitle"/>
-          </p:nvPr>
-        </p:nvSpPr>
-        <p:spPr>
-          <a:xfrm>
-            <a:off x="381000" y="2667000"/>
-            <a:ext cx="8382000" cy="1470025"/>
-          </a:xfrm>
-          <a:ln>
-            <a:noFill/>
-          </a:ln>
-        </p:spPr>
-        <p:txBody>
-          <a:bodyPr>
-            <a:noAutofit/>
-          </a:bodyPr>
-          <a:lstStyle/>
-          <a:p>
-            <a:r>
-              <a:rPr lang="en-US" sz="9000" dirty="0" smtClean="0">
-                <a:solidFill>
-                  <a:schemeClr val="accent2">
-                    <a:lumMod val="75000"/>
-                  </a:schemeClr>
-                </a:solidFill>
-                <a:latin typeface="Yanone Kaffeesatz Bold" pitchFamily="2" charset="0"/>
-                <a:cs typeface="Aharoni" pitchFamily="2" charset="-79"/>
-              </a:rPr>
-              <a:t>Demo – Polling  Chat w/ </a:t>
-            </a:r>
-            <a:r>
-              <a:rPr lang="en-US" sz="9000" dirty="0" err="1" smtClean="0">
-                <a:solidFill>
-                  <a:schemeClr val="accent2">
-                    <a:lumMod val="75000"/>
-                  </a:schemeClr>
-                </a:solidFill>
-                <a:latin typeface="Yanone Kaffeesatz Bold" pitchFamily="2" charset="0"/>
-                <a:cs typeface="Aharoni" pitchFamily="2" charset="-79"/>
-              </a:rPr>
-              <a:t>SignalR</a:t>
-            </a:r>
-            <a:endParaRPr lang="en-US" sz="15000" dirty="0">
-              <a:solidFill>
-                <a:srgbClr val="F0F2EB"/>
-              </a:solidFill>
-              <a:latin typeface="Yanone Kaffeesatz Bold" pitchFamily="2" charset="0"/>
-              <a:cs typeface="Aharoni" pitchFamily="2" charset="-79"/>
-            </a:endParaRPr>
-          </a:p>
-        </p:txBody>
-      </p:sp>
-    </p:spTree>
-    <p:extLst>
-      <p:ext uri="{BB962C8B-B14F-4D97-AF65-F5344CB8AC3E}">
-        <p14:creationId xmlns:p14="http://schemas.microsoft.com/office/powerpoint/2010/main" val="3229701014"/>
-      </p:ext>
-    </p:extLst>
-  </p:cSld>
-  <p:clrMapOvr>
-    <a:masterClrMapping/>
-  </p:clrMapOvr>
-  <p:timing>
-    <p:tnLst>
-      <p:par>
-        <p:cTn id="1" dur="indefinite" restart="never" nodeType="tmRoot"/>
-      </p:par>
-    </p:tnLst>
-  </p:timing>
-</p:sld>
-</file>
-
-<file path=ppt/slides/slide27.xml><?xml version="1.0" encoding="utf-8"?>
+<file path=ppt/slides/slide25.xml><?xml version="1.0" encoding="utf-8"?>
 <p:sld xmlns:a="http://schemas.openxmlformats.org/drawingml/2006/main" xmlns:r="http://schemas.openxmlformats.org/officeDocument/2006/relationships" xmlns:p="http://schemas.openxmlformats.org/presentationml/2006/main">
   <p:cSld>
     <p:bg>
@@ -17174,7 +16496,7 @@
 </p:sld>
 </file>
 
-<file path=ppt/slides/slide28.xml><?xml version="1.0" encoding="utf-8"?>
+<file path=ppt/slides/slide26.xml><?xml version="1.0" encoding="utf-8"?>
 <p:sld xmlns:a="http://schemas.openxmlformats.org/drawingml/2006/main" xmlns:r="http://schemas.openxmlformats.org/officeDocument/2006/relationships" xmlns:p="http://schemas.openxmlformats.org/presentationml/2006/main">
   <p:cSld>
     <p:spTree>
@@ -18081,7 +17403,7 @@
 </p:sld>
 </file>
 
-<file path=ppt/slides/slide29.xml><?xml version="1.0" encoding="utf-8"?>
+<file path=ppt/slides/slide27.xml><?xml version="1.0" encoding="utf-8"?>
 <p:sld xmlns:a="http://schemas.openxmlformats.org/drawingml/2006/main" xmlns:r="http://schemas.openxmlformats.org/officeDocument/2006/relationships" xmlns:p="http://schemas.openxmlformats.org/presentationml/2006/main">
   <p:cSld>
     <p:spTree>
@@ -18537,7 +17859,7 @@
                 </a:solidFill>
                 <a:latin typeface="Yanone Kaffeesatz Bold" pitchFamily="2" charset="0"/>
               </a:rPr>
-              <a:t>GetConnection</a:t>
+              <a:t>GetConnectionContext</a:t>
             </a:r>
             <a:r>
               <a:rPr lang="en-US" sz="3400" dirty="0" smtClean="0">
@@ -19022,6 +18344,420 @@
 </p:sld>
 </file>
 
+<file path=ppt/slides/slide28.xml><?xml version="1.0" encoding="utf-8"?>
+<p:sld xmlns:a="http://schemas.openxmlformats.org/drawingml/2006/main" xmlns:r="http://schemas.openxmlformats.org/officeDocument/2006/relationships" xmlns:p="http://schemas.openxmlformats.org/presentationml/2006/main">
+  <p:cSld>
+    <p:spTree>
+      <p:nvGrpSpPr>
+        <p:cNvPr id="1" name=""/>
+        <p:cNvGrpSpPr/>
+        <p:nvPr/>
+      </p:nvGrpSpPr>
+      <p:grpSpPr>
+        <a:xfrm>
+          <a:off x="0" y="0"/>
+          <a:ext cx="0" cy="0"/>
+          <a:chOff x="0" y="0"/>
+          <a:chExt cx="0" cy="0"/>
+        </a:xfrm>
+      </p:grpSpPr>
+      <p:sp>
+        <p:nvSpPr>
+          <p:cNvPr id="4" name="Title 1"/>
+          <p:cNvSpPr txBox="1">
+            <a:spLocks/>
+          </p:cNvSpPr>
+          <p:nvPr/>
+        </p:nvSpPr>
+        <p:spPr>
+          <a:xfrm>
+            <a:off x="76200" y="-228600"/>
+            <a:ext cx="9067800" cy="1470025"/>
+          </a:xfrm>
+          <a:prstGeom prst="rect">
+            <a:avLst/>
+          </a:prstGeom>
+          <a:ln>
+            <a:noFill/>
+          </a:ln>
+        </p:spPr>
+        <p:txBody>
+          <a:bodyPr vert="horz" lIns="91440" tIns="45720" rIns="91440" bIns="45720" rtlCol="0" anchor="ctr">
+            <a:noAutofit/>
+          </a:bodyPr>
+          <a:lstStyle>
+            <a:lvl1pPr algn="ctr" defTabSz="914400" rtl="0" eaLnBrk="1" latinLnBrk="0" hangingPunct="1">
+              <a:spcBef>
+                <a:spcPct val="0"/>
+              </a:spcBef>
+              <a:buNone/>
+              <a:defRPr sz="4400" kern="1200">
+                <a:solidFill>
+                  <a:schemeClr val="tx1"/>
+                </a:solidFill>
+                <a:latin typeface="+mj-lt"/>
+                <a:ea typeface="+mj-ea"/>
+                <a:cs typeface="+mj-cs"/>
+              </a:defRPr>
+            </a:lvl1pPr>
+          </a:lstStyle>
+          <a:p>
+            <a:pPr algn="l"/>
+            <a:r>
+              <a:rPr lang="en-US" sz="8000" dirty="0" smtClean="0">
+                <a:solidFill>
+                  <a:schemeClr val="accent3">
+                    <a:lumMod val="75000"/>
+                  </a:schemeClr>
+                </a:solidFill>
+                <a:latin typeface="Yanone Kaffeesatz Bold" pitchFamily="2" charset="0"/>
+                <a:cs typeface="Aharoni" pitchFamily="2" charset="-79"/>
+              </a:rPr>
+              <a:t>Recap - Graceful Degradation</a:t>
+            </a:r>
+            <a:endParaRPr lang="en-US" sz="8000" dirty="0">
+              <a:solidFill>
+                <a:schemeClr val="accent3">
+                  <a:lumMod val="75000"/>
+                </a:schemeClr>
+              </a:solidFill>
+              <a:latin typeface="Yanone Kaffeesatz Bold" pitchFamily="2" charset="0"/>
+              <a:cs typeface="Aharoni" pitchFamily="2" charset="-79"/>
+            </a:endParaRPr>
+          </a:p>
+        </p:txBody>
+      </p:sp>
+      <p:graphicFrame>
+        <p:nvGraphicFramePr>
+          <p:cNvPr id="5" name="Diagram 4"/>
+          <p:cNvGraphicFramePr/>
+          <p:nvPr>
+            <p:extLst>
+              <p:ext uri="{D42A27DB-BD31-4B8C-83A1-F6EECF244321}">
+                <p14:modId xmlns:p14="http://schemas.microsoft.com/office/powerpoint/2010/main" val="3198967229"/>
+              </p:ext>
+            </p:extLst>
+          </p:nvPr>
+        </p:nvGraphicFramePr>
+        <p:xfrm>
+          <a:off x="152400" y="1241425"/>
+          <a:ext cx="8686800" cy="5464175"/>
+        </p:xfrm>
+        <a:graphic>
+          <a:graphicData uri="http://schemas.openxmlformats.org/drawingml/2006/diagram">
+            <dgm:relIds xmlns:dgm="http://schemas.openxmlformats.org/drawingml/2006/diagram" xmlns:r="http://schemas.openxmlformats.org/officeDocument/2006/relationships" r:dm="rId3" r:lo="rId4" r:qs="rId5" r:cs="rId6"/>
+          </a:graphicData>
+        </a:graphic>
+      </p:graphicFrame>
+    </p:spTree>
+    <p:extLst>
+      <p:ext uri="{BB962C8B-B14F-4D97-AF65-F5344CB8AC3E}">
+        <p14:creationId xmlns:p14="http://schemas.microsoft.com/office/powerpoint/2010/main" val="1858430981"/>
+      </p:ext>
+    </p:extLst>
+  </p:cSld>
+  <p:clrMapOvr>
+    <a:masterClrMapping/>
+  </p:clrMapOvr>
+  <p:timing>
+    <p:tnLst>
+      <p:par>
+        <p:cTn id="1" dur="indefinite" restart="never" nodeType="tmRoot"/>
+      </p:par>
+    </p:tnLst>
+  </p:timing>
+</p:sld>
+</file>
+
+<file path=ppt/slides/slide29.xml><?xml version="1.0" encoding="utf-8"?>
+<p:sld xmlns:a="http://schemas.openxmlformats.org/drawingml/2006/main" xmlns:r="http://schemas.openxmlformats.org/officeDocument/2006/relationships" xmlns:p="http://schemas.openxmlformats.org/presentationml/2006/main">
+  <p:cSld>
+    <p:spTree>
+      <p:nvGrpSpPr>
+        <p:cNvPr id="1" name=""/>
+        <p:cNvGrpSpPr/>
+        <p:nvPr/>
+      </p:nvGrpSpPr>
+      <p:grpSpPr>
+        <a:xfrm>
+          <a:off x="0" y="0"/>
+          <a:ext cx="0" cy="0"/>
+          <a:chOff x="0" y="0"/>
+          <a:chExt cx="0" cy="0"/>
+        </a:xfrm>
+      </p:grpSpPr>
+      <p:sp>
+        <p:nvSpPr>
+          <p:cNvPr id="2" name="Title 1"/>
+          <p:cNvSpPr>
+            <a:spLocks noGrp="1"/>
+          </p:cNvSpPr>
+          <p:nvPr>
+            <p:ph type="ctrTitle"/>
+          </p:nvPr>
+        </p:nvSpPr>
+        <p:spPr>
+          <a:xfrm>
+            <a:off x="76200" y="-228600"/>
+            <a:ext cx="7772400" cy="1470025"/>
+          </a:xfrm>
+          <a:ln>
+            <a:noFill/>
+          </a:ln>
+        </p:spPr>
+        <p:txBody>
+          <a:bodyPr>
+            <a:noAutofit/>
+          </a:bodyPr>
+          <a:lstStyle/>
+          <a:p>
+            <a:pPr algn="l"/>
+            <a:r>
+              <a:rPr lang="en-US" sz="8000" dirty="0" smtClean="0">
+                <a:solidFill>
+                  <a:schemeClr val="accent3">
+                    <a:lumMod val="75000"/>
+                  </a:schemeClr>
+                </a:solidFill>
+                <a:latin typeface="Yanone Kaffeesatz Bold" pitchFamily="2" charset="0"/>
+                <a:cs typeface="Aharoni" pitchFamily="2" charset="-79"/>
+              </a:rPr>
+              <a:t>Recap - Clients</a:t>
+            </a:r>
+            <a:endParaRPr lang="en-US" sz="8000" dirty="0">
+              <a:solidFill>
+                <a:schemeClr val="accent3">
+                  <a:lumMod val="75000"/>
+                </a:schemeClr>
+              </a:solidFill>
+              <a:latin typeface="Yanone Kaffeesatz Bold" pitchFamily="2" charset="0"/>
+              <a:cs typeface="Aharoni" pitchFamily="2" charset="-79"/>
+            </a:endParaRPr>
+          </a:p>
+        </p:txBody>
+      </p:sp>
+      <p:sp>
+        <p:nvSpPr>
+          <p:cNvPr id="3" name="Subtitle 2"/>
+          <p:cNvSpPr>
+            <a:spLocks noGrp="1"/>
+          </p:cNvSpPr>
+          <p:nvPr>
+            <p:ph type="subTitle" idx="1"/>
+          </p:nvPr>
+        </p:nvSpPr>
+        <p:spPr>
+          <a:xfrm>
+            <a:off x="228600" y="1066800"/>
+            <a:ext cx="8763000" cy="5486400"/>
+          </a:xfrm>
+        </p:spPr>
+        <p:txBody>
+          <a:bodyPr>
+            <a:noAutofit/>
+          </a:bodyPr>
+          <a:lstStyle/>
+          <a:p>
+            <a:pPr marL="857250" indent="-857250" algn="l">
+              <a:buFont typeface="Arial" pitchFamily="34" charset="0"/>
+              <a:buChar char="•"/>
+            </a:pPr>
+            <a:r>
+              <a:rPr lang="en-US" sz="4000" dirty="0" smtClean="0">
+                <a:solidFill>
+                  <a:schemeClr val="tx1">
+                    <a:lumMod val="65000"/>
+                    <a:lumOff val="35000"/>
+                  </a:schemeClr>
+                </a:solidFill>
+                <a:latin typeface="Yanone Kaffeesatz Bold" pitchFamily="2" charset="0"/>
+              </a:rPr>
+              <a:t>.NET</a:t>
+            </a:r>
+          </a:p>
+          <a:p>
+            <a:pPr marL="857250" indent="-857250" algn="l">
+              <a:buFont typeface="Arial" pitchFamily="34" charset="0"/>
+              <a:buChar char="•"/>
+            </a:pPr>
+            <a:r>
+              <a:rPr lang="en-US" sz="4000" dirty="0" smtClean="0">
+                <a:solidFill>
+                  <a:schemeClr val="tx1">
+                    <a:lumMod val="65000"/>
+                    <a:lumOff val="35000"/>
+                  </a:schemeClr>
+                </a:solidFill>
+                <a:latin typeface="Yanone Kaffeesatz Bold" pitchFamily="2" charset="0"/>
+              </a:rPr>
+              <a:t>JavaScript</a:t>
+            </a:r>
+          </a:p>
+          <a:p>
+            <a:pPr marL="857250" indent="-857250" algn="l">
+              <a:buFont typeface="Arial" pitchFamily="34" charset="0"/>
+              <a:buChar char="•"/>
+            </a:pPr>
+            <a:r>
+              <a:rPr lang="en-US" sz="4000" dirty="0" smtClean="0">
+                <a:solidFill>
+                  <a:schemeClr val="tx1">
+                    <a:lumMod val="65000"/>
+                    <a:lumOff val="35000"/>
+                  </a:schemeClr>
+                </a:solidFill>
+                <a:latin typeface="Yanone Kaffeesatz Bold" pitchFamily="2" charset="0"/>
+              </a:rPr>
+              <a:t>WPF</a:t>
+            </a:r>
+          </a:p>
+          <a:p>
+            <a:pPr marL="857250" indent="-857250" algn="l">
+              <a:buFont typeface="Arial" pitchFamily="34" charset="0"/>
+              <a:buChar char="•"/>
+            </a:pPr>
+            <a:r>
+              <a:rPr lang="en-US" sz="4000" dirty="0" smtClean="0">
+                <a:solidFill>
+                  <a:schemeClr val="tx1">
+                    <a:lumMod val="65000"/>
+                    <a:lumOff val="35000"/>
+                  </a:schemeClr>
+                </a:solidFill>
+                <a:latin typeface="Yanone Kaffeesatz Bold" pitchFamily="2" charset="0"/>
+              </a:rPr>
+              <a:t>Silverlight</a:t>
+            </a:r>
+          </a:p>
+          <a:p>
+            <a:pPr marL="857250" indent="-857250" algn="l">
+              <a:buFont typeface="Arial" pitchFamily="34" charset="0"/>
+              <a:buChar char="•"/>
+            </a:pPr>
+            <a:r>
+              <a:rPr lang="en-US" sz="4000" dirty="0" err="1" smtClean="0">
+                <a:solidFill>
+                  <a:schemeClr val="tx1">
+                    <a:lumMod val="65000"/>
+                    <a:lumOff val="35000"/>
+                  </a:schemeClr>
+                </a:solidFill>
+                <a:latin typeface="Yanone Kaffeesatz Bold" pitchFamily="2" charset="0"/>
+              </a:rPr>
+              <a:t>WinRT</a:t>
+            </a:r>
+            <a:endParaRPr lang="en-US" sz="4000" dirty="0" smtClean="0">
+              <a:solidFill>
+                <a:schemeClr val="tx1">
+                  <a:lumMod val="65000"/>
+                  <a:lumOff val="35000"/>
+                </a:schemeClr>
+              </a:solidFill>
+              <a:latin typeface="Yanone Kaffeesatz Bold" pitchFamily="2" charset="0"/>
+            </a:endParaRPr>
+          </a:p>
+          <a:p>
+            <a:pPr marL="857250" indent="-857250" algn="l">
+              <a:buFont typeface="Arial" pitchFamily="34" charset="0"/>
+              <a:buChar char="•"/>
+            </a:pPr>
+            <a:r>
+              <a:rPr lang="en-US" sz="4000" dirty="0" smtClean="0">
+                <a:solidFill>
+                  <a:schemeClr val="tx1">
+                    <a:lumMod val="65000"/>
+                    <a:lumOff val="35000"/>
+                  </a:schemeClr>
+                </a:solidFill>
+                <a:latin typeface="Yanone Kaffeesatz Bold" pitchFamily="2" charset="0"/>
+              </a:rPr>
+              <a:t>Objective-C</a:t>
+            </a:r>
+            <a:r>
+              <a:rPr lang="en-US" sz="4000" dirty="0">
+                <a:solidFill>
+                  <a:schemeClr val="tx1">
+                    <a:lumMod val="50000"/>
+                    <a:lumOff val="50000"/>
+                  </a:schemeClr>
+                </a:solidFill>
+                <a:latin typeface="Yanone Kaffeesatz Bold" pitchFamily="2" charset="0"/>
+              </a:rPr>
+              <a:t/>
+            </a:r>
+            <a:br>
+              <a:rPr lang="en-US" sz="4000" dirty="0">
+                <a:solidFill>
+                  <a:schemeClr val="tx1">
+                    <a:lumMod val="50000"/>
+                    <a:lumOff val="50000"/>
+                  </a:schemeClr>
+                </a:solidFill>
+                <a:latin typeface="Yanone Kaffeesatz Bold" pitchFamily="2" charset="0"/>
+              </a:rPr>
+            </a:br>
+            <a:endParaRPr lang="en-US" sz="4000" dirty="0" smtClean="0">
+              <a:solidFill>
+                <a:schemeClr val="tx1">
+                  <a:lumMod val="50000"/>
+                  <a:lumOff val="50000"/>
+                </a:schemeClr>
+              </a:solidFill>
+              <a:latin typeface="Yanone Kaffeesatz Bold" pitchFamily="2" charset="0"/>
+            </a:endParaRPr>
+          </a:p>
+          <a:p>
+            <a:pPr marL="857250" indent="-857250" algn="l">
+              <a:buFont typeface="Arial" pitchFamily="34" charset="0"/>
+              <a:buChar char="•"/>
+            </a:pPr>
+            <a:endParaRPr lang="en-US" sz="5000" dirty="0" smtClean="0">
+              <a:solidFill>
+                <a:schemeClr val="tx1">
+                  <a:lumMod val="50000"/>
+                  <a:lumOff val="50000"/>
+                </a:schemeClr>
+              </a:solidFill>
+              <a:latin typeface="Yanone Kaffeesatz Bold" pitchFamily="2" charset="0"/>
+            </a:endParaRPr>
+          </a:p>
+          <a:p>
+            <a:pPr marL="857250" indent="-857250" algn="l">
+              <a:buFont typeface="Arial" pitchFamily="34" charset="0"/>
+              <a:buChar char="•"/>
+            </a:pPr>
+            <a:endParaRPr lang="en-US" sz="5000" dirty="0">
+              <a:solidFill>
+                <a:schemeClr val="tx1">
+                  <a:lumMod val="50000"/>
+                  <a:lumOff val="50000"/>
+                </a:schemeClr>
+              </a:solidFill>
+              <a:latin typeface="Yanone Kaffeesatz Bold" pitchFamily="2" charset="0"/>
+            </a:endParaRPr>
+          </a:p>
+        </p:txBody>
+      </p:sp>
+    </p:spTree>
+    <p:extLst>
+      <p:ext uri="{BB962C8B-B14F-4D97-AF65-F5344CB8AC3E}">
+        <p14:creationId xmlns:p14="http://schemas.microsoft.com/office/powerpoint/2010/main" val="2470649548"/>
+      </p:ext>
+    </p:extLst>
+  </p:cSld>
+  <p:clrMapOvr>
+    <a:masterClrMapping/>
+  </p:clrMapOvr>
+  <p:timing>
+    <p:tnLst>
+      <p:par>
+        <p:cTn id="1" dur="indefinite" restart="never" nodeType="tmRoot"/>
+      </p:par>
+    </p:tnLst>
+  </p:timing>
+</p:sld>
+</file>
+
 <file path=ppt/slides/slide3.xml><?xml version="1.0" encoding="utf-8"?>
 <p:sld xmlns:a="http://schemas.openxmlformats.org/drawingml/2006/main" xmlns:r="http://schemas.openxmlformats.org/officeDocument/2006/relationships" xmlns:p="http://schemas.openxmlformats.org/presentationml/2006/main">
   <p:cSld>
@@ -19230,131 +18966,6 @@
       </p:grpSpPr>
       <p:sp>
         <p:nvSpPr>
-          <p:cNvPr id="4" name="Title 1"/>
-          <p:cNvSpPr txBox="1">
-            <a:spLocks/>
-          </p:cNvSpPr>
-          <p:nvPr/>
-        </p:nvSpPr>
-        <p:spPr>
-          <a:xfrm>
-            <a:off x="76200" y="-228600"/>
-            <a:ext cx="9067800" cy="1470025"/>
-          </a:xfrm>
-          <a:prstGeom prst="rect">
-            <a:avLst/>
-          </a:prstGeom>
-          <a:ln>
-            <a:noFill/>
-          </a:ln>
-        </p:spPr>
-        <p:txBody>
-          <a:bodyPr vert="horz" lIns="91440" tIns="45720" rIns="91440" bIns="45720" rtlCol="0" anchor="ctr">
-            <a:noAutofit/>
-          </a:bodyPr>
-          <a:lstStyle>
-            <a:lvl1pPr algn="ctr" defTabSz="914400" rtl="0" eaLnBrk="1" latinLnBrk="0" hangingPunct="1">
-              <a:spcBef>
-                <a:spcPct val="0"/>
-              </a:spcBef>
-              <a:buNone/>
-              <a:defRPr sz="4400" kern="1200">
-                <a:solidFill>
-                  <a:schemeClr val="tx1"/>
-                </a:solidFill>
-                <a:latin typeface="+mj-lt"/>
-                <a:ea typeface="+mj-ea"/>
-                <a:cs typeface="+mj-cs"/>
-              </a:defRPr>
-            </a:lvl1pPr>
-          </a:lstStyle>
-          <a:p>
-            <a:pPr algn="l"/>
-            <a:r>
-              <a:rPr lang="en-US" sz="8000" dirty="0" smtClean="0">
-                <a:solidFill>
-                  <a:schemeClr val="accent3">
-                    <a:lumMod val="75000"/>
-                  </a:schemeClr>
-                </a:solidFill>
-                <a:latin typeface="Yanone Kaffeesatz Bold" pitchFamily="2" charset="0"/>
-                <a:cs typeface="Aharoni" pitchFamily="2" charset="-79"/>
-              </a:rPr>
-              <a:t>Recap - Graceful Degradation</a:t>
-            </a:r>
-            <a:endParaRPr lang="en-US" sz="8000" dirty="0">
-              <a:solidFill>
-                <a:schemeClr val="accent3">
-                  <a:lumMod val="75000"/>
-                </a:schemeClr>
-              </a:solidFill>
-              <a:latin typeface="Yanone Kaffeesatz Bold" pitchFamily="2" charset="0"/>
-              <a:cs typeface="Aharoni" pitchFamily="2" charset="-79"/>
-            </a:endParaRPr>
-          </a:p>
-        </p:txBody>
-      </p:sp>
-      <p:graphicFrame>
-        <p:nvGraphicFramePr>
-          <p:cNvPr id="5" name="Diagram 4"/>
-          <p:cNvGraphicFramePr/>
-          <p:nvPr>
-            <p:extLst>
-              <p:ext uri="{D42A27DB-BD31-4B8C-83A1-F6EECF244321}">
-                <p14:modId xmlns:p14="http://schemas.microsoft.com/office/powerpoint/2010/main" val="3198967229"/>
-              </p:ext>
-            </p:extLst>
-          </p:nvPr>
-        </p:nvGraphicFramePr>
-        <p:xfrm>
-          <a:off x="152400" y="1241425"/>
-          <a:ext cx="8686800" cy="5464175"/>
-        </p:xfrm>
-        <a:graphic>
-          <a:graphicData uri="http://schemas.openxmlformats.org/drawingml/2006/diagram">
-            <dgm:relIds xmlns:dgm="http://schemas.openxmlformats.org/drawingml/2006/diagram" xmlns:r="http://schemas.openxmlformats.org/officeDocument/2006/relationships" r:dm="rId3" r:lo="rId4" r:qs="rId5" r:cs="rId6"/>
-          </a:graphicData>
-        </a:graphic>
-      </p:graphicFrame>
-    </p:spTree>
-    <p:extLst>
-      <p:ext uri="{BB962C8B-B14F-4D97-AF65-F5344CB8AC3E}">
-        <p14:creationId xmlns:p14="http://schemas.microsoft.com/office/powerpoint/2010/main" val="1858430981"/>
-      </p:ext>
-    </p:extLst>
-  </p:cSld>
-  <p:clrMapOvr>
-    <a:masterClrMapping/>
-  </p:clrMapOvr>
-  <p:timing>
-    <p:tnLst>
-      <p:par>
-        <p:cTn id="1" dur="indefinite" restart="never" nodeType="tmRoot"/>
-      </p:par>
-    </p:tnLst>
-  </p:timing>
-</p:sld>
-</file>
-
-<file path=ppt/slides/slide31.xml><?xml version="1.0" encoding="utf-8"?>
-<p:sld xmlns:a="http://schemas.openxmlformats.org/drawingml/2006/main" xmlns:r="http://schemas.openxmlformats.org/officeDocument/2006/relationships" xmlns:p="http://schemas.openxmlformats.org/presentationml/2006/main">
-  <p:cSld>
-    <p:spTree>
-      <p:nvGrpSpPr>
-        <p:cNvPr id="1" name=""/>
-        <p:cNvGrpSpPr/>
-        <p:nvPr/>
-      </p:nvGrpSpPr>
-      <p:grpSpPr>
-        <a:xfrm>
-          <a:off x="0" y="0"/>
-          <a:ext cx="0" cy="0"/>
-          <a:chOff x="0" y="0"/>
-          <a:chExt cx="0" cy="0"/>
-        </a:xfrm>
-      </p:grpSpPr>
-      <p:sp>
-        <p:nvSpPr>
           <p:cNvPr id="2" name="Title 1"/>
           <p:cNvSpPr>
             <a:spLocks noGrp="1"/>
@@ -19389,7 +19000,7 @@
                 <a:latin typeface="Yanone Kaffeesatz Bold" pitchFamily="2" charset="0"/>
                 <a:cs typeface="Aharoni" pitchFamily="2" charset="-79"/>
               </a:rPr>
-              <a:t>Recap - Clients</a:t>
+              <a:t>Not Discussed</a:t>
             </a:r>
             <a:endParaRPr lang="en-US" sz="8000" dirty="0">
               <a:solidFill>
@@ -19430,295 +19041,6 @@
               <a:buChar char="•"/>
             </a:pPr>
             <a:r>
-              <a:rPr lang="en-US" sz="4000" dirty="0" smtClean="0">
-                <a:solidFill>
-                  <a:schemeClr val="tx1">
-                    <a:lumMod val="65000"/>
-                    <a:lumOff val="35000"/>
-                  </a:schemeClr>
-                </a:solidFill>
-                <a:latin typeface="Yanone Kaffeesatz Bold" pitchFamily="2" charset="0"/>
-              </a:rPr>
-              <a:t>.NET</a:t>
-            </a:r>
-          </a:p>
-          <a:p>
-            <a:pPr marL="857250" indent="-857250" algn="l">
-              <a:buFont typeface="Arial" pitchFamily="34" charset="0"/>
-              <a:buChar char="•"/>
-            </a:pPr>
-            <a:r>
-              <a:rPr lang="en-US" sz="4000" dirty="0" smtClean="0">
-                <a:solidFill>
-                  <a:schemeClr val="tx1">
-                    <a:lumMod val="65000"/>
-                    <a:lumOff val="35000"/>
-                  </a:schemeClr>
-                </a:solidFill>
-                <a:latin typeface="Yanone Kaffeesatz Bold" pitchFamily="2" charset="0"/>
-              </a:rPr>
-              <a:t>JavaScript</a:t>
-            </a:r>
-          </a:p>
-          <a:p>
-            <a:pPr marL="857250" indent="-857250" algn="l">
-              <a:buFont typeface="Arial" pitchFamily="34" charset="0"/>
-              <a:buChar char="•"/>
-            </a:pPr>
-            <a:r>
-              <a:rPr lang="en-US" sz="4000" dirty="0" smtClean="0">
-                <a:solidFill>
-                  <a:schemeClr val="tx1">
-                    <a:lumMod val="65000"/>
-                    <a:lumOff val="35000"/>
-                  </a:schemeClr>
-                </a:solidFill>
-                <a:latin typeface="Yanone Kaffeesatz Bold" pitchFamily="2" charset="0"/>
-              </a:rPr>
-              <a:t>WPF</a:t>
-            </a:r>
-          </a:p>
-          <a:p>
-            <a:pPr marL="857250" indent="-857250" algn="l">
-              <a:buFont typeface="Arial" pitchFamily="34" charset="0"/>
-              <a:buChar char="•"/>
-            </a:pPr>
-            <a:r>
-              <a:rPr lang="en-US" sz="4000" dirty="0" smtClean="0">
-                <a:solidFill>
-                  <a:schemeClr val="tx1">
-                    <a:lumMod val="65000"/>
-                    <a:lumOff val="35000"/>
-                  </a:schemeClr>
-                </a:solidFill>
-                <a:latin typeface="Yanone Kaffeesatz Bold" pitchFamily="2" charset="0"/>
-              </a:rPr>
-              <a:t>Silverlight</a:t>
-            </a:r>
-          </a:p>
-          <a:p>
-            <a:pPr marL="857250" indent="-857250" algn="l">
-              <a:buFont typeface="Arial" pitchFamily="34" charset="0"/>
-              <a:buChar char="•"/>
-            </a:pPr>
-            <a:r>
-              <a:rPr lang="en-US" sz="4000" dirty="0" err="1" smtClean="0">
-                <a:solidFill>
-                  <a:schemeClr val="tx1">
-                    <a:lumMod val="65000"/>
-                    <a:lumOff val="35000"/>
-                  </a:schemeClr>
-                </a:solidFill>
-                <a:latin typeface="Yanone Kaffeesatz Bold" pitchFamily="2" charset="0"/>
-              </a:rPr>
-              <a:t>WinRT</a:t>
-            </a:r>
-            <a:endParaRPr lang="en-US" sz="4000" dirty="0" smtClean="0">
-              <a:solidFill>
-                <a:schemeClr val="tx1">
-                  <a:lumMod val="65000"/>
-                  <a:lumOff val="35000"/>
-                </a:schemeClr>
-              </a:solidFill>
-              <a:latin typeface="Yanone Kaffeesatz Bold" pitchFamily="2" charset="0"/>
-            </a:endParaRPr>
-          </a:p>
-          <a:p>
-            <a:pPr marL="857250" indent="-857250" algn="l">
-              <a:buFont typeface="Arial" pitchFamily="34" charset="0"/>
-              <a:buChar char="•"/>
-            </a:pPr>
-            <a:r>
-              <a:rPr lang="en-US" sz="4000" dirty="0" smtClean="0">
-                <a:solidFill>
-                  <a:schemeClr val="tx1">
-                    <a:lumMod val="65000"/>
-                    <a:lumOff val="35000"/>
-                  </a:schemeClr>
-                </a:solidFill>
-                <a:latin typeface="Yanone Kaffeesatz Bold" pitchFamily="2" charset="0"/>
-              </a:rPr>
-              <a:t>Objective-C</a:t>
-            </a:r>
-            <a:r>
-              <a:rPr lang="en-US" sz="4000" dirty="0">
-                <a:solidFill>
-                  <a:schemeClr val="tx1">
-                    <a:lumMod val="50000"/>
-                    <a:lumOff val="50000"/>
-                  </a:schemeClr>
-                </a:solidFill>
-                <a:latin typeface="Yanone Kaffeesatz Bold" pitchFamily="2" charset="0"/>
-              </a:rPr>
-              <a:t/>
-            </a:r>
-            <a:br>
-              <a:rPr lang="en-US" sz="4000" dirty="0">
-                <a:solidFill>
-                  <a:schemeClr val="tx1">
-                    <a:lumMod val="50000"/>
-                    <a:lumOff val="50000"/>
-                  </a:schemeClr>
-                </a:solidFill>
-                <a:latin typeface="Yanone Kaffeesatz Bold" pitchFamily="2" charset="0"/>
-              </a:rPr>
-            </a:br>
-            <a:endParaRPr lang="en-US" sz="4000" dirty="0" smtClean="0">
-              <a:solidFill>
-                <a:schemeClr val="tx1">
-                  <a:lumMod val="50000"/>
-                  <a:lumOff val="50000"/>
-                </a:schemeClr>
-              </a:solidFill>
-              <a:latin typeface="Yanone Kaffeesatz Bold" pitchFamily="2" charset="0"/>
-            </a:endParaRPr>
-          </a:p>
-          <a:p>
-            <a:pPr marL="857250" indent="-857250" algn="l">
-              <a:buFont typeface="Arial" pitchFamily="34" charset="0"/>
-              <a:buChar char="•"/>
-            </a:pPr>
-            <a:endParaRPr lang="en-US" sz="5000" dirty="0" smtClean="0">
-              <a:solidFill>
-                <a:schemeClr val="tx1">
-                  <a:lumMod val="50000"/>
-                  <a:lumOff val="50000"/>
-                </a:schemeClr>
-              </a:solidFill>
-              <a:latin typeface="Yanone Kaffeesatz Bold" pitchFamily="2" charset="0"/>
-            </a:endParaRPr>
-          </a:p>
-          <a:p>
-            <a:pPr marL="857250" indent="-857250" algn="l">
-              <a:buFont typeface="Arial" pitchFamily="34" charset="0"/>
-              <a:buChar char="•"/>
-            </a:pPr>
-            <a:endParaRPr lang="en-US" sz="5000" dirty="0">
-              <a:solidFill>
-                <a:schemeClr val="tx1">
-                  <a:lumMod val="50000"/>
-                  <a:lumOff val="50000"/>
-                </a:schemeClr>
-              </a:solidFill>
-              <a:latin typeface="Yanone Kaffeesatz Bold" pitchFamily="2" charset="0"/>
-            </a:endParaRPr>
-          </a:p>
-        </p:txBody>
-      </p:sp>
-    </p:spTree>
-    <p:extLst>
-      <p:ext uri="{BB962C8B-B14F-4D97-AF65-F5344CB8AC3E}">
-        <p14:creationId xmlns:p14="http://schemas.microsoft.com/office/powerpoint/2010/main" val="2470649548"/>
-      </p:ext>
-    </p:extLst>
-  </p:cSld>
-  <p:clrMapOvr>
-    <a:masterClrMapping/>
-  </p:clrMapOvr>
-  <p:timing>
-    <p:tnLst>
-      <p:par>
-        <p:cTn id="1" dur="indefinite" restart="never" nodeType="tmRoot"/>
-      </p:par>
-    </p:tnLst>
-  </p:timing>
-</p:sld>
-</file>
-
-<file path=ppt/slides/slide32.xml><?xml version="1.0" encoding="utf-8"?>
-<p:sld xmlns:a="http://schemas.openxmlformats.org/drawingml/2006/main" xmlns:r="http://schemas.openxmlformats.org/officeDocument/2006/relationships" xmlns:p="http://schemas.openxmlformats.org/presentationml/2006/main">
-  <p:cSld>
-    <p:spTree>
-      <p:nvGrpSpPr>
-        <p:cNvPr id="1" name=""/>
-        <p:cNvGrpSpPr/>
-        <p:nvPr/>
-      </p:nvGrpSpPr>
-      <p:grpSpPr>
-        <a:xfrm>
-          <a:off x="0" y="0"/>
-          <a:ext cx="0" cy="0"/>
-          <a:chOff x="0" y="0"/>
-          <a:chExt cx="0" cy="0"/>
-        </a:xfrm>
-      </p:grpSpPr>
-      <p:sp>
-        <p:nvSpPr>
-          <p:cNvPr id="2" name="Title 1"/>
-          <p:cNvSpPr>
-            <a:spLocks noGrp="1"/>
-          </p:cNvSpPr>
-          <p:nvPr>
-            <p:ph type="ctrTitle"/>
-          </p:nvPr>
-        </p:nvSpPr>
-        <p:spPr>
-          <a:xfrm>
-            <a:off x="76200" y="-228600"/>
-            <a:ext cx="7772400" cy="1470025"/>
-          </a:xfrm>
-          <a:ln>
-            <a:noFill/>
-          </a:ln>
-        </p:spPr>
-        <p:txBody>
-          <a:bodyPr>
-            <a:noAutofit/>
-          </a:bodyPr>
-          <a:lstStyle/>
-          <a:p>
-            <a:pPr algn="l"/>
-            <a:r>
-              <a:rPr lang="en-US" sz="8000" dirty="0" smtClean="0">
-                <a:solidFill>
-                  <a:schemeClr val="accent3">
-                    <a:lumMod val="75000"/>
-                  </a:schemeClr>
-                </a:solidFill>
-                <a:latin typeface="Yanone Kaffeesatz Bold" pitchFamily="2" charset="0"/>
-                <a:cs typeface="Aharoni" pitchFamily="2" charset="-79"/>
-              </a:rPr>
-              <a:t>Not Discussed</a:t>
-            </a:r>
-            <a:endParaRPr lang="en-US" sz="8000" dirty="0">
-              <a:solidFill>
-                <a:schemeClr val="accent3">
-                  <a:lumMod val="75000"/>
-                </a:schemeClr>
-              </a:solidFill>
-              <a:latin typeface="Yanone Kaffeesatz Bold" pitchFamily="2" charset="0"/>
-              <a:cs typeface="Aharoni" pitchFamily="2" charset="-79"/>
-            </a:endParaRPr>
-          </a:p>
-        </p:txBody>
-      </p:sp>
-      <p:sp>
-        <p:nvSpPr>
-          <p:cNvPr id="3" name="Subtitle 2"/>
-          <p:cNvSpPr>
-            <a:spLocks noGrp="1"/>
-          </p:cNvSpPr>
-          <p:nvPr>
-            <p:ph type="subTitle" idx="1"/>
-          </p:nvPr>
-        </p:nvSpPr>
-        <p:spPr>
-          <a:xfrm>
-            <a:off x="228600" y="1066800"/>
-            <a:ext cx="8763000" cy="5486400"/>
-          </a:xfrm>
-        </p:spPr>
-        <p:txBody>
-          <a:bodyPr>
-            <a:noAutofit/>
-          </a:bodyPr>
-          <a:lstStyle/>
-          <a:p>
-            <a:pPr marL="857250" indent="-857250" algn="l">
-              <a:buFont typeface="Arial" pitchFamily="34" charset="0"/>
-              <a:buChar char="•"/>
-            </a:pPr>
-            <a:r>
               <a:rPr lang="en-US" sz="6000" dirty="0" smtClean="0">
                 <a:solidFill>
                   <a:schemeClr val="tx1">
@@ -19869,7 +19191,7 @@
 </p:sld>
 </file>
 
-<file path=ppt/slides/slide33.xml><?xml version="1.0" encoding="utf-8"?>
+<file path=ppt/slides/slide31.xml><?xml version="1.0" encoding="utf-8"?>
 <p:sld xmlns:a="http://schemas.openxmlformats.org/drawingml/2006/main" xmlns:r="http://schemas.openxmlformats.org/officeDocument/2006/relationships" xmlns:p="http://schemas.openxmlformats.org/presentationml/2006/main">
   <p:cSld>
     <p:spTree>
@@ -20317,7 +19639,7 @@
 </p:sld>
 </file>
 
-<file path=ppt/slides/slide34.xml><?xml version="1.0" encoding="utf-8"?>
+<file path=ppt/slides/slide32.xml><?xml version="1.0" encoding="utf-8"?>
 <p:sld xmlns:a="http://schemas.openxmlformats.org/drawingml/2006/main" xmlns:r="http://schemas.openxmlformats.org/officeDocument/2006/relationships" xmlns:p="http://schemas.openxmlformats.org/presentationml/2006/main">
   <p:cSld>
     <p:spTree>
@@ -20767,7 +20089,7 @@
 </p:sld>
 </file>
 
-<file path=ppt/slides/slide35.xml><?xml version="1.0" encoding="utf-8"?>
+<file path=ppt/slides/slide33.xml><?xml version="1.0" encoding="utf-8"?>
 <p:sld xmlns:a="http://schemas.openxmlformats.org/drawingml/2006/main" xmlns:r="http://schemas.openxmlformats.org/officeDocument/2006/relationships" xmlns:p="http://schemas.openxmlformats.org/presentationml/2006/main">
   <p:cSld>
     <p:bg>
@@ -23142,8 +22464,8 @@
         </p:nvSpPr>
         <p:spPr>
           <a:xfrm>
-            <a:off x="381000" y="2667000"/>
-            <a:ext cx="8382000" cy="1470025"/>
+            <a:off x="76200" y="-228600"/>
+            <a:ext cx="7772400" cy="1470025"/>
           </a:xfrm>
           <a:ln>
             <a:noFill/>
@@ -23155,58 +22477,212 @@
           </a:bodyPr>
           <a:lstStyle/>
           <a:p>
-            <a:r>
-              <a:rPr lang="en-US" sz="9000" dirty="0" smtClean="0">
-                <a:solidFill>
-                  <a:schemeClr val="accent2">
-                    <a:lumMod val="75000"/>
+            <a:pPr algn="l"/>
+            <a:r>
+              <a:rPr lang="en-US" sz="8000" dirty="0" err="1" smtClean="0">
+                <a:solidFill>
+                  <a:schemeClr val="tx2">
+                    <a:lumMod val="60000"/>
+                    <a:lumOff val="40000"/>
                   </a:schemeClr>
                 </a:solidFill>
                 <a:latin typeface="Yanone Kaffeesatz Bold" pitchFamily="2" charset="0"/>
                 <a:cs typeface="Aharoni" pitchFamily="2" charset="-79"/>
               </a:rPr>
-              <a:t>Demo – </a:t>
-            </a:r>
-            <a:r>
-              <a:rPr lang="en-US" sz="9000" dirty="0" err="1" smtClean="0">
-                <a:solidFill>
-                  <a:schemeClr val="accent2">
-                    <a:lumMod val="75000"/>
+              <a:t>WebSocket</a:t>
+            </a:r>
+            <a:r>
+              <a:rPr lang="en-US" sz="8000" dirty="0" smtClean="0">
+                <a:solidFill>
+                  <a:schemeClr val="tx2">
+                    <a:lumMod val="60000"/>
+                    <a:lumOff val="40000"/>
                   </a:schemeClr>
                 </a:solidFill>
                 <a:latin typeface="Yanone Kaffeesatz Bold" pitchFamily="2" charset="0"/>
                 <a:cs typeface="Aharoni" pitchFamily="2" charset="-79"/>
               </a:rPr>
-              <a:t>SignalR</a:t>
-            </a:r>
-            <a:r>
-              <a:rPr lang="en-US" sz="9000" dirty="0" smtClean="0">
-                <a:solidFill>
-                  <a:schemeClr val="accent2">
-                    <a:lumMod val="75000"/>
-                  </a:schemeClr>
-                </a:solidFill>
-                <a:latin typeface="Yanone Kaffeesatz Bold" pitchFamily="2" charset="0"/>
-                <a:cs typeface="Aharoni" pitchFamily="2" charset="-79"/>
-              </a:rPr>
-              <a:t> stock ticker</a:t>
-            </a:r>
-            <a:r>
-              <a:rPr lang="en-US" sz="15000" dirty="0" smtClean="0">
-                <a:solidFill>
-                  <a:srgbClr val="F0F2EB"/>
-                </a:solidFill>
-                <a:latin typeface="Yanone Kaffeesatz Bold" pitchFamily="2" charset="0"/>
-                <a:cs typeface="Aharoni" pitchFamily="2" charset="-79"/>
-              </a:rPr>
-              <a:t>?</a:t>
-            </a:r>
-            <a:endParaRPr lang="en-US" sz="15000" dirty="0">
+              <a:t> </a:t>
+            </a:r>
+            <a:endParaRPr lang="en-US" sz="8000" dirty="0">
               <a:solidFill>
-                <a:srgbClr val="F0F2EB"/>
+                <a:schemeClr val="tx2">
+                  <a:lumMod val="60000"/>
+                  <a:lumOff val="40000"/>
+                </a:schemeClr>
               </a:solidFill>
               <a:latin typeface="Yanone Kaffeesatz Bold" pitchFamily="2" charset="0"/>
               <a:cs typeface="Aharoni" pitchFamily="2" charset="-79"/>
+            </a:endParaRPr>
+          </a:p>
+        </p:txBody>
+      </p:sp>
+      <p:pic>
+        <p:nvPicPr>
+          <p:cNvPr id="6146" name="Picture 2" descr="C:\Users\ahmed.alani\Desktop\Work\Presentation\websocket.png"/>
+          <p:cNvPicPr>
+            <a:picLocks noChangeAspect="1" noChangeArrowheads="1"/>
+          </p:cNvPicPr>
+          <p:nvPr/>
+        </p:nvPicPr>
+        <p:blipFill>
+          <a:blip r:embed="rId3">
+            <a:extLst>
+              <a:ext uri="{28A0092B-C50C-407E-A947-70E740481C1C}">
+                <a14:useLocalDpi xmlns:a14="http://schemas.microsoft.com/office/drawing/2010/main" val="0"/>
+              </a:ext>
+            </a:extLst>
+          </a:blip>
+          <a:srcRect/>
+          <a:stretch>
+            <a:fillRect/>
+          </a:stretch>
+        </p:blipFill>
+        <p:spPr bwMode="auto">
+          <a:xfrm>
+            <a:off x="4944116" y="1314453"/>
+            <a:ext cx="4047484" cy="5059358"/>
+          </a:xfrm>
+          <a:prstGeom prst="rect">
+            <a:avLst/>
+          </a:prstGeom>
+          <a:noFill/>
+          <a:extLst>
+            <a:ext uri="{909E8E84-426E-40DD-AFC4-6F175D3DCCD1}">
+              <a14:hiddenFill xmlns:a14="http://schemas.microsoft.com/office/drawing/2010/main">
+                <a:solidFill>
+                  <a:srgbClr val="FFFFFF"/>
+                </a:solidFill>
+              </a14:hiddenFill>
+            </a:ext>
+          </a:extLst>
+        </p:spPr>
+      </p:pic>
+      <p:sp>
+        <p:nvSpPr>
+          <p:cNvPr id="4" name="Rectangle 3"/>
+          <p:cNvSpPr/>
+          <p:nvPr/>
+        </p:nvSpPr>
+        <p:spPr>
+          <a:xfrm>
+            <a:off x="228600" y="1143000"/>
+            <a:ext cx="4648200" cy="4955203"/>
+          </a:xfrm>
+          <a:prstGeom prst="rect">
+            <a:avLst/>
+          </a:prstGeom>
+        </p:spPr>
+        <p:txBody>
+          <a:bodyPr wrap="square">
+            <a:spAutoFit/>
+          </a:bodyPr>
+          <a:lstStyle/>
+          <a:p>
+            <a:r>
+              <a:rPr lang="en-US" sz="4000" dirty="0" smtClean="0">
+                <a:solidFill>
+                  <a:schemeClr val="tx1">
+                    <a:lumMod val="65000"/>
+                    <a:lumOff val="35000"/>
+                  </a:schemeClr>
+                </a:solidFill>
+                <a:latin typeface="Yanone Kaffeesatz Bold" pitchFamily="2" charset="0"/>
+              </a:rPr>
+              <a:t>HTML5</a:t>
+            </a:r>
+          </a:p>
+          <a:p>
+            <a:endParaRPr lang="en-US" sz="4000" dirty="0">
+              <a:solidFill>
+                <a:schemeClr val="tx1">
+                  <a:lumMod val="65000"/>
+                  <a:lumOff val="35000"/>
+                </a:schemeClr>
+              </a:solidFill>
+              <a:latin typeface="Yanone Kaffeesatz Bold" pitchFamily="2" charset="0"/>
+            </a:endParaRPr>
+          </a:p>
+          <a:p>
+            <a:r>
+              <a:rPr lang="en-US" sz="4000" dirty="0" smtClean="0">
+                <a:solidFill>
+                  <a:schemeClr val="tx1">
+                    <a:lumMod val="65000"/>
+                    <a:lumOff val="35000"/>
+                  </a:schemeClr>
+                </a:solidFill>
+                <a:latin typeface="Yanone Kaffeesatz Bold" pitchFamily="2" charset="0"/>
+              </a:rPr>
+              <a:t>Full-duplex, bi-directional connection to server</a:t>
+            </a:r>
+            <a:endParaRPr lang="en-US" sz="3000" dirty="0" smtClean="0">
+              <a:solidFill>
+                <a:schemeClr val="tx1">
+                  <a:lumMod val="65000"/>
+                  <a:lumOff val="35000"/>
+                </a:schemeClr>
+              </a:solidFill>
+              <a:latin typeface="Yanone Kaffeesatz Bold" pitchFamily="2" charset="0"/>
+            </a:endParaRPr>
+          </a:p>
+          <a:p>
+            <a:pPr lvl="1"/>
+            <a:endParaRPr lang="en-US" dirty="0" smtClean="0">
+              <a:solidFill>
+                <a:schemeClr val="tx1">
+                  <a:lumMod val="50000"/>
+                  <a:lumOff val="50000"/>
+                </a:schemeClr>
+              </a:solidFill>
+              <a:latin typeface="Yanone Kaffeesatz Bold" pitchFamily="2" charset="0"/>
+            </a:endParaRPr>
+          </a:p>
+          <a:p>
+            <a:pPr lvl="1"/>
+            <a:endParaRPr lang="en-US" dirty="0">
+              <a:solidFill>
+                <a:schemeClr val="tx1">
+                  <a:lumMod val="50000"/>
+                  <a:lumOff val="50000"/>
+                </a:schemeClr>
+              </a:solidFill>
+              <a:latin typeface="Yanone Kaffeesatz Bold" pitchFamily="2" charset="0"/>
+            </a:endParaRPr>
+          </a:p>
+          <a:p>
+            <a:r>
+              <a:rPr lang="en-US" sz="4000" dirty="0">
+                <a:solidFill>
+                  <a:schemeClr val="tx1">
+                    <a:lumMod val="65000"/>
+                    <a:lumOff val="35000"/>
+                  </a:schemeClr>
+                </a:solidFill>
+                <a:latin typeface="Yanone Kaffeesatz Bold" pitchFamily="2" charset="0"/>
+              </a:rPr>
+              <a:t>No polling, server can initiate calls after initial upgrade </a:t>
+            </a:r>
+            <a:r>
+              <a:rPr lang="en-US" sz="4000" dirty="0" smtClean="0">
+                <a:solidFill>
+                  <a:schemeClr val="tx1">
+                    <a:lumMod val="65000"/>
+                    <a:lumOff val="35000"/>
+                  </a:schemeClr>
+                </a:solidFill>
+                <a:latin typeface="Yanone Kaffeesatz Bold" pitchFamily="2" charset="0"/>
+              </a:rPr>
+              <a:t>request</a:t>
+            </a:r>
+            <a:endParaRPr lang="en-US" sz="4000" dirty="0">
+              <a:solidFill>
+                <a:schemeClr val="tx1">
+                  <a:lumMod val="65000"/>
+                  <a:lumOff val="35000"/>
+                </a:schemeClr>
+              </a:solidFill>
+              <a:latin typeface="Yanone Kaffeesatz Bold" pitchFamily="2" charset="0"/>
             </a:endParaRPr>
           </a:p>
         </p:txBody>
@@ -23214,7 +22690,7 @@
     </p:spTree>
     <p:extLst>
       <p:ext uri="{BB962C8B-B14F-4D97-AF65-F5344CB8AC3E}">
-        <p14:creationId xmlns:p14="http://schemas.microsoft.com/office/powerpoint/2010/main" val="1576341515"/>
+        <p14:creationId xmlns:p14="http://schemas.microsoft.com/office/powerpoint/2010/main" val="1373403411"/>
       </p:ext>
     </p:extLst>
   </p:cSld>
@@ -23224,7 +22700,222 @@
   <p:timing>
     <p:tnLst>
       <p:par>
-        <p:cTn id="1" dur="indefinite" restart="never" nodeType="tmRoot"/>
+        <p:cTn id="1" dur="indefinite" restart="never" nodeType="tmRoot">
+          <p:childTnLst>
+            <p:seq concurrent="1" nextAc="seek">
+              <p:cTn id="2" dur="indefinite" nodeType="mainSeq">
+                <p:childTnLst>
+                  <p:par>
+                    <p:cTn id="3" fill="hold">
+                      <p:stCondLst>
+                        <p:cond delay="indefinite"/>
+                      </p:stCondLst>
+                      <p:childTnLst>
+                        <p:par>
+                          <p:cTn id="4" fill="hold">
+                            <p:stCondLst>
+                              <p:cond delay="0"/>
+                            </p:stCondLst>
+                            <p:childTnLst>
+                              <p:par>
+                                <p:cTn id="5" presetID="1" presetClass="entr" presetSubtype="0" fill="hold" nodeType="clickEffect">
+                                  <p:stCondLst>
+                                    <p:cond delay="0"/>
+                                  </p:stCondLst>
+                                  <p:childTnLst>
+                                    <p:set>
+                                      <p:cBhvr>
+                                        <p:cTn id="6" dur="1" fill="hold">
+                                          <p:stCondLst>
+                                            <p:cond delay="0"/>
+                                          </p:stCondLst>
+                                        </p:cTn>
+                                        <p:tgtEl>
+                                          <p:spTgt spid="6146"/>
+                                        </p:tgtEl>
+                                        <p:attrNameLst>
+                                          <p:attrName>style.visibility</p:attrName>
+                                        </p:attrNameLst>
+                                      </p:cBhvr>
+                                      <p:to>
+                                        <p:strVal val="visible"/>
+                                      </p:to>
+                                    </p:set>
+                                  </p:childTnLst>
+                                </p:cTn>
+                              </p:par>
+                            </p:childTnLst>
+                          </p:cTn>
+                        </p:par>
+                      </p:childTnLst>
+                    </p:cTn>
+                  </p:par>
+                  <p:par>
+                    <p:cTn id="7" fill="hold">
+                      <p:stCondLst>
+                        <p:cond delay="indefinite"/>
+                      </p:stCondLst>
+                      <p:childTnLst>
+                        <p:par>
+                          <p:cTn id="8" fill="hold">
+                            <p:stCondLst>
+                              <p:cond delay="0"/>
+                            </p:stCondLst>
+                            <p:childTnLst>
+                              <p:par>
+                                <p:cTn id="9" presetID="1" presetClass="entr" presetSubtype="0" fill="hold" nodeType="clickEffect">
+                                  <p:stCondLst>
+                                    <p:cond delay="0"/>
+                                  </p:stCondLst>
+                                  <p:childTnLst>
+                                    <p:set>
+                                      <p:cBhvr>
+                                        <p:cTn id="10" dur="1" fill="hold">
+                                          <p:stCondLst>
+                                            <p:cond delay="0"/>
+                                          </p:stCondLst>
+                                        </p:cTn>
+                                        <p:tgtEl>
+                                          <p:spTgt spid="4">
+                                            <p:txEl>
+                                              <p:pRg st="0" end="0"/>
+                                            </p:txEl>
+                                          </p:spTgt>
+                                        </p:tgtEl>
+                                        <p:attrNameLst>
+                                          <p:attrName>style.visibility</p:attrName>
+                                        </p:attrNameLst>
+                                      </p:cBhvr>
+                                      <p:to>
+                                        <p:strVal val="visible"/>
+                                      </p:to>
+                                    </p:set>
+                                  </p:childTnLst>
+                                </p:cTn>
+                              </p:par>
+                            </p:childTnLst>
+                          </p:cTn>
+                        </p:par>
+                      </p:childTnLst>
+                    </p:cTn>
+                  </p:par>
+                  <p:par>
+                    <p:cTn id="11" fill="hold">
+                      <p:stCondLst>
+                        <p:cond delay="indefinite"/>
+                      </p:stCondLst>
+                      <p:childTnLst>
+                        <p:par>
+                          <p:cTn id="12" fill="hold">
+                            <p:stCondLst>
+                              <p:cond delay="0"/>
+                            </p:stCondLst>
+                            <p:childTnLst>
+                              <p:par>
+                                <p:cTn id="13" presetID="1" presetClass="entr" presetSubtype="0" fill="hold" nodeType="clickEffect">
+                                  <p:stCondLst>
+                                    <p:cond delay="0"/>
+                                  </p:stCondLst>
+                                  <p:childTnLst>
+                                    <p:set>
+                                      <p:cBhvr>
+                                        <p:cTn id="14" dur="1" fill="hold">
+                                          <p:stCondLst>
+                                            <p:cond delay="0"/>
+                                          </p:stCondLst>
+                                        </p:cTn>
+                                        <p:tgtEl>
+                                          <p:spTgt spid="4">
+                                            <p:txEl>
+                                              <p:pRg st="2" end="2"/>
+                                            </p:txEl>
+                                          </p:spTgt>
+                                        </p:tgtEl>
+                                        <p:attrNameLst>
+                                          <p:attrName>style.visibility</p:attrName>
+                                        </p:attrNameLst>
+                                      </p:cBhvr>
+                                      <p:to>
+                                        <p:strVal val="visible"/>
+                                      </p:to>
+                                    </p:set>
+                                  </p:childTnLst>
+                                </p:cTn>
+                              </p:par>
+                            </p:childTnLst>
+                          </p:cTn>
+                        </p:par>
+                      </p:childTnLst>
+                    </p:cTn>
+                  </p:par>
+                  <p:par>
+                    <p:cTn id="15" fill="hold">
+                      <p:stCondLst>
+                        <p:cond delay="indefinite"/>
+                      </p:stCondLst>
+                      <p:childTnLst>
+                        <p:par>
+                          <p:cTn id="16" fill="hold">
+                            <p:stCondLst>
+                              <p:cond delay="0"/>
+                            </p:stCondLst>
+                            <p:childTnLst>
+                              <p:par>
+                                <p:cTn id="17" presetID="1" presetClass="entr" presetSubtype="0" fill="hold" nodeType="clickEffect">
+                                  <p:stCondLst>
+                                    <p:cond delay="0"/>
+                                  </p:stCondLst>
+                                  <p:childTnLst>
+                                    <p:set>
+                                      <p:cBhvr>
+                                        <p:cTn id="18" dur="1" fill="hold">
+                                          <p:stCondLst>
+                                            <p:cond delay="0"/>
+                                          </p:stCondLst>
+                                        </p:cTn>
+                                        <p:tgtEl>
+                                          <p:spTgt spid="4">
+                                            <p:txEl>
+                                              <p:pRg st="5" end="5"/>
+                                            </p:txEl>
+                                          </p:spTgt>
+                                        </p:tgtEl>
+                                        <p:attrNameLst>
+                                          <p:attrName>style.visibility</p:attrName>
+                                        </p:attrNameLst>
+                                      </p:cBhvr>
+                                      <p:to>
+                                        <p:strVal val="visible"/>
+                                      </p:to>
+                                    </p:set>
+                                  </p:childTnLst>
+                                </p:cTn>
+                              </p:par>
+                            </p:childTnLst>
+                          </p:cTn>
+                        </p:par>
+                      </p:childTnLst>
+                    </p:cTn>
+                  </p:par>
+                </p:childTnLst>
+              </p:cTn>
+              <p:prevCondLst>
+                <p:cond evt="onPrev" delay="0">
+                  <p:tgtEl>
+                    <p:sldTgt/>
+                  </p:tgtEl>
+                </p:cond>
+              </p:prevCondLst>
+              <p:nextCondLst>
+                <p:cond evt="onNext" delay="0">
+                  <p:tgtEl>
+                    <p:sldTgt/>
+                  </p:tgtEl>
+                </p:cond>
+              </p:nextCondLst>
+            </p:seq>
+          </p:childTnLst>
+        </p:cTn>
       </p:par>
     </p:tnLst>
   </p:timing>

--- a/SignalR-Intro/SignalRIntro.pptx
+++ b/SignalR-Intro/SignalRIntro.pptx
@@ -141,7 +141,7 @@
   </p:defaultTextStyle>
   <p:extLst>
     <p:ext uri="{EFAFB233-063F-42B5-8137-9DF3F51BA10A}">
-      <p15:sldGuideLst xmlns:p15="http://schemas.microsoft.com/office/powerpoint/2012/main">
+      <p15:sldGuideLst xmlns:p15="http://schemas.microsoft.com/office/powerpoint/2012/main" xmlns="">
         <p15:guide id="1" orient="horz" pos="2160">
           <p15:clr>
             <a:srgbClr val="A4A3A4"/>
@@ -3510,7 +3510,7 @@
           <a:p>
             <a:fld id="{2CD0711F-7899-4BEA-9415-D53A8E59CB6E}" type="datetimeFigureOut">
               <a:rPr lang="en-US" smtClean="0"/>
-              <a:t>11/12/2012</a:t>
+              <a:t>11/13/2012</a:t>
             </a:fld>
             <a:endParaRPr lang="en-US"/>
           </a:p>
@@ -8106,7 +8106,7 @@
           <a:p>
             <a:fld id="{B0FAEA03-A86C-449D-8E27-995A897CE7F6}" type="datetimeFigureOut">
               <a:rPr lang="en-US" smtClean="0"/>
-              <a:t>11/12/2012</a:t>
+              <a:t>11/13/2012</a:t>
             </a:fld>
             <a:endParaRPr lang="en-US" dirty="0"/>
           </a:p>
@@ -8276,7 +8276,7 @@
           <a:p>
             <a:fld id="{B0FAEA03-A86C-449D-8E27-995A897CE7F6}" type="datetimeFigureOut">
               <a:rPr lang="en-US" smtClean="0"/>
-              <a:t>11/12/2012</a:t>
+              <a:t>11/13/2012</a:t>
             </a:fld>
             <a:endParaRPr lang="en-US" dirty="0"/>
           </a:p>
@@ -8456,7 +8456,7 @@
           <a:p>
             <a:fld id="{B0FAEA03-A86C-449D-8E27-995A897CE7F6}" type="datetimeFigureOut">
               <a:rPr lang="en-US" smtClean="0"/>
-              <a:t>11/12/2012</a:t>
+              <a:t>11/13/2012</a:t>
             </a:fld>
             <a:endParaRPr lang="en-US" dirty="0"/>
           </a:p>
@@ -8626,7 +8626,7 @@
           <a:p>
             <a:fld id="{B0FAEA03-A86C-449D-8E27-995A897CE7F6}" type="datetimeFigureOut">
               <a:rPr lang="en-US" smtClean="0"/>
-              <a:t>11/12/2012</a:t>
+              <a:t>11/13/2012</a:t>
             </a:fld>
             <a:endParaRPr lang="en-US" dirty="0"/>
           </a:p>
@@ -8872,7 +8872,7 @@
           <a:p>
             <a:fld id="{B0FAEA03-A86C-449D-8E27-995A897CE7F6}" type="datetimeFigureOut">
               <a:rPr lang="en-US" smtClean="0"/>
-              <a:t>11/12/2012</a:t>
+              <a:t>11/13/2012</a:t>
             </a:fld>
             <a:endParaRPr lang="en-US" dirty="0"/>
           </a:p>
@@ -9160,7 +9160,7 @@
           <a:p>
             <a:fld id="{B0FAEA03-A86C-449D-8E27-995A897CE7F6}" type="datetimeFigureOut">
               <a:rPr lang="en-US" smtClean="0"/>
-              <a:t>11/12/2012</a:t>
+              <a:t>11/13/2012</a:t>
             </a:fld>
             <a:endParaRPr lang="en-US" dirty="0"/>
           </a:p>
@@ -9582,7 +9582,7 @@
           <a:p>
             <a:fld id="{B0FAEA03-A86C-449D-8E27-995A897CE7F6}" type="datetimeFigureOut">
               <a:rPr lang="en-US" smtClean="0"/>
-              <a:t>11/12/2012</a:t>
+              <a:t>11/13/2012</a:t>
             </a:fld>
             <a:endParaRPr lang="en-US" dirty="0"/>
           </a:p>
@@ -9700,7 +9700,7 @@
           <a:p>
             <a:fld id="{B0FAEA03-A86C-449D-8E27-995A897CE7F6}" type="datetimeFigureOut">
               <a:rPr lang="en-US" smtClean="0"/>
-              <a:t>11/12/2012</a:t>
+              <a:t>11/13/2012</a:t>
             </a:fld>
             <a:endParaRPr lang="en-US" dirty="0"/>
           </a:p>
@@ -9795,7 +9795,7 @@
           <a:p>
             <a:fld id="{B0FAEA03-A86C-449D-8E27-995A897CE7F6}" type="datetimeFigureOut">
               <a:rPr lang="en-US" smtClean="0"/>
-              <a:t>11/12/2012</a:t>
+              <a:t>11/13/2012</a:t>
             </a:fld>
             <a:endParaRPr lang="en-US" dirty="0"/>
           </a:p>
@@ -10072,7 +10072,7 @@
           <a:p>
             <a:fld id="{B0FAEA03-A86C-449D-8E27-995A897CE7F6}" type="datetimeFigureOut">
               <a:rPr lang="en-US" smtClean="0"/>
-              <a:t>11/12/2012</a:t>
+              <a:t>11/13/2012</a:t>
             </a:fld>
             <a:endParaRPr lang="en-US" dirty="0"/>
           </a:p>
@@ -10325,7 +10325,7 @@
           <a:p>
             <a:fld id="{B0FAEA03-A86C-449D-8E27-995A897CE7F6}" type="datetimeFigureOut">
               <a:rPr lang="en-US" smtClean="0"/>
-              <a:t>11/12/2012</a:t>
+              <a:t>11/13/2012</a:t>
             </a:fld>
             <a:endParaRPr lang="en-US" dirty="0"/>
           </a:p>
@@ -10541,7 +10541,7 @@
           <a:p>
             <a:fld id="{B0FAEA03-A86C-449D-8E27-995A897CE7F6}" type="datetimeFigureOut">
               <a:rPr lang="en-US" smtClean="0"/>
-              <a:t>11/12/2012</a:t>
+              <a:t>11/13/2012</a:t>
             </a:fld>
             <a:endParaRPr lang="en-US" dirty="0"/>
           </a:p>
@@ -13213,7 +13213,7 @@
         <p:spPr>
           <a:xfrm>
             <a:off x="228600" y="1143000"/>
-            <a:ext cx="4191000" cy="4801314"/>
+            <a:ext cx="4191000" cy="5416868"/>
           </a:xfrm>
           <a:prstGeom prst="rect">
             <a:avLst/>
@@ -13226,7 +13226,7 @@
           <a:lstStyle/>
           <a:p>
             <a:r>
-              <a:rPr lang="en-US" sz="4000" dirty="0" smtClean="0">
+              <a:rPr lang="en-US" sz="4000" dirty="0">
                 <a:solidFill>
                   <a:schemeClr val="tx1">
                     <a:lumMod val="65000"/>
@@ -13235,7 +13235,44 @@
                 </a:solidFill>
                 <a:latin typeface="Yanone Kaffeesatz Bold" pitchFamily="2" charset="0"/>
               </a:rPr>
-              <a:t>Emulates Server Push</a:t>
+              <a:t>Standard AJAX, supported in most browsers</a:t>
+            </a:r>
+          </a:p>
+          <a:p>
+            <a:endParaRPr lang="en-US" sz="4000" dirty="0" smtClean="0">
+              <a:solidFill>
+                <a:schemeClr val="tx1">
+                  <a:lumMod val="65000"/>
+                  <a:lumOff val="35000"/>
+                </a:schemeClr>
+              </a:solidFill>
+              <a:latin typeface="Yanone Kaffeesatz Bold" pitchFamily="2" charset="0"/>
+            </a:endParaRPr>
+          </a:p>
+          <a:p>
+            <a:r>
+              <a:rPr lang="en-US" sz="4000" dirty="0" smtClean="0">
+                <a:solidFill>
+                  <a:schemeClr val="tx1">
+                    <a:lumMod val="65000"/>
+                    <a:lumOff val="35000"/>
+                  </a:schemeClr>
+                </a:solidFill>
+                <a:latin typeface="Yanone Kaffeesatz Bold" pitchFamily="2" charset="0"/>
+              </a:rPr>
+              <a:t>Emulates </a:t>
+            </a:r>
+            <a:r>
+              <a:rPr lang="en-US" sz="4000" dirty="0" smtClean="0">
+                <a:solidFill>
+                  <a:schemeClr val="tx1">
+                    <a:lumMod val="65000"/>
+                    <a:lumOff val="35000"/>
+                  </a:schemeClr>
+                </a:solidFill>
+                <a:latin typeface="Yanone Kaffeesatz Bold" pitchFamily="2" charset="0"/>
+              </a:rPr>
+              <a:t>Server Push</a:t>
             </a:r>
             <a:endParaRPr lang="en-US" sz="4000" dirty="0">
               <a:solidFill>
@@ -13320,29 +13357,6 @@
                 <a:schemeClr val="tx1">
                   <a:lumMod val="50000"/>
                   <a:lumOff val="50000"/>
-                </a:schemeClr>
-              </a:solidFill>
-              <a:latin typeface="Yanone Kaffeesatz Bold" pitchFamily="2" charset="0"/>
-            </a:endParaRPr>
-          </a:p>
-          <a:p>
-            <a:r>
-              <a:rPr lang="en-US" sz="4000" dirty="0" smtClean="0">
-                <a:solidFill>
-                  <a:schemeClr val="tx1">
-                    <a:lumMod val="65000"/>
-                    <a:lumOff val="35000"/>
-                  </a:schemeClr>
-                </a:solidFill>
-                <a:latin typeface="Yanone Kaffeesatz Bold" pitchFamily="2" charset="0"/>
-              </a:rPr>
-              <a:t>Standard AJAX, supported in most browsers</a:t>
-            </a:r>
-            <a:endParaRPr lang="en-US" sz="4000" dirty="0">
-              <a:solidFill>
-                <a:schemeClr val="tx1">
-                  <a:lumMod val="65000"/>
-                  <a:lumOff val="35000"/>
                 </a:schemeClr>
               </a:solidFill>
               <a:latin typeface="Yanone Kaffeesatz Bold" pitchFamily="2" charset="0"/>
@@ -13490,7 +13504,7 @@
                                         <p:tgtEl>
                                           <p:spTgt spid="5">
                                             <p:txEl>
-                                              <p:pRg st="1" end="1"/>
+                                              <p:pRg st="2" end="2"/>
                                             </p:txEl>
                                           </p:spTgt>
                                         </p:tgtEl>
@@ -13539,7 +13553,7 @@
                                         <p:tgtEl>
                                           <p:spTgt spid="5">
                                             <p:txEl>
-                                              <p:pRg st="4" end="4"/>
+                                              <p:pRg st="3" end="3"/>
                                             </p:txEl>
                                           </p:spTgt>
                                         </p:tgtEl>
@@ -14667,7 +14681,31 @@
                 </a:solidFill>
                 <a:latin typeface="Yanone Kaffeesatz Bold" pitchFamily="2" charset="0"/>
               </a:rPr>
-              <a:t>Created by David Fowler and Damien Edwards @Microsoft</a:t>
+              <a:t>Created by David Fowler and </a:t>
+            </a:r>
+            <a:r>
+              <a:rPr lang="en-US" sz="4500" dirty="0" smtClean="0">
+                <a:solidFill>
+                  <a:schemeClr val="tx1">
+                    <a:lumMod val="65000"/>
+                    <a:lumOff val="35000"/>
+                  </a:schemeClr>
+                </a:solidFill>
+                <a:latin typeface="Yanone Kaffeesatz Bold" pitchFamily="2" charset="0"/>
+              </a:rPr>
+              <a:t>Damian </a:t>
+            </a:r>
+            <a:r>
+              <a:rPr lang="en-US" sz="4500" dirty="0" smtClean="0">
+                <a:solidFill>
+                  <a:schemeClr val="tx1">
+                    <a:lumMod val="65000"/>
+                    <a:lumOff val="35000"/>
+                  </a:schemeClr>
+                </a:solidFill>
+                <a:latin typeface="Yanone Kaffeesatz Bold" pitchFamily="2" charset="0"/>
+              </a:rPr>
+              <a:t>Edwards @Microsoft</a:t>
             </a:r>
             <a:endParaRPr lang="en-US" sz="5000" dirty="0" smtClean="0">
               <a:solidFill>
@@ -16565,7 +16603,19 @@
                 <a:latin typeface="Yanone Kaffeesatz Bold" pitchFamily="2" charset="0"/>
                 <a:cs typeface="Aharoni" pitchFamily="2" charset="-79"/>
               </a:rPr>
-              <a:t>Recap – Connection Types</a:t>
+              <a:t>Recap – </a:t>
+            </a:r>
+            <a:r>
+              <a:rPr lang="en-US" sz="8000" dirty="0" smtClean="0">
+                <a:solidFill>
+                  <a:schemeClr val="accent3">
+                    <a:lumMod val="75000"/>
+                  </a:schemeClr>
+                </a:solidFill>
+                <a:latin typeface="Yanone Kaffeesatz Bold" pitchFamily="2" charset="0"/>
+                <a:cs typeface="Aharoni" pitchFamily="2" charset="-79"/>
+              </a:rPr>
+              <a:t>Endpoints</a:t>
             </a:r>
             <a:endParaRPr lang="en-US" sz="8000" dirty="0">
               <a:solidFill>
@@ -20832,7 +20882,7 @@
         <p:spPr>
           <a:xfrm>
             <a:off x="228600" y="1295400"/>
-            <a:ext cx="5105400" cy="5386090"/>
+            <a:ext cx="5105400" cy="5786199"/>
           </a:xfrm>
           <a:prstGeom prst="rect">
             <a:avLst/>
@@ -20891,10 +20941,7 @@
             </a:endParaRPr>
           </a:p>
           <a:p>
-            <a:pPr marL="742950" lvl="1" indent="-285750">
-              <a:buFont typeface="Arial" pitchFamily="34" charset="0"/>
-              <a:buChar char="•"/>
-            </a:pPr>
+            <a:pPr lvl="1"/>
             <a:r>
               <a:rPr lang="en-US" sz="3000" dirty="0" err="1" smtClean="0">
                 <a:solidFill>
@@ -20930,6 +20977,54 @@
                 <a:latin typeface="Yanone Kaffeesatz Bold" pitchFamily="2" charset="0"/>
               </a:rPr>
               <a:t>ajax</a:t>
+            </a:r>
+            <a:endParaRPr lang="en-US" sz="3000" dirty="0" smtClean="0">
+              <a:solidFill>
+                <a:schemeClr val="tx1">
+                  <a:lumMod val="65000"/>
+                  <a:lumOff val="35000"/>
+                </a:schemeClr>
+              </a:solidFill>
+              <a:latin typeface="Yanone Kaffeesatz Bold" pitchFamily="2" charset="0"/>
+            </a:endParaRPr>
+          </a:p>
+          <a:p>
+            <a:pPr lvl="1"/>
+            <a:r>
+              <a:rPr lang="en-US" sz="3000" dirty="0" err="1" smtClean="0">
+                <a:solidFill>
+                  <a:schemeClr val="tx1">
+                    <a:lumMod val="65000"/>
+                    <a:lumOff val="35000"/>
+                  </a:schemeClr>
+                </a:solidFill>
+                <a:latin typeface="Yanone Kaffeesatz Bold" pitchFamily="2" charset="0"/>
+              </a:rPr>
+              <a:t>UpdatePanel</a:t>
+            </a:r>
+            <a:r>
+              <a:rPr lang="en-US" sz="3000" dirty="0">
+                <a:solidFill>
+                  <a:schemeClr val="tx1">
+                    <a:lumMod val="65000"/>
+                    <a:lumOff val="35000"/>
+                  </a:schemeClr>
+                </a:solidFill>
+                <a:latin typeface="Yanone Kaffeesatz Bold" pitchFamily="2" charset="0"/>
+              </a:rPr>
+              <a:t> </a:t>
+            </a:r>
+            <a:r>
+              <a:rPr lang="en-US" sz="3000" dirty="0" smtClean="0">
+                <a:solidFill>
+                  <a:schemeClr val="tx1">
+                    <a:lumMod val="65000"/>
+                    <a:lumOff val="35000"/>
+                  </a:schemeClr>
+                </a:solidFill>
+                <a:latin typeface="Yanone Kaffeesatz Bold" pitchFamily="2" charset="0"/>
+              </a:rPr>
+              <a:t>(please don’t)</a:t>
             </a:r>
             <a:endParaRPr lang="en-US" sz="3000" dirty="0">
               <a:solidFill>
@@ -20955,6 +21050,30 @@
           </a:p>
           <a:p>
             <a:pPr lvl="1"/>
+            <a:endParaRPr lang="en-US" dirty="0" smtClean="0">
+              <a:solidFill>
+                <a:schemeClr val="tx1">
+                  <a:lumMod val="50000"/>
+                  <a:lumOff val="50000"/>
+                </a:schemeClr>
+              </a:solidFill>
+              <a:latin typeface="Yanone Kaffeesatz Bold" pitchFamily="2" charset="0"/>
+            </a:endParaRPr>
+          </a:p>
+          <a:p>
+            <a:pPr lvl="1"/>
+            <a:endParaRPr lang="en-US" dirty="0">
+              <a:solidFill>
+                <a:schemeClr val="tx1">
+                  <a:lumMod val="50000"/>
+                  <a:lumOff val="50000"/>
+                </a:schemeClr>
+              </a:solidFill>
+              <a:latin typeface="Yanone Kaffeesatz Bold" pitchFamily="2" charset="0"/>
+            </a:endParaRPr>
+          </a:p>
+          <a:p>
+            <a:pPr lvl="1"/>
             <a:endParaRPr lang="en-US" dirty="0">
               <a:solidFill>
                 <a:schemeClr val="tx1">
@@ -21036,96 +21155,8 @@
               <a:latin typeface="Yanone Kaffeesatz Bold" pitchFamily="2" charset="0"/>
             </a:endParaRPr>
           </a:p>
-          <a:p>
-            <a:r>
-              <a:rPr lang="en-US" sz="4000" dirty="0" smtClean="0">
-                <a:solidFill>
-                  <a:schemeClr val="tx1">
-                    <a:lumMod val="65000"/>
-                    <a:lumOff val="35000"/>
-                  </a:schemeClr>
-                </a:solidFill>
-                <a:latin typeface="Yanone Kaffeesatz Bold" pitchFamily="2" charset="0"/>
-              </a:rPr>
-              <a:t>Update</a:t>
-            </a:r>
-            <a:r>
-              <a:rPr lang="en-US" sz="4000" dirty="0" smtClean="0">
-                <a:solidFill>
-                  <a:schemeClr val="tx1">
-                    <a:lumMod val="50000"/>
-                    <a:lumOff val="50000"/>
-                  </a:schemeClr>
-                </a:solidFill>
-                <a:latin typeface="Yanone Kaffeesatz Bold" pitchFamily="2" charset="0"/>
-              </a:rPr>
-              <a:t> </a:t>
-            </a:r>
-            <a:r>
-              <a:rPr lang="en-US" sz="4000" dirty="0" smtClean="0">
-                <a:solidFill>
-                  <a:schemeClr val="tx1">
-                    <a:lumMod val="65000"/>
-                    <a:lumOff val="35000"/>
-                  </a:schemeClr>
-                </a:solidFill>
-                <a:latin typeface="Yanone Kaffeesatz Bold" pitchFamily="2" charset="0"/>
-              </a:rPr>
-              <a:t>Panels</a:t>
-            </a:r>
-            <a:endParaRPr lang="en-US" sz="4000" dirty="0">
-              <a:solidFill>
-                <a:schemeClr val="tx1">
-                  <a:lumMod val="65000"/>
-                  <a:lumOff val="35000"/>
-                </a:schemeClr>
-              </a:solidFill>
-              <a:latin typeface="Yanone Kaffeesatz Bold" pitchFamily="2" charset="0"/>
-            </a:endParaRPr>
-          </a:p>
         </p:txBody>
       </p:sp>
-      <p:pic>
-        <p:nvPicPr>
-          <p:cNvPr id="1027" name="Picture 3" descr="C:\Users\ahmed.alani\Desktop\Work\Presentation\lukeNO.jpg"/>
-          <p:cNvPicPr>
-            <a:picLocks noChangeAspect="1" noChangeArrowheads="1"/>
-          </p:cNvPicPr>
-          <p:nvPr/>
-        </p:nvPicPr>
-        <p:blipFill>
-          <a:blip r:embed="rId4">
-            <a:extLst>
-              <a:ext uri="{28A0092B-C50C-407E-A947-70E740481C1C}">
-                <a14:useLocalDpi xmlns:a14="http://schemas.microsoft.com/office/drawing/2010/main" val="0"/>
-              </a:ext>
-            </a:extLst>
-          </a:blip>
-          <a:srcRect/>
-          <a:stretch>
-            <a:fillRect/>
-          </a:stretch>
-        </p:blipFill>
-        <p:spPr bwMode="auto">
-          <a:xfrm>
-            <a:off x="2590800" y="5562600"/>
-            <a:ext cx="1676400" cy="1257300"/>
-          </a:xfrm>
-          <a:prstGeom prst="rect">
-            <a:avLst/>
-          </a:prstGeom>
-          <a:noFill/>
-          <a:extLst>
-            <a:ext uri="{909E8E84-426E-40DD-AFC4-6F175D3DCCD1}">
-              <a14:hiddenFill xmlns:a14="http://schemas.microsoft.com/office/drawing/2010/main">
-                <a:solidFill>
-                  <a:srgbClr val="FFFFFF"/>
-                </a:solidFill>
-              </a14:hiddenFill>
-            </a:ext>
-          </a:extLst>
-        </p:spPr>
-      </p:pic>
       <p:sp>
         <p:nvSpPr>
           <p:cNvPr id="7" name="Title 1"/>
@@ -21136,7 +21167,7 @@
         </p:nvSpPr>
         <p:spPr>
           <a:xfrm>
-            <a:off x="1387256" y="4114800"/>
+            <a:off x="1387256" y="5029200"/>
             <a:ext cx="2727543" cy="811213"/>
           </a:xfrm>
           <a:prstGeom prst="rect">
@@ -21211,7 +21242,7 @@
         </p:nvSpPr>
         <p:spPr>
           <a:xfrm>
-            <a:off x="2367419" y="4675187"/>
+            <a:off x="2367419" y="5589587"/>
             <a:ext cx="2585581" cy="811213"/>
           </a:xfrm>
           <a:prstGeom prst="rect">
@@ -21306,7 +21337,7 @@
         </p:nvSpPr>
         <p:spPr>
           <a:xfrm>
-            <a:off x="457200" y="4648200"/>
+            <a:off x="457200" y="5562600"/>
             <a:ext cx="2247900" cy="811213"/>
           </a:xfrm>
           <a:prstGeom prst="rect">
@@ -21554,7 +21585,7 @@
                                         <p:tgtEl>
                                           <p:spTgt spid="4">
                                             <p:txEl>
-                                              <p:pRg st="4" end="4"/>
+                                              <p:pRg st="2" end="2"/>
                                             </p:txEl>
                                           </p:spTgt>
                                         </p:tgtEl>
@@ -21588,7 +21619,7 @@
                             </p:stCondLst>
                             <p:childTnLst>
                               <p:par>
-                                <p:cTn id="19" presetID="1" presetClass="entr" presetSubtype="0" fill="hold" grpId="0" nodeType="clickEffect">
+                                <p:cTn id="19" presetID="1" presetClass="entr" presetSubtype="0" fill="hold" nodeType="clickEffect">
                                   <p:stCondLst>
                                     <p:cond delay="0"/>
                                   </p:stCondLst>
@@ -21601,7 +21632,11 @@
                                           </p:stCondLst>
                                         </p:cTn>
                                         <p:tgtEl>
-                                          <p:spTgt spid="7"/>
+                                          <p:spTgt spid="4">
+                                            <p:txEl>
+                                              <p:pRg st="7" end="7"/>
+                                            </p:txEl>
+                                          </p:spTgt>
                                         </p:tgtEl>
                                         <p:attrNameLst>
                                           <p:attrName>style.visibility</p:attrName>
@@ -21646,7 +21681,7 @@
                                           </p:stCondLst>
                                         </p:cTn>
                                         <p:tgtEl>
-                                          <p:spTgt spid="11"/>
+                                          <p:spTgt spid="7"/>
                                         </p:tgtEl>
                                         <p:attrNameLst>
                                           <p:attrName>style.visibility</p:attrName>
@@ -21691,7 +21726,7 @@
                                           </p:stCondLst>
                                         </p:cTn>
                                         <p:tgtEl>
-                                          <p:spTgt spid="8"/>
+                                          <p:spTgt spid="11"/>
                                         </p:tgtEl>
                                         <p:attrNameLst>
                                           <p:attrName>style.visibility</p:attrName>
@@ -21723,7 +21758,7 @@
                             </p:stCondLst>
                             <p:childTnLst>
                               <p:par>
-                                <p:cTn id="31" presetID="1" presetClass="entr" presetSubtype="0" fill="hold" nodeType="clickEffect">
+                                <p:cTn id="31" presetID="1" presetClass="entr" presetSubtype="0" fill="hold" grpId="0" nodeType="clickEffect">
                                   <p:stCondLst>
                                     <p:cond delay="0"/>
                                   </p:stCondLst>
@@ -21736,56 +21771,7 @@
                                           </p:stCondLst>
                                         </p:cTn>
                                         <p:tgtEl>
-                                          <p:spTgt spid="4">
-                                            <p:txEl>
-                                              <p:pRg st="10" end="10"/>
-                                            </p:txEl>
-                                          </p:spTgt>
-                                        </p:tgtEl>
-                                        <p:attrNameLst>
-                                          <p:attrName>style.visibility</p:attrName>
-                                        </p:attrNameLst>
-                                      </p:cBhvr>
-                                      <p:to>
-                                        <p:strVal val="visible"/>
-                                      </p:to>
-                                    </p:set>
-                                  </p:childTnLst>
-                                </p:cTn>
-                              </p:par>
-                            </p:childTnLst>
-                          </p:cTn>
-                        </p:par>
-                      </p:childTnLst>
-                    </p:cTn>
-                  </p:par>
-                  <p:par>
-                    <p:cTn id="33" fill="hold">
-                      <p:stCondLst>
-                        <p:cond delay="indefinite"/>
-                      </p:stCondLst>
-                      <p:childTnLst>
-                        <p:par>
-                          <p:cTn id="34" fill="hold">
-                            <p:stCondLst>
-                              <p:cond delay="0"/>
-                            </p:stCondLst>
-                            <p:childTnLst>
-                              <p:par>
-                                <p:cTn id="35" presetID="1" presetClass="entr" presetSubtype="0" fill="hold" nodeType="clickEffect">
-                                  <p:stCondLst>
-                                    <p:cond delay="0"/>
-                                  </p:stCondLst>
-                                  <p:childTnLst>
-                                    <p:set>
-                                      <p:cBhvr>
-                                        <p:cTn id="36" dur="1" fill="hold">
-                                          <p:stCondLst>
-                                            <p:cond delay="0"/>
-                                          </p:stCondLst>
-                                        </p:cTn>
-                                        <p:tgtEl>
-                                          <p:spTgt spid="1027"/>
+                                          <p:spTgt spid="8"/>
                                         </p:tgtEl>
                                         <p:attrNameLst>
                                           <p:attrName>style.visibility</p:attrName>
